--- a/空白PPT.pptx
+++ b/空白PPT.pptx
@@ -5,36 +5,43 @@
     <p:sldMasterId id="2147483648" r:id="rId1"/>
   </p:sldMasterIdLst>
   <p:notesMasterIdLst>
-    <p:notesMasterId r:id="rId29"/>
+    <p:notesMasterId r:id="rId36"/>
   </p:notesMasterIdLst>
   <p:sldIdLst>
     <p:sldId id="256" r:id="rId2"/>
     <p:sldId id="296" r:id="rId3"/>
     <p:sldId id="291" r:id="rId4"/>
-    <p:sldId id="354" r:id="rId5"/>
-    <p:sldId id="404" r:id="rId6"/>
-    <p:sldId id="383" r:id="rId7"/>
-    <p:sldId id="384" r:id="rId8"/>
-    <p:sldId id="385" r:id="rId9"/>
-    <p:sldId id="386" r:id="rId10"/>
-    <p:sldId id="387" r:id="rId11"/>
-    <p:sldId id="388" r:id="rId12"/>
-    <p:sldId id="389" r:id="rId13"/>
-    <p:sldId id="390" r:id="rId14"/>
-    <p:sldId id="391" r:id="rId15"/>
-    <p:sldId id="392" r:id="rId16"/>
-    <p:sldId id="393" r:id="rId17"/>
-    <p:sldId id="394" r:id="rId18"/>
-    <p:sldId id="396" r:id="rId19"/>
-    <p:sldId id="395" r:id="rId20"/>
-    <p:sldId id="400" r:id="rId21"/>
-    <p:sldId id="397" r:id="rId22"/>
-    <p:sldId id="398" r:id="rId23"/>
-    <p:sldId id="399" r:id="rId24"/>
-    <p:sldId id="401" r:id="rId25"/>
-    <p:sldId id="402" r:id="rId26"/>
-    <p:sldId id="403" r:id="rId27"/>
-    <p:sldId id="286" r:id="rId28"/>
+    <p:sldId id="411" r:id="rId5"/>
+    <p:sldId id="413" r:id="rId6"/>
+    <p:sldId id="414" r:id="rId7"/>
+    <p:sldId id="408" r:id="rId8"/>
+    <p:sldId id="410" r:id="rId9"/>
+    <p:sldId id="409" r:id="rId10"/>
+    <p:sldId id="405" r:id="rId11"/>
+    <p:sldId id="406" r:id="rId12"/>
+    <p:sldId id="407" r:id="rId13"/>
+    <p:sldId id="412" r:id="rId14"/>
+    <p:sldId id="354" r:id="rId15"/>
+    <p:sldId id="388" r:id="rId16"/>
+    <p:sldId id="389" r:id="rId17"/>
+    <p:sldId id="390" r:id="rId18"/>
+    <p:sldId id="384" r:id="rId19"/>
+    <p:sldId id="385" r:id="rId20"/>
+    <p:sldId id="386" r:id="rId21"/>
+    <p:sldId id="387" r:id="rId22"/>
+    <p:sldId id="392" r:id="rId23"/>
+    <p:sldId id="393" r:id="rId24"/>
+    <p:sldId id="394" r:id="rId25"/>
+    <p:sldId id="396" r:id="rId26"/>
+    <p:sldId id="395" r:id="rId27"/>
+    <p:sldId id="400" r:id="rId28"/>
+    <p:sldId id="397" r:id="rId29"/>
+    <p:sldId id="398" r:id="rId30"/>
+    <p:sldId id="399" r:id="rId31"/>
+    <p:sldId id="401" r:id="rId32"/>
+    <p:sldId id="402" r:id="rId33"/>
+    <p:sldId id="403" r:id="rId34"/>
+    <p:sldId id="286" r:id="rId35"/>
   </p:sldIdLst>
   <p:sldSz cx="12192000" cy="6858000"/>
   <p:notesSz cx="6858000" cy="9144000"/>
@@ -141,17 +148,24 @@
             <p14:sldId id="256"/>
             <p14:sldId id="296"/>
             <p14:sldId id="291"/>
+            <p14:sldId id="411"/>
+            <p14:sldId id="413"/>
+            <p14:sldId id="414"/>
+            <p14:sldId id="408"/>
+            <p14:sldId id="410"/>
+            <p14:sldId id="409"/>
+            <p14:sldId id="405"/>
+            <p14:sldId id="406"/>
+            <p14:sldId id="407"/>
+            <p14:sldId id="412"/>
             <p14:sldId id="354"/>
-            <p14:sldId id="404"/>
-            <p14:sldId id="383"/>
+            <p14:sldId id="388"/>
+            <p14:sldId id="389"/>
+            <p14:sldId id="390"/>
             <p14:sldId id="384"/>
             <p14:sldId id="385"/>
             <p14:sldId id="386"/>
             <p14:sldId id="387"/>
-            <p14:sldId id="388"/>
-            <p14:sldId id="389"/>
-            <p14:sldId id="390"/>
-            <p14:sldId id="391"/>
             <p14:sldId id="392"/>
             <p14:sldId id="393"/>
             <p14:sldId id="394"/>
@@ -269,7 +283,7 @@
           <a:p>
             <a:fld id="{1BA5755D-7932-44A5-A2C7-C8A2CBF288E8}" type="datetimeFigureOut">
               <a:rPr lang="zh-TW" altLang="en-US" smtClean="0"/>
-              <a:t>2020/1/30</a:t>
+              <a:t>2020/2/3</a:t>
             </a:fld>
             <a:endParaRPr lang="zh-TW" altLang="en-US"/>
           </a:p>
@@ -748,6 +762,107 @@
           <a:bodyPr/>
           <a:lstStyle/>
           <a:p>
+            <a:pPr marL="0" marR="0" indent="0" algn="l" defTabSz="914400" rtl="0" eaLnBrk="1" fontAlgn="auto" latinLnBrk="0" hangingPunct="1">
+              <a:lnSpc>
+                <a:spcPct val="100000"/>
+              </a:lnSpc>
+              <a:spcBef>
+                <a:spcPts val="0"/>
+              </a:spcBef>
+              <a:spcAft>
+                <a:spcPts val="0"/>
+              </a:spcAft>
+              <a:buClrTx/>
+              <a:buSzTx/>
+              <a:buFontTx/>
+              <a:buNone/>
+              <a:tabLst/>
+              <a:defRPr/>
+            </a:pPr>
+            <a:endParaRPr lang="en-US" altLang="zh-CN" dirty="0" smtClean="0"/>
+          </a:p>
+        </p:txBody>
+      </p:sp>
+      <p:sp>
+        <p:nvSpPr>
+          <p:cNvPr id="4" name="投影片編號版面配置區 3"/>
+          <p:cNvSpPr>
+            <a:spLocks noGrp="1"/>
+          </p:cNvSpPr>
+          <p:nvPr>
+            <p:ph type="sldNum" sz="quarter" idx="10"/>
+          </p:nvPr>
+        </p:nvSpPr>
+        <p:spPr/>
+        <p:txBody>
+          <a:bodyPr/>
+          <a:lstStyle/>
+          <a:p>
+            <a:fld id="{EEBFCD98-6B9E-4D19-9C43-11FCDEF19DFC}" type="slidenum">
+              <a:rPr lang="zh-TW" altLang="en-US" smtClean="0"/>
+              <a:t>8</a:t>
+            </a:fld>
+            <a:endParaRPr lang="zh-TW" altLang="en-US"/>
+          </a:p>
+        </p:txBody>
+      </p:sp>
+    </p:spTree>
+    <p:extLst>
+      <p:ext uri="{BB962C8B-B14F-4D97-AF65-F5344CB8AC3E}">
+        <p14:creationId xmlns:p14="http://schemas.microsoft.com/office/powerpoint/2010/main" val="3705408057"/>
+      </p:ext>
+    </p:extLst>
+  </p:cSld>
+  <p:clrMapOvr>
+    <a:masterClrMapping/>
+  </p:clrMapOvr>
+</p:notes>
+</file>
+
+<file path=ppt/notesSlides/notesSlide4.xml><?xml version="1.0" encoding="utf-8"?>
+<p:notes xmlns:a="http://schemas.openxmlformats.org/drawingml/2006/main" xmlns:r="http://schemas.openxmlformats.org/officeDocument/2006/relationships" xmlns:p="http://schemas.openxmlformats.org/presentationml/2006/main">
+  <p:cSld>
+    <p:spTree>
+      <p:nvGrpSpPr>
+        <p:cNvPr id="1" name=""/>
+        <p:cNvGrpSpPr/>
+        <p:nvPr/>
+      </p:nvGrpSpPr>
+      <p:grpSpPr>
+        <a:xfrm>
+          <a:off x="0" y="0"/>
+          <a:ext cx="0" cy="0"/>
+          <a:chOff x="0" y="0"/>
+          <a:chExt cx="0" cy="0"/>
+        </a:xfrm>
+      </p:grpSpPr>
+      <p:sp>
+        <p:nvSpPr>
+          <p:cNvPr id="2" name="投影片圖像版面配置區 1"/>
+          <p:cNvSpPr>
+            <a:spLocks noGrp="1" noRot="1" noChangeAspect="1"/>
+          </p:cNvSpPr>
+          <p:nvPr>
+            <p:ph type="sldImg"/>
+          </p:nvPr>
+        </p:nvSpPr>
+        <p:spPr/>
+      </p:sp>
+      <p:sp>
+        <p:nvSpPr>
+          <p:cNvPr id="3" name="備忘稿版面配置區 2"/>
+          <p:cNvSpPr>
+            <a:spLocks noGrp="1"/>
+          </p:cNvSpPr>
+          <p:nvPr>
+            <p:ph type="body" idx="1"/>
+          </p:nvPr>
+        </p:nvSpPr>
+        <p:spPr/>
+        <p:txBody>
+          <a:bodyPr/>
+          <a:lstStyle/>
+          <a:p>
             <a:r>
               <a:rPr lang="en-US" altLang="zh-TW" dirty="0" smtClean="0">
                 <a:hlinkClick r:id="rId3"/>
@@ -763,7 +878,40 @@
               </a:rPr>
               <a:t>https://juejin.im/post/5c6e827ae51d452da9672094</a:t>
             </a:r>
-            <a:endParaRPr lang="zh-TW" altLang="en-US" dirty="0"/>
+            <a:endParaRPr lang="en-US" altLang="zh-TW" dirty="0" smtClean="0"/>
+          </a:p>
+          <a:p>
+            <a:pPr marL="514350" indent="-514350">
+              <a:buAutoNum type="arabicPeriod"/>
+            </a:pPr>
+            <a:r>
+              <a:rPr lang="en-US" altLang="zh-TW" dirty="0" smtClean="0"/>
+              <a:t>Spring Cloud </a:t>
+            </a:r>
+            <a:r>
+              <a:rPr lang="en-US" altLang="zh-TW" dirty="0" err="1" smtClean="0"/>
+              <a:t>Config</a:t>
+            </a:r>
+            <a:endParaRPr lang="en-US" altLang="zh-TW" dirty="0" smtClean="0"/>
+          </a:p>
+          <a:p>
+            <a:pPr marL="514350" indent="-514350">
+              <a:buAutoNum type="arabicPeriod"/>
+            </a:pPr>
+            <a:r>
+              <a:rPr lang="en-US" altLang="zh-TW" dirty="0" smtClean="0"/>
+              <a:t>Apollo</a:t>
+            </a:r>
+          </a:p>
+          <a:p>
+            <a:pPr marL="514350" indent="-514350">
+              <a:buAutoNum type="arabicPeriod"/>
+            </a:pPr>
+            <a:r>
+              <a:rPr lang="en-US" altLang="zh-TW" dirty="0" err="1" smtClean="0"/>
+              <a:t>Nacos</a:t>
+            </a:r>
+            <a:endParaRPr lang="zh-TW" altLang="en-US" dirty="0" smtClean="0"/>
           </a:p>
         </p:txBody>
       </p:sp>
@@ -784,7 +932,7 @@
           <a:p>
             <a:fld id="{EEBFCD98-6B9E-4D19-9C43-11FCDEF19DFC}" type="slidenum">
               <a:rPr lang="zh-TW" altLang="en-US" smtClean="0"/>
-              <a:t>5</a:t>
+              <a:t>33</a:t>
             </a:fld>
             <a:endParaRPr lang="zh-TW" altLang="en-US"/>
           </a:p>
@@ -793,7 +941,7 @@
     </p:spTree>
     <p:extLst>
       <p:ext uri="{BB962C8B-B14F-4D97-AF65-F5344CB8AC3E}">
-        <p14:creationId xmlns:p14="http://schemas.microsoft.com/office/powerpoint/2010/main" val="4021957445"/>
+        <p14:creationId xmlns:p14="http://schemas.microsoft.com/office/powerpoint/2010/main" val="1930459848"/>
       </p:ext>
     </p:extLst>
   </p:cSld>
@@ -1011,7 +1159,7 @@
           <a:p>
             <a:fld id="{75F8934F-7F83-1046-9341-02CE27D9104D}" type="datetimeFigureOut">
               <a:rPr kumimoji="1" lang="zh-TW" altLang="en-US" smtClean="0"/>
-              <a:t>2020/1/30</a:t>
+              <a:t>2020/2/3</a:t>
             </a:fld>
             <a:endParaRPr kumimoji="1" lang="zh-TW" altLang="en-US" dirty="0"/>
           </a:p>
@@ -1244,7 +1392,7 @@
           <a:p>
             <a:fld id="{75F8934F-7F83-1046-9341-02CE27D9104D}" type="datetimeFigureOut">
               <a:rPr kumimoji="1" lang="zh-TW" altLang="en-US" smtClean="0"/>
-              <a:t>2020/1/30</a:t>
+              <a:t>2020/2/3</a:t>
             </a:fld>
             <a:endParaRPr kumimoji="1" lang="zh-TW" altLang="en-US"/>
           </a:p>
@@ -1485,7 +1633,7 @@
           <a:p>
             <a:fld id="{75F8934F-7F83-1046-9341-02CE27D9104D}" type="datetimeFigureOut">
               <a:rPr kumimoji="1" lang="zh-TW" altLang="en-US" smtClean="0"/>
-              <a:t>2020/1/30</a:t>
+              <a:t>2020/2/3</a:t>
             </a:fld>
             <a:endParaRPr kumimoji="1" lang="zh-TW" altLang="en-US"/>
           </a:p>
@@ -2584,7 +2732,7 @@
           <a:p>
             <a:fld id="{75F8934F-7F83-1046-9341-02CE27D9104D}" type="datetimeFigureOut">
               <a:rPr kumimoji="1" lang="zh-TW" altLang="en-US" smtClean="0"/>
-              <a:t>2020/1/30</a:t>
+              <a:t>2020/2/3</a:t>
             </a:fld>
             <a:endParaRPr kumimoji="1" lang="zh-TW" altLang="en-US"/>
           </a:p>
@@ -3726,7 +3874,7 @@
           <a:p>
             <a:fld id="{75F8934F-7F83-1046-9341-02CE27D9104D}" type="datetimeFigureOut">
               <a:rPr kumimoji="1" lang="zh-TW" altLang="en-US" smtClean="0"/>
-              <a:t>2020/1/30</a:t>
+              <a:t>2020/2/3</a:t>
             </a:fld>
             <a:endParaRPr kumimoji="1" lang="zh-TW" altLang="en-US"/>
           </a:p>
@@ -4139,7 +4287,7 @@
           <a:p>
             <a:fld id="{75F8934F-7F83-1046-9341-02CE27D9104D}" type="datetimeFigureOut">
               <a:rPr kumimoji="1" lang="zh-TW" altLang="en-US" smtClean="0"/>
-              <a:t>2020/1/30</a:t>
+              <a:t>2020/2/3</a:t>
             </a:fld>
             <a:endParaRPr kumimoji="1" lang="zh-TW" altLang="en-US"/>
           </a:p>
@@ -4540,7 +4688,7 @@
           <a:p>
             <a:fld id="{75F8934F-7F83-1046-9341-02CE27D9104D}" type="datetimeFigureOut">
               <a:rPr kumimoji="1" lang="zh-TW" altLang="en-US" smtClean="0"/>
-              <a:t>2020/1/30</a:t>
+              <a:t>2020/2/3</a:t>
             </a:fld>
             <a:endParaRPr kumimoji="1" lang="zh-TW" altLang="en-US"/>
           </a:p>
@@ -4950,7 +5098,7 @@
           <a:p>
             <a:fld id="{75F8934F-7F83-1046-9341-02CE27D9104D}" type="datetimeFigureOut">
               <a:rPr kumimoji="1" lang="zh-TW" altLang="en-US" smtClean="0"/>
-              <a:t>2020/1/30</a:t>
+              <a:t>2020/2/3</a:t>
             </a:fld>
             <a:endParaRPr kumimoji="1" lang="zh-TW" altLang="en-US"/>
           </a:p>
@@ -5471,7 +5619,7 @@
           <a:p>
             <a:fld id="{75F8934F-7F83-1046-9341-02CE27D9104D}" type="datetimeFigureOut">
               <a:rPr kumimoji="1" lang="zh-TW" altLang="en-US" smtClean="0"/>
-              <a:t>2020/1/30</a:t>
+              <a:t>2020/2/3</a:t>
             </a:fld>
             <a:endParaRPr kumimoji="1" lang="zh-TW" altLang="en-US"/>
           </a:p>
@@ -5983,7 +6131,7 @@
           <a:p>
             <a:fld id="{75F8934F-7F83-1046-9341-02CE27D9104D}" type="datetimeFigureOut">
               <a:rPr kumimoji="1" lang="zh-TW" altLang="en-US" smtClean="0"/>
-              <a:t>2020/1/30</a:t>
+              <a:t>2020/2/3</a:t>
             </a:fld>
             <a:endParaRPr kumimoji="1" lang="zh-TW" altLang="en-US"/>
           </a:p>
@@ -6492,7 +6640,7 @@
           <a:p>
             <a:fld id="{75F8934F-7F83-1046-9341-02CE27D9104D}" type="datetimeFigureOut">
               <a:rPr kumimoji="1" lang="zh-TW" altLang="en-US" smtClean="0"/>
-              <a:t>2020/1/30</a:t>
+              <a:t>2020/2/3</a:t>
             </a:fld>
             <a:endParaRPr kumimoji="1" lang="zh-TW" altLang="en-US"/>
           </a:p>
@@ -7246,7 +7394,7 @@
           <a:p>
             <a:fld id="{75F8934F-7F83-1046-9341-02CE27D9104D}" type="datetimeFigureOut">
               <a:rPr kumimoji="1" lang="zh-TW" altLang="en-US" smtClean="0"/>
-              <a:t>2020/1/30</a:t>
+              <a:t>2020/2/3</a:t>
             </a:fld>
             <a:endParaRPr kumimoji="1" lang="zh-TW" altLang="en-US"/>
           </a:p>
@@ -7602,7 +7750,7 @@
           <a:p>
             <a:fld id="{75F8934F-7F83-1046-9341-02CE27D9104D}" type="datetimeFigureOut">
               <a:rPr kumimoji="1" lang="zh-TW" altLang="en-US" smtClean="0"/>
-              <a:t>2020/1/30</a:t>
+              <a:t>2020/2/3</a:t>
             </a:fld>
             <a:endParaRPr kumimoji="1" lang="zh-TW" altLang="en-US"/>
           </a:p>
@@ -8336,7 +8484,7 @@
           <a:p>
             <a:fld id="{75F8934F-7F83-1046-9341-02CE27D9104D}" type="datetimeFigureOut">
               <a:rPr kumimoji="1" lang="zh-TW" altLang="en-US" smtClean="0"/>
-              <a:t>2020/1/30</a:t>
+              <a:t>2020/2/3</a:t>
             </a:fld>
             <a:endParaRPr kumimoji="1" lang="zh-TW" altLang="en-US"/>
           </a:p>
@@ -8906,7 +9054,7 @@
           <a:p>
             <a:fld id="{75F8934F-7F83-1046-9341-02CE27D9104D}" type="datetimeFigureOut">
               <a:rPr kumimoji="1" lang="zh-TW" altLang="en-US" smtClean="0"/>
-              <a:t>2020/1/30</a:t>
+              <a:t>2020/2/3</a:t>
             </a:fld>
             <a:endParaRPr kumimoji="1" lang="zh-TW" altLang="en-US"/>
           </a:p>
@@ -9365,7 +9513,7 @@
           <a:p>
             <a:fld id="{75F8934F-7F83-1046-9341-02CE27D9104D}" type="datetimeFigureOut">
               <a:rPr kumimoji="1" lang="zh-TW" altLang="en-US" smtClean="0"/>
-              <a:t>2020/1/30</a:t>
+              <a:t>2020/2/3</a:t>
             </a:fld>
             <a:endParaRPr kumimoji="1" lang="zh-TW" altLang="en-US"/>
           </a:p>
@@ -9649,7 +9797,7 @@
           <a:p>
             <a:fld id="{75F8934F-7F83-1046-9341-02CE27D9104D}" type="datetimeFigureOut">
               <a:rPr kumimoji="1" lang="zh-TW" altLang="en-US" smtClean="0"/>
-              <a:t>2020/1/30</a:t>
+              <a:t>2020/2/3</a:t>
             </a:fld>
             <a:endParaRPr kumimoji="1" lang="zh-TW" altLang="en-US"/>
           </a:p>
@@ -10169,7 +10317,7 @@
           <a:p>
             <a:fld id="{58A8743F-B12E-458C-9EA7-7F147439A6EC}" type="datetimeFigureOut">
               <a:rPr lang="zh-TW" altLang="en-US" smtClean="0"/>
-              <a:t>2020/1/30</a:t>
+              <a:t>2020/2/3</a:t>
             </a:fld>
             <a:endParaRPr lang="zh-TW" altLang="en-US"/>
           </a:p>
@@ -10622,7 +10770,7 @@
           <a:p>
             <a:fld id="{75F8934F-7F83-1046-9341-02CE27D9104D}" type="datetimeFigureOut">
               <a:rPr kumimoji="1" lang="zh-TW" altLang="en-US" smtClean="0"/>
-              <a:t>2020/1/30</a:t>
+              <a:t>2020/2/3</a:t>
             </a:fld>
             <a:endParaRPr kumimoji="1" lang="zh-TW" altLang="en-US" dirty="0"/>
           </a:p>
@@ -10949,7 +11097,7 @@
           <a:p>
             <a:fld id="{75F8934F-7F83-1046-9341-02CE27D9104D}" type="datetimeFigureOut">
               <a:rPr kumimoji="1" lang="zh-TW" altLang="en-US" smtClean="0"/>
-              <a:t>2020/1/30</a:t>
+              <a:t>2020/2/3</a:t>
             </a:fld>
             <a:endParaRPr kumimoji="1" lang="zh-TW" altLang="en-US" dirty="0"/>
           </a:p>
@@ -11399,7 +11547,7 @@
           <a:p>
             <a:fld id="{75F8934F-7F83-1046-9341-02CE27D9104D}" type="datetimeFigureOut">
               <a:rPr kumimoji="1" lang="zh-TW" altLang="en-US" smtClean="0"/>
-              <a:t>2020/1/30</a:t>
+              <a:t>2020/2/3</a:t>
             </a:fld>
             <a:endParaRPr kumimoji="1" lang="zh-TW" altLang="en-US" dirty="0"/>
           </a:p>
@@ -11654,7 +11802,7 @@
           <a:p>
             <a:fld id="{75F8934F-7F83-1046-9341-02CE27D9104D}" type="datetimeFigureOut">
               <a:rPr kumimoji="1" lang="zh-TW" altLang="en-US" smtClean="0"/>
-              <a:t>2020/1/30</a:t>
+              <a:t>2020/2/3</a:t>
             </a:fld>
             <a:endParaRPr kumimoji="1" lang="zh-TW" altLang="en-US"/>
           </a:p>
@@ -12262,7 +12410,7 @@
           <a:p>
             <a:fld id="{75F8934F-7F83-1046-9341-02CE27D9104D}" type="datetimeFigureOut">
               <a:rPr kumimoji="1" lang="zh-TW" altLang="en-US" smtClean="0"/>
-              <a:t>2020/1/30</a:t>
+              <a:t>2020/2/3</a:t>
             </a:fld>
             <a:endParaRPr kumimoji="1" lang="zh-TW" altLang="en-US"/>
           </a:p>
@@ -13172,7 +13320,7 @@
           <a:p>
             <a:fld id="{75F8934F-7F83-1046-9341-02CE27D9104D}" type="datetimeFigureOut">
               <a:rPr kumimoji="1" lang="zh-TW" altLang="en-US" smtClean="0"/>
-              <a:t>2020/1/30</a:t>
+              <a:t>2020/2/3</a:t>
             </a:fld>
             <a:endParaRPr kumimoji="1" lang="zh-TW" altLang="en-US"/>
           </a:p>
@@ -14254,7 +14402,7 @@
           <a:p>
             <a:fld id="{75F8934F-7F83-1046-9341-02CE27D9104D}" type="datetimeFigureOut">
               <a:rPr kumimoji="1" lang="zh-TW" altLang="en-US" smtClean="0"/>
-              <a:t>2020/1/30</a:t>
+              <a:t>2020/2/3</a:t>
             </a:fld>
             <a:endParaRPr kumimoji="1" lang="zh-TW" altLang="en-US"/>
           </a:p>
@@ -14701,7 +14849,7 @@
           <a:p>
             <a:fld id="{75F8934F-7F83-1046-9341-02CE27D9104D}" type="datetimeFigureOut">
               <a:rPr kumimoji="1" lang="zh-TW" altLang="en-US" smtClean="0"/>
-              <a:t>2020/1/30</a:t>
+              <a:t>2020/2/3</a:t>
             </a:fld>
             <a:endParaRPr kumimoji="1" lang="zh-TW" altLang="en-US"/>
           </a:p>
@@ -15207,11 +15355,7 @@
           <a:p>
             <a:r>
               <a:rPr kumimoji="1" lang="en-US" altLang="zh-TW" dirty="0" smtClean="0"/>
-              <a:t>By </a:t>
-            </a:r>
-            <a:r>
-              <a:rPr kumimoji="1" lang="en-US" altLang="zh-TW" dirty="0" smtClean="0"/>
-              <a:t>Moon</a:t>
+              <a:t>By Moon</a:t>
             </a:r>
             <a:endParaRPr kumimoji="1" lang="zh-TW" altLang="en-US" dirty="0"/>
           </a:p>
@@ -15262,27 +15406,12 @@
           <a:bodyPr/>
           <a:lstStyle/>
           <a:p>
-            <a:r>
-              <a:rPr lang="en-US" altLang="zh-CN" dirty="0" err="1"/>
-              <a:t>ConfigServer</a:t>
-            </a:r>
-            <a:r>
-              <a:rPr lang="en-US" altLang="zh-CN" dirty="0"/>
-              <a:t> </a:t>
-            </a:r>
-            <a:r>
-              <a:rPr lang="zh-CN" altLang="en-US" dirty="0"/>
-              <a:t>設置</a:t>
-            </a:r>
+            <a:pPr marL="514350" indent="-514350"/>
             <a:r>
               <a:rPr lang="en-US" altLang="zh-CN" dirty="0" smtClean="0"/>
-              <a:t>——</a:t>
-            </a:r>
-            <a:r>
-              <a:rPr lang="en-US" altLang="zh-CN" dirty="0" err="1" smtClean="0"/>
-              <a:t>MonitorController</a:t>
-            </a:r>
-            <a:endParaRPr lang="zh-TW" altLang="en-US" dirty="0"/>
+              <a:t>2.Database</a:t>
+            </a:r>
+            <a:endParaRPr lang="en-US" altLang="zh-CN" dirty="0"/>
           </a:p>
         </p:txBody>
       </p:sp>
@@ -15305,39 +15434,182 @@
           </a:p>
         </p:txBody>
       </p:sp>
-      <p:pic>
-        <p:nvPicPr>
-          <p:cNvPr id="5" name="內容版面配置區 4"/>
-          <p:cNvPicPr>
-            <a:picLocks noGrp="1" noChangeAspect="1"/>
-          </p:cNvPicPr>
+      <p:sp>
+        <p:nvSpPr>
+          <p:cNvPr id="4" name="內容版面配置區 3"/>
+          <p:cNvSpPr>
+            <a:spLocks noGrp="1"/>
+          </p:cNvSpPr>
           <p:nvPr>
             <p:ph sz="half" idx="1"/>
           </p:nvPr>
-        </p:nvPicPr>
-        <p:blipFill>
-          <a:blip r:embed="rId2">
-            <a:extLst>
-              <a:ext uri="{28A0092B-C50C-407E-A947-70E740481C1C}">
-                <a14:useLocalDpi xmlns:a14="http://schemas.microsoft.com/office/drawing/2010/main" val="0"/>
-              </a:ext>
-            </a:extLst>
-          </a:blip>
-          <a:stretch>
-            <a:fillRect/>
-          </a:stretch>
-        </p:blipFill>
-        <p:spPr>
-          <a:xfrm>
-            <a:off x="838200" y="1690688"/>
-            <a:ext cx="8214360" cy="4658045"/>
-          </a:xfrm>
-        </p:spPr>
-      </p:pic>
+        </p:nvSpPr>
+        <p:spPr/>
+        <p:txBody>
+          <a:bodyPr/>
+          <a:lstStyle/>
+          <a:p>
+            <a:r>
+              <a:rPr lang="zh-CN" altLang="en-US" dirty="0" smtClean="0"/>
+              <a:t>相關設置</a:t>
+            </a:r>
+            <a:endParaRPr lang="en-US" altLang="zh-CN" dirty="0" smtClean="0"/>
+          </a:p>
+          <a:p>
+            <a:pPr marL="514350" indent="-514350">
+              <a:buAutoNum type="arabicPeriod"/>
+            </a:pPr>
+            <a:r>
+              <a:rPr lang="en-US" altLang="zh-TW" sz="1600" b="0" dirty="0" err="1" smtClean="0"/>
+              <a:t>spring.profiles.active</a:t>
+            </a:r>
+            <a:r>
+              <a:rPr lang="en-US" altLang="zh-TW" sz="1600" b="0" dirty="0" smtClean="0"/>
+              <a:t>=</a:t>
+            </a:r>
+            <a:r>
+              <a:rPr lang="en-US" altLang="zh-TW" sz="1600" b="0" dirty="0" err="1" smtClean="0"/>
+              <a:t>jdbc</a:t>
+            </a:r>
+            <a:endParaRPr lang="en-US" altLang="zh-TW" sz="1600" b="0" dirty="0" smtClean="0"/>
+          </a:p>
+          <a:p>
+            <a:pPr marL="514350" indent="-514350">
+              <a:buAutoNum type="arabicPeriod"/>
+            </a:pPr>
+            <a:r>
+              <a:rPr lang="en-US" altLang="zh-CN" sz="1600" b="0" dirty="0"/>
+              <a:t>spring.datasource.url=</a:t>
+            </a:r>
+            <a:r>
+              <a:rPr lang="en-US" altLang="zh-CN" sz="1600" b="0" dirty="0" err="1"/>
+              <a:t>jdbc:mysql</a:t>
+            </a:r>
+            <a:r>
+              <a:rPr lang="en-US" altLang="zh-CN" sz="1600" b="0" dirty="0"/>
+              <a:t>://</a:t>
+            </a:r>
+            <a:r>
+              <a:rPr lang="en-US" altLang="zh-CN" sz="1600" b="0" dirty="0" smtClean="0"/>
+              <a:t>127.0.0.1:3306/</a:t>
+            </a:r>
+            <a:r>
+              <a:rPr lang="en-US" altLang="zh-CN" sz="1600" b="0" dirty="0" err="1" smtClean="0"/>
+              <a:t>qinwei</a:t>
+            </a:r>
+            <a:endParaRPr lang="en-US" altLang="zh-CN" sz="1600" b="0" dirty="0" smtClean="0"/>
+          </a:p>
+          <a:p>
+            <a:pPr marL="514350" indent="-514350">
+              <a:buAutoNum type="arabicPeriod"/>
+            </a:pPr>
+            <a:r>
+              <a:rPr lang="en-US" altLang="zh-CN" sz="1600" b="0" dirty="0" err="1" smtClean="0"/>
+              <a:t>spring.datasource.username</a:t>
+            </a:r>
+            <a:r>
+              <a:rPr lang="en-US" altLang="zh-CN" sz="1600" b="0" dirty="0" smtClean="0"/>
+              <a:t>=root</a:t>
+            </a:r>
+          </a:p>
+          <a:p>
+            <a:pPr marL="514350" indent="-514350">
+              <a:buAutoNum type="arabicPeriod"/>
+            </a:pPr>
+            <a:r>
+              <a:rPr lang="en-US" altLang="zh-CN" sz="1600" b="0" dirty="0" err="1" smtClean="0"/>
+              <a:t>spring.datasource.password</a:t>
+            </a:r>
+            <a:r>
+              <a:rPr lang="en-US" altLang="zh-CN" sz="1600" b="0" dirty="0" smtClean="0"/>
+              <a:t>=123456</a:t>
+            </a:r>
+          </a:p>
+          <a:p>
+            <a:pPr marL="514350" indent="-514350">
+              <a:buAutoNum type="arabicPeriod"/>
+            </a:pPr>
+            <a:r>
+              <a:rPr lang="en-US" altLang="zh-CN" sz="1600" b="0" dirty="0" err="1" smtClean="0"/>
+              <a:t>spring.datasource.driverClassName</a:t>
+            </a:r>
+            <a:r>
+              <a:rPr lang="en-US" altLang="zh-CN" sz="1600" b="0" dirty="0" smtClean="0"/>
+              <a:t>=</a:t>
+            </a:r>
+            <a:r>
+              <a:rPr lang="en-US" altLang="zh-CN" sz="1600" b="0" dirty="0" err="1" smtClean="0"/>
+              <a:t>com.mysql.jdbc.Driver</a:t>
+            </a:r>
+            <a:endParaRPr lang="en-US" altLang="zh-CN" sz="1600" b="0" dirty="0" smtClean="0"/>
+          </a:p>
+          <a:p>
+            <a:pPr marL="514350" indent="-514350">
+              <a:buAutoNum type="arabicPeriod"/>
+            </a:pPr>
+            <a:r>
+              <a:rPr lang="en-US" altLang="zh-CN" sz="1600" b="0" dirty="0" err="1" smtClean="0"/>
+              <a:t>spring.cloud.config.label</a:t>
+            </a:r>
+            <a:r>
+              <a:rPr lang="en-US" altLang="zh-CN" sz="1600" b="0" dirty="0" smtClean="0"/>
+              <a:t>=master</a:t>
+            </a:r>
+          </a:p>
+          <a:p>
+            <a:pPr marL="514350" indent="-514350">
+              <a:buAutoNum type="arabicPeriod"/>
+            </a:pPr>
+            <a:r>
+              <a:rPr lang="en-US" altLang="zh-CN" sz="1600" b="0" dirty="0" err="1" smtClean="0"/>
+              <a:t>spring.cloud.config.server.jdbc</a:t>
+            </a:r>
+            <a:r>
+              <a:rPr lang="en-US" altLang="zh-CN" sz="1600" b="0" dirty="0" smtClean="0"/>
+              <a:t>=true  #</a:t>
+            </a:r>
+            <a:r>
+              <a:rPr lang="zh-CN" altLang="en-US" sz="1600" b="0" dirty="0" smtClean="0"/>
+              <a:t>搜尋</a:t>
+            </a:r>
+            <a:r>
+              <a:rPr lang="en-US" altLang="zh-CN" sz="1600" b="0" dirty="0" smtClean="0"/>
+              <a:t>database</a:t>
+            </a:r>
+            <a:r>
+              <a:rPr lang="zh-CN" altLang="en-US" sz="1600" b="0" dirty="0" smtClean="0"/>
+              <a:t>的配置文件</a:t>
+            </a:r>
+            <a:endParaRPr lang="en-US" altLang="zh-CN" sz="1600" b="0" dirty="0"/>
+          </a:p>
+          <a:p>
+            <a:pPr marL="514350" indent="-514350">
+              <a:buAutoNum type="arabicPeriod"/>
+            </a:pPr>
+            <a:r>
+              <a:rPr lang="en-US" altLang="zh-CN" sz="1600" b="0" dirty="0" err="1" smtClean="0"/>
+              <a:t>spring.cloud.config.server.jdbc.sql</a:t>
+            </a:r>
+            <a:r>
+              <a:rPr lang="en-US" altLang="zh-CN" sz="1600" b="0" dirty="0" smtClean="0"/>
+              <a:t>=SELECT </a:t>
+            </a:r>
+            <a:r>
+              <a:rPr lang="en-US" altLang="zh-CN" sz="1600" b="0" dirty="0"/>
+              <a:t>`KEY`, `VALUE` from PROPERTIES where APPLICATION=? and PROFILE=? and LABEL</a:t>
+            </a:r>
+            <a:r>
+              <a:rPr lang="en-US" altLang="zh-CN" sz="1600" b="0" dirty="0" smtClean="0"/>
+              <a:t>=?</a:t>
+            </a:r>
+            <a:endParaRPr lang="en-US" altLang="zh-CN" sz="1600" b="0" dirty="0"/>
+          </a:p>
+        </p:txBody>
+      </p:sp>
     </p:spTree>
     <p:extLst>
       <p:ext uri="{BB962C8B-B14F-4D97-AF65-F5344CB8AC3E}">
-        <p14:creationId xmlns:p14="http://schemas.microsoft.com/office/powerpoint/2010/main" val="3717927770"/>
+        <p14:creationId xmlns:p14="http://schemas.microsoft.com/office/powerpoint/2010/main" val="1081611743"/>
       </p:ext>
     </p:extLst>
   </p:cSld>
@@ -15380,73 +15652,239 @@
           <a:lstStyle/>
           <a:p>
             <a:r>
-              <a:rPr lang="zh-CN" altLang="en-US" dirty="0"/>
-              <a:t>啓</a:t>
-            </a:r>
+              <a:rPr lang="en-US" altLang="zh-TW" dirty="0" smtClean="0"/>
+              <a:t>3.</a:t>
+            </a:r>
+            <a:r>
+              <a:rPr lang="en-US" altLang="zh-CN" dirty="0"/>
+              <a:t> </a:t>
+            </a:r>
+            <a:r>
+              <a:rPr lang="en-US" altLang="zh-CN" dirty="0" err="1" smtClean="0"/>
+              <a:t>Git</a:t>
+            </a:r>
+            <a:r>
+              <a:rPr lang="en-US" altLang="zh-CN" dirty="0" smtClean="0"/>
+              <a:t>/</a:t>
+            </a:r>
+            <a:r>
+              <a:rPr lang="en-US" altLang="zh-CN" dirty="0" err="1" smtClean="0"/>
+              <a:t>Github</a:t>
+            </a:r>
+            <a:r>
+              <a:rPr lang="en-US" altLang="zh-CN" dirty="0" smtClean="0"/>
+              <a:t>/</a:t>
+            </a:r>
+            <a:r>
+              <a:rPr lang="en-US" altLang="zh-CN" dirty="0" err="1" smtClean="0"/>
+              <a:t>Gitlab</a:t>
+            </a:r>
+            <a:endParaRPr lang="zh-TW" altLang="en-US" dirty="0"/>
+          </a:p>
+        </p:txBody>
+      </p:sp>
+      <p:sp>
+        <p:nvSpPr>
+          <p:cNvPr id="3" name="內容版面配置區 2"/>
+          <p:cNvSpPr>
+            <a:spLocks noGrp="1"/>
+          </p:cNvSpPr>
+          <p:nvPr>
+            <p:ph sz="quarter" idx="13"/>
+          </p:nvPr>
+        </p:nvSpPr>
+        <p:spPr/>
+        <p:txBody>
+          <a:bodyPr/>
+          <a:lstStyle/>
+          <a:p>
+            <a:endParaRPr lang="zh-TW" altLang="en-US"/>
+          </a:p>
+        </p:txBody>
+      </p:sp>
+      <p:sp>
+        <p:nvSpPr>
+          <p:cNvPr id="4" name="內容版面配置區 3"/>
+          <p:cNvSpPr>
+            <a:spLocks noGrp="1"/>
+          </p:cNvSpPr>
+          <p:nvPr>
+            <p:ph sz="half" idx="1"/>
+          </p:nvPr>
+        </p:nvSpPr>
+        <p:spPr/>
+        <p:txBody>
+          <a:bodyPr/>
+          <a:lstStyle/>
+          <a:p>
             <a:r>
               <a:rPr lang="zh-CN" altLang="en-US" dirty="0" smtClean="0"/>
-              <a:t>動</a:t>
-            </a:r>
-            <a:r>
-              <a:rPr lang="en-US" altLang="zh-CN" dirty="0" err="1" smtClean="0"/>
-              <a:t>Rabbitmq</a:t>
-            </a:r>
-            <a:endParaRPr lang="zh-TW" altLang="en-US" dirty="0"/>
-          </a:p>
-        </p:txBody>
-      </p:sp>
-      <p:sp>
-        <p:nvSpPr>
-          <p:cNvPr id="3" name="內容版面配置區 2"/>
-          <p:cNvSpPr>
-            <a:spLocks noGrp="1"/>
-          </p:cNvSpPr>
-          <p:nvPr>
-            <p:ph sz="quarter" idx="13"/>
-          </p:nvPr>
-        </p:nvSpPr>
-        <p:spPr/>
-        <p:txBody>
-          <a:bodyPr/>
-          <a:lstStyle/>
-          <a:p>
-            <a:endParaRPr lang="zh-TW" altLang="en-US"/>
-          </a:p>
-        </p:txBody>
-      </p:sp>
-      <p:pic>
-        <p:nvPicPr>
-          <p:cNvPr id="7" name="內容版面配置區 6"/>
-          <p:cNvPicPr>
-            <a:picLocks noGrp="1" noChangeAspect="1"/>
-          </p:cNvPicPr>
-          <p:nvPr>
-            <p:ph sz="half" idx="1"/>
-          </p:nvPr>
-        </p:nvPicPr>
-        <p:blipFill>
-          <a:blip r:embed="rId2">
-            <a:extLst>
-              <a:ext uri="{28A0092B-C50C-407E-A947-70E740481C1C}">
-                <a14:useLocalDpi xmlns:a14="http://schemas.microsoft.com/office/drawing/2010/main" val="0"/>
-              </a:ext>
-            </a:extLst>
-          </a:blip>
-          <a:stretch>
-            <a:fillRect/>
-          </a:stretch>
-        </p:blipFill>
-        <p:spPr>
-          <a:xfrm>
-            <a:off x="968829" y="2686345"/>
-            <a:ext cx="10160754" cy="1297826"/>
-          </a:xfrm>
-        </p:spPr>
-      </p:pic>
+              <a:t>相關設置</a:t>
+            </a:r>
+            <a:endParaRPr lang="en-US" altLang="zh-TW" dirty="0" smtClean="0"/>
+          </a:p>
+          <a:p>
+            <a:pPr marL="342900" indent="-342900">
+              <a:buFont typeface="+mj-lt"/>
+              <a:buAutoNum type="arabicPeriod"/>
+            </a:pPr>
+            <a:r>
+              <a:rPr lang="en-US" altLang="zh-TW" sz="2000" b="0" dirty="0" err="1" smtClean="0"/>
+              <a:t>spring.cloud.config.server.git.uri</a:t>
+            </a:r>
+            <a:r>
+              <a:rPr lang="en-US" altLang="zh-TW" sz="2000" b="0" dirty="0" smtClean="0"/>
+              <a:t>=https</a:t>
+            </a:r>
+            <a:r>
+              <a:rPr lang="en-US" altLang="zh-TW" sz="2000" b="0" dirty="0"/>
+              <a:t>://</a:t>
+            </a:r>
+            <a:r>
+              <a:rPr lang="en-US" altLang="zh-TW" sz="2000" b="0" dirty="0" smtClean="0"/>
+              <a:t>github.com/</a:t>
+            </a:r>
+            <a:r>
+              <a:rPr lang="en-US" altLang="zh-CN" sz="2000" b="0" dirty="0" smtClean="0"/>
+              <a:t>moon</a:t>
+            </a:r>
+            <a:r>
+              <a:rPr lang="en-US" altLang="zh-TW" sz="2000" b="0" dirty="0" smtClean="0"/>
+              <a:t>/</a:t>
+            </a:r>
+            <a:r>
+              <a:rPr lang="en-US" altLang="zh-TW" sz="2000" b="0" i="1" dirty="0" smtClean="0"/>
+              <a:t>{</a:t>
+            </a:r>
+            <a:r>
+              <a:rPr lang="en-US" altLang="zh-TW" sz="2000" b="0" i="1" dirty="0"/>
+              <a:t>application}</a:t>
+            </a:r>
+            <a:r>
+              <a:rPr lang="en-US" altLang="zh-TW" sz="2000" b="0" dirty="0" smtClean="0"/>
+              <a:t> #</a:t>
+            </a:r>
+            <a:r>
+              <a:rPr lang="zh-CN" altLang="en-US" sz="2000" b="0" dirty="0" smtClean="0"/>
+              <a:t>指定</a:t>
+            </a:r>
+            <a:r>
+              <a:rPr lang="en-US" altLang="zh-CN" sz="2000" b="0" dirty="0" err="1" smtClean="0"/>
+              <a:t>git</a:t>
+            </a:r>
+            <a:endParaRPr lang="en-US" altLang="zh-TW" sz="2000" b="0" dirty="0" smtClean="0"/>
+          </a:p>
+          <a:p>
+            <a:pPr marL="342900" indent="-342900">
+              <a:buFont typeface="+mj-lt"/>
+              <a:buAutoNum type="arabicPeriod"/>
+            </a:pPr>
+            <a:r>
+              <a:rPr lang="en-US" altLang="zh-TW" sz="2000" b="0" dirty="0" err="1" smtClean="0"/>
+              <a:t>spring.cloud.config.server.git.search</a:t>
+            </a:r>
+            <a:r>
+              <a:rPr lang="en-US" altLang="zh-TW" sz="2000" b="0" dirty="0" smtClean="0"/>
+              <a:t>-paths=demo</a:t>
+            </a:r>
+            <a:r>
+              <a:rPr lang="en-US" altLang="zh-TW" sz="2000" b="0" dirty="0"/>
+              <a:t>* # </a:t>
+            </a:r>
+            <a:r>
+              <a:rPr lang="en-US" altLang="zh-TW" sz="2000" b="0" dirty="0" smtClean="0"/>
+              <a:t>demo</a:t>
+            </a:r>
+            <a:r>
+              <a:rPr lang="zh-CN" altLang="en-US" sz="2000" b="0" dirty="0" smtClean="0"/>
+              <a:t>*</a:t>
+            </a:r>
+            <a:r>
+              <a:rPr lang="zh-TW" altLang="en-US" sz="2000" b="0" dirty="0" smtClean="0"/>
+              <a:t>目錄</a:t>
+            </a:r>
+            <a:r>
+              <a:rPr lang="zh-TW" altLang="en-US" sz="2000" b="0" dirty="0"/>
+              <a:t>中，搜尋配置檔案</a:t>
+            </a:r>
+            <a:endParaRPr lang="en-US" altLang="zh-TW" sz="2000" b="0" dirty="0" smtClean="0"/>
+          </a:p>
+          <a:p>
+            <a:pPr marL="342900" indent="-342900">
+              <a:buFont typeface="+mj-lt"/>
+              <a:buAutoNum type="arabicPeriod"/>
+            </a:pPr>
+            <a:r>
+              <a:rPr lang="en-US" altLang="zh-TW" sz="2000" b="0" dirty="0" smtClean="0"/>
+              <a:t>spring.cloud.config.server.git.username=</a:t>
+            </a:r>
+            <a:r>
+              <a:rPr lang="en-US" altLang="zh-CN" sz="2000" b="0" dirty="0" smtClean="0"/>
+              <a:t>mooon</a:t>
+            </a:r>
+            <a:r>
+              <a:rPr lang="en-US" altLang="zh-TW" sz="2000" b="0" dirty="0" smtClean="0"/>
+              <a:t>@gmail.com </a:t>
+            </a:r>
+            <a:r>
+              <a:rPr lang="en-US" altLang="zh-TW" sz="2000" b="0" dirty="0"/>
+              <a:t># </a:t>
+            </a:r>
+            <a:r>
+              <a:rPr lang="en-US" altLang="zh-TW" sz="2000" b="0" dirty="0" err="1"/>
+              <a:t>git</a:t>
+            </a:r>
+            <a:r>
+              <a:rPr lang="zh-TW" altLang="en-US" sz="2000" b="0" dirty="0" smtClean="0"/>
+              <a:t>倉庫</a:t>
+            </a:r>
+            <a:r>
+              <a:rPr lang="zh-CN" altLang="en-US" sz="2000" b="0" dirty="0" smtClean="0"/>
+              <a:t>用戶和密碼</a:t>
+            </a:r>
+            <a:endParaRPr lang="en-US" altLang="zh-TW" sz="2000" b="0" dirty="0" smtClean="0"/>
+          </a:p>
+          <a:p>
+            <a:pPr marL="342900" indent="-342900">
+              <a:buFont typeface="+mj-lt"/>
+              <a:buAutoNum type="arabicPeriod"/>
+            </a:pPr>
+            <a:r>
+              <a:rPr lang="en-US" altLang="zh-TW" sz="2000" b="0" dirty="0" err="1" smtClean="0"/>
+              <a:t>spring.cloud.config.server.git.password</a:t>
+            </a:r>
+            <a:r>
+              <a:rPr lang="en-US" altLang="zh-TW" sz="2000" b="0" dirty="0" smtClean="0"/>
+              <a:t>=hcp1101@!</a:t>
+            </a:r>
+          </a:p>
+          <a:p>
+            <a:pPr marL="342900" indent="-342900">
+              <a:buFont typeface="+mj-lt"/>
+              <a:buAutoNum type="arabicPeriod"/>
+            </a:pPr>
+            <a:r>
+              <a:rPr lang="en-US" altLang="zh-CN" sz="2000" b="0" dirty="0" err="1"/>
+              <a:t>spring.cloud.config.label</a:t>
+            </a:r>
+            <a:r>
+              <a:rPr lang="en-US" altLang="zh-CN" sz="2000" b="0" dirty="0"/>
+              <a:t>=master</a:t>
+            </a:r>
+          </a:p>
+          <a:p>
+            <a:pPr marL="342900" indent="-342900">
+              <a:buFont typeface="+mj-lt"/>
+              <a:buAutoNum type="arabicPeriod"/>
+            </a:pPr>
+            <a:endParaRPr lang="zh-TW" altLang="en-US" sz="2000" b="0" dirty="0"/>
+          </a:p>
+        </p:txBody>
+      </p:sp>
     </p:spTree>
     <p:extLst>
       <p:ext uri="{BB962C8B-B14F-4D97-AF65-F5344CB8AC3E}">
-        <p14:creationId xmlns:p14="http://schemas.microsoft.com/office/powerpoint/2010/main" val="788161669"/>
+        <p14:creationId xmlns:p14="http://schemas.microsoft.com/office/powerpoint/2010/main" val="3664962277"/>
       </p:ext>
     </p:extLst>
   </p:cSld>
@@ -15489,12 +15927,16 @@
           <a:lstStyle/>
           <a:p>
             <a:r>
-              <a:rPr lang="zh-CN" altLang="en-US" dirty="0"/>
-              <a:t>啓動</a:t>
-            </a:r>
-            <a:r>
-              <a:rPr lang="en-US" altLang="zh-CN" dirty="0" err="1"/>
-              <a:t>Rabbitmq</a:t>
+              <a:rPr lang="en-US" altLang="zh-TW" dirty="0" smtClean="0"/>
+              <a:t>4.</a:t>
+            </a:r>
+            <a:r>
+              <a:rPr lang="en-US" altLang="zh-CN" dirty="0"/>
+              <a:t> </a:t>
+            </a:r>
+            <a:r>
+              <a:rPr lang="en-US" altLang="zh-CN" dirty="0" err="1" smtClean="0"/>
+              <a:t>Svn</a:t>
             </a:r>
             <a:endParaRPr lang="zh-TW" altLang="en-US" dirty="0"/>
           </a:p>
@@ -15519,39 +15961,111 @@
           </a:p>
         </p:txBody>
       </p:sp>
-      <p:pic>
-        <p:nvPicPr>
-          <p:cNvPr id="5" name="內容版面配置區 4"/>
-          <p:cNvPicPr>
-            <a:picLocks noGrp="1" noChangeAspect="1"/>
-          </p:cNvPicPr>
+      <p:sp>
+        <p:nvSpPr>
+          <p:cNvPr id="4" name="內容版面配置區 3"/>
+          <p:cNvSpPr>
+            <a:spLocks noGrp="1"/>
+          </p:cNvSpPr>
           <p:nvPr>
             <p:ph sz="half" idx="1"/>
           </p:nvPr>
-        </p:nvPicPr>
-        <p:blipFill>
-          <a:blip r:embed="rId2">
-            <a:extLst>
-              <a:ext uri="{28A0092B-C50C-407E-A947-70E740481C1C}">
-                <a14:useLocalDpi xmlns:a14="http://schemas.microsoft.com/office/drawing/2010/main" val="0"/>
-              </a:ext>
-            </a:extLst>
-          </a:blip>
-          <a:stretch>
-            <a:fillRect/>
-          </a:stretch>
-        </p:blipFill>
-        <p:spPr>
-          <a:xfrm>
-            <a:off x="604053" y="2572686"/>
-            <a:ext cx="11107332" cy="1947062"/>
-          </a:xfrm>
-        </p:spPr>
-      </p:pic>
+        </p:nvSpPr>
+        <p:spPr/>
+        <p:txBody>
+          <a:bodyPr/>
+          <a:lstStyle/>
+          <a:p>
+            <a:r>
+              <a:rPr lang="zh-CN" altLang="en-US" dirty="0" smtClean="0"/>
+              <a:t>相關設置</a:t>
+            </a:r>
+            <a:endParaRPr lang="en-US" altLang="zh-TW" dirty="0" smtClean="0"/>
+          </a:p>
+          <a:p>
+            <a:pPr marL="342900" indent="-342900">
+              <a:buFont typeface="Arial" panose="020B0604020202020204" pitchFamily="34" charset="0"/>
+              <a:buChar char="•"/>
+            </a:pPr>
+            <a:r>
+              <a:rPr lang="en-US" altLang="zh-TW" sz="2000" b="0" dirty="0" err="1" smtClean="0"/>
+              <a:t>Spring.cloud.config.server.svn.uri</a:t>
+            </a:r>
+            <a:r>
+              <a:rPr lang="en-US" altLang="zh-TW" sz="2000" b="0" dirty="0" smtClean="0"/>
+              <a:t>=svn</a:t>
+            </a:r>
+            <a:r>
+              <a:rPr lang="en-US" altLang="zh-TW" sz="2000" b="0" dirty="0"/>
+              <a:t>:</a:t>
+            </a:r>
+            <a:r>
+              <a:rPr lang="en-US" altLang="zh-TW" sz="2000" b="0" i="1" dirty="0"/>
+              <a:t>//localhost:443/myRepo/config-repo</a:t>
+            </a:r>
+            <a:r>
+              <a:rPr lang="en-US" altLang="zh-TW" sz="2000" b="0" dirty="0"/>
+              <a:t> </a:t>
+            </a:r>
+            <a:endParaRPr lang="en-US" altLang="zh-TW" sz="2000" b="0" dirty="0" smtClean="0"/>
+          </a:p>
+          <a:p>
+            <a:pPr marL="342900" indent="-342900">
+              <a:buFont typeface="Arial" panose="020B0604020202020204" pitchFamily="34" charset="0"/>
+              <a:buChar char="•"/>
+            </a:pPr>
+            <a:r>
+              <a:rPr lang="en-US" altLang="zh-TW" sz="2000" b="0" dirty="0" err="1" smtClean="0"/>
+              <a:t>Spring.cloud.config.server.svn.username</a:t>
+            </a:r>
+            <a:r>
+              <a:rPr lang="en-US" altLang="zh-CN" sz="2000" b="0" dirty="0" smtClean="0"/>
+              <a:t>=</a:t>
+            </a:r>
+            <a:r>
+              <a:rPr lang="en-US" altLang="zh-TW" sz="2000" b="0" dirty="0" smtClean="0"/>
+              <a:t>username </a:t>
+            </a:r>
+          </a:p>
+          <a:p>
+            <a:pPr marL="342900" indent="-342900">
+              <a:buFont typeface="Arial" panose="020B0604020202020204" pitchFamily="34" charset="0"/>
+              <a:buChar char="•"/>
+            </a:pPr>
+            <a:r>
+              <a:rPr lang="en-US" altLang="zh-TW" sz="2000" b="0" dirty="0" err="1" smtClean="0"/>
+              <a:t>Spring.cloud.config.server.svn.password</a:t>
+            </a:r>
+            <a:r>
+              <a:rPr lang="en-US" altLang="zh-CN" sz="2000" b="0" dirty="0" smtClean="0"/>
+              <a:t>=</a:t>
+            </a:r>
+            <a:r>
+              <a:rPr lang="en-US" altLang="zh-TW" sz="2000" b="0" dirty="0" smtClean="0"/>
+              <a:t>password</a:t>
+            </a:r>
+          </a:p>
+          <a:p>
+            <a:pPr marL="342900" indent="-342900">
+              <a:buFont typeface="Arial" panose="020B0604020202020204" pitchFamily="34" charset="0"/>
+              <a:buChar char="•"/>
+            </a:pPr>
+            <a:r>
+              <a:rPr lang="en-US" altLang="zh-CN" sz="2000" b="0" dirty="0" err="1" smtClean="0"/>
+              <a:t>spring.cloud.config.label</a:t>
+            </a:r>
+            <a:r>
+              <a:rPr lang="en-US" altLang="zh-CN" sz="2000" b="0" dirty="0" smtClean="0"/>
+              <a:t>=master</a:t>
+            </a:r>
+            <a:endParaRPr lang="en-US" altLang="zh-CN" sz="2000" b="0" dirty="0"/>
+          </a:p>
+        </p:txBody>
+      </p:sp>
     </p:spTree>
     <p:extLst>
       <p:ext uri="{BB962C8B-B14F-4D97-AF65-F5344CB8AC3E}">
-        <p14:creationId xmlns:p14="http://schemas.microsoft.com/office/powerpoint/2010/main" val="1804390793"/>
+        <p14:creationId xmlns:p14="http://schemas.microsoft.com/office/powerpoint/2010/main" val="2399682732"/>
       </p:ext>
     </p:extLst>
   </p:cSld>
@@ -15594,12 +16108,24 @@
           <a:lstStyle/>
           <a:p>
             <a:r>
+              <a:rPr lang="en-US" altLang="zh-TW" dirty="0"/>
+              <a:t>Spring Cloud </a:t>
+            </a:r>
+            <a:r>
+              <a:rPr lang="en-US" altLang="zh-TW" dirty="0" err="1"/>
+              <a:t>Config</a:t>
+            </a:r>
+            <a:r>
+              <a:rPr lang="zh-CN" altLang="en-US" dirty="0" smtClean="0"/>
+              <a:t>的自動</a:t>
+            </a:r>
+            <a:r>
               <a:rPr lang="zh-CN" altLang="en-US" dirty="0"/>
-              <a:t>啓動</a:t>
-            </a:r>
-            <a:r>
-              <a:rPr lang="en-US" altLang="zh-CN" dirty="0" err="1"/>
-              <a:t>Rabbitmq</a:t>
+              <a:t>化</a:t>
+            </a:r>
+            <a:r>
+              <a:rPr lang="zh-CN" altLang="en-US" dirty="0" smtClean="0"/>
+              <a:t>更新</a:t>
             </a:r>
             <a:endParaRPr lang="zh-TW" altLang="en-US" dirty="0"/>
           </a:p>
@@ -15624,39 +16150,361 @@
           </a:p>
         </p:txBody>
       </p:sp>
-      <p:pic>
-        <p:nvPicPr>
-          <p:cNvPr id="5" name="內容版面配置區 4"/>
-          <p:cNvPicPr>
-            <a:picLocks noGrp="1" noChangeAspect="1"/>
-          </p:cNvPicPr>
+      <p:sp>
+        <p:nvSpPr>
+          <p:cNvPr id="4" name="內容版面配置區 3"/>
+          <p:cNvSpPr>
+            <a:spLocks noGrp="1"/>
+          </p:cNvSpPr>
           <p:nvPr>
             <p:ph sz="half" idx="1"/>
           </p:nvPr>
-        </p:nvPicPr>
-        <p:blipFill>
-          <a:blip r:embed="rId2">
-            <a:extLst>
-              <a:ext uri="{28A0092B-C50C-407E-A947-70E740481C1C}">
-                <a14:useLocalDpi xmlns:a14="http://schemas.microsoft.com/office/drawing/2010/main" val="0"/>
-              </a:ext>
-            </a:extLst>
-          </a:blip>
-          <a:stretch>
-            <a:fillRect/>
-          </a:stretch>
-        </p:blipFill>
+        </p:nvSpPr>
         <p:spPr>
           <a:xfrm>
-            <a:off x="838200" y="1692276"/>
-            <a:ext cx="9677400" cy="4413360"/>
+            <a:off x="838200" y="1930399"/>
+            <a:ext cx="10515600" cy="4548778"/>
           </a:xfrm>
         </p:spPr>
-      </p:pic>
+        <p:txBody>
+          <a:bodyPr/>
+          <a:lstStyle/>
+          <a:p>
+            <a:r>
+              <a:rPr lang="zh-CN" altLang="en-US" sz="2400" dirty="0" smtClean="0"/>
+              <a:t>實現流程</a:t>
+            </a:r>
+            <a:r>
+              <a:rPr lang="zh-CN" altLang="en-US" sz="2400" dirty="0" smtClean="0"/>
+              <a:t>：</a:t>
+            </a:r>
+            <a:endParaRPr lang="en-US" altLang="zh-CN" sz="2000" b="0" dirty="0" smtClean="0"/>
+          </a:p>
+          <a:p>
+            <a:r>
+              <a:rPr lang="en-US" altLang="zh-CN" sz="2000" b="0" dirty="0" smtClean="0"/>
+              <a:t>1.</a:t>
+            </a:r>
+            <a:r>
+              <a:rPr lang="zh-CN" altLang="en-US" sz="2000" b="0" dirty="0" smtClean="0"/>
+              <a:t>架設</a:t>
+            </a:r>
+            <a:r>
+              <a:rPr lang="en-US" altLang="zh-CN" sz="2000" b="0" dirty="0" smtClean="0"/>
+              <a:t>Bus</a:t>
+            </a:r>
+            <a:r>
+              <a:rPr lang="zh-CN" altLang="en-US" sz="2000" b="0" dirty="0" smtClean="0"/>
+              <a:t>，在</a:t>
+            </a:r>
+            <a:r>
+              <a:rPr lang="en-US" altLang="zh-CN" sz="2000" b="0" dirty="0" err="1" smtClean="0"/>
+              <a:t>Config</a:t>
+            </a:r>
+            <a:r>
+              <a:rPr lang="zh-CN" altLang="en-US" sz="2000" b="0" dirty="0" smtClean="0"/>
+              <a:t>發生</a:t>
+            </a:r>
+            <a:r>
+              <a:rPr lang="en-US" altLang="zh-CN" sz="2000" b="0" dirty="0" smtClean="0"/>
+              <a:t>Refresh</a:t>
+            </a:r>
+            <a:r>
+              <a:rPr lang="zh-CN" altLang="en-US" sz="2000" b="0" dirty="0" smtClean="0"/>
+              <a:t>時，通知連接到</a:t>
+            </a:r>
+            <a:r>
+              <a:rPr lang="en-US" altLang="zh-CN" sz="2000" b="0" dirty="0" smtClean="0"/>
+              <a:t>Bus</a:t>
+            </a:r>
+            <a:r>
+              <a:rPr lang="zh-CN" altLang="en-US" sz="2000" b="0" dirty="0" smtClean="0"/>
+              <a:t>對應的</a:t>
+            </a:r>
+            <a:r>
+              <a:rPr lang="en-US" altLang="zh-CN" sz="2000" b="0" dirty="0" smtClean="0"/>
+              <a:t>service</a:t>
+            </a:r>
+            <a:r>
+              <a:rPr lang="zh-CN" altLang="en-US" sz="2000" b="0" dirty="0"/>
+              <a:t>都</a:t>
+            </a:r>
+            <a:r>
+              <a:rPr lang="zh-CN" altLang="en-US" sz="2000" b="0" dirty="0" smtClean="0"/>
+              <a:t>產生</a:t>
+            </a:r>
+            <a:r>
+              <a:rPr lang="en-US" altLang="zh-CN" sz="2000" b="0" dirty="0" smtClean="0"/>
+              <a:t>Refresh</a:t>
+            </a:r>
+            <a:r>
+              <a:rPr lang="zh-CN" altLang="en-US" sz="2000" b="0" dirty="0" smtClean="0"/>
+              <a:t>的動作。</a:t>
+            </a:r>
+            <a:endParaRPr lang="en-US" altLang="zh-CN" sz="2000" b="0" dirty="0" smtClean="0"/>
+          </a:p>
+          <a:p>
+            <a:r>
+              <a:rPr lang="en-US" altLang="zh-CN" sz="2000" b="0" dirty="0" smtClean="0"/>
+              <a:t>2.</a:t>
+            </a:r>
+            <a:r>
+              <a:rPr lang="zh-CN" altLang="en-US" sz="2000" b="0" dirty="0"/>
+              <a:t>架設</a:t>
+            </a:r>
+            <a:r>
+              <a:rPr lang="en-US" altLang="zh-CN" sz="2000" b="0" dirty="0" err="1" smtClean="0"/>
+              <a:t>ConfigServer</a:t>
+            </a:r>
+            <a:r>
+              <a:rPr lang="zh-CN" altLang="en-US" sz="2000" b="0" dirty="0"/>
+              <a:t>，並且加上</a:t>
+            </a:r>
+            <a:r>
+              <a:rPr lang="en-US" altLang="zh-CN" sz="2000" b="0" dirty="0" smtClean="0"/>
+              <a:t>actuator</a:t>
+            </a:r>
+            <a:r>
+              <a:rPr lang="zh-CN" altLang="en-US" sz="2000" b="0" dirty="0" smtClean="0"/>
+              <a:t>（</a:t>
+            </a:r>
+            <a:r>
+              <a:rPr lang="en-US" altLang="zh-CN" sz="2000" b="0" dirty="0" smtClean="0"/>
+              <a:t>Refresh </a:t>
+            </a:r>
+            <a:r>
+              <a:rPr lang="en-US" altLang="zh-CN" sz="2000" b="0" dirty="0" err="1" smtClean="0"/>
+              <a:t>Api</a:t>
+            </a:r>
+            <a:r>
+              <a:rPr lang="zh-CN" altLang="en-US" sz="2000" b="0" dirty="0" smtClean="0"/>
+              <a:t>），和連接</a:t>
+            </a:r>
+            <a:r>
+              <a:rPr lang="en-US" altLang="zh-CN" sz="2000" b="0" dirty="0" smtClean="0"/>
+              <a:t>Bus</a:t>
+            </a:r>
+            <a:r>
+              <a:rPr lang="zh-CN" altLang="en-US" sz="2000" b="0" dirty="0" smtClean="0"/>
+              <a:t>。</a:t>
+            </a:r>
+            <a:endParaRPr lang="en-US" altLang="zh-CN" sz="2000" b="0" dirty="0" smtClean="0"/>
+          </a:p>
+          <a:p>
+            <a:r>
+              <a:rPr lang="en-US" altLang="zh-CN" sz="2000" b="0" dirty="0" smtClean="0"/>
+              <a:t>3.</a:t>
+            </a:r>
+            <a:r>
+              <a:rPr lang="zh-CN" altLang="en-US" sz="2000" b="0" dirty="0" smtClean="0"/>
+              <a:t>架設</a:t>
+            </a:r>
+            <a:r>
+              <a:rPr lang="en-US" altLang="zh-CN" sz="2000" b="0" dirty="0" err="1" smtClean="0"/>
+              <a:t>ConfigClient</a:t>
+            </a:r>
+            <a:r>
+              <a:rPr lang="zh-CN" altLang="en-US" sz="2000" b="0" dirty="0" smtClean="0"/>
+              <a:t>，並且</a:t>
+            </a:r>
+            <a:r>
+              <a:rPr lang="zh-CN" altLang="en-US" sz="2000" b="0" dirty="0"/>
+              <a:t>加上</a:t>
+            </a:r>
+            <a:r>
+              <a:rPr lang="en-US" altLang="zh-CN" sz="2000" b="0" dirty="0"/>
+              <a:t>actuator</a:t>
+            </a:r>
+            <a:r>
+              <a:rPr lang="zh-CN" altLang="en-US" sz="2000" b="0" dirty="0" smtClean="0"/>
+              <a:t>（</a:t>
+            </a:r>
+            <a:r>
+              <a:rPr lang="en-US" altLang="zh-CN" sz="2000" b="0" dirty="0" smtClean="0"/>
+              <a:t>Refresh </a:t>
+            </a:r>
+            <a:r>
+              <a:rPr lang="en-US" altLang="zh-CN" sz="2000" b="0" dirty="0" err="1"/>
+              <a:t>Api</a:t>
+            </a:r>
+            <a:r>
+              <a:rPr lang="en-US" altLang="zh-CN" sz="2000" b="0" dirty="0"/>
+              <a:t> </a:t>
+            </a:r>
+            <a:r>
+              <a:rPr lang="zh-CN" altLang="en-US" sz="2000" b="0" dirty="0" smtClean="0"/>
+              <a:t>），連接</a:t>
+            </a:r>
+            <a:r>
+              <a:rPr lang="en-US" altLang="zh-CN" sz="2000" b="0" dirty="0" smtClean="0"/>
+              <a:t>Bus</a:t>
+            </a:r>
+            <a:r>
+              <a:rPr lang="zh-CN" altLang="en-US" sz="2000" b="0" dirty="0" smtClean="0"/>
+              <a:t>和</a:t>
+            </a:r>
+            <a:r>
+              <a:rPr lang="en-US" altLang="zh-CN" sz="2000" b="0" dirty="0" err="1" smtClean="0"/>
+              <a:t>ConfigServer</a:t>
+            </a:r>
+            <a:r>
+              <a:rPr lang="zh-CN" altLang="en-US" sz="2000" b="0" dirty="0" smtClean="0"/>
+              <a:t>。</a:t>
+            </a:r>
+            <a:endParaRPr lang="en-US" altLang="zh-CN" sz="2000" b="0" dirty="0" smtClean="0"/>
+          </a:p>
+          <a:p>
+            <a:r>
+              <a:rPr lang="en-US" altLang="zh-CN" sz="2000" b="0" dirty="0" smtClean="0"/>
+              <a:t>4.</a:t>
+            </a:r>
+            <a:r>
+              <a:rPr lang="zh-CN" altLang="en-US" sz="2000" b="0" dirty="0" smtClean="0"/>
+              <a:t>在</a:t>
+            </a:r>
+            <a:r>
+              <a:rPr lang="en-US" altLang="zh-CN" sz="2000" b="0" dirty="0" err="1"/>
+              <a:t>gitlab</a:t>
+            </a:r>
+            <a:r>
+              <a:rPr lang="zh-CN" altLang="en-US" sz="2000" b="0" dirty="0"/>
+              <a:t>上設置</a:t>
+            </a:r>
+            <a:r>
+              <a:rPr lang="en-US" altLang="zh-CN" sz="2000" b="0" dirty="0" err="1"/>
+              <a:t>webhook</a:t>
+            </a:r>
+            <a:r>
+              <a:rPr lang="zh-CN" altLang="en-US" sz="2000" b="0" dirty="0"/>
+              <a:t>，在每次</a:t>
+            </a:r>
+            <a:r>
+              <a:rPr lang="en-US" altLang="zh-CN" sz="2000" b="0" dirty="0"/>
+              <a:t>push</a:t>
+            </a:r>
+            <a:r>
+              <a:rPr lang="zh-CN" altLang="en-US" sz="2000" b="0" dirty="0"/>
+              <a:t>文件時，立刻對</a:t>
+            </a:r>
+            <a:r>
+              <a:rPr lang="en-US" altLang="zh-CN" sz="2000" b="0" dirty="0" err="1"/>
+              <a:t>config</a:t>
+            </a:r>
+            <a:r>
+              <a:rPr lang="zh-CN" altLang="en-US" sz="2000" b="0" dirty="0"/>
+              <a:t>進行</a:t>
+            </a:r>
+            <a:r>
+              <a:rPr lang="en-US" altLang="zh-CN" sz="2000" b="0" dirty="0"/>
+              <a:t>Refresh</a:t>
+            </a:r>
+            <a:r>
+              <a:rPr lang="zh-CN" altLang="en-US" sz="2000" b="0" dirty="0" smtClean="0"/>
+              <a:t>操作</a:t>
+            </a:r>
+            <a:r>
+              <a:rPr lang="zh-CN" altLang="en-US" sz="2000" b="0" dirty="0"/>
+              <a:t>。</a:t>
+            </a:r>
+            <a:endParaRPr lang="en-US" altLang="zh-CN" sz="2000" b="0" dirty="0" smtClean="0"/>
+          </a:p>
+          <a:p>
+            <a:r>
+              <a:rPr lang="zh-CN" altLang="en-US" sz="2400" dirty="0" smtClean="0"/>
+              <a:t>結果：</a:t>
+            </a:r>
+            <a:endParaRPr lang="en-US" altLang="zh-CN" sz="2400" dirty="0" smtClean="0"/>
+          </a:p>
+          <a:p>
+            <a:r>
+              <a:rPr lang="zh-CN" altLang="en-US" sz="2000" b="0" dirty="0" smtClean="0"/>
+              <a:t>在</a:t>
+            </a:r>
+            <a:r>
+              <a:rPr lang="zh-CN" altLang="en-US" sz="2000" dirty="0" smtClean="0"/>
+              <a:t>使用者更新</a:t>
+            </a:r>
+            <a:r>
+              <a:rPr lang="en-US" altLang="zh-CN" sz="2000" dirty="0" err="1" smtClean="0"/>
+              <a:t>gitlab</a:t>
+            </a:r>
+            <a:r>
+              <a:rPr lang="zh-CN" altLang="en-US" sz="2000" dirty="0" smtClean="0"/>
+              <a:t>上的配置文件</a:t>
+            </a:r>
+            <a:r>
+              <a:rPr lang="zh-CN" altLang="en-US" sz="2000" b="0" dirty="0" smtClean="0"/>
+              <a:t>時，立刻讓對應的</a:t>
+            </a:r>
+            <a:r>
+              <a:rPr lang="en-US" altLang="zh-CN" sz="2000" dirty="0" smtClean="0"/>
+              <a:t>Service</a:t>
+            </a:r>
+            <a:r>
+              <a:rPr lang="zh-CN" altLang="en-US" sz="2000" dirty="0" smtClean="0"/>
+              <a:t>自動去拉取最新的配置文件</a:t>
+            </a:r>
+            <a:r>
+              <a:rPr lang="zh-CN" altLang="en-US" sz="2000" b="0" dirty="0" smtClean="0"/>
+              <a:t>。</a:t>
+            </a:r>
+            <a:endParaRPr lang="en-US" altLang="zh-CN" sz="2000" b="0" dirty="0" smtClean="0"/>
+          </a:p>
+          <a:p>
+            <a:r>
+              <a:rPr lang="zh-CN" altLang="en-US" sz="2400" dirty="0" smtClean="0"/>
+              <a:t>目的：</a:t>
+            </a:r>
+            <a:endParaRPr lang="en-US" altLang="zh-CN" sz="2400" dirty="0" smtClean="0"/>
+          </a:p>
+          <a:p>
+            <a:r>
+              <a:rPr lang="en-US" altLang="zh-CN" sz="2000" b="0" dirty="0" smtClean="0"/>
+              <a:t>1.</a:t>
+            </a:r>
+            <a:r>
+              <a:rPr lang="zh-CN" altLang="en-US" sz="2000" b="0" dirty="0" smtClean="0"/>
+              <a:t>簡化工作流程</a:t>
+            </a:r>
+            <a:endParaRPr lang="en-US" altLang="zh-CN" sz="2000" b="0" dirty="0" smtClean="0"/>
+          </a:p>
+          <a:p>
+            <a:r>
+              <a:rPr lang="en-US" altLang="zh-CN" sz="2000" b="0" dirty="0" smtClean="0"/>
+              <a:t>2.</a:t>
+            </a:r>
+            <a:r>
+              <a:rPr lang="zh-CN" altLang="en-US" sz="2000" b="0" dirty="0" smtClean="0"/>
+              <a:t>減少直接對</a:t>
+            </a:r>
+            <a:r>
+              <a:rPr lang="en-US" altLang="zh-CN" sz="2000" b="0" dirty="0" err="1" smtClean="0"/>
+              <a:t>config</a:t>
+            </a:r>
+            <a:r>
+              <a:rPr lang="en-US" altLang="zh-CN" sz="2000" b="0" dirty="0" smtClean="0"/>
+              <a:t> server</a:t>
+            </a:r>
+            <a:r>
+              <a:rPr lang="zh-CN" altLang="en-US" sz="2000" b="0" dirty="0" smtClean="0"/>
+              <a:t>進行</a:t>
+            </a:r>
+            <a:r>
+              <a:rPr lang="en-US" altLang="zh-CN" sz="2000" b="0" dirty="0" smtClean="0"/>
+              <a:t>Refresh</a:t>
+            </a:r>
+            <a:r>
+              <a:rPr lang="zh-CN" altLang="en-US" sz="2000" b="0" dirty="0" smtClean="0"/>
+              <a:t>的動作。</a:t>
+            </a:r>
+            <a:endParaRPr lang="zh-TW" altLang="en-US" sz="2000" b="0" dirty="0"/>
+          </a:p>
+        </p:txBody>
+      </p:sp>
     </p:spTree>
     <p:extLst>
       <p:ext uri="{BB962C8B-B14F-4D97-AF65-F5344CB8AC3E}">
-        <p14:creationId xmlns:p14="http://schemas.microsoft.com/office/powerpoint/2010/main" val="2169041303"/>
+        <p14:creationId xmlns:p14="http://schemas.microsoft.com/office/powerpoint/2010/main" val="3942192570"/>
       </p:ext>
     </p:extLst>
   </p:cSld>
@@ -15699,28 +16547,20 @@
           <a:lstStyle/>
           <a:p>
             <a:r>
-              <a:rPr lang="en-US" altLang="zh-TW" dirty="0" err="1" smtClean="0"/>
-              <a:t>ConfigClient</a:t>
+              <a:rPr lang="en-US" altLang="zh-TW" dirty="0"/>
+              <a:t>Spring Cloud </a:t>
+            </a:r>
+            <a:r>
+              <a:rPr lang="en-US" altLang="zh-TW" dirty="0" err="1"/>
+              <a:t>Config</a:t>
+            </a:r>
+            <a:r>
+              <a:rPr lang="zh-CN" altLang="en-US" dirty="0"/>
+              <a:t>的自動化</a:t>
             </a:r>
             <a:r>
               <a:rPr lang="zh-CN" altLang="en-US" dirty="0" smtClean="0"/>
-              <a:t>設定 </a:t>
-            </a:r>
-            <a:r>
-              <a:rPr lang="en-US" altLang="zh-CN" dirty="0" smtClean="0"/>
-              <a:t>—— boot</a:t>
-            </a:r>
-            <a:r>
-              <a:rPr lang="zh-CN" altLang="en-US" dirty="0" smtClean="0"/>
-              <a:t>版本</a:t>
-            </a:r>
-            <a:r>
-              <a:rPr lang="en-US" altLang="zh-CN" dirty="0" smtClean="0"/>
-              <a:t>,cloud</a:t>
-            </a:r>
-            <a:r>
-              <a:rPr lang="zh-CN" altLang="en-US" dirty="0" smtClean="0"/>
-              <a:t>版本</a:t>
+              <a:t>更新示意圖</a:t>
             </a:r>
             <a:endParaRPr lang="zh-TW" altLang="en-US" dirty="0"/>
           </a:p>
@@ -15741,13 +16581,13 @@
           <a:bodyPr/>
           <a:lstStyle/>
           <a:p>
-            <a:endParaRPr lang="zh-TW" altLang="en-US"/>
+            <a:endParaRPr lang="zh-TW" altLang="en-US" dirty="0"/>
           </a:p>
         </p:txBody>
       </p:sp>
       <p:pic>
         <p:nvPicPr>
-          <p:cNvPr id="5" name="內容版面配置區 4"/>
+          <p:cNvPr id="13" name="內容版面配置區 12"/>
           <p:cNvPicPr>
             <a:picLocks noGrp="1" noChangeAspect="1"/>
           </p:cNvPicPr>
@@ -15769,15 +16609,15 @@
         </p:blipFill>
         <p:spPr>
           <a:xfrm>
-            <a:off x="2071125" y="2153178"/>
-            <a:ext cx="8049749" cy="3801006"/>
+            <a:off x="2602456" y="2044974"/>
+            <a:ext cx="7352845" cy="4246562"/>
           </a:xfrm>
         </p:spPr>
       </p:pic>
     </p:spTree>
     <p:extLst>
       <p:ext uri="{BB962C8B-B14F-4D97-AF65-F5344CB8AC3E}">
-        <p14:creationId xmlns:p14="http://schemas.microsoft.com/office/powerpoint/2010/main" val="3060709954"/>
+        <p14:creationId xmlns:p14="http://schemas.microsoft.com/office/powerpoint/2010/main" val="776011567"/>
       </p:ext>
     </p:extLst>
   </p:cSld>
@@ -15820,16 +16660,24 @@
           <a:lstStyle/>
           <a:p>
             <a:r>
-              <a:rPr lang="en-US" altLang="zh-TW" dirty="0" err="1" smtClean="0"/>
-              <a:t>ConfigClient</a:t>
+              <a:rPr lang="en-US" altLang="zh-CN" dirty="0" smtClean="0"/>
+              <a:t>1.</a:t>
             </a:r>
             <a:r>
               <a:rPr lang="zh-CN" altLang="en-US" dirty="0" smtClean="0"/>
-              <a:t>設定 </a:t>
+              <a:t>架設</a:t>
             </a:r>
             <a:r>
               <a:rPr lang="en-US" altLang="zh-CN" dirty="0" smtClean="0"/>
-              <a:t>—— dependency</a:t>
+              <a:t>Bus(</a:t>
+            </a:r>
+            <a:r>
+              <a:rPr lang="en-US" altLang="zh-CN" dirty="0" err="1" smtClean="0"/>
+              <a:t>Rabbitmq</a:t>
+            </a:r>
+            <a:r>
+              <a:rPr lang="en-US" altLang="zh-CN" dirty="0" smtClean="0"/>
+              <a:t>)</a:t>
             </a:r>
             <a:endParaRPr lang="zh-TW" altLang="en-US" dirty="0"/>
           </a:p>
@@ -15850,13 +16698,13 @@
           <a:bodyPr/>
           <a:lstStyle/>
           <a:p>
-            <a:endParaRPr lang="zh-TW" altLang="en-US" dirty="0"/>
+            <a:endParaRPr lang="zh-TW" altLang="en-US"/>
           </a:p>
         </p:txBody>
       </p:sp>
       <p:pic>
         <p:nvPicPr>
-          <p:cNvPr id="6" name="內容版面配置區 5"/>
+          <p:cNvPr id="7" name="內容版面配置區 6"/>
           <p:cNvPicPr>
             <a:picLocks noGrp="1" noChangeAspect="1"/>
           </p:cNvPicPr>
@@ -15878,15 +16726,71 @@
         </p:blipFill>
         <p:spPr>
           <a:xfrm>
-            <a:off x="1282337" y="1882108"/>
-            <a:ext cx="6725194" cy="4265004"/>
+            <a:off x="968829" y="2137705"/>
+            <a:ext cx="10160754" cy="1297826"/>
           </a:xfrm>
         </p:spPr>
       </p:pic>
+      <p:sp>
+        <p:nvSpPr>
+          <p:cNvPr id="4" name="文字方塊 3"/>
+          <p:cNvSpPr txBox="1"/>
+          <p:nvPr/>
+        </p:nvSpPr>
+        <p:spPr>
+          <a:xfrm>
+            <a:off x="968829" y="3706115"/>
+            <a:ext cx="2608406" cy="646331"/>
+          </a:xfrm>
+          <a:prstGeom prst="rect">
+            <a:avLst/>
+          </a:prstGeom>
+          <a:noFill/>
+        </p:spPr>
+        <p:txBody>
+          <a:bodyPr wrap="none" rtlCol="0">
+            <a:spAutoFit/>
+          </a:bodyPr>
+          <a:lstStyle/>
+          <a:p>
+            <a:r>
+              <a:rPr lang="zh-CN" altLang="en-US" dirty="0"/>
+              <a:t>控制</a:t>
+            </a:r>
+            <a:r>
+              <a:rPr lang="zh-CN" altLang="en-US" dirty="0" smtClean="0"/>
+              <a:t>界面是在</a:t>
+            </a:r>
+            <a:r>
+              <a:rPr lang="en-US" altLang="zh-CN" dirty="0" smtClean="0"/>
+              <a:t>15672 port</a:t>
+            </a:r>
+          </a:p>
+          <a:p>
+            <a:r>
+              <a:rPr lang="zh-CN" altLang="en-US" dirty="0" smtClean="0"/>
+              <a:t>連接</a:t>
+            </a:r>
+            <a:r>
+              <a:rPr lang="en-US" altLang="zh-CN" dirty="0" smtClean="0"/>
+              <a:t>port </a:t>
+            </a:r>
+            <a:r>
+              <a:rPr lang="zh-CN" altLang="en-US" dirty="0" smtClean="0"/>
+              <a:t>是 </a:t>
+            </a:r>
+            <a:r>
+              <a:rPr lang="en-US" altLang="zh-CN" dirty="0" smtClean="0"/>
+              <a:t>5672</a:t>
+            </a:r>
+            <a:endParaRPr lang="zh-TW" altLang="en-US" dirty="0"/>
+          </a:p>
+        </p:txBody>
+      </p:sp>
     </p:spTree>
     <p:extLst>
       <p:ext uri="{BB962C8B-B14F-4D97-AF65-F5344CB8AC3E}">
-        <p14:creationId xmlns:p14="http://schemas.microsoft.com/office/powerpoint/2010/main" val="2841493589"/>
+        <p14:creationId xmlns:p14="http://schemas.microsoft.com/office/powerpoint/2010/main" val="788161669"/>
       </p:ext>
     </p:extLst>
   </p:cSld>
@@ -15929,20 +16833,24 @@
           <a:lstStyle/>
           <a:p>
             <a:r>
-              <a:rPr lang="en-US" altLang="zh-TW" dirty="0" err="1"/>
-              <a:t>ConfigClient</a:t>
-            </a:r>
-            <a:r>
-              <a:rPr lang="zh-CN" altLang="en-US" dirty="0"/>
-              <a:t>設定 </a:t>
+              <a:rPr lang="en-US" altLang="zh-CN" dirty="0" smtClean="0"/>
+              <a:t>1.</a:t>
+            </a:r>
+            <a:r>
+              <a:rPr lang="zh-CN" altLang="en-US" dirty="0" smtClean="0"/>
+              <a:t>架設</a:t>
             </a:r>
             <a:r>
               <a:rPr lang="en-US" altLang="zh-CN" dirty="0"/>
-              <a:t>—— </a:t>
-            </a:r>
-            <a:r>
-              <a:rPr lang="en-US" altLang="zh-CN" dirty="0" err="1" smtClean="0"/>
-              <a:t>application.properties</a:t>
+              <a:t>Bus(</a:t>
+            </a:r>
+            <a:r>
+              <a:rPr lang="en-US" altLang="zh-CN" dirty="0" err="1"/>
+              <a:t>Rabbitmq</a:t>
+            </a:r>
+            <a:r>
+              <a:rPr lang="en-US" altLang="zh-CN" dirty="0"/>
+              <a:t>)</a:t>
             </a:r>
             <a:endParaRPr lang="zh-TW" altLang="en-US" dirty="0"/>
           </a:p>
@@ -15991,15 +16899,59 @@
         </p:blipFill>
         <p:spPr>
           <a:xfrm>
-            <a:off x="994954" y="2216613"/>
-            <a:ext cx="8397240" cy="3827529"/>
+            <a:off x="604053" y="2572686"/>
+            <a:ext cx="11107332" cy="1947062"/>
           </a:xfrm>
         </p:spPr>
       </p:pic>
+      <p:sp>
+        <p:nvSpPr>
+          <p:cNvPr id="4" name="文字方塊 3"/>
+          <p:cNvSpPr txBox="1"/>
+          <p:nvPr/>
+        </p:nvSpPr>
+        <p:spPr>
+          <a:xfrm>
+            <a:off x="838200" y="5042263"/>
+            <a:ext cx="1902124" cy="646331"/>
+          </a:xfrm>
+          <a:prstGeom prst="rect">
+            <a:avLst/>
+          </a:prstGeom>
+          <a:noFill/>
+        </p:spPr>
+        <p:txBody>
+          <a:bodyPr wrap="none" rtlCol="0">
+            <a:spAutoFit/>
+          </a:bodyPr>
+          <a:lstStyle/>
+          <a:p>
+            <a:r>
+              <a:rPr lang="zh-CN" altLang="en-US" dirty="0" smtClean="0"/>
+              <a:t>默認賬號是 </a:t>
+            </a:r>
+            <a:r>
+              <a:rPr lang="en-US" altLang="zh-CN" dirty="0" smtClean="0"/>
+              <a:t>guest</a:t>
+            </a:r>
+          </a:p>
+          <a:p>
+            <a:r>
+              <a:rPr lang="zh-CN" altLang="en-US" dirty="0" smtClean="0"/>
+              <a:t>默認密碼是 </a:t>
+            </a:r>
+            <a:r>
+              <a:rPr lang="en-US" altLang="zh-CN" dirty="0" smtClean="0"/>
+              <a:t>guest</a:t>
+            </a:r>
+            <a:endParaRPr lang="zh-TW" altLang="en-US" dirty="0"/>
+          </a:p>
+        </p:txBody>
+      </p:sp>
     </p:spTree>
     <p:extLst>
       <p:ext uri="{BB962C8B-B14F-4D97-AF65-F5344CB8AC3E}">
-        <p14:creationId xmlns:p14="http://schemas.microsoft.com/office/powerpoint/2010/main" val="1952751385"/>
+        <p14:creationId xmlns:p14="http://schemas.microsoft.com/office/powerpoint/2010/main" val="1804390793"/>
       </p:ext>
     </p:extLst>
   </p:cSld>
@@ -16042,20 +16994,24 @@
           <a:lstStyle/>
           <a:p>
             <a:r>
-              <a:rPr lang="en-US" altLang="zh-TW" dirty="0" err="1"/>
-              <a:t>ConfigClient</a:t>
-            </a:r>
-            <a:r>
-              <a:rPr lang="zh-CN" altLang="en-US" dirty="0"/>
-              <a:t>設定 </a:t>
+              <a:rPr lang="en-US" altLang="zh-CN" dirty="0" smtClean="0"/>
+              <a:t>1.</a:t>
+            </a:r>
+            <a:r>
+              <a:rPr lang="zh-CN" altLang="en-US" dirty="0" smtClean="0"/>
+              <a:t>架設</a:t>
             </a:r>
             <a:r>
               <a:rPr lang="en-US" altLang="zh-CN" dirty="0"/>
-              <a:t>—— </a:t>
-            </a:r>
-            <a:r>
-              <a:rPr lang="en-US" altLang="zh-CN" dirty="0" err="1" smtClean="0"/>
-              <a:t>bootstrap.properties</a:t>
+              <a:t>Bus(</a:t>
+            </a:r>
+            <a:r>
+              <a:rPr lang="en-US" altLang="zh-CN" dirty="0" err="1"/>
+              <a:t>Rabbitmq</a:t>
+            </a:r>
+            <a:r>
+              <a:rPr lang="en-US" altLang="zh-CN" dirty="0"/>
+              <a:t>)</a:t>
             </a:r>
             <a:endParaRPr lang="zh-TW" altLang="en-US" dirty="0"/>
           </a:p>
@@ -16082,7 +17038,7 @@
       </p:sp>
       <p:pic>
         <p:nvPicPr>
-          <p:cNvPr id="7" name="內容版面配置區 6"/>
+          <p:cNvPr id="5" name="內容版面配置區 4"/>
           <p:cNvPicPr>
             <a:picLocks noGrp="1" noChangeAspect="1"/>
           </p:cNvPicPr>
@@ -16104,15 +17060,15 @@
         </p:blipFill>
         <p:spPr>
           <a:xfrm>
-            <a:off x="1170776" y="2711329"/>
-            <a:ext cx="7364017" cy="2709757"/>
+            <a:off x="838200" y="1692276"/>
+            <a:ext cx="9677400" cy="4413360"/>
           </a:xfrm>
         </p:spPr>
       </p:pic>
     </p:spTree>
     <p:extLst>
       <p:ext uri="{BB962C8B-B14F-4D97-AF65-F5344CB8AC3E}">
-        <p14:creationId xmlns:p14="http://schemas.microsoft.com/office/powerpoint/2010/main" val="3506340372"/>
+        <p14:creationId xmlns:p14="http://schemas.microsoft.com/office/powerpoint/2010/main" val="2169041303"/>
       </p:ext>
     </p:extLst>
   </p:cSld>
@@ -16155,47 +17111,24 @@
           <a:lstStyle/>
           <a:p>
             <a:r>
-              <a:rPr lang="en-US" altLang="zh-TW" dirty="0" err="1"/>
-              <a:t>ConfigClient</a:t>
-            </a:r>
-            <a:r>
-              <a:rPr lang="zh-CN" altLang="en-US" dirty="0"/>
-              <a:t>設定 </a:t>
-            </a:r>
-            <a:r>
-              <a:rPr lang="en-US" altLang="zh-CN" dirty="0"/>
-              <a:t>—— </a:t>
-            </a:r>
-            <a:r>
-              <a:rPr lang="en-US" altLang="zh-CN" dirty="0" err="1"/>
-              <a:t>ConfigController</a:t>
+              <a:rPr lang="en-US" altLang="zh-CN" dirty="0" smtClean="0"/>
+              <a:t>2.ConfigServer </a:t>
+            </a:r>
+            <a:r>
+              <a:rPr lang="zh-CN" altLang="en-US" dirty="0" smtClean="0"/>
+              <a:t>設置</a:t>
+            </a:r>
+            <a:r>
+              <a:rPr lang="en-US" altLang="zh-CN" dirty="0" smtClean="0"/>
+              <a:t>——dependency</a:t>
             </a:r>
             <a:endParaRPr lang="zh-TW" altLang="en-US" dirty="0"/>
-          </a:p>
-        </p:txBody>
-      </p:sp>
-      <p:sp>
-        <p:nvSpPr>
-          <p:cNvPr id="3" name="內容版面配置區 2"/>
-          <p:cNvSpPr>
-            <a:spLocks noGrp="1"/>
-          </p:cNvSpPr>
-          <p:nvPr>
-            <p:ph sz="quarter" idx="13"/>
-          </p:nvPr>
-        </p:nvSpPr>
-        <p:spPr/>
-        <p:txBody>
-          <a:bodyPr/>
-          <a:lstStyle/>
-          <a:p>
-            <a:endParaRPr lang="zh-TW" altLang="en-US"/>
           </a:p>
         </p:txBody>
       </p:sp>
       <p:pic>
         <p:nvPicPr>
-          <p:cNvPr id="5" name="內容版面配置區 4"/>
+          <p:cNvPr id="8" name="內容版面配置區 7"/>
           <p:cNvPicPr>
             <a:picLocks noGrp="1" noChangeAspect="1"/>
           </p:cNvPicPr>
@@ -16217,15 +17150,34 @@
         </p:blipFill>
         <p:spPr>
           <a:xfrm>
-            <a:off x="979739" y="2274632"/>
-            <a:ext cx="7484991" cy="3683917"/>
+            <a:off x="838199" y="1692275"/>
+            <a:ext cx="6346371" cy="4759779"/>
           </a:xfrm>
         </p:spPr>
       </p:pic>
+      <p:sp>
+        <p:nvSpPr>
+          <p:cNvPr id="7" name="內容版面配置區 6"/>
+          <p:cNvSpPr>
+            <a:spLocks noGrp="1"/>
+          </p:cNvSpPr>
+          <p:nvPr>
+            <p:ph sz="quarter" idx="13"/>
+          </p:nvPr>
+        </p:nvSpPr>
+        <p:spPr/>
+        <p:txBody>
+          <a:bodyPr/>
+          <a:lstStyle/>
+          <a:p>
+            <a:endParaRPr lang="zh-TW" altLang="en-US"/>
+          </a:p>
+        </p:txBody>
+      </p:sp>
     </p:spTree>
     <p:extLst>
       <p:ext uri="{BB962C8B-B14F-4D97-AF65-F5344CB8AC3E}">
-        <p14:creationId xmlns:p14="http://schemas.microsoft.com/office/powerpoint/2010/main" val="895139697"/>
+        <p14:creationId xmlns:p14="http://schemas.microsoft.com/office/powerpoint/2010/main" val="4200059500"/>
       </p:ext>
     </p:extLst>
   </p:cSld>
@@ -16268,20 +17220,20 @@
           <a:lstStyle/>
           <a:p>
             <a:r>
-              <a:rPr lang="en-US" altLang="zh-TW" dirty="0" err="1"/>
-              <a:t>ConfigClient</a:t>
+              <a:rPr lang="en-US" altLang="zh-CN" dirty="0" smtClean="0"/>
+              <a:t>2.ConfigServer </a:t>
             </a:r>
             <a:r>
               <a:rPr lang="zh-CN" altLang="en-US" dirty="0"/>
-              <a:t>設定 </a:t>
-            </a:r>
-            <a:r>
-              <a:rPr lang="en-US" altLang="zh-CN" dirty="0"/>
-              <a:t>—— </a:t>
+              <a:t>設置</a:t>
+            </a:r>
+            <a:r>
+              <a:rPr lang="en-US" altLang="zh-CN" dirty="0" smtClean="0"/>
+              <a:t>——</a:t>
             </a:r>
             <a:r>
               <a:rPr lang="en-US" altLang="zh-CN" dirty="0" err="1" smtClean="0"/>
-              <a:t>ConfigController</a:t>
+              <a:t>application.properties</a:t>
             </a:r>
             <a:endParaRPr lang="zh-TW" altLang="en-US" dirty="0"/>
           </a:p>
@@ -16330,15 +17282,185 @@
         </p:blipFill>
         <p:spPr>
           <a:xfrm>
-            <a:off x="838200" y="1836930"/>
-            <a:ext cx="6307183" cy="4372025"/>
+            <a:off x="1282336" y="1442494"/>
+            <a:ext cx="6581502" cy="4772032"/>
           </a:xfrm>
         </p:spPr>
       </p:pic>
+      <p:sp>
+        <p:nvSpPr>
+          <p:cNvPr id="6" name="文字方塊 5"/>
+          <p:cNvSpPr txBox="1"/>
+          <p:nvPr/>
+        </p:nvSpPr>
+        <p:spPr>
+          <a:xfrm>
+            <a:off x="7968341" y="2312126"/>
+            <a:ext cx="1945020" cy="369332"/>
+          </a:xfrm>
+          <a:prstGeom prst="rect">
+            <a:avLst/>
+          </a:prstGeom>
+          <a:noFill/>
+        </p:spPr>
+        <p:txBody>
+          <a:bodyPr wrap="none" rtlCol="0">
+            <a:spAutoFit/>
+          </a:bodyPr>
+          <a:lstStyle/>
+          <a:p>
+            <a:r>
+              <a:rPr lang="en-US" altLang="zh-TW" dirty="0" err="1" smtClean="0">
+                <a:solidFill>
+                  <a:schemeClr val="accent2"/>
+                </a:solidFill>
+              </a:rPr>
+              <a:t>Config</a:t>
+            </a:r>
+            <a:r>
+              <a:rPr lang="zh-CN" altLang="en-US" dirty="0" smtClean="0">
+                <a:solidFill>
+                  <a:schemeClr val="accent2"/>
+                </a:solidFill>
+              </a:rPr>
+              <a:t>連接</a:t>
+            </a:r>
+            <a:r>
+              <a:rPr lang="en-US" altLang="zh-CN" dirty="0" err="1" smtClean="0">
+                <a:solidFill>
+                  <a:schemeClr val="accent2"/>
+                </a:solidFill>
+              </a:rPr>
+              <a:t>git</a:t>
+            </a:r>
+            <a:r>
+              <a:rPr lang="zh-CN" altLang="en-US" dirty="0" smtClean="0">
+                <a:solidFill>
+                  <a:schemeClr val="accent2"/>
+                </a:solidFill>
+              </a:rPr>
+              <a:t>設置</a:t>
+            </a:r>
+            <a:endParaRPr lang="zh-TW" altLang="en-US" dirty="0">
+              <a:solidFill>
+                <a:schemeClr val="accent2"/>
+              </a:solidFill>
+            </a:endParaRPr>
+          </a:p>
+        </p:txBody>
+      </p:sp>
+      <p:sp>
+        <p:nvSpPr>
+          <p:cNvPr id="7" name="文字方塊 6"/>
+          <p:cNvSpPr txBox="1"/>
+          <p:nvPr/>
+        </p:nvSpPr>
+        <p:spPr>
+          <a:xfrm>
+            <a:off x="4868091" y="4632960"/>
+            <a:ext cx="2047868" cy="369332"/>
+          </a:xfrm>
+          <a:prstGeom prst="rect">
+            <a:avLst/>
+          </a:prstGeom>
+          <a:noFill/>
+        </p:spPr>
+        <p:txBody>
+          <a:bodyPr wrap="none" rtlCol="0">
+            <a:spAutoFit/>
+          </a:bodyPr>
+          <a:lstStyle/>
+          <a:p>
+            <a:r>
+              <a:rPr lang="zh-CN" altLang="en-US" dirty="0" smtClean="0">
+                <a:solidFill>
+                  <a:schemeClr val="accent2"/>
+                </a:solidFill>
+              </a:rPr>
+              <a:t>開啟</a:t>
+            </a:r>
+            <a:r>
+              <a:rPr lang="en-US" altLang="zh-CN" dirty="0" smtClean="0">
+                <a:solidFill>
+                  <a:schemeClr val="accent2"/>
+                </a:solidFill>
+              </a:rPr>
+              <a:t>Refresh</a:t>
+            </a:r>
+            <a:r>
+              <a:rPr lang="zh-CN" altLang="en-US" dirty="0" smtClean="0">
+                <a:solidFill>
+                  <a:schemeClr val="accent2"/>
+                </a:solidFill>
+              </a:rPr>
+              <a:t>的選項</a:t>
+            </a:r>
+            <a:endParaRPr lang="zh-TW" altLang="en-US" dirty="0">
+              <a:solidFill>
+                <a:schemeClr val="accent2"/>
+              </a:solidFill>
+            </a:endParaRPr>
+          </a:p>
+        </p:txBody>
+      </p:sp>
+      <p:sp>
+        <p:nvSpPr>
+          <p:cNvPr id="8" name="文字方塊 7"/>
+          <p:cNvSpPr txBox="1"/>
+          <p:nvPr/>
+        </p:nvSpPr>
+        <p:spPr>
+          <a:xfrm>
+            <a:off x="4376610" y="5543005"/>
+            <a:ext cx="1675459" cy="369332"/>
+          </a:xfrm>
+          <a:prstGeom prst="rect">
+            <a:avLst/>
+          </a:prstGeom>
+          <a:noFill/>
+        </p:spPr>
+        <p:txBody>
+          <a:bodyPr wrap="none" rtlCol="0">
+            <a:spAutoFit/>
+          </a:bodyPr>
+          <a:lstStyle/>
+          <a:p>
+            <a:r>
+              <a:rPr lang="zh-CN" altLang="en-US" dirty="0" smtClean="0">
+                <a:solidFill>
+                  <a:schemeClr val="accent2"/>
+                </a:solidFill>
+              </a:rPr>
+              <a:t>連接</a:t>
+            </a:r>
+            <a:r>
+              <a:rPr lang="en-US" altLang="zh-CN" dirty="0" smtClean="0">
+                <a:solidFill>
+                  <a:schemeClr val="accent2"/>
+                </a:solidFill>
+              </a:rPr>
+              <a:t>Bus</a:t>
+            </a:r>
+            <a:r>
+              <a:rPr lang="zh-CN" altLang="en-US" dirty="0" smtClean="0">
+                <a:solidFill>
+                  <a:schemeClr val="accent2"/>
+                </a:solidFill>
+              </a:rPr>
+              <a:t>的設置</a:t>
+            </a:r>
+            <a:endParaRPr lang="zh-TW" altLang="en-US" dirty="0">
+              <a:solidFill>
+                <a:schemeClr val="accent2"/>
+              </a:solidFill>
+            </a:endParaRPr>
+          </a:p>
+        </p:txBody>
+      </p:sp>
     </p:spTree>
     <p:extLst>
       <p:ext uri="{BB962C8B-B14F-4D97-AF65-F5344CB8AC3E}">
-        <p14:creationId xmlns:p14="http://schemas.microsoft.com/office/powerpoint/2010/main" val="2903645125"/>
+        <p14:creationId xmlns:p14="http://schemas.microsoft.com/office/powerpoint/2010/main" val="2105498647"/>
       </p:ext>
     </p:extLst>
   </p:cSld>
@@ -16452,13 +17574,21 @@
           <a:lstStyle/>
           <a:p>
             <a:r>
-              <a:rPr lang="en-US" altLang="zh-TW" dirty="0" err="1" smtClean="0"/>
-              <a:t>GitlabWebhook</a:t>
+              <a:rPr lang="en-US" altLang="zh-CN" dirty="0" smtClean="0"/>
+              <a:t>2.ConfigServer </a:t>
             </a:r>
             <a:r>
               <a:rPr lang="zh-CN" altLang="en-US" dirty="0"/>
               <a:t>設置</a:t>
             </a:r>
+            <a:r>
+              <a:rPr lang="en-US" altLang="zh-CN" dirty="0" smtClean="0"/>
+              <a:t>——</a:t>
+            </a:r>
+            <a:r>
+              <a:rPr lang="en-US" altLang="zh-CN" dirty="0" err="1" smtClean="0"/>
+              <a:t>Application.class</a:t>
+            </a:r>
             <a:endParaRPr lang="zh-TW" altLang="en-US" dirty="0"/>
           </a:p>
         </p:txBody>
@@ -16484,7 +17614,7 @@
       </p:sp>
       <p:pic>
         <p:nvPicPr>
-          <p:cNvPr id="6" name="內容版面配置區 5"/>
+          <p:cNvPr id="5" name="內容版面配置區 4"/>
           <p:cNvPicPr>
             <a:picLocks noGrp="1" noChangeAspect="1"/>
           </p:cNvPicPr>
@@ -16506,15 +17636,15 @@
         </p:blipFill>
         <p:spPr>
           <a:xfrm>
-            <a:off x="1421446" y="1930400"/>
-            <a:ext cx="8695966" cy="4246563"/>
+            <a:off x="838200" y="2129490"/>
+            <a:ext cx="7864802" cy="2168190"/>
           </a:xfrm>
         </p:spPr>
       </p:pic>
     </p:spTree>
     <p:extLst>
       <p:ext uri="{BB962C8B-B14F-4D97-AF65-F5344CB8AC3E}">
-        <p14:creationId xmlns:p14="http://schemas.microsoft.com/office/powerpoint/2010/main" val="3960387797"/>
+        <p14:creationId xmlns:p14="http://schemas.microsoft.com/office/powerpoint/2010/main" val="1744325517"/>
       </p:ext>
     </p:extLst>
   </p:cSld>
@@ -16557,12 +17687,20 @@
           <a:lstStyle/>
           <a:p>
             <a:r>
-              <a:rPr lang="en-US" altLang="zh-TW" dirty="0" err="1" smtClean="0"/>
-              <a:t>GitlabWebhook</a:t>
+              <a:rPr lang="en-US" altLang="zh-CN" dirty="0" smtClean="0"/>
+              <a:t>2.ConfigServer </a:t>
             </a:r>
             <a:r>
               <a:rPr lang="zh-CN" altLang="en-US" dirty="0"/>
               <a:t>設置</a:t>
+            </a:r>
+            <a:r>
+              <a:rPr lang="en-US" altLang="zh-CN" dirty="0" smtClean="0"/>
+              <a:t>——</a:t>
+            </a:r>
+            <a:r>
+              <a:rPr lang="en-US" altLang="zh-CN" dirty="0" err="1" smtClean="0"/>
+              <a:t>MonitorController</a:t>
             </a:r>
             <a:endParaRPr lang="zh-TW" altLang="en-US" dirty="0"/>
           </a:p>
@@ -16611,15 +17749,228 @@
         </p:blipFill>
         <p:spPr>
           <a:xfrm>
-            <a:off x="947835" y="1930400"/>
-            <a:ext cx="7895720" cy="4439175"/>
+            <a:off x="838200" y="1690688"/>
+            <a:ext cx="8214360" cy="4658045"/>
           </a:xfrm>
         </p:spPr>
       </p:pic>
+      <p:sp>
+        <p:nvSpPr>
+          <p:cNvPr id="4" name="文字方塊 3"/>
+          <p:cNvSpPr txBox="1"/>
+          <p:nvPr/>
+        </p:nvSpPr>
+        <p:spPr>
+          <a:xfrm>
+            <a:off x="4837016" y="2069849"/>
+            <a:ext cx="4290342" cy="923330"/>
+          </a:xfrm>
+          <a:prstGeom prst="rect">
+            <a:avLst/>
+          </a:prstGeom>
+          <a:noFill/>
+        </p:spPr>
+        <p:txBody>
+          <a:bodyPr wrap="none" rtlCol="0">
+            <a:spAutoFit/>
+          </a:bodyPr>
+          <a:lstStyle/>
+          <a:p>
+            <a:r>
+              <a:rPr lang="zh-CN" altLang="en-US" dirty="0" smtClean="0">
+                <a:solidFill>
+                  <a:schemeClr val="accent2"/>
+                </a:solidFill>
+              </a:rPr>
+              <a:t>這裡建了</a:t>
+            </a:r>
+            <a:r>
+              <a:rPr lang="en-US" altLang="zh-CN" dirty="0" smtClean="0">
+                <a:solidFill>
+                  <a:schemeClr val="accent2"/>
+                </a:solidFill>
+              </a:rPr>
+              <a:t>Routing</a:t>
+            </a:r>
+            <a:r>
+              <a:rPr lang="zh-TW" altLang="en-US" dirty="0" smtClean="0">
+                <a:solidFill>
+                  <a:schemeClr val="accent2"/>
+                </a:solidFill>
+              </a:rPr>
+              <a:t> </a:t>
+            </a:r>
+            <a:r>
+              <a:rPr lang="zh-CN" altLang="en-US" dirty="0" smtClean="0">
+                <a:solidFill>
+                  <a:schemeClr val="accent2"/>
+                </a:solidFill>
+              </a:rPr>
+              <a:t>跳轉</a:t>
+            </a:r>
+            <a:endParaRPr lang="en-US" altLang="zh-CN" dirty="0" smtClean="0">
+              <a:solidFill>
+                <a:schemeClr val="accent2"/>
+              </a:solidFill>
+            </a:endParaRPr>
+          </a:p>
+          <a:p>
+            <a:r>
+              <a:rPr lang="zh-CN" altLang="en-US" dirty="0">
+                <a:solidFill>
+                  <a:schemeClr val="accent2"/>
+                </a:solidFill>
+              </a:rPr>
+              <a:t>這</a:t>
+            </a:r>
+            <a:r>
+              <a:rPr lang="zh-CN" altLang="en-US" dirty="0" smtClean="0">
+                <a:solidFill>
+                  <a:schemeClr val="accent2"/>
+                </a:solidFill>
+              </a:rPr>
+              <a:t>是直接跳轉到</a:t>
+            </a:r>
+            <a:r>
+              <a:rPr lang="en-US" altLang="zh-CN" dirty="0" smtClean="0">
+                <a:solidFill>
+                  <a:schemeClr val="accent2"/>
+                </a:solidFill>
+              </a:rPr>
+              <a:t>actuator/bus-refresh</a:t>
+            </a:r>
+            <a:r>
+              <a:rPr lang="zh-CN" altLang="en-US" dirty="0" smtClean="0">
+                <a:solidFill>
+                  <a:schemeClr val="accent2"/>
+                </a:solidFill>
+              </a:rPr>
+              <a:t>這</a:t>
+            </a:r>
+            <a:r>
+              <a:rPr lang="en-US" altLang="zh-CN" dirty="0" err="1" smtClean="0">
+                <a:solidFill>
+                  <a:schemeClr val="accent2"/>
+                </a:solidFill>
+              </a:rPr>
+              <a:t>Api</a:t>
+            </a:r>
+            <a:endParaRPr lang="en-US" altLang="zh-CN" dirty="0" smtClean="0">
+              <a:solidFill>
+                <a:schemeClr val="accent2"/>
+              </a:solidFill>
+            </a:endParaRPr>
+          </a:p>
+          <a:p>
+            <a:r>
+              <a:rPr lang="zh-CN" altLang="en-US" dirty="0" smtClean="0">
+                <a:solidFill>
+                  <a:schemeClr val="accent2"/>
+                </a:solidFill>
+              </a:rPr>
+              <a:t>需要加的</a:t>
+            </a:r>
+            <a:r>
+              <a:rPr lang="en-US" altLang="zh-CN" dirty="0" smtClean="0">
+                <a:solidFill>
+                  <a:schemeClr val="accent2"/>
+                </a:solidFill>
+              </a:rPr>
+              <a:t>Header</a:t>
+            </a:r>
+          </a:p>
+        </p:txBody>
+      </p:sp>
+      <p:sp>
+        <p:nvSpPr>
+          <p:cNvPr id="6" name="文字方塊 5"/>
+          <p:cNvSpPr txBox="1"/>
+          <p:nvPr/>
+        </p:nvSpPr>
+        <p:spPr>
+          <a:xfrm>
+            <a:off x="4837016" y="4859383"/>
+            <a:ext cx="4351897" cy="369332"/>
+          </a:xfrm>
+          <a:prstGeom prst="rect">
+            <a:avLst/>
+          </a:prstGeom>
+          <a:noFill/>
+        </p:spPr>
+        <p:txBody>
+          <a:bodyPr wrap="none" rtlCol="0">
+            <a:spAutoFit/>
+          </a:bodyPr>
+          <a:lstStyle/>
+          <a:p>
+            <a:r>
+              <a:rPr lang="zh-CN" altLang="en-US" dirty="0">
+                <a:solidFill>
+                  <a:schemeClr val="accent2"/>
+                </a:solidFill>
+              </a:rPr>
+              <a:t>這</a:t>
+            </a:r>
+            <a:r>
+              <a:rPr lang="zh-CN" altLang="en-US" dirty="0" smtClean="0">
+                <a:solidFill>
+                  <a:schemeClr val="accent2"/>
+                </a:solidFill>
+              </a:rPr>
+              <a:t>是跳轉到</a:t>
+            </a:r>
+            <a:r>
+              <a:rPr lang="en-US" altLang="zh-CN" dirty="0" smtClean="0">
+                <a:solidFill>
+                  <a:schemeClr val="accent2"/>
+                </a:solidFill>
+              </a:rPr>
+              <a:t>monitor</a:t>
+            </a:r>
+            <a:r>
+              <a:rPr lang="zh-CN" altLang="en-US" dirty="0" smtClean="0">
+                <a:solidFill>
+                  <a:schemeClr val="accent2"/>
+                </a:solidFill>
+              </a:rPr>
+              <a:t>這</a:t>
+            </a:r>
+            <a:r>
+              <a:rPr lang="en-US" altLang="zh-CN" dirty="0" err="1" smtClean="0">
+                <a:solidFill>
+                  <a:schemeClr val="accent2"/>
+                </a:solidFill>
+              </a:rPr>
+              <a:t>Api</a:t>
+            </a:r>
+            <a:r>
+              <a:rPr lang="zh-CN" altLang="en-US" dirty="0" smtClean="0">
+                <a:solidFill>
+                  <a:schemeClr val="accent2"/>
+                </a:solidFill>
+              </a:rPr>
+              <a:t>需要加的</a:t>
+            </a:r>
+            <a:r>
+              <a:rPr lang="en-US" altLang="zh-CN" dirty="0" smtClean="0">
+                <a:solidFill>
+                  <a:schemeClr val="accent2"/>
+                </a:solidFill>
+              </a:rPr>
+              <a:t>Header</a:t>
+            </a:r>
+            <a:endParaRPr lang="zh-TW" altLang="en-US" dirty="0">
+              <a:solidFill>
+                <a:schemeClr val="accent2"/>
+              </a:solidFill>
+            </a:endParaRPr>
+          </a:p>
+        </p:txBody>
+      </p:sp>
     </p:spTree>
     <p:extLst>
       <p:ext uri="{BB962C8B-B14F-4D97-AF65-F5344CB8AC3E}">
-        <p14:creationId xmlns:p14="http://schemas.microsoft.com/office/powerpoint/2010/main" val="334007755"/>
+        <p14:creationId xmlns:p14="http://schemas.microsoft.com/office/powerpoint/2010/main" val="3717927770"/>
       </p:ext>
     </p:extLst>
   </p:cSld>
@@ -16662,12 +18013,20 @@
           <a:lstStyle/>
           <a:p>
             <a:r>
+              <a:rPr lang="en-US" altLang="zh-CN" dirty="0" smtClean="0"/>
+              <a:t>3. </a:t>
+            </a:r>
+            <a:r>
               <a:rPr lang="en-US" altLang="zh-TW" dirty="0" err="1" smtClean="0"/>
-              <a:t>GitlabWebhook</a:t>
-            </a:r>
-            <a:r>
-              <a:rPr lang="zh-CN" altLang="en-US" dirty="0"/>
-              <a:t>設置</a:t>
+              <a:t>ConfigClient</a:t>
+            </a:r>
+            <a:r>
+              <a:rPr lang="zh-CN" altLang="en-US" dirty="0" smtClean="0"/>
+              <a:t>設定 </a:t>
+            </a:r>
+            <a:r>
+              <a:rPr lang="en-US" altLang="zh-CN" dirty="0" smtClean="0"/>
+              <a:t>—— dependency</a:t>
             </a:r>
             <a:endParaRPr lang="zh-TW" altLang="en-US" dirty="0"/>
           </a:p>
@@ -16688,7 +18047,7 @@
           <a:bodyPr/>
           <a:lstStyle/>
           <a:p>
-            <a:endParaRPr lang="zh-TW" altLang="en-US"/>
+            <a:endParaRPr lang="zh-TW" altLang="en-US" dirty="0"/>
           </a:p>
         </p:txBody>
       </p:sp>
@@ -16703,7 +18062,7 @@
           </p:nvPr>
         </p:nvPicPr>
         <p:blipFill>
-          <a:blip r:embed="rId2" cstate="print">
+          <a:blip r:embed="rId2">
             <a:extLst>
               <a:ext uri="{28A0092B-C50C-407E-A947-70E740481C1C}">
                 <a14:useLocalDpi xmlns:a14="http://schemas.microsoft.com/office/drawing/2010/main" val="0"/>
@@ -16716,15 +18075,15 @@
         </p:blipFill>
         <p:spPr>
           <a:xfrm>
-            <a:off x="929640" y="1692276"/>
-            <a:ext cx="5980611" cy="4649641"/>
+            <a:off x="1282337" y="1882108"/>
+            <a:ext cx="6725194" cy="4265004"/>
           </a:xfrm>
         </p:spPr>
       </p:pic>
     </p:spTree>
     <p:extLst>
       <p:ext uri="{BB962C8B-B14F-4D97-AF65-F5344CB8AC3E}">
-        <p14:creationId xmlns:p14="http://schemas.microsoft.com/office/powerpoint/2010/main" val="2538196020"/>
+        <p14:creationId xmlns:p14="http://schemas.microsoft.com/office/powerpoint/2010/main" val="2841493589"/>
       </p:ext>
     </p:extLst>
   </p:cSld>
@@ -16767,12 +18126,24 @@
           <a:lstStyle/>
           <a:p>
             <a:r>
+              <a:rPr lang="en-US" altLang="zh-CN" dirty="0"/>
+              <a:t>3. </a:t>
+            </a:r>
+            <a:r>
               <a:rPr lang="en-US" altLang="zh-TW" dirty="0" err="1" smtClean="0"/>
-              <a:t>GitlabWebhook</a:t>
+              <a:t>ConfigClient</a:t>
             </a:r>
             <a:r>
               <a:rPr lang="zh-CN" altLang="en-US" dirty="0"/>
-              <a:t>設置</a:t>
+              <a:t>設定 </a:t>
+            </a:r>
+            <a:r>
+              <a:rPr lang="en-US" altLang="zh-CN" dirty="0"/>
+              <a:t>—— </a:t>
+            </a:r>
+            <a:r>
+              <a:rPr lang="en-US" altLang="zh-CN" dirty="0" err="1" smtClean="0"/>
+              <a:t>application.properties</a:t>
             </a:r>
             <a:endParaRPr lang="zh-TW" altLang="en-US" dirty="0"/>
           </a:p>
@@ -16793,7 +18164,7 @@
           <a:bodyPr/>
           <a:lstStyle/>
           <a:p>
-            <a:endParaRPr lang="zh-TW" altLang="en-US"/>
+            <a:endParaRPr lang="zh-TW" altLang="en-US" dirty="0"/>
           </a:p>
         </p:txBody>
       </p:sp>
@@ -16821,15 +18192,203 @@
         </p:blipFill>
         <p:spPr>
           <a:xfrm>
-            <a:off x="838199" y="1690688"/>
-            <a:ext cx="8342941" cy="4409666"/>
+            <a:off x="994954" y="2216613"/>
+            <a:ext cx="8397240" cy="3827529"/>
           </a:xfrm>
         </p:spPr>
       </p:pic>
+      <p:sp>
+        <p:nvSpPr>
+          <p:cNvPr id="4" name="矩形 3"/>
+          <p:cNvSpPr/>
+          <p:nvPr/>
+        </p:nvSpPr>
+        <p:spPr>
+          <a:xfrm>
+            <a:off x="1463040" y="2481943"/>
+            <a:ext cx="2834640" cy="979714"/>
+          </a:xfrm>
+          <a:prstGeom prst="rect">
+            <a:avLst/>
+          </a:prstGeom>
+          <a:noFill/>
+          <a:ln>
+            <a:solidFill>
+              <a:srgbClr val="FF0000"/>
+            </a:solidFill>
+          </a:ln>
+        </p:spPr>
+        <p:style>
+          <a:lnRef idx="2">
+            <a:schemeClr val="accent2"/>
+          </a:lnRef>
+          <a:fillRef idx="1">
+            <a:schemeClr val="lt1"/>
+          </a:fillRef>
+          <a:effectRef idx="0">
+            <a:schemeClr val="accent2"/>
+          </a:effectRef>
+          <a:fontRef idx="minor">
+            <a:schemeClr val="dk1"/>
+          </a:fontRef>
+        </p:style>
+        <p:txBody>
+          <a:bodyPr rtlCol="0" anchor="ctr"/>
+          <a:lstStyle/>
+          <a:p>
+            <a:pPr algn="ctr"/>
+            <a:endParaRPr lang="zh-TW" altLang="en-US"/>
+          </a:p>
+        </p:txBody>
+      </p:sp>
+      <p:sp>
+        <p:nvSpPr>
+          <p:cNvPr id="6" name="矩形 5"/>
+          <p:cNvSpPr/>
+          <p:nvPr/>
+        </p:nvSpPr>
+        <p:spPr>
+          <a:xfrm>
+            <a:off x="1463039" y="5377543"/>
+            <a:ext cx="3487783" cy="666599"/>
+          </a:xfrm>
+          <a:prstGeom prst="rect">
+            <a:avLst/>
+          </a:prstGeom>
+          <a:noFill/>
+          <a:ln>
+            <a:solidFill>
+              <a:srgbClr val="FF0000"/>
+            </a:solidFill>
+          </a:ln>
+        </p:spPr>
+        <p:style>
+          <a:lnRef idx="2">
+            <a:schemeClr val="accent2"/>
+          </a:lnRef>
+          <a:fillRef idx="1">
+            <a:schemeClr val="lt1"/>
+          </a:fillRef>
+          <a:effectRef idx="0">
+            <a:schemeClr val="accent2"/>
+          </a:effectRef>
+          <a:fontRef idx="minor">
+            <a:schemeClr val="dk1"/>
+          </a:fontRef>
+        </p:style>
+        <p:txBody>
+          <a:bodyPr rtlCol="0" anchor="ctr"/>
+          <a:lstStyle/>
+          <a:p>
+            <a:pPr algn="ctr"/>
+            <a:endParaRPr lang="zh-TW" altLang="en-US"/>
+          </a:p>
+        </p:txBody>
+      </p:sp>
+      <p:sp>
+        <p:nvSpPr>
+          <p:cNvPr id="7" name="文字方塊 6"/>
+          <p:cNvSpPr txBox="1"/>
+          <p:nvPr/>
+        </p:nvSpPr>
+        <p:spPr>
+          <a:xfrm>
+            <a:off x="4624252" y="2787134"/>
+            <a:ext cx="982961" cy="369332"/>
+          </a:xfrm>
+          <a:prstGeom prst="rect">
+            <a:avLst/>
+          </a:prstGeom>
+          <a:noFill/>
+        </p:spPr>
+        <p:txBody>
+          <a:bodyPr wrap="none" rtlCol="0">
+            <a:spAutoFit/>
+          </a:bodyPr>
+          <a:lstStyle/>
+          <a:p>
+            <a:r>
+              <a:rPr lang="zh-CN" altLang="en-US" dirty="0" smtClean="0">
+                <a:solidFill>
+                  <a:schemeClr val="accent2"/>
+                </a:solidFill>
+              </a:rPr>
+              <a:t>連接</a:t>
+            </a:r>
+            <a:r>
+              <a:rPr lang="en-US" altLang="zh-CN" dirty="0" smtClean="0">
+                <a:solidFill>
+                  <a:schemeClr val="accent2"/>
+                </a:solidFill>
+              </a:rPr>
+              <a:t>Bus</a:t>
+            </a:r>
+            <a:endParaRPr lang="zh-TW" altLang="en-US" dirty="0">
+              <a:solidFill>
+                <a:schemeClr val="accent2"/>
+              </a:solidFill>
+            </a:endParaRPr>
+          </a:p>
+        </p:txBody>
+      </p:sp>
+      <p:sp>
+        <p:nvSpPr>
+          <p:cNvPr id="8" name="文字方塊 7"/>
+          <p:cNvSpPr txBox="1"/>
+          <p:nvPr/>
+        </p:nvSpPr>
+        <p:spPr>
+          <a:xfrm>
+            <a:off x="5225144" y="5528549"/>
+            <a:ext cx="1716047" cy="369332"/>
+          </a:xfrm>
+          <a:prstGeom prst="rect">
+            <a:avLst/>
+          </a:prstGeom>
+          <a:noFill/>
+        </p:spPr>
+        <p:txBody>
+          <a:bodyPr wrap="none" rtlCol="0">
+            <a:spAutoFit/>
+          </a:bodyPr>
+          <a:lstStyle/>
+          <a:p>
+            <a:r>
+              <a:rPr lang="zh-CN" altLang="en-US" dirty="0" smtClean="0">
+                <a:solidFill>
+                  <a:schemeClr val="accent2"/>
+                </a:solidFill>
+              </a:rPr>
+              <a:t>開啟</a:t>
+            </a:r>
+            <a:r>
+              <a:rPr lang="en-US" altLang="zh-CN" dirty="0" smtClean="0">
+                <a:solidFill>
+                  <a:schemeClr val="accent2"/>
+                </a:solidFill>
+              </a:rPr>
+              <a:t>Refresh </a:t>
+            </a:r>
+            <a:r>
+              <a:rPr lang="en-US" altLang="zh-CN" dirty="0" err="1" smtClean="0">
+                <a:solidFill>
+                  <a:schemeClr val="accent2"/>
+                </a:solidFill>
+              </a:rPr>
+              <a:t>Api</a:t>
+            </a:r>
+            <a:endParaRPr lang="zh-TW" altLang="en-US" dirty="0">
+              <a:solidFill>
+                <a:schemeClr val="accent2"/>
+              </a:solidFill>
+            </a:endParaRPr>
+          </a:p>
+        </p:txBody>
+      </p:sp>
     </p:spTree>
     <p:extLst>
       <p:ext uri="{BB962C8B-B14F-4D97-AF65-F5344CB8AC3E}">
-        <p14:creationId xmlns:p14="http://schemas.microsoft.com/office/powerpoint/2010/main" val="2253305148"/>
+        <p14:creationId xmlns:p14="http://schemas.microsoft.com/office/powerpoint/2010/main" val="1952751385"/>
       </p:ext>
     </p:extLst>
   </p:cSld>
@@ -16872,16 +18431,51 @@
           <a:lstStyle/>
           <a:p>
             <a:r>
-              <a:rPr lang="en-US" altLang="zh-CN" dirty="0" smtClean="0"/>
-              <a:t>testing</a:t>
+              <a:rPr lang="en-US" altLang="zh-CN" dirty="0"/>
+              <a:t>3. </a:t>
+            </a:r>
+            <a:r>
+              <a:rPr lang="en-US" altLang="zh-TW" dirty="0" err="1" smtClean="0"/>
+              <a:t>ConfigClient</a:t>
+            </a:r>
+            <a:r>
+              <a:rPr lang="zh-CN" altLang="en-US" dirty="0"/>
+              <a:t>設定 </a:t>
+            </a:r>
+            <a:r>
+              <a:rPr lang="en-US" altLang="zh-CN" dirty="0"/>
+              <a:t>—— </a:t>
+            </a:r>
+            <a:r>
+              <a:rPr lang="en-US" altLang="zh-CN" dirty="0" err="1" smtClean="0"/>
+              <a:t>bootstrap.properties</a:t>
             </a:r>
             <a:endParaRPr lang="zh-TW" altLang="en-US" dirty="0"/>
+          </a:p>
+        </p:txBody>
+      </p:sp>
+      <p:sp>
+        <p:nvSpPr>
+          <p:cNvPr id="3" name="內容版面配置區 2"/>
+          <p:cNvSpPr>
+            <a:spLocks noGrp="1"/>
+          </p:cNvSpPr>
+          <p:nvPr>
+            <p:ph sz="quarter" idx="13"/>
+          </p:nvPr>
+        </p:nvSpPr>
+        <p:spPr/>
+        <p:txBody>
+          <a:bodyPr/>
+          <a:lstStyle/>
+          <a:p>
+            <a:endParaRPr lang="zh-TW" altLang="en-US"/>
           </a:p>
         </p:txBody>
       </p:sp>
       <p:pic>
         <p:nvPicPr>
-          <p:cNvPr id="5" name="內容版面配置區 4"/>
+          <p:cNvPr id="7" name="內容版面配置區 6"/>
           <p:cNvPicPr>
             <a:picLocks noGrp="1" noChangeAspect="1"/>
           </p:cNvPicPr>
@@ -16903,44 +18497,113 @@
         </p:blipFill>
         <p:spPr>
           <a:xfrm>
-            <a:off x="838200" y="1781651"/>
-            <a:ext cx="6087325" cy="1514687"/>
+            <a:off x="1170776" y="2711329"/>
+            <a:ext cx="7364017" cy="2709757"/>
           </a:xfrm>
         </p:spPr>
       </p:pic>
-      <p:pic>
-        <p:nvPicPr>
-          <p:cNvPr id="10" name="內容版面配置區 9"/>
-          <p:cNvPicPr>
-            <a:picLocks noGrp="1" noChangeAspect="1"/>
-          </p:cNvPicPr>
-          <p:nvPr>
-            <p:ph sz="quarter" idx="13"/>
-          </p:nvPr>
-        </p:nvPicPr>
-        <p:blipFill>
-          <a:blip r:embed="rId3" cstate="print">
-            <a:extLst>
-              <a:ext uri="{28A0092B-C50C-407E-A947-70E740481C1C}">
-                <a14:useLocalDpi xmlns:a14="http://schemas.microsoft.com/office/drawing/2010/main" val="0"/>
-              </a:ext>
-            </a:extLst>
-          </a:blip>
-          <a:stretch>
-            <a:fillRect/>
-          </a:stretch>
-        </p:blipFill>
+      <p:sp>
+        <p:nvSpPr>
+          <p:cNvPr id="5" name="矩形 4"/>
+          <p:cNvSpPr/>
+          <p:nvPr/>
+        </p:nvSpPr>
         <p:spPr>
           <a:xfrm>
-            <a:off x="838200" y="3099487"/>
-            <a:ext cx="7222855" cy="1616203"/>
+            <a:off x="1828799" y="3670662"/>
+            <a:ext cx="5016137" cy="1750423"/>
           </a:xfrm>
+          <a:prstGeom prst="rect">
+            <a:avLst/>
+          </a:prstGeom>
+          <a:noFill/>
+          <a:ln>
+            <a:solidFill>
+              <a:srgbClr val="FF0000"/>
+            </a:solidFill>
+          </a:ln>
         </p:spPr>
-      </p:pic>
+        <p:style>
+          <a:lnRef idx="2">
+            <a:schemeClr val="accent2"/>
+          </a:lnRef>
+          <a:fillRef idx="1">
+            <a:schemeClr val="lt1"/>
+          </a:fillRef>
+          <a:effectRef idx="0">
+            <a:schemeClr val="accent2"/>
+          </a:effectRef>
+          <a:fontRef idx="minor">
+            <a:schemeClr val="dk1"/>
+          </a:fontRef>
+        </p:style>
+        <p:txBody>
+          <a:bodyPr rtlCol="0" anchor="ctr"/>
+          <a:lstStyle/>
+          <a:p>
+            <a:pPr algn="ctr"/>
+            <a:endParaRPr lang="zh-TW" altLang="en-US"/>
+          </a:p>
+        </p:txBody>
+      </p:sp>
+      <p:sp>
+        <p:nvSpPr>
+          <p:cNvPr id="4" name="文字方塊 3"/>
+          <p:cNvSpPr txBox="1"/>
+          <p:nvPr/>
+        </p:nvSpPr>
+        <p:spPr>
+          <a:xfrm>
+            <a:off x="6844936" y="4170623"/>
+            <a:ext cx="1898405" cy="369332"/>
+          </a:xfrm>
+          <a:prstGeom prst="rect">
+            <a:avLst/>
+          </a:prstGeom>
+          <a:noFill/>
+        </p:spPr>
+        <p:txBody>
+          <a:bodyPr wrap="none" rtlCol="0">
+            <a:spAutoFit/>
+          </a:bodyPr>
+          <a:lstStyle/>
+          <a:p>
+            <a:r>
+              <a:rPr lang="zh-CN" altLang="en-US" dirty="0" smtClean="0">
+                <a:solidFill>
+                  <a:schemeClr val="accent2"/>
+                </a:solidFill>
+              </a:rPr>
+              <a:t>連接</a:t>
+            </a:r>
+            <a:r>
+              <a:rPr lang="en-US" altLang="zh-CN" dirty="0" err="1" smtClean="0">
+                <a:solidFill>
+                  <a:schemeClr val="accent2"/>
+                </a:solidFill>
+              </a:rPr>
+              <a:t>Config</a:t>
+            </a:r>
+            <a:r>
+              <a:rPr lang="en-US" altLang="zh-CN" dirty="0" smtClean="0">
+                <a:solidFill>
+                  <a:schemeClr val="accent2"/>
+                </a:solidFill>
+              </a:rPr>
+              <a:t> Server</a:t>
+            </a:r>
+            <a:endParaRPr lang="zh-TW" altLang="en-US" dirty="0">
+              <a:solidFill>
+                <a:schemeClr val="accent2"/>
+              </a:solidFill>
+            </a:endParaRPr>
+          </a:p>
+        </p:txBody>
+      </p:sp>
     </p:spTree>
     <p:extLst>
       <p:ext uri="{BB962C8B-B14F-4D97-AF65-F5344CB8AC3E}">
-        <p14:creationId xmlns:p14="http://schemas.microsoft.com/office/powerpoint/2010/main" val="1875064959"/>
+        <p14:creationId xmlns:p14="http://schemas.microsoft.com/office/powerpoint/2010/main" val="3506340372"/>
       </p:ext>
     </p:extLst>
   </p:cSld>
@@ -16984,7 +18647,23 @@
           <a:p>
             <a:r>
               <a:rPr lang="en-US" altLang="zh-CN" dirty="0"/>
-              <a:t>testing</a:t>
+              <a:t>3. </a:t>
+            </a:r>
+            <a:r>
+              <a:rPr lang="en-US" altLang="zh-TW" dirty="0" err="1" smtClean="0"/>
+              <a:t>ConfigClient</a:t>
+            </a:r>
+            <a:r>
+              <a:rPr lang="zh-CN" altLang="en-US" dirty="0"/>
+              <a:t>設定 </a:t>
+            </a:r>
+            <a:r>
+              <a:rPr lang="en-US" altLang="zh-CN" dirty="0"/>
+              <a:t>—— </a:t>
+            </a:r>
+            <a:r>
+              <a:rPr lang="en-US" altLang="zh-CN" dirty="0" smtClean="0"/>
+              <a:t>Application.java</a:t>
             </a:r>
             <a:endParaRPr lang="zh-TW" altLang="en-US" dirty="0"/>
           </a:p>
@@ -17033,15 +18712,15 @@
         </p:blipFill>
         <p:spPr>
           <a:xfrm>
-            <a:off x="1237349" y="1967415"/>
-            <a:ext cx="9011908" cy="4172533"/>
+            <a:off x="979739" y="2274632"/>
+            <a:ext cx="7484991" cy="3683917"/>
           </a:xfrm>
         </p:spPr>
       </p:pic>
     </p:spTree>
     <p:extLst>
       <p:ext uri="{BB962C8B-B14F-4D97-AF65-F5344CB8AC3E}">
-        <p14:creationId xmlns:p14="http://schemas.microsoft.com/office/powerpoint/2010/main" val="2497242871"/>
+        <p14:creationId xmlns:p14="http://schemas.microsoft.com/office/powerpoint/2010/main" val="895139697"/>
       </p:ext>
     </p:extLst>
   </p:cSld>
@@ -17085,7 +18764,23 @@
           <a:p>
             <a:r>
               <a:rPr lang="en-US" altLang="zh-CN" dirty="0"/>
-              <a:t>testing</a:t>
+              <a:t>3. </a:t>
+            </a:r>
+            <a:r>
+              <a:rPr lang="en-US" altLang="zh-TW" dirty="0" err="1" smtClean="0"/>
+              <a:t>ConfigClient</a:t>
+            </a:r>
+            <a:r>
+              <a:rPr lang="zh-CN" altLang="en-US" dirty="0"/>
+              <a:t>設定 </a:t>
+            </a:r>
+            <a:r>
+              <a:rPr lang="en-US" altLang="zh-CN" dirty="0"/>
+              <a:t>—— </a:t>
+            </a:r>
+            <a:r>
+              <a:rPr lang="en-US" altLang="zh-CN" dirty="0" err="1" smtClean="0"/>
+              <a:t>ConfigController</a:t>
             </a:r>
             <a:endParaRPr lang="zh-TW" altLang="en-US" dirty="0"/>
           </a:p>
@@ -17134,15 +18829,15 @@
         </p:blipFill>
         <p:spPr>
           <a:xfrm>
-            <a:off x="1264175" y="2459310"/>
-            <a:ext cx="8281635" cy="2752769"/>
+            <a:off x="838200" y="1836930"/>
+            <a:ext cx="6307183" cy="4372025"/>
           </a:xfrm>
         </p:spPr>
       </p:pic>
     </p:spTree>
     <p:extLst>
       <p:ext uri="{BB962C8B-B14F-4D97-AF65-F5344CB8AC3E}">
-        <p14:creationId xmlns:p14="http://schemas.microsoft.com/office/powerpoint/2010/main" val="3453163611"/>
+        <p14:creationId xmlns:p14="http://schemas.microsoft.com/office/powerpoint/2010/main" val="2903645125"/>
       </p:ext>
     </p:extLst>
   </p:cSld>
@@ -17171,41 +18866,43 @@
       </p:grpSpPr>
       <p:sp>
         <p:nvSpPr>
-          <p:cNvPr id="4" name="標題 3"/>
-          <p:cNvSpPr>
-            <a:spLocks noGrp="1"/>
-          </p:cNvSpPr>
-          <p:nvPr>
-            <p:ph type="ctrTitle"/>
+          <p:cNvPr id="2" name="標題 1"/>
+          <p:cNvSpPr>
+            <a:spLocks noGrp="1"/>
+          </p:cNvSpPr>
+          <p:nvPr>
+            <p:ph type="title"/>
           </p:nvPr>
         </p:nvSpPr>
         <p:spPr/>
         <p:txBody>
-          <a:bodyPr>
-            <a:normAutofit/>
-          </a:bodyPr>
-          <a:lstStyle/>
-          <a:p>
-            <a:r>
-              <a:rPr lang="en-US" altLang="zh-TW" sz="6600" dirty="0">
-                <a:latin typeface="Tw Cen MT" pitchFamily="34" charset="0"/>
-              </a:rPr>
-              <a:t>Thank You</a:t>
-            </a:r>
-            <a:endParaRPr lang="zh-TW" altLang="en-US" sz="6600" dirty="0">
-              <a:latin typeface="Tw Cen MT" pitchFamily="34" charset="0"/>
-            </a:endParaRPr>
-          </a:p>
-        </p:txBody>
-      </p:sp>
-      <p:sp>
-        <p:nvSpPr>
-          <p:cNvPr id="6" name="副標題 5"/>
-          <p:cNvSpPr>
-            <a:spLocks noGrp="1"/>
-          </p:cNvSpPr>
-          <p:nvPr>
-            <p:ph type="subTitle" idx="1"/>
+          <a:bodyPr/>
+          <a:lstStyle/>
+          <a:p>
+            <a:r>
+              <a:rPr lang="en-US" altLang="zh-CN" dirty="0" smtClean="0"/>
+              <a:t>4. </a:t>
+            </a:r>
+            <a:r>
+              <a:rPr lang="en-US" altLang="zh-TW" dirty="0" err="1" smtClean="0"/>
+              <a:t>Gitlab</a:t>
+            </a:r>
+            <a:r>
+              <a:rPr lang="zh-CN" altLang="en-US" dirty="0" smtClean="0"/>
+              <a:t>設置</a:t>
+            </a:r>
+            <a:endParaRPr lang="zh-TW" altLang="en-US" dirty="0"/>
+          </a:p>
+        </p:txBody>
+      </p:sp>
+      <p:sp>
+        <p:nvSpPr>
+          <p:cNvPr id="3" name="內容版面配置區 2"/>
+          <p:cNvSpPr>
+            <a:spLocks noGrp="1"/>
+          </p:cNvSpPr>
+          <p:nvPr>
+            <p:ph sz="quarter" idx="13"/>
           </p:nvPr>
         </p:nvSpPr>
         <p:spPr/>
@@ -17213,75 +18910,261 @@
           <a:bodyPr/>
           <a:lstStyle/>
           <a:p>
-            <a:r>
-              <a:rPr lang="en-US" altLang="zh-TW" sz="2800" b="0" dirty="0" smtClean="0">
-                <a:latin typeface="Tw Cen MT" pitchFamily="34" charset="0"/>
-              </a:rPr>
-              <a:t>Q</a:t>
-            </a:r>
-            <a:r>
-              <a:rPr lang="zh-TW" altLang="en-US" sz="2800" b="0" dirty="0" smtClean="0">
-                <a:latin typeface="Tw Cen MT" pitchFamily="34" charset="0"/>
-              </a:rPr>
-              <a:t> </a:t>
-            </a:r>
-            <a:r>
-              <a:rPr lang="en-US" altLang="zh-TW" sz="2800" b="0" dirty="0">
-                <a:latin typeface="Tw Cen MT" pitchFamily="34" charset="0"/>
-              </a:rPr>
-              <a:t>&amp;</a:t>
-            </a:r>
-            <a:r>
-              <a:rPr lang="zh-TW" altLang="en-US" sz="2800" b="0" dirty="0">
-                <a:latin typeface="Tw Cen MT" pitchFamily="34" charset="0"/>
-              </a:rPr>
-              <a:t> </a:t>
-            </a:r>
-            <a:r>
-              <a:rPr lang="en-US" altLang="zh-TW" sz="2800" b="0" dirty="0">
-                <a:latin typeface="Tw Cen MT" pitchFamily="34" charset="0"/>
-              </a:rPr>
-              <a:t>A</a:t>
-            </a:r>
-            <a:endParaRPr lang="zh-TW" altLang="en-US" b="0" dirty="0">
-              <a:latin typeface="Tw Cen MT" pitchFamily="34" charset="0"/>
-            </a:endParaRPr>
-          </a:p>
-        </p:txBody>
-      </p:sp>
-      <p:sp>
-        <p:nvSpPr>
-          <p:cNvPr id="7" name="文字版面配置區 6"/>
-          <p:cNvSpPr>
-            <a:spLocks noGrp="1"/>
-          </p:cNvSpPr>
-          <p:nvPr>
-            <p:ph type="body" sz="quarter" idx="13"/>
-          </p:nvPr>
-        </p:nvSpPr>
-        <p:spPr/>
-        <p:txBody>
-          <a:bodyPr>
-            <a:normAutofit lnSpcReduction="10000"/>
-          </a:bodyPr>
-          <a:lstStyle/>
-          <a:p>
-            <a:r>
-              <a:rPr lang="en-US" altLang="zh-TW" dirty="0"/>
-              <a:t>By </a:t>
-            </a:r>
-            <a:r>
-              <a:rPr lang="en-US" altLang="zh-CN" dirty="0"/>
-              <a:t>Moon</a:t>
-            </a:r>
-            <a:endParaRPr lang="zh-TW" altLang="en-US" dirty="0"/>
-          </a:p>
-        </p:txBody>
-      </p:sp>
+            <a:endParaRPr lang="zh-TW" altLang="en-US"/>
+          </a:p>
+        </p:txBody>
+      </p:sp>
+      <p:pic>
+        <p:nvPicPr>
+          <p:cNvPr id="6" name="內容版面配置區 5"/>
+          <p:cNvPicPr>
+            <a:picLocks noGrp="1" noChangeAspect="1"/>
+          </p:cNvPicPr>
+          <p:nvPr>
+            <p:ph sz="half" idx="1"/>
+          </p:nvPr>
+        </p:nvPicPr>
+        <p:blipFill>
+          <a:blip r:embed="rId2">
+            <a:extLst>
+              <a:ext uri="{28A0092B-C50C-407E-A947-70E740481C1C}">
+                <a14:useLocalDpi xmlns:a14="http://schemas.microsoft.com/office/drawing/2010/main" val="0"/>
+              </a:ext>
+            </a:extLst>
+          </a:blip>
+          <a:stretch>
+            <a:fillRect/>
+          </a:stretch>
+        </p:blipFill>
+        <p:spPr>
+          <a:xfrm>
+            <a:off x="1421446" y="1930400"/>
+            <a:ext cx="8695966" cy="4246563"/>
+          </a:xfrm>
+        </p:spPr>
+      </p:pic>
     </p:spTree>
     <p:extLst>
       <p:ext uri="{BB962C8B-B14F-4D97-AF65-F5344CB8AC3E}">
-        <p14:creationId xmlns:p14="http://schemas.microsoft.com/office/powerpoint/2010/main" val="3310412145"/>
+        <p14:creationId xmlns:p14="http://schemas.microsoft.com/office/powerpoint/2010/main" val="3960387797"/>
+      </p:ext>
+    </p:extLst>
+  </p:cSld>
+  <p:clrMapOvr>
+    <a:masterClrMapping/>
+  </p:clrMapOvr>
+</p:sld>
+</file>
+
+<file path=ppt/slides/slide28.xml><?xml version="1.0" encoding="utf-8"?>
+<p:sld xmlns:a="http://schemas.openxmlformats.org/drawingml/2006/main" xmlns:r="http://schemas.openxmlformats.org/officeDocument/2006/relationships" xmlns:p="http://schemas.openxmlformats.org/presentationml/2006/main">
+  <p:cSld>
+    <p:spTree>
+      <p:nvGrpSpPr>
+        <p:cNvPr id="1" name=""/>
+        <p:cNvGrpSpPr/>
+        <p:nvPr/>
+      </p:nvGrpSpPr>
+      <p:grpSpPr>
+        <a:xfrm>
+          <a:off x="0" y="0"/>
+          <a:ext cx="0" cy="0"/>
+          <a:chOff x="0" y="0"/>
+          <a:chExt cx="0" cy="0"/>
+        </a:xfrm>
+      </p:grpSpPr>
+      <p:sp>
+        <p:nvSpPr>
+          <p:cNvPr id="2" name="標題 1"/>
+          <p:cNvSpPr>
+            <a:spLocks noGrp="1"/>
+          </p:cNvSpPr>
+          <p:nvPr>
+            <p:ph type="title"/>
+          </p:nvPr>
+        </p:nvSpPr>
+        <p:spPr/>
+        <p:txBody>
+          <a:bodyPr/>
+          <a:lstStyle/>
+          <a:p>
+            <a:r>
+              <a:rPr lang="en-US" altLang="zh-CN" dirty="0"/>
+              <a:t>4. </a:t>
+            </a:r>
+            <a:r>
+              <a:rPr lang="en-US" altLang="zh-TW" dirty="0" err="1" smtClean="0"/>
+              <a:t>GitlabWebhook</a:t>
+            </a:r>
+            <a:r>
+              <a:rPr lang="zh-CN" altLang="en-US" dirty="0"/>
+              <a:t>設置</a:t>
+            </a:r>
+            <a:endParaRPr lang="zh-TW" altLang="en-US" dirty="0"/>
+          </a:p>
+        </p:txBody>
+      </p:sp>
+      <p:sp>
+        <p:nvSpPr>
+          <p:cNvPr id="3" name="內容版面配置區 2"/>
+          <p:cNvSpPr>
+            <a:spLocks noGrp="1"/>
+          </p:cNvSpPr>
+          <p:nvPr>
+            <p:ph sz="quarter" idx="13"/>
+          </p:nvPr>
+        </p:nvSpPr>
+        <p:spPr/>
+        <p:txBody>
+          <a:bodyPr/>
+          <a:lstStyle/>
+          <a:p>
+            <a:endParaRPr lang="zh-TW" altLang="en-US"/>
+          </a:p>
+        </p:txBody>
+      </p:sp>
+      <p:pic>
+        <p:nvPicPr>
+          <p:cNvPr id="5" name="內容版面配置區 4"/>
+          <p:cNvPicPr>
+            <a:picLocks noGrp="1" noChangeAspect="1"/>
+          </p:cNvPicPr>
+          <p:nvPr>
+            <p:ph sz="half" idx="1"/>
+          </p:nvPr>
+        </p:nvPicPr>
+        <p:blipFill>
+          <a:blip r:embed="rId2">
+            <a:extLst>
+              <a:ext uri="{28A0092B-C50C-407E-A947-70E740481C1C}">
+                <a14:useLocalDpi xmlns:a14="http://schemas.microsoft.com/office/drawing/2010/main" val="0"/>
+              </a:ext>
+            </a:extLst>
+          </a:blip>
+          <a:stretch>
+            <a:fillRect/>
+          </a:stretch>
+        </p:blipFill>
+        <p:spPr>
+          <a:xfrm>
+            <a:off x="947835" y="1930400"/>
+            <a:ext cx="7895720" cy="4439175"/>
+          </a:xfrm>
+        </p:spPr>
+      </p:pic>
+    </p:spTree>
+    <p:extLst>
+      <p:ext uri="{BB962C8B-B14F-4D97-AF65-F5344CB8AC3E}">
+        <p14:creationId xmlns:p14="http://schemas.microsoft.com/office/powerpoint/2010/main" val="334007755"/>
+      </p:ext>
+    </p:extLst>
+  </p:cSld>
+  <p:clrMapOvr>
+    <a:masterClrMapping/>
+  </p:clrMapOvr>
+</p:sld>
+</file>
+
+<file path=ppt/slides/slide29.xml><?xml version="1.0" encoding="utf-8"?>
+<p:sld xmlns:a="http://schemas.openxmlformats.org/drawingml/2006/main" xmlns:r="http://schemas.openxmlformats.org/officeDocument/2006/relationships" xmlns:p="http://schemas.openxmlformats.org/presentationml/2006/main">
+  <p:cSld>
+    <p:spTree>
+      <p:nvGrpSpPr>
+        <p:cNvPr id="1" name=""/>
+        <p:cNvGrpSpPr/>
+        <p:nvPr/>
+      </p:nvGrpSpPr>
+      <p:grpSpPr>
+        <a:xfrm>
+          <a:off x="0" y="0"/>
+          <a:ext cx="0" cy="0"/>
+          <a:chOff x="0" y="0"/>
+          <a:chExt cx="0" cy="0"/>
+        </a:xfrm>
+      </p:grpSpPr>
+      <p:sp>
+        <p:nvSpPr>
+          <p:cNvPr id="2" name="標題 1"/>
+          <p:cNvSpPr>
+            <a:spLocks noGrp="1"/>
+          </p:cNvSpPr>
+          <p:nvPr>
+            <p:ph type="title"/>
+          </p:nvPr>
+        </p:nvSpPr>
+        <p:spPr/>
+        <p:txBody>
+          <a:bodyPr/>
+          <a:lstStyle/>
+          <a:p>
+            <a:r>
+              <a:rPr lang="en-US" altLang="zh-CN" dirty="0"/>
+              <a:t>4. </a:t>
+            </a:r>
+            <a:r>
+              <a:rPr lang="en-US" altLang="zh-TW" dirty="0" err="1" smtClean="0"/>
+              <a:t>GitlabWebhook</a:t>
+            </a:r>
+            <a:r>
+              <a:rPr lang="zh-CN" altLang="en-US" dirty="0"/>
+              <a:t>設置</a:t>
+            </a:r>
+            <a:endParaRPr lang="zh-TW" altLang="en-US" dirty="0"/>
+          </a:p>
+        </p:txBody>
+      </p:sp>
+      <p:sp>
+        <p:nvSpPr>
+          <p:cNvPr id="3" name="內容版面配置區 2"/>
+          <p:cNvSpPr>
+            <a:spLocks noGrp="1"/>
+          </p:cNvSpPr>
+          <p:nvPr>
+            <p:ph sz="quarter" idx="13"/>
+          </p:nvPr>
+        </p:nvSpPr>
+        <p:spPr/>
+        <p:txBody>
+          <a:bodyPr/>
+          <a:lstStyle/>
+          <a:p>
+            <a:endParaRPr lang="zh-TW" altLang="en-US"/>
+          </a:p>
+        </p:txBody>
+      </p:sp>
+      <p:pic>
+        <p:nvPicPr>
+          <p:cNvPr id="6" name="內容版面配置區 5"/>
+          <p:cNvPicPr>
+            <a:picLocks noGrp="1" noChangeAspect="1"/>
+          </p:cNvPicPr>
+          <p:nvPr>
+            <p:ph sz="half" idx="1"/>
+          </p:nvPr>
+        </p:nvPicPr>
+        <p:blipFill>
+          <a:blip r:embed="rId2" cstate="print">
+            <a:extLst>
+              <a:ext uri="{28A0092B-C50C-407E-A947-70E740481C1C}">
+                <a14:useLocalDpi xmlns:a14="http://schemas.microsoft.com/office/drawing/2010/main" val="0"/>
+              </a:ext>
+            </a:extLst>
+          </a:blip>
+          <a:stretch>
+            <a:fillRect/>
+          </a:stretch>
+        </p:blipFill>
+        <p:spPr>
+          <a:xfrm>
+            <a:off x="929640" y="1692276"/>
+            <a:ext cx="5980611" cy="4649641"/>
+          </a:xfrm>
+        </p:spPr>
+      </p:pic>
+    </p:spTree>
+    <p:extLst>
+      <p:ext uri="{BB962C8B-B14F-4D97-AF65-F5344CB8AC3E}">
+        <p14:creationId xmlns:p14="http://schemas.microsoft.com/office/powerpoint/2010/main" val="2538196020"/>
       </p:ext>
     </p:extLst>
   </p:cSld>
@@ -17323,6 +19206,14 @@
           <a:bodyPr/>
           <a:lstStyle/>
           <a:p>
+            <a:r>
+              <a:rPr lang="zh-CN" altLang="en-US" dirty="0" smtClean="0"/>
+              <a:t>微服務配置中心</a:t>
+            </a:r>
+            <a:r>
+              <a:rPr lang="en-US" altLang="zh-CN" dirty="0" err="1" smtClean="0"/>
+              <a:t>Config</a:t>
+            </a:r>
             <a:endParaRPr lang="en-US" altLang="zh-TW" dirty="0"/>
           </a:p>
         </p:txBody>
@@ -17350,6 +19241,567 @@
     <p:extLst>
       <p:ext uri="{BB962C8B-B14F-4D97-AF65-F5344CB8AC3E}">
         <p14:creationId xmlns:p14="http://schemas.microsoft.com/office/powerpoint/2010/main" val="2740842326"/>
+      </p:ext>
+    </p:extLst>
+  </p:cSld>
+  <p:clrMapOvr>
+    <a:masterClrMapping/>
+  </p:clrMapOvr>
+</p:sld>
+</file>
+
+<file path=ppt/slides/slide30.xml><?xml version="1.0" encoding="utf-8"?>
+<p:sld xmlns:a="http://schemas.openxmlformats.org/drawingml/2006/main" xmlns:r="http://schemas.openxmlformats.org/officeDocument/2006/relationships" xmlns:p="http://schemas.openxmlformats.org/presentationml/2006/main">
+  <p:cSld>
+    <p:spTree>
+      <p:nvGrpSpPr>
+        <p:cNvPr id="1" name=""/>
+        <p:cNvGrpSpPr/>
+        <p:nvPr/>
+      </p:nvGrpSpPr>
+      <p:grpSpPr>
+        <a:xfrm>
+          <a:off x="0" y="0"/>
+          <a:ext cx="0" cy="0"/>
+          <a:chOff x="0" y="0"/>
+          <a:chExt cx="0" cy="0"/>
+        </a:xfrm>
+      </p:grpSpPr>
+      <p:sp>
+        <p:nvSpPr>
+          <p:cNvPr id="2" name="標題 1"/>
+          <p:cNvSpPr>
+            <a:spLocks noGrp="1"/>
+          </p:cNvSpPr>
+          <p:nvPr>
+            <p:ph type="title"/>
+          </p:nvPr>
+        </p:nvSpPr>
+        <p:spPr/>
+        <p:txBody>
+          <a:bodyPr/>
+          <a:lstStyle/>
+          <a:p>
+            <a:r>
+              <a:rPr lang="en-US" altLang="zh-CN" dirty="0"/>
+              <a:t>4. </a:t>
+            </a:r>
+            <a:r>
+              <a:rPr lang="en-US" altLang="zh-TW" dirty="0" err="1" smtClean="0"/>
+              <a:t>GitlabWebhook</a:t>
+            </a:r>
+            <a:r>
+              <a:rPr lang="zh-CN" altLang="en-US" dirty="0"/>
+              <a:t>設置</a:t>
+            </a:r>
+            <a:endParaRPr lang="zh-TW" altLang="en-US" dirty="0"/>
+          </a:p>
+        </p:txBody>
+      </p:sp>
+      <p:sp>
+        <p:nvSpPr>
+          <p:cNvPr id="3" name="內容版面配置區 2"/>
+          <p:cNvSpPr>
+            <a:spLocks noGrp="1"/>
+          </p:cNvSpPr>
+          <p:nvPr>
+            <p:ph sz="quarter" idx="13"/>
+          </p:nvPr>
+        </p:nvSpPr>
+        <p:spPr/>
+        <p:txBody>
+          <a:bodyPr/>
+          <a:lstStyle/>
+          <a:p>
+            <a:endParaRPr lang="zh-TW" altLang="en-US"/>
+          </a:p>
+        </p:txBody>
+      </p:sp>
+      <p:pic>
+        <p:nvPicPr>
+          <p:cNvPr id="5" name="內容版面配置區 4"/>
+          <p:cNvPicPr>
+            <a:picLocks noGrp="1" noChangeAspect="1"/>
+          </p:cNvPicPr>
+          <p:nvPr>
+            <p:ph sz="half" idx="1"/>
+          </p:nvPr>
+        </p:nvPicPr>
+        <p:blipFill>
+          <a:blip r:embed="rId2">
+            <a:extLst>
+              <a:ext uri="{28A0092B-C50C-407E-A947-70E740481C1C}">
+                <a14:useLocalDpi xmlns:a14="http://schemas.microsoft.com/office/drawing/2010/main" val="0"/>
+              </a:ext>
+            </a:extLst>
+          </a:blip>
+          <a:stretch>
+            <a:fillRect/>
+          </a:stretch>
+        </p:blipFill>
+        <p:spPr>
+          <a:xfrm>
+            <a:off x="838199" y="1690688"/>
+            <a:ext cx="8342941" cy="4409666"/>
+          </a:xfrm>
+        </p:spPr>
+      </p:pic>
+    </p:spTree>
+    <p:extLst>
+      <p:ext uri="{BB962C8B-B14F-4D97-AF65-F5344CB8AC3E}">
+        <p14:creationId xmlns:p14="http://schemas.microsoft.com/office/powerpoint/2010/main" val="2253305148"/>
+      </p:ext>
+    </p:extLst>
+  </p:cSld>
+  <p:clrMapOvr>
+    <a:masterClrMapping/>
+  </p:clrMapOvr>
+</p:sld>
+</file>
+
+<file path=ppt/slides/slide31.xml><?xml version="1.0" encoding="utf-8"?>
+<p:sld xmlns:a="http://schemas.openxmlformats.org/drawingml/2006/main" xmlns:r="http://schemas.openxmlformats.org/officeDocument/2006/relationships" xmlns:p="http://schemas.openxmlformats.org/presentationml/2006/main">
+  <p:cSld>
+    <p:spTree>
+      <p:nvGrpSpPr>
+        <p:cNvPr id="1" name=""/>
+        <p:cNvGrpSpPr/>
+        <p:nvPr/>
+      </p:nvGrpSpPr>
+      <p:grpSpPr>
+        <a:xfrm>
+          <a:off x="0" y="0"/>
+          <a:ext cx="0" cy="0"/>
+          <a:chOff x="0" y="0"/>
+          <a:chExt cx="0" cy="0"/>
+        </a:xfrm>
+      </p:grpSpPr>
+      <p:sp>
+        <p:nvSpPr>
+          <p:cNvPr id="2" name="標題 1"/>
+          <p:cNvSpPr>
+            <a:spLocks noGrp="1"/>
+          </p:cNvSpPr>
+          <p:nvPr>
+            <p:ph type="title"/>
+          </p:nvPr>
+        </p:nvSpPr>
+        <p:spPr/>
+        <p:txBody>
+          <a:bodyPr/>
+          <a:lstStyle/>
+          <a:p>
+            <a:r>
+              <a:rPr lang="zh-CN" altLang="en-US" dirty="0"/>
+              <a:t>測試</a:t>
+            </a:r>
+            <a:endParaRPr lang="zh-TW" altLang="en-US" dirty="0"/>
+          </a:p>
+        </p:txBody>
+      </p:sp>
+      <p:pic>
+        <p:nvPicPr>
+          <p:cNvPr id="5" name="內容版面配置區 4"/>
+          <p:cNvPicPr>
+            <a:picLocks noGrp="1" noChangeAspect="1"/>
+          </p:cNvPicPr>
+          <p:nvPr>
+            <p:ph sz="half" idx="1"/>
+          </p:nvPr>
+        </p:nvPicPr>
+        <p:blipFill>
+          <a:blip r:embed="rId2">
+            <a:extLst>
+              <a:ext uri="{28A0092B-C50C-407E-A947-70E740481C1C}">
+                <a14:useLocalDpi xmlns:a14="http://schemas.microsoft.com/office/drawing/2010/main" val="0"/>
+              </a:ext>
+            </a:extLst>
+          </a:blip>
+          <a:stretch>
+            <a:fillRect/>
+          </a:stretch>
+        </p:blipFill>
+        <p:spPr>
+          <a:xfrm>
+            <a:off x="838200" y="1781651"/>
+            <a:ext cx="6087325" cy="1514687"/>
+          </a:xfrm>
+        </p:spPr>
+      </p:pic>
+      <p:pic>
+        <p:nvPicPr>
+          <p:cNvPr id="10" name="內容版面配置區 9"/>
+          <p:cNvPicPr>
+            <a:picLocks noGrp="1" noChangeAspect="1"/>
+          </p:cNvPicPr>
+          <p:nvPr>
+            <p:ph sz="quarter" idx="13"/>
+          </p:nvPr>
+        </p:nvPicPr>
+        <p:blipFill>
+          <a:blip r:embed="rId3" cstate="print">
+            <a:extLst>
+              <a:ext uri="{28A0092B-C50C-407E-A947-70E740481C1C}">
+                <a14:useLocalDpi xmlns:a14="http://schemas.microsoft.com/office/drawing/2010/main" val="0"/>
+              </a:ext>
+            </a:extLst>
+          </a:blip>
+          <a:stretch>
+            <a:fillRect/>
+          </a:stretch>
+        </p:blipFill>
+        <p:spPr>
+          <a:xfrm>
+            <a:off x="838200" y="3099487"/>
+            <a:ext cx="7222855" cy="1616203"/>
+          </a:xfrm>
+        </p:spPr>
+      </p:pic>
+    </p:spTree>
+    <p:extLst>
+      <p:ext uri="{BB962C8B-B14F-4D97-AF65-F5344CB8AC3E}">
+        <p14:creationId xmlns:p14="http://schemas.microsoft.com/office/powerpoint/2010/main" val="1875064959"/>
+      </p:ext>
+    </p:extLst>
+  </p:cSld>
+  <p:clrMapOvr>
+    <a:masterClrMapping/>
+  </p:clrMapOvr>
+</p:sld>
+</file>
+
+<file path=ppt/slides/slide32.xml><?xml version="1.0" encoding="utf-8"?>
+<p:sld xmlns:a="http://schemas.openxmlformats.org/drawingml/2006/main" xmlns:r="http://schemas.openxmlformats.org/officeDocument/2006/relationships" xmlns:p="http://schemas.openxmlformats.org/presentationml/2006/main">
+  <p:cSld>
+    <p:spTree>
+      <p:nvGrpSpPr>
+        <p:cNvPr id="1" name=""/>
+        <p:cNvGrpSpPr/>
+        <p:nvPr/>
+      </p:nvGrpSpPr>
+      <p:grpSpPr>
+        <a:xfrm>
+          <a:off x="0" y="0"/>
+          <a:ext cx="0" cy="0"/>
+          <a:chOff x="0" y="0"/>
+          <a:chExt cx="0" cy="0"/>
+        </a:xfrm>
+      </p:grpSpPr>
+      <p:sp>
+        <p:nvSpPr>
+          <p:cNvPr id="2" name="標題 1"/>
+          <p:cNvSpPr>
+            <a:spLocks noGrp="1"/>
+          </p:cNvSpPr>
+          <p:nvPr>
+            <p:ph type="title"/>
+          </p:nvPr>
+        </p:nvSpPr>
+        <p:spPr/>
+        <p:txBody>
+          <a:bodyPr/>
+          <a:lstStyle/>
+          <a:p>
+            <a:r>
+              <a:rPr lang="zh-CN" altLang="en-US" dirty="0"/>
+              <a:t>測試</a:t>
+            </a:r>
+            <a:endParaRPr lang="zh-TW" altLang="en-US" dirty="0"/>
+          </a:p>
+        </p:txBody>
+      </p:sp>
+      <p:sp>
+        <p:nvSpPr>
+          <p:cNvPr id="3" name="內容版面配置區 2"/>
+          <p:cNvSpPr>
+            <a:spLocks noGrp="1"/>
+          </p:cNvSpPr>
+          <p:nvPr>
+            <p:ph sz="quarter" idx="13"/>
+          </p:nvPr>
+        </p:nvSpPr>
+        <p:spPr/>
+        <p:txBody>
+          <a:bodyPr/>
+          <a:lstStyle/>
+          <a:p>
+            <a:endParaRPr lang="zh-TW" altLang="en-US" dirty="0"/>
+          </a:p>
+        </p:txBody>
+      </p:sp>
+      <p:pic>
+        <p:nvPicPr>
+          <p:cNvPr id="5" name="內容版面配置區 4"/>
+          <p:cNvPicPr>
+            <a:picLocks noGrp="1" noChangeAspect="1"/>
+          </p:cNvPicPr>
+          <p:nvPr>
+            <p:ph sz="half" idx="1"/>
+          </p:nvPr>
+        </p:nvPicPr>
+        <p:blipFill>
+          <a:blip r:embed="rId2">
+            <a:extLst>
+              <a:ext uri="{28A0092B-C50C-407E-A947-70E740481C1C}">
+                <a14:useLocalDpi xmlns:a14="http://schemas.microsoft.com/office/drawing/2010/main" val="0"/>
+              </a:ext>
+            </a:extLst>
+          </a:blip>
+          <a:stretch>
+            <a:fillRect/>
+          </a:stretch>
+        </p:blipFill>
+        <p:spPr>
+          <a:xfrm>
+            <a:off x="1237349" y="1967415"/>
+            <a:ext cx="9011908" cy="4172533"/>
+          </a:xfrm>
+        </p:spPr>
+      </p:pic>
+    </p:spTree>
+    <p:extLst>
+      <p:ext uri="{BB962C8B-B14F-4D97-AF65-F5344CB8AC3E}">
+        <p14:creationId xmlns:p14="http://schemas.microsoft.com/office/powerpoint/2010/main" val="2497242871"/>
+      </p:ext>
+    </p:extLst>
+  </p:cSld>
+  <p:clrMapOvr>
+    <a:masterClrMapping/>
+  </p:clrMapOvr>
+</p:sld>
+</file>
+
+<file path=ppt/slides/slide33.xml><?xml version="1.0" encoding="utf-8"?>
+<p:sld xmlns:a="http://schemas.openxmlformats.org/drawingml/2006/main" xmlns:r="http://schemas.openxmlformats.org/officeDocument/2006/relationships" xmlns:p="http://schemas.openxmlformats.org/presentationml/2006/main">
+  <p:cSld>
+    <p:spTree>
+      <p:nvGrpSpPr>
+        <p:cNvPr id="1" name=""/>
+        <p:cNvGrpSpPr/>
+        <p:nvPr/>
+      </p:nvGrpSpPr>
+      <p:grpSpPr>
+        <a:xfrm>
+          <a:off x="0" y="0"/>
+          <a:ext cx="0" cy="0"/>
+          <a:chOff x="0" y="0"/>
+          <a:chExt cx="0" cy="0"/>
+        </a:xfrm>
+      </p:grpSpPr>
+      <p:sp>
+        <p:nvSpPr>
+          <p:cNvPr id="2" name="標題 1"/>
+          <p:cNvSpPr>
+            <a:spLocks noGrp="1"/>
+          </p:cNvSpPr>
+          <p:nvPr>
+            <p:ph type="title"/>
+          </p:nvPr>
+        </p:nvSpPr>
+        <p:spPr/>
+        <p:txBody>
+          <a:bodyPr/>
+          <a:lstStyle/>
+          <a:p>
+            <a:r>
+              <a:rPr lang="zh-CN" altLang="en-US" dirty="0"/>
+              <a:t>測試</a:t>
+            </a:r>
+            <a:endParaRPr lang="zh-TW" altLang="en-US" dirty="0"/>
+          </a:p>
+        </p:txBody>
+      </p:sp>
+      <p:sp>
+        <p:nvSpPr>
+          <p:cNvPr id="3" name="內容版面配置區 2"/>
+          <p:cNvSpPr>
+            <a:spLocks noGrp="1"/>
+          </p:cNvSpPr>
+          <p:nvPr>
+            <p:ph sz="quarter" idx="13"/>
+          </p:nvPr>
+        </p:nvSpPr>
+        <p:spPr/>
+        <p:txBody>
+          <a:bodyPr/>
+          <a:lstStyle/>
+          <a:p>
+            <a:endParaRPr lang="zh-TW" altLang="en-US"/>
+          </a:p>
+        </p:txBody>
+      </p:sp>
+      <p:pic>
+        <p:nvPicPr>
+          <p:cNvPr id="5" name="內容版面配置區 4"/>
+          <p:cNvPicPr>
+            <a:picLocks noGrp="1" noChangeAspect="1"/>
+          </p:cNvPicPr>
+          <p:nvPr>
+            <p:ph sz="half" idx="1"/>
+          </p:nvPr>
+        </p:nvPicPr>
+        <p:blipFill>
+          <a:blip r:embed="rId3">
+            <a:extLst>
+              <a:ext uri="{28A0092B-C50C-407E-A947-70E740481C1C}">
+                <a14:useLocalDpi xmlns:a14="http://schemas.microsoft.com/office/drawing/2010/main" val="0"/>
+              </a:ext>
+            </a:extLst>
+          </a:blip>
+          <a:stretch>
+            <a:fillRect/>
+          </a:stretch>
+        </p:blipFill>
+        <p:spPr>
+          <a:xfrm>
+            <a:off x="1264175" y="2459310"/>
+            <a:ext cx="8281635" cy="2752769"/>
+          </a:xfrm>
+        </p:spPr>
+      </p:pic>
+    </p:spTree>
+    <p:extLst>
+      <p:ext uri="{BB962C8B-B14F-4D97-AF65-F5344CB8AC3E}">
+        <p14:creationId xmlns:p14="http://schemas.microsoft.com/office/powerpoint/2010/main" val="3453163611"/>
+      </p:ext>
+    </p:extLst>
+  </p:cSld>
+  <p:clrMapOvr>
+    <a:masterClrMapping/>
+  </p:clrMapOvr>
+</p:sld>
+</file>
+
+<file path=ppt/slides/slide34.xml><?xml version="1.0" encoding="utf-8"?>
+<p:sld xmlns:a="http://schemas.openxmlformats.org/drawingml/2006/main" xmlns:r="http://schemas.openxmlformats.org/officeDocument/2006/relationships" xmlns:p="http://schemas.openxmlformats.org/presentationml/2006/main">
+  <p:cSld>
+    <p:spTree>
+      <p:nvGrpSpPr>
+        <p:cNvPr id="1" name=""/>
+        <p:cNvGrpSpPr/>
+        <p:nvPr/>
+      </p:nvGrpSpPr>
+      <p:grpSpPr>
+        <a:xfrm>
+          <a:off x="0" y="0"/>
+          <a:ext cx="0" cy="0"/>
+          <a:chOff x="0" y="0"/>
+          <a:chExt cx="0" cy="0"/>
+        </a:xfrm>
+      </p:grpSpPr>
+      <p:sp>
+        <p:nvSpPr>
+          <p:cNvPr id="4" name="標題 3"/>
+          <p:cNvSpPr>
+            <a:spLocks noGrp="1"/>
+          </p:cNvSpPr>
+          <p:nvPr>
+            <p:ph type="ctrTitle"/>
+          </p:nvPr>
+        </p:nvSpPr>
+        <p:spPr/>
+        <p:txBody>
+          <a:bodyPr>
+            <a:normAutofit/>
+          </a:bodyPr>
+          <a:lstStyle/>
+          <a:p>
+            <a:r>
+              <a:rPr lang="en-US" altLang="zh-TW" sz="6600" dirty="0">
+                <a:latin typeface="Tw Cen MT" pitchFamily="34" charset="0"/>
+              </a:rPr>
+              <a:t>Thank You</a:t>
+            </a:r>
+            <a:endParaRPr lang="zh-TW" altLang="en-US" sz="6600" dirty="0">
+              <a:latin typeface="Tw Cen MT" pitchFamily="34" charset="0"/>
+            </a:endParaRPr>
+          </a:p>
+        </p:txBody>
+      </p:sp>
+      <p:sp>
+        <p:nvSpPr>
+          <p:cNvPr id="6" name="副標題 5"/>
+          <p:cNvSpPr>
+            <a:spLocks noGrp="1"/>
+          </p:cNvSpPr>
+          <p:nvPr>
+            <p:ph type="subTitle" idx="1"/>
+          </p:nvPr>
+        </p:nvSpPr>
+        <p:spPr/>
+        <p:txBody>
+          <a:bodyPr/>
+          <a:lstStyle/>
+          <a:p>
+            <a:r>
+              <a:rPr lang="en-US" altLang="zh-TW" sz="2800" b="0" dirty="0" smtClean="0">
+                <a:latin typeface="Tw Cen MT" pitchFamily="34" charset="0"/>
+              </a:rPr>
+              <a:t>Q</a:t>
+            </a:r>
+            <a:r>
+              <a:rPr lang="zh-TW" altLang="en-US" sz="2800" b="0" dirty="0" smtClean="0">
+                <a:latin typeface="Tw Cen MT" pitchFamily="34" charset="0"/>
+              </a:rPr>
+              <a:t> </a:t>
+            </a:r>
+            <a:r>
+              <a:rPr lang="en-US" altLang="zh-TW" sz="2800" b="0" dirty="0">
+                <a:latin typeface="Tw Cen MT" pitchFamily="34" charset="0"/>
+              </a:rPr>
+              <a:t>&amp;</a:t>
+            </a:r>
+            <a:r>
+              <a:rPr lang="zh-TW" altLang="en-US" sz="2800" b="0" dirty="0">
+                <a:latin typeface="Tw Cen MT" pitchFamily="34" charset="0"/>
+              </a:rPr>
+              <a:t> </a:t>
+            </a:r>
+            <a:r>
+              <a:rPr lang="en-US" altLang="zh-TW" sz="2800" b="0" dirty="0">
+                <a:latin typeface="Tw Cen MT" pitchFamily="34" charset="0"/>
+              </a:rPr>
+              <a:t>A</a:t>
+            </a:r>
+            <a:endParaRPr lang="zh-TW" altLang="en-US" b="0" dirty="0">
+              <a:latin typeface="Tw Cen MT" pitchFamily="34" charset="0"/>
+            </a:endParaRPr>
+          </a:p>
+        </p:txBody>
+      </p:sp>
+      <p:sp>
+        <p:nvSpPr>
+          <p:cNvPr id="7" name="文字版面配置區 6"/>
+          <p:cNvSpPr>
+            <a:spLocks noGrp="1"/>
+          </p:cNvSpPr>
+          <p:nvPr>
+            <p:ph type="body" sz="quarter" idx="13"/>
+          </p:nvPr>
+        </p:nvSpPr>
+        <p:spPr/>
+        <p:txBody>
+          <a:bodyPr>
+            <a:normAutofit lnSpcReduction="10000"/>
+          </a:bodyPr>
+          <a:lstStyle/>
+          <a:p>
+            <a:r>
+              <a:rPr lang="en-US" altLang="zh-TW" dirty="0"/>
+              <a:t>By </a:t>
+            </a:r>
+            <a:r>
+              <a:rPr lang="en-US" altLang="zh-CN" dirty="0"/>
+              <a:t>Moon</a:t>
+            </a:r>
+            <a:endParaRPr lang="zh-TW" altLang="en-US" dirty="0"/>
+          </a:p>
+        </p:txBody>
+      </p:sp>
+    </p:spTree>
+    <p:extLst>
+      <p:ext uri="{BB962C8B-B14F-4D97-AF65-F5344CB8AC3E}">
+        <p14:creationId xmlns:p14="http://schemas.microsoft.com/office/powerpoint/2010/main" val="3310412145"/>
       </p:ext>
     </p:extLst>
   </p:cSld>
@@ -17388,77 +19840,195 @@
         </p:nvSpPr>
         <p:spPr/>
         <p:txBody>
+          <a:bodyPr>
+            <a:normAutofit/>
+          </a:bodyPr>
+          <a:lstStyle/>
+          <a:p>
+            <a:r>
+              <a:rPr lang="zh-TW" altLang="en-US" dirty="0"/>
+              <a:t>為什麼要配置中心？</a:t>
+            </a:r>
+          </a:p>
+        </p:txBody>
+      </p:sp>
+      <p:sp>
+        <p:nvSpPr>
+          <p:cNvPr id="3" name="內容版面配置區 2"/>
+          <p:cNvSpPr>
+            <a:spLocks noGrp="1"/>
+          </p:cNvSpPr>
+          <p:nvPr>
+            <p:ph sz="quarter" idx="13"/>
+          </p:nvPr>
+        </p:nvSpPr>
+        <p:spPr/>
+        <p:txBody>
           <a:bodyPr/>
           <a:lstStyle/>
           <a:p>
-            <a:r>
-              <a:rPr lang="en-US" altLang="zh-TW" dirty="0" err="1" smtClean="0"/>
+            <a:endParaRPr lang="zh-TW" altLang="en-US"/>
+          </a:p>
+        </p:txBody>
+      </p:sp>
+      <p:sp>
+        <p:nvSpPr>
+          <p:cNvPr id="4" name="內容版面配置區 3"/>
+          <p:cNvSpPr>
+            <a:spLocks noGrp="1"/>
+          </p:cNvSpPr>
+          <p:nvPr>
+            <p:ph sz="half" idx="1"/>
+          </p:nvPr>
+        </p:nvSpPr>
+        <p:spPr/>
+        <p:txBody>
+          <a:bodyPr/>
+          <a:lstStyle/>
+          <a:p>
+            <a:pPr fontAlgn="base"/>
+            <a:r>
+              <a:rPr lang="zh-TW" altLang="en-US" b="0" dirty="0"/>
+              <a:t>一個應用中不只是代碼</a:t>
+            </a:r>
+            <a:r>
+              <a:rPr lang="en-US" altLang="zh-TW" b="0" dirty="0"/>
+              <a:t>,</a:t>
+            </a:r>
+            <a:r>
+              <a:rPr lang="zh-TW" altLang="en-US" b="0" dirty="0"/>
+              <a:t>還需要連接資源和其它應用</a:t>
+            </a:r>
+            <a:r>
+              <a:rPr lang="en-US" altLang="zh-TW" b="0" dirty="0"/>
+              <a:t>,</a:t>
+            </a:r>
+            <a:r>
+              <a:rPr lang="zh-TW" altLang="en-US" b="0" dirty="0"/>
+              <a:t>經常有很多需要外部設置的項去調整應用行為</a:t>
+            </a:r>
+            <a:r>
+              <a:rPr lang="en-US" altLang="zh-TW" b="0" dirty="0"/>
+              <a:t>,</a:t>
+            </a:r>
+            <a:r>
+              <a:rPr lang="zh-TW" altLang="en-US" b="0" dirty="0"/>
+              <a:t>如</a:t>
+            </a:r>
+            <a:r>
+              <a:rPr lang="zh-TW" altLang="en-US" dirty="0"/>
+              <a:t>切換不同的資料庫</a:t>
+            </a:r>
+            <a:r>
+              <a:rPr lang="zh-TW" altLang="en-US" b="0" dirty="0"/>
+              <a:t>，</a:t>
+            </a:r>
+            <a:r>
+              <a:rPr lang="zh-TW" altLang="en-US" dirty="0"/>
+              <a:t>設置</a:t>
+            </a:r>
+            <a:r>
+              <a:rPr lang="zh-TW" altLang="en-US" dirty="0" smtClean="0"/>
+              <a:t>功能</a:t>
+            </a:r>
+            <a:r>
+              <a:rPr lang="en-US" altLang="zh-TW" dirty="0" smtClean="0"/>
+              <a:t>(</a:t>
+            </a:r>
+            <a:r>
+              <a:rPr lang="zh-CN" altLang="en-US" dirty="0" smtClean="0"/>
+              <a:t>改</a:t>
+            </a:r>
+            <a:r>
+              <a:rPr lang="en-US" altLang="zh-CN" dirty="0" smtClean="0"/>
+              <a:t>Gateway</a:t>
+            </a:r>
+            <a:r>
+              <a:rPr lang="zh-CN" altLang="en-US" dirty="0" smtClean="0"/>
+              <a:t>的</a:t>
+            </a:r>
+            <a:r>
+              <a:rPr lang="en-US" altLang="zh-CN" dirty="0" smtClean="0"/>
+              <a:t>Routing</a:t>
+            </a:r>
+            <a:r>
+              <a:rPr lang="en-US" altLang="zh-TW" dirty="0" smtClean="0"/>
+              <a:t>)</a:t>
+            </a:r>
+            <a:r>
+              <a:rPr lang="zh-TW" altLang="en-US" dirty="0" smtClean="0"/>
+              <a:t>開關</a:t>
+            </a:r>
+            <a:r>
+              <a:rPr lang="zh-TW" altLang="en-US" b="0" dirty="0" smtClean="0"/>
+              <a:t>等</a:t>
+            </a:r>
+            <a:r>
+              <a:rPr lang="zh-TW" altLang="en-US" b="0" dirty="0"/>
+              <a:t>。</a:t>
+            </a:r>
+          </a:p>
+          <a:p>
+            <a:pPr fontAlgn="base"/>
+            <a:r>
+              <a:rPr lang="zh-TW" altLang="en-US" b="0" dirty="0"/>
+              <a:t>隨著系統微服務的不斷增加，首要考慮的是系統的可伸縮、可擴展性好，隨之就是一個配置管理的問題。各自管各自的開發時沒什麼問題，到了線上之後管理就會很頭疼，到了要大規模更新就更煩了。</a:t>
+            </a:r>
+          </a:p>
+          <a:p>
+            <a:pPr fontAlgn="base"/>
+            <a:r>
+              <a:rPr lang="zh-TW" altLang="en-US" b="0" dirty="0"/>
+              <a:t>而且你</a:t>
+            </a:r>
+            <a:r>
+              <a:rPr lang="zh-TW" altLang="en-US" dirty="0"/>
+              <a:t>不可能停止你的服務集群去更新的你配置</a:t>
+            </a:r>
+            <a:r>
+              <a:rPr lang="zh-TW" altLang="en-US" b="0" dirty="0"/>
+              <a:t>，這是不現實的做法，</a:t>
+            </a:r>
+            <a:r>
+              <a:rPr lang="zh-TW" altLang="en-US" b="0" dirty="0" smtClean="0"/>
+              <a:t>因此</a:t>
+            </a:r>
+            <a:r>
+              <a:rPr lang="en-US" altLang="zh-TW" dirty="0" smtClean="0"/>
+              <a:t>S</a:t>
+            </a:r>
+            <a:r>
+              <a:rPr lang="en-US" altLang="zh-TW" dirty="0" smtClean="0"/>
+              <a:t>pring Cloud </a:t>
+            </a:r>
+            <a:r>
+              <a:rPr lang="en-US" altLang="zh-CN" dirty="0" err="1" smtClean="0"/>
               <a:t>Config</a:t>
             </a:r>
             <a:r>
-              <a:rPr lang="en-US" altLang="zh-TW" dirty="0" smtClean="0"/>
-              <a:t> </a:t>
-            </a:r>
-            <a:r>
-              <a:rPr lang="zh-CN" altLang="en-US" dirty="0" smtClean="0"/>
-              <a:t>的自動更新</a:t>
+              <a:rPr lang="zh-TW" altLang="en-US" b="0" dirty="0" smtClean="0"/>
+              <a:t>就是</a:t>
+            </a:r>
+            <a:r>
+              <a:rPr lang="zh-TW" altLang="en-US" b="0" dirty="0"/>
+              <a:t>一個比較好的解決</a:t>
+            </a:r>
+            <a:r>
+              <a:rPr lang="zh-TW" altLang="en-US" b="0" dirty="0" smtClean="0"/>
+              <a:t>方案</a:t>
+            </a:r>
+            <a:r>
+              <a:rPr lang="zh-CN" altLang="en-US" b="0" dirty="0"/>
+              <a:t>。</a:t>
             </a:r>
             <a:endParaRPr lang="zh-TW" altLang="en-US" dirty="0"/>
           </a:p>
         </p:txBody>
       </p:sp>
-      <p:sp>
-        <p:nvSpPr>
-          <p:cNvPr id="3" name="內容版面配置區 2"/>
-          <p:cNvSpPr>
-            <a:spLocks noGrp="1"/>
-          </p:cNvSpPr>
-          <p:nvPr>
-            <p:ph sz="quarter" idx="13"/>
-          </p:nvPr>
-        </p:nvSpPr>
-        <p:spPr/>
-        <p:txBody>
-          <a:bodyPr/>
-          <a:lstStyle/>
-          <a:p>
-            <a:endParaRPr lang="zh-TW" altLang="en-US" dirty="0"/>
-          </a:p>
-        </p:txBody>
-      </p:sp>
-      <p:pic>
-        <p:nvPicPr>
-          <p:cNvPr id="5" name="內容版面配置區 4"/>
-          <p:cNvPicPr>
-            <a:picLocks noGrp="1" noChangeAspect="1"/>
-          </p:cNvPicPr>
-          <p:nvPr>
-            <p:ph sz="half" idx="1"/>
-          </p:nvPr>
-        </p:nvPicPr>
-        <p:blipFill>
-          <a:blip r:embed="rId2">
-            <a:extLst>
-              <a:ext uri="{28A0092B-C50C-407E-A947-70E740481C1C}">
-                <a14:useLocalDpi xmlns:a14="http://schemas.microsoft.com/office/drawing/2010/main" val="0"/>
-              </a:ext>
-            </a:extLst>
-          </a:blip>
-          <a:stretch>
-            <a:fillRect/>
-          </a:stretch>
-        </p:blipFill>
-        <p:spPr>
-          <a:xfrm>
-            <a:off x="838200" y="1298576"/>
-            <a:ext cx="8944709" cy="5389607"/>
-          </a:xfrm>
-        </p:spPr>
-      </p:pic>
     </p:spTree>
     <p:extLst>
       <p:ext uri="{BB962C8B-B14F-4D97-AF65-F5344CB8AC3E}">
-        <p14:creationId xmlns:p14="http://schemas.microsoft.com/office/powerpoint/2010/main" val="776011567"/>
+        <p14:creationId xmlns:p14="http://schemas.microsoft.com/office/powerpoint/2010/main" val="748619833"/>
       </p:ext>
     </p:extLst>
   </p:cSld>
@@ -17497,97 +20067,299 @@
         </p:nvSpPr>
         <p:spPr/>
         <p:txBody>
+          <a:bodyPr>
+            <a:normAutofit/>
+          </a:bodyPr>
+          <a:lstStyle/>
+          <a:p>
+            <a:r>
+              <a:rPr lang="zh-TW" altLang="en-US" dirty="0"/>
+              <a:t>常見的配置中心的實現方法有</a:t>
+            </a:r>
+            <a:r>
+              <a:rPr lang="en-US" altLang="zh-TW" dirty="0"/>
+              <a:t>:</a:t>
+            </a:r>
+            <a:endParaRPr lang="zh-TW" altLang="en-US" dirty="0"/>
+          </a:p>
+        </p:txBody>
+      </p:sp>
+      <p:sp>
+        <p:nvSpPr>
+          <p:cNvPr id="3" name="內容版面配置區 2"/>
+          <p:cNvSpPr>
+            <a:spLocks noGrp="1"/>
+          </p:cNvSpPr>
+          <p:nvPr>
+            <p:ph sz="quarter" idx="13"/>
+          </p:nvPr>
+        </p:nvSpPr>
+        <p:spPr/>
+        <p:txBody>
           <a:bodyPr/>
           <a:lstStyle/>
           <a:p>
-            <a:r>
-              <a:rPr lang="en-US" altLang="zh-TW" dirty="0" smtClean="0"/>
+            <a:endParaRPr lang="zh-TW" altLang="en-US"/>
+          </a:p>
+        </p:txBody>
+      </p:sp>
+      <p:sp>
+        <p:nvSpPr>
+          <p:cNvPr id="4" name="內容版面配置區 3"/>
+          <p:cNvSpPr>
+            <a:spLocks noGrp="1"/>
+          </p:cNvSpPr>
+          <p:nvPr>
+            <p:ph sz="half" idx="1"/>
+          </p:nvPr>
+        </p:nvSpPr>
+        <p:spPr/>
+        <p:txBody>
+          <a:bodyPr/>
+          <a:lstStyle/>
+          <a:p>
+            <a:pPr fontAlgn="base"/>
+            <a:r>
+              <a:rPr lang="en-US" altLang="zh-TW" b="0" dirty="0"/>
+              <a:t>1.</a:t>
+            </a:r>
+            <a:r>
+              <a:rPr lang="zh-TW" altLang="en-US" b="0" dirty="0"/>
+              <a:t>硬編碼</a:t>
+            </a:r>
+            <a:r>
+              <a:rPr lang="en-US" altLang="zh-TW" b="0" dirty="0"/>
+              <a:t>(</a:t>
+            </a:r>
+            <a:r>
+              <a:rPr lang="zh-TW" altLang="en-US" b="0" dirty="0"/>
+              <a:t>缺點</a:t>
+            </a:r>
+            <a:r>
+              <a:rPr lang="en-US" altLang="zh-TW" b="0" dirty="0"/>
+              <a:t>:</a:t>
+            </a:r>
+            <a:r>
+              <a:rPr lang="zh-TW" altLang="en-US" b="0" dirty="0"/>
+              <a:t>需要修改代碼</a:t>
+            </a:r>
+            <a:r>
+              <a:rPr lang="en-US" altLang="zh-TW" b="0" dirty="0"/>
+              <a:t>,</a:t>
+            </a:r>
+            <a:r>
+              <a:rPr lang="zh-TW" altLang="en-US" b="0" dirty="0"/>
+              <a:t>風險大</a:t>
+            </a:r>
+            <a:r>
+              <a:rPr lang="en-US" altLang="zh-TW" b="0" dirty="0"/>
+              <a:t>)</a:t>
+            </a:r>
+          </a:p>
+          <a:p>
+            <a:pPr fontAlgn="base"/>
+            <a:r>
+              <a:rPr lang="en-US" altLang="zh-TW" b="0" dirty="0"/>
+              <a:t>2.</a:t>
+            </a:r>
+            <a:r>
+              <a:rPr lang="zh-TW" altLang="en-US" b="0" dirty="0"/>
+              <a:t>放在</a:t>
+            </a:r>
+            <a:r>
+              <a:rPr lang="en-US" altLang="zh-TW" b="0" dirty="0"/>
+              <a:t>xml</a:t>
+            </a:r>
+            <a:r>
+              <a:rPr lang="zh-TW" altLang="en-US" b="0" dirty="0"/>
+              <a:t>等配置文件中</a:t>
+            </a:r>
+            <a:r>
+              <a:rPr lang="en-US" altLang="zh-TW" b="0" dirty="0"/>
+              <a:t>,</a:t>
+            </a:r>
+            <a:r>
+              <a:rPr lang="zh-TW" altLang="en-US" b="0" dirty="0"/>
+              <a:t>和應用一起打包</a:t>
+            </a:r>
+            <a:r>
+              <a:rPr lang="en-US" altLang="zh-TW" b="0" dirty="0"/>
+              <a:t>(</a:t>
+            </a:r>
+            <a:r>
+              <a:rPr lang="zh-TW" altLang="en-US" b="0" dirty="0"/>
+              <a:t>缺點</a:t>
+            </a:r>
+            <a:r>
+              <a:rPr lang="en-US" altLang="zh-TW" b="0" dirty="0"/>
+              <a:t>:</a:t>
+            </a:r>
+            <a:r>
+              <a:rPr lang="zh-TW" altLang="en-US" b="0" dirty="0"/>
+              <a:t>需要重新打包和重啟</a:t>
+            </a:r>
+            <a:r>
+              <a:rPr lang="en-US" altLang="zh-TW" b="0" dirty="0"/>
+              <a:t>)</a:t>
+            </a:r>
+          </a:p>
+          <a:p>
+            <a:pPr fontAlgn="base"/>
+            <a:r>
+              <a:rPr lang="en-US" altLang="zh-TW" b="0" dirty="0"/>
               <a:t>3</a:t>
             </a:r>
             <a:r>
-              <a:rPr lang="zh-CN" altLang="en-US" dirty="0" smtClean="0"/>
-              <a:t>個主流配置中心</a:t>
-            </a:r>
-            <a:endParaRPr lang="zh-TW" altLang="en-US" dirty="0"/>
-          </a:p>
-        </p:txBody>
-      </p:sp>
-      <p:sp>
-        <p:nvSpPr>
-          <p:cNvPr id="3" name="內容版面配置區 2"/>
-          <p:cNvSpPr>
-            <a:spLocks noGrp="1"/>
-          </p:cNvSpPr>
-          <p:nvPr>
-            <p:ph sz="quarter" idx="13"/>
-          </p:nvPr>
-        </p:nvSpPr>
-        <p:spPr/>
-        <p:txBody>
-          <a:bodyPr/>
-          <a:lstStyle/>
-          <a:p>
-            <a:endParaRPr lang="zh-TW" altLang="en-US"/>
-          </a:p>
-        </p:txBody>
-      </p:sp>
-      <p:sp>
-        <p:nvSpPr>
-          <p:cNvPr id="4" name="內容版面配置區 3"/>
-          <p:cNvSpPr>
-            <a:spLocks noGrp="1"/>
-          </p:cNvSpPr>
-          <p:nvPr>
-            <p:ph sz="half" idx="1"/>
-          </p:nvPr>
-        </p:nvSpPr>
-        <p:spPr/>
-        <p:txBody>
-          <a:bodyPr/>
-          <a:lstStyle/>
-          <a:p>
-            <a:pPr marL="514350" indent="-514350">
-              <a:buAutoNum type="arabicPeriod"/>
-            </a:pPr>
-            <a:r>
-              <a:rPr lang="en-US" altLang="zh-TW" dirty="0" smtClean="0"/>
-              <a:t>Spring </a:t>
-            </a:r>
+              <a:rPr lang="en-US" altLang="zh-TW" b="0" dirty="0" smtClean="0"/>
+              <a:t>.</a:t>
+            </a:r>
+            <a:r>
+              <a:rPr lang="zh-TW" altLang="en-US" b="0" dirty="0"/>
+              <a:t>環境變量</a:t>
+            </a:r>
+            <a:r>
+              <a:rPr lang="en-US" altLang="zh-TW" b="0" dirty="0"/>
+              <a:t>(</a:t>
+            </a:r>
+            <a:r>
+              <a:rPr lang="zh-TW" altLang="en-US" b="0" dirty="0"/>
+              <a:t>缺點</a:t>
+            </a:r>
+            <a:r>
+              <a:rPr lang="en-US" altLang="zh-TW" b="0" dirty="0"/>
+              <a:t>:</a:t>
+            </a:r>
+            <a:r>
+              <a:rPr lang="zh-TW" altLang="en-US" b="0" dirty="0"/>
+              <a:t>有大量的配置需要人工設置到環境變量中</a:t>
+            </a:r>
+            <a:r>
+              <a:rPr lang="en-US" altLang="zh-TW" b="0" dirty="0"/>
+              <a:t>,</a:t>
+            </a:r>
+            <a:r>
+              <a:rPr lang="zh-TW" altLang="en-US" b="0" dirty="0"/>
+              <a:t>不便於管理</a:t>
+            </a:r>
+            <a:r>
+              <a:rPr lang="en-US" altLang="zh-TW" b="0" dirty="0"/>
+              <a:t>,</a:t>
+            </a:r>
+            <a:r>
+              <a:rPr lang="zh-TW" altLang="en-US" b="0" dirty="0"/>
+              <a:t>且依賴平台</a:t>
+            </a:r>
+            <a:r>
+              <a:rPr lang="en-US" altLang="zh-TW" b="0" dirty="0"/>
+              <a:t>) </a:t>
+            </a:r>
+            <a:endParaRPr lang="en-US" altLang="zh-TW" b="0" dirty="0" smtClean="0"/>
+          </a:p>
+          <a:p>
+            <a:pPr fontAlgn="base"/>
+            <a:r>
+              <a:rPr lang="en-US" altLang="zh-TW" b="0" dirty="0"/>
+              <a:t>4</a:t>
+            </a:r>
+            <a:r>
+              <a:rPr lang="en-US" altLang="zh-TW" b="0" dirty="0" smtClean="0"/>
+              <a:t>.</a:t>
+            </a:r>
+            <a:r>
+              <a:rPr lang="zh-TW" altLang="en-US" b="0" dirty="0"/>
+              <a:t>雲端存儲</a:t>
+            </a:r>
+            <a:r>
+              <a:rPr lang="en-US" altLang="zh-TW" b="0" dirty="0"/>
+              <a:t>(</a:t>
+            </a:r>
+            <a:r>
+              <a:rPr lang="zh-TW" altLang="en-US" b="0" dirty="0"/>
+              <a:t>缺點</a:t>
+            </a:r>
+            <a:r>
+              <a:rPr lang="en-US" altLang="zh-TW" b="0" dirty="0"/>
+              <a:t>:</a:t>
+            </a:r>
+            <a:r>
+              <a:rPr lang="zh-TW" altLang="en-US" b="0" dirty="0"/>
+              <a:t>與其他應用</a:t>
+            </a:r>
+            <a:r>
+              <a:rPr lang="zh-TW" altLang="en-US" b="0" dirty="0" smtClean="0"/>
+              <a:t>耦合</a:t>
+            </a:r>
+            <a:r>
+              <a:rPr lang="en-US" altLang="zh-TW" b="0" dirty="0" smtClean="0"/>
+              <a:t>)</a:t>
+            </a:r>
+          </a:p>
+          <a:p>
+            <a:pPr fontAlgn="base"/>
             <a:r>
               <a:rPr lang="en-US" altLang="zh-TW" dirty="0"/>
-              <a:t>Cloud </a:t>
-            </a:r>
-            <a:r>
-              <a:rPr lang="en-US" altLang="zh-TW" dirty="0" err="1" smtClean="0"/>
+              <a:t>Spring Cloud </a:t>
+            </a:r>
+            <a:r>
+              <a:rPr lang="en-US" altLang="zh-TW" dirty="0" err="1"/>
               <a:t>Config</a:t>
             </a:r>
+            <a:r>
+              <a:rPr lang="zh-TW" altLang="en-US" dirty="0"/>
+              <a:t>就是雲端存儲配置信息的</a:t>
+            </a:r>
+            <a:r>
+              <a:rPr lang="en-US" altLang="zh-TW" dirty="0"/>
+              <a:t>,</a:t>
+            </a:r>
+            <a:r>
+              <a:rPr lang="zh-TW" altLang="en-US" dirty="0"/>
+              <a:t>它具有中心化</a:t>
+            </a:r>
+            <a:r>
+              <a:rPr lang="en-US" altLang="zh-TW" dirty="0"/>
+              <a:t>,</a:t>
+            </a:r>
+            <a:r>
+              <a:rPr lang="zh-TW" altLang="en-US" dirty="0"/>
+              <a:t>版本控制</a:t>
+            </a:r>
+            <a:r>
+              <a:rPr lang="en-US" altLang="zh-TW" dirty="0"/>
+              <a:t>,</a:t>
+            </a:r>
+            <a:r>
+              <a:rPr lang="zh-TW" altLang="en-US" dirty="0"/>
+              <a:t>支持動態更新</a:t>
+            </a:r>
+            <a:r>
+              <a:rPr lang="en-US" altLang="zh-TW" dirty="0"/>
+              <a:t>,</a:t>
+            </a:r>
+            <a:r>
+              <a:rPr lang="zh-TW" altLang="en-US" dirty="0"/>
+              <a:t>平台獨立</a:t>
+            </a:r>
+            <a:r>
+              <a:rPr lang="en-US" altLang="zh-TW" dirty="0"/>
+              <a:t>,</a:t>
+            </a:r>
+            <a:r>
+              <a:rPr lang="zh-TW" altLang="en-US" dirty="0"/>
+              <a:t>語言獨立等特性</a:t>
+            </a:r>
+            <a:r>
+              <a:rPr lang="zh-TW" altLang="en-US" dirty="0" smtClean="0"/>
+              <a:t>。</a:t>
+            </a:r>
             <a:endParaRPr lang="en-US" altLang="zh-TW" dirty="0" smtClean="0"/>
-          </a:p>
-          <a:p>
-            <a:pPr marL="514350" indent="-514350">
-              <a:buAutoNum type="arabicPeriod"/>
-            </a:pPr>
-            <a:r>
-              <a:rPr lang="en-US" altLang="zh-TW" dirty="0" smtClean="0"/>
-              <a:t>Apollo</a:t>
-            </a:r>
-          </a:p>
-          <a:p>
-            <a:pPr marL="514350" indent="-514350">
-              <a:buAutoNum type="arabicPeriod"/>
-            </a:pPr>
-            <a:r>
-              <a:rPr lang="en-US" altLang="zh-TW" dirty="0" err="1"/>
-              <a:t>Nacos</a:t>
-            </a:r>
-            <a:endParaRPr lang="zh-TW" altLang="en-US" dirty="0"/>
           </a:p>
         </p:txBody>
       </p:sp>
     </p:spTree>
     <p:extLst>
       <p:ext uri="{BB962C8B-B14F-4D97-AF65-F5344CB8AC3E}">
-        <p14:creationId xmlns:p14="http://schemas.microsoft.com/office/powerpoint/2010/main" val="1760481983"/>
+        <p14:creationId xmlns:p14="http://schemas.microsoft.com/office/powerpoint/2010/main" val="594241828"/>
       </p:ext>
     </p:extLst>
   </p:cSld>
@@ -17626,53 +20398,53 @@
         </p:nvSpPr>
         <p:spPr/>
         <p:txBody>
+          <a:bodyPr>
+            <a:normAutofit/>
+          </a:bodyPr>
+          <a:lstStyle/>
+          <a:p>
+            <a:r>
+              <a:rPr lang="en-US" altLang="zh-TW" dirty="0"/>
+              <a:t>Spring Cloud </a:t>
+            </a:r>
+            <a:r>
+              <a:rPr lang="en-US" altLang="zh-TW" dirty="0" err="1"/>
+              <a:t>Config</a:t>
+            </a:r>
+            <a:r>
+              <a:rPr lang="zh-TW" altLang="en-US" dirty="0"/>
+              <a:t>特點</a:t>
+            </a:r>
+          </a:p>
+        </p:txBody>
+      </p:sp>
+      <p:sp>
+        <p:nvSpPr>
+          <p:cNvPr id="3" name="內容版面配置區 2"/>
+          <p:cNvSpPr>
+            <a:spLocks noGrp="1"/>
+          </p:cNvSpPr>
+          <p:nvPr>
+            <p:ph sz="quarter" idx="13"/>
+          </p:nvPr>
+        </p:nvSpPr>
+        <p:spPr/>
+        <p:txBody>
           <a:bodyPr/>
           <a:lstStyle/>
           <a:p>
-            <a:r>
-              <a:rPr lang="en-US" altLang="zh-CN" dirty="0" err="1" smtClean="0"/>
-              <a:t>ConfigServer</a:t>
-            </a:r>
-            <a:r>
-              <a:rPr lang="en-US" altLang="zh-CN" dirty="0" smtClean="0"/>
-              <a:t> </a:t>
-            </a:r>
-            <a:r>
-              <a:rPr lang="zh-CN" altLang="en-US" dirty="0" smtClean="0"/>
-              <a:t>設置</a:t>
-            </a:r>
-            <a:r>
-              <a:rPr lang="en-US" altLang="zh-CN" dirty="0" smtClean="0"/>
-              <a:t>——boot</a:t>
-            </a:r>
-            <a:r>
-              <a:rPr lang="zh-CN" altLang="en-US" dirty="0" smtClean="0"/>
-              <a:t>版本</a:t>
-            </a:r>
-            <a:r>
-              <a:rPr lang="zh-CN" altLang="en-US" dirty="0" smtClean="0"/>
-              <a:t>，</a:t>
-            </a:r>
-            <a:r>
-              <a:rPr lang="en-US" altLang="zh-CN" dirty="0" smtClean="0"/>
-              <a:t>cloud</a:t>
-            </a:r>
-            <a:r>
-              <a:rPr lang="zh-CN" altLang="en-US" dirty="0" smtClean="0"/>
-              <a:t>版本</a:t>
-            </a:r>
-            <a:endParaRPr lang="zh-TW" altLang="en-US" dirty="0"/>
-          </a:p>
-        </p:txBody>
-      </p:sp>
-      <p:sp>
-        <p:nvSpPr>
-          <p:cNvPr id="3" name="內容版面配置區 2"/>
-          <p:cNvSpPr>
-            <a:spLocks noGrp="1"/>
-          </p:cNvSpPr>
-          <p:nvPr>
-            <p:ph sz="quarter" idx="13"/>
+            <a:endParaRPr lang="zh-TW" altLang="en-US"/>
+          </a:p>
+        </p:txBody>
+      </p:sp>
+      <p:sp>
+        <p:nvSpPr>
+          <p:cNvPr id="4" name="內容版面配置區 3"/>
+          <p:cNvSpPr>
+            <a:spLocks noGrp="1"/>
+          </p:cNvSpPr>
+          <p:nvPr>
+            <p:ph sz="half" idx="1"/>
           </p:nvPr>
         </p:nvSpPr>
         <p:spPr/>
@@ -17680,43 +20452,145 @@
           <a:bodyPr/>
           <a:lstStyle/>
           <a:p>
-            <a:endParaRPr lang="zh-TW" altLang="en-US"/>
-          </a:p>
-        </p:txBody>
-      </p:sp>
-      <p:pic>
-        <p:nvPicPr>
-          <p:cNvPr id="5" name="內容版面配置區 4"/>
-          <p:cNvPicPr>
-            <a:picLocks noGrp="1" noChangeAspect="1"/>
-          </p:cNvPicPr>
-          <p:nvPr>
-            <p:ph sz="half" idx="1"/>
-          </p:nvPr>
-        </p:nvPicPr>
-        <p:blipFill>
-          <a:blip r:embed="rId2">
-            <a:extLst>
-              <a:ext uri="{28A0092B-C50C-407E-A947-70E740481C1C}">
-                <a14:useLocalDpi xmlns:a14="http://schemas.microsoft.com/office/drawing/2010/main" val="0"/>
-              </a:ext>
-            </a:extLst>
-          </a:blip>
-          <a:stretch>
-            <a:fillRect/>
-          </a:stretch>
-        </p:blipFill>
-        <p:spPr>
-          <a:xfrm>
-            <a:off x="838200" y="1692276"/>
-            <a:ext cx="7573433" cy="3953427"/>
-          </a:xfrm>
-        </p:spPr>
-      </p:pic>
+            <a:r>
+              <a:rPr lang="en-US" altLang="zh-TW" b="0" dirty="0"/>
+              <a:t>1.</a:t>
+            </a:r>
+            <a:r>
+              <a:rPr lang="zh-TW" altLang="en-US" b="0" dirty="0"/>
+              <a:t>提供服務端和客戶端支持</a:t>
+            </a:r>
+            <a:r>
+              <a:rPr lang="en-US" altLang="zh-TW" b="0" dirty="0"/>
+              <a:t>(spring cloud </a:t>
+            </a:r>
+            <a:r>
+              <a:rPr lang="en-US" altLang="zh-TW" b="0" dirty="0" err="1"/>
+              <a:t>config</a:t>
+            </a:r>
+            <a:r>
+              <a:rPr lang="en-US" altLang="zh-TW" b="0" dirty="0"/>
+              <a:t> server</a:t>
+            </a:r>
+            <a:r>
+              <a:rPr lang="zh-TW" altLang="en-US" b="0" dirty="0"/>
+              <a:t>和</a:t>
+            </a:r>
+            <a:r>
+              <a:rPr lang="en-US" altLang="zh-TW" b="0" dirty="0"/>
+              <a:t>spring cloud </a:t>
+            </a:r>
+            <a:r>
+              <a:rPr lang="en-US" altLang="zh-TW" b="0" dirty="0" err="1"/>
+              <a:t>config</a:t>
+            </a:r>
+            <a:r>
+              <a:rPr lang="en-US" altLang="zh-TW" b="0" dirty="0"/>
+              <a:t> client) </a:t>
+            </a:r>
+          </a:p>
+          <a:p>
+            <a:r>
+              <a:rPr lang="en-US" altLang="zh-TW" b="0" dirty="0" smtClean="0"/>
+              <a:t>2</a:t>
+            </a:r>
+            <a:r>
+              <a:rPr lang="en-US" altLang="zh-TW" b="0" dirty="0"/>
+              <a:t>.</a:t>
+            </a:r>
+            <a:r>
+              <a:rPr lang="zh-TW" altLang="en-US" dirty="0"/>
+              <a:t>集中式管理</a:t>
+            </a:r>
+            <a:r>
+              <a:rPr lang="zh-TW" altLang="en-US" b="0" dirty="0"/>
+              <a:t>分布式環境下的應用配置 </a:t>
+            </a:r>
+            <a:endParaRPr lang="en-US" altLang="zh-TW" b="0" dirty="0"/>
+          </a:p>
+          <a:p>
+            <a:r>
+              <a:rPr lang="en-US" altLang="zh-TW" b="0" dirty="0" smtClean="0"/>
+              <a:t>3</a:t>
+            </a:r>
+            <a:r>
+              <a:rPr lang="en-US" altLang="zh-TW" b="0" dirty="0"/>
+              <a:t>.</a:t>
+            </a:r>
+            <a:r>
+              <a:rPr lang="zh-TW" altLang="en-US" b="0" dirty="0"/>
+              <a:t>基於</a:t>
+            </a:r>
+            <a:r>
+              <a:rPr lang="en-US" altLang="zh-TW" b="0" dirty="0"/>
+              <a:t>Spring</a:t>
+            </a:r>
+            <a:r>
+              <a:rPr lang="zh-TW" altLang="en-US" b="0" dirty="0"/>
+              <a:t>環境，無縫與</a:t>
+            </a:r>
+            <a:r>
+              <a:rPr lang="en-US" altLang="zh-TW" b="0" dirty="0"/>
+              <a:t>Spring</a:t>
+            </a:r>
+            <a:r>
+              <a:rPr lang="zh-TW" altLang="en-US" b="0" dirty="0"/>
+              <a:t>應用集成 </a:t>
+            </a:r>
+            <a:endParaRPr lang="en-US" altLang="zh-TW" b="0" dirty="0"/>
+          </a:p>
+          <a:p>
+            <a:r>
+              <a:rPr lang="en-US" altLang="zh-TW" b="0" dirty="0" smtClean="0"/>
+              <a:t>4</a:t>
+            </a:r>
+            <a:r>
+              <a:rPr lang="en-US" altLang="zh-TW" b="0" dirty="0"/>
+              <a:t>.</a:t>
+            </a:r>
+            <a:r>
+              <a:rPr lang="zh-TW" altLang="en-US" b="0" dirty="0"/>
+              <a:t>可用於任何語言開發的程序 </a:t>
+            </a:r>
+            <a:endParaRPr lang="en-US" altLang="zh-TW" b="0" dirty="0"/>
+          </a:p>
+          <a:p>
+            <a:r>
+              <a:rPr lang="en-US" altLang="zh-TW" b="0" dirty="0" smtClean="0"/>
+              <a:t>5</a:t>
+            </a:r>
+            <a:r>
+              <a:rPr lang="en-US" altLang="zh-TW" b="0" dirty="0"/>
+              <a:t>.</a:t>
+            </a:r>
+            <a:r>
+              <a:rPr lang="zh-TW" altLang="en-US" b="0" dirty="0"/>
+              <a:t>默認</a:t>
+            </a:r>
+            <a:r>
+              <a:rPr lang="zh-TW" altLang="en-US" dirty="0"/>
+              <a:t>實現基於</a:t>
+            </a:r>
+            <a:r>
+              <a:rPr lang="en-US" altLang="zh-TW" dirty="0" err="1"/>
+              <a:t>git</a:t>
+            </a:r>
+            <a:r>
+              <a:rPr lang="zh-TW" altLang="en-US" dirty="0"/>
+              <a:t>倉庫</a:t>
+            </a:r>
+            <a:r>
+              <a:rPr lang="zh-TW" altLang="en-US" b="0" dirty="0"/>
+              <a:t>，可以進行版本管理 </a:t>
+            </a:r>
+            <a:endParaRPr lang="en-US" altLang="zh-TW" b="0" dirty="0"/>
+          </a:p>
+        </p:txBody>
+      </p:sp>
     </p:spTree>
     <p:extLst>
       <p:ext uri="{BB962C8B-B14F-4D97-AF65-F5344CB8AC3E}">
-        <p14:creationId xmlns:p14="http://schemas.microsoft.com/office/powerpoint/2010/main" val="295187108"/>
+        <p14:creationId xmlns:p14="http://schemas.microsoft.com/office/powerpoint/2010/main" val="694460053"/>
       </p:ext>
     </p:extLst>
   </p:cSld>
@@ -17759,20 +20633,16 @@
           <a:lstStyle/>
           <a:p>
             <a:r>
+              <a:rPr lang="en-US" altLang="zh-CN" dirty="0" smtClean="0"/>
+              <a:t>Spring Cloud </a:t>
+            </a:r>
+            <a:r>
               <a:rPr lang="en-US" altLang="zh-CN" dirty="0" err="1" smtClean="0"/>
-              <a:t>ConfigServer</a:t>
-            </a:r>
-            <a:r>
-              <a:rPr lang="en-US" altLang="zh-CN" dirty="0" smtClean="0"/>
-              <a:t> </a:t>
+              <a:t>Config</a:t>
             </a:r>
             <a:r>
               <a:rPr lang="zh-CN" altLang="en-US" dirty="0" smtClean="0"/>
-              <a:t>設置</a:t>
-            </a:r>
-            <a:r>
-              <a:rPr lang="en-US" altLang="zh-CN" dirty="0" smtClean="0"/>
-              <a:t>——dependency</a:t>
+              <a:t>示意圖</a:t>
             </a:r>
             <a:endParaRPr lang="zh-TW" altLang="en-US" dirty="0"/>
           </a:p>
@@ -17780,7 +20650,7 @@
       </p:sp>
       <p:pic>
         <p:nvPicPr>
-          <p:cNvPr id="8" name="內容版面配置區 7"/>
+          <p:cNvPr id="5" name="內容版面配置區 4"/>
           <p:cNvPicPr>
             <a:picLocks noGrp="1" noChangeAspect="1"/>
           </p:cNvPicPr>
@@ -17802,14 +20672,14 @@
         </p:blipFill>
         <p:spPr>
           <a:xfrm>
-            <a:off x="838199" y="1692275"/>
-            <a:ext cx="6346371" cy="4759779"/>
+            <a:off x="3063490" y="2165515"/>
+            <a:ext cx="6250327" cy="3891712"/>
           </a:xfrm>
         </p:spPr>
       </p:pic>
       <p:sp>
         <p:nvSpPr>
-          <p:cNvPr id="7" name="內容版面配置區 6"/>
+          <p:cNvPr id="11" name="內容版面配置區 10"/>
           <p:cNvSpPr>
             <a:spLocks noGrp="1"/>
           </p:cNvSpPr>
@@ -17829,7 +20699,7 @@
     </p:spTree>
     <p:extLst>
       <p:ext uri="{BB962C8B-B14F-4D97-AF65-F5344CB8AC3E}">
-        <p14:creationId xmlns:p14="http://schemas.microsoft.com/office/powerpoint/2010/main" val="4200059500"/>
+        <p14:creationId xmlns:p14="http://schemas.microsoft.com/office/powerpoint/2010/main" val="3072010752"/>
       </p:ext>
     </p:extLst>
   </p:cSld>
@@ -17872,81 +20742,121 @@
           <a:lstStyle/>
           <a:p>
             <a:r>
-              <a:rPr lang="en-US" altLang="zh-CN" dirty="0" err="1"/>
-              <a:t>ConfigServer</a:t>
-            </a:r>
-            <a:r>
-              <a:rPr lang="en-US" altLang="zh-CN" dirty="0"/>
-              <a:t> </a:t>
-            </a:r>
-            <a:r>
-              <a:rPr lang="zh-CN" altLang="en-US" dirty="0"/>
-              <a:t>設置</a:t>
-            </a:r>
+              <a:rPr lang="en-US" altLang="zh-TW" dirty="0"/>
+              <a:t>Spring Cloud </a:t>
+            </a:r>
+            <a:r>
+              <a:rPr lang="en-US" altLang="zh-TW" dirty="0" err="1"/>
+              <a:t>Config</a:t>
+            </a:r>
+            <a:r>
+              <a:rPr lang="zh-CN" altLang="en-US" dirty="0" smtClean="0"/>
+              <a:t>選取配置的方案</a:t>
+            </a:r>
+            <a:endParaRPr lang="zh-TW" altLang="en-US" dirty="0"/>
+          </a:p>
+        </p:txBody>
+      </p:sp>
+      <p:sp>
+        <p:nvSpPr>
+          <p:cNvPr id="3" name="內容版面配置區 2"/>
+          <p:cNvSpPr>
+            <a:spLocks noGrp="1"/>
+          </p:cNvSpPr>
+          <p:nvPr>
+            <p:ph sz="quarter" idx="13"/>
+          </p:nvPr>
+        </p:nvSpPr>
+        <p:spPr/>
+        <p:txBody>
+          <a:bodyPr/>
+          <a:lstStyle/>
+          <a:p>
+            <a:endParaRPr lang="zh-TW" altLang="en-US"/>
+          </a:p>
+        </p:txBody>
+      </p:sp>
+      <p:sp>
+        <p:nvSpPr>
+          <p:cNvPr id="4" name="內容版面配置區 3"/>
+          <p:cNvSpPr>
+            <a:spLocks noGrp="1"/>
+          </p:cNvSpPr>
+          <p:nvPr>
+            <p:ph sz="half" idx="1"/>
+          </p:nvPr>
+        </p:nvSpPr>
+        <p:spPr/>
+        <p:txBody>
+          <a:bodyPr/>
+          <a:lstStyle/>
+          <a:p>
+            <a:pPr marL="514350" indent="-514350">
+              <a:buAutoNum type="arabicPeriod"/>
+            </a:pPr>
+            <a:r>
+              <a:rPr lang="zh-CN" altLang="en-US" dirty="0" smtClean="0"/>
+              <a:t>本地</a:t>
+            </a:r>
+            <a:endParaRPr lang="en-US" altLang="zh-CN" dirty="0" smtClean="0"/>
+          </a:p>
+          <a:p>
+            <a:pPr marL="514350" indent="-514350">
+              <a:buAutoNum type="arabicPeriod"/>
+            </a:pPr>
             <a:r>
               <a:rPr lang="en-US" altLang="zh-CN" dirty="0" smtClean="0"/>
-              <a:t>——</a:t>
-            </a:r>
+              <a:t>Database</a:t>
+            </a:r>
+          </a:p>
+          <a:p>
+            <a:pPr marL="514350" indent="-514350">
+              <a:buAutoNum type="arabicPeriod"/>
+            </a:pPr>
             <a:r>
               <a:rPr lang="en-US" altLang="zh-CN" dirty="0" err="1" smtClean="0"/>
-              <a:t>application.properties</a:t>
-            </a:r>
+              <a:t>Git</a:t>
+            </a:r>
+            <a:r>
+              <a:rPr lang="en-US" altLang="zh-CN" dirty="0" smtClean="0"/>
+              <a:t>/</a:t>
+            </a:r>
+            <a:r>
+              <a:rPr lang="en-US" altLang="zh-CN" dirty="0" err="1" smtClean="0"/>
+              <a:t>Github</a:t>
+            </a:r>
+            <a:r>
+              <a:rPr lang="en-US" altLang="zh-CN" dirty="0" smtClean="0"/>
+              <a:t>/</a:t>
+            </a:r>
+            <a:r>
+              <a:rPr lang="en-US" altLang="zh-CN" dirty="0" err="1" smtClean="0"/>
+              <a:t>Gitlab</a:t>
+            </a:r>
+            <a:endParaRPr lang="en-US" altLang="zh-CN" dirty="0" smtClean="0"/>
+          </a:p>
+          <a:p>
+            <a:pPr marL="514350" indent="-514350">
+              <a:buAutoNum type="arabicPeriod"/>
+            </a:pPr>
+            <a:r>
+              <a:rPr lang="en-US" altLang="zh-CN" dirty="0" err="1" smtClean="0"/>
+              <a:t>Svn</a:t>
+            </a:r>
+            <a:endParaRPr lang="en-US" altLang="zh-CN" dirty="0"/>
+          </a:p>
+          <a:p>
+            <a:pPr marL="514350" indent="-514350">
+              <a:buAutoNum type="arabicPeriod"/>
+            </a:pPr>
             <a:endParaRPr lang="zh-TW" altLang="en-US" dirty="0"/>
           </a:p>
         </p:txBody>
       </p:sp>
-      <p:sp>
-        <p:nvSpPr>
-          <p:cNvPr id="3" name="內容版面配置區 2"/>
-          <p:cNvSpPr>
-            <a:spLocks noGrp="1"/>
-          </p:cNvSpPr>
-          <p:nvPr>
-            <p:ph sz="quarter" idx="13"/>
-          </p:nvPr>
-        </p:nvSpPr>
-        <p:spPr/>
-        <p:txBody>
-          <a:bodyPr/>
-          <a:lstStyle/>
-          <a:p>
-            <a:endParaRPr lang="zh-TW" altLang="en-US"/>
-          </a:p>
-        </p:txBody>
-      </p:sp>
-      <p:pic>
-        <p:nvPicPr>
-          <p:cNvPr id="5" name="內容版面配置區 4"/>
-          <p:cNvPicPr>
-            <a:picLocks noGrp="1" noChangeAspect="1"/>
-          </p:cNvPicPr>
-          <p:nvPr>
-            <p:ph sz="half" idx="1"/>
-          </p:nvPr>
-        </p:nvPicPr>
-        <p:blipFill>
-          <a:blip r:embed="rId2">
-            <a:extLst>
-              <a:ext uri="{28A0092B-C50C-407E-A947-70E740481C1C}">
-                <a14:useLocalDpi xmlns:a14="http://schemas.microsoft.com/office/drawing/2010/main" val="0"/>
-              </a:ext>
-            </a:extLst>
-          </a:blip>
-          <a:stretch>
-            <a:fillRect/>
-          </a:stretch>
-        </p:blipFill>
-        <p:spPr>
-          <a:xfrm>
-            <a:off x="838200" y="1692276"/>
-            <a:ext cx="6411686" cy="4648905"/>
-          </a:xfrm>
-        </p:spPr>
-      </p:pic>
     </p:spTree>
     <p:extLst>
       <p:ext uri="{BB962C8B-B14F-4D97-AF65-F5344CB8AC3E}">
-        <p14:creationId xmlns:p14="http://schemas.microsoft.com/office/powerpoint/2010/main" val="2105498647"/>
+        <p14:creationId xmlns:p14="http://schemas.microsoft.com/office/powerpoint/2010/main" val="1621872217"/>
       </p:ext>
     </p:extLst>
   </p:cSld>
@@ -17989,24 +20899,20 @@
           <a:lstStyle/>
           <a:p>
             <a:r>
-              <a:rPr lang="en-US" altLang="zh-CN" dirty="0" err="1"/>
-              <a:t>ConfigServer</a:t>
-            </a:r>
-            <a:r>
-              <a:rPr lang="en-US" altLang="zh-CN" dirty="0"/>
-              <a:t> </a:t>
+              <a:rPr lang="en-US" altLang="zh-CN" dirty="0" smtClean="0"/>
+              <a:t>1.</a:t>
+            </a:r>
+            <a:r>
+              <a:rPr lang="zh-CN" altLang="en-US" dirty="0" smtClean="0"/>
+              <a:t>本地</a:t>
             </a:r>
             <a:r>
               <a:rPr lang="zh-CN" altLang="en-US" dirty="0"/>
-              <a:t>設置</a:t>
-            </a:r>
-            <a:r>
-              <a:rPr lang="en-US" altLang="zh-CN" dirty="0" smtClean="0"/>
-              <a:t>——</a:t>
-            </a:r>
-            <a:r>
-              <a:rPr lang="en-US" altLang="zh-CN" dirty="0" err="1" smtClean="0"/>
-              <a:t>Application.class</a:t>
+              <a:t>拉</a:t>
+            </a:r>
+            <a:r>
+              <a:rPr lang="zh-CN" altLang="en-US" dirty="0" smtClean="0"/>
+              <a:t>取</a:t>
             </a:r>
             <a:endParaRPr lang="zh-TW" altLang="en-US" dirty="0"/>
           </a:p>
@@ -18031,39 +20937,69 @@
           </a:p>
         </p:txBody>
       </p:sp>
-      <p:pic>
-        <p:nvPicPr>
-          <p:cNvPr id="5" name="內容版面配置區 4"/>
-          <p:cNvPicPr>
-            <a:picLocks noGrp="1" noChangeAspect="1"/>
-          </p:cNvPicPr>
+      <p:sp>
+        <p:nvSpPr>
+          <p:cNvPr id="4" name="內容版面配置區 3"/>
+          <p:cNvSpPr>
+            <a:spLocks noGrp="1"/>
+          </p:cNvSpPr>
           <p:nvPr>
             <p:ph sz="half" idx="1"/>
           </p:nvPr>
-        </p:nvPicPr>
-        <p:blipFill>
-          <a:blip r:embed="rId2">
-            <a:extLst>
-              <a:ext uri="{28A0092B-C50C-407E-A947-70E740481C1C}">
-                <a14:useLocalDpi xmlns:a14="http://schemas.microsoft.com/office/drawing/2010/main" val="0"/>
-              </a:ext>
-            </a:extLst>
-          </a:blip>
-          <a:stretch>
-            <a:fillRect/>
-          </a:stretch>
-        </p:blipFill>
-        <p:spPr>
-          <a:xfrm>
-            <a:off x="838200" y="2129490"/>
-            <a:ext cx="7864802" cy="2168190"/>
-          </a:xfrm>
-        </p:spPr>
-      </p:pic>
+        </p:nvSpPr>
+        <p:spPr/>
+        <p:txBody>
+          <a:bodyPr/>
+          <a:lstStyle/>
+          <a:p>
+            <a:r>
+              <a:rPr lang="zh-CN" altLang="en-US" dirty="0" smtClean="0"/>
+              <a:t>相關設置</a:t>
+            </a:r>
+            <a:endParaRPr lang="en-US" altLang="zh-CN" dirty="0"/>
+          </a:p>
+          <a:p>
+            <a:pPr marL="514350" indent="-514350">
+              <a:buAutoNum type="arabicPeriod"/>
+            </a:pPr>
+            <a:r>
+              <a:rPr lang="en-US" altLang="zh-TW" sz="2000" b="0" dirty="0" err="1" smtClean="0"/>
+              <a:t>spring.profiles.active</a:t>
+            </a:r>
+            <a:r>
+              <a:rPr lang="en-US" altLang="zh-TW" sz="2000" b="0" dirty="0" smtClean="0"/>
+              <a:t>=native</a:t>
+            </a:r>
+            <a:endParaRPr lang="en-US" altLang="zh-CN" sz="2000" b="0" dirty="0"/>
+          </a:p>
+          <a:p>
+            <a:pPr marL="514350" indent="-514350">
+              <a:buAutoNum type="arabicPeriod"/>
+            </a:pPr>
+            <a:r>
+              <a:rPr lang="en-US" altLang="zh-CN" sz="2000" b="0" dirty="0" err="1"/>
+              <a:t>spring.</a:t>
+            </a:r>
+            <a:r>
+              <a:rPr lang="en-US" altLang="zh-TW" sz="2000" b="0" dirty="0" err="1"/>
+              <a:t>cloud.config.server.native.searchLocations</a:t>
+            </a:r>
+            <a:r>
+              <a:rPr lang="en-US" altLang="zh-TW" sz="2000" b="0" dirty="0"/>
+              <a:t>=F:/</a:t>
+            </a:r>
+            <a:r>
+              <a:rPr lang="en-US" altLang="zh-TW" sz="2000" b="0" dirty="0" smtClean="0"/>
+              <a:t>conf</a:t>
+            </a:r>
+            <a:endParaRPr lang="en-US" altLang="zh-CN" sz="2000" b="0" dirty="0"/>
+          </a:p>
+        </p:txBody>
+      </p:sp>
     </p:spTree>
     <p:extLst>
       <p:ext uri="{BB962C8B-B14F-4D97-AF65-F5344CB8AC3E}">
-        <p14:creationId xmlns:p14="http://schemas.microsoft.com/office/powerpoint/2010/main" val="1744325517"/>
+        <p14:creationId xmlns:p14="http://schemas.microsoft.com/office/powerpoint/2010/main" val="3729905198"/>
       </p:ext>
     </p:extLst>
   </p:cSld>

--- a/空白PPT.pptx
+++ b/空白PPT.pptx
@@ -5,7 +5,7 @@
     <p:sldMasterId id="2147483648" r:id="rId1"/>
   </p:sldMasterIdLst>
   <p:notesMasterIdLst>
-    <p:notesMasterId r:id="rId36"/>
+    <p:notesMasterId r:id="rId44"/>
   </p:notesMasterIdLst>
   <p:sldIdLst>
     <p:sldId id="256" r:id="rId2"/>
@@ -23,25 +23,33 @@
     <p:sldId id="412" r:id="rId14"/>
     <p:sldId id="354" r:id="rId15"/>
     <p:sldId id="388" r:id="rId16"/>
-    <p:sldId id="389" r:id="rId17"/>
-    <p:sldId id="390" r:id="rId18"/>
-    <p:sldId id="384" r:id="rId19"/>
-    <p:sldId id="385" r:id="rId20"/>
-    <p:sldId id="386" r:id="rId21"/>
-    <p:sldId id="387" r:id="rId22"/>
-    <p:sldId id="392" r:id="rId23"/>
-    <p:sldId id="393" r:id="rId24"/>
-    <p:sldId id="394" r:id="rId25"/>
-    <p:sldId id="396" r:id="rId26"/>
-    <p:sldId id="395" r:id="rId27"/>
-    <p:sldId id="400" r:id="rId28"/>
-    <p:sldId id="397" r:id="rId29"/>
-    <p:sldId id="398" r:id="rId30"/>
-    <p:sldId id="399" r:id="rId31"/>
-    <p:sldId id="401" r:id="rId32"/>
-    <p:sldId id="402" r:id="rId33"/>
-    <p:sldId id="403" r:id="rId34"/>
-    <p:sldId id="286" r:id="rId35"/>
+    <p:sldId id="384" r:id="rId17"/>
+    <p:sldId id="385" r:id="rId18"/>
+    <p:sldId id="386" r:id="rId19"/>
+    <p:sldId id="387" r:id="rId20"/>
+    <p:sldId id="392" r:id="rId21"/>
+    <p:sldId id="393" r:id="rId22"/>
+    <p:sldId id="394" r:id="rId23"/>
+    <p:sldId id="396" r:id="rId24"/>
+    <p:sldId id="395" r:id="rId25"/>
+    <p:sldId id="397" r:id="rId26"/>
+    <p:sldId id="398" r:id="rId27"/>
+    <p:sldId id="399" r:id="rId28"/>
+    <p:sldId id="419" r:id="rId29"/>
+    <p:sldId id="428" r:id="rId30"/>
+    <p:sldId id="415" r:id="rId31"/>
+    <p:sldId id="403" r:id="rId32"/>
+    <p:sldId id="416" r:id="rId33"/>
+    <p:sldId id="421" r:id="rId34"/>
+    <p:sldId id="417" r:id="rId35"/>
+    <p:sldId id="424" r:id="rId36"/>
+    <p:sldId id="422" r:id="rId37"/>
+    <p:sldId id="418" r:id="rId38"/>
+    <p:sldId id="427" r:id="rId39"/>
+    <p:sldId id="426" r:id="rId40"/>
+    <p:sldId id="425" r:id="rId41"/>
+    <p:sldId id="420" r:id="rId42"/>
+    <p:sldId id="286" r:id="rId43"/>
   </p:sldIdLst>
   <p:sldSz cx="12192000" cy="6858000"/>
   <p:notesSz cx="6858000" cy="9144000"/>
@@ -160,8 +168,6 @@
             <p14:sldId id="412"/>
             <p14:sldId id="354"/>
             <p14:sldId id="388"/>
-            <p14:sldId id="389"/>
-            <p14:sldId id="390"/>
             <p14:sldId id="384"/>
             <p14:sldId id="385"/>
             <p14:sldId id="386"/>
@@ -171,13 +177,23 @@
             <p14:sldId id="394"/>
             <p14:sldId id="396"/>
             <p14:sldId id="395"/>
-            <p14:sldId id="400"/>
             <p14:sldId id="397"/>
             <p14:sldId id="398"/>
             <p14:sldId id="399"/>
-            <p14:sldId id="401"/>
-            <p14:sldId id="402"/>
+            <p14:sldId id="419"/>
+            <p14:sldId id="428"/>
+            <p14:sldId id="415"/>
             <p14:sldId id="403"/>
+            <p14:sldId id="416"/>
+            <p14:sldId id="421"/>
+            <p14:sldId id="417"/>
+            <p14:sldId id="424"/>
+            <p14:sldId id="422"/>
+            <p14:sldId id="418"/>
+            <p14:sldId id="427"/>
+            <p14:sldId id="426"/>
+            <p14:sldId id="425"/>
+            <p14:sldId id="420"/>
             <p14:sldId id="286"/>
           </p14:sldIdLst>
         </p14:section>
@@ -283,7 +299,7 @@
           <a:p>
             <a:fld id="{1BA5755D-7932-44A5-A2C7-C8A2CBF288E8}" type="datetimeFigureOut">
               <a:rPr lang="zh-TW" altLang="en-US" smtClean="0"/>
-              <a:t>2020/2/3</a:t>
+              <a:t>2020/2/13</a:t>
             </a:fld>
             <a:endParaRPr lang="zh-TW" altLang="en-US"/>
           </a:p>
@@ -932,7 +948,667 @@
           <a:p>
             <a:fld id="{EEBFCD98-6B9E-4D19-9C43-11FCDEF19DFC}" type="slidenum">
               <a:rPr lang="zh-TW" altLang="en-US" smtClean="0"/>
-              <a:t>33</a:t>
+              <a:t>31</a:t>
+            </a:fld>
+            <a:endParaRPr lang="zh-TW" altLang="en-US"/>
+          </a:p>
+        </p:txBody>
+      </p:sp>
+    </p:spTree>
+    <p:extLst>
+      <p:ext uri="{BB962C8B-B14F-4D97-AF65-F5344CB8AC3E}">
+        <p14:creationId xmlns:p14="http://schemas.microsoft.com/office/powerpoint/2010/main" val="1930459848"/>
+      </p:ext>
+    </p:extLst>
+  </p:cSld>
+  <p:clrMapOvr>
+    <a:masterClrMapping/>
+  </p:clrMapOvr>
+</p:notes>
+</file>
+
+<file path=ppt/notesSlides/notesSlide5.xml><?xml version="1.0" encoding="utf-8"?>
+<p:notes xmlns:a="http://schemas.openxmlformats.org/drawingml/2006/main" xmlns:r="http://schemas.openxmlformats.org/officeDocument/2006/relationships" xmlns:p="http://schemas.openxmlformats.org/presentationml/2006/main">
+  <p:cSld>
+    <p:spTree>
+      <p:nvGrpSpPr>
+        <p:cNvPr id="1" name=""/>
+        <p:cNvGrpSpPr/>
+        <p:nvPr/>
+      </p:nvGrpSpPr>
+      <p:grpSpPr>
+        <a:xfrm>
+          <a:off x="0" y="0"/>
+          <a:ext cx="0" cy="0"/>
+          <a:chOff x="0" y="0"/>
+          <a:chExt cx="0" cy="0"/>
+        </a:xfrm>
+      </p:grpSpPr>
+      <p:sp>
+        <p:nvSpPr>
+          <p:cNvPr id="2" name="投影片圖像版面配置區 1"/>
+          <p:cNvSpPr>
+            <a:spLocks noGrp="1" noRot="1" noChangeAspect="1"/>
+          </p:cNvSpPr>
+          <p:nvPr>
+            <p:ph type="sldImg"/>
+          </p:nvPr>
+        </p:nvSpPr>
+        <p:spPr/>
+      </p:sp>
+      <p:sp>
+        <p:nvSpPr>
+          <p:cNvPr id="3" name="備忘稿版面配置區 2"/>
+          <p:cNvSpPr>
+            <a:spLocks noGrp="1"/>
+          </p:cNvSpPr>
+          <p:nvPr>
+            <p:ph type="body" idx="1"/>
+          </p:nvPr>
+        </p:nvSpPr>
+        <p:spPr/>
+        <p:txBody>
+          <a:bodyPr/>
+          <a:lstStyle/>
+          <a:p>
+            <a:r>
+              <a:rPr lang="en-US" altLang="zh-TW" dirty="0" smtClean="0">
+                <a:hlinkClick r:id="rId3"/>
+              </a:rPr>
+              <a:t>https://www.jishuwen.com/d/2E0I/zh-tw</a:t>
+            </a:r>
+            <a:endParaRPr lang="en-US" altLang="zh-TW" dirty="0" smtClean="0"/>
+          </a:p>
+          <a:p>
+            <a:r>
+              <a:rPr lang="en-US" altLang="zh-TW" dirty="0" smtClean="0">
+                <a:hlinkClick r:id="rId4"/>
+              </a:rPr>
+              <a:t>https://juejin.im/post/5c6e827ae51d452da9672094</a:t>
+            </a:r>
+            <a:endParaRPr lang="en-US" altLang="zh-TW" dirty="0" smtClean="0"/>
+          </a:p>
+          <a:p>
+            <a:pPr marL="514350" indent="-514350">
+              <a:buAutoNum type="arabicPeriod"/>
+            </a:pPr>
+            <a:r>
+              <a:rPr lang="en-US" altLang="zh-TW" dirty="0" smtClean="0"/>
+              <a:t>Spring Cloud </a:t>
+            </a:r>
+            <a:r>
+              <a:rPr lang="en-US" altLang="zh-TW" dirty="0" err="1" smtClean="0"/>
+              <a:t>Config</a:t>
+            </a:r>
+            <a:endParaRPr lang="en-US" altLang="zh-TW" dirty="0" smtClean="0"/>
+          </a:p>
+          <a:p>
+            <a:pPr marL="514350" indent="-514350">
+              <a:buAutoNum type="arabicPeriod"/>
+            </a:pPr>
+            <a:r>
+              <a:rPr lang="en-US" altLang="zh-TW" dirty="0" smtClean="0"/>
+              <a:t>Apollo</a:t>
+            </a:r>
+          </a:p>
+          <a:p>
+            <a:pPr marL="514350" indent="-514350">
+              <a:buAutoNum type="arabicPeriod"/>
+            </a:pPr>
+            <a:r>
+              <a:rPr lang="en-US" altLang="zh-TW" dirty="0" err="1" smtClean="0"/>
+              <a:t>Nacos</a:t>
+            </a:r>
+            <a:endParaRPr lang="zh-TW" altLang="en-US" dirty="0" smtClean="0"/>
+          </a:p>
+        </p:txBody>
+      </p:sp>
+      <p:sp>
+        <p:nvSpPr>
+          <p:cNvPr id="4" name="投影片編號版面配置區 3"/>
+          <p:cNvSpPr>
+            <a:spLocks noGrp="1"/>
+          </p:cNvSpPr>
+          <p:nvPr>
+            <p:ph type="sldNum" sz="quarter" idx="10"/>
+          </p:nvPr>
+        </p:nvSpPr>
+        <p:spPr/>
+        <p:txBody>
+          <a:bodyPr/>
+          <a:lstStyle/>
+          <a:p>
+            <a:fld id="{EEBFCD98-6B9E-4D19-9C43-11FCDEF19DFC}" type="slidenum">
+              <a:rPr lang="zh-TW" altLang="en-US" smtClean="0"/>
+              <a:t>32</a:t>
+            </a:fld>
+            <a:endParaRPr lang="zh-TW" altLang="en-US"/>
+          </a:p>
+        </p:txBody>
+      </p:sp>
+    </p:spTree>
+    <p:extLst>
+      <p:ext uri="{BB962C8B-B14F-4D97-AF65-F5344CB8AC3E}">
+        <p14:creationId xmlns:p14="http://schemas.microsoft.com/office/powerpoint/2010/main" val="1930459848"/>
+      </p:ext>
+    </p:extLst>
+  </p:cSld>
+  <p:clrMapOvr>
+    <a:masterClrMapping/>
+  </p:clrMapOvr>
+</p:notes>
+</file>
+
+<file path=ppt/notesSlides/notesSlide6.xml><?xml version="1.0" encoding="utf-8"?>
+<p:notes xmlns:a="http://schemas.openxmlformats.org/drawingml/2006/main" xmlns:r="http://schemas.openxmlformats.org/officeDocument/2006/relationships" xmlns:p="http://schemas.openxmlformats.org/presentationml/2006/main">
+  <p:cSld>
+    <p:spTree>
+      <p:nvGrpSpPr>
+        <p:cNvPr id="1" name=""/>
+        <p:cNvGrpSpPr/>
+        <p:nvPr/>
+      </p:nvGrpSpPr>
+      <p:grpSpPr>
+        <a:xfrm>
+          <a:off x="0" y="0"/>
+          <a:ext cx="0" cy="0"/>
+          <a:chOff x="0" y="0"/>
+          <a:chExt cx="0" cy="0"/>
+        </a:xfrm>
+      </p:grpSpPr>
+      <p:sp>
+        <p:nvSpPr>
+          <p:cNvPr id="2" name="投影片圖像版面配置區 1"/>
+          <p:cNvSpPr>
+            <a:spLocks noGrp="1" noRot="1" noChangeAspect="1"/>
+          </p:cNvSpPr>
+          <p:nvPr>
+            <p:ph type="sldImg"/>
+          </p:nvPr>
+        </p:nvSpPr>
+        <p:spPr/>
+      </p:sp>
+      <p:sp>
+        <p:nvSpPr>
+          <p:cNvPr id="3" name="備忘稿版面配置區 2"/>
+          <p:cNvSpPr>
+            <a:spLocks noGrp="1"/>
+          </p:cNvSpPr>
+          <p:nvPr>
+            <p:ph type="body" idx="1"/>
+          </p:nvPr>
+        </p:nvSpPr>
+        <p:spPr/>
+        <p:txBody>
+          <a:bodyPr/>
+          <a:lstStyle/>
+          <a:p>
+            <a:r>
+              <a:rPr lang="en-US" altLang="zh-TW" dirty="0" smtClean="0">
+                <a:hlinkClick r:id="rId3"/>
+              </a:rPr>
+              <a:t>https://www.jishuwen.com/d/2E0I/zh-tw</a:t>
+            </a:r>
+            <a:endParaRPr lang="en-US" altLang="zh-TW" dirty="0" smtClean="0"/>
+          </a:p>
+          <a:p>
+            <a:r>
+              <a:rPr lang="en-US" altLang="zh-TW" dirty="0" smtClean="0">
+                <a:hlinkClick r:id="rId4"/>
+              </a:rPr>
+              <a:t>https://juejin.im/post/5c6e827ae51d452da9672094</a:t>
+            </a:r>
+            <a:endParaRPr lang="en-US" altLang="zh-TW" dirty="0" smtClean="0"/>
+          </a:p>
+          <a:p>
+            <a:pPr marL="514350" indent="-514350">
+              <a:buAutoNum type="arabicPeriod"/>
+            </a:pPr>
+            <a:r>
+              <a:rPr lang="en-US" altLang="zh-TW" dirty="0" smtClean="0"/>
+              <a:t>Spring Cloud </a:t>
+            </a:r>
+            <a:r>
+              <a:rPr lang="en-US" altLang="zh-TW" dirty="0" err="1" smtClean="0"/>
+              <a:t>Config</a:t>
+            </a:r>
+            <a:endParaRPr lang="en-US" altLang="zh-TW" dirty="0" smtClean="0"/>
+          </a:p>
+          <a:p>
+            <a:pPr marL="514350" indent="-514350">
+              <a:buAutoNum type="arabicPeriod"/>
+            </a:pPr>
+            <a:r>
+              <a:rPr lang="en-US" altLang="zh-TW" dirty="0" smtClean="0"/>
+              <a:t>Apollo</a:t>
+            </a:r>
+          </a:p>
+          <a:p>
+            <a:pPr marL="514350" indent="-514350">
+              <a:buAutoNum type="arabicPeriod"/>
+            </a:pPr>
+            <a:r>
+              <a:rPr lang="en-US" altLang="zh-TW" dirty="0" err="1" smtClean="0"/>
+              <a:t>Nacos</a:t>
+            </a:r>
+            <a:endParaRPr lang="zh-TW" altLang="en-US" dirty="0" smtClean="0"/>
+          </a:p>
+        </p:txBody>
+      </p:sp>
+      <p:sp>
+        <p:nvSpPr>
+          <p:cNvPr id="4" name="投影片編號版面配置區 3"/>
+          <p:cNvSpPr>
+            <a:spLocks noGrp="1"/>
+          </p:cNvSpPr>
+          <p:nvPr>
+            <p:ph type="sldNum" sz="quarter" idx="10"/>
+          </p:nvPr>
+        </p:nvSpPr>
+        <p:spPr/>
+        <p:txBody>
+          <a:bodyPr/>
+          <a:lstStyle/>
+          <a:p>
+            <a:fld id="{EEBFCD98-6B9E-4D19-9C43-11FCDEF19DFC}" type="slidenum">
+              <a:rPr lang="zh-TW" altLang="en-US" smtClean="0"/>
+              <a:t>34</a:t>
+            </a:fld>
+            <a:endParaRPr lang="zh-TW" altLang="en-US"/>
+          </a:p>
+        </p:txBody>
+      </p:sp>
+    </p:spTree>
+    <p:extLst>
+      <p:ext uri="{BB962C8B-B14F-4D97-AF65-F5344CB8AC3E}">
+        <p14:creationId xmlns:p14="http://schemas.microsoft.com/office/powerpoint/2010/main" val="1930459848"/>
+      </p:ext>
+    </p:extLst>
+  </p:cSld>
+  <p:clrMapOvr>
+    <a:masterClrMapping/>
+  </p:clrMapOvr>
+</p:notes>
+</file>
+
+<file path=ppt/notesSlides/notesSlide7.xml><?xml version="1.0" encoding="utf-8"?>
+<p:notes xmlns:a="http://schemas.openxmlformats.org/drawingml/2006/main" xmlns:r="http://schemas.openxmlformats.org/officeDocument/2006/relationships" xmlns:p="http://schemas.openxmlformats.org/presentationml/2006/main">
+  <p:cSld>
+    <p:spTree>
+      <p:nvGrpSpPr>
+        <p:cNvPr id="1" name=""/>
+        <p:cNvGrpSpPr/>
+        <p:nvPr/>
+      </p:nvGrpSpPr>
+      <p:grpSpPr>
+        <a:xfrm>
+          <a:off x="0" y="0"/>
+          <a:ext cx="0" cy="0"/>
+          <a:chOff x="0" y="0"/>
+          <a:chExt cx="0" cy="0"/>
+        </a:xfrm>
+      </p:grpSpPr>
+      <p:sp>
+        <p:nvSpPr>
+          <p:cNvPr id="2" name="投影片圖像版面配置區 1"/>
+          <p:cNvSpPr>
+            <a:spLocks noGrp="1" noRot="1" noChangeAspect="1"/>
+          </p:cNvSpPr>
+          <p:nvPr>
+            <p:ph type="sldImg"/>
+          </p:nvPr>
+        </p:nvSpPr>
+        <p:spPr/>
+      </p:sp>
+      <p:sp>
+        <p:nvSpPr>
+          <p:cNvPr id="3" name="備忘稿版面配置區 2"/>
+          <p:cNvSpPr>
+            <a:spLocks noGrp="1"/>
+          </p:cNvSpPr>
+          <p:nvPr>
+            <p:ph type="body" idx="1"/>
+          </p:nvPr>
+        </p:nvSpPr>
+        <p:spPr/>
+        <p:txBody>
+          <a:bodyPr/>
+          <a:lstStyle/>
+          <a:p>
+            <a:r>
+              <a:rPr lang="en-US" altLang="zh-TW" dirty="0" smtClean="0">
+                <a:hlinkClick r:id="rId3"/>
+              </a:rPr>
+              <a:t>https://www.jishuwen.com/d/2E0I/zh-tw</a:t>
+            </a:r>
+            <a:endParaRPr lang="en-US" altLang="zh-TW" dirty="0" smtClean="0"/>
+          </a:p>
+          <a:p>
+            <a:r>
+              <a:rPr lang="en-US" altLang="zh-TW" dirty="0" smtClean="0">
+                <a:hlinkClick r:id="rId4"/>
+              </a:rPr>
+              <a:t>https://juejin.im/post/5c6e827ae51d452da9672094</a:t>
+            </a:r>
+            <a:endParaRPr lang="en-US" altLang="zh-TW" dirty="0" smtClean="0"/>
+          </a:p>
+          <a:p>
+            <a:pPr marL="514350" indent="-514350">
+              <a:buAutoNum type="arabicPeriod"/>
+            </a:pPr>
+            <a:r>
+              <a:rPr lang="en-US" altLang="zh-TW" dirty="0" smtClean="0"/>
+              <a:t>Spring Cloud </a:t>
+            </a:r>
+            <a:r>
+              <a:rPr lang="en-US" altLang="zh-TW" dirty="0" err="1" smtClean="0"/>
+              <a:t>Config</a:t>
+            </a:r>
+            <a:endParaRPr lang="en-US" altLang="zh-TW" dirty="0" smtClean="0"/>
+          </a:p>
+          <a:p>
+            <a:pPr marL="514350" indent="-514350">
+              <a:buAutoNum type="arabicPeriod"/>
+            </a:pPr>
+            <a:r>
+              <a:rPr lang="en-US" altLang="zh-TW" dirty="0" smtClean="0"/>
+              <a:t>Apollo</a:t>
+            </a:r>
+          </a:p>
+          <a:p>
+            <a:pPr marL="514350" indent="-514350">
+              <a:buAutoNum type="arabicPeriod"/>
+            </a:pPr>
+            <a:r>
+              <a:rPr lang="en-US" altLang="zh-TW" dirty="0" err="1" smtClean="0"/>
+              <a:t>Nacos</a:t>
+            </a:r>
+            <a:endParaRPr lang="zh-TW" altLang="en-US" dirty="0" smtClean="0"/>
+          </a:p>
+        </p:txBody>
+      </p:sp>
+      <p:sp>
+        <p:nvSpPr>
+          <p:cNvPr id="4" name="投影片編號版面配置區 3"/>
+          <p:cNvSpPr>
+            <a:spLocks noGrp="1"/>
+          </p:cNvSpPr>
+          <p:nvPr>
+            <p:ph type="sldNum" sz="quarter" idx="10"/>
+          </p:nvPr>
+        </p:nvSpPr>
+        <p:spPr/>
+        <p:txBody>
+          <a:bodyPr/>
+          <a:lstStyle/>
+          <a:p>
+            <a:fld id="{EEBFCD98-6B9E-4D19-9C43-11FCDEF19DFC}" type="slidenum">
+              <a:rPr lang="zh-TW" altLang="en-US" smtClean="0"/>
+              <a:t>35</a:t>
+            </a:fld>
+            <a:endParaRPr lang="zh-TW" altLang="en-US"/>
+          </a:p>
+        </p:txBody>
+      </p:sp>
+    </p:spTree>
+    <p:extLst>
+      <p:ext uri="{BB962C8B-B14F-4D97-AF65-F5344CB8AC3E}">
+        <p14:creationId xmlns:p14="http://schemas.microsoft.com/office/powerpoint/2010/main" val="1930459848"/>
+      </p:ext>
+    </p:extLst>
+  </p:cSld>
+  <p:clrMapOvr>
+    <a:masterClrMapping/>
+  </p:clrMapOvr>
+</p:notes>
+</file>
+
+<file path=ppt/notesSlides/notesSlide8.xml><?xml version="1.0" encoding="utf-8"?>
+<p:notes xmlns:a="http://schemas.openxmlformats.org/drawingml/2006/main" xmlns:r="http://schemas.openxmlformats.org/officeDocument/2006/relationships" xmlns:p="http://schemas.openxmlformats.org/presentationml/2006/main">
+  <p:cSld>
+    <p:spTree>
+      <p:nvGrpSpPr>
+        <p:cNvPr id="1" name=""/>
+        <p:cNvGrpSpPr/>
+        <p:nvPr/>
+      </p:nvGrpSpPr>
+      <p:grpSpPr>
+        <a:xfrm>
+          <a:off x="0" y="0"/>
+          <a:ext cx="0" cy="0"/>
+          <a:chOff x="0" y="0"/>
+          <a:chExt cx="0" cy="0"/>
+        </a:xfrm>
+      </p:grpSpPr>
+      <p:sp>
+        <p:nvSpPr>
+          <p:cNvPr id="2" name="投影片圖像版面配置區 1"/>
+          <p:cNvSpPr>
+            <a:spLocks noGrp="1" noRot="1" noChangeAspect="1"/>
+          </p:cNvSpPr>
+          <p:nvPr>
+            <p:ph type="sldImg"/>
+          </p:nvPr>
+        </p:nvSpPr>
+        <p:spPr/>
+      </p:sp>
+      <p:sp>
+        <p:nvSpPr>
+          <p:cNvPr id="3" name="備忘稿版面配置區 2"/>
+          <p:cNvSpPr>
+            <a:spLocks noGrp="1"/>
+          </p:cNvSpPr>
+          <p:nvPr>
+            <p:ph type="body" idx="1"/>
+          </p:nvPr>
+        </p:nvSpPr>
+        <p:spPr/>
+        <p:txBody>
+          <a:bodyPr/>
+          <a:lstStyle/>
+          <a:p>
+            <a:r>
+              <a:rPr lang="en-US" altLang="zh-TW" dirty="0" smtClean="0">
+                <a:hlinkClick r:id="rId3"/>
+              </a:rPr>
+              <a:t>https://www.jishuwen.com/d/2E0I/zh-tw</a:t>
+            </a:r>
+            <a:endParaRPr lang="en-US" altLang="zh-TW" dirty="0" smtClean="0"/>
+          </a:p>
+          <a:p>
+            <a:r>
+              <a:rPr lang="en-US" altLang="zh-TW" dirty="0" smtClean="0">
+                <a:hlinkClick r:id="rId4"/>
+              </a:rPr>
+              <a:t>https://juejin.im/post/5c6e827ae51d452da9672094</a:t>
+            </a:r>
+            <a:endParaRPr lang="en-US" altLang="zh-TW" dirty="0" smtClean="0"/>
+          </a:p>
+          <a:p>
+            <a:pPr marL="514350" indent="-514350">
+              <a:buAutoNum type="arabicPeriod"/>
+            </a:pPr>
+            <a:r>
+              <a:rPr lang="en-US" altLang="zh-TW" dirty="0" smtClean="0"/>
+              <a:t>Spring Cloud </a:t>
+            </a:r>
+            <a:r>
+              <a:rPr lang="en-US" altLang="zh-TW" dirty="0" err="1" smtClean="0"/>
+              <a:t>Config</a:t>
+            </a:r>
+            <a:endParaRPr lang="en-US" altLang="zh-TW" dirty="0" smtClean="0"/>
+          </a:p>
+          <a:p>
+            <a:pPr marL="514350" indent="-514350">
+              <a:buAutoNum type="arabicPeriod"/>
+            </a:pPr>
+            <a:r>
+              <a:rPr lang="en-US" altLang="zh-TW" dirty="0" smtClean="0"/>
+              <a:t>Apollo</a:t>
+            </a:r>
+          </a:p>
+          <a:p>
+            <a:pPr marL="514350" indent="-514350">
+              <a:buAutoNum type="arabicPeriod"/>
+            </a:pPr>
+            <a:r>
+              <a:rPr lang="en-US" altLang="zh-TW" dirty="0" err="1" smtClean="0"/>
+              <a:t>Nacos</a:t>
+            </a:r>
+            <a:endParaRPr lang="zh-TW" altLang="en-US" dirty="0" smtClean="0"/>
+          </a:p>
+        </p:txBody>
+      </p:sp>
+      <p:sp>
+        <p:nvSpPr>
+          <p:cNvPr id="4" name="投影片編號版面配置區 3"/>
+          <p:cNvSpPr>
+            <a:spLocks noGrp="1"/>
+          </p:cNvSpPr>
+          <p:nvPr>
+            <p:ph type="sldNum" sz="quarter" idx="10"/>
+          </p:nvPr>
+        </p:nvSpPr>
+        <p:spPr/>
+        <p:txBody>
+          <a:bodyPr/>
+          <a:lstStyle/>
+          <a:p>
+            <a:fld id="{EEBFCD98-6B9E-4D19-9C43-11FCDEF19DFC}" type="slidenum">
+              <a:rPr lang="zh-TW" altLang="en-US" smtClean="0"/>
+              <a:t>36</a:t>
+            </a:fld>
+            <a:endParaRPr lang="zh-TW" altLang="en-US"/>
+          </a:p>
+        </p:txBody>
+      </p:sp>
+    </p:spTree>
+    <p:extLst>
+      <p:ext uri="{BB962C8B-B14F-4D97-AF65-F5344CB8AC3E}">
+        <p14:creationId xmlns:p14="http://schemas.microsoft.com/office/powerpoint/2010/main" val="1930459848"/>
+      </p:ext>
+    </p:extLst>
+  </p:cSld>
+  <p:clrMapOvr>
+    <a:masterClrMapping/>
+  </p:clrMapOvr>
+</p:notes>
+</file>
+
+<file path=ppt/notesSlides/notesSlide9.xml><?xml version="1.0" encoding="utf-8"?>
+<p:notes xmlns:a="http://schemas.openxmlformats.org/drawingml/2006/main" xmlns:r="http://schemas.openxmlformats.org/officeDocument/2006/relationships" xmlns:p="http://schemas.openxmlformats.org/presentationml/2006/main">
+  <p:cSld>
+    <p:spTree>
+      <p:nvGrpSpPr>
+        <p:cNvPr id="1" name=""/>
+        <p:cNvGrpSpPr/>
+        <p:nvPr/>
+      </p:nvGrpSpPr>
+      <p:grpSpPr>
+        <a:xfrm>
+          <a:off x="0" y="0"/>
+          <a:ext cx="0" cy="0"/>
+          <a:chOff x="0" y="0"/>
+          <a:chExt cx="0" cy="0"/>
+        </a:xfrm>
+      </p:grpSpPr>
+      <p:sp>
+        <p:nvSpPr>
+          <p:cNvPr id="2" name="投影片圖像版面配置區 1"/>
+          <p:cNvSpPr>
+            <a:spLocks noGrp="1" noRot="1" noChangeAspect="1"/>
+          </p:cNvSpPr>
+          <p:nvPr>
+            <p:ph type="sldImg"/>
+          </p:nvPr>
+        </p:nvSpPr>
+        <p:spPr/>
+      </p:sp>
+      <p:sp>
+        <p:nvSpPr>
+          <p:cNvPr id="3" name="備忘稿版面配置區 2"/>
+          <p:cNvSpPr>
+            <a:spLocks noGrp="1"/>
+          </p:cNvSpPr>
+          <p:nvPr>
+            <p:ph type="body" idx="1"/>
+          </p:nvPr>
+        </p:nvSpPr>
+        <p:spPr/>
+        <p:txBody>
+          <a:bodyPr/>
+          <a:lstStyle/>
+          <a:p>
+            <a:r>
+              <a:rPr lang="en-US" altLang="zh-TW" dirty="0" smtClean="0">
+                <a:hlinkClick r:id="rId3"/>
+              </a:rPr>
+              <a:t>https://www.jishuwen.com/d/2E0I/zh-tw</a:t>
+            </a:r>
+            <a:endParaRPr lang="en-US" altLang="zh-TW" dirty="0" smtClean="0"/>
+          </a:p>
+          <a:p>
+            <a:r>
+              <a:rPr lang="en-US" altLang="zh-TW" dirty="0" smtClean="0">
+                <a:hlinkClick r:id="rId4"/>
+              </a:rPr>
+              <a:t>https://juejin.im/post/5c6e827ae51d452da9672094</a:t>
+            </a:r>
+            <a:endParaRPr lang="en-US" altLang="zh-TW" dirty="0" smtClean="0"/>
+          </a:p>
+          <a:p>
+            <a:pPr marL="514350" indent="-514350">
+              <a:buAutoNum type="arabicPeriod"/>
+            </a:pPr>
+            <a:r>
+              <a:rPr lang="en-US" altLang="zh-TW" dirty="0" smtClean="0"/>
+              <a:t>Spring Cloud </a:t>
+            </a:r>
+            <a:r>
+              <a:rPr lang="en-US" altLang="zh-TW" dirty="0" err="1" smtClean="0"/>
+              <a:t>Config</a:t>
+            </a:r>
+            <a:endParaRPr lang="en-US" altLang="zh-TW" dirty="0" smtClean="0"/>
+          </a:p>
+          <a:p>
+            <a:pPr marL="514350" indent="-514350">
+              <a:buAutoNum type="arabicPeriod"/>
+            </a:pPr>
+            <a:r>
+              <a:rPr lang="en-US" altLang="zh-TW" dirty="0" smtClean="0"/>
+              <a:t>Apollo</a:t>
+            </a:r>
+          </a:p>
+          <a:p>
+            <a:pPr marL="514350" indent="-514350">
+              <a:buAutoNum type="arabicPeriod"/>
+            </a:pPr>
+            <a:r>
+              <a:rPr lang="en-US" altLang="zh-TW" dirty="0" err="1" smtClean="0"/>
+              <a:t>Nacos</a:t>
+            </a:r>
+            <a:endParaRPr lang="zh-TW" altLang="en-US" dirty="0" smtClean="0"/>
+          </a:p>
+        </p:txBody>
+      </p:sp>
+      <p:sp>
+        <p:nvSpPr>
+          <p:cNvPr id="4" name="投影片編號版面配置區 3"/>
+          <p:cNvSpPr>
+            <a:spLocks noGrp="1"/>
+          </p:cNvSpPr>
+          <p:nvPr>
+            <p:ph type="sldNum" sz="quarter" idx="10"/>
+          </p:nvPr>
+        </p:nvSpPr>
+        <p:spPr/>
+        <p:txBody>
+          <a:bodyPr/>
+          <a:lstStyle/>
+          <a:p>
+            <a:fld id="{EEBFCD98-6B9E-4D19-9C43-11FCDEF19DFC}" type="slidenum">
+              <a:rPr lang="zh-TW" altLang="en-US" smtClean="0"/>
+              <a:t>37</a:t>
             </a:fld>
             <a:endParaRPr lang="zh-TW" altLang="en-US"/>
           </a:p>
@@ -1159,7 +1835,7 @@
           <a:p>
             <a:fld id="{75F8934F-7F83-1046-9341-02CE27D9104D}" type="datetimeFigureOut">
               <a:rPr kumimoji="1" lang="zh-TW" altLang="en-US" smtClean="0"/>
-              <a:t>2020/2/3</a:t>
+              <a:t>2020/2/13</a:t>
             </a:fld>
             <a:endParaRPr kumimoji="1" lang="zh-TW" altLang="en-US" dirty="0"/>
           </a:p>
@@ -1392,7 +2068,7 @@
           <a:p>
             <a:fld id="{75F8934F-7F83-1046-9341-02CE27D9104D}" type="datetimeFigureOut">
               <a:rPr kumimoji="1" lang="zh-TW" altLang="en-US" smtClean="0"/>
-              <a:t>2020/2/3</a:t>
+              <a:t>2020/2/13</a:t>
             </a:fld>
             <a:endParaRPr kumimoji="1" lang="zh-TW" altLang="en-US"/>
           </a:p>
@@ -1633,7 +2309,7 @@
           <a:p>
             <a:fld id="{75F8934F-7F83-1046-9341-02CE27D9104D}" type="datetimeFigureOut">
               <a:rPr kumimoji="1" lang="zh-TW" altLang="en-US" smtClean="0"/>
-              <a:t>2020/2/3</a:t>
+              <a:t>2020/2/13</a:t>
             </a:fld>
             <a:endParaRPr kumimoji="1" lang="zh-TW" altLang="en-US"/>
           </a:p>
@@ -2732,7 +3408,7 @@
           <a:p>
             <a:fld id="{75F8934F-7F83-1046-9341-02CE27D9104D}" type="datetimeFigureOut">
               <a:rPr kumimoji="1" lang="zh-TW" altLang="en-US" smtClean="0"/>
-              <a:t>2020/2/3</a:t>
+              <a:t>2020/2/13</a:t>
             </a:fld>
             <a:endParaRPr kumimoji="1" lang="zh-TW" altLang="en-US"/>
           </a:p>
@@ -3874,7 +4550,7 @@
           <a:p>
             <a:fld id="{75F8934F-7F83-1046-9341-02CE27D9104D}" type="datetimeFigureOut">
               <a:rPr kumimoji="1" lang="zh-TW" altLang="en-US" smtClean="0"/>
-              <a:t>2020/2/3</a:t>
+              <a:t>2020/2/13</a:t>
             </a:fld>
             <a:endParaRPr kumimoji="1" lang="zh-TW" altLang="en-US"/>
           </a:p>
@@ -4287,7 +4963,7 @@
           <a:p>
             <a:fld id="{75F8934F-7F83-1046-9341-02CE27D9104D}" type="datetimeFigureOut">
               <a:rPr kumimoji="1" lang="zh-TW" altLang="en-US" smtClean="0"/>
-              <a:t>2020/2/3</a:t>
+              <a:t>2020/2/13</a:t>
             </a:fld>
             <a:endParaRPr kumimoji="1" lang="zh-TW" altLang="en-US"/>
           </a:p>
@@ -4688,7 +5364,7 @@
           <a:p>
             <a:fld id="{75F8934F-7F83-1046-9341-02CE27D9104D}" type="datetimeFigureOut">
               <a:rPr kumimoji="1" lang="zh-TW" altLang="en-US" smtClean="0"/>
-              <a:t>2020/2/3</a:t>
+              <a:t>2020/2/13</a:t>
             </a:fld>
             <a:endParaRPr kumimoji="1" lang="zh-TW" altLang="en-US"/>
           </a:p>
@@ -5098,7 +5774,7 @@
           <a:p>
             <a:fld id="{75F8934F-7F83-1046-9341-02CE27D9104D}" type="datetimeFigureOut">
               <a:rPr kumimoji="1" lang="zh-TW" altLang="en-US" smtClean="0"/>
-              <a:t>2020/2/3</a:t>
+              <a:t>2020/2/13</a:t>
             </a:fld>
             <a:endParaRPr kumimoji="1" lang="zh-TW" altLang="en-US"/>
           </a:p>
@@ -5619,7 +6295,7 @@
           <a:p>
             <a:fld id="{75F8934F-7F83-1046-9341-02CE27D9104D}" type="datetimeFigureOut">
               <a:rPr kumimoji="1" lang="zh-TW" altLang="en-US" smtClean="0"/>
-              <a:t>2020/2/3</a:t>
+              <a:t>2020/2/13</a:t>
             </a:fld>
             <a:endParaRPr kumimoji="1" lang="zh-TW" altLang="en-US"/>
           </a:p>
@@ -6131,7 +6807,7 @@
           <a:p>
             <a:fld id="{75F8934F-7F83-1046-9341-02CE27D9104D}" type="datetimeFigureOut">
               <a:rPr kumimoji="1" lang="zh-TW" altLang="en-US" smtClean="0"/>
-              <a:t>2020/2/3</a:t>
+              <a:t>2020/2/13</a:t>
             </a:fld>
             <a:endParaRPr kumimoji="1" lang="zh-TW" altLang="en-US"/>
           </a:p>
@@ -6640,7 +7316,7 @@
           <a:p>
             <a:fld id="{75F8934F-7F83-1046-9341-02CE27D9104D}" type="datetimeFigureOut">
               <a:rPr kumimoji="1" lang="zh-TW" altLang="en-US" smtClean="0"/>
-              <a:t>2020/2/3</a:t>
+              <a:t>2020/2/13</a:t>
             </a:fld>
             <a:endParaRPr kumimoji="1" lang="zh-TW" altLang="en-US"/>
           </a:p>
@@ -7394,7 +8070,7 @@
           <a:p>
             <a:fld id="{75F8934F-7F83-1046-9341-02CE27D9104D}" type="datetimeFigureOut">
               <a:rPr kumimoji="1" lang="zh-TW" altLang="en-US" smtClean="0"/>
-              <a:t>2020/2/3</a:t>
+              <a:t>2020/2/13</a:t>
             </a:fld>
             <a:endParaRPr kumimoji="1" lang="zh-TW" altLang="en-US"/>
           </a:p>
@@ -7750,7 +8426,7 @@
           <a:p>
             <a:fld id="{75F8934F-7F83-1046-9341-02CE27D9104D}" type="datetimeFigureOut">
               <a:rPr kumimoji="1" lang="zh-TW" altLang="en-US" smtClean="0"/>
-              <a:t>2020/2/3</a:t>
+              <a:t>2020/2/13</a:t>
             </a:fld>
             <a:endParaRPr kumimoji="1" lang="zh-TW" altLang="en-US"/>
           </a:p>
@@ -8484,7 +9160,7 @@
           <a:p>
             <a:fld id="{75F8934F-7F83-1046-9341-02CE27D9104D}" type="datetimeFigureOut">
               <a:rPr kumimoji="1" lang="zh-TW" altLang="en-US" smtClean="0"/>
-              <a:t>2020/2/3</a:t>
+              <a:t>2020/2/13</a:t>
             </a:fld>
             <a:endParaRPr kumimoji="1" lang="zh-TW" altLang="en-US"/>
           </a:p>
@@ -9054,7 +9730,7 @@
           <a:p>
             <a:fld id="{75F8934F-7F83-1046-9341-02CE27D9104D}" type="datetimeFigureOut">
               <a:rPr kumimoji="1" lang="zh-TW" altLang="en-US" smtClean="0"/>
-              <a:t>2020/2/3</a:t>
+              <a:t>2020/2/13</a:t>
             </a:fld>
             <a:endParaRPr kumimoji="1" lang="zh-TW" altLang="en-US"/>
           </a:p>
@@ -9513,7 +10189,7 @@
           <a:p>
             <a:fld id="{75F8934F-7F83-1046-9341-02CE27D9104D}" type="datetimeFigureOut">
               <a:rPr kumimoji="1" lang="zh-TW" altLang="en-US" smtClean="0"/>
-              <a:t>2020/2/3</a:t>
+              <a:t>2020/2/13</a:t>
             </a:fld>
             <a:endParaRPr kumimoji="1" lang="zh-TW" altLang="en-US"/>
           </a:p>
@@ -9797,7 +10473,7 @@
           <a:p>
             <a:fld id="{75F8934F-7F83-1046-9341-02CE27D9104D}" type="datetimeFigureOut">
               <a:rPr kumimoji="1" lang="zh-TW" altLang="en-US" smtClean="0"/>
-              <a:t>2020/2/3</a:t>
+              <a:t>2020/2/13</a:t>
             </a:fld>
             <a:endParaRPr kumimoji="1" lang="zh-TW" altLang="en-US"/>
           </a:p>
@@ -10317,7 +10993,7 @@
           <a:p>
             <a:fld id="{58A8743F-B12E-458C-9EA7-7F147439A6EC}" type="datetimeFigureOut">
               <a:rPr lang="zh-TW" altLang="en-US" smtClean="0"/>
-              <a:t>2020/2/3</a:t>
+              <a:t>2020/2/13</a:t>
             </a:fld>
             <a:endParaRPr lang="zh-TW" altLang="en-US"/>
           </a:p>
@@ -10770,7 +11446,7 @@
           <a:p>
             <a:fld id="{75F8934F-7F83-1046-9341-02CE27D9104D}" type="datetimeFigureOut">
               <a:rPr kumimoji="1" lang="zh-TW" altLang="en-US" smtClean="0"/>
-              <a:t>2020/2/3</a:t>
+              <a:t>2020/2/13</a:t>
             </a:fld>
             <a:endParaRPr kumimoji="1" lang="zh-TW" altLang="en-US" dirty="0"/>
           </a:p>
@@ -11097,7 +11773,7 @@
           <a:p>
             <a:fld id="{75F8934F-7F83-1046-9341-02CE27D9104D}" type="datetimeFigureOut">
               <a:rPr kumimoji="1" lang="zh-TW" altLang="en-US" smtClean="0"/>
-              <a:t>2020/2/3</a:t>
+              <a:t>2020/2/13</a:t>
             </a:fld>
             <a:endParaRPr kumimoji="1" lang="zh-TW" altLang="en-US" dirty="0"/>
           </a:p>
@@ -11547,7 +12223,7 @@
           <a:p>
             <a:fld id="{75F8934F-7F83-1046-9341-02CE27D9104D}" type="datetimeFigureOut">
               <a:rPr kumimoji="1" lang="zh-TW" altLang="en-US" smtClean="0"/>
-              <a:t>2020/2/3</a:t>
+              <a:t>2020/2/13</a:t>
             </a:fld>
             <a:endParaRPr kumimoji="1" lang="zh-TW" altLang="en-US" dirty="0"/>
           </a:p>
@@ -11802,7 +12478,7 @@
           <a:p>
             <a:fld id="{75F8934F-7F83-1046-9341-02CE27D9104D}" type="datetimeFigureOut">
               <a:rPr kumimoji="1" lang="zh-TW" altLang="en-US" smtClean="0"/>
-              <a:t>2020/2/3</a:t>
+              <a:t>2020/2/13</a:t>
             </a:fld>
             <a:endParaRPr kumimoji="1" lang="zh-TW" altLang="en-US"/>
           </a:p>
@@ -12410,7 +13086,7 @@
           <a:p>
             <a:fld id="{75F8934F-7F83-1046-9341-02CE27D9104D}" type="datetimeFigureOut">
               <a:rPr kumimoji="1" lang="zh-TW" altLang="en-US" smtClean="0"/>
-              <a:t>2020/2/3</a:t>
+              <a:t>2020/2/13</a:t>
             </a:fld>
             <a:endParaRPr kumimoji="1" lang="zh-TW" altLang="en-US"/>
           </a:p>
@@ -13320,7 +13996,7 @@
           <a:p>
             <a:fld id="{75F8934F-7F83-1046-9341-02CE27D9104D}" type="datetimeFigureOut">
               <a:rPr kumimoji="1" lang="zh-TW" altLang="en-US" smtClean="0"/>
-              <a:t>2020/2/3</a:t>
+              <a:t>2020/2/13</a:t>
             </a:fld>
             <a:endParaRPr kumimoji="1" lang="zh-TW" altLang="en-US"/>
           </a:p>
@@ -14402,7 +15078,7 @@
           <a:p>
             <a:fld id="{75F8934F-7F83-1046-9341-02CE27D9104D}" type="datetimeFigureOut">
               <a:rPr kumimoji="1" lang="zh-TW" altLang="en-US" smtClean="0"/>
-              <a:t>2020/2/3</a:t>
+              <a:t>2020/2/13</a:t>
             </a:fld>
             <a:endParaRPr kumimoji="1" lang="zh-TW" altLang="en-US"/>
           </a:p>
@@ -14849,7 +15525,7 @@
           <a:p>
             <a:fld id="{75F8934F-7F83-1046-9341-02CE27D9104D}" type="datetimeFigureOut">
               <a:rPr kumimoji="1" lang="zh-TW" altLang="en-US" smtClean="0"/>
-              <a:t>2020/2/3</a:t>
+              <a:t>2020/2/13</a:t>
             </a:fld>
             <a:endParaRPr kumimoji="1" lang="zh-TW" altLang="en-US"/>
           </a:p>
@@ -15301,6 +15977,10 @@
           <a:bodyPr/>
           <a:lstStyle/>
           <a:p>
+            <a:r>
+              <a:rPr lang="en-US" altLang="zh-TW" dirty="0" err="1" smtClean="0"/>
+              <a:t>Config</a:t>
+            </a:r>
             <a:endParaRPr lang="zh-TW" altLang="en-US" dirty="0"/>
           </a:p>
         </p:txBody>
@@ -16172,11 +16852,7 @@
           <a:p>
             <a:r>
               <a:rPr lang="zh-CN" altLang="en-US" sz="2400" dirty="0" smtClean="0"/>
-              <a:t>實現流程</a:t>
-            </a:r>
-            <a:r>
-              <a:rPr lang="zh-CN" altLang="en-US" sz="2400" dirty="0" smtClean="0"/>
-              <a:t>：</a:t>
+              <a:t>實現流程：</a:t>
             </a:r>
             <a:endParaRPr lang="en-US" altLang="zh-CN" sz="2000" b="0" dirty="0" smtClean="0"/>
           </a:p>
@@ -16834,50 +17510,23 @@
           <a:p>
             <a:r>
               <a:rPr lang="en-US" altLang="zh-CN" dirty="0" smtClean="0"/>
-              <a:t>1.</a:t>
+              <a:t>2.ConfigServer </a:t>
             </a:r>
             <a:r>
               <a:rPr lang="zh-CN" altLang="en-US" dirty="0" smtClean="0"/>
-              <a:t>架設</a:t>
-            </a:r>
-            <a:r>
-              <a:rPr lang="en-US" altLang="zh-CN" dirty="0"/>
-              <a:t>Bus(</a:t>
-            </a:r>
-            <a:r>
-              <a:rPr lang="en-US" altLang="zh-CN" dirty="0" err="1"/>
-              <a:t>Rabbitmq</a:t>
-            </a:r>
-            <a:r>
-              <a:rPr lang="en-US" altLang="zh-CN" dirty="0"/>
-              <a:t>)</a:t>
+              <a:t>設置</a:t>
+            </a:r>
+            <a:r>
+              <a:rPr lang="en-US" altLang="zh-CN" dirty="0" smtClean="0"/>
+              <a:t>——dependency</a:t>
             </a:r>
             <a:endParaRPr lang="zh-TW" altLang="en-US" dirty="0"/>
-          </a:p>
-        </p:txBody>
-      </p:sp>
-      <p:sp>
-        <p:nvSpPr>
-          <p:cNvPr id="3" name="內容版面配置區 2"/>
-          <p:cNvSpPr>
-            <a:spLocks noGrp="1"/>
-          </p:cNvSpPr>
-          <p:nvPr>
-            <p:ph sz="quarter" idx="13"/>
-          </p:nvPr>
-        </p:nvSpPr>
-        <p:spPr/>
-        <p:txBody>
-          <a:bodyPr/>
-          <a:lstStyle/>
-          <a:p>
-            <a:endParaRPr lang="zh-TW" altLang="en-US"/>
           </a:p>
         </p:txBody>
       </p:sp>
       <p:pic>
         <p:nvPicPr>
-          <p:cNvPr id="5" name="內容版面配置區 4"/>
+          <p:cNvPr id="8" name="內容版面配置區 7"/>
           <p:cNvPicPr>
             <a:picLocks noGrp="1" noChangeAspect="1"/>
           </p:cNvPicPr>
@@ -16899,59 +17548,34 @@
         </p:blipFill>
         <p:spPr>
           <a:xfrm>
-            <a:off x="604053" y="2572686"/>
-            <a:ext cx="11107332" cy="1947062"/>
+            <a:off x="838199" y="1692275"/>
+            <a:ext cx="6346371" cy="4759779"/>
           </a:xfrm>
         </p:spPr>
       </p:pic>
       <p:sp>
         <p:nvSpPr>
-          <p:cNvPr id="4" name="文字方塊 3"/>
-          <p:cNvSpPr txBox="1"/>
-          <p:nvPr/>
-        </p:nvSpPr>
-        <p:spPr>
-          <a:xfrm>
-            <a:off x="838200" y="5042263"/>
-            <a:ext cx="1902124" cy="646331"/>
-          </a:xfrm>
-          <a:prstGeom prst="rect">
-            <a:avLst/>
-          </a:prstGeom>
-          <a:noFill/>
-        </p:spPr>
-        <p:txBody>
-          <a:bodyPr wrap="none" rtlCol="0">
-            <a:spAutoFit/>
-          </a:bodyPr>
-          <a:lstStyle/>
-          <a:p>
-            <a:r>
-              <a:rPr lang="zh-CN" altLang="en-US" dirty="0" smtClean="0"/>
-              <a:t>默認賬號是 </a:t>
-            </a:r>
-            <a:r>
-              <a:rPr lang="en-US" altLang="zh-CN" dirty="0" smtClean="0"/>
-              <a:t>guest</a:t>
-            </a:r>
-          </a:p>
-          <a:p>
-            <a:r>
-              <a:rPr lang="zh-CN" altLang="en-US" dirty="0" smtClean="0"/>
-              <a:t>默認密碼是 </a:t>
-            </a:r>
-            <a:r>
-              <a:rPr lang="en-US" altLang="zh-CN" dirty="0" smtClean="0"/>
-              <a:t>guest</a:t>
-            </a:r>
-            <a:endParaRPr lang="zh-TW" altLang="en-US" dirty="0"/>
+          <p:cNvPr id="7" name="內容版面配置區 6"/>
+          <p:cNvSpPr>
+            <a:spLocks noGrp="1"/>
+          </p:cNvSpPr>
+          <p:nvPr>
+            <p:ph sz="quarter" idx="13"/>
+          </p:nvPr>
+        </p:nvSpPr>
+        <p:spPr/>
+        <p:txBody>
+          <a:bodyPr/>
+          <a:lstStyle/>
+          <a:p>
+            <a:endParaRPr lang="zh-TW" altLang="en-US"/>
           </a:p>
         </p:txBody>
       </p:sp>
     </p:spTree>
     <p:extLst>
       <p:ext uri="{BB962C8B-B14F-4D97-AF65-F5344CB8AC3E}">
-        <p14:creationId xmlns:p14="http://schemas.microsoft.com/office/powerpoint/2010/main" val="1804390793"/>
+        <p14:creationId xmlns:p14="http://schemas.microsoft.com/office/powerpoint/2010/main" val="4200059500"/>
       </p:ext>
     </p:extLst>
   </p:cSld>
@@ -16995,232 +17619,6 @@
           <a:p>
             <a:r>
               <a:rPr lang="en-US" altLang="zh-CN" dirty="0" smtClean="0"/>
-              <a:t>1.</a:t>
-            </a:r>
-            <a:r>
-              <a:rPr lang="zh-CN" altLang="en-US" dirty="0" smtClean="0"/>
-              <a:t>架設</a:t>
-            </a:r>
-            <a:r>
-              <a:rPr lang="en-US" altLang="zh-CN" dirty="0"/>
-              <a:t>Bus(</a:t>
-            </a:r>
-            <a:r>
-              <a:rPr lang="en-US" altLang="zh-CN" dirty="0" err="1"/>
-              <a:t>Rabbitmq</a:t>
-            </a:r>
-            <a:r>
-              <a:rPr lang="en-US" altLang="zh-CN" dirty="0"/>
-              <a:t>)</a:t>
-            </a:r>
-            <a:endParaRPr lang="zh-TW" altLang="en-US" dirty="0"/>
-          </a:p>
-        </p:txBody>
-      </p:sp>
-      <p:sp>
-        <p:nvSpPr>
-          <p:cNvPr id="3" name="內容版面配置區 2"/>
-          <p:cNvSpPr>
-            <a:spLocks noGrp="1"/>
-          </p:cNvSpPr>
-          <p:nvPr>
-            <p:ph sz="quarter" idx="13"/>
-          </p:nvPr>
-        </p:nvSpPr>
-        <p:spPr/>
-        <p:txBody>
-          <a:bodyPr/>
-          <a:lstStyle/>
-          <a:p>
-            <a:endParaRPr lang="zh-TW" altLang="en-US"/>
-          </a:p>
-        </p:txBody>
-      </p:sp>
-      <p:pic>
-        <p:nvPicPr>
-          <p:cNvPr id="5" name="內容版面配置區 4"/>
-          <p:cNvPicPr>
-            <a:picLocks noGrp="1" noChangeAspect="1"/>
-          </p:cNvPicPr>
-          <p:nvPr>
-            <p:ph sz="half" idx="1"/>
-          </p:nvPr>
-        </p:nvPicPr>
-        <p:blipFill>
-          <a:blip r:embed="rId2">
-            <a:extLst>
-              <a:ext uri="{28A0092B-C50C-407E-A947-70E740481C1C}">
-                <a14:useLocalDpi xmlns:a14="http://schemas.microsoft.com/office/drawing/2010/main" val="0"/>
-              </a:ext>
-            </a:extLst>
-          </a:blip>
-          <a:stretch>
-            <a:fillRect/>
-          </a:stretch>
-        </p:blipFill>
-        <p:spPr>
-          <a:xfrm>
-            <a:off x="838200" y="1692276"/>
-            <a:ext cx="9677400" cy="4413360"/>
-          </a:xfrm>
-        </p:spPr>
-      </p:pic>
-    </p:spTree>
-    <p:extLst>
-      <p:ext uri="{BB962C8B-B14F-4D97-AF65-F5344CB8AC3E}">
-        <p14:creationId xmlns:p14="http://schemas.microsoft.com/office/powerpoint/2010/main" val="2169041303"/>
-      </p:ext>
-    </p:extLst>
-  </p:cSld>
-  <p:clrMapOvr>
-    <a:masterClrMapping/>
-  </p:clrMapOvr>
-</p:sld>
-</file>
-
-<file path=ppt/slides/slide18.xml><?xml version="1.0" encoding="utf-8"?>
-<p:sld xmlns:a="http://schemas.openxmlformats.org/drawingml/2006/main" xmlns:r="http://schemas.openxmlformats.org/officeDocument/2006/relationships" xmlns:p="http://schemas.openxmlformats.org/presentationml/2006/main">
-  <p:cSld>
-    <p:spTree>
-      <p:nvGrpSpPr>
-        <p:cNvPr id="1" name=""/>
-        <p:cNvGrpSpPr/>
-        <p:nvPr/>
-      </p:nvGrpSpPr>
-      <p:grpSpPr>
-        <a:xfrm>
-          <a:off x="0" y="0"/>
-          <a:ext cx="0" cy="0"/>
-          <a:chOff x="0" y="0"/>
-          <a:chExt cx="0" cy="0"/>
-        </a:xfrm>
-      </p:grpSpPr>
-      <p:sp>
-        <p:nvSpPr>
-          <p:cNvPr id="2" name="標題 1"/>
-          <p:cNvSpPr>
-            <a:spLocks noGrp="1"/>
-          </p:cNvSpPr>
-          <p:nvPr>
-            <p:ph type="title"/>
-          </p:nvPr>
-        </p:nvSpPr>
-        <p:spPr/>
-        <p:txBody>
-          <a:bodyPr/>
-          <a:lstStyle/>
-          <a:p>
-            <a:r>
-              <a:rPr lang="en-US" altLang="zh-CN" dirty="0" smtClean="0"/>
-              <a:t>2.ConfigServer </a:t>
-            </a:r>
-            <a:r>
-              <a:rPr lang="zh-CN" altLang="en-US" dirty="0" smtClean="0"/>
-              <a:t>設置</a:t>
-            </a:r>
-            <a:r>
-              <a:rPr lang="en-US" altLang="zh-CN" dirty="0" smtClean="0"/>
-              <a:t>——dependency</a:t>
-            </a:r>
-            <a:endParaRPr lang="zh-TW" altLang="en-US" dirty="0"/>
-          </a:p>
-        </p:txBody>
-      </p:sp>
-      <p:pic>
-        <p:nvPicPr>
-          <p:cNvPr id="8" name="內容版面配置區 7"/>
-          <p:cNvPicPr>
-            <a:picLocks noGrp="1" noChangeAspect="1"/>
-          </p:cNvPicPr>
-          <p:nvPr>
-            <p:ph sz="half" idx="1"/>
-          </p:nvPr>
-        </p:nvPicPr>
-        <p:blipFill>
-          <a:blip r:embed="rId2">
-            <a:extLst>
-              <a:ext uri="{28A0092B-C50C-407E-A947-70E740481C1C}">
-                <a14:useLocalDpi xmlns:a14="http://schemas.microsoft.com/office/drawing/2010/main" val="0"/>
-              </a:ext>
-            </a:extLst>
-          </a:blip>
-          <a:stretch>
-            <a:fillRect/>
-          </a:stretch>
-        </p:blipFill>
-        <p:spPr>
-          <a:xfrm>
-            <a:off x="838199" y="1692275"/>
-            <a:ext cx="6346371" cy="4759779"/>
-          </a:xfrm>
-        </p:spPr>
-      </p:pic>
-      <p:sp>
-        <p:nvSpPr>
-          <p:cNvPr id="7" name="內容版面配置區 6"/>
-          <p:cNvSpPr>
-            <a:spLocks noGrp="1"/>
-          </p:cNvSpPr>
-          <p:nvPr>
-            <p:ph sz="quarter" idx="13"/>
-          </p:nvPr>
-        </p:nvSpPr>
-        <p:spPr/>
-        <p:txBody>
-          <a:bodyPr/>
-          <a:lstStyle/>
-          <a:p>
-            <a:endParaRPr lang="zh-TW" altLang="en-US"/>
-          </a:p>
-        </p:txBody>
-      </p:sp>
-    </p:spTree>
-    <p:extLst>
-      <p:ext uri="{BB962C8B-B14F-4D97-AF65-F5344CB8AC3E}">
-        <p14:creationId xmlns:p14="http://schemas.microsoft.com/office/powerpoint/2010/main" val="4200059500"/>
-      </p:ext>
-    </p:extLst>
-  </p:cSld>
-  <p:clrMapOvr>
-    <a:masterClrMapping/>
-  </p:clrMapOvr>
-</p:sld>
-</file>
-
-<file path=ppt/slides/slide19.xml><?xml version="1.0" encoding="utf-8"?>
-<p:sld xmlns:a="http://schemas.openxmlformats.org/drawingml/2006/main" xmlns:r="http://schemas.openxmlformats.org/officeDocument/2006/relationships" xmlns:p="http://schemas.openxmlformats.org/presentationml/2006/main">
-  <p:cSld>
-    <p:spTree>
-      <p:nvGrpSpPr>
-        <p:cNvPr id="1" name=""/>
-        <p:cNvGrpSpPr/>
-        <p:nvPr/>
-      </p:nvGrpSpPr>
-      <p:grpSpPr>
-        <a:xfrm>
-          <a:off x="0" y="0"/>
-          <a:ext cx="0" cy="0"/>
-          <a:chOff x="0" y="0"/>
-          <a:chExt cx="0" cy="0"/>
-        </a:xfrm>
-      </p:grpSpPr>
-      <p:sp>
-        <p:nvSpPr>
-          <p:cNvPr id="2" name="標題 1"/>
-          <p:cNvSpPr>
-            <a:spLocks noGrp="1"/>
-          </p:cNvSpPr>
-          <p:nvPr>
-            <p:ph type="title"/>
-          </p:nvPr>
-        </p:nvSpPr>
-        <p:spPr/>
-        <p:txBody>
-          <a:bodyPr/>
-          <a:lstStyle/>
-          <a:p>
-            <a:r>
-              <a:rPr lang="en-US" altLang="zh-CN" dirty="0" smtClean="0"/>
               <a:t>2.ConfigServer </a:t>
             </a:r>
             <a:r>
@@ -17470,78 +17868,7 @@
 </p:sld>
 </file>
 
-<file path=ppt/slides/slide2.xml><?xml version="1.0" encoding="utf-8"?>
-<p:sld xmlns:a="http://schemas.openxmlformats.org/drawingml/2006/main" xmlns:r="http://schemas.openxmlformats.org/officeDocument/2006/relationships" xmlns:p="http://schemas.openxmlformats.org/presentationml/2006/main">
-  <p:cSld>
-    <p:spTree>
-      <p:nvGrpSpPr>
-        <p:cNvPr id="1" name=""/>
-        <p:cNvGrpSpPr/>
-        <p:nvPr/>
-      </p:nvGrpSpPr>
-      <p:grpSpPr>
-        <a:xfrm>
-          <a:off x="0" y="0"/>
-          <a:ext cx="0" cy="0"/>
-          <a:chOff x="0" y="0"/>
-          <a:chExt cx="0" cy="0"/>
-        </a:xfrm>
-      </p:grpSpPr>
-      <p:sp>
-        <p:nvSpPr>
-          <p:cNvPr id="5" name="標題 4"/>
-          <p:cNvSpPr>
-            <a:spLocks noGrp="1"/>
-          </p:cNvSpPr>
-          <p:nvPr>
-            <p:ph type="title"/>
-          </p:nvPr>
-        </p:nvSpPr>
-        <p:spPr/>
-        <p:txBody>
-          <a:bodyPr/>
-          <a:lstStyle/>
-          <a:p>
-            <a:r>
-              <a:rPr lang="zh-TW" altLang="en-US" dirty="0"/>
-              <a:t>目錄</a:t>
-            </a:r>
-          </a:p>
-        </p:txBody>
-      </p:sp>
-      <p:sp>
-        <p:nvSpPr>
-          <p:cNvPr id="6" name="內容版面配置區 5"/>
-          <p:cNvSpPr>
-            <a:spLocks noGrp="1"/>
-          </p:cNvSpPr>
-          <p:nvPr>
-            <p:ph sz="quarter" idx="13"/>
-          </p:nvPr>
-        </p:nvSpPr>
-        <p:spPr/>
-        <p:txBody>
-          <a:bodyPr/>
-          <a:lstStyle/>
-          <a:p>
-            <a:endParaRPr lang="zh-TW" altLang="en-US" dirty="0"/>
-          </a:p>
-        </p:txBody>
-      </p:sp>
-    </p:spTree>
-    <p:extLst>
-      <p:ext uri="{BB962C8B-B14F-4D97-AF65-F5344CB8AC3E}">
-        <p14:creationId xmlns:p14="http://schemas.microsoft.com/office/powerpoint/2010/main" val="2715109869"/>
-      </p:ext>
-    </p:extLst>
-  </p:cSld>
-  <p:clrMapOvr>
-    <a:masterClrMapping/>
-  </p:clrMapOvr>
-</p:sld>
-</file>
-
-<file path=ppt/slides/slide20.xml><?xml version="1.0" encoding="utf-8"?>
+<file path=ppt/slides/slide18.xml><?xml version="1.0" encoding="utf-8"?>
 <p:sld xmlns:a="http://schemas.openxmlformats.org/drawingml/2006/main" xmlns:r="http://schemas.openxmlformats.org/officeDocument/2006/relationships" xmlns:p="http://schemas.openxmlformats.org/presentationml/2006/main">
   <p:cSld>
     <p:spTree>
@@ -17654,7 +17981,7 @@
 </p:sld>
 </file>
 
-<file path=ppt/slides/slide21.xml><?xml version="1.0" encoding="utf-8"?>
+<file path=ppt/slides/slide19.xml><?xml version="1.0" encoding="utf-8"?>
 <p:sld xmlns:a="http://schemas.openxmlformats.org/drawingml/2006/main" xmlns:r="http://schemas.openxmlformats.org/officeDocument/2006/relationships" xmlns:p="http://schemas.openxmlformats.org/presentationml/2006/main">
   <p:cSld>
     <p:spTree>
@@ -17980,7 +18307,78 @@
 </p:sld>
 </file>
 
-<file path=ppt/slides/slide22.xml><?xml version="1.0" encoding="utf-8"?>
+<file path=ppt/slides/slide2.xml><?xml version="1.0" encoding="utf-8"?>
+<p:sld xmlns:a="http://schemas.openxmlformats.org/drawingml/2006/main" xmlns:r="http://schemas.openxmlformats.org/officeDocument/2006/relationships" xmlns:p="http://schemas.openxmlformats.org/presentationml/2006/main">
+  <p:cSld>
+    <p:spTree>
+      <p:nvGrpSpPr>
+        <p:cNvPr id="1" name=""/>
+        <p:cNvGrpSpPr/>
+        <p:nvPr/>
+      </p:nvGrpSpPr>
+      <p:grpSpPr>
+        <a:xfrm>
+          <a:off x="0" y="0"/>
+          <a:ext cx="0" cy="0"/>
+          <a:chOff x="0" y="0"/>
+          <a:chExt cx="0" cy="0"/>
+        </a:xfrm>
+      </p:grpSpPr>
+      <p:sp>
+        <p:nvSpPr>
+          <p:cNvPr id="5" name="標題 4"/>
+          <p:cNvSpPr>
+            <a:spLocks noGrp="1"/>
+          </p:cNvSpPr>
+          <p:nvPr>
+            <p:ph type="title"/>
+          </p:nvPr>
+        </p:nvSpPr>
+        <p:spPr/>
+        <p:txBody>
+          <a:bodyPr/>
+          <a:lstStyle/>
+          <a:p>
+            <a:r>
+              <a:rPr lang="zh-TW" altLang="en-US" dirty="0"/>
+              <a:t>目錄</a:t>
+            </a:r>
+          </a:p>
+        </p:txBody>
+      </p:sp>
+      <p:sp>
+        <p:nvSpPr>
+          <p:cNvPr id="6" name="內容版面配置區 5"/>
+          <p:cNvSpPr>
+            <a:spLocks noGrp="1"/>
+          </p:cNvSpPr>
+          <p:nvPr>
+            <p:ph sz="quarter" idx="13"/>
+          </p:nvPr>
+        </p:nvSpPr>
+        <p:spPr/>
+        <p:txBody>
+          <a:bodyPr/>
+          <a:lstStyle/>
+          <a:p>
+            <a:endParaRPr lang="zh-TW" altLang="en-US" dirty="0"/>
+          </a:p>
+        </p:txBody>
+      </p:sp>
+    </p:spTree>
+    <p:extLst>
+      <p:ext uri="{BB962C8B-B14F-4D97-AF65-F5344CB8AC3E}">
+        <p14:creationId xmlns:p14="http://schemas.microsoft.com/office/powerpoint/2010/main" val="2715109869"/>
+      </p:ext>
+    </p:extLst>
+  </p:cSld>
+  <p:clrMapOvr>
+    <a:masterClrMapping/>
+  </p:clrMapOvr>
+</p:sld>
+</file>
+
+<file path=ppt/slides/slide20.xml><?xml version="1.0" encoding="utf-8"?>
 <p:sld xmlns:a="http://schemas.openxmlformats.org/drawingml/2006/main" xmlns:r="http://schemas.openxmlformats.org/officeDocument/2006/relationships" xmlns:p="http://schemas.openxmlformats.org/presentationml/2006/main">
   <p:cSld>
     <p:spTree>
@@ -18093,7 +18491,7 @@
 </p:sld>
 </file>
 
-<file path=ppt/slides/slide23.xml><?xml version="1.0" encoding="utf-8"?>
+<file path=ppt/slides/slide21.xml><?xml version="1.0" encoding="utf-8"?>
 <p:sld xmlns:a="http://schemas.openxmlformats.org/drawingml/2006/main" xmlns:r="http://schemas.openxmlformats.org/officeDocument/2006/relationships" xmlns:p="http://schemas.openxmlformats.org/presentationml/2006/main">
   <p:cSld>
     <p:spTree>
@@ -18398,7 +18796,7 @@
 </p:sld>
 </file>
 
-<file path=ppt/slides/slide24.xml><?xml version="1.0" encoding="utf-8"?>
+<file path=ppt/slides/slide22.xml><?xml version="1.0" encoding="utf-8"?>
 <p:sld xmlns:a="http://schemas.openxmlformats.org/drawingml/2006/main" xmlns:r="http://schemas.openxmlformats.org/officeDocument/2006/relationships" xmlns:p="http://schemas.openxmlformats.org/presentationml/2006/main">
   <p:cSld>
     <p:spTree>
@@ -18613,7 +19011,7 @@
 </p:sld>
 </file>
 
-<file path=ppt/slides/slide25.xml><?xml version="1.0" encoding="utf-8"?>
+<file path=ppt/slides/slide23.xml><?xml version="1.0" encoding="utf-8"?>
 <p:sld xmlns:a="http://schemas.openxmlformats.org/drawingml/2006/main" xmlns:r="http://schemas.openxmlformats.org/officeDocument/2006/relationships" xmlns:p="http://schemas.openxmlformats.org/presentationml/2006/main">
   <p:cSld>
     <p:spTree>
@@ -18730,7 +19128,7 @@
 </p:sld>
 </file>
 
-<file path=ppt/slides/slide26.xml><?xml version="1.0" encoding="utf-8"?>
+<file path=ppt/slides/slide24.xml><?xml version="1.0" encoding="utf-8"?>
 <p:sld xmlns:a="http://schemas.openxmlformats.org/drawingml/2006/main" xmlns:r="http://schemas.openxmlformats.org/officeDocument/2006/relationships" xmlns:p="http://schemas.openxmlformats.org/presentationml/2006/main">
   <p:cSld>
     <p:spTree>
@@ -18830,7 +19228,7 @@
         <p:spPr>
           <a:xfrm>
             <a:off x="838200" y="1836930"/>
-            <a:ext cx="6307183" cy="4372025"/>
+            <a:ext cx="6307183" cy="4372024"/>
           </a:xfrm>
         </p:spPr>
       </p:pic>
@@ -18847,116 +19245,7 @@
 </p:sld>
 </file>
 
-<file path=ppt/slides/slide27.xml><?xml version="1.0" encoding="utf-8"?>
-<p:sld xmlns:a="http://schemas.openxmlformats.org/drawingml/2006/main" xmlns:r="http://schemas.openxmlformats.org/officeDocument/2006/relationships" xmlns:p="http://schemas.openxmlformats.org/presentationml/2006/main">
-  <p:cSld>
-    <p:spTree>
-      <p:nvGrpSpPr>
-        <p:cNvPr id="1" name=""/>
-        <p:cNvGrpSpPr/>
-        <p:nvPr/>
-      </p:nvGrpSpPr>
-      <p:grpSpPr>
-        <a:xfrm>
-          <a:off x="0" y="0"/>
-          <a:ext cx="0" cy="0"/>
-          <a:chOff x="0" y="0"/>
-          <a:chExt cx="0" cy="0"/>
-        </a:xfrm>
-      </p:grpSpPr>
-      <p:sp>
-        <p:nvSpPr>
-          <p:cNvPr id="2" name="標題 1"/>
-          <p:cNvSpPr>
-            <a:spLocks noGrp="1"/>
-          </p:cNvSpPr>
-          <p:nvPr>
-            <p:ph type="title"/>
-          </p:nvPr>
-        </p:nvSpPr>
-        <p:spPr/>
-        <p:txBody>
-          <a:bodyPr/>
-          <a:lstStyle/>
-          <a:p>
-            <a:r>
-              <a:rPr lang="en-US" altLang="zh-CN" dirty="0" smtClean="0"/>
-              <a:t>4. </a:t>
-            </a:r>
-            <a:r>
-              <a:rPr lang="en-US" altLang="zh-TW" dirty="0" err="1" smtClean="0"/>
-              <a:t>Gitlab</a:t>
-            </a:r>
-            <a:r>
-              <a:rPr lang="zh-CN" altLang="en-US" dirty="0" smtClean="0"/>
-              <a:t>設置</a:t>
-            </a:r>
-            <a:endParaRPr lang="zh-TW" altLang="en-US" dirty="0"/>
-          </a:p>
-        </p:txBody>
-      </p:sp>
-      <p:sp>
-        <p:nvSpPr>
-          <p:cNvPr id="3" name="內容版面配置區 2"/>
-          <p:cNvSpPr>
-            <a:spLocks noGrp="1"/>
-          </p:cNvSpPr>
-          <p:nvPr>
-            <p:ph sz="quarter" idx="13"/>
-          </p:nvPr>
-        </p:nvSpPr>
-        <p:spPr/>
-        <p:txBody>
-          <a:bodyPr/>
-          <a:lstStyle/>
-          <a:p>
-            <a:endParaRPr lang="zh-TW" altLang="en-US"/>
-          </a:p>
-        </p:txBody>
-      </p:sp>
-      <p:pic>
-        <p:nvPicPr>
-          <p:cNvPr id="6" name="內容版面配置區 5"/>
-          <p:cNvPicPr>
-            <a:picLocks noGrp="1" noChangeAspect="1"/>
-          </p:cNvPicPr>
-          <p:nvPr>
-            <p:ph sz="half" idx="1"/>
-          </p:nvPr>
-        </p:nvPicPr>
-        <p:blipFill>
-          <a:blip r:embed="rId2">
-            <a:extLst>
-              <a:ext uri="{28A0092B-C50C-407E-A947-70E740481C1C}">
-                <a14:useLocalDpi xmlns:a14="http://schemas.microsoft.com/office/drawing/2010/main" val="0"/>
-              </a:ext>
-            </a:extLst>
-          </a:blip>
-          <a:stretch>
-            <a:fillRect/>
-          </a:stretch>
-        </p:blipFill>
-        <p:spPr>
-          <a:xfrm>
-            <a:off x="1421446" y="1930400"/>
-            <a:ext cx="8695966" cy="4246563"/>
-          </a:xfrm>
-        </p:spPr>
-      </p:pic>
-    </p:spTree>
-    <p:extLst>
-      <p:ext uri="{BB962C8B-B14F-4D97-AF65-F5344CB8AC3E}">
-        <p14:creationId xmlns:p14="http://schemas.microsoft.com/office/powerpoint/2010/main" val="3960387797"/>
-      </p:ext>
-    </p:extLst>
-  </p:cSld>
-  <p:clrMapOvr>
-    <a:masterClrMapping/>
-  </p:clrMapOvr>
-</p:sld>
-</file>
-
-<file path=ppt/slides/slide28.xml><?xml version="1.0" encoding="utf-8"?>
+<file path=ppt/slides/slide25.xml><?xml version="1.0" encoding="utf-8"?>
 <p:sld xmlns:a="http://schemas.openxmlformats.org/drawingml/2006/main" xmlns:r="http://schemas.openxmlformats.org/officeDocument/2006/relationships" xmlns:p="http://schemas.openxmlformats.org/presentationml/2006/main">
   <p:cSld>
     <p:spTree>
@@ -19065,7 +19354,7 @@
 </p:sld>
 </file>
 
-<file path=ppt/slides/slide29.xml><?xml version="1.0" encoding="utf-8"?>
+<file path=ppt/slides/slide26.xml><?xml version="1.0" encoding="utf-8"?>
 <p:sld xmlns:a="http://schemas.openxmlformats.org/drawingml/2006/main" xmlns:r="http://schemas.openxmlformats.org/officeDocument/2006/relationships" xmlns:p="http://schemas.openxmlformats.org/presentationml/2006/main">
   <p:cSld>
     <p:spTree>
@@ -19174,83 +19463,7 @@
 </p:sld>
 </file>
 
-<file path=ppt/slides/slide3.xml><?xml version="1.0" encoding="utf-8"?>
-<p:sld xmlns:a="http://schemas.openxmlformats.org/drawingml/2006/main" xmlns:r="http://schemas.openxmlformats.org/officeDocument/2006/relationships" xmlns:p="http://schemas.openxmlformats.org/presentationml/2006/main">
-  <p:cSld>
-    <p:spTree>
-      <p:nvGrpSpPr>
-        <p:cNvPr id="1" name=""/>
-        <p:cNvGrpSpPr/>
-        <p:nvPr/>
-      </p:nvGrpSpPr>
-      <p:grpSpPr>
-        <a:xfrm>
-          <a:off x="0" y="0"/>
-          <a:ext cx="0" cy="0"/>
-          <a:chOff x="0" y="0"/>
-          <a:chExt cx="0" cy="0"/>
-        </a:xfrm>
-      </p:grpSpPr>
-      <p:sp>
-        <p:nvSpPr>
-          <p:cNvPr id="4" name="標題 3"/>
-          <p:cNvSpPr>
-            <a:spLocks noGrp="1"/>
-          </p:cNvSpPr>
-          <p:nvPr>
-            <p:ph type="title"/>
-          </p:nvPr>
-        </p:nvSpPr>
-        <p:spPr/>
-        <p:txBody>
-          <a:bodyPr/>
-          <a:lstStyle/>
-          <a:p>
-            <a:r>
-              <a:rPr lang="zh-CN" altLang="en-US" dirty="0" smtClean="0"/>
-              <a:t>微服務配置中心</a:t>
-            </a:r>
-            <a:r>
-              <a:rPr lang="en-US" altLang="zh-CN" dirty="0" err="1" smtClean="0"/>
-              <a:t>Config</a:t>
-            </a:r>
-            <a:endParaRPr lang="en-US" altLang="zh-TW" dirty="0"/>
-          </a:p>
-        </p:txBody>
-      </p:sp>
-      <p:sp>
-        <p:nvSpPr>
-          <p:cNvPr id="5" name="文字版面配置區 4"/>
-          <p:cNvSpPr>
-            <a:spLocks noGrp="1"/>
-          </p:cNvSpPr>
-          <p:nvPr>
-            <p:ph type="body" idx="1"/>
-          </p:nvPr>
-        </p:nvSpPr>
-        <p:spPr/>
-        <p:txBody>
-          <a:bodyPr/>
-          <a:lstStyle/>
-          <a:p>
-            <a:endParaRPr lang="zh-TW" altLang="en-US" dirty="0"/>
-          </a:p>
-        </p:txBody>
-      </p:sp>
-    </p:spTree>
-    <p:extLst>
-      <p:ext uri="{BB962C8B-B14F-4D97-AF65-F5344CB8AC3E}">
-        <p14:creationId xmlns:p14="http://schemas.microsoft.com/office/powerpoint/2010/main" val="2740842326"/>
-      </p:ext>
-    </p:extLst>
-  </p:cSld>
-  <p:clrMapOvr>
-    <a:masterClrMapping/>
-  </p:clrMapOvr>
-</p:sld>
-</file>
-
-<file path=ppt/slides/slide30.xml><?xml version="1.0" encoding="utf-8"?>
+<file path=ppt/slides/slide27.xml><?xml version="1.0" encoding="utf-8"?>
 <p:sld xmlns:a="http://schemas.openxmlformats.org/drawingml/2006/main" xmlns:r="http://schemas.openxmlformats.org/officeDocument/2006/relationships" xmlns:p="http://schemas.openxmlformats.org/presentationml/2006/main">
   <p:cSld>
     <p:spTree>
@@ -19359,6 +19572,832 @@
 </p:sld>
 </file>
 
+<file path=ppt/slides/slide28.xml><?xml version="1.0" encoding="utf-8"?>
+<p:sld xmlns:a="http://schemas.openxmlformats.org/drawingml/2006/main" xmlns:r="http://schemas.openxmlformats.org/officeDocument/2006/relationships" xmlns:p="http://schemas.openxmlformats.org/presentationml/2006/main">
+  <p:cSld>
+    <p:spTree>
+      <p:nvGrpSpPr>
+        <p:cNvPr id="1" name=""/>
+        <p:cNvGrpSpPr/>
+        <p:nvPr/>
+      </p:nvGrpSpPr>
+      <p:grpSpPr>
+        <a:xfrm>
+          <a:off x="0" y="0"/>
+          <a:ext cx="0" cy="0"/>
+          <a:chOff x="0" y="0"/>
+          <a:chExt cx="0" cy="0"/>
+        </a:xfrm>
+      </p:grpSpPr>
+      <p:sp>
+        <p:nvSpPr>
+          <p:cNvPr id="2" name="標題 1"/>
+          <p:cNvSpPr>
+            <a:spLocks noGrp="1"/>
+          </p:cNvSpPr>
+          <p:nvPr>
+            <p:ph type="title"/>
+          </p:nvPr>
+        </p:nvSpPr>
+        <p:spPr/>
+        <p:txBody>
+          <a:bodyPr/>
+          <a:lstStyle/>
+          <a:p>
+            <a:r>
+              <a:rPr lang="en-US" altLang="zh-TW" dirty="0"/>
+              <a:t>Spring Cloud </a:t>
+            </a:r>
+            <a:r>
+              <a:rPr lang="en-US" altLang="zh-TW" dirty="0" err="1"/>
+              <a:t>Config</a:t>
+            </a:r>
+            <a:r>
+              <a:rPr lang="zh-CN" altLang="en-US" dirty="0"/>
+              <a:t>的自動化</a:t>
+            </a:r>
+            <a:r>
+              <a:rPr lang="zh-CN" altLang="en-US" dirty="0" smtClean="0"/>
+              <a:t>更新示意圖</a:t>
+            </a:r>
+            <a:endParaRPr lang="zh-TW" altLang="en-US" dirty="0"/>
+          </a:p>
+        </p:txBody>
+      </p:sp>
+      <p:sp>
+        <p:nvSpPr>
+          <p:cNvPr id="3" name="內容版面配置區 2"/>
+          <p:cNvSpPr>
+            <a:spLocks noGrp="1"/>
+          </p:cNvSpPr>
+          <p:nvPr>
+            <p:ph sz="quarter" idx="13"/>
+          </p:nvPr>
+        </p:nvSpPr>
+        <p:spPr/>
+        <p:txBody>
+          <a:bodyPr/>
+          <a:lstStyle/>
+          <a:p>
+            <a:endParaRPr lang="zh-TW" altLang="en-US" dirty="0"/>
+          </a:p>
+        </p:txBody>
+      </p:sp>
+      <p:pic>
+        <p:nvPicPr>
+          <p:cNvPr id="13" name="內容版面配置區 12"/>
+          <p:cNvPicPr>
+            <a:picLocks noGrp="1" noChangeAspect="1"/>
+          </p:cNvPicPr>
+          <p:nvPr>
+            <p:ph sz="half" idx="1"/>
+          </p:nvPr>
+        </p:nvPicPr>
+        <p:blipFill>
+          <a:blip r:embed="rId2">
+            <a:extLst>
+              <a:ext uri="{28A0092B-C50C-407E-A947-70E740481C1C}">
+                <a14:useLocalDpi xmlns:a14="http://schemas.microsoft.com/office/drawing/2010/main" val="0"/>
+              </a:ext>
+            </a:extLst>
+          </a:blip>
+          <a:stretch>
+            <a:fillRect/>
+          </a:stretch>
+        </p:blipFill>
+        <p:spPr>
+          <a:xfrm>
+            <a:off x="2602456" y="2044974"/>
+            <a:ext cx="7352845" cy="4246562"/>
+          </a:xfrm>
+        </p:spPr>
+      </p:pic>
+    </p:spTree>
+    <p:extLst>
+      <p:ext uri="{BB962C8B-B14F-4D97-AF65-F5344CB8AC3E}">
+        <p14:creationId xmlns:p14="http://schemas.microsoft.com/office/powerpoint/2010/main" val="3010760390"/>
+      </p:ext>
+    </p:extLst>
+  </p:cSld>
+  <p:clrMapOvr>
+    <a:masterClrMapping/>
+  </p:clrMapOvr>
+</p:sld>
+</file>
+
+<file path=ppt/slides/slide29.xml><?xml version="1.0" encoding="utf-8"?>
+<p:sld xmlns:a="http://schemas.openxmlformats.org/drawingml/2006/main" xmlns:r="http://schemas.openxmlformats.org/officeDocument/2006/relationships" xmlns:p="http://schemas.openxmlformats.org/presentationml/2006/main">
+  <p:cSld>
+    <p:spTree>
+      <p:nvGrpSpPr>
+        <p:cNvPr id="1" name=""/>
+        <p:cNvGrpSpPr/>
+        <p:nvPr/>
+      </p:nvGrpSpPr>
+      <p:grpSpPr>
+        <a:xfrm>
+          <a:off x="0" y="0"/>
+          <a:ext cx="0" cy="0"/>
+          <a:chOff x="0" y="0"/>
+          <a:chExt cx="0" cy="0"/>
+        </a:xfrm>
+      </p:grpSpPr>
+      <p:sp>
+        <p:nvSpPr>
+          <p:cNvPr id="2" name="標題 1"/>
+          <p:cNvSpPr>
+            <a:spLocks noGrp="1"/>
+          </p:cNvSpPr>
+          <p:nvPr>
+            <p:ph type="title"/>
+          </p:nvPr>
+        </p:nvSpPr>
+        <p:spPr/>
+        <p:txBody>
+          <a:bodyPr/>
+          <a:lstStyle/>
+          <a:p>
+            <a:r>
+              <a:rPr lang="en-US" altLang="zh-TW" dirty="0" err="1" smtClean="0"/>
+              <a:t>Config</a:t>
+            </a:r>
+            <a:r>
+              <a:rPr lang="en-US" altLang="zh-TW" dirty="0" smtClean="0"/>
+              <a:t> </a:t>
+            </a:r>
+            <a:r>
+              <a:rPr lang="zh-CN" altLang="en-US" dirty="0" smtClean="0"/>
+              <a:t>更新機制</a:t>
+            </a:r>
+            <a:endParaRPr lang="zh-TW" altLang="en-US" dirty="0"/>
+          </a:p>
+        </p:txBody>
+      </p:sp>
+      <p:sp>
+        <p:nvSpPr>
+          <p:cNvPr id="3" name="內容版面配置區 2"/>
+          <p:cNvSpPr>
+            <a:spLocks noGrp="1"/>
+          </p:cNvSpPr>
+          <p:nvPr>
+            <p:ph sz="quarter" idx="13"/>
+          </p:nvPr>
+        </p:nvSpPr>
+        <p:spPr/>
+        <p:txBody>
+          <a:bodyPr/>
+          <a:lstStyle/>
+          <a:p>
+            <a:endParaRPr lang="zh-TW" altLang="en-US" dirty="0"/>
+          </a:p>
+        </p:txBody>
+      </p:sp>
+      <p:sp>
+        <p:nvSpPr>
+          <p:cNvPr id="4" name="內容版面配置區 3"/>
+          <p:cNvSpPr>
+            <a:spLocks noGrp="1"/>
+          </p:cNvSpPr>
+          <p:nvPr>
+            <p:ph sz="half" idx="1"/>
+          </p:nvPr>
+        </p:nvSpPr>
+        <p:spPr/>
+        <p:txBody>
+          <a:bodyPr/>
+          <a:lstStyle/>
+          <a:p>
+            <a:endParaRPr lang="zh-TW" altLang="en-US" dirty="0"/>
+          </a:p>
+        </p:txBody>
+      </p:sp>
+      <p:sp>
+        <p:nvSpPr>
+          <p:cNvPr id="5" name="六邊形 4"/>
+          <p:cNvSpPr/>
+          <p:nvPr/>
+        </p:nvSpPr>
+        <p:spPr>
+          <a:xfrm>
+            <a:off x="5303520" y="2503710"/>
+            <a:ext cx="4310744" cy="3230884"/>
+          </a:xfrm>
+          <a:prstGeom prst="hexagon">
+            <a:avLst/>
+          </a:prstGeom>
+        </p:spPr>
+        <p:style>
+          <a:lnRef idx="2">
+            <a:schemeClr val="accent1">
+              <a:shade val="50000"/>
+            </a:schemeClr>
+          </a:lnRef>
+          <a:fillRef idx="1">
+            <a:schemeClr val="accent1"/>
+          </a:fillRef>
+          <a:effectRef idx="0">
+            <a:schemeClr val="accent1"/>
+          </a:effectRef>
+          <a:fontRef idx="minor">
+            <a:schemeClr val="lt1"/>
+          </a:fontRef>
+        </p:style>
+        <p:txBody>
+          <a:bodyPr rtlCol="0" anchor="ctr"/>
+          <a:lstStyle/>
+          <a:p>
+            <a:pPr algn="ctr"/>
+            <a:r>
+              <a:rPr lang="en-US" altLang="zh-TW" dirty="0" err="1" smtClean="0"/>
+              <a:t>ServiceA</a:t>
+            </a:r>
+            <a:endParaRPr lang="zh-TW" altLang="en-US" dirty="0"/>
+          </a:p>
+        </p:txBody>
+      </p:sp>
+      <p:sp>
+        <p:nvSpPr>
+          <p:cNvPr id="7" name="圓角矩形 6"/>
+          <p:cNvSpPr/>
+          <p:nvPr/>
+        </p:nvSpPr>
+        <p:spPr>
+          <a:xfrm>
+            <a:off x="6322424" y="4372778"/>
+            <a:ext cx="2272937" cy="1231188"/>
+          </a:xfrm>
+          <a:prstGeom prst="roundRect">
+            <a:avLst/>
+          </a:prstGeom>
+          <a:solidFill>
+            <a:schemeClr val="accent2"/>
+          </a:solidFill>
+        </p:spPr>
+        <p:style>
+          <a:lnRef idx="3">
+            <a:schemeClr val="lt1"/>
+          </a:lnRef>
+          <a:fillRef idx="1">
+            <a:schemeClr val="accent2"/>
+          </a:fillRef>
+          <a:effectRef idx="1">
+            <a:schemeClr val="accent2"/>
+          </a:effectRef>
+          <a:fontRef idx="minor">
+            <a:schemeClr val="lt1"/>
+          </a:fontRef>
+        </p:style>
+        <p:txBody>
+          <a:bodyPr rtlCol="0" anchor="ctr"/>
+          <a:lstStyle/>
+          <a:p>
+            <a:pPr algn="ctr"/>
+            <a:r>
+              <a:rPr lang="en-US" altLang="zh-TW" dirty="0" smtClean="0"/>
+              <a:t>@Refresh</a:t>
+            </a:r>
+          </a:p>
+          <a:p>
+            <a:pPr algn="ctr"/>
+            <a:r>
+              <a:rPr lang="en-US" altLang="zh-TW" dirty="0" smtClean="0"/>
+              <a:t>@Value(data)</a:t>
+            </a:r>
+            <a:endParaRPr lang="zh-TW" altLang="en-US" dirty="0"/>
+          </a:p>
+        </p:txBody>
+      </p:sp>
+      <p:cxnSp>
+        <p:nvCxnSpPr>
+          <p:cNvPr id="9" name="直線單箭頭接點 8"/>
+          <p:cNvCxnSpPr/>
+          <p:nvPr/>
+        </p:nvCxnSpPr>
+        <p:spPr>
+          <a:xfrm>
+            <a:off x="3474722" y="3579223"/>
+            <a:ext cx="3029116" cy="992777"/>
+          </a:xfrm>
+          <a:prstGeom prst="straightConnector1">
+            <a:avLst/>
+          </a:prstGeom>
+          <a:ln>
+            <a:tailEnd type="arrow"/>
+          </a:ln>
+        </p:spPr>
+        <p:style>
+          <a:lnRef idx="1">
+            <a:schemeClr val="accent2"/>
+          </a:lnRef>
+          <a:fillRef idx="0">
+            <a:schemeClr val="accent2"/>
+          </a:fillRef>
+          <a:effectRef idx="0">
+            <a:schemeClr val="accent2"/>
+          </a:effectRef>
+          <a:fontRef idx="minor">
+            <a:schemeClr val="tx1"/>
+          </a:fontRef>
+        </p:style>
+      </p:cxnSp>
+      <p:sp>
+        <p:nvSpPr>
+          <p:cNvPr id="11" name="矩形 10"/>
+          <p:cNvSpPr/>
+          <p:nvPr/>
+        </p:nvSpPr>
+        <p:spPr>
+          <a:xfrm>
+            <a:off x="1280160" y="2717074"/>
+            <a:ext cx="2194562" cy="653143"/>
+          </a:xfrm>
+          <a:prstGeom prst="rect">
+            <a:avLst/>
+          </a:prstGeom>
+        </p:spPr>
+        <p:style>
+          <a:lnRef idx="1">
+            <a:schemeClr val="dk1"/>
+          </a:lnRef>
+          <a:fillRef idx="2">
+            <a:schemeClr val="dk1"/>
+          </a:fillRef>
+          <a:effectRef idx="1">
+            <a:schemeClr val="dk1"/>
+          </a:effectRef>
+          <a:fontRef idx="minor">
+            <a:schemeClr val="dk1"/>
+          </a:fontRef>
+        </p:style>
+        <p:txBody>
+          <a:bodyPr rtlCol="0" anchor="ctr"/>
+          <a:lstStyle/>
+          <a:p>
+            <a:pPr algn="ctr"/>
+            <a:r>
+              <a:rPr lang="en-US" altLang="zh-TW" dirty="0" err="1" smtClean="0"/>
+              <a:t>SerciceA.properties</a:t>
+            </a:r>
+            <a:endParaRPr lang="zh-TW" altLang="en-US" dirty="0"/>
+          </a:p>
+        </p:txBody>
+      </p:sp>
+      <p:sp>
+        <p:nvSpPr>
+          <p:cNvPr id="13" name="矩形 12"/>
+          <p:cNvSpPr/>
+          <p:nvPr/>
+        </p:nvSpPr>
+        <p:spPr>
+          <a:xfrm>
+            <a:off x="1280160" y="3370217"/>
+            <a:ext cx="2194562" cy="1097280"/>
+          </a:xfrm>
+          <a:prstGeom prst="rect">
+            <a:avLst/>
+          </a:prstGeom>
+        </p:spPr>
+        <p:style>
+          <a:lnRef idx="2">
+            <a:schemeClr val="accent1">
+              <a:shade val="50000"/>
+            </a:schemeClr>
+          </a:lnRef>
+          <a:fillRef idx="1">
+            <a:schemeClr val="accent1"/>
+          </a:fillRef>
+          <a:effectRef idx="0">
+            <a:schemeClr val="accent1"/>
+          </a:effectRef>
+          <a:fontRef idx="minor">
+            <a:schemeClr val="lt1"/>
+          </a:fontRef>
+        </p:style>
+        <p:txBody>
+          <a:bodyPr rtlCol="0" anchor="ctr"/>
+          <a:lstStyle/>
+          <a:p>
+            <a:pPr algn="ctr"/>
+            <a:r>
+              <a:rPr lang="en-US" altLang="zh-TW" dirty="0"/>
+              <a:t>d</a:t>
+            </a:r>
+            <a:r>
+              <a:rPr lang="en-US" altLang="zh-TW" dirty="0" smtClean="0"/>
+              <a:t>ata = </a:t>
+            </a:r>
+            <a:r>
+              <a:rPr lang="en-US" altLang="zh-TW" dirty="0" smtClean="0">
+                <a:solidFill>
+                  <a:srgbClr val="FFFF00"/>
+                </a:solidFill>
+              </a:rPr>
+              <a:t>999</a:t>
+            </a:r>
+          </a:p>
+          <a:p>
+            <a:pPr algn="ctr"/>
+            <a:r>
+              <a:rPr lang="en-US" altLang="zh-TW" dirty="0" smtClean="0"/>
+              <a:t>spring.application.name=</a:t>
+            </a:r>
+            <a:r>
+              <a:rPr lang="en-US" altLang="zh-TW" dirty="0" err="1" smtClean="0">
+                <a:solidFill>
+                  <a:srgbClr val="FFFF00"/>
+                </a:solidFill>
+              </a:rPr>
+              <a:t>ServiceB</a:t>
+            </a:r>
+            <a:endParaRPr lang="zh-TW" altLang="en-US" dirty="0">
+              <a:solidFill>
+                <a:srgbClr val="FFFF00"/>
+              </a:solidFill>
+            </a:endParaRPr>
+          </a:p>
+        </p:txBody>
+      </p:sp>
+    </p:spTree>
+    <p:extLst>
+      <p:ext uri="{BB962C8B-B14F-4D97-AF65-F5344CB8AC3E}">
+        <p14:creationId xmlns:p14="http://schemas.microsoft.com/office/powerpoint/2010/main" val="3769116466"/>
+      </p:ext>
+    </p:extLst>
+  </p:cSld>
+  <p:clrMapOvr>
+    <a:masterClrMapping/>
+  </p:clrMapOvr>
+</p:sld>
+</file>
+
+<file path=ppt/slides/slide3.xml><?xml version="1.0" encoding="utf-8"?>
+<p:sld xmlns:a="http://schemas.openxmlformats.org/drawingml/2006/main" xmlns:r="http://schemas.openxmlformats.org/officeDocument/2006/relationships" xmlns:p="http://schemas.openxmlformats.org/presentationml/2006/main">
+  <p:cSld>
+    <p:spTree>
+      <p:nvGrpSpPr>
+        <p:cNvPr id="1" name=""/>
+        <p:cNvGrpSpPr/>
+        <p:nvPr/>
+      </p:nvGrpSpPr>
+      <p:grpSpPr>
+        <a:xfrm>
+          <a:off x="0" y="0"/>
+          <a:ext cx="0" cy="0"/>
+          <a:chOff x="0" y="0"/>
+          <a:chExt cx="0" cy="0"/>
+        </a:xfrm>
+      </p:grpSpPr>
+      <p:sp>
+        <p:nvSpPr>
+          <p:cNvPr id="4" name="標題 3"/>
+          <p:cNvSpPr>
+            <a:spLocks noGrp="1"/>
+          </p:cNvSpPr>
+          <p:nvPr>
+            <p:ph type="title"/>
+          </p:nvPr>
+        </p:nvSpPr>
+        <p:spPr/>
+        <p:txBody>
+          <a:bodyPr/>
+          <a:lstStyle/>
+          <a:p>
+            <a:r>
+              <a:rPr lang="zh-CN" altLang="en-US" dirty="0" smtClean="0"/>
+              <a:t>微服務配置中心</a:t>
+            </a:r>
+            <a:r>
+              <a:rPr lang="en-US" altLang="zh-CN" dirty="0" err="1" smtClean="0"/>
+              <a:t>Config</a:t>
+            </a:r>
+            <a:endParaRPr lang="en-US" altLang="zh-TW" dirty="0"/>
+          </a:p>
+        </p:txBody>
+      </p:sp>
+      <p:sp>
+        <p:nvSpPr>
+          <p:cNvPr id="5" name="文字版面配置區 4"/>
+          <p:cNvSpPr>
+            <a:spLocks noGrp="1"/>
+          </p:cNvSpPr>
+          <p:nvPr>
+            <p:ph type="body" idx="1"/>
+          </p:nvPr>
+        </p:nvSpPr>
+        <p:spPr/>
+        <p:txBody>
+          <a:bodyPr/>
+          <a:lstStyle/>
+          <a:p>
+            <a:endParaRPr lang="zh-TW" altLang="en-US" dirty="0"/>
+          </a:p>
+        </p:txBody>
+      </p:sp>
+    </p:spTree>
+    <p:extLst>
+      <p:ext uri="{BB962C8B-B14F-4D97-AF65-F5344CB8AC3E}">
+        <p14:creationId xmlns:p14="http://schemas.microsoft.com/office/powerpoint/2010/main" val="2740842326"/>
+      </p:ext>
+    </p:extLst>
+  </p:cSld>
+  <p:clrMapOvr>
+    <a:masterClrMapping/>
+  </p:clrMapOvr>
+</p:sld>
+</file>
+
+<file path=ppt/slides/slide30.xml><?xml version="1.0" encoding="utf-8"?>
+<p:sld xmlns:a="http://schemas.openxmlformats.org/drawingml/2006/main" xmlns:r="http://schemas.openxmlformats.org/officeDocument/2006/relationships" xmlns:p="http://schemas.openxmlformats.org/presentationml/2006/main">
+  <p:cSld>
+    <p:spTree>
+      <p:nvGrpSpPr>
+        <p:cNvPr id="1" name=""/>
+        <p:cNvGrpSpPr/>
+        <p:nvPr/>
+      </p:nvGrpSpPr>
+      <p:grpSpPr>
+        <a:xfrm>
+          <a:off x="0" y="0"/>
+          <a:ext cx="0" cy="0"/>
+          <a:chOff x="0" y="0"/>
+          <a:chExt cx="0" cy="0"/>
+        </a:xfrm>
+      </p:grpSpPr>
+      <p:sp>
+        <p:nvSpPr>
+          <p:cNvPr id="2" name="標題 1"/>
+          <p:cNvSpPr>
+            <a:spLocks noGrp="1"/>
+          </p:cNvSpPr>
+          <p:nvPr>
+            <p:ph type="title"/>
+          </p:nvPr>
+        </p:nvSpPr>
+        <p:spPr/>
+        <p:txBody>
+          <a:bodyPr/>
+          <a:lstStyle/>
+          <a:p>
+            <a:r>
+              <a:rPr lang="zh-CN" altLang="en-US" dirty="0" smtClean="0"/>
+              <a:t>應用場景</a:t>
+            </a:r>
+            <a:endParaRPr lang="zh-TW" altLang="en-US" dirty="0"/>
+          </a:p>
+        </p:txBody>
+      </p:sp>
+      <p:sp>
+        <p:nvSpPr>
+          <p:cNvPr id="3" name="內容版面配置區 2"/>
+          <p:cNvSpPr>
+            <a:spLocks noGrp="1"/>
+          </p:cNvSpPr>
+          <p:nvPr>
+            <p:ph sz="quarter" idx="13"/>
+          </p:nvPr>
+        </p:nvSpPr>
+        <p:spPr/>
+        <p:txBody>
+          <a:bodyPr/>
+          <a:lstStyle/>
+          <a:p>
+            <a:endParaRPr lang="zh-TW" altLang="en-US"/>
+          </a:p>
+        </p:txBody>
+      </p:sp>
+      <p:sp>
+        <p:nvSpPr>
+          <p:cNvPr id="4" name="內容版面配置區 3"/>
+          <p:cNvSpPr>
+            <a:spLocks noGrp="1"/>
+          </p:cNvSpPr>
+          <p:nvPr>
+            <p:ph sz="half" idx="1"/>
+          </p:nvPr>
+        </p:nvSpPr>
+        <p:spPr/>
+        <p:txBody>
+          <a:bodyPr/>
+          <a:lstStyle/>
+          <a:p>
+            <a:pPr marL="514350" indent="-514350">
+              <a:buAutoNum type="arabicPeriod"/>
+            </a:pPr>
+            <a:r>
+              <a:rPr lang="zh-CN" altLang="en-US" dirty="0" smtClean="0"/>
+              <a:t>進行</a:t>
+            </a:r>
+            <a:r>
+              <a:rPr lang="en-US" altLang="zh-CN" dirty="0" smtClean="0"/>
+              <a:t>@Value</a:t>
+            </a:r>
+            <a:r>
+              <a:rPr lang="zh-CN" altLang="en-US" dirty="0" smtClean="0"/>
+              <a:t>的更新</a:t>
+            </a:r>
+            <a:endParaRPr lang="en-US" altLang="zh-CN" dirty="0" smtClean="0"/>
+          </a:p>
+          <a:p>
+            <a:pPr marL="1200150" lvl="1" indent="-514350">
+              <a:buAutoNum type="arabicPeriod"/>
+            </a:pPr>
+            <a:r>
+              <a:rPr lang="zh-CN" altLang="en-US" dirty="0" smtClean="0"/>
+              <a:t>讀取資料，去更新</a:t>
+            </a:r>
+            <a:r>
+              <a:rPr lang="en-US" altLang="zh-CN" dirty="0" smtClean="0"/>
+              <a:t>Tag </a:t>
+            </a:r>
+            <a:r>
+              <a:rPr lang="zh-CN" altLang="en-US" dirty="0" smtClean="0"/>
+              <a:t>和 </a:t>
+            </a:r>
+            <a:r>
+              <a:rPr lang="en-US" altLang="zh-CN" dirty="0" smtClean="0"/>
+              <a:t>Metadata </a:t>
+            </a:r>
+            <a:r>
+              <a:rPr lang="zh-CN" altLang="en-US" dirty="0" smtClean="0">
+                <a:solidFill>
+                  <a:srgbClr val="0070C0"/>
+                </a:solidFill>
+              </a:rPr>
+              <a:t>（完成）</a:t>
+            </a:r>
+            <a:endParaRPr lang="en-US" altLang="zh-CN" dirty="0" smtClean="0">
+              <a:solidFill>
+                <a:srgbClr val="0070C0"/>
+              </a:solidFill>
+            </a:endParaRPr>
+          </a:p>
+          <a:p>
+            <a:pPr marL="1200150" lvl="1" indent="-514350">
+              <a:buAutoNum type="arabicPeriod"/>
+            </a:pPr>
+            <a:r>
+              <a:rPr lang="zh-CN" altLang="en-US" dirty="0"/>
+              <a:t>切換</a:t>
+            </a:r>
+            <a:r>
+              <a:rPr lang="en-US" altLang="zh-CN" dirty="0" err="1"/>
+              <a:t>Fliter</a:t>
+            </a:r>
+            <a:r>
+              <a:rPr lang="zh-CN" altLang="en-US" dirty="0"/>
+              <a:t>條件</a:t>
+            </a:r>
+            <a:r>
+              <a:rPr lang="zh-CN" altLang="en-US" dirty="0" smtClean="0"/>
+              <a:t>，替換</a:t>
+            </a:r>
+            <a:r>
+              <a:rPr lang="en-US" altLang="zh-CN" dirty="0" smtClean="0"/>
+              <a:t>Gateway </a:t>
+            </a:r>
+            <a:r>
+              <a:rPr lang="en-US" altLang="zh-CN" dirty="0" err="1" smtClean="0"/>
+              <a:t>Fliter</a:t>
+            </a:r>
+            <a:r>
+              <a:rPr lang="zh-CN" altLang="en-US" dirty="0" smtClean="0"/>
+              <a:t>中</a:t>
+            </a:r>
+            <a:r>
+              <a:rPr lang="en-US" altLang="zh-CN" dirty="0" err="1" smtClean="0"/>
+              <a:t>Loadbalaner</a:t>
+            </a:r>
+            <a:r>
+              <a:rPr lang="zh-CN" altLang="en-US" dirty="0" smtClean="0"/>
+              <a:t>的選擇條件 </a:t>
+            </a:r>
+            <a:r>
+              <a:rPr lang="zh-CN" altLang="en-US" dirty="0" smtClean="0">
+                <a:solidFill>
+                  <a:srgbClr val="0070C0"/>
+                </a:solidFill>
+              </a:rPr>
+              <a:t>（完成）</a:t>
+            </a:r>
+            <a:endParaRPr lang="en-US" altLang="zh-TW" dirty="0">
+              <a:solidFill>
+                <a:srgbClr val="0070C0"/>
+              </a:solidFill>
+            </a:endParaRPr>
+          </a:p>
+          <a:p>
+            <a:pPr marL="514350" indent="-514350">
+              <a:buAutoNum type="arabicPeriod"/>
+            </a:pPr>
+            <a:r>
+              <a:rPr lang="zh-CN" altLang="en-US" dirty="0" smtClean="0"/>
+              <a:t>進行</a:t>
+            </a:r>
+            <a:r>
+              <a:rPr lang="en-US" altLang="zh-CN" dirty="0" smtClean="0"/>
+              <a:t>@Value</a:t>
+            </a:r>
+            <a:r>
+              <a:rPr lang="zh-CN" altLang="en-US" smtClean="0"/>
+              <a:t>的注入到</a:t>
+            </a:r>
+            <a:endParaRPr lang="en-US" altLang="zh-CN" dirty="0"/>
+          </a:p>
+          <a:p>
+            <a:pPr marL="1200150" lvl="1" indent="-514350">
+              <a:buAutoNum type="arabicPeriod"/>
+            </a:pPr>
+            <a:r>
+              <a:rPr lang="zh-CN" altLang="en-US" dirty="0"/>
+              <a:t>更改連接資料庫</a:t>
+            </a:r>
+            <a:r>
+              <a:rPr lang="zh-CN" altLang="en-US" dirty="0" smtClean="0"/>
+              <a:t>，</a:t>
+            </a:r>
+            <a:r>
+              <a:rPr lang="en-US" altLang="zh-CN" dirty="0" smtClean="0"/>
+              <a:t>dev </a:t>
+            </a:r>
+            <a:r>
+              <a:rPr lang="zh-CN" altLang="en-US" dirty="0" smtClean="0"/>
+              <a:t>資料庫 </a:t>
+            </a:r>
+            <a:r>
+              <a:rPr lang="en-US" altLang="zh-CN" dirty="0" smtClean="0">
+                <a:sym typeface="Wingdings" panose="05000000000000000000" pitchFamily="2" charset="2"/>
+              </a:rPr>
+              <a:t>  pro </a:t>
+            </a:r>
+            <a:r>
+              <a:rPr lang="zh-CN" altLang="en-US" dirty="0" smtClean="0">
+                <a:sym typeface="Wingdings" panose="05000000000000000000" pitchFamily="2" charset="2"/>
+              </a:rPr>
+              <a:t>資料庫</a:t>
+            </a:r>
+            <a:r>
+              <a:rPr lang="en-US" altLang="zh-CN" dirty="0" smtClean="0"/>
+              <a:t> </a:t>
+            </a:r>
+            <a:r>
+              <a:rPr lang="zh-CN" altLang="en-US" dirty="0" smtClean="0">
+                <a:solidFill>
+                  <a:srgbClr val="0070C0"/>
+                </a:solidFill>
+              </a:rPr>
+              <a:t>（完成）</a:t>
+            </a:r>
+            <a:endParaRPr lang="en-US" altLang="zh-CN" dirty="0" smtClean="0">
+              <a:solidFill>
+                <a:srgbClr val="0070C0"/>
+              </a:solidFill>
+            </a:endParaRPr>
+          </a:p>
+          <a:p>
+            <a:pPr marL="1200150" lvl="1" indent="-514350">
+              <a:buAutoNum type="arabicPeriod"/>
+            </a:pPr>
+            <a:r>
+              <a:rPr lang="zh-CN" altLang="en-US" dirty="0" smtClean="0"/>
+              <a:t>更換</a:t>
+            </a:r>
+            <a:r>
+              <a:rPr lang="en-US" altLang="zh-CN" dirty="0" smtClean="0"/>
+              <a:t>Security</a:t>
+            </a:r>
+            <a:r>
+              <a:rPr lang="zh-CN" altLang="en-US" dirty="0" smtClean="0"/>
+              <a:t>的用戶和密碼</a:t>
+            </a:r>
+            <a:r>
+              <a:rPr lang="zh-CN" altLang="en-US" dirty="0" smtClean="0">
+                <a:solidFill>
+                  <a:srgbClr val="AE1E1E"/>
+                </a:solidFill>
+              </a:rPr>
+              <a:t>（未完成）</a:t>
+            </a:r>
+            <a:endParaRPr lang="en-US" altLang="zh-CN" dirty="0" smtClean="0">
+              <a:solidFill>
+                <a:srgbClr val="AE1E1E"/>
+              </a:solidFill>
+            </a:endParaRPr>
+          </a:p>
+        </p:txBody>
+      </p:sp>
+    </p:spTree>
+    <p:extLst>
+      <p:ext uri="{BB962C8B-B14F-4D97-AF65-F5344CB8AC3E}">
+        <p14:creationId xmlns:p14="http://schemas.microsoft.com/office/powerpoint/2010/main" val="632401859"/>
+      </p:ext>
+    </p:extLst>
+  </p:cSld>
+  <p:clrMapOvr>
+    <a:masterClrMapping/>
+  </p:clrMapOvr>
+</p:sld>
+</file>
+
 <file path=ppt/slides/slide31.xml><?xml version="1.0" encoding="utf-8"?>
 <p:sld xmlns:a="http://schemas.openxmlformats.org/drawingml/2006/main" xmlns:r="http://schemas.openxmlformats.org/officeDocument/2006/relationships" xmlns:p="http://schemas.openxmlformats.org/presentationml/2006/main">
   <p:cSld>
@@ -19393,15 +20432,46 @@
           <a:p>
             <a:r>
               <a:rPr lang="zh-CN" altLang="en-US" dirty="0"/>
-              <a:t>測試</a:t>
+              <a:t>場景一</a:t>
+            </a:r>
+            <a:r>
+              <a:rPr lang="en-US" altLang="zh-CN" dirty="0"/>
+              <a:t>——</a:t>
+            </a:r>
+            <a:r>
+              <a:rPr lang="zh-CN" altLang="en-US" dirty="0"/>
+              <a:t>讀取</a:t>
+            </a:r>
+            <a:r>
+              <a:rPr lang="zh-CN" altLang="en-US" dirty="0" smtClean="0"/>
+              <a:t>資料</a:t>
             </a:r>
             <a:endParaRPr lang="zh-TW" altLang="en-US" dirty="0"/>
+          </a:p>
+        </p:txBody>
+      </p:sp>
+      <p:sp>
+        <p:nvSpPr>
+          <p:cNvPr id="3" name="內容版面配置區 2"/>
+          <p:cNvSpPr>
+            <a:spLocks noGrp="1"/>
+          </p:cNvSpPr>
+          <p:nvPr>
+            <p:ph sz="quarter" idx="13"/>
+          </p:nvPr>
+        </p:nvSpPr>
+        <p:spPr/>
+        <p:txBody>
+          <a:bodyPr/>
+          <a:lstStyle/>
+          <a:p>
+            <a:endParaRPr lang="zh-TW" altLang="en-US"/>
           </a:p>
         </p:txBody>
       </p:sp>
       <p:pic>
         <p:nvPicPr>
-          <p:cNvPr id="5" name="內容版面配置區 4"/>
+          <p:cNvPr id="6" name="內容版面配置區 5"/>
           <p:cNvPicPr>
             <a:picLocks noGrp="1" noChangeAspect="1"/>
           </p:cNvPicPr>
@@ -19410,7 +20480,7 @@
           </p:nvPr>
         </p:nvPicPr>
         <p:blipFill>
-          <a:blip r:embed="rId2">
+          <a:blip r:embed="rId3">
             <a:extLst>
               <a:ext uri="{28A0092B-C50C-407E-A947-70E740481C1C}">
                 <a14:useLocalDpi xmlns:a14="http://schemas.microsoft.com/office/drawing/2010/main" val="0"/>
@@ -19423,44 +20493,15 @@
         </p:blipFill>
         <p:spPr>
           <a:xfrm>
-            <a:off x="838200" y="1781651"/>
-            <a:ext cx="6087325" cy="1514687"/>
-          </a:xfrm>
-        </p:spPr>
-      </p:pic>
-      <p:pic>
-        <p:nvPicPr>
-          <p:cNvPr id="10" name="內容版面配置區 9"/>
-          <p:cNvPicPr>
-            <a:picLocks noGrp="1" noChangeAspect="1"/>
-          </p:cNvPicPr>
-          <p:nvPr>
-            <p:ph sz="quarter" idx="13"/>
-          </p:nvPr>
-        </p:nvPicPr>
-        <p:blipFill>
-          <a:blip r:embed="rId3" cstate="print">
-            <a:extLst>
-              <a:ext uri="{28A0092B-C50C-407E-A947-70E740481C1C}">
-                <a14:useLocalDpi xmlns:a14="http://schemas.microsoft.com/office/drawing/2010/main" val="0"/>
-              </a:ext>
-            </a:extLst>
-          </a:blip>
-          <a:stretch>
-            <a:fillRect/>
-          </a:stretch>
-        </p:blipFill>
-        <p:spPr>
-          <a:xfrm>
-            <a:off x="838200" y="3099487"/>
-            <a:ext cx="7222855" cy="1616203"/>
+            <a:off x="2995179" y="2053152"/>
+            <a:ext cx="6201640" cy="4001059"/>
           </a:xfrm>
         </p:spPr>
       </p:pic>
     </p:spTree>
     <p:extLst>
       <p:ext uri="{BB962C8B-B14F-4D97-AF65-F5344CB8AC3E}">
-        <p14:creationId xmlns:p14="http://schemas.microsoft.com/office/powerpoint/2010/main" val="1875064959"/>
+        <p14:creationId xmlns:p14="http://schemas.microsoft.com/office/powerpoint/2010/main" val="3453163611"/>
       </p:ext>
     </p:extLst>
   </p:cSld>
@@ -19504,7 +20545,15 @@
           <a:p>
             <a:r>
               <a:rPr lang="zh-CN" altLang="en-US" dirty="0"/>
-              <a:t>測試</a:t>
+              <a:t>場景一</a:t>
+            </a:r>
+            <a:r>
+              <a:rPr lang="en-US" altLang="zh-CN" dirty="0"/>
+              <a:t>——</a:t>
+            </a:r>
+            <a:r>
+              <a:rPr lang="zh-CN" altLang="en-US" dirty="0"/>
+              <a:t>讀取資料</a:t>
             </a:r>
             <a:endParaRPr lang="zh-TW" altLang="en-US" dirty="0"/>
           </a:p>
@@ -19525,43 +20574,78 @@
           <a:bodyPr/>
           <a:lstStyle/>
           <a:p>
+            <a:endParaRPr lang="zh-TW" altLang="en-US"/>
+          </a:p>
+        </p:txBody>
+      </p:sp>
+      <p:sp>
+        <p:nvSpPr>
+          <p:cNvPr id="4" name="內容版面配置區 3"/>
+          <p:cNvSpPr>
+            <a:spLocks noGrp="1"/>
+          </p:cNvSpPr>
+          <p:nvPr>
+            <p:ph sz="half" idx="1"/>
+          </p:nvPr>
+        </p:nvSpPr>
+        <p:spPr/>
+        <p:txBody>
+          <a:bodyPr/>
+          <a:lstStyle/>
+          <a:p>
+            <a:r>
+              <a:rPr lang="en-US" altLang="zh-CN" dirty="0" err="1" smtClean="0"/>
+              <a:t>mallWeb-dev.properties</a:t>
+            </a:r>
+            <a:endParaRPr lang="en-US" altLang="zh-CN" dirty="0" smtClean="0"/>
+          </a:p>
+          <a:p>
+            <a:r>
+              <a:rPr lang="en-US" altLang="zh-TW" dirty="0" smtClean="0"/>
+              <a:t>	time = 10am-10pm</a:t>
+            </a:r>
+          </a:p>
+          <a:p>
+            <a:r>
+              <a:rPr lang="en-US" altLang="zh-TW" dirty="0"/>
+              <a:t>	</a:t>
+            </a:r>
+            <a:r>
+              <a:rPr lang="en-US" altLang="zh-TW" dirty="0" smtClean="0"/>
+              <a:t>food = Fish Salad</a:t>
+            </a:r>
+          </a:p>
+          <a:p>
+            <a:r>
+              <a:rPr lang="en-US" altLang="zh-TW" dirty="0" smtClean="0"/>
+              <a:t>mallWeb-test1.properties</a:t>
+            </a:r>
+          </a:p>
+          <a:p>
+            <a:r>
+              <a:rPr lang="en-US" altLang="zh-TW" dirty="0"/>
+              <a:t>	</a:t>
+            </a:r>
+            <a:r>
+              <a:rPr lang="en-US" altLang="zh-TW" dirty="0" smtClean="0"/>
+              <a:t>location = new </a:t>
+            </a:r>
+            <a:r>
+              <a:rPr lang="en-US" altLang="zh-TW" dirty="0" err="1" smtClean="0"/>
+              <a:t>taipei</a:t>
+            </a:r>
+            <a:r>
+              <a:rPr lang="en-US" altLang="zh-TW" dirty="0" smtClean="0"/>
+              <a:t> city</a:t>
+            </a:r>
             <a:endParaRPr lang="zh-TW" altLang="en-US" dirty="0"/>
           </a:p>
         </p:txBody>
       </p:sp>
-      <p:pic>
-        <p:nvPicPr>
-          <p:cNvPr id="5" name="內容版面配置區 4"/>
-          <p:cNvPicPr>
-            <a:picLocks noGrp="1" noChangeAspect="1"/>
-          </p:cNvPicPr>
-          <p:nvPr>
-            <p:ph sz="half" idx="1"/>
-          </p:nvPr>
-        </p:nvPicPr>
-        <p:blipFill>
-          <a:blip r:embed="rId2">
-            <a:extLst>
-              <a:ext uri="{28A0092B-C50C-407E-A947-70E740481C1C}">
-                <a14:useLocalDpi xmlns:a14="http://schemas.microsoft.com/office/drawing/2010/main" val="0"/>
-              </a:ext>
-            </a:extLst>
-          </a:blip>
-          <a:stretch>
-            <a:fillRect/>
-          </a:stretch>
-        </p:blipFill>
-        <p:spPr>
-          <a:xfrm>
-            <a:off x="1237349" y="1967415"/>
-            <a:ext cx="9011908" cy="4172533"/>
-          </a:xfrm>
-        </p:spPr>
-      </p:pic>
     </p:spTree>
     <p:extLst>
       <p:ext uri="{BB962C8B-B14F-4D97-AF65-F5344CB8AC3E}">
-        <p14:creationId xmlns:p14="http://schemas.microsoft.com/office/powerpoint/2010/main" val="2497242871"/>
+        <p14:creationId xmlns:p14="http://schemas.microsoft.com/office/powerpoint/2010/main" val="2506203887"/>
       </p:ext>
     </p:extLst>
   </p:cSld>
@@ -19605,28 +20689,17 @@
           <a:p>
             <a:r>
               <a:rPr lang="zh-CN" altLang="en-US" dirty="0"/>
-              <a:t>測試</a:t>
+              <a:t>場景一</a:t>
+            </a:r>
+            <a:r>
+              <a:rPr lang="en-US" altLang="zh-CN" dirty="0"/>
+              <a:t>——</a:t>
+            </a:r>
+            <a:r>
+              <a:rPr lang="zh-CN" altLang="en-US" dirty="0"/>
+              <a:t>讀取資料</a:t>
             </a:r>
             <a:endParaRPr lang="zh-TW" altLang="en-US" dirty="0"/>
-          </a:p>
-        </p:txBody>
-      </p:sp>
-      <p:sp>
-        <p:nvSpPr>
-          <p:cNvPr id="3" name="內容版面配置區 2"/>
-          <p:cNvSpPr>
-            <a:spLocks noGrp="1"/>
-          </p:cNvSpPr>
-          <p:nvPr>
-            <p:ph sz="quarter" idx="13"/>
-          </p:nvPr>
-        </p:nvSpPr>
-        <p:spPr/>
-        <p:txBody>
-          <a:bodyPr/>
-          <a:lstStyle/>
-          <a:p>
-            <a:endParaRPr lang="zh-TW" altLang="en-US"/>
           </a:p>
         </p:txBody>
       </p:sp>
@@ -19639,6 +20712,52 @@
           <p:nvPr>
             <p:ph sz="half" idx="1"/>
           </p:nvPr>
+        </p:nvPicPr>
+        <p:blipFill>
+          <a:blip r:embed="rId2">
+            <a:extLst>
+              <a:ext uri="{28A0092B-C50C-407E-A947-70E740481C1C}">
+                <a14:useLocalDpi xmlns:a14="http://schemas.microsoft.com/office/drawing/2010/main" val="0"/>
+              </a:ext>
+            </a:extLst>
+          </a:blip>
+          <a:stretch>
+            <a:fillRect/>
+          </a:stretch>
+        </p:blipFill>
+        <p:spPr>
+          <a:xfrm>
+            <a:off x="3150325" y="1891396"/>
+            <a:ext cx="3581900" cy="1581371"/>
+          </a:xfrm>
+        </p:spPr>
+      </p:pic>
+      <p:sp>
+        <p:nvSpPr>
+          <p:cNvPr id="7" name="內容版面配置區 6"/>
+          <p:cNvSpPr>
+            <a:spLocks noGrp="1"/>
+          </p:cNvSpPr>
+          <p:nvPr>
+            <p:ph sz="quarter" idx="13"/>
+          </p:nvPr>
+        </p:nvSpPr>
+        <p:spPr/>
+        <p:txBody>
+          <a:bodyPr/>
+          <a:lstStyle/>
+          <a:p>
+            <a:endParaRPr lang="zh-TW" altLang="en-US"/>
+          </a:p>
+        </p:txBody>
+      </p:sp>
+      <p:pic>
+        <p:nvPicPr>
+          <p:cNvPr id="9" name="內容版面配置區 4"/>
+          <p:cNvPicPr>
+            <a:picLocks noChangeAspect="1"/>
+          </p:cNvPicPr>
+          <p:nvPr/>
         </p:nvPicPr>
         <p:blipFill>
           <a:blip r:embed="rId3">
@@ -19654,15 +20773,58 @@
         </p:blipFill>
         <p:spPr>
           <a:xfrm>
-            <a:off x="1264175" y="2459310"/>
-            <a:ext cx="8281635" cy="2752769"/>
+            <a:off x="3150325" y="4712571"/>
+            <a:ext cx="3581900" cy="1410265"/>
           </a:xfrm>
+          <a:prstGeom prst="rect">
+            <a:avLst/>
+          </a:prstGeom>
         </p:spPr>
       </p:pic>
+      <p:sp>
+        <p:nvSpPr>
+          <p:cNvPr id="10" name="向下箭號 9"/>
+          <p:cNvSpPr/>
+          <p:nvPr/>
+        </p:nvSpPr>
+        <p:spPr>
+          <a:xfrm>
+            <a:off x="4926454" y="3592285"/>
+            <a:ext cx="388371" cy="858889"/>
+          </a:xfrm>
+          <a:prstGeom prst="downArrow">
+            <a:avLst/>
+          </a:prstGeom>
+        </p:spPr>
+        <p:style>
+          <a:lnRef idx="2">
+            <a:schemeClr val="accent1">
+              <a:shade val="50000"/>
+            </a:schemeClr>
+          </a:lnRef>
+          <a:fillRef idx="1">
+            <a:schemeClr val="accent1"/>
+          </a:fillRef>
+          <a:effectRef idx="0">
+            <a:schemeClr val="accent1"/>
+          </a:effectRef>
+          <a:fontRef idx="minor">
+            <a:schemeClr val="lt1"/>
+          </a:fontRef>
+        </p:style>
+        <p:txBody>
+          <a:bodyPr rtlCol="0" anchor="ctr"/>
+          <a:lstStyle/>
+          <a:p>
+            <a:pPr algn="ctr"/>
+            <a:endParaRPr lang="zh-TW" altLang="en-US"/>
+          </a:p>
+        </p:txBody>
+      </p:sp>
     </p:spTree>
     <p:extLst>
       <p:ext uri="{BB962C8B-B14F-4D97-AF65-F5344CB8AC3E}">
-        <p14:creationId xmlns:p14="http://schemas.microsoft.com/office/powerpoint/2010/main" val="3453163611"/>
+        <p14:creationId xmlns:p14="http://schemas.microsoft.com/office/powerpoint/2010/main" val="3640900908"/>
       </p:ext>
     </p:extLst>
   </p:cSld>
@@ -19691,41 +20853,43 @@
       </p:grpSpPr>
       <p:sp>
         <p:nvSpPr>
-          <p:cNvPr id="4" name="標題 3"/>
-          <p:cNvSpPr>
-            <a:spLocks noGrp="1"/>
-          </p:cNvSpPr>
-          <p:nvPr>
-            <p:ph type="ctrTitle"/>
+          <p:cNvPr id="2" name="標題 1"/>
+          <p:cNvSpPr>
+            <a:spLocks noGrp="1"/>
+          </p:cNvSpPr>
+          <p:nvPr>
+            <p:ph type="title"/>
           </p:nvPr>
         </p:nvSpPr>
         <p:spPr/>
         <p:txBody>
-          <a:bodyPr>
-            <a:normAutofit/>
-          </a:bodyPr>
-          <a:lstStyle/>
-          <a:p>
-            <a:r>
-              <a:rPr lang="en-US" altLang="zh-TW" sz="6600" dirty="0">
-                <a:latin typeface="Tw Cen MT" pitchFamily="34" charset="0"/>
-              </a:rPr>
-              <a:t>Thank You</a:t>
-            </a:r>
-            <a:endParaRPr lang="zh-TW" altLang="en-US" sz="6600" dirty="0">
-              <a:latin typeface="Tw Cen MT" pitchFamily="34" charset="0"/>
-            </a:endParaRPr>
-          </a:p>
-        </p:txBody>
-      </p:sp>
-      <p:sp>
-        <p:nvSpPr>
-          <p:cNvPr id="6" name="副標題 5"/>
-          <p:cNvSpPr>
-            <a:spLocks noGrp="1"/>
-          </p:cNvSpPr>
-          <p:nvPr>
-            <p:ph type="subTitle" idx="1"/>
+          <a:bodyPr/>
+          <a:lstStyle/>
+          <a:p>
+            <a:r>
+              <a:rPr lang="zh-CN" altLang="en-US" dirty="0" smtClean="0"/>
+              <a:t>場景二</a:t>
+            </a:r>
+            <a:r>
+              <a:rPr lang="en-US" altLang="zh-CN" dirty="0" smtClean="0"/>
+              <a:t>——</a:t>
+            </a:r>
+            <a:r>
+              <a:rPr lang="zh-CN" altLang="en-US" dirty="0" smtClean="0"/>
+              <a:t>更改連接資料庫</a:t>
+            </a:r>
+            <a:endParaRPr lang="zh-TW" altLang="en-US" dirty="0"/>
+          </a:p>
+        </p:txBody>
+      </p:sp>
+      <p:sp>
+        <p:nvSpPr>
+          <p:cNvPr id="3" name="內容版面配置區 2"/>
+          <p:cNvSpPr>
+            <a:spLocks noGrp="1"/>
+          </p:cNvSpPr>
+          <p:nvPr>
+            <p:ph sz="quarter" idx="13"/>
           </p:nvPr>
         </p:nvSpPr>
         <p:spPr/>
@@ -19733,75 +20897,1676 @@
           <a:bodyPr/>
           <a:lstStyle/>
           <a:p>
-            <a:r>
-              <a:rPr lang="en-US" altLang="zh-TW" sz="2800" b="0" dirty="0" smtClean="0">
-                <a:latin typeface="Tw Cen MT" pitchFamily="34" charset="0"/>
-              </a:rPr>
-              <a:t>Q</a:t>
-            </a:r>
-            <a:r>
-              <a:rPr lang="zh-TW" altLang="en-US" sz="2800" b="0" dirty="0" smtClean="0">
-                <a:latin typeface="Tw Cen MT" pitchFamily="34" charset="0"/>
-              </a:rPr>
-              <a:t> </a:t>
-            </a:r>
-            <a:r>
-              <a:rPr lang="en-US" altLang="zh-TW" sz="2800" b="0" dirty="0">
-                <a:latin typeface="Tw Cen MT" pitchFamily="34" charset="0"/>
-              </a:rPr>
-              <a:t>&amp;</a:t>
-            </a:r>
-            <a:r>
-              <a:rPr lang="zh-TW" altLang="en-US" sz="2800" b="0" dirty="0">
-                <a:latin typeface="Tw Cen MT" pitchFamily="34" charset="0"/>
-              </a:rPr>
-              <a:t> </a:t>
-            </a:r>
-            <a:r>
-              <a:rPr lang="en-US" altLang="zh-TW" sz="2800" b="0" dirty="0">
-                <a:latin typeface="Tw Cen MT" pitchFamily="34" charset="0"/>
-              </a:rPr>
-              <a:t>A</a:t>
-            </a:r>
-            <a:endParaRPr lang="zh-TW" altLang="en-US" b="0" dirty="0">
-              <a:latin typeface="Tw Cen MT" pitchFamily="34" charset="0"/>
-            </a:endParaRPr>
-          </a:p>
-        </p:txBody>
-      </p:sp>
-      <p:sp>
-        <p:nvSpPr>
-          <p:cNvPr id="7" name="文字版面配置區 6"/>
-          <p:cNvSpPr>
-            <a:spLocks noGrp="1"/>
-          </p:cNvSpPr>
-          <p:nvPr>
-            <p:ph type="body" sz="quarter" idx="13"/>
-          </p:nvPr>
-        </p:nvSpPr>
-        <p:spPr/>
-        <p:txBody>
-          <a:bodyPr>
-            <a:normAutofit lnSpcReduction="10000"/>
-          </a:bodyPr>
-          <a:lstStyle/>
-          <a:p>
-            <a:r>
-              <a:rPr lang="en-US" altLang="zh-TW" dirty="0"/>
-              <a:t>By </a:t>
-            </a:r>
-            <a:r>
-              <a:rPr lang="en-US" altLang="zh-CN" dirty="0"/>
-              <a:t>Moon</a:t>
-            </a:r>
-            <a:endParaRPr lang="zh-TW" altLang="en-US" dirty="0"/>
-          </a:p>
-        </p:txBody>
-      </p:sp>
+            <a:endParaRPr lang="zh-TW" altLang="en-US"/>
+          </a:p>
+        </p:txBody>
+      </p:sp>
+      <p:pic>
+        <p:nvPicPr>
+          <p:cNvPr id="7" name="內容版面配置區 6"/>
+          <p:cNvPicPr>
+            <a:picLocks noGrp="1" noChangeAspect="1"/>
+          </p:cNvPicPr>
+          <p:nvPr>
+            <p:ph sz="half" idx="1"/>
+          </p:nvPr>
+        </p:nvPicPr>
+        <p:blipFill>
+          <a:blip r:embed="rId3">
+            <a:extLst>
+              <a:ext uri="{28A0092B-C50C-407E-A947-70E740481C1C}">
+                <a14:useLocalDpi xmlns:a14="http://schemas.microsoft.com/office/drawing/2010/main" val="0"/>
+              </a:ext>
+            </a:extLst>
+          </a:blip>
+          <a:stretch>
+            <a:fillRect/>
+          </a:stretch>
+        </p:blipFill>
+        <p:spPr>
+          <a:xfrm>
+            <a:off x="838199" y="1692277"/>
+            <a:ext cx="5431971" cy="4830644"/>
+          </a:xfrm>
+        </p:spPr>
+      </p:pic>
     </p:spTree>
     <p:extLst>
       <p:ext uri="{BB962C8B-B14F-4D97-AF65-F5344CB8AC3E}">
-        <p14:creationId xmlns:p14="http://schemas.microsoft.com/office/powerpoint/2010/main" val="3310412145"/>
+        <p14:creationId xmlns:p14="http://schemas.microsoft.com/office/powerpoint/2010/main" val="218993306"/>
+      </p:ext>
+    </p:extLst>
+  </p:cSld>
+  <p:clrMapOvr>
+    <a:masterClrMapping/>
+  </p:clrMapOvr>
+</p:sld>
+</file>
+
+<file path=ppt/slides/slide35.xml><?xml version="1.0" encoding="utf-8"?>
+<p:sld xmlns:a="http://schemas.openxmlformats.org/drawingml/2006/main" xmlns:r="http://schemas.openxmlformats.org/officeDocument/2006/relationships" xmlns:p="http://schemas.openxmlformats.org/presentationml/2006/main">
+  <p:cSld>
+    <p:spTree>
+      <p:nvGrpSpPr>
+        <p:cNvPr id="1" name=""/>
+        <p:cNvGrpSpPr/>
+        <p:nvPr/>
+      </p:nvGrpSpPr>
+      <p:grpSpPr>
+        <a:xfrm>
+          <a:off x="0" y="0"/>
+          <a:ext cx="0" cy="0"/>
+          <a:chOff x="0" y="0"/>
+          <a:chExt cx="0" cy="0"/>
+        </a:xfrm>
+      </p:grpSpPr>
+      <p:sp>
+        <p:nvSpPr>
+          <p:cNvPr id="2" name="標題 1"/>
+          <p:cNvSpPr>
+            <a:spLocks noGrp="1"/>
+          </p:cNvSpPr>
+          <p:nvPr>
+            <p:ph type="title"/>
+          </p:nvPr>
+        </p:nvSpPr>
+        <p:spPr/>
+        <p:txBody>
+          <a:bodyPr/>
+          <a:lstStyle/>
+          <a:p>
+            <a:r>
+              <a:rPr lang="zh-CN" altLang="en-US" dirty="0" smtClean="0"/>
+              <a:t>場景二</a:t>
+            </a:r>
+            <a:r>
+              <a:rPr lang="en-US" altLang="zh-CN" dirty="0" smtClean="0"/>
+              <a:t>——</a:t>
+            </a:r>
+            <a:r>
+              <a:rPr lang="zh-CN" altLang="en-US" dirty="0" smtClean="0"/>
+              <a:t>更改連接資料庫</a:t>
+            </a:r>
+            <a:endParaRPr lang="zh-TW" altLang="en-US" dirty="0"/>
+          </a:p>
+        </p:txBody>
+      </p:sp>
+      <p:sp>
+        <p:nvSpPr>
+          <p:cNvPr id="3" name="內容版面配置區 2"/>
+          <p:cNvSpPr>
+            <a:spLocks noGrp="1"/>
+          </p:cNvSpPr>
+          <p:nvPr>
+            <p:ph sz="quarter" idx="13"/>
+          </p:nvPr>
+        </p:nvSpPr>
+        <p:spPr/>
+        <p:txBody>
+          <a:bodyPr/>
+          <a:lstStyle/>
+          <a:p>
+            <a:endParaRPr lang="zh-TW" altLang="en-US"/>
+          </a:p>
+        </p:txBody>
+      </p:sp>
+      <p:sp>
+        <p:nvSpPr>
+          <p:cNvPr id="4" name="內容版面配置區 3"/>
+          <p:cNvSpPr>
+            <a:spLocks noGrp="1"/>
+          </p:cNvSpPr>
+          <p:nvPr>
+            <p:ph sz="half" idx="1"/>
+          </p:nvPr>
+        </p:nvSpPr>
+        <p:spPr/>
+        <p:txBody>
+          <a:bodyPr/>
+          <a:lstStyle/>
+          <a:p>
+            <a:r>
+              <a:rPr lang="en-US" altLang="zh-CN" dirty="0" err="1"/>
+              <a:t>mallWeb-dev.properties</a:t>
+            </a:r>
+            <a:endParaRPr lang="en-US" altLang="zh-CN" dirty="0"/>
+          </a:p>
+          <a:p>
+            <a:r>
+              <a:rPr lang="en-US" altLang="zh-TW" dirty="0"/>
+              <a:t>	</a:t>
+            </a:r>
+            <a:r>
+              <a:rPr lang="en-US" altLang="zh-TW" dirty="0" smtClean="0"/>
+              <a:t>jdbc.url= mysql://localhost:3306/mysql_usa</a:t>
+            </a:r>
+            <a:endParaRPr lang="en-US" altLang="zh-TW" dirty="0"/>
+          </a:p>
+          <a:p>
+            <a:r>
+              <a:rPr lang="en-US" altLang="zh-TW" dirty="0"/>
+              <a:t>	</a:t>
+            </a:r>
+            <a:r>
+              <a:rPr lang="en-US" altLang="zh-TW" dirty="0" err="1" smtClean="0"/>
+              <a:t>jdbc.driver</a:t>
+            </a:r>
+            <a:r>
+              <a:rPr lang="en-US" altLang="zh-TW" dirty="0" smtClean="0"/>
+              <a:t> </a:t>
+            </a:r>
+            <a:r>
+              <a:rPr lang="en-US" altLang="zh-TW" dirty="0"/>
+              <a:t>= </a:t>
+            </a:r>
+            <a:r>
+              <a:rPr lang="en-US" altLang="zh-TW" dirty="0" err="1" smtClean="0"/>
+              <a:t>com.mysql.cj.jdbc.Driver</a:t>
+            </a:r>
+            <a:endParaRPr lang="en-US" altLang="zh-TW" dirty="0"/>
+          </a:p>
+          <a:p>
+            <a:r>
+              <a:rPr lang="en-US" altLang="zh-TW" dirty="0"/>
+              <a:t>	</a:t>
+            </a:r>
+            <a:r>
+              <a:rPr lang="en-US" altLang="zh-TW" dirty="0" smtClean="0"/>
+              <a:t>username </a:t>
+            </a:r>
+            <a:r>
+              <a:rPr lang="en-US" altLang="zh-TW" dirty="0"/>
+              <a:t>= </a:t>
+            </a:r>
+            <a:r>
+              <a:rPr lang="en-US" altLang="zh-TW" dirty="0" smtClean="0"/>
+              <a:t>root</a:t>
+            </a:r>
+          </a:p>
+          <a:p>
+            <a:r>
+              <a:rPr lang="en-US" altLang="zh-TW" dirty="0"/>
+              <a:t>	</a:t>
+            </a:r>
+            <a:r>
+              <a:rPr lang="en-US" altLang="zh-TW" dirty="0" smtClean="0"/>
+              <a:t>password = *********</a:t>
+            </a:r>
+            <a:endParaRPr lang="zh-TW" altLang="en-US" dirty="0"/>
+          </a:p>
+          <a:p>
+            <a:endParaRPr lang="zh-TW" altLang="en-US" dirty="0"/>
+          </a:p>
+        </p:txBody>
+      </p:sp>
+    </p:spTree>
+    <p:extLst>
+      <p:ext uri="{BB962C8B-B14F-4D97-AF65-F5344CB8AC3E}">
+        <p14:creationId xmlns:p14="http://schemas.microsoft.com/office/powerpoint/2010/main" val="996736565"/>
+      </p:ext>
+    </p:extLst>
+  </p:cSld>
+  <p:clrMapOvr>
+    <a:masterClrMapping/>
+  </p:clrMapOvr>
+</p:sld>
+</file>
+
+<file path=ppt/slides/slide36.xml><?xml version="1.0" encoding="utf-8"?>
+<p:sld xmlns:a="http://schemas.openxmlformats.org/drawingml/2006/main" xmlns:r="http://schemas.openxmlformats.org/officeDocument/2006/relationships" xmlns:p="http://schemas.openxmlformats.org/presentationml/2006/main">
+  <p:cSld>
+    <p:spTree>
+      <p:nvGrpSpPr>
+        <p:cNvPr id="1" name=""/>
+        <p:cNvGrpSpPr/>
+        <p:nvPr/>
+      </p:nvGrpSpPr>
+      <p:grpSpPr>
+        <a:xfrm>
+          <a:off x="0" y="0"/>
+          <a:ext cx="0" cy="0"/>
+          <a:chOff x="0" y="0"/>
+          <a:chExt cx="0" cy="0"/>
+        </a:xfrm>
+      </p:grpSpPr>
+      <p:sp>
+        <p:nvSpPr>
+          <p:cNvPr id="2" name="標題 1"/>
+          <p:cNvSpPr>
+            <a:spLocks noGrp="1"/>
+          </p:cNvSpPr>
+          <p:nvPr>
+            <p:ph type="title"/>
+          </p:nvPr>
+        </p:nvSpPr>
+        <p:spPr/>
+        <p:txBody>
+          <a:bodyPr/>
+          <a:lstStyle/>
+          <a:p>
+            <a:r>
+              <a:rPr lang="zh-CN" altLang="en-US" dirty="0" smtClean="0"/>
+              <a:t>場景二</a:t>
+            </a:r>
+            <a:r>
+              <a:rPr lang="en-US" altLang="zh-CN" dirty="0" smtClean="0"/>
+              <a:t>——</a:t>
+            </a:r>
+            <a:r>
+              <a:rPr lang="zh-CN" altLang="en-US" dirty="0" smtClean="0"/>
+              <a:t>更改連接資料庫</a:t>
+            </a:r>
+            <a:endParaRPr lang="zh-TW" altLang="en-US" dirty="0"/>
+          </a:p>
+        </p:txBody>
+      </p:sp>
+      <p:pic>
+        <p:nvPicPr>
+          <p:cNvPr id="7" name="內容版面配置區 6"/>
+          <p:cNvPicPr>
+            <a:picLocks noGrp="1" noChangeAspect="1"/>
+          </p:cNvPicPr>
+          <p:nvPr>
+            <p:ph sz="half" idx="1"/>
+          </p:nvPr>
+        </p:nvPicPr>
+        <p:blipFill>
+          <a:blip r:embed="rId3">
+            <a:extLst>
+              <a:ext uri="{28A0092B-C50C-407E-A947-70E740481C1C}">
+                <a14:useLocalDpi xmlns:a14="http://schemas.microsoft.com/office/drawing/2010/main" val="0"/>
+              </a:ext>
+            </a:extLst>
+          </a:blip>
+          <a:stretch>
+            <a:fillRect/>
+          </a:stretch>
+        </p:blipFill>
+        <p:spPr>
+          <a:xfrm>
+            <a:off x="1402847" y="4208456"/>
+            <a:ext cx="3477111" cy="752580"/>
+          </a:xfrm>
+        </p:spPr>
+      </p:pic>
+      <p:sp>
+        <p:nvSpPr>
+          <p:cNvPr id="6" name="內容版面配置區 5"/>
+          <p:cNvSpPr>
+            <a:spLocks noGrp="1"/>
+          </p:cNvSpPr>
+          <p:nvPr>
+            <p:ph sz="quarter" idx="13"/>
+          </p:nvPr>
+        </p:nvSpPr>
+        <p:spPr/>
+        <p:txBody>
+          <a:bodyPr/>
+          <a:lstStyle/>
+          <a:p>
+            <a:endParaRPr lang="zh-TW" altLang="en-US"/>
+          </a:p>
+        </p:txBody>
+      </p:sp>
+      <p:pic>
+        <p:nvPicPr>
+          <p:cNvPr id="8" name="內容版面配置區 6"/>
+          <p:cNvPicPr>
+            <a:picLocks noChangeAspect="1"/>
+          </p:cNvPicPr>
+          <p:nvPr/>
+        </p:nvPicPr>
+        <p:blipFill>
+          <a:blip r:embed="rId4">
+            <a:extLst>
+              <a:ext uri="{28A0092B-C50C-407E-A947-70E740481C1C}">
+                <a14:useLocalDpi xmlns:a14="http://schemas.microsoft.com/office/drawing/2010/main" val="0"/>
+              </a:ext>
+            </a:extLst>
+          </a:blip>
+          <a:stretch>
+            <a:fillRect/>
+          </a:stretch>
+        </p:blipFill>
+        <p:spPr>
+          <a:xfrm>
+            <a:off x="1402847" y="2874737"/>
+            <a:ext cx="3477111" cy="706148"/>
+          </a:xfrm>
+          <a:prstGeom prst="rect">
+            <a:avLst/>
+          </a:prstGeom>
+        </p:spPr>
+      </p:pic>
+      <p:pic>
+        <p:nvPicPr>
+          <p:cNvPr id="9" name="內容版面配置區 6"/>
+          <p:cNvPicPr>
+            <a:picLocks noChangeAspect="1"/>
+          </p:cNvPicPr>
+          <p:nvPr/>
+        </p:nvPicPr>
+        <p:blipFill>
+          <a:blip r:embed="rId5">
+            <a:extLst>
+              <a:ext uri="{28A0092B-C50C-407E-A947-70E740481C1C}">
+                <a14:useLocalDpi xmlns:a14="http://schemas.microsoft.com/office/drawing/2010/main" val="0"/>
+              </a:ext>
+            </a:extLst>
+          </a:blip>
+          <a:stretch>
+            <a:fillRect/>
+          </a:stretch>
+        </p:blipFill>
+        <p:spPr>
+          <a:xfrm>
+            <a:off x="5394763" y="4234740"/>
+            <a:ext cx="3200364" cy="752580"/>
+          </a:xfrm>
+          <a:prstGeom prst="rect">
+            <a:avLst/>
+          </a:prstGeom>
+        </p:spPr>
+      </p:pic>
+      <p:pic>
+        <p:nvPicPr>
+          <p:cNvPr id="10" name="內容版面配置區 6"/>
+          <p:cNvPicPr>
+            <a:picLocks noChangeAspect="1"/>
+          </p:cNvPicPr>
+          <p:nvPr/>
+        </p:nvPicPr>
+        <p:blipFill>
+          <a:blip r:embed="rId6">
+            <a:extLst>
+              <a:ext uri="{28A0092B-C50C-407E-A947-70E740481C1C}">
+                <a14:useLocalDpi xmlns:a14="http://schemas.microsoft.com/office/drawing/2010/main" val="0"/>
+              </a:ext>
+            </a:extLst>
+          </a:blip>
+          <a:stretch>
+            <a:fillRect/>
+          </a:stretch>
+        </p:blipFill>
+        <p:spPr>
+          <a:xfrm>
+            <a:off x="5394763" y="2872779"/>
+            <a:ext cx="3200364" cy="708106"/>
+          </a:xfrm>
+          <a:prstGeom prst="rect">
+            <a:avLst/>
+          </a:prstGeom>
+        </p:spPr>
+      </p:pic>
+    </p:spTree>
+    <p:extLst>
+      <p:ext uri="{BB962C8B-B14F-4D97-AF65-F5344CB8AC3E}">
+        <p14:creationId xmlns:p14="http://schemas.microsoft.com/office/powerpoint/2010/main" val="1911985134"/>
+      </p:ext>
+    </p:extLst>
+  </p:cSld>
+  <p:clrMapOvr>
+    <a:masterClrMapping/>
+  </p:clrMapOvr>
+</p:sld>
+</file>
+
+<file path=ppt/slides/slide37.xml><?xml version="1.0" encoding="utf-8"?>
+<p:sld xmlns:a="http://schemas.openxmlformats.org/drawingml/2006/main" xmlns:r="http://schemas.openxmlformats.org/officeDocument/2006/relationships" xmlns:p="http://schemas.openxmlformats.org/presentationml/2006/main">
+  <p:cSld>
+    <p:spTree>
+      <p:nvGrpSpPr>
+        <p:cNvPr id="1" name=""/>
+        <p:cNvGrpSpPr/>
+        <p:nvPr/>
+      </p:nvGrpSpPr>
+      <p:grpSpPr>
+        <a:xfrm>
+          <a:off x="0" y="0"/>
+          <a:ext cx="0" cy="0"/>
+          <a:chOff x="0" y="0"/>
+          <a:chExt cx="0" cy="0"/>
+        </a:xfrm>
+      </p:grpSpPr>
+      <p:sp>
+        <p:nvSpPr>
+          <p:cNvPr id="2" name="標題 1"/>
+          <p:cNvSpPr>
+            <a:spLocks noGrp="1"/>
+          </p:cNvSpPr>
+          <p:nvPr>
+            <p:ph type="title"/>
+          </p:nvPr>
+        </p:nvSpPr>
+        <p:spPr/>
+        <p:txBody>
+          <a:bodyPr/>
+          <a:lstStyle/>
+          <a:p>
+            <a:r>
+              <a:rPr lang="zh-CN" altLang="en-US" dirty="0" smtClean="0"/>
+              <a:t>場景三</a:t>
+            </a:r>
+            <a:r>
+              <a:rPr lang="en-US" altLang="zh-CN" dirty="0" smtClean="0"/>
+              <a:t>——</a:t>
+            </a:r>
+            <a:r>
+              <a:rPr lang="zh-CN" altLang="en-US" dirty="0" smtClean="0"/>
+              <a:t>切換</a:t>
+            </a:r>
+            <a:r>
+              <a:rPr lang="en-US" altLang="zh-CN" dirty="0" err="1" smtClean="0"/>
+              <a:t>Fliter</a:t>
+            </a:r>
+            <a:r>
+              <a:rPr lang="zh-CN" altLang="en-US" dirty="0"/>
+              <a:t>條件</a:t>
+            </a:r>
+            <a:endParaRPr lang="zh-TW" altLang="en-US" dirty="0"/>
+          </a:p>
+        </p:txBody>
+      </p:sp>
+      <p:sp>
+        <p:nvSpPr>
+          <p:cNvPr id="3" name="內容版面配置區 2"/>
+          <p:cNvSpPr>
+            <a:spLocks noGrp="1"/>
+          </p:cNvSpPr>
+          <p:nvPr>
+            <p:ph sz="quarter" idx="13"/>
+          </p:nvPr>
+        </p:nvSpPr>
+        <p:spPr/>
+        <p:txBody>
+          <a:bodyPr/>
+          <a:lstStyle/>
+          <a:p>
+            <a:endParaRPr lang="zh-TW" altLang="en-US"/>
+          </a:p>
+        </p:txBody>
+      </p:sp>
+      <p:pic>
+        <p:nvPicPr>
+          <p:cNvPr id="6" name="內容版面配置區 5"/>
+          <p:cNvPicPr>
+            <a:picLocks noGrp="1" noChangeAspect="1"/>
+          </p:cNvPicPr>
+          <p:nvPr>
+            <p:ph sz="half" idx="1"/>
+          </p:nvPr>
+        </p:nvPicPr>
+        <p:blipFill>
+          <a:blip r:embed="rId3">
+            <a:extLst>
+              <a:ext uri="{28A0092B-C50C-407E-A947-70E740481C1C}">
+                <a14:useLocalDpi xmlns:a14="http://schemas.microsoft.com/office/drawing/2010/main" val="0"/>
+              </a:ext>
+            </a:extLst>
+          </a:blip>
+          <a:stretch>
+            <a:fillRect/>
+          </a:stretch>
+        </p:blipFill>
+        <p:spPr>
+          <a:xfrm>
+            <a:off x="2499810" y="1962652"/>
+            <a:ext cx="7192379" cy="4182058"/>
+          </a:xfrm>
+        </p:spPr>
+      </p:pic>
+    </p:spTree>
+    <p:extLst>
+      <p:ext uri="{BB962C8B-B14F-4D97-AF65-F5344CB8AC3E}">
+        <p14:creationId xmlns:p14="http://schemas.microsoft.com/office/powerpoint/2010/main" val="218993306"/>
+      </p:ext>
+    </p:extLst>
+  </p:cSld>
+  <p:clrMapOvr>
+    <a:masterClrMapping/>
+  </p:clrMapOvr>
+</p:sld>
+</file>
+
+<file path=ppt/slides/slide38.xml><?xml version="1.0" encoding="utf-8"?>
+<p:sld xmlns:a="http://schemas.openxmlformats.org/drawingml/2006/main" xmlns:r="http://schemas.openxmlformats.org/officeDocument/2006/relationships" xmlns:p="http://schemas.openxmlformats.org/presentationml/2006/main">
+  <p:cSld>
+    <p:spTree>
+      <p:nvGrpSpPr>
+        <p:cNvPr id="1" name=""/>
+        <p:cNvGrpSpPr/>
+        <p:nvPr/>
+      </p:nvGrpSpPr>
+      <p:grpSpPr>
+        <a:xfrm>
+          <a:off x="0" y="0"/>
+          <a:ext cx="0" cy="0"/>
+          <a:chOff x="0" y="0"/>
+          <a:chExt cx="0" cy="0"/>
+        </a:xfrm>
+      </p:grpSpPr>
+      <p:sp>
+        <p:nvSpPr>
+          <p:cNvPr id="2" name="標題 1"/>
+          <p:cNvSpPr>
+            <a:spLocks noGrp="1"/>
+          </p:cNvSpPr>
+          <p:nvPr>
+            <p:ph type="title"/>
+          </p:nvPr>
+        </p:nvSpPr>
+        <p:spPr/>
+        <p:txBody>
+          <a:bodyPr/>
+          <a:lstStyle/>
+          <a:p>
+            <a:r>
+              <a:rPr lang="zh-CN" altLang="en-US" dirty="0"/>
+              <a:t>案例</a:t>
+            </a:r>
+            <a:r>
+              <a:rPr lang="en-US" altLang="zh-CN" dirty="0"/>
+              <a:t>——properties</a:t>
+            </a:r>
+            <a:r>
+              <a:rPr lang="zh-CN" altLang="en-US" dirty="0"/>
+              <a:t>各別更新</a:t>
+            </a:r>
+            <a:endParaRPr lang="zh-TW" altLang="en-US" dirty="0"/>
+          </a:p>
+        </p:txBody>
+      </p:sp>
+      <p:sp>
+        <p:nvSpPr>
+          <p:cNvPr id="3" name="內容版面配置區 2"/>
+          <p:cNvSpPr>
+            <a:spLocks noGrp="1"/>
+          </p:cNvSpPr>
+          <p:nvPr>
+            <p:ph sz="quarter" idx="13"/>
+          </p:nvPr>
+        </p:nvSpPr>
+        <p:spPr/>
+        <p:txBody>
+          <a:bodyPr/>
+          <a:lstStyle/>
+          <a:p>
+            <a:endParaRPr lang="zh-TW" altLang="en-US"/>
+          </a:p>
+        </p:txBody>
+      </p:sp>
+      <p:sp>
+        <p:nvSpPr>
+          <p:cNvPr id="4" name="內容版面配置區 3"/>
+          <p:cNvSpPr>
+            <a:spLocks noGrp="1"/>
+          </p:cNvSpPr>
+          <p:nvPr>
+            <p:ph sz="half" idx="1"/>
+          </p:nvPr>
+        </p:nvSpPr>
+        <p:spPr/>
+        <p:txBody>
+          <a:bodyPr/>
+          <a:lstStyle/>
+          <a:p>
+            <a:r>
+              <a:rPr lang="zh-CN" altLang="en-US" dirty="0" smtClean="0"/>
+              <a:t>需求說明：</a:t>
+            </a:r>
+            <a:endParaRPr lang="en-US" altLang="zh-CN" dirty="0" smtClean="0"/>
+          </a:p>
+          <a:p>
+            <a:r>
+              <a:rPr lang="en-US" altLang="zh-CN" sz="2400" dirty="0"/>
+              <a:t>	</a:t>
+            </a:r>
+            <a:r>
+              <a:rPr lang="en-US" altLang="zh-CN" sz="2400" dirty="0" smtClean="0"/>
+              <a:t>Client</a:t>
+            </a:r>
+            <a:r>
+              <a:rPr lang="zh-CN" altLang="en-US" sz="2400" dirty="0" smtClean="0"/>
+              <a:t>端要求對不同</a:t>
+            </a:r>
+            <a:r>
+              <a:rPr lang="en-US" altLang="zh-CN" sz="2400" dirty="0" smtClean="0"/>
+              <a:t>Client</a:t>
+            </a:r>
+            <a:r>
+              <a:rPr lang="zh-CN" altLang="en-US" sz="2400" dirty="0" smtClean="0"/>
+              <a:t>的設定檔案進行管理。</a:t>
+            </a:r>
+            <a:endParaRPr lang="en-US" altLang="zh-CN" sz="2400" dirty="0" smtClean="0"/>
+          </a:p>
+          <a:p>
+            <a:r>
+              <a:rPr lang="zh-CN" altLang="en-US" sz="2400" dirty="0" smtClean="0"/>
+              <a:t>比如：使用同一個</a:t>
+            </a:r>
+            <a:r>
+              <a:rPr lang="en-US" altLang="zh-CN" sz="2400" dirty="0" smtClean="0"/>
+              <a:t>properties</a:t>
+            </a:r>
+            <a:r>
+              <a:rPr lang="zh-CN" altLang="en-US" sz="2400" dirty="0" smtClean="0"/>
+              <a:t>檔案的</a:t>
+            </a:r>
+            <a:r>
+              <a:rPr lang="en-US" altLang="zh-CN" sz="2400" dirty="0" err="1" smtClean="0"/>
+              <a:t>ServiceA,ServiceB</a:t>
+            </a:r>
+            <a:r>
+              <a:rPr lang="zh-CN" altLang="en-US" sz="2400" dirty="0" smtClean="0"/>
+              <a:t>，要分時段更新。</a:t>
+            </a:r>
+            <a:endParaRPr lang="en-US" altLang="zh-CN" sz="2400" dirty="0" smtClean="0"/>
+          </a:p>
+          <a:p>
+            <a:endParaRPr lang="en-US" altLang="zh-TW" dirty="0" smtClean="0"/>
+          </a:p>
+          <a:p>
+            <a:r>
+              <a:rPr lang="zh-CN" altLang="en-US" dirty="0" smtClean="0"/>
+              <a:t>實現方法：</a:t>
+            </a:r>
+            <a:endParaRPr lang="en-US" altLang="zh-CN" dirty="0" smtClean="0"/>
+          </a:p>
+          <a:p>
+            <a:r>
+              <a:rPr lang="en-US" altLang="zh-TW" dirty="0"/>
+              <a:t>	</a:t>
+            </a:r>
+            <a:r>
+              <a:rPr lang="en-US" altLang="zh-TW" dirty="0" smtClean="0"/>
+              <a:t>1. </a:t>
+            </a:r>
+            <a:r>
+              <a:rPr lang="zh-CN" altLang="en-US" sz="2400" dirty="0" smtClean="0"/>
+              <a:t>設定</a:t>
+            </a:r>
+            <a:r>
+              <a:rPr lang="en-US" altLang="zh-CN" sz="2400" dirty="0" err="1" smtClean="0"/>
+              <a:t>Config</a:t>
+            </a:r>
+            <a:r>
+              <a:rPr lang="en-US" altLang="zh-CN" sz="2400" dirty="0" smtClean="0"/>
+              <a:t> Profile</a:t>
+            </a:r>
+            <a:r>
+              <a:rPr lang="zh-CN" altLang="en-US" sz="2400" dirty="0" smtClean="0"/>
+              <a:t>為</a:t>
+            </a:r>
+            <a:r>
+              <a:rPr lang="en-US" altLang="zh-CN" sz="2400" dirty="0" err="1" smtClean="0"/>
+              <a:t>ServiceA,B</a:t>
+            </a:r>
+            <a:r>
+              <a:rPr lang="zh-CN" altLang="en-US" sz="2400" dirty="0" smtClean="0"/>
+              <a:t>再另外載入各別的檔。</a:t>
+            </a:r>
+            <a:endParaRPr lang="en-US" altLang="zh-CN" sz="2400" dirty="0" smtClean="0"/>
+          </a:p>
+          <a:p>
+            <a:r>
+              <a:rPr lang="en-US" altLang="zh-TW" sz="2400" dirty="0"/>
+              <a:t>	</a:t>
+            </a:r>
+            <a:r>
+              <a:rPr lang="en-US" altLang="zh-TW" sz="2400" dirty="0" smtClean="0"/>
+              <a:t>2. </a:t>
+            </a:r>
+            <a:r>
+              <a:rPr lang="zh-CN" altLang="en-US" sz="2400" dirty="0" smtClean="0"/>
+              <a:t>設定</a:t>
+            </a:r>
+            <a:r>
+              <a:rPr lang="en-US" altLang="zh-CN" sz="2400" dirty="0" err="1" smtClean="0"/>
+              <a:t>Git</a:t>
+            </a:r>
+            <a:r>
+              <a:rPr lang="zh-CN" altLang="en-US" sz="2400" dirty="0" smtClean="0"/>
+              <a:t>連接，再</a:t>
+            </a:r>
+            <a:r>
+              <a:rPr lang="en-US" altLang="zh-CN" sz="2400" dirty="0" err="1" smtClean="0"/>
+              <a:t>Git</a:t>
+            </a:r>
+            <a:r>
+              <a:rPr lang="zh-CN" altLang="en-US" sz="2400" dirty="0" smtClean="0"/>
+              <a:t>地址最後加上</a:t>
+            </a:r>
+            <a:r>
+              <a:rPr lang="en-US" altLang="zh-CN" sz="2400" dirty="0" smtClean="0"/>
+              <a:t>{Application},</a:t>
+            </a:r>
+            <a:r>
+              <a:rPr lang="zh-CN" altLang="en-US" sz="2400" dirty="0" smtClean="0"/>
+              <a:t>這樣就能</a:t>
+            </a:r>
+            <a:r>
+              <a:rPr lang="en-US" altLang="zh-CN" sz="2400" dirty="0" smtClean="0"/>
+              <a:t>	                 	    </a:t>
+            </a:r>
+            <a:r>
+              <a:rPr lang="en-US" altLang="zh-CN" sz="2400" dirty="0" err="1" smtClean="0"/>
+              <a:t>ServiceA,B</a:t>
+            </a:r>
+            <a:r>
+              <a:rPr lang="zh-CN" altLang="en-US" sz="2400" dirty="0" smtClean="0"/>
+              <a:t>各別連接不同的</a:t>
+            </a:r>
+            <a:r>
+              <a:rPr lang="en-US" altLang="zh-CN" sz="2400" dirty="0" err="1" smtClean="0"/>
+              <a:t>Git</a:t>
+            </a:r>
+            <a:r>
+              <a:rPr lang="zh-CN" altLang="en-US" sz="2400" dirty="0"/>
+              <a:t>。</a:t>
+            </a:r>
+            <a:endParaRPr lang="zh-TW" altLang="en-US" sz="2400" dirty="0"/>
+          </a:p>
+        </p:txBody>
+      </p:sp>
+    </p:spTree>
+    <p:extLst>
+      <p:ext uri="{BB962C8B-B14F-4D97-AF65-F5344CB8AC3E}">
+        <p14:creationId xmlns:p14="http://schemas.microsoft.com/office/powerpoint/2010/main" val="364191643"/>
+      </p:ext>
+    </p:extLst>
+  </p:cSld>
+  <p:clrMapOvr>
+    <a:masterClrMapping/>
+  </p:clrMapOvr>
+</p:sld>
+</file>
+
+<file path=ppt/slides/slide39.xml><?xml version="1.0" encoding="utf-8"?>
+<p:sld xmlns:a="http://schemas.openxmlformats.org/drawingml/2006/main" xmlns:r="http://schemas.openxmlformats.org/officeDocument/2006/relationships" xmlns:p="http://schemas.openxmlformats.org/presentationml/2006/main">
+  <p:cSld>
+    <p:spTree>
+      <p:nvGrpSpPr>
+        <p:cNvPr id="1" name=""/>
+        <p:cNvGrpSpPr/>
+        <p:nvPr/>
+      </p:nvGrpSpPr>
+      <p:grpSpPr>
+        <a:xfrm>
+          <a:off x="0" y="0"/>
+          <a:ext cx="0" cy="0"/>
+          <a:chOff x="0" y="0"/>
+          <a:chExt cx="0" cy="0"/>
+        </a:xfrm>
+      </p:grpSpPr>
+      <p:sp>
+        <p:nvSpPr>
+          <p:cNvPr id="2" name="標題 1"/>
+          <p:cNvSpPr>
+            <a:spLocks noGrp="1"/>
+          </p:cNvSpPr>
+          <p:nvPr>
+            <p:ph type="title"/>
+          </p:nvPr>
+        </p:nvSpPr>
+        <p:spPr/>
+        <p:txBody>
+          <a:bodyPr/>
+          <a:lstStyle/>
+          <a:p>
+            <a:r>
+              <a:rPr lang="zh-CN" altLang="en-US" dirty="0"/>
+              <a:t>案例</a:t>
+            </a:r>
+            <a:r>
+              <a:rPr lang="en-US" altLang="zh-CN" dirty="0"/>
+              <a:t>——properties</a:t>
+            </a:r>
+            <a:r>
+              <a:rPr lang="zh-CN" altLang="en-US" dirty="0"/>
+              <a:t>各別更新</a:t>
+            </a:r>
+            <a:endParaRPr lang="zh-TW" altLang="en-US" dirty="0"/>
+          </a:p>
+        </p:txBody>
+      </p:sp>
+      <p:sp>
+        <p:nvSpPr>
+          <p:cNvPr id="3" name="內容版面配置區 2"/>
+          <p:cNvSpPr>
+            <a:spLocks noGrp="1"/>
+          </p:cNvSpPr>
+          <p:nvPr>
+            <p:ph sz="quarter" idx="13"/>
+          </p:nvPr>
+        </p:nvSpPr>
+        <p:spPr/>
+        <p:txBody>
+          <a:bodyPr/>
+          <a:lstStyle/>
+          <a:p>
+            <a:endParaRPr lang="zh-TW" altLang="en-US"/>
+          </a:p>
+        </p:txBody>
+      </p:sp>
+      <p:sp>
+        <p:nvSpPr>
+          <p:cNvPr id="5" name="六邊形 4"/>
+          <p:cNvSpPr/>
+          <p:nvPr/>
+        </p:nvSpPr>
+        <p:spPr>
+          <a:xfrm>
+            <a:off x="2257695" y="2259875"/>
+            <a:ext cx="1515291" cy="1045028"/>
+          </a:xfrm>
+          <a:prstGeom prst="hexagon">
+            <a:avLst/>
+          </a:prstGeom>
+        </p:spPr>
+        <p:style>
+          <a:lnRef idx="2">
+            <a:schemeClr val="accent1">
+              <a:shade val="50000"/>
+            </a:schemeClr>
+          </a:lnRef>
+          <a:fillRef idx="1">
+            <a:schemeClr val="accent1"/>
+          </a:fillRef>
+          <a:effectRef idx="0">
+            <a:schemeClr val="accent1"/>
+          </a:effectRef>
+          <a:fontRef idx="minor">
+            <a:schemeClr val="lt1"/>
+          </a:fontRef>
+        </p:style>
+        <p:txBody>
+          <a:bodyPr rtlCol="0" anchor="ctr"/>
+          <a:lstStyle/>
+          <a:p>
+            <a:pPr algn="ctr"/>
+            <a:r>
+              <a:rPr lang="en-US" altLang="zh-TW" dirty="0" err="1" smtClean="0"/>
+              <a:t>ServiceA</a:t>
+            </a:r>
+            <a:endParaRPr lang="zh-TW" altLang="en-US" dirty="0"/>
+          </a:p>
+        </p:txBody>
+      </p:sp>
+      <p:sp>
+        <p:nvSpPr>
+          <p:cNvPr id="6" name="六邊形 5"/>
+          <p:cNvSpPr/>
+          <p:nvPr/>
+        </p:nvSpPr>
+        <p:spPr>
+          <a:xfrm>
+            <a:off x="4591592" y="2259875"/>
+            <a:ext cx="1515291" cy="1045028"/>
+          </a:xfrm>
+          <a:prstGeom prst="hexagon">
+            <a:avLst/>
+          </a:prstGeom>
+        </p:spPr>
+        <p:style>
+          <a:lnRef idx="2">
+            <a:schemeClr val="accent1">
+              <a:shade val="50000"/>
+            </a:schemeClr>
+          </a:lnRef>
+          <a:fillRef idx="1">
+            <a:schemeClr val="accent1"/>
+          </a:fillRef>
+          <a:effectRef idx="0">
+            <a:schemeClr val="accent1"/>
+          </a:effectRef>
+          <a:fontRef idx="minor">
+            <a:schemeClr val="lt1"/>
+          </a:fontRef>
+        </p:style>
+        <p:txBody>
+          <a:bodyPr rtlCol="0" anchor="ctr"/>
+          <a:lstStyle/>
+          <a:p>
+            <a:pPr algn="ctr"/>
+            <a:r>
+              <a:rPr lang="en-US" altLang="zh-TW" dirty="0" err="1" smtClean="0"/>
+              <a:t>ServiceB</a:t>
+            </a:r>
+            <a:endParaRPr lang="zh-TW" altLang="en-US" dirty="0"/>
+          </a:p>
+        </p:txBody>
+      </p:sp>
+      <p:sp>
+        <p:nvSpPr>
+          <p:cNvPr id="7" name="圓角矩形 6"/>
+          <p:cNvSpPr/>
+          <p:nvPr/>
+        </p:nvSpPr>
+        <p:spPr>
+          <a:xfrm>
+            <a:off x="3211283" y="4754880"/>
+            <a:ext cx="2063931" cy="914400"/>
+          </a:xfrm>
+          <a:prstGeom prst="roundRect">
+            <a:avLst/>
+          </a:prstGeom>
+        </p:spPr>
+        <p:style>
+          <a:lnRef idx="1">
+            <a:schemeClr val="dk1"/>
+          </a:lnRef>
+          <a:fillRef idx="2">
+            <a:schemeClr val="dk1"/>
+          </a:fillRef>
+          <a:effectRef idx="1">
+            <a:schemeClr val="dk1"/>
+          </a:effectRef>
+          <a:fontRef idx="minor">
+            <a:schemeClr val="dk1"/>
+          </a:fontRef>
+        </p:style>
+        <p:txBody>
+          <a:bodyPr rtlCol="0" anchor="ctr"/>
+          <a:lstStyle/>
+          <a:p>
+            <a:pPr algn="ctr"/>
+            <a:r>
+              <a:rPr lang="en-US" altLang="zh-TW" dirty="0" smtClean="0"/>
+              <a:t>Service-</a:t>
+            </a:r>
+            <a:r>
+              <a:rPr lang="en-US" altLang="zh-TW" dirty="0" err="1" smtClean="0"/>
+              <a:t>dev.properties</a:t>
+            </a:r>
+            <a:endParaRPr lang="zh-TW" altLang="en-US" dirty="0"/>
+          </a:p>
+        </p:txBody>
+      </p:sp>
+      <p:sp>
+        <p:nvSpPr>
+          <p:cNvPr id="8" name="圓角矩形 7"/>
+          <p:cNvSpPr/>
+          <p:nvPr/>
+        </p:nvSpPr>
+        <p:spPr>
+          <a:xfrm>
+            <a:off x="5636620" y="4754880"/>
+            <a:ext cx="2063931" cy="914400"/>
+          </a:xfrm>
+          <a:prstGeom prst="roundRect">
+            <a:avLst/>
+          </a:prstGeom>
+        </p:spPr>
+        <p:style>
+          <a:lnRef idx="1">
+            <a:schemeClr val="dk1"/>
+          </a:lnRef>
+          <a:fillRef idx="2">
+            <a:schemeClr val="dk1"/>
+          </a:fillRef>
+          <a:effectRef idx="1">
+            <a:schemeClr val="dk1"/>
+          </a:effectRef>
+          <a:fontRef idx="minor">
+            <a:schemeClr val="dk1"/>
+          </a:fontRef>
+        </p:style>
+        <p:txBody>
+          <a:bodyPr rtlCol="0" anchor="ctr"/>
+          <a:lstStyle/>
+          <a:p>
+            <a:pPr algn="ctr"/>
+            <a:r>
+              <a:rPr lang="en-US" altLang="zh-TW" dirty="0" smtClean="0"/>
+              <a:t>Service-test2.properties</a:t>
+            </a:r>
+            <a:endParaRPr lang="zh-TW" altLang="en-US" dirty="0"/>
+          </a:p>
+        </p:txBody>
+      </p:sp>
+      <p:sp>
+        <p:nvSpPr>
+          <p:cNvPr id="9" name="圓角矩形 8"/>
+          <p:cNvSpPr/>
+          <p:nvPr/>
+        </p:nvSpPr>
+        <p:spPr>
+          <a:xfrm>
+            <a:off x="929637" y="4754880"/>
+            <a:ext cx="2063931" cy="914400"/>
+          </a:xfrm>
+          <a:prstGeom prst="roundRect">
+            <a:avLst/>
+          </a:prstGeom>
+        </p:spPr>
+        <p:style>
+          <a:lnRef idx="1">
+            <a:schemeClr val="dk1"/>
+          </a:lnRef>
+          <a:fillRef idx="2">
+            <a:schemeClr val="dk1"/>
+          </a:fillRef>
+          <a:effectRef idx="1">
+            <a:schemeClr val="dk1"/>
+          </a:effectRef>
+          <a:fontRef idx="minor">
+            <a:schemeClr val="dk1"/>
+          </a:fontRef>
+        </p:style>
+        <p:txBody>
+          <a:bodyPr rtlCol="0" anchor="ctr"/>
+          <a:lstStyle/>
+          <a:p>
+            <a:pPr algn="ctr"/>
+            <a:r>
+              <a:rPr lang="en-US" altLang="zh-TW" dirty="0" smtClean="0"/>
+              <a:t>Service-test1.properties</a:t>
+            </a:r>
+            <a:endParaRPr lang="zh-TW" altLang="en-US" dirty="0"/>
+          </a:p>
+        </p:txBody>
+      </p:sp>
+      <p:cxnSp>
+        <p:nvCxnSpPr>
+          <p:cNvPr id="11" name="直線單箭頭接點 10"/>
+          <p:cNvCxnSpPr>
+            <a:endCxn id="7" idx="0"/>
+          </p:cNvCxnSpPr>
+          <p:nvPr/>
+        </p:nvCxnSpPr>
+        <p:spPr>
+          <a:xfrm>
+            <a:off x="3015340" y="3304903"/>
+            <a:ext cx="1227909" cy="1449977"/>
+          </a:xfrm>
+          <a:prstGeom prst="straightConnector1">
+            <a:avLst/>
+          </a:prstGeom>
+          <a:ln w="38100">
+            <a:solidFill>
+              <a:schemeClr val="accent1"/>
+            </a:solidFill>
+            <a:tailEnd type="arrow"/>
+          </a:ln>
+        </p:spPr>
+        <p:style>
+          <a:lnRef idx="1">
+            <a:schemeClr val="accent1"/>
+          </a:lnRef>
+          <a:fillRef idx="0">
+            <a:schemeClr val="accent1"/>
+          </a:fillRef>
+          <a:effectRef idx="0">
+            <a:schemeClr val="accent1"/>
+          </a:effectRef>
+          <a:fontRef idx="minor">
+            <a:schemeClr val="tx1"/>
+          </a:fontRef>
+        </p:style>
+      </p:cxnSp>
+      <p:cxnSp>
+        <p:nvCxnSpPr>
+          <p:cNvPr id="12" name="直線單箭頭接點 11"/>
+          <p:cNvCxnSpPr>
+            <a:endCxn id="7" idx="0"/>
+          </p:cNvCxnSpPr>
+          <p:nvPr/>
+        </p:nvCxnSpPr>
+        <p:spPr>
+          <a:xfrm flipH="1">
+            <a:off x="4243249" y="3304903"/>
+            <a:ext cx="1105988" cy="1449977"/>
+          </a:xfrm>
+          <a:prstGeom prst="straightConnector1">
+            <a:avLst/>
+          </a:prstGeom>
+          <a:ln w="38100">
+            <a:solidFill>
+              <a:schemeClr val="accent1"/>
+            </a:solidFill>
+            <a:tailEnd type="arrow"/>
+          </a:ln>
+        </p:spPr>
+        <p:style>
+          <a:lnRef idx="1">
+            <a:schemeClr val="accent1"/>
+          </a:lnRef>
+          <a:fillRef idx="0">
+            <a:schemeClr val="accent1"/>
+          </a:fillRef>
+          <a:effectRef idx="0">
+            <a:schemeClr val="accent1"/>
+          </a:effectRef>
+          <a:fontRef idx="minor">
+            <a:schemeClr val="tx1"/>
+          </a:fontRef>
+        </p:style>
+      </p:cxnSp>
+      <p:cxnSp>
+        <p:nvCxnSpPr>
+          <p:cNvPr id="15" name="直線單箭頭接點 14"/>
+          <p:cNvCxnSpPr>
+            <a:endCxn id="8" idx="0"/>
+          </p:cNvCxnSpPr>
+          <p:nvPr/>
+        </p:nvCxnSpPr>
+        <p:spPr>
+          <a:xfrm>
+            <a:off x="5349237" y="3304903"/>
+            <a:ext cx="1319349" cy="1449977"/>
+          </a:xfrm>
+          <a:prstGeom prst="straightConnector1">
+            <a:avLst/>
+          </a:prstGeom>
+          <a:ln w="38100">
+            <a:solidFill>
+              <a:schemeClr val="accent1"/>
+            </a:solidFill>
+            <a:tailEnd type="arrow"/>
+          </a:ln>
+        </p:spPr>
+        <p:style>
+          <a:lnRef idx="1">
+            <a:schemeClr val="accent1"/>
+          </a:lnRef>
+          <a:fillRef idx="0">
+            <a:schemeClr val="accent1"/>
+          </a:fillRef>
+          <a:effectRef idx="0">
+            <a:schemeClr val="accent1"/>
+          </a:effectRef>
+          <a:fontRef idx="minor">
+            <a:schemeClr val="tx1"/>
+          </a:fontRef>
+        </p:style>
+      </p:cxnSp>
+      <p:cxnSp>
+        <p:nvCxnSpPr>
+          <p:cNvPr id="18" name="直線單箭頭接點 17"/>
+          <p:cNvCxnSpPr/>
+          <p:nvPr/>
+        </p:nvCxnSpPr>
+        <p:spPr>
+          <a:xfrm flipH="1">
+            <a:off x="1961603" y="3304903"/>
+            <a:ext cx="1053737" cy="1449977"/>
+          </a:xfrm>
+          <a:prstGeom prst="straightConnector1">
+            <a:avLst/>
+          </a:prstGeom>
+          <a:ln w="38100">
+            <a:solidFill>
+              <a:schemeClr val="accent1"/>
+            </a:solidFill>
+            <a:tailEnd type="arrow"/>
+          </a:ln>
+        </p:spPr>
+        <p:style>
+          <a:lnRef idx="1">
+            <a:schemeClr val="accent1"/>
+          </a:lnRef>
+          <a:fillRef idx="0">
+            <a:schemeClr val="accent1"/>
+          </a:fillRef>
+          <a:effectRef idx="0">
+            <a:schemeClr val="accent1"/>
+          </a:effectRef>
+          <a:fontRef idx="minor">
+            <a:schemeClr val="tx1"/>
+          </a:fontRef>
+        </p:style>
+      </p:cxnSp>
+      <p:sp>
+        <p:nvSpPr>
+          <p:cNvPr id="22" name="矩形 21"/>
+          <p:cNvSpPr/>
+          <p:nvPr/>
+        </p:nvSpPr>
+        <p:spPr>
+          <a:xfrm>
+            <a:off x="729341" y="4454435"/>
+            <a:ext cx="7367452" cy="1476102"/>
+          </a:xfrm>
+          <a:prstGeom prst="rect">
+            <a:avLst/>
+          </a:prstGeom>
+          <a:noFill/>
+        </p:spPr>
+        <p:style>
+          <a:lnRef idx="2">
+            <a:schemeClr val="accent1">
+              <a:shade val="50000"/>
+            </a:schemeClr>
+          </a:lnRef>
+          <a:fillRef idx="1">
+            <a:schemeClr val="accent1"/>
+          </a:fillRef>
+          <a:effectRef idx="0">
+            <a:schemeClr val="accent1"/>
+          </a:effectRef>
+          <a:fontRef idx="minor">
+            <a:schemeClr val="lt1"/>
+          </a:fontRef>
+        </p:style>
+        <p:txBody>
+          <a:bodyPr rtlCol="0" anchor="ctr"/>
+          <a:lstStyle/>
+          <a:p>
+            <a:pPr algn="ctr"/>
+            <a:endParaRPr lang="zh-TW" altLang="en-US"/>
+          </a:p>
+        </p:txBody>
+      </p:sp>
+      <p:sp>
+        <p:nvSpPr>
+          <p:cNvPr id="23" name="六邊形 22"/>
+          <p:cNvSpPr/>
+          <p:nvPr/>
+        </p:nvSpPr>
+        <p:spPr>
+          <a:xfrm>
+            <a:off x="8470175" y="2259875"/>
+            <a:ext cx="1515291" cy="1045028"/>
+          </a:xfrm>
+          <a:prstGeom prst="hexagon">
+            <a:avLst/>
+          </a:prstGeom>
+        </p:spPr>
+        <p:style>
+          <a:lnRef idx="2">
+            <a:schemeClr val="accent1">
+              <a:shade val="50000"/>
+            </a:schemeClr>
+          </a:lnRef>
+          <a:fillRef idx="1">
+            <a:schemeClr val="accent1"/>
+          </a:fillRef>
+          <a:effectRef idx="0">
+            <a:schemeClr val="accent1"/>
+          </a:effectRef>
+          <a:fontRef idx="minor">
+            <a:schemeClr val="lt1"/>
+          </a:fontRef>
+        </p:style>
+        <p:txBody>
+          <a:bodyPr rtlCol="0" anchor="ctr"/>
+          <a:lstStyle/>
+          <a:p>
+            <a:pPr algn="ctr"/>
+            <a:r>
+              <a:rPr lang="en-US" altLang="zh-TW" dirty="0" err="1" smtClean="0"/>
+              <a:t>ServiceA</a:t>
+            </a:r>
+            <a:endParaRPr lang="zh-TW" altLang="en-US" dirty="0"/>
+          </a:p>
+        </p:txBody>
+      </p:sp>
+      <p:sp>
+        <p:nvSpPr>
+          <p:cNvPr id="24" name="六邊形 23"/>
+          <p:cNvSpPr/>
+          <p:nvPr/>
+        </p:nvSpPr>
+        <p:spPr>
+          <a:xfrm>
+            <a:off x="10357756" y="2259875"/>
+            <a:ext cx="1515291" cy="1045028"/>
+          </a:xfrm>
+          <a:prstGeom prst="hexagon">
+            <a:avLst/>
+          </a:prstGeom>
+        </p:spPr>
+        <p:style>
+          <a:lnRef idx="2">
+            <a:schemeClr val="accent1">
+              <a:shade val="50000"/>
+            </a:schemeClr>
+          </a:lnRef>
+          <a:fillRef idx="1">
+            <a:schemeClr val="accent1"/>
+          </a:fillRef>
+          <a:effectRef idx="0">
+            <a:schemeClr val="accent1"/>
+          </a:effectRef>
+          <a:fontRef idx="minor">
+            <a:schemeClr val="lt1"/>
+          </a:fontRef>
+        </p:style>
+        <p:txBody>
+          <a:bodyPr rtlCol="0" anchor="ctr"/>
+          <a:lstStyle/>
+          <a:p>
+            <a:pPr algn="ctr"/>
+            <a:r>
+              <a:rPr lang="en-US" altLang="zh-TW" dirty="0" err="1" smtClean="0"/>
+              <a:t>ServiceB</a:t>
+            </a:r>
+            <a:endParaRPr lang="zh-TW" altLang="en-US" dirty="0"/>
+          </a:p>
+        </p:txBody>
+      </p:sp>
+      <p:sp>
+        <p:nvSpPr>
+          <p:cNvPr id="25" name="矩形 24"/>
+          <p:cNvSpPr/>
+          <p:nvPr/>
+        </p:nvSpPr>
+        <p:spPr>
+          <a:xfrm>
+            <a:off x="8365668" y="4524103"/>
+            <a:ext cx="1809208" cy="1328057"/>
+          </a:xfrm>
+          <a:prstGeom prst="rect">
+            <a:avLst/>
+          </a:prstGeom>
+          <a:noFill/>
+        </p:spPr>
+        <p:style>
+          <a:lnRef idx="2">
+            <a:schemeClr val="accent1">
+              <a:shade val="50000"/>
+            </a:schemeClr>
+          </a:lnRef>
+          <a:fillRef idx="1">
+            <a:schemeClr val="accent1"/>
+          </a:fillRef>
+          <a:effectRef idx="0">
+            <a:schemeClr val="accent1"/>
+          </a:effectRef>
+          <a:fontRef idx="minor">
+            <a:schemeClr val="lt1"/>
+          </a:fontRef>
+        </p:style>
+        <p:txBody>
+          <a:bodyPr rtlCol="0" anchor="ctr"/>
+          <a:lstStyle/>
+          <a:p>
+            <a:pPr algn="ctr"/>
+            <a:endParaRPr lang="zh-TW" altLang="en-US"/>
+          </a:p>
+        </p:txBody>
+      </p:sp>
+      <p:sp>
+        <p:nvSpPr>
+          <p:cNvPr id="26" name="圓角矩形 25"/>
+          <p:cNvSpPr/>
+          <p:nvPr/>
+        </p:nvSpPr>
+        <p:spPr>
+          <a:xfrm>
+            <a:off x="8558346" y="4730931"/>
+            <a:ext cx="1423851" cy="914400"/>
+          </a:xfrm>
+          <a:prstGeom prst="roundRect">
+            <a:avLst/>
+          </a:prstGeom>
+        </p:spPr>
+        <p:style>
+          <a:lnRef idx="1">
+            <a:schemeClr val="dk1"/>
+          </a:lnRef>
+          <a:fillRef idx="2">
+            <a:schemeClr val="dk1"/>
+          </a:fillRef>
+          <a:effectRef idx="1">
+            <a:schemeClr val="dk1"/>
+          </a:effectRef>
+          <a:fontRef idx="minor">
+            <a:schemeClr val="dk1"/>
+          </a:fontRef>
+        </p:style>
+        <p:txBody>
+          <a:bodyPr rtlCol="0" anchor="ctr"/>
+          <a:lstStyle/>
+          <a:p>
+            <a:pPr algn="ctr"/>
+            <a:r>
+              <a:rPr lang="en-US" altLang="zh-TW" sz="1400" dirty="0" smtClean="0"/>
+              <a:t>Service-</a:t>
+            </a:r>
+            <a:r>
+              <a:rPr lang="en-US" altLang="zh-TW" sz="1400" dirty="0" err="1" smtClean="0"/>
+              <a:t>dev.properties</a:t>
+            </a:r>
+            <a:endParaRPr lang="zh-TW" altLang="en-US" sz="1400" dirty="0"/>
+          </a:p>
+        </p:txBody>
+      </p:sp>
+      <p:sp>
+        <p:nvSpPr>
+          <p:cNvPr id="27" name="矩形 26"/>
+          <p:cNvSpPr/>
+          <p:nvPr/>
+        </p:nvSpPr>
+        <p:spPr>
+          <a:xfrm>
+            <a:off x="10256518" y="4524103"/>
+            <a:ext cx="1809208" cy="1328057"/>
+          </a:xfrm>
+          <a:prstGeom prst="rect">
+            <a:avLst/>
+          </a:prstGeom>
+          <a:noFill/>
+        </p:spPr>
+        <p:style>
+          <a:lnRef idx="2">
+            <a:schemeClr val="accent1">
+              <a:shade val="50000"/>
+            </a:schemeClr>
+          </a:lnRef>
+          <a:fillRef idx="1">
+            <a:schemeClr val="accent1"/>
+          </a:fillRef>
+          <a:effectRef idx="0">
+            <a:schemeClr val="accent1"/>
+          </a:effectRef>
+          <a:fontRef idx="minor">
+            <a:schemeClr val="lt1"/>
+          </a:fontRef>
+        </p:style>
+        <p:txBody>
+          <a:bodyPr rtlCol="0" anchor="ctr"/>
+          <a:lstStyle/>
+          <a:p>
+            <a:pPr algn="ctr"/>
+            <a:endParaRPr lang="zh-TW" altLang="en-US"/>
+          </a:p>
+        </p:txBody>
+      </p:sp>
+      <p:sp>
+        <p:nvSpPr>
+          <p:cNvPr id="28" name="圓角矩形 27"/>
+          <p:cNvSpPr/>
+          <p:nvPr/>
+        </p:nvSpPr>
+        <p:spPr>
+          <a:xfrm>
+            <a:off x="10449196" y="4730931"/>
+            <a:ext cx="1423851" cy="914400"/>
+          </a:xfrm>
+          <a:prstGeom prst="roundRect">
+            <a:avLst/>
+          </a:prstGeom>
+        </p:spPr>
+        <p:style>
+          <a:lnRef idx="1">
+            <a:schemeClr val="dk1"/>
+          </a:lnRef>
+          <a:fillRef idx="2">
+            <a:schemeClr val="dk1"/>
+          </a:fillRef>
+          <a:effectRef idx="1">
+            <a:schemeClr val="dk1"/>
+          </a:effectRef>
+          <a:fontRef idx="minor">
+            <a:schemeClr val="dk1"/>
+          </a:fontRef>
+        </p:style>
+        <p:txBody>
+          <a:bodyPr rtlCol="0" anchor="ctr"/>
+          <a:lstStyle/>
+          <a:p>
+            <a:pPr algn="ctr"/>
+            <a:r>
+              <a:rPr lang="en-US" altLang="zh-TW" sz="1400" dirty="0" smtClean="0"/>
+              <a:t>Service-</a:t>
+            </a:r>
+            <a:r>
+              <a:rPr lang="en-US" altLang="zh-TW" sz="1400" dirty="0" err="1" smtClean="0"/>
+              <a:t>dev.properties</a:t>
+            </a:r>
+            <a:endParaRPr lang="zh-TW" altLang="en-US" sz="1400" dirty="0"/>
+          </a:p>
+        </p:txBody>
+      </p:sp>
+      <p:cxnSp>
+        <p:nvCxnSpPr>
+          <p:cNvPr id="29" name="直線單箭頭接點 28"/>
+          <p:cNvCxnSpPr>
+            <a:endCxn id="26" idx="0"/>
+          </p:cNvCxnSpPr>
+          <p:nvPr/>
+        </p:nvCxnSpPr>
+        <p:spPr>
+          <a:xfrm>
+            <a:off x="9263740" y="3174275"/>
+            <a:ext cx="6532" cy="1556656"/>
+          </a:xfrm>
+          <a:prstGeom prst="straightConnector1">
+            <a:avLst/>
+          </a:prstGeom>
+          <a:ln w="38100">
+            <a:solidFill>
+              <a:schemeClr val="accent1"/>
+            </a:solidFill>
+            <a:tailEnd type="arrow"/>
+          </a:ln>
+        </p:spPr>
+        <p:style>
+          <a:lnRef idx="1">
+            <a:schemeClr val="accent1"/>
+          </a:lnRef>
+          <a:fillRef idx="0">
+            <a:schemeClr val="accent1"/>
+          </a:fillRef>
+          <a:effectRef idx="0">
+            <a:schemeClr val="accent1"/>
+          </a:effectRef>
+          <a:fontRef idx="minor">
+            <a:schemeClr val="tx1"/>
+          </a:fontRef>
+        </p:style>
+      </p:cxnSp>
+      <p:cxnSp>
+        <p:nvCxnSpPr>
+          <p:cNvPr id="32" name="直線單箭頭接點 31"/>
+          <p:cNvCxnSpPr>
+            <a:endCxn id="28" idx="0"/>
+          </p:cNvCxnSpPr>
+          <p:nvPr/>
+        </p:nvCxnSpPr>
+        <p:spPr>
+          <a:xfrm>
+            <a:off x="11151321" y="3174275"/>
+            <a:ext cx="9801" cy="1556656"/>
+          </a:xfrm>
+          <a:prstGeom prst="straightConnector1">
+            <a:avLst/>
+          </a:prstGeom>
+          <a:ln w="38100">
+            <a:solidFill>
+              <a:schemeClr val="accent1"/>
+            </a:solidFill>
+            <a:tailEnd type="arrow"/>
+          </a:ln>
+        </p:spPr>
+        <p:style>
+          <a:lnRef idx="1">
+            <a:schemeClr val="accent1"/>
+          </a:lnRef>
+          <a:fillRef idx="0">
+            <a:schemeClr val="accent1"/>
+          </a:fillRef>
+          <a:effectRef idx="0">
+            <a:schemeClr val="accent1"/>
+          </a:effectRef>
+          <a:fontRef idx="minor">
+            <a:schemeClr val="tx1"/>
+          </a:fontRef>
+        </p:style>
+      </p:cxnSp>
+      <p:sp>
+        <p:nvSpPr>
+          <p:cNvPr id="36" name="文字方塊 35"/>
+          <p:cNvSpPr txBox="1"/>
+          <p:nvPr/>
+        </p:nvSpPr>
+        <p:spPr>
+          <a:xfrm>
+            <a:off x="997125" y="1800888"/>
+            <a:ext cx="1254959" cy="369332"/>
+          </a:xfrm>
+          <a:prstGeom prst="rect">
+            <a:avLst/>
+          </a:prstGeom>
+          <a:noFill/>
+        </p:spPr>
+        <p:txBody>
+          <a:bodyPr wrap="none" rtlCol="0">
+            <a:spAutoFit/>
+          </a:bodyPr>
+          <a:lstStyle/>
+          <a:p>
+            <a:r>
+              <a:rPr lang="zh-CN" altLang="en-US" dirty="0" smtClean="0"/>
+              <a:t>根據</a:t>
+            </a:r>
+            <a:r>
+              <a:rPr lang="en-US" altLang="zh-CN" dirty="0" smtClean="0"/>
+              <a:t>Profile</a:t>
+            </a:r>
+            <a:endParaRPr lang="zh-TW" altLang="en-US" dirty="0"/>
+          </a:p>
+        </p:txBody>
+      </p:sp>
+      <p:sp>
+        <p:nvSpPr>
+          <p:cNvPr id="37" name="文字方塊 36"/>
+          <p:cNvSpPr txBox="1"/>
+          <p:nvPr/>
+        </p:nvSpPr>
+        <p:spPr>
+          <a:xfrm>
+            <a:off x="8096793" y="1813951"/>
+            <a:ext cx="1850956" cy="369332"/>
+          </a:xfrm>
+          <a:prstGeom prst="rect">
+            <a:avLst/>
+          </a:prstGeom>
+          <a:noFill/>
+        </p:spPr>
+        <p:txBody>
+          <a:bodyPr wrap="none" rtlCol="0">
+            <a:spAutoFit/>
+          </a:bodyPr>
+          <a:lstStyle/>
+          <a:p>
+            <a:r>
+              <a:rPr lang="zh-CN" altLang="en-US" dirty="0" smtClean="0"/>
+              <a:t>根據</a:t>
+            </a:r>
+            <a:r>
+              <a:rPr lang="en-US" altLang="zh-CN" dirty="0" smtClean="0"/>
+              <a:t>{Application}</a:t>
+            </a:r>
+            <a:endParaRPr lang="zh-TW" altLang="en-US" dirty="0"/>
+          </a:p>
+        </p:txBody>
+      </p:sp>
+    </p:spTree>
+    <p:extLst>
+      <p:ext uri="{BB962C8B-B14F-4D97-AF65-F5344CB8AC3E}">
+        <p14:creationId xmlns:p14="http://schemas.microsoft.com/office/powerpoint/2010/main" val="3161133045"/>
       </p:ext>
     </p:extLst>
   </p:cSld>
@@ -19888,8 +22653,32 @@
           <a:p>
             <a:pPr fontAlgn="base"/>
             <a:r>
+              <a:rPr lang="en-US" altLang="zh-TW" b="0" dirty="0" smtClean="0"/>
+              <a:t>	</a:t>
+            </a:r>
+            <a:r>
+              <a:rPr lang="zh-TW" altLang="en-US" b="0" dirty="0" smtClean="0"/>
+              <a:t>一個</a:t>
+            </a:r>
+            <a:r>
               <a:rPr lang="zh-TW" altLang="en-US" b="0" dirty="0"/>
-              <a:t>一個應用中不只是代碼</a:t>
+              <a:t>應用</a:t>
+            </a:r>
+            <a:r>
+              <a:rPr lang="zh-TW" altLang="en-US" b="0" dirty="0" smtClean="0"/>
+              <a:t>中</a:t>
+            </a:r>
+            <a:r>
+              <a:rPr lang="zh-CN" altLang="en-US" b="0" dirty="0" smtClean="0"/>
+              <a:t>經常會有一些需求要</a:t>
+            </a:r>
+            <a:r>
+              <a:rPr lang="zh-TW" altLang="en-US" b="0" dirty="0" smtClean="0"/>
+              <a:t>調整</a:t>
+            </a:r>
+            <a:r>
+              <a:rPr lang="zh-TW" altLang="en-US" b="0" dirty="0"/>
+              <a:t>應用行為</a:t>
             </a:r>
             <a:r>
               <a:rPr lang="en-US" altLang="zh-TW" b="0" dirty="0"/>
@@ -19897,22 +22686,6 @@
             </a:r>
             <a:r>
               <a:rPr lang="zh-TW" altLang="en-US" b="0" dirty="0"/>
-              <a:t>還需要連接資源和其它應用</a:t>
-            </a:r>
-            <a:r>
-              <a:rPr lang="en-US" altLang="zh-TW" b="0" dirty="0"/>
-              <a:t>,</a:t>
-            </a:r>
-            <a:r>
-              <a:rPr lang="zh-TW" altLang="en-US" b="0" dirty="0"/>
-              <a:t>經常有很多需要外部設置的項去調整應用行為</a:t>
-            </a:r>
-            <a:r>
-              <a:rPr lang="en-US" altLang="zh-TW" b="0" dirty="0"/>
-              <a:t>,</a:t>
-            </a:r>
-            <a:r>
-              <a:rPr lang="zh-TW" altLang="en-US" b="0" dirty="0"/>
               <a:t>如</a:t>
             </a:r>
             <a:r>
@@ -19971,19 +22744,35 @@
           <a:p>
             <a:pPr fontAlgn="base"/>
             <a:r>
+              <a:rPr lang="en-US" altLang="zh-TW" b="0" dirty="0"/>
+              <a:t>	</a:t>
+            </a:r>
+            <a:r>
+              <a:rPr lang="zh-TW" altLang="en-US" b="0" dirty="0" smtClean="0"/>
+              <a:t>微服務系統的可</a:t>
+            </a:r>
+            <a:r>
               <a:rPr lang="zh-TW" altLang="en-US" b="0" dirty="0"/>
-              <a:t>隨著系統微服務的不斷增加，首要考慮的是系統的可伸縮、可擴展性好，隨之就是一個配置管理的問題。各自管各自的開發時沒什麼問題，到了線上之後管理就會很頭疼，到了要大規模更新就更煩了。</a:t>
+              <a:t>伸縮、可擴展性好，隨之就是一個配置管理的問題。各自管各自的開發時沒什麼問題，到了線上之後管理就會很頭疼，到了要大規模更新就更煩了。</a:t>
             </a:r>
           </a:p>
           <a:p>
             <a:pPr fontAlgn="base"/>
             <a:r>
-              <a:rPr lang="zh-TW" altLang="en-US" b="0" dirty="0"/>
-              <a:t>而且你</a:t>
+              <a:rPr lang="en-US" altLang="zh-TW" b="0" dirty="0" smtClean="0"/>
+              <a:t>	</a:t>
+            </a:r>
+            <a:r>
+              <a:rPr lang="zh-CN" altLang="en-US" b="0" dirty="0" smtClean="0"/>
+              <a:t>最主要要解決的問題是</a:t>
+            </a:r>
+            <a:r>
+              <a:rPr lang="zh-TW" altLang="en-US" dirty="0" smtClean="0"/>
+              <a:t>不可能</a:t>
             </a:r>
             <a:r>
               <a:rPr lang="zh-TW" altLang="en-US" dirty="0"/>
-              <a:t>不可能停止你的服務集群去更新的你配置</a:t>
+              <a:t>停止你的服務集群去更新的你配置</a:t>
             </a:r>
             <a:r>
               <a:rPr lang="zh-TW" altLang="en-US" b="0" dirty="0"/>
@@ -19995,11 +22784,7 @@
             </a:r>
             <a:r>
               <a:rPr lang="en-US" altLang="zh-TW" dirty="0" smtClean="0"/>
-              <a:t>S</a:t>
-            </a:r>
-            <a:r>
-              <a:rPr lang="en-US" altLang="zh-TW" dirty="0" smtClean="0"/>
-              <a:t>pring Cloud </a:t>
+              <a:t>Spring Cloud </a:t>
             </a:r>
             <a:r>
               <a:rPr lang="en-US" altLang="zh-CN" dirty="0" err="1" smtClean="0"/>
@@ -20029,6 +22814,516 @@
     <p:extLst>
       <p:ext uri="{BB962C8B-B14F-4D97-AF65-F5344CB8AC3E}">
         <p14:creationId xmlns:p14="http://schemas.microsoft.com/office/powerpoint/2010/main" val="748619833"/>
+      </p:ext>
+    </p:extLst>
+  </p:cSld>
+  <p:clrMapOvr>
+    <a:masterClrMapping/>
+  </p:clrMapOvr>
+</p:sld>
+</file>
+
+<file path=ppt/slides/slide40.xml><?xml version="1.0" encoding="utf-8"?>
+<p:sld xmlns:a="http://schemas.openxmlformats.org/drawingml/2006/main" xmlns:r="http://schemas.openxmlformats.org/officeDocument/2006/relationships" xmlns:p="http://schemas.openxmlformats.org/presentationml/2006/main">
+  <p:cSld>
+    <p:spTree>
+      <p:nvGrpSpPr>
+        <p:cNvPr id="1" name=""/>
+        <p:cNvGrpSpPr/>
+        <p:nvPr/>
+      </p:nvGrpSpPr>
+      <p:grpSpPr>
+        <a:xfrm>
+          <a:off x="0" y="0"/>
+          <a:ext cx="0" cy="0"/>
+          <a:chOff x="0" y="0"/>
+          <a:chExt cx="0" cy="0"/>
+        </a:xfrm>
+      </p:grpSpPr>
+      <p:sp>
+        <p:nvSpPr>
+          <p:cNvPr id="2" name="標題 1"/>
+          <p:cNvSpPr>
+            <a:spLocks noGrp="1"/>
+          </p:cNvSpPr>
+          <p:nvPr>
+            <p:ph type="title"/>
+          </p:nvPr>
+        </p:nvSpPr>
+        <p:spPr/>
+        <p:txBody>
+          <a:bodyPr/>
+          <a:lstStyle/>
+          <a:p>
+            <a:r>
+              <a:rPr lang="zh-CN" altLang="en-US" dirty="0" smtClean="0"/>
+              <a:t>案例</a:t>
+            </a:r>
+            <a:r>
+              <a:rPr lang="en-US" altLang="zh-CN" dirty="0" smtClean="0"/>
+              <a:t>——properties</a:t>
+            </a:r>
+            <a:r>
+              <a:rPr lang="zh-CN" altLang="en-US" dirty="0" smtClean="0"/>
+              <a:t>各別更新</a:t>
+            </a:r>
+            <a:endParaRPr lang="zh-TW" altLang="en-US" dirty="0"/>
+          </a:p>
+        </p:txBody>
+      </p:sp>
+      <p:sp>
+        <p:nvSpPr>
+          <p:cNvPr id="3" name="內容版面配置區 2"/>
+          <p:cNvSpPr>
+            <a:spLocks noGrp="1"/>
+          </p:cNvSpPr>
+          <p:nvPr>
+            <p:ph sz="quarter" idx="13"/>
+          </p:nvPr>
+        </p:nvSpPr>
+        <p:spPr/>
+        <p:txBody>
+          <a:bodyPr/>
+          <a:lstStyle/>
+          <a:p>
+            <a:endParaRPr lang="zh-TW" altLang="en-US"/>
+          </a:p>
+        </p:txBody>
+      </p:sp>
+      <p:pic>
+        <p:nvPicPr>
+          <p:cNvPr id="9" name="內容版面配置區 8"/>
+          <p:cNvPicPr>
+            <a:picLocks noGrp="1" noChangeAspect="1"/>
+          </p:cNvPicPr>
+          <p:nvPr>
+            <p:ph sz="half" idx="1"/>
+          </p:nvPr>
+        </p:nvPicPr>
+        <p:blipFill>
+          <a:blip r:embed="rId2">
+            <a:extLst>
+              <a:ext uri="{28A0092B-C50C-407E-A947-70E740481C1C}">
+                <a14:useLocalDpi xmlns:a14="http://schemas.microsoft.com/office/drawing/2010/main" val="0"/>
+              </a:ext>
+            </a:extLst>
+          </a:blip>
+          <a:stretch>
+            <a:fillRect/>
+          </a:stretch>
+        </p:blipFill>
+        <p:spPr>
+          <a:xfrm>
+            <a:off x="838199" y="3100116"/>
+            <a:ext cx="5397315" cy="1332103"/>
+          </a:xfrm>
+        </p:spPr>
+      </p:pic>
+      <p:pic>
+        <p:nvPicPr>
+          <p:cNvPr id="10" name="內容版面配置區 8"/>
+          <p:cNvPicPr>
+            <a:picLocks noChangeAspect="1"/>
+          </p:cNvPicPr>
+          <p:nvPr/>
+        </p:nvPicPr>
+        <p:blipFill>
+          <a:blip r:embed="rId3">
+            <a:extLst>
+              <a:ext uri="{28A0092B-C50C-407E-A947-70E740481C1C}">
+                <a14:useLocalDpi xmlns:a14="http://schemas.microsoft.com/office/drawing/2010/main" val="0"/>
+              </a:ext>
+            </a:extLst>
+          </a:blip>
+          <a:stretch>
+            <a:fillRect/>
+          </a:stretch>
+        </p:blipFill>
+        <p:spPr>
+          <a:xfrm>
+            <a:off x="838200" y="2218968"/>
+            <a:ext cx="9896123" cy="490716"/>
+          </a:xfrm>
+          <a:prstGeom prst="rect">
+            <a:avLst/>
+          </a:prstGeom>
+        </p:spPr>
+      </p:pic>
+      <p:sp>
+        <p:nvSpPr>
+          <p:cNvPr id="11" name="文字方塊 10"/>
+          <p:cNvSpPr txBox="1"/>
+          <p:nvPr/>
+        </p:nvSpPr>
+        <p:spPr>
+          <a:xfrm>
+            <a:off x="838200" y="1899787"/>
+            <a:ext cx="1383840" cy="1200329"/>
+          </a:xfrm>
+          <a:prstGeom prst="rect">
+            <a:avLst/>
+          </a:prstGeom>
+          <a:noFill/>
+        </p:spPr>
+        <p:txBody>
+          <a:bodyPr wrap="none" rtlCol="0">
+            <a:spAutoFit/>
+          </a:bodyPr>
+          <a:lstStyle/>
+          <a:p>
+            <a:r>
+              <a:rPr lang="en-US" altLang="zh-TW" dirty="0" err="1" smtClean="0"/>
+              <a:t>ConfigServer</a:t>
+            </a:r>
+            <a:endParaRPr lang="en-US" altLang="zh-TW" dirty="0" smtClean="0"/>
+          </a:p>
+          <a:p>
+            <a:endParaRPr lang="en-US" altLang="zh-TW" dirty="0"/>
+          </a:p>
+          <a:p>
+            <a:endParaRPr lang="en-US" altLang="zh-TW" dirty="0"/>
+          </a:p>
+          <a:p>
+            <a:r>
+              <a:rPr lang="en-US" altLang="zh-TW" dirty="0" err="1" smtClean="0"/>
+              <a:t>ConfigClient</a:t>
+            </a:r>
+            <a:endParaRPr lang="zh-TW" altLang="en-US" dirty="0"/>
+          </a:p>
+        </p:txBody>
+      </p:sp>
+      <p:pic>
+        <p:nvPicPr>
+          <p:cNvPr id="12" name="內容版面配置區 8"/>
+          <p:cNvPicPr>
+            <a:picLocks noChangeAspect="1"/>
+          </p:cNvPicPr>
+          <p:nvPr/>
+        </p:nvPicPr>
+        <p:blipFill>
+          <a:blip r:embed="rId3">
+            <a:extLst>
+              <a:ext uri="{28A0092B-C50C-407E-A947-70E740481C1C}">
+                <a14:useLocalDpi xmlns:a14="http://schemas.microsoft.com/office/drawing/2010/main" val="0"/>
+              </a:ext>
+            </a:extLst>
+          </a:blip>
+          <a:stretch>
+            <a:fillRect/>
+          </a:stretch>
+        </p:blipFill>
+        <p:spPr>
+          <a:xfrm>
+            <a:off x="838200" y="5232134"/>
+            <a:ext cx="9896123" cy="490716"/>
+          </a:xfrm>
+          <a:prstGeom prst="rect">
+            <a:avLst/>
+          </a:prstGeom>
+        </p:spPr>
+      </p:pic>
+    </p:spTree>
+    <p:extLst>
+      <p:ext uri="{BB962C8B-B14F-4D97-AF65-F5344CB8AC3E}">
+        <p14:creationId xmlns:p14="http://schemas.microsoft.com/office/powerpoint/2010/main" val="2958401376"/>
+      </p:ext>
+    </p:extLst>
+  </p:cSld>
+  <p:clrMapOvr>
+    <a:masterClrMapping/>
+  </p:clrMapOvr>
+</p:sld>
+</file>
+
+<file path=ppt/slides/slide41.xml><?xml version="1.0" encoding="utf-8"?>
+<p:sld xmlns:a="http://schemas.openxmlformats.org/drawingml/2006/main" xmlns:r="http://schemas.openxmlformats.org/officeDocument/2006/relationships" xmlns:p="http://schemas.openxmlformats.org/presentationml/2006/main">
+  <p:cSld>
+    <p:spTree>
+      <p:nvGrpSpPr>
+        <p:cNvPr id="1" name=""/>
+        <p:cNvGrpSpPr/>
+        <p:nvPr/>
+      </p:nvGrpSpPr>
+      <p:grpSpPr>
+        <a:xfrm>
+          <a:off x="0" y="0"/>
+          <a:ext cx="0" cy="0"/>
+          <a:chOff x="0" y="0"/>
+          <a:chExt cx="0" cy="0"/>
+        </a:xfrm>
+      </p:grpSpPr>
+      <p:sp>
+        <p:nvSpPr>
+          <p:cNvPr id="2" name="標題 1"/>
+          <p:cNvSpPr>
+            <a:spLocks noGrp="1"/>
+          </p:cNvSpPr>
+          <p:nvPr>
+            <p:ph type="title"/>
+          </p:nvPr>
+        </p:nvSpPr>
+        <p:spPr/>
+        <p:txBody>
+          <a:bodyPr/>
+          <a:lstStyle/>
+          <a:p>
+            <a:r>
+              <a:rPr lang="zh-CN" altLang="en-US" dirty="0" smtClean="0"/>
+              <a:t>案例</a:t>
+            </a:r>
+            <a:r>
+              <a:rPr lang="en-US" altLang="zh-CN" dirty="0" smtClean="0"/>
+              <a:t>——properties</a:t>
+            </a:r>
+            <a:r>
+              <a:rPr lang="zh-CN" altLang="en-US" dirty="0" smtClean="0"/>
+              <a:t>各別更新</a:t>
+            </a:r>
+            <a:endParaRPr lang="zh-TW" altLang="en-US" dirty="0"/>
+          </a:p>
+        </p:txBody>
+      </p:sp>
+      <p:sp>
+        <p:nvSpPr>
+          <p:cNvPr id="3" name="內容版面配置區 2"/>
+          <p:cNvSpPr>
+            <a:spLocks noGrp="1"/>
+          </p:cNvSpPr>
+          <p:nvPr>
+            <p:ph sz="quarter" idx="13"/>
+          </p:nvPr>
+        </p:nvSpPr>
+        <p:spPr/>
+        <p:txBody>
+          <a:bodyPr/>
+          <a:lstStyle/>
+          <a:p>
+            <a:endParaRPr lang="zh-TW" altLang="en-US"/>
+          </a:p>
+        </p:txBody>
+      </p:sp>
+      <p:sp>
+        <p:nvSpPr>
+          <p:cNvPr id="4" name="內容版面配置區 3"/>
+          <p:cNvSpPr>
+            <a:spLocks noGrp="1"/>
+          </p:cNvSpPr>
+          <p:nvPr>
+            <p:ph sz="half" idx="1"/>
+          </p:nvPr>
+        </p:nvSpPr>
+        <p:spPr/>
+        <p:txBody>
+          <a:bodyPr/>
+          <a:lstStyle/>
+          <a:p>
+            <a:endParaRPr lang="zh-TW" altLang="en-US" dirty="0"/>
+          </a:p>
+        </p:txBody>
+      </p:sp>
+      <p:pic>
+        <p:nvPicPr>
+          <p:cNvPr id="5" name="內容版面配置區 4"/>
+          <p:cNvPicPr>
+            <a:picLocks noChangeAspect="1"/>
+          </p:cNvPicPr>
+          <p:nvPr/>
+        </p:nvPicPr>
+        <p:blipFill>
+          <a:blip r:embed="rId2">
+            <a:extLst>
+              <a:ext uri="{28A0092B-C50C-407E-A947-70E740481C1C}">
+                <a14:useLocalDpi xmlns:a14="http://schemas.microsoft.com/office/drawing/2010/main" val="0"/>
+              </a:ext>
+            </a:extLst>
+          </a:blip>
+          <a:stretch>
+            <a:fillRect/>
+          </a:stretch>
+        </p:blipFill>
+        <p:spPr>
+          <a:xfrm>
+            <a:off x="934833" y="2348596"/>
+            <a:ext cx="3581900" cy="1581371"/>
+          </a:xfrm>
+          <a:prstGeom prst="rect">
+            <a:avLst/>
+          </a:prstGeom>
+        </p:spPr>
+      </p:pic>
+      <p:pic>
+        <p:nvPicPr>
+          <p:cNvPr id="6" name="內容版面配置區 4"/>
+          <p:cNvPicPr>
+            <a:picLocks noChangeAspect="1"/>
+          </p:cNvPicPr>
+          <p:nvPr/>
+        </p:nvPicPr>
+        <p:blipFill>
+          <a:blip r:embed="rId3">
+            <a:extLst>
+              <a:ext uri="{28A0092B-C50C-407E-A947-70E740481C1C}">
+                <a14:useLocalDpi xmlns:a14="http://schemas.microsoft.com/office/drawing/2010/main" val="0"/>
+              </a:ext>
+            </a:extLst>
+          </a:blip>
+          <a:stretch>
+            <a:fillRect/>
+          </a:stretch>
+        </p:blipFill>
+        <p:spPr>
+          <a:xfrm>
+            <a:off x="934833" y="4229647"/>
+            <a:ext cx="3581900" cy="1543922"/>
+          </a:xfrm>
+          <a:prstGeom prst="rect">
+            <a:avLst/>
+          </a:prstGeom>
+        </p:spPr>
+      </p:pic>
+    </p:spTree>
+    <p:extLst>
+      <p:ext uri="{BB962C8B-B14F-4D97-AF65-F5344CB8AC3E}">
+        <p14:creationId xmlns:p14="http://schemas.microsoft.com/office/powerpoint/2010/main" val="401684304"/>
+      </p:ext>
+    </p:extLst>
+  </p:cSld>
+  <p:clrMapOvr>
+    <a:masterClrMapping/>
+  </p:clrMapOvr>
+</p:sld>
+</file>
+
+<file path=ppt/slides/slide42.xml><?xml version="1.0" encoding="utf-8"?>
+<p:sld xmlns:a="http://schemas.openxmlformats.org/drawingml/2006/main" xmlns:r="http://schemas.openxmlformats.org/officeDocument/2006/relationships" xmlns:p="http://schemas.openxmlformats.org/presentationml/2006/main">
+  <p:cSld>
+    <p:spTree>
+      <p:nvGrpSpPr>
+        <p:cNvPr id="1" name=""/>
+        <p:cNvGrpSpPr/>
+        <p:nvPr/>
+      </p:nvGrpSpPr>
+      <p:grpSpPr>
+        <a:xfrm>
+          <a:off x="0" y="0"/>
+          <a:ext cx="0" cy="0"/>
+          <a:chOff x="0" y="0"/>
+          <a:chExt cx="0" cy="0"/>
+        </a:xfrm>
+      </p:grpSpPr>
+      <p:sp>
+        <p:nvSpPr>
+          <p:cNvPr id="4" name="標題 3"/>
+          <p:cNvSpPr>
+            <a:spLocks noGrp="1"/>
+          </p:cNvSpPr>
+          <p:nvPr>
+            <p:ph type="ctrTitle"/>
+          </p:nvPr>
+        </p:nvSpPr>
+        <p:spPr/>
+        <p:txBody>
+          <a:bodyPr>
+            <a:normAutofit/>
+          </a:bodyPr>
+          <a:lstStyle/>
+          <a:p>
+            <a:r>
+              <a:rPr lang="en-US" altLang="zh-TW" sz="6600" dirty="0">
+                <a:latin typeface="Tw Cen MT" pitchFamily="34" charset="0"/>
+              </a:rPr>
+              <a:t>Thank You</a:t>
+            </a:r>
+            <a:endParaRPr lang="zh-TW" altLang="en-US" sz="6600" dirty="0">
+              <a:latin typeface="Tw Cen MT" pitchFamily="34" charset="0"/>
+            </a:endParaRPr>
+          </a:p>
+        </p:txBody>
+      </p:sp>
+      <p:sp>
+        <p:nvSpPr>
+          <p:cNvPr id="6" name="副標題 5"/>
+          <p:cNvSpPr>
+            <a:spLocks noGrp="1"/>
+          </p:cNvSpPr>
+          <p:nvPr>
+            <p:ph type="subTitle" idx="1"/>
+          </p:nvPr>
+        </p:nvSpPr>
+        <p:spPr/>
+        <p:txBody>
+          <a:bodyPr/>
+          <a:lstStyle/>
+          <a:p>
+            <a:r>
+              <a:rPr lang="en-US" altLang="zh-TW" sz="2800" b="0" dirty="0" smtClean="0">
+                <a:latin typeface="Tw Cen MT" pitchFamily="34" charset="0"/>
+              </a:rPr>
+              <a:t>Q</a:t>
+            </a:r>
+            <a:r>
+              <a:rPr lang="zh-TW" altLang="en-US" sz="2800" b="0" dirty="0" smtClean="0">
+                <a:latin typeface="Tw Cen MT" pitchFamily="34" charset="0"/>
+              </a:rPr>
+              <a:t> </a:t>
+            </a:r>
+            <a:r>
+              <a:rPr lang="en-US" altLang="zh-TW" sz="2800" b="0" dirty="0">
+                <a:latin typeface="Tw Cen MT" pitchFamily="34" charset="0"/>
+              </a:rPr>
+              <a:t>&amp;</a:t>
+            </a:r>
+            <a:r>
+              <a:rPr lang="zh-TW" altLang="en-US" sz="2800" b="0" dirty="0">
+                <a:latin typeface="Tw Cen MT" pitchFamily="34" charset="0"/>
+              </a:rPr>
+              <a:t> </a:t>
+            </a:r>
+            <a:r>
+              <a:rPr lang="en-US" altLang="zh-TW" sz="2800" b="0" dirty="0">
+                <a:latin typeface="Tw Cen MT" pitchFamily="34" charset="0"/>
+              </a:rPr>
+              <a:t>A</a:t>
+            </a:r>
+            <a:endParaRPr lang="zh-TW" altLang="en-US" b="0" dirty="0">
+              <a:latin typeface="Tw Cen MT" pitchFamily="34" charset="0"/>
+            </a:endParaRPr>
+          </a:p>
+        </p:txBody>
+      </p:sp>
+      <p:sp>
+        <p:nvSpPr>
+          <p:cNvPr id="7" name="文字版面配置區 6"/>
+          <p:cNvSpPr>
+            <a:spLocks noGrp="1"/>
+          </p:cNvSpPr>
+          <p:nvPr>
+            <p:ph type="body" sz="quarter" idx="13"/>
+          </p:nvPr>
+        </p:nvSpPr>
+        <p:spPr/>
+        <p:txBody>
+          <a:bodyPr>
+            <a:normAutofit lnSpcReduction="10000"/>
+          </a:bodyPr>
+          <a:lstStyle/>
+          <a:p>
+            <a:r>
+              <a:rPr lang="en-US" altLang="zh-TW" dirty="0"/>
+              <a:t>By </a:t>
+            </a:r>
+            <a:r>
+              <a:rPr lang="en-US" altLang="zh-CN" dirty="0"/>
+              <a:t>Moon</a:t>
+            </a:r>
+            <a:endParaRPr lang="zh-TW" altLang="en-US" dirty="0"/>
+          </a:p>
+        </p:txBody>
+      </p:sp>
+    </p:spTree>
+    <p:extLst>
+      <p:ext uri="{BB962C8B-B14F-4D97-AF65-F5344CB8AC3E}">
+        <p14:creationId xmlns:p14="http://schemas.microsoft.com/office/powerpoint/2010/main" val="3310412145"/>
       </p:ext>
     </p:extLst>
   </p:cSld>

--- a/空白PPT.pptx
+++ b/空白PPT.pptx
@@ -5,7 +5,7 @@
     <p:sldMasterId id="2147483648" r:id="rId1"/>
   </p:sldMasterIdLst>
   <p:notesMasterIdLst>
-    <p:notesMasterId r:id="rId44"/>
+    <p:notesMasterId r:id="rId49"/>
   </p:notesMasterIdLst>
   <p:sldIdLst>
     <p:sldId id="256" r:id="rId2"/>
@@ -20,36 +20,41 @@
     <p:sldId id="405" r:id="rId11"/>
     <p:sldId id="406" r:id="rId12"/>
     <p:sldId id="407" r:id="rId13"/>
-    <p:sldId id="412" r:id="rId14"/>
-    <p:sldId id="354" r:id="rId15"/>
-    <p:sldId id="388" r:id="rId16"/>
-    <p:sldId id="384" r:id="rId17"/>
-    <p:sldId id="385" r:id="rId18"/>
-    <p:sldId id="386" r:id="rId19"/>
-    <p:sldId id="387" r:id="rId20"/>
-    <p:sldId id="392" r:id="rId21"/>
-    <p:sldId id="393" r:id="rId22"/>
-    <p:sldId id="394" r:id="rId23"/>
-    <p:sldId id="396" r:id="rId24"/>
-    <p:sldId id="395" r:id="rId25"/>
-    <p:sldId id="397" r:id="rId26"/>
-    <p:sldId id="398" r:id="rId27"/>
-    <p:sldId id="399" r:id="rId28"/>
-    <p:sldId id="419" r:id="rId29"/>
-    <p:sldId id="428" r:id="rId30"/>
-    <p:sldId id="415" r:id="rId31"/>
-    <p:sldId id="403" r:id="rId32"/>
-    <p:sldId id="416" r:id="rId33"/>
-    <p:sldId id="421" r:id="rId34"/>
-    <p:sldId id="417" r:id="rId35"/>
-    <p:sldId id="424" r:id="rId36"/>
-    <p:sldId id="422" r:id="rId37"/>
+    <p:sldId id="434" r:id="rId14"/>
+    <p:sldId id="432" r:id="rId15"/>
+    <p:sldId id="412" r:id="rId16"/>
+    <p:sldId id="354" r:id="rId17"/>
+    <p:sldId id="388" r:id="rId18"/>
+    <p:sldId id="384" r:id="rId19"/>
+    <p:sldId id="385" r:id="rId20"/>
+    <p:sldId id="386" r:id="rId21"/>
+    <p:sldId id="387" r:id="rId22"/>
+    <p:sldId id="392" r:id="rId23"/>
+    <p:sldId id="393" r:id="rId24"/>
+    <p:sldId id="394" r:id="rId25"/>
+    <p:sldId id="396" r:id="rId26"/>
+    <p:sldId id="395" r:id="rId27"/>
+    <p:sldId id="397" r:id="rId28"/>
+    <p:sldId id="398" r:id="rId29"/>
+    <p:sldId id="399" r:id="rId30"/>
+    <p:sldId id="419" r:id="rId31"/>
+    <p:sldId id="428" r:id="rId32"/>
+    <p:sldId id="429" r:id="rId33"/>
+    <p:sldId id="415" r:id="rId34"/>
+    <p:sldId id="403" r:id="rId35"/>
+    <p:sldId id="416" r:id="rId36"/>
+    <p:sldId id="421" r:id="rId37"/>
     <p:sldId id="418" r:id="rId38"/>
-    <p:sldId id="427" r:id="rId39"/>
-    <p:sldId id="426" r:id="rId40"/>
-    <p:sldId id="425" r:id="rId41"/>
-    <p:sldId id="420" r:id="rId42"/>
-    <p:sldId id="286" r:id="rId43"/>
+    <p:sldId id="424" r:id="rId39"/>
+    <p:sldId id="417" r:id="rId40"/>
+    <p:sldId id="422" r:id="rId41"/>
+    <p:sldId id="430" r:id="rId42"/>
+    <p:sldId id="427" r:id="rId43"/>
+    <p:sldId id="426" r:id="rId44"/>
+    <p:sldId id="425" r:id="rId45"/>
+    <p:sldId id="420" r:id="rId46"/>
+    <p:sldId id="433" r:id="rId47"/>
+    <p:sldId id="286" r:id="rId48"/>
   </p:sldIdLst>
   <p:sldSz cx="12192000" cy="6858000"/>
   <p:notesSz cx="6858000" cy="9144000"/>
@@ -165,6 +170,8 @@
             <p14:sldId id="405"/>
             <p14:sldId id="406"/>
             <p14:sldId id="407"/>
+            <p14:sldId id="434"/>
+            <p14:sldId id="432"/>
             <p14:sldId id="412"/>
             <p14:sldId id="354"/>
             <p14:sldId id="388"/>
@@ -182,18 +189,21 @@
             <p14:sldId id="399"/>
             <p14:sldId id="419"/>
             <p14:sldId id="428"/>
+            <p14:sldId id="429"/>
             <p14:sldId id="415"/>
             <p14:sldId id="403"/>
             <p14:sldId id="416"/>
             <p14:sldId id="421"/>
+            <p14:sldId id="418"/>
+            <p14:sldId id="424"/>
             <p14:sldId id="417"/>
-            <p14:sldId id="424"/>
             <p14:sldId id="422"/>
-            <p14:sldId id="418"/>
+            <p14:sldId id="430"/>
             <p14:sldId id="427"/>
             <p14:sldId id="426"/>
             <p14:sldId id="425"/>
             <p14:sldId id="420"/>
+            <p14:sldId id="433"/>
             <p14:sldId id="286"/>
           </p14:sldIdLst>
         </p14:section>
@@ -299,7 +309,7 @@
           <a:p>
             <a:fld id="{1BA5755D-7932-44A5-A2C7-C8A2CBF288E8}" type="datetimeFigureOut">
               <a:rPr lang="zh-TW" altLang="en-US" smtClean="0"/>
-              <a:t>2020/2/13</a:t>
+              <a:t>2020/2/14</a:t>
             </a:fld>
             <a:endParaRPr lang="zh-TW" altLang="en-US"/>
           </a:p>
@@ -650,6 +660,98 @@
 </p:notes>
 </file>
 
+<file path=ppt/notesSlides/notesSlide10.xml><?xml version="1.0" encoding="utf-8"?>
+<p:notes xmlns:a="http://schemas.openxmlformats.org/drawingml/2006/main" xmlns:r="http://schemas.openxmlformats.org/officeDocument/2006/relationships" xmlns:p="http://schemas.openxmlformats.org/presentationml/2006/main">
+  <p:cSld>
+    <p:spTree>
+      <p:nvGrpSpPr>
+        <p:cNvPr id="1" name=""/>
+        <p:cNvGrpSpPr/>
+        <p:nvPr/>
+      </p:nvGrpSpPr>
+      <p:grpSpPr>
+        <a:xfrm>
+          <a:off x="0" y="0"/>
+          <a:ext cx="0" cy="0"/>
+          <a:chOff x="0" y="0"/>
+          <a:chExt cx="0" cy="0"/>
+        </a:xfrm>
+      </p:grpSpPr>
+      <p:sp>
+        <p:nvSpPr>
+          <p:cNvPr id="2" name="投影片圖像版面配置區 1"/>
+          <p:cNvSpPr>
+            <a:spLocks noGrp="1" noRot="1" noChangeAspect="1"/>
+          </p:cNvSpPr>
+          <p:nvPr>
+            <p:ph type="sldImg"/>
+          </p:nvPr>
+        </p:nvSpPr>
+        <p:spPr/>
+      </p:sp>
+      <p:sp>
+        <p:nvSpPr>
+          <p:cNvPr id="3" name="備忘稿版面配置區 2"/>
+          <p:cNvSpPr>
+            <a:spLocks noGrp="1"/>
+          </p:cNvSpPr>
+          <p:nvPr>
+            <p:ph type="body" idx="1"/>
+          </p:nvPr>
+        </p:nvSpPr>
+        <p:spPr/>
+        <p:txBody>
+          <a:bodyPr/>
+          <a:lstStyle/>
+          <a:p>
+            <a:r>
+              <a:rPr lang="zh-CN" altLang="en-US" dirty="0" smtClean="0"/>
+              <a:t>根據不同的服務，分開更新，雖然他們共用</a:t>
+            </a:r>
+            <a:r>
+              <a:rPr lang="en-US" altLang="zh-CN" dirty="0" smtClean="0"/>
+              <a:t>properties</a:t>
+            </a:r>
+            <a:endParaRPr lang="zh-TW" altLang="en-US" dirty="0"/>
+          </a:p>
+        </p:txBody>
+      </p:sp>
+      <p:sp>
+        <p:nvSpPr>
+          <p:cNvPr id="4" name="投影片編號版面配置區 3"/>
+          <p:cNvSpPr>
+            <a:spLocks noGrp="1"/>
+          </p:cNvSpPr>
+          <p:nvPr>
+            <p:ph type="sldNum" sz="quarter" idx="10"/>
+          </p:nvPr>
+        </p:nvSpPr>
+        <p:spPr/>
+        <p:txBody>
+          <a:bodyPr/>
+          <a:lstStyle/>
+          <a:p>
+            <a:fld id="{EEBFCD98-6B9E-4D19-9C43-11FCDEF19DFC}" type="slidenum">
+              <a:rPr lang="zh-TW" altLang="en-US" smtClean="0"/>
+              <a:t>42</a:t>
+            </a:fld>
+            <a:endParaRPr lang="zh-TW" altLang="en-US"/>
+          </a:p>
+        </p:txBody>
+      </p:sp>
+    </p:spTree>
+    <p:extLst>
+      <p:ext uri="{BB962C8B-B14F-4D97-AF65-F5344CB8AC3E}">
+        <p14:creationId xmlns:p14="http://schemas.microsoft.com/office/powerpoint/2010/main" val="4289445756"/>
+      </p:ext>
+    </p:extLst>
+  </p:cSld>
+  <p:clrMapOvr>
+    <a:masterClrMapping/>
+  </p:clrMapOvr>
+</p:notes>
+</file>
+
 <file path=ppt/notesSlides/notesSlide2.xml><?xml version="1.0" encoding="utf-8"?>
 <p:notes xmlns:a="http://schemas.openxmlformats.org/drawingml/2006/main" xmlns:r="http://schemas.openxmlformats.org/officeDocument/2006/relationships" xmlns:p="http://schemas.openxmlformats.org/presentationml/2006/main">
   <p:cSld>
@@ -948,7 +1050,7 @@
           <a:p>
             <a:fld id="{EEBFCD98-6B9E-4D19-9C43-11FCDEF19DFC}" type="slidenum">
               <a:rPr lang="zh-TW" altLang="en-US" smtClean="0"/>
-              <a:t>31</a:t>
+              <a:t>34</a:t>
             </a:fld>
             <a:endParaRPr lang="zh-TW" altLang="en-US"/>
           </a:p>
@@ -1080,7 +1182,7 @@
           <a:p>
             <a:fld id="{EEBFCD98-6B9E-4D19-9C43-11FCDEF19DFC}" type="slidenum">
               <a:rPr lang="zh-TW" altLang="en-US" smtClean="0"/>
-              <a:t>32</a:t>
+              <a:t>35</a:t>
             </a:fld>
             <a:endParaRPr lang="zh-TW" altLang="en-US"/>
           </a:p>
@@ -1212,7 +1314,7 @@
           <a:p>
             <a:fld id="{EEBFCD98-6B9E-4D19-9C43-11FCDEF19DFC}" type="slidenum">
               <a:rPr lang="zh-TW" altLang="en-US" smtClean="0"/>
-              <a:t>34</a:t>
+              <a:t>37</a:t>
             </a:fld>
             <a:endParaRPr lang="zh-TW" altLang="en-US"/>
           </a:p>
@@ -1344,7 +1446,7 @@
           <a:p>
             <a:fld id="{EEBFCD98-6B9E-4D19-9C43-11FCDEF19DFC}" type="slidenum">
               <a:rPr lang="zh-TW" altLang="en-US" smtClean="0"/>
-              <a:t>35</a:t>
+              <a:t>38</a:t>
             </a:fld>
             <a:endParaRPr lang="zh-TW" altLang="en-US"/>
           </a:p>
@@ -1476,7 +1578,7 @@
           <a:p>
             <a:fld id="{EEBFCD98-6B9E-4D19-9C43-11FCDEF19DFC}" type="slidenum">
               <a:rPr lang="zh-TW" altLang="en-US" smtClean="0"/>
-              <a:t>36</a:t>
+              <a:t>39</a:t>
             </a:fld>
             <a:endParaRPr lang="zh-TW" altLang="en-US"/>
           </a:p>
@@ -1608,7 +1710,7 @@
           <a:p>
             <a:fld id="{EEBFCD98-6B9E-4D19-9C43-11FCDEF19DFC}" type="slidenum">
               <a:rPr lang="zh-TW" altLang="en-US" smtClean="0"/>
-              <a:t>37</a:t>
+              <a:t>40</a:t>
             </a:fld>
             <a:endParaRPr lang="zh-TW" altLang="en-US"/>
           </a:p>
@@ -1835,7 +1937,7 @@
           <a:p>
             <a:fld id="{75F8934F-7F83-1046-9341-02CE27D9104D}" type="datetimeFigureOut">
               <a:rPr kumimoji="1" lang="zh-TW" altLang="en-US" smtClean="0"/>
-              <a:t>2020/2/13</a:t>
+              <a:t>2020/2/14</a:t>
             </a:fld>
             <a:endParaRPr kumimoji="1" lang="zh-TW" altLang="en-US" dirty="0"/>
           </a:p>
@@ -2068,7 +2170,7 @@
           <a:p>
             <a:fld id="{75F8934F-7F83-1046-9341-02CE27D9104D}" type="datetimeFigureOut">
               <a:rPr kumimoji="1" lang="zh-TW" altLang="en-US" smtClean="0"/>
-              <a:t>2020/2/13</a:t>
+              <a:t>2020/2/14</a:t>
             </a:fld>
             <a:endParaRPr kumimoji="1" lang="zh-TW" altLang="en-US"/>
           </a:p>
@@ -2309,7 +2411,7 @@
           <a:p>
             <a:fld id="{75F8934F-7F83-1046-9341-02CE27D9104D}" type="datetimeFigureOut">
               <a:rPr kumimoji="1" lang="zh-TW" altLang="en-US" smtClean="0"/>
-              <a:t>2020/2/13</a:t>
+              <a:t>2020/2/14</a:t>
             </a:fld>
             <a:endParaRPr kumimoji="1" lang="zh-TW" altLang="en-US"/>
           </a:p>
@@ -3408,7 +3510,7 @@
           <a:p>
             <a:fld id="{75F8934F-7F83-1046-9341-02CE27D9104D}" type="datetimeFigureOut">
               <a:rPr kumimoji="1" lang="zh-TW" altLang="en-US" smtClean="0"/>
-              <a:t>2020/2/13</a:t>
+              <a:t>2020/2/14</a:t>
             </a:fld>
             <a:endParaRPr kumimoji="1" lang="zh-TW" altLang="en-US"/>
           </a:p>
@@ -4550,7 +4652,7 @@
           <a:p>
             <a:fld id="{75F8934F-7F83-1046-9341-02CE27D9104D}" type="datetimeFigureOut">
               <a:rPr kumimoji="1" lang="zh-TW" altLang="en-US" smtClean="0"/>
-              <a:t>2020/2/13</a:t>
+              <a:t>2020/2/14</a:t>
             </a:fld>
             <a:endParaRPr kumimoji="1" lang="zh-TW" altLang="en-US"/>
           </a:p>
@@ -4963,7 +5065,7 @@
           <a:p>
             <a:fld id="{75F8934F-7F83-1046-9341-02CE27D9104D}" type="datetimeFigureOut">
               <a:rPr kumimoji="1" lang="zh-TW" altLang="en-US" smtClean="0"/>
-              <a:t>2020/2/13</a:t>
+              <a:t>2020/2/14</a:t>
             </a:fld>
             <a:endParaRPr kumimoji="1" lang="zh-TW" altLang="en-US"/>
           </a:p>
@@ -5364,7 +5466,7 @@
           <a:p>
             <a:fld id="{75F8934F-7F83-1046-9341-02CE27D9104D}" type="datetimeFigureOut">
               <a:rPr kumimoji="1" lang="zh-TW" altLang="en-US" smtClean="0"/>
-              <a:t>2020/2/13</a:t>
+              <a:t>2020/2/14</a:t>
             </a:fld>
             <a:endParaRPr kumimoji="1" lang="zh-TW" altLang="en-US"/>
           </a:p>
@@ -5774,7 +5876,7 @@
           <a:p>
             <a:fld id="{75F8934F-7F83-1046-9341-02CE27D9104D}" type="datetimeFigureOut">
               <a:rPr kumimoji="1" lang="zh-TW" altLang="en-US" smtClean="0"/>
-              <a:t>2020/2/13</a:t>
+              <a:t>2020/2/14</a:t>
             </a:fld>
             <a:endParaRPr kumimoji="1" lang="zh-TW" altLang="en-US"/>
           </a:p>
@@ -6295,7 +6397,7 @@
           <a:p>
             <a:fld id="{75F8934F-7F83-1046-9341-02CE27D9104D}" type="datetimeFigureOut">
               <a:rPr kumimoji="1" lang="zh-TW" altLang="en-US" smtClean="0"/>
-              <a:t>2020/2/13</a:t>
+              <a:t>2020/2/14</a:t>
             </a:fld>
             <a:endParaRPr kumimoji="1" lang="zh-TW" altLang="en-US"/>
           </a:p>
@@ -6807,7 +6909,7 @@
           <a:p>
             <a:fld id="{75F8934F-7F83-1046-9341-02CE27D9104D}" type="datetimeFigureOut">
               <a:rPr kumimoji="1" lang="zh-TW" altLang="en-US" smtClean="0"/>
-              <a:t>2020/2/13</a:t>
+              <a:t>2020/2/14</a:t>
             </a:fld>
             <a:endParaRPr kumimoji="1" lang="zh-TW" altLang="en-US"/>
           </a:p>
@@ -7316,7 +7418,7 @@
           <a:p>
             <a:fld id="{75F8934F-7F83-1046-9341-02CE27D9104D}" type="datetimeFigureOut">
               <a:rPr kumimoji="1" lang="zh-TW" altLang="en-US" smtClean="0"/>
-              <a:t>2020/2/13</a:t>
+              <a:t>2020/2/14</a:t>
             </a:fld>
             <a:endParaRPr kumimoji="1" lang="zh-TW" altLang="en-US"/>
           </a:p>
@@ -8070,7 +8172,7 @@
           <a:p>
             <a:fld id="{75F8934F-7F83-1046-9341-02CE27D9104D}" type="datetimeFigureOut">
               <a:rPr kumimoji="1" lang="zh-TW" altLang="en-US" smtClean="0"/>
-              <a:t>2020/2/13</a:t>
+              <a:t>2020/2/14</a:t>
             </a:fld>
             <a:endParaRPr kumimoji="1" lang="zh-TW" altLang="en-US"/>
           </a:p>
@@ -8426,7 +8528,7 @@
           <a:p>
             <a:fld id="{75F8934F-7F83-1046-9341-02CE27D9104D}" type="datetimeFigureOut">
               <a:rPr kumimoji="1" lang="zh-TW" altLang="en-US" smtClean="0"/>
-              <a:t>2020/2/13</a:t>
+              <a:t>2020/2/14</a:t>
             </a:fld>
             <a:endParaRPr kumimoji="1" lang="zh-TW" altLang="en-US"/>
           </a:p>
@@ -9160,7 +9262,7 @@
           <a:p>
             <a:fld id="{75F8934F-7F83-1046-9341-02CE27D9104D}" type="datetimeFigureOut">
               <a:rPr kumimoji="1" lang="zh-TW" altLang="en-US" smtClean="0"/>
-              <a:t>2020/2/13</a:t>
+              <a:t>2020/2/14</a:t>
             </a:fld>
             <a:endParaRPr kumimoji="1" lang="zh-TW" altLang="en-US"/>
           </a:p>
@@ -9730,7 +9832,7 @@
           <a:p>
             <a:fld id="{75F8934F-7F83-1046-9341-02CE27D9104D}" type="datetimeFigureOut">
               <a:rPr kumimoji="1" lang="zh-TW" altLang="en-US" smtClean="0"/>
-              <a:t>2020/2/13</a:t>
+              <a:t>2020/2/14</a:t>
             </a:fld>
             <a:endParaRPr kumimoji="1" lang="zh-TW" altLang="en-US"/>
           </a:p>
@@ -10189,7 +10291,7 @@
           <a:p>
             <a:fld id="{75F8934F-7F83-1046-9341-02CE27D9104D}" type="datetimeFigureOut">
               <a:rPr kumimoji="1" lang="zh-TW" altLang="en-US" smtClean="0"/>
-              <a:t>2020/2/13</a:t>
+              <a:t>2020/2/14</a:t>
             </a:fld>
             <a:endParaRPr kumimoji="1" lang="zh-TW" altLang="en-US"/>
           </a:p>
@@ -10473,7 +10575,7 @@
           <a:p>
             <a:fld id="{75F8934F-7F83-1046-9341-02CE27D9104D}" type="datetimeFigureOut">
               <a:rPr kumimoji="1" lang="zh-TW" altLang="en-US" smtClean="0"/>
-              <a:t>2020/2/13</a:t>
+              <a:t>2020/2/14</a:t>
             </a:fld>
             <a:endParaRPr kumimoji="1" lang="zh-TW" altLang="en-US"/>
           </a:p>
@@ -10993,7 +11095,7 @@
           <a:p>
             <a:fld id="{58A8743F-B12E-458C-9EA7-7F147439A6EC}" type="datetimeFigureOut">
               <a:rPr lang="zh-TW" altLang="en-US" smtClean="0"/>
-              <a:t>2020/2/13</a:t>
+              <a:t>2020/2/14</a:t>
             </a:fld>
             <a:endParaRPr lang="zh-TW" altLang="en-US"/>
           </a:p>
@@ -11446,7 +11548,7 @@
           <a:p>
             <a:fld id="{75F8934F-7F83-1046-9341-02CE27D9104D}" type="datetimeFigureOut">
               <a:rPr kumimoji="1" lang="zh-TW" altLang="en-US" smtClean="0"/>
-              <a:t>2020/2/13</a:t>
+              <a:t>2020/2/14</a:t>
             </a:fld>
             <a:endParaRPr kumimoji="1" lang="zh-TW" altLang="en-US" dirty="0"/>
           </a:p>
@@ -11773,7 +11875,7 @@
           <a:p>
             <a:fld id="{75F8934F-7F83-1046-9341-02CE27D9104D}" type="datetimeFigureOut">
               <a:rPr kumimoji="1" lang="zh-TW" altLang="en-US" smtClean="0"/>
-              <a:t>2020/2/13</a:t>
+              <a:t>2020/2/14</a:t>
             </a:fld>
             <a:endParaRPr kumimoji="1" lang="zh-TW" altLang="en-US" dirty="0"/>
           </a:p>
@@ -12223,7 +12325,7 @@
           <a:p>
             <a:fld id="{75F8934F-7F83-1046-9341-02CE27D9104D}" type="datetimeFigureOut">
               <a:rPr kumimoji="1" lang="zh-TW" altLang="en-US" smtClean="0"/>
-              <a:t>2020/2/13</a:t>
+              <a:t>2020/2/14</a:t>
             </a:fld>
             <a:endParaRPr kumimoji="1" lang="zh-TW" altLang="en-US" dirty="0"/>
           </a:p>
@@ -12478,7 +12580,7 @@
           <a:p>
             <a:fld id="{75F8934F-7F83-1046-9341-02CE27D9104D}" type="datetimeFigureOut">
               <a:rPr kumimoji="1" lang="zh-TW" altLang="en-US" smtClean="0"/>
-              <a:t>2020/2/13</a:t>
+              <a:t>2020/2/14</a:t>
             </a:fld>
             <a:endParaRPr kumimoji="1" lang="zh-TW" altLang="en-US"/>
           </a:p>
@@ -13086,7 +13188,7 @@
           <a:p>
             <a:fld id="{75F8934F-7F83-1046-9341-02CE27D9104D}" type="datetimeFigureOut">
               <a:rPr kumimoji="1" lang="zh-TW" altLang="en-US" smtClean="0"/>
-              <a:t>2020/2/13</a:t>
+              <a:t>2020/2/14</a:t>
             </a:fld>
             <a:endParaRPr kumimoji="1" lang="zh-TW" altLang="en-US"/>
           </a:p>
@@ -13996,7 +14098,7 @@
           <a:p>
             <a:fld id="{75F8934F-7F83-1046-9341-02CE27D9104D}" type="datetimeFigureOut">
               <a:rPr kumimoji="1" lang="zh-TW" altLang="en-US" smtClean="0"/>
-              <a:t>2020/2/13</a:t>
+              <a:t>2020/2/14</a:t>
             </a:fld>
             <a:endParaRPr kumimoji="1" lang="zh-TW" altLang="en-US"/>
           </a:p>
@@ -15078,7 +15180,7 @@
           <a:p>
             <a:fld id="{75F8934F-7F83-1046-9341-02CE27D9104D}" type="datetimeFigureOut">
               <a:rPr kumimoji="1" lang="zh-TW" altLang="en-US" smtClean="0"/>
-              <a:t>2020/2/13</a:t>
+              <a:t>2020/2/14</a:t>
             </a:fld>
             <a:endParaRPr kumimoji="1" lang="zh-TW" altLang="en-US"/>
           </a:p>
@@ -15525,7 +15627,7 @@
           <a:p>
             <a:fld id="{75F8934F-7F83-1046-9341-02CE27D9104D}" type="datetimeFigureOut">
               <a:rPr kumimoji="1" lang="zh-TW" altLang="en-US" smtClean="0"/>
-              <a:t>2020/2/13</a:t>
+              <a:t>2020/2/14</a:t>
             </a:fld>
             <a:endParaRPr kumimoji="1" lang="zh-TW" altLang="en-US"/>
           </a:p>
@@ -16788,6 +16890,177 @@
           <a:lstStyle/>
           <a:p>
             <a:r>
+              <a:rPr lang="en-US" altLang="zh-TW" dirty="0" smtClean="0"/>
+              <a:t>Repos</a:t>
+            </a:r>
+            <a:endParaRPr lang="zh-TW" altLang="en-US" dirty="0"/>
+          </a:p>
+        </p:txBody>
+      </p:sp>
+      <p:sp>
+        <p:nvSpPr>
+          <p:cNvPr id="3" name="內容版面配置區 2"/>
+          <p:cNvSpPr>
+            <a:spLocks noGrp="1"/>
+          </p:cNvSpPr>
+          <p:nvPr>
+            <p:ph sz="quarter" idx="13"/>
+          </p:nvPr>
+        </p:nvSpPr>
+        <p:spPr/>
+        <p:txBody>
+          <a:bodyPr/>
+          <a:lstStyle/>
+          <a:p>
+            <a:endParaRPr lang="zh-TW" altLang="en-US" dirty="0"/>
+          </a:p>
+        </p:txBody>
+      </p:sp>
+      <p:sp>
+        <p:nvSpPr>
+          <p:cNvPr id="4" name="內容版面配置區 3"/>
+          <p:cNvSpPr>
+            <a:spLocks noGrp="1"/>
+          </p:cNvSpPr>
+          <p:nvPr>
+            <p:ph sz="half" idx="1"/>
+          </p:nvPr>
+        </p:nvSpPr>
+        <p:spPr/>
+        <p:txBody>
+          <a:bodyPr/>
+          <a:lstStyle/>
+          <a:p>
+            <a:endParaRPr lang="zh-TW" altLang="en-US"/>
+          </a:p>
+        </p:txBody>
+      </p:sp>
+    </p:spTree>
+    <p:extLst>
+      <p:ext uri="{BB962C8B-B14F-4D97-AF65-F5344CB8AC3E}">
+        <p14:creationId xmlns:p14="http://schemas.microsoft.com/office/powerpoint/2010/main" val="500354761"/>
+      </p:ext>
+    </p:extLst>
+  </p:cSld>
+  <p:clrMapOvr>
+    <a:masterClrMapping/>
+  </p:clrMapOvr>
+</p:sld>
+</file>
+
+<file path=ppt/slides/slide14.xml><?xml version="1.0" encoding="utf-8"?>
+<p:sld xmlns:a="http://schemas.openxmlformats.org/drawingml/2006/main" xmlns:r="http://schemas.openxmlformats.org/officeDocument/2006/relationships" xmlns:p="http://schemas.openxmlformats.org/presentationml/2006/main">
+  <p:cSld>
+    <p:spTree>
+      <p:nvGrpSpPr>
+        <p:cNvPr id="1" name=""/>
+        <p:cNvGrpSpPr/>
+        <p:nvPr/>
+      </p:nvGrpSpPr>
+      <p:grpSpPr>
+        <a:xfrm>
+          <a:off x="0" y="0"/>
+          <a:ext cx="0" cy="0"/>
+          <a:chOff x="0" y="0"/>
+          <a:chExt cx="0" cy="0"/>
+        </a:xfrm>
+      </p:grpSpPr>
+      <p:sp>
+        <p:nvSpPr>
+          <p:cNvPr id="4" name="標題 3"/>
+          <p:cNvSpPr>
+            <a:spLocks noGrp="1"/>
+          </p:cNvSpPr>
+          <p:nvPr>
+            <p:ph type="title"/>
+          </p:nvPr>
+        </p:nvSpPr>
+        <p:spPr/>
+        <p:txBody>
+          <a:bodyPr/>
+          <a:lstStyle/>
+          <a:p>
+            <a:r>
+              <a:rPr lang="en-US" altLang="zh-TW" dirty="0" smtClean="0"/>
+              <a:t>2. </a:t>
+            </a:r>
+            <a:r>
+              <a:rPr lang="en-US" altLang="zh-TW" dirty="0" err="1" smtClean="0"/>
+              <a:t>Config</a:t>
+            </a:r>
+            <a:r>
+              <a:rPr lang="zh-CN" altLang="en-US" dirty="0"/>
+              <a:t>的自動化更新</a:t>
+            </a:r>
+            <a:endParaRPr lang="en-US" altLang="zh-TW" dirty="0"/>
+          </a:p>
+        </p:txBody>
+      </p:sp>
+      <p:sp>
+        <p:nvSpPr>
+          <p:cNvPr id="5" name="文字版面配置區 4"/>
+          <p:cNvSpPr>
+            <a:spLocks noGrp="1"/>
+          </p:cNvSpPr>
+          <p:nvPr>
+            <p:ph type="body" idx="1"/>
+          </p:nvPr>
+        </p:nvSpPr>
+        <p:spPr/>
+        <p:txBody>
+          <a:bodyPr/>
+          <a:lstStyle/>
+          <a:p>
+            <a:endParaRPr lang="zh-TW" altLang="en-US" dirty="0"/>
+          </a:p>
+        </p:txBody>
+      </p:sp>
+    </p:spTree>
+    <p:extLst>
+      <p:ext uri="{BB962C8B-B14F-4D97-AF65-F5344CB8AC3E}">
+        <p14:creationId xmlns:p14="http://schemas.microsoft.com/office/powerpoint/2010/main" val="3402392212"/>
+      </p:ext>
+    </p:extLst>
+  </p:cSld>
+  <p:clrMapOvr>
+    <a:masterClrMapping/>
+  </p:clrMapOvr>
+</p:sld>
+</file>
+
+<file path=ppt/slides/slide15.xml><?xml version="1.0" encoding="utf-8"?>
+<p:sld xmlns:a="http://schemas.openxmlformats.org/drawingml/2006/main" xmlns:r="http://schemas.openxmlformats.org/officeDocument/2006/relationships" xmlns:p="http://schemas.openxmlformats.org/presentationml/2006/main">
+  <p:cSld>
+    <p:spTree>
+      <p:nvGrpSpPr>
+        <p:cNvPr id="1" name=""/>
+        <p:cNvGrpSpPr/>
+        <p:nvPr/>
+      </p:nvGrpSpPr>
+      <p:grpSpPr>
+        <a:xfrm>
+          <a:off x="0" y="0"/>
+          <a:ext cx="0" cy="0"/>
+          <a:chOff x="0" y="0"/>
+          <a:chExt cx="0" cy="0"/>
+        </a:xfrm>
+      </p:grpSpPr>
+      <p:sp>
+        <p:nvSpPr>
+          <p:cNvPr id="2" name="標題 1"/>
+          <p:cNvSpPr>
+            <a:spLocks noGrp="1"/>
+          </p:cNvSpPr>
+          <p:nvPr>
+            <p:ph type="title"/>
+          </p:nvPr>
+        </p:nvSpPr>
+        <p:spPr/>
+        <p:txBody>
+          <a:bodyPr/>
+          <a:lstStyle/>
+          <a:p>
+            <a:r>
               <a:rPr lang="en-US" altLang="zh-TW" dirty="0"/>
               <a:t>Spring Cloud </a:t>
             </a:r>
@@ -17097,15 +17370,27 @@
               <a:t>在</a:t>
             </a:r>
             <a:r>
-              <a:rPr lang="zh-CN" altLang="en-US" sz="2000" dirty="0" smtClean="0"/>
+              <a:rPr lang="zh-CN" altLang="en-US" sz="2000" dirty="0" smtClean="0">
+                <a:solidFill>
+                  <a:srgbClr val="FF0000"/>
+                </a:solidFill>
+              </a:rPr>
               <a:t>使用者更新</a:t>
             </a:r>
             <a:r>
-              <a:rPr lang="en-US" altLang="zh-CN" sz="2000" dirty="0" err="1" smtClean="0"/>
+              <a:rPr lang="en-US" altLang="zh-CN" sz="2000" dirty="0" err="1" smtClean="0">
+                <a:solidFill>
+                  <a:srgbClr val="FF0000"/>
+                </a:solidFill>
+              </a:rPr>
               <a:t>gitlab</a:t>
             </a:r>
             <a:r>
-              <a:rPr lang="zh-CN" altLang="en-US" sz="2000" dirty="0" smtClean="0"/>
+              <a:rPr lang="zh-CN" altLang="en-US" sz="2000" dirty="0" smtClean="0">
+                <a:solidFill>
+                  <a:srgbClr val="FF0000"/>
+                </a:solidFill>
+              </a:rPr>
               <a:t>上的配置文件</a:t>
             </a:r>
             <a:r>
@@ -17113,11 +17398,19 @@
               <a:t>時，立刻讓對應的</a:t>
             </a:r>
             <a:r>
-              <a:rPr lang="en-US" altLang="zh-CN" sz="2000" dirty="0" smtClean="0"/>
+              <a:rPr lang="en-US" altLang="zh-CN" sz="2000" dirty="0" smtClean="0">
+                <a:solidFill>
+                  <a:srgbClr val="FF0000"/>
+                </a:solidFill>
+              </a:rPr>
               <a:t>Service</a:t>
             </a:r>
             <a:r>
-              <a:rPr lang="zh-CN" altLang="en-US" sz="2000" dirty="0" smtClean="0"/>
+              <a:rPr lang="zh-CN" altLang="en-US" sz="2000" dirty="0" smtClean="0">
+                <a:solidFill>
+                  <a:srgbClr val="FF0000"/>
+                </a:solidFill>
+              </a:rPr>
               <a:t>自動去拉取最新的配置文件</a:t>
             </a:r>
             <a:r>
@@ -17190,7 +17483,7 @@
 </p:sld>
 </file>
 
-<file path=ppt/slides/slide14.xml><?xml version="1.0" encoding="utf-8"?>
+<file path=ppt/slides/slide16.xml><?xml version="1.0" encoding="utf-8"?>
 <p:sld xmlns:a="http://schemas.openxmlformats.org/drawingml/2006/main" xmlns:r="http://schemas.openxmlformats.org/officeDocument/2006/relationships" xmlns:p="http://schemas.openxmlformats.org/presentationml/2006/main">
   <p:cSld>
     <p:spTree>
@@ -17303,7 +17596,7 @@
 </p:sld>
 </file>
 
-<file path=ppt/slides/slide15.xml><?xml version="1.0" encoding="utf-8"?>
+<file path=ppt/slides/slide17.xml><?xml version="1.0" encoding="utf-8"?>
 <p:sld xmlns:a="http://schemas.openxmlformats.org/drawingml/2006/main" xmlns:r="http://schemas.openxmlformats.org/officeDocument/2006/relationships" xmlns:p="http://schemas.openxmlformats.org/presentationml/2006/main">
   <p:cSld>
     <p:spTree>
@@ -17416,7 +17709,7 @@
         <p:spPr>
           <a:xfrm>
             <a:off x="968829" y="3706115"/>
-            <a:ext cx="2608406" cy="646331"/>
+            <a:ext cx="4248279" cy="1082348"/>
           </a:xfrm>
           <a:prstGeom prst="rect">
             <a:avLst/>
@@ -17429,37 +17722,85 @@
           </a:bodyPr>
           <a:lstStyle/>
           <a:p>
-            <a:r>
-              <a:rPr lang="zh-CN" altLang="en-US" dirty="0"/>
-              <a:t>控制</a:t>
-            </a:r>
-            <a:r>
-              <a:rPr lang="zh-CN" altLang="en-US" dirty="0" smtClean="0"/>
-              <a:t>界面是在</a:t>
-            </a:r>
-            <a:r>
-              <a:rPr lang="en-US" altLang="zh-CN" dirty="0" smtClean="0"/>
+            <a:pPr>
+              <a:spcBef>
+                <a:spcPts val="1000"/>
+              </a:spcBef>
+            </a:pPr>
+            <a:r>
+              <a:rPr lang="zh-CN" altLang="en-US" sz="2800" b="1" dirty="0">
+                <a:solidFill>
+                  <a:srgbClr val="44546A"/>
+                </a:solidFill>
+                <a:latin typeface="微軟正黑體" pitchFamily="34" charset="-120"/>
+                <a:ea typeface="微軟正黑體" pitchFamily="34" charset="-120"/>
+              </a:rPr>
+              <a:t>控制界面是在</a:t>
+            </a:r>
+            <a:r>
+              <a:rPr lang="en-US" altLang="zh-CN" sz="2800" b="1" dirty="0">
+                <a:solidFill>
+                  <a:srgbClr val="44546A"/>
+                </a:solidFill>
+                <a:latin typeface="微軟正黑體" pitchFamily="34" charset="-120"/>
+                <a:ea typeface="微軟正黑體" pitchFamily="34" charset="-120"/>
+              </a:rPr>
               <a:t>15672 port</a:t>
             </a:r>
           </a:p>
           <a:p>
-            <a:r>
-              <a:rPr lang="zh-CN" altLang="en-US" dirty="0" smtClean="0"/>
+            <a:pPr>
+              <a:spcBef>
+                <a:spcPts val="1000"/>
+              </a:spcBef>
+            </a:pPr>
+            <a:r>
+              <a:rPr lang="zh-CN" altLang="en-US" sz="2800" b="1" dirty="0">
+                <a:solidFill>
+                  <a:srgbClr val="44546A"/>
+                </a:solidFill>
+                <a:latin typeface="微軟正黑體" pitchFamily="34" charset="-120"/>
+                <a:ea typeface="微軟正黑體" pitchFamily="34" charset="-120"/>
+              </a:rPr>
               <a:t>連接</a:t>
             </a:r>
             <a:r>
-              <a:rPr lang="en-US" altLang="zh-CN" dirty="0" smtClean="0"/>
+              <a:rPr lang="en-US" altLang="zh-CN" sz="2800" b="1" dirty="0">
+                <a:solidFill>
+                  <a:srgbClr val="44546A"/>
+                </a:solidFill>
+                <a:latin typeface="微軟正黑體" pitchFamily="34" charset="-120"/>
+                <a:ea typeface="微軟正黑體" pitchFamily="34" charset="-120"/>
+              </a:rPr>
               <a:t>port </a:t>
             </a:r>
             <a:r>
-              <a:rPr lang="zh-CN" altLang="en-US" dirty="0" smtClean="0"/>
+              <a:rPr lang="zh-CN" altLang="en-US" sz="2800" b="1" dirty="0">
+                <a:solidFill>
+                  <a:srgbClr val="44546A"/>
+                </a:solidFill>
+                <a:latin typeface="微軟正黑體" pitchFamily="34" charset="-120"/>
+                <a:ea typeface="微軟正黑體" pitchFamily="34" charset="-120"/>
+              </a:rPr>
               <a:t>是 </a:t>
             </a:r>
             <a:r>
-              <a:rPr lang="en-US" altLang="zh-CN" dirty="0" smtClean="0"/>
+              <a:rPr lang="en-US" altLang="zh-CN" sz="2800" b="1" dirty="0">
+                <a:solidFill>
+                  <a:srgbClr val="44546A"/>
+                </a:solidFill>
+                <a:latin typeface="微軟正黑體" pitchFamily="34" charset="-120"/>
+                <a:ea typeface="微軟正黑體" pitchFamily="34" charset="-120"/>
+              </a:rPr>
               <a:t>5672</a:t>
             </a:r>
-            <a:endParaRPr lang="zh-TW" altLang="en-US" dirty="0"/>
+            <a:endParaRPr lang="zh-TW" altLang="en-US" sz="2800" b="1" dirty="0">
+              <a:solidFill>
+                <a:srgbClr val="44546A"/>
+              </a:solidFill>
+              <a:latin typeface="微軟正黑體" pitchFamily="34" charset="-120"/>
+              <a:ea typeface="微軟正黑體" pitchFamily="34" charset="-120"/>
+            </a:endParaRPr>
           </a:p>
         </p:txBody>
       </p:sp>
@@ -17476,7 +17817,7 @@
 </p:sld>
 </file>
 
-<file path=ppt/slides/slide16.xml><?xml version="1.0" encoding="utf-8"?>
+<file path=ppt/slides/slide18.xml><?xml version="1.0" encoding="utf-8"?>
 <p:sld xmlns:a="http://schemas.openxmlformats.org/drawingml/2006/main" xmlns:r="http://schemas.openxmlformats.org/officeDocument/2006/relationships" xmlns:p="http://schemas.openxmlformats.org/presentationml/2006/main">
   <p:cSld>
     <p:spTree>
@@ -17585,7 +17926,7 @@
 </p:sld>
 </file>
 
-<file path=ppt/slides/slide17.xml><?xml version="1.0" encoding="utf-8"?>
+<file path=ppt/slides/slide19.xml><?xml version="1.0" encoding="utf-8"?>
 <p:sld xmlns:a="http://schemas.openxmlformats.org/drawingml/2006/main" xmlns:r="http://schemas.openxmlformats.org/officeDocument/2006/relationships" xmlns:p="http://schemas.openxmlformats.org/presentationml/2006/main">
   <p:cSld>
     <p:spTree>
@@ -17868,7 +18209,138 @@
 </p:sld>
 </file>
 
-<file path=ppt/slides/slide18.xml><?xml version="1.0" encoding="utf-8"?>
+<file path=ppt/slides/slide2.xml><?xml version="1.0" encoding="utf-8"?>
+<p:sld xmlns:a="http://schemas.openxmlformats.org/drawingml/2006/main" xmlns:r="http://schemas.openxmlformats.org/officeDocument/2006/relationships" xmlns:p="http://schemas.openxmlformats.org/presentationml/2006/main">
+  <p:cSld>
+    <p:spTree>
+      <p:nvGrpSpPr>
+        <p:cNvPr id="1" name=""/>
+        <p:cNvGrpSpPr/>
+        <p:nvPr/>
+      </p:nvGrpSpPr>
+      <p:grpSpPr>
+        <a:xfrm>
+          <a:off x="0" y="0"/>
+          <a:ext cx="0" cy="0"/>
+          <a:chOff x="0" y="0"/>
+          <a:chExt cx="0" cy="0"/>
+        </a:xfrm>
+      </p:grpSpPr>
+      <p:sp>
+        <p:nvSpPr>
+          <p:cNvPr id="5" name="標題 4"/>
+          <p:cNvSpPr>
+            <a:spLocks noGrp="1"/>
+          </p:cNvSpPr>
+          <p:nvPr>
+            <p:ph type="title"/>
+          </p:nvPr>
+        </p:nvSpPr>
+        <p:spPr/>
+        <p:txBody>
+          <a:bodyPr/>
+          <a:lstStyle/>
+          <a:p>
+            <a:r>
+              <a:rPr lang="zh-TW" altLang="en-US" dirty="0"/>
+              <a:t>目錄</a:t>
+            </a:r>
+          </a:p>
+        </p:txBody>
+      </p:sp>
+      <p:sp>
+        <p:nvSpPr>
+          <p:cNvPr id="6" name="內容版面配置區 5"/>
+          <p:cNvSpPr>
+            <a:spLocks noGrp="1"/>
+          </p:cNvSpPr>
+          <p:nvPr>
+            <p:ph sz="quarter" idx="13"/>
+          </p:nvPr>
+        </p:nvSpPr>
+        <p:spPr/>
+        <p:txBody>
+          <a:bodyPr/>
+          <a:lstStyle/>
+          <a:p>
+            <a:r>
+              <a:rPr lang="zh-CN" altLang="en-US" dirty="0"/>
+              <a:t>微服務配置中心</a:t>
+            </a:r>
+            <a:r>
+              <a:rPr lang="en-US" altLang="zh-CN" dirty="0" err="1" smtClean="0"/>
+              <a:t>Config</a:t>
+            </a:r>
+            <a:endParaRPr lang="en-US" altLang="zh-CN" dirty="0" smtClean="0"/>
+          </a:p>
+          <a:p>
+            <a:r>
+              <a:rPr lang="en-US" altLang="zh-TW" dirty="0" err="1"/>
+              <a:t>Config</a:t>
+            </a:r>
+            <a:r>
+              <a:rPr lang="zh-CN" altLang="en-US" dirty="0"/>
+              <a:t>的自動化</a:t>
+            </a:r>
+            <a:r>
+              <a:rPr lang="zh-CN" altLang="en-US" dirty="0" smtClean="0"/>
+              <a:t>更新</a:t>
+            </a:r>
+            <a:endParaRPr lang="en-US" altLang="zh-CN" dirty="0" smtClean="0"/>
+          </a:p>
+          <a:p>
+            <a:r>
+              <a:rPr lang="en-US" altLang="zh-CN" dirty="0" err="1"/>
+              <a:t>Config</a:t>
+            </a:r>
+            <a:r>
+              <a:rPr lang="zh-CN" altLang="en-US" dirty="0"/>
+              <a:t>應用</a:t>
+            </a:r>
+            <a:r>
+              <a:rPr lang="zh-CN" altLang="en-US" dirty="0" smtClean="0"/>
+              <a:t>場景</a:t>
+            </a:r>
+            <a:endParaRPr lang="en-US" altLang="zh-CN" dirty="0" smtClean="0"/>
+          </a:p>
+          <a:p>
+            <a:r>
+              <a:rPr lang="en-US" altLang="zh-CN" dirty="0" err="1"/>
+              <a:t>Config</a:t>
+            </a:r>
+            <a:r>
+              <a:rPr lang="en-US" altLang="zh-CN" dirty="0"/>
+              <a:t> </a:t>
+            </a:r>
+            <a:r>
+              <a:rPr lang="zh-CN" altLang="en-US" dirty="0"/>
+              <a:t>案例</a:t>
+            </a:r>
+            <a:r>
+              <a:rPr lang="zh-CN" altLang="en-US" dirty="0" smtClean="0"/>
+              <a:t>說明</a:t>
+            </a:r>
+            <a:endParaRPr lang="en-US" altLang="zh-CN" dirty="0" smtClean="0"/>
+          </a:p>
+          <a:p>
+            <a:endParaRPr lang="zh-TW" altLang="en-US" dirty="0"/>
+          </a:p>
+        </p:txBody>
+      </p:sp>
+    </p:spTree>
+    <p:extLst>
+      <p:ext uri="{BB962C8B-B14F-4D97-AF65-F5344CB8AC3E}">
+        <p14:creationId xmlns:p14="http://schemas.microsoft.com/office/powerpoint/2010/main" val="2715109869"/>
+      </p:ext>
+    </p:extLst>
+  </p:cSld>
+  <p:clrMapOvr>
+    <a:masterClrMapping/>
+  </p:clrMapOvr>
+</p:sld>
+</file>
+
+<file path=ppt/slides/slide20.xml><?xml version="1.0" encoding="utf-8"?>
 <p:sld xmlns:a="http://schemas.openxmlformats.org/drawingml/2006/main" xmlns:r="http://schemas.openxmlformats.org/officeDocument/2006/relationships" xmlns:p="http://schemas.openxmlformats.org/presentationml/2006/main">
   <p:cSld>
     <p:spTree>
@@ -17981,7 +18453,7 @@
 </p:sld>
 </file>
 
-<file path=ppt/slides/slide19.xml><?xml version="1.0" encoding="utf-8"?>
+<file path=ppt/slides/slide21.xml><?xml version="1.0" encoding="utf-8"?>
 <p:sld xmlns:a="http://schemas.openxmlformats.org/drawingml/2006/main" xmlns:r="http://schemas.openxmlformats.org/officeDocument/2006/relationships" xmlns:p="http://schemas.openxmlformats.org/presentationml/2006/main">
   <p:cSld>
     <p:spTree>
@@ -18307,78 +18779,7 @@
 </p:sld>
 </file>
 
-<file path=ppt/slides/slide2.xml><?xml version="1.0" encoding="utf-8"?>
-<p:sld xmlns:a="http://schemas.openxmlformats.org/drawingml/2006/main" xmlns:r="http://schemas.openxmlformats.org/officeDocument/2006/relationships" xmlns:p="http://schemas.openxmlformats.org/presentationml/2006/main">
-  <p:cSld>
-    <p:spTree>
-      <p:nvGrpSpPr>
-        <p:cNvPr id="1" name=""/>
-        <p:cNvGrpSpPr/>
-        <p:nvPr/>
-      </p:nvGrpSpPr>
-      <p:grpSpPr>
-        <a:xfrm>
-          <a:off x="0" y="0"/>
-          <a:ext cx="0" cy="0"/>
-          <a:chOff x="0" y="0"/>
-          <a:chExt cx="0" cy="0"/>
-        </a:xfrm>
-      </p:grpSpPr>
-      <p:sp>
-        <p:nvSpPr>
-          <p:cNvPr id="5" name="標題 4"/>
-          <p:cNvSpPr>
-            <a:spLocks noGrp="1"/>
-          </p:cNvSpPr>
-          <p:nvPr>
-            <p:ph type="title"/>
-          </p:nvPr>
-        </p:nvSpPr>
-        <p:spPr/>
-        <p:txBody>
-          <a:bodyPr/>
-          <a:lstStyle/>
-          <a:p>
-            <a:r>
-              <a:rPr lang="zh-TW" altLang="en-US" dirty="0"/>
-              <a:t>目錄</a:t>
-            </a:r>
-          </a:p>
-        </p:txBody>
-      </p:sp>
-      <p:sp>
-        <p:nvSpPr>
-          <p:cNvPr id="6" name="內容版面配置區 5"/>
-          <p:cNvSpPr>
-            <a:spLocks noGrp="1"/>
-          </p:cNvSpPr>
-          <p:nvPr>
-            <p:ph sz="quarter" idx="13"/>
-          </p:nvPr>
-        </p:nvSpPr>
-        <p:spPr/>
-        <p:txBody>
-          <a:bodyPr/>
-          <a:lstStyle/>
-          <a:p>
-            <a:endParaRPr lang="zh-TW" altLang="en-US" dirty="0"/>
-          </a:p>
-        </p:txBody>
-      </p:sp>
-    </p:spTree>
-    <p:extLst>
-      <p:ext uri="{BB962C8B-B14F-4D97-AF65-F5344CB8AC3E}">
-        <p14:creationId xmlns:p14="http://schemas.microsoft.com/office/powerpoint/2010/main" val="2715109869"/>
-      </p:ext>
-    </p:extLst>
-  </p:cSld>
-  <p:clrMapOvr>
-    <a:masterClrMapping/>
-  </p:clrMapOvr>
-</p:sld>
-</file>
-
-<file path=ppt/slides/slide20.xml><?xml version="1.0" encoding="utf-8"?>
+<file path=ppt/slides/slide22.xml><?xml version="1.0" encoding="utf-8"?>
 <p:sld xmlns:a="http://schemas.openxmlformats.org/drawingml/2006/main" xmlns:r="http://schemas.openxmlformats.org/officeDocument/2006/relationships" xmlns:p="http://schemas.openxmlformats.org/presentationml/2006/main">
   <p:cSld>
     <p:spTree>
@@ -18491,7 +18892,7 @@
 </p:sld>
 </file>
 
-<file path=ppt/slides/slide21.xml><?xml version="1.0" encoding="utf-8"?>
+<file path=ppt/slides/slide23.xml><?xml version="1.0" encoding="utf-8"?>
 <p:sld xmlns:a="http://schemas.openxmlformats.org/drawingml/2006/main" xmlns:r="http://schemas.openxmlformats.org/officeDocument/2006/relationships" xmlns:p="http://schemas.openxmlformats.org/presentationml/2006/main">
   <p:cSld>
     <p:spTree>
@@ -18796,7 +19197,7 @@
 </p:sld>
 </file>
 
-<file path=ppt/slides/slide22.xml><?xml version="1.0" encoding="utf-8"?>
+<file path=ppt/slides/slide24.xml><?xml version="1.0" encoding="utf-8"?>
 <p:sld xmlns:a="http://schemas.openxmlformats.org/drawingml/2006/main" xmlns:r="http://schemas.openxmlformats.org/officeDocument/2006/relationships" xmlns:p="http://schemas.openxmlformats.org/presentationml/2006/main">
   <p:cSld>
     <p:spTree>
@@ -19011,7 +19412,7 @@
 </p:sld>
 </file>
 
-<file path=ppt/slides/slide23.xml><?xml version="1.0" encoding="utf-8"?>
+<file path=ppt/slides/slide25.xml><?xml version="1.0" encoding="utf-8"?>
 <p:sld xmlns:a="http://schemas.openxmlformats.org/drawingml/2006/main" xmlns:r="http://schemas.openxmlformats.org/officeDocument/2006/relationships" xmlns:p="http://schemas.openxmlformats.org/presentationml/2006/main">
   <p:cSld>
     <p:spTree>
@@ -19128,7 +19529,7 @@
 </p:sld>
 </file>
 
-<file path=ppt/slides/slide24.xml><?xml version="1.0" encoding="utf-8"?>
+<file path=ppt/slides/slide26.xml><?xml version="1.0" encoding="utf-8"?>
 <p:sld xmlns:a="http://schemas.openxmlformats.org/drawingml/2006/main" xmlns:r="http://schemas.openxmlformats.org/officeDocument/2006/relationships" xmlns:p="http://schemas.openxmlformats.org/presentationml/2006/main">
   <p:cSld>
     <p:spTree>
@@ -19245,7 +19646,7 @@
 </p:sld>
 </file>
 
-<file path=ppt/slides/slide25.xml><?xml version="1.0" encoding="utf-8"?>
+<file path=ppt/slides/slide27.xml><?xml version="1.0" encoding="utf-8"?>
 <p:sld xmlns:a="http://schemas.openxmlformats.org/drawingml/2006/main" xmlns:r="http://schemas.openxmlformats.org/officeDocument/2006/relationships" xmlns:p="http://schemas.openxmlformats.org/presentationml/2006/main">
   <p:cSld>
     <p:spTree>
@@ -19354,7 +19755,7 @@
 </p:sld>
 </file>
 
-<file path=ppt/slides/slide26.xml><?xml version="1.0" encoding="utf-8"?>
+<file path=ppt/slides/slide28.xml><?xml version="1.0" encoding="utf-8"?>
 <p:sld xmlns:a="http://schemas.openxmlformats.org/drawingml/2006/main" xmlns:r="http://schemas.openxmlformats.org/officeDocument/2006/relationships" xmlns:p="http://schemas.openxmlformats.org/presentationml/2006/main">
   <p:cSld>
     <p:spTree>
@@ -19463,7 +19864,7 @@
 </p:sld>
 </file>
 
-<file path=ppt/slides/slide27.xml><?xml version="1.0" encoding="utf-8"?>
+<file path=ppt/slides/slide29.xml><?xml version="1.0" encoding="utf-8"?>
 <p:sld xmlns:a="http://schemas.openxmlformats.org/drawingml/2006/main" xmlns:r="http://schemas.openxmlformats.org/officeDocument/2006/relationships" xmlns:p="http://schemas.openxmlformats.org/presentationml/2006/main">
   <p:cSld>
     <p:spTree>
@@ -19572,7 +19973,7 @@
 </p:sld>
 </file>
 
-<file path=ppt/slides/slide28.xml><?xml version="1.0" encoding="utf-8"?>
+<file path=ppt/slides/slide3.xml><?xml version="1.0" encoding="utf-8"?>
 <p:sld xmlns:a="http://schemas.openxmlformats.org/drawingml/2006/main" xmlns:r="http://schemas.openxmlformats.org/officeDocument/2006/relationships" xmlns:p="http://schemas.openxmlformats.org/presentationml/2006/main">
   <p:cSld>
     <p:spTree>
@@ -19591,6 +19992,86 @@
       </p:grpSpPr>
       <p:sp>
         <p:nvSpPr>
+          <p:cNvPr id="4" name="標題 3"/>
+          <p:cNvSpPr>
+            <a:spLocks noGrp="1"/>
+          </p:cNvSpPr>
+          <p:nvPr>
+            <p:ph type="title"/>
+          </p:nvPr>
+        </p:nvSpPr>
+        <p:spPr/>
+        <p:txBody>
+          <a:bodyPr/>
+          <a:lstStyle/>
+          <a:p>
+            <a:r>
+              <a:rPr lang="en-US" altLang="zh-CN" dirty="0" smtClean="0"/>
+              <a:t>1. </a:t>
+            </a:r>
+            <a:r>
+              <a:rPr lang="zh-CN" altLang="en-US" dirty="0" smtClean="0"/>
+              <a:t>微服務配置中心</a:t>
+            </a:r>
+            <a:r>
+              <a:rPr lang="en-US" altLang="zh-CN" dirty="0" err="1" smtClean="0"/>
+              <a:t>Config</a:t>
+            </a:r>
+            <a:endParaRPr lang="en-US" altLang="zh-TW" dirty="0"/>
+          </a:p>
+        </p:txBody>
+      </p:sp>
+      <p:sp>
+        <p:nvSpPr>
+          <p:cNvPr id="5" name="文字版面配置區 4"/>
+          <p:cNvSpPr>
+            <a:spLocks noGrp="1"/>
+          </p:cNvSpPr>
+          <p:nvPr>
+            <p:ph type="body" idx="1"/>
+          </p:nvPr>
+        </p:nvSpPr>
+        <p:spPr/>
+        <p:txBody>
+          <a:bodyPr/>
+          <a:lstStyle/>
+          <a:p>
+            <a:endParaRPr lang="zh-TW" altLang="en-US" dirty="0"/>
+          </a:p>
+        </p:txBody>
+      </p:sp>
+    </p:spTree>
+    <p:extLst>
+      <p:ext uri="{BB962C8B-B14F-4D97-AF65-F5344CB8AC3E}">
+        <p14:creationId xmlns:p14="http://schemas.microsoft.com/office/powerpoint/2010/main" val="2740842326"/>
+      </p:ext>
+    </p:extLst>
+  </p:cSld>
+  <p:clrMapOvr>
+    <a:masterClrMapping/>
+  </p:clrMapOvr>
+</p:sld>
+</file>
+
+<file path=ppt/slides/slide30.xml><?xml version="1.0" encoding="utf-8"?>
+<p:sld xmlns:a="http://schemas.openxmlformats.org/drawingml/2006/main" xmlns:r="http://schemas.openxmlformats.org/officeDocument/2006/relationships" xmlns:p="http://schemas.openxmlformats.org/presentationml/2006/main">
+  <p:cSld>
+    <p:spTree>
+      <p:nvGrpSpPr>
+        <p:cNvPr id="1" name=""/>
+        <p:cNvGrpSpPr/>
+        <p:nvPr/>
+      </p:nvGrpSpPr>
+      <p:grpSpPr>
+        <a:xfrm>
+          <a:off x="0" y="0"/>
+          <a:ext cx="0" cy="0"/>
+          <a:chOff x="0" y="0"/>
+          <a:chExt cx="0" cy="0"/>
+        </a:xfrm>
+      </p:grpSpPr>
+      <p:sp>
+        <p:nvSpPr>
           <p:cNvPr id="2" name="標題 1"/>
           <p:cNvSpPr>
             <a:spLocks noGrp="1"/>
@@ -19667,8 +20148,8 @@
         </p:blipFill>
         <p:spPr>
           <a:xfrm>
-            <a:off x="2602456" y="2044974"/>
-            <a:ext cx="7352845" cy="4246562"/>
+            <a:off x="1557426" y="1690688"/>
+            <a:ext cx="8514615" cy="4917531"/>
           </a:xfrm>
         </p:spPr>
       </p:pic>
@@ -19685,7 +20166,7 @@
 </p:sld>
 </file>
 
-<file path=ppt/slides/slide29.xml><?xml version="1.0" encoding="utf-8"?>
+<file path=ppt/slides/slide31.xml><?xml version="1.0" encoding="utf-8"?>
 <p:sld xmlns:a="http://schemas.openxmlformats.org/drawingml/2006/main" xmlns:r="http://schemas.openxmlformats.org/officeDocument/2006/relationships" xmlns:p="http://schemas.openxmlformats.org/presentationml/2006/main">
   <p:cSld>
     <p:spTree>
@@ -19860,10 +20341,24 @@
           <a:p>
             <a:pPr algn="ctr"/>
             <a:r>
-              <a:rPr lang="en-US" altLang="zh-TW" dirty="0" smtClean="0"/>
+              <a:rPr lang="en-US" altLang="zh-TW" dirty="0" smtClean="0">
+                <a:solidFill>
+                  <a:schemeClr val="tx1">
+                    <a:lumMod val="95000"/>
+                    <a:lumOff val="5000"/>
+                  </a:schemeClr>
+                </a:solidFill>
+              </a:rPr>
               <a:t>@Value(data)</a:t>
             </a:r>
-            <a:endParaRPr lang="zh-TW" altLang="en-US" dirty="0"/>
+            <a:endParaRPr lang="zh-TW" altLang="en-US" dirty="0">
+              <a:solidFill>
+                <a:schemeClr val="tx1">
+                  <a:lumMod val="95000"/>
+                  <a:lumOff val="5000"/>
+                </a:schemeClr>
+              </a:solidFill>
+            </a:endParaRPr>
           </a:p>
         </p:txBody>
       </p:sp>
@@ -20030,7 +20525,7 @@
 </p:sld>
 </file>
 
-<file path=ppt/slides/slide3.xml><?xml version="1.0" encoding="utf-8"?>
+<file path=ppt/slides/slide32.xml><?xml version="1.0" encoding="utf-8"?>
 <p:sld xmlns:a="http://schemas.openxmlformats.org/drawingml/2006/main" xmlns:r="http://schemas.openxmlformats.org/officeDocument/2006/relationships" xmlns:p="http://schemas.openxmlformats.org/presentationml/2006/main">
   <p:cSld>
     <p:spTree>
@@ -20063,12 +20558,20 @@
           <a:lstStyle/>
           <a:p>
             <a:r>
-              <a:rPr lang="zh-CN" altLang="en-US" dirty="0" smtClean="0"/>
-              <a:t>微服務配置中心</a:t>
+              <a:rPr lang="en-US" altLang="zh-CN" dirty="0" smtClean="0"/>
+              <a:t>3. </a:t>
             </a:r>
             <a:r>
               <a:rPr lang="en-US" altLang="zh-CN" dirty="0" err="1" smtClean="0"/>
               <a:t>Config</a:t>
+            </a:r>
+            <a:r>
+              <a:rPr lang="zh-CN" altLang="en-US" dirty="0" smtClean="0"/>
+              <a:t>應用</a:t>
+            </a:r>
+            <a:r>
+              <a:rPr lang="zh-CN" altLang="en-US" dirty="0"/>
+              <a:t>場景</a:t>
             </a:r>
             <a:endParaRPr lang="en-US" altLang="zh-TW" dirty="0"/>
           </a:p>
@@ -20096,7 +20599,7 @@
     </p:spTree>
     <p:extLst>
       <p:ext uri="{BB962C8B-B14F-4D97-AF65-F5344CB8AC3E}">
-        <p14:creationId xmlns:p14="http://schemas.microsoft.com/office/powerpoint/2010/main" val="2740842326"/>
+        <p14:creationId xmlns:p14="http://schemas.microsoft.com/office/powerpoint/2010/main" val="1138445070"/>
       </p:ext>
     </p:extLst>
   </p:cSld>
@@ -20106,7 +20609,7 @@
 </p:sld>
 </file>
 
-<file path=ppt/slides/slide30.xml><?xml version="1.0" encoding="utf-8"?>
+<file path=ppt/slides/slide33.xml><?xml version="1.0" encoding="utf-8"?>
 <p:sld xmlns:a="http://schemas.openxmlformats.org/drawingml/2006/main" xmlns:r="http://schemas.openxmlformats.org/officeDocument/2006/relationships" xmlns:p="http://schemas.openxmlformats.org/presentationml/2006/main">
   <p:cSld>
     <p:spTree>
@@ -20298,8 +20801,12 @@
               <a:t>@Value</a:t>
             </a:r>
             <a:r>
-              <a:rPr lang="zh-CN" altLang="en-US" smtClean="0"/>
-              <a:t>的注入到</a:t>
+              <a:rPr lang="zh-CN" altLang="en-US" dirty="0" smtClean="0"/>
+              <a:t>的</a:t>
+            </a:r>
+            <a:r>
+              <a:rPr lang="zh-CN" altLang="en-US" dirty="0" smtClean="0"/>
+              <a:t>注入</a:t>
             </a:r>
             <a:endParaRPr lang="en-US" altLang="zh-CN" dirty="0"/>
           </a:p>
@@ -20375,13 +20882,177 @@
                   <a:srgbClr val="AE1E1E"/>
                 </a:solidFill>
               </a:rPr>
-              <a:t>（未完成）</a:t>
-            </a:r>
-            <a:endParaRPr lang="en-US" altLang="zh-CN" dirty="0" smtClean="0">
+              <a:t>（未完成</a:t>
+            </a:r>
+            <a:r>
+              <a:rPr lang="zh-CN" altLang="en-US" dirty="0" smtClean="0">
+                <a:solidFill>
+                  <a:srgbClr val="AE1E1E"/>
+                </a:solidFill>
+              </a:rPr>
+              <a:t>）</a:t>
+            </a:r>
+            <a:endParaRPr lang="en-US" altLang="zh-CN" dirty="0">
               <a:solidFill>
                 <a:srgbClr val="AE1E1E"/>
               </a:solidFill>
             </a:endParaRPr>
+          </a:p>
+          <a:p>
+            <a:pPr marL="514350" indent="-514350">
+              <a:buAutoNum type="arabicPeriod"/>
+            </a:pPr>
+            <a:r>
+              <a:rPr lang="zh-CN" altLang="en-US" dirty="0" smtClean="0">
+                <a:solidFill>
+                  <a:schemeClr val="tx2"/>
+                </a:solidFill>
+              </a:rPr>
+              <a:t>進行</a:t>
+            </a:r>
+            <a:r>
+              <a:rPr lang="en-US" altLang="zh-CN" dirty="0" smtClean="0">
+                <a:solidFill>
+                  <a:schemeClr val="tx2"/>
+                </a:solidFill>
+              </a:rPr>
+              <a:t>@</a:t>
+            </a:r>
+            <a:r>
+              <a:rPr lang="en-US" altLang="zh-CN" dirty="0" err="1" smtClean="0">
+                <a:solidFill>
+                  <a:schemeClr val="tx2"/>
+                </a:solidFill>
+              </a:rPr>
+              <a:t>init</a:t>
+            </a:r>
+            <a:r>
+              <a:rPr lang="en-US" altLang="zh-CN" dirty="0" smtClean="0">
+                <a:solidFill>
+                  <a:schemeClr val="tx2"/>
+                </a:solidFill>
+              </a:rPr>
+              <a:t> </a:t>
+            </a:r>
+            <a:r>
+              <a:rPr lang="zh-CN" altLang="en-US" dirty="0" smtClean="0">
+                <a:solidFill>
+                  <a:schemeClr val="tx2"/>
+                </a:solidFill>
+              </a:rPr>
+              <a:t>的重新注入</a:t>
+            </a:r>
+            <a:endParaRPr lang="en-US" altLang="zh-CN" dirty="0" smtClean="0">
+              <a:solidFill>
+                <a:schemeClr val="tx2"/>
+              </a:solidFill>
+            </a:endParaRPr>
+          </a:p>
+          <a:p>
+            <a:pPr marL="1200150" lvl="1" indent="-514350">
+              <a:buAutoNum type="arabicPeriod"/>
+            </a:pPr>
+            <a:r>
+              <a:rPr lang="zh-CN" altLang="en-US" dirty="0" smtClean="0">
+                <a:solidFill>
+                  <a:schemeClr val="tx2"/>
+                </a:solidFill>
+              </a:rPr>
+              <a:t>更換</a:t>
+            </a:r>
+            <a:r>
+              <a:rPr lang="en-US" altLang="zh-CN" dirty="0" smtClean="0">
+                <a:solidFill>
+                  <a:schemeClr val="tx2"/>
+                </a:solidFill>
+              </a:rPr>
+              <a:t>Spring Cloud </a:t>
+            </a:r>
+            <a:r>
+              <a:rPr lang="zh-CN" altLang="en-US" dirty="0" smtClean="0">
+                <a:solidFill>
+                  <a:schemeClr val="tx2"/>
+                </a:solidFill>
+              </a:rPr>
+              <a:t>的</a:t>
+            </a:r>
+            <a:r>
+              <a:rPr lang="en-US" altLang="zh-CN" dirty="0" smtClean="0">
+                <a:solidFill>
+                  <a:schemeClr val="tx2"/>
+                </a:solidFill>
+              </a:rPr>
+              <a:t> port </a:t>
+            </a:r>
+            <a:r>
+              <a:rPr lang="zh-CN" altLang="en-US" dirty="0" smtClean="0">
+                <a:solidFill>
+                  <a:srgbClr val="FF0000"/>
+                </a:solidFill>
+              </a:rPr>
+              <a:t>（未完成）</a:t>
+            </a:r>
+            <a:endParaRPr lang="en-US" altLang="zh-CN" dirty="0" smtClean="0">
+              <a:solidFill>
+                <a:srgbClr val="FF0000"/>
+              </a:solidFill>
+            </a:endParaRPr>
+          </a:p>
+          <a:p>
+            <a:pPr marL="1657350" lvl="2" indent="-514350"/>
+            <a:r>
+              <a:rPr lang="zh-CN" altLang="en-US" dirty="0" smtClean="0">
+                <a:solidFill>
+                  <a:srgbClr val="FF0000"/>
+                </a:solidFill>
+              </a:rPr>
+              <a:t>添加</a:t>
+            </a:r>
+            <a:r>
+              <a:rPr lang="en-US" altLang="zh-CN" dirty="0" smtClean="0">
+                <a:solidFill>
+                  <a:srgbClr val="FF0000"/>
+                </a:solidFill>
+              </a:rPr>
+              <a:t>@</a:t>
+            </a:r>
+            <a:r>
+              <a:rPr lang="en-US" altLang="zh-TW" dirty="0"/>
+              <a:t> </a:t>
+            </a:r>
+            <a:r>
+              <a:rPr lang="en-US" altLang="zh-TW" dirty="0" err="1" smtClean="0"/>
+              <a:t>PostConstruct</a:t>
+            </a:r>
+            <a:endParaRPr lang="en-US" altLang="zh-TW" dirty="0" smtClean="0"/>
+          </a:p>
+          <a:p>
+            <a:pPr marL="1657350" lvl="2" indent="-514350"/>
+            <a:r>
+              <a:rPr lang="zh-CN" altLang="en-US" dirty="0">
+                <a:solidFill>
+                  <a:srgbClr val="FF0000"/>
+                </a:solidFill>
+              </a:rPr>
+              <a:t>添加</a:t>
+            </a:r>
+            <a:r>
+              <a:rPr lang="en-US" altLang="zh-CN" dirty="0">
+                <a:solidFill>
+                  <a:srgbClr val="FF0000"/>
+                </a:solidFill>
+              </a:rPr>
+              <a:t>@</a:t>
+            </a:r>
+            <a:r>
+              <a:rPr lang="en-US" altLang="zh-TW" dirty="0"/>
+              <a:t> </a:t>
+            </a:r>
+            <a:r>
+              <a:rPr lang="en-US" altLang="zh-CN" dirty="0" err="1" smtClean="0"/>
+              <a:t>EventListener</a:t>
+            </a:r>
+            <a:endParaRPr lang="en-US" altLang="zh-TW" dirty="0"/>
           </a:p>
         </p:txBody>
       </p:sp>
@@ -20398,7 +21069,7 @@
 </p:sld>
 </file>
 
-<file path=ppt/slides/slide31.xml><?xml version="1.0" encoding="utf-8"?>
+<file path=ppt/slides/slide34.xml><?xml version="1.0" encoding="utf-8"?>
 <p:sld xmlns:a="http://schemas.openxmlformats.org/drawingml/2006/main" xmlns:r="http://schemas.openxmlformats.org/officeDocument/2006/relationships" xmlns:p="http://schemas.openxmlformats.org/presentationml/2006/main">
   <p:cSld>
     <p:spTree>
@@ -20511,7 +21182,7 @@
 </p:sld>
 </file>
 
-<file path=ppt/slides/slide32.xml><?xml version="1.0" encoding="utf-8"?>
+<file path=ppt/slides/slide35.xml><?xml version="1.0" encoding="utf-8"?>
 <p:sld xmlns:a="http://schemas.openxmlformats.org/drawingml/2006/main" xmlns:r="http://schemas.openxmlformats.org/officeDocument/2006/relationships" xmlns:p="http://schemas.openxmlformats.org/presentationml/2006/main">
   <p:cSld>
     <p:spTree>
@@ -20655,7 +21326,7 @@
 </p:sld>
 </file>
 
-<file path=ppt/slides/slide33.xml><?xml version="1.0" encoding="utf-8"?>
+<file path=ppt/slides/slide36.xml><?xml version="1.0" encoding="utf-8"?>
 <p:sld xmlns:a="http://schemas.openxmlformats.org/drawingml/2006/main" xmlns:r="http://schemas.openxmlformats.org/officeDocument/2006/relationships" xmlns:p="http://schemas.openxmlformats.org/presentationml/2006/main">
   <p:cSld>
     <p:spTree>
@@ -20834,483 +21505,6 @@
 </p:sld>
 </file>
 
-<file path=ppt/slides/slide34.xml><?xml version="1.0" encoding="utf-8"?>
-<p:sld xmlns:a="http://schemas.openxmlformats.org/drawingml/2006/main" xmlns:r="http://schemas.openxmlformats.org/officeDocument/2006/relationships" xmlns:p="http://schemas.openxmlformats.org/presentationml/2006/main">
-  <p:cSld>
-    <p:spTree>
-      <p:nvGrpSpPr>
-        <p:cNvPr id="1" name=""/>
-        <p:cNvGrpSpPr/>
-        <p:nvPr/>
-      </p:nvGrpSpPr>
-      <p:grpSpPr>
-        <a:xfrm>
-          <a:off x="0" y="0"/>
-          <a:ext cx="0" cy="0"/>
-          <a:chOff x="0" y="0"/>
-          <a:chExt cx="0" cy="0"/>
-        </a:xfrm>
-      </p:grpSpPr>
-      <p:sp>
-        <p:nvSpPr>
-          <p:cNvPr id="2" name="標題 1"/>
-          <p:cNvSpPr>
-            <a:spLocks noGrp="1"/>
-          </p:cNvSpPr>
-          <p:nvPr>
-            <p:ph type="title"/>
-          </p:nvPr>
-        </p:nvSpPr>
-        <p:spPr/>
-        <p:txBody>
-          <a:bodyPr/>
-          <a:lstStyle/>
-          <a:p>
-            <a:r>
-              <a:rPr lang="zh-CN" altLang="en-US" dirty="0" smtClean="0"/>
-              <a:t>場景二</a:t>
-            </a:r>
-            <a:r>
-              <a:rPr lang="en-US" altLang="zh-CN" dirty="0" smtClean="0"/>
-              <a:t>——</a:t>
-            </a:r>
-            <a:r>
-              <a:rPr lang="zh-CN" altLang="en-US" dirty="0" smtClean="0"/>
-              <a:t>更改連接資料庫</a:t>
-            </a:r>
-            <a:endParaRPr lang="zh-TW" altLang="en-US" dirty="0"/>
-          </a:p>
-        </p:txBody>
-      </p:sp>
-      <p:sp>
-        <p:nvSpPr>
-          <p:cNvPr id="3" name="內容版面配置區 2"/>
-          <p:cNvSpPr>
-            <a:spLocks noGrp="1"/>
-          </p:cNvSpPr>
-          <p:nvPr>
-            <p:ph sz="quarter" idx="13"/>
-          </p:nvPr>
-        </p:nvSpPr>
-        <p:spPr/>
-        <p:txBody>
-          <a:bodyPr/>
-          <a:lstStyle/>
-          <a:p>
-            <a:endParaRPr lang="zh-TW" altLang="en-US"/>
-          </a:p>
-        </p:txBody>
-      </p:sp>
-      <p:pic>
-        <p:nvPicPr>
-          <p:cNvPr id="7" name="內容版面配置區 6"/>
-          <p:cNvPicPr>
-            <a:picLocks noGrp="1" noChangeAspect="1"/>
-          </p:cNvPicPr>
-          <p:nvPr>
-            <p:ph sz="half" idx="1"/>
-          </p:nvPr>
-        </p:nvPicPr>
-        <p:blipFill>
-          <a:blip r:embed="rId3">
-            <a:extLst>
-              <a:ext uri="{28A0092B-C50C-407E-A947-70E740481C1C}">
-                <a14:useLocalDpi xmlns:a14="http://schemas.microsoft.com/office/drawing/2010/main" val="0"/>
-              </a:ext>
-            </a:extLst>
-          </a:blip>
-          <a:stretch>
-            <a:fillRect/>
-          </a:stretch>
-        </p:blipFill>
-        <p:spPr>
-          <a:xfrm>
-            <a:off x="838199" y="1692277"/>
-            <a:ext cx="5431971" cy="4830644"/>
-          </a:xfrm>
-        </p:spPr>
-      </p:pic>
-    </p:spTree>
-    <p:extLst>
-      <p:ext uri="{BB962C8B-B14F-4D97-AF65-F5344CB8AC3E}">
-        <p14:creationId xmlns:p14="http://schemas.microsoft.com/office/powerpoint/2010/main" val="218993306"/>
-      </p:ext>
-    </p:extLst>
-  </p:cSld>
-  <p:clrMapOvr>
-    <a:masterClrMapping/>
-  </p:clrMapOvr>
-</p:sld>
-</file>
-
-<file path=ppt/slides/slide35.xml><?xml version="1.0" encoding="utf-8"?>
-<p:sld xmlns:a="http://schemas.openxmlformats.org/drawingml/2006/main" xmlns:r="http://schemas.openxmlformats.org/officeDocument/2006/relationships" xmlns:p="http://schemas.openxmlformats.org/presentationml/2006/main">
-  <p:cSld>
-    <p:spTree>
-      <p:nvGrpSpPr>
-        <p:cNvPr id="1" name=""/>
-        <p:cNvGrpSpPr/>
-        <p:nvPr/>
-      </p:nvGrpSpPr>
-      <p:grpSpPr>
-        <a:xfrm>
-          <a:off x="0" y="0"/>
-          <a:ext cx="0" cy="0"/>
-          <a:chOff x="0" y="0"/>
-          <a:chExt cx="0" cy="0"/>
-        </a:xfrm>
-      </p:grpSpPr>
-      <p:sp>
-        <p:nvSpPr>
-          <p:cNvPr id="2" name="標題 1"/>
-          <p:cNvSpPr>
-            <a:spLocks noGrp="1"/>
-          </p:cNvSpPr>
-          <p:nvPr>
-            <p:ph type="title"/>
-          </p:nvPr>
-        </p:nvSpPr>
-        <p:spPr/>
-        <p:txBody>
-          <a:bodyPr/>
-          <a:lstStyle/>
-          <a:p>
-            <a:r>
-              <a:rPr lang="zh-CN" altLang="en-US" dirty="0" smtClean="0"/>
-              <a:t>場景二</a:t>
-            </a:r>
-            <a:r>
-              <a:rPr lang="en-US" altLang="zh-CN" dirty="0" smtClean="0"/>
-              <a:t>——</a:t>
-            </a:r>
-            <a:r>
-              <a:rPr lang="zh-CN" altLang="en-US" dirty="0" smtClean="0"/>
-              <a:t>更改連接資料庫</a:t>
-            </a:r>
-            <a:endParaRPr lang="zh-TW" altLang="en-US" dirty="0"/>
-          </a:p>
-        </p:txBody>
-      </p:sp>
-      <p:sp>
-        <p:nvSpPr>
-          <p:cNvPr id="3" name="內容版面配置區 2"/>
-          <p:cNvSpPr>
-            <a:spLocks noGrp="1"/>
-          </p:cNvSpPr>
-          <p:nvPr>
-            <p:ph sz="quarter" idx="13"/>
-          </p:nvPr>
-        </p:nvSpPr>
-        <p:spPr/>
-        <p:txBody>
-          <a:bodyPr/>
-          <a:lstStyle/>
-          <a:p>
-            <a:endParaRPr lang="zh-TW" altLang="en-US"/>
-          </a:p>
-        </p:txBody>
-      </p:sp>
-      <p:sp>
-        <p:nvSpPr>
-          <p:cNvPr id="4" name="內容版面配置區 3"/>
-          <p:cNvSpPr>
-            <a:spLocks noGrp="1"/>
-          </p:cNvSpPr>
-          <p:nvPr>
-            <p:ph sz="half" idx="1"/>
-          </p:nvPr>
-        </p:nvSpPr>
-        <p:spPr/>
-        <p:txBody>
-          <a:bodyPr/>
-          <a:lstStyle/>
-          <a:p>
-            <a:r>
-              <a:rPr lang="en-US" altLang="zh-CN" dirty="0" err="1"/>
-              <a:t>mallWeb-dev.properties</a:t>
-            </a:r>
-            <a:endParaRPr lang="en-US" altLang="zh-CN" dirty="0"/>
-          </a:p>
-          <a:p>
-            <a:r>
-              <a:rPr lang="en-US" altLang="zh-TW" dirty="0"/>
-              <a:t>	</a:t>
-            </a:r>
-            <a:r>
-              <a:rPr lang="en-US" altLang="zh-TW" dirty="0" smtClean="0"/>
-              <a:t>jdbc.url= mysql://localhost:3306/mysql_usa</a:t>
-            </a:r>
-            <a:endParaRPr lang="en-US" altLang="zh-TW" dirty="0"/>
-          </a:p>
-          <a:p>
-            <a:r>
-              <a:rPr lang="en-US" altLang="zh-TW" dirty="0"/>
-              <a:t>	</a:t>
-            </a:r>
-            <a:r>
-              <a:rPr lang="en-US" altLang="zh-TW" dirty="0" err="1" smtClean="0"/>
-              <a:t>jdbc.driver</a:t>
-            </a:r>
-            <a:r>
-              <a:rPr lang="en-US" altLang="zh-TW" dirty="0" smtClean="0"/>
-              <a:t> </a:t>
-            </a:r>
-            <a:r>
-              <a:rPr lang="en-US" altLang="zh-TW" dirty="0"/>
-              <a:t>= </a:t>
-            </a:r>
-            <a:r>
-              <a:rPr lang="en-US" altLang="zh-TW" dirty="0" err="1" smtClean="0"/>
-              <a:t>com.mysql.cj.jdbc.Driver</a:t>
-            </a:r>
-            <a:endParaRPr lang="en-US" altLang="zh-TW" dirty="0"/>
-          </a:p>
-          <a:p>
-            <a:r>
-              <a:rPr lang="en-US" altLang="zh-TW" dirty="0"/>
-              <a:t>	</a:t>
-            </a:r>
-            <a:r>
-              <a:rPr lang="en-US" altLang="zh-TW" dirty="0" smtClean="0"/>
-              <a:t>username </a:t>
-            </a:r>
-            <a:r>
-              <a:rPr lang="en-US" altLang="zh-TW" dirty="0"/>
-              <a:t>= </a:t>
-            </a:r>
-            <a:r>
-              <a:rPr lang="en-US" altLang="zh-TW" dirty="0" smtClean="0"/>
-              <a:t>root</a:t>
-            </a:r>
-          </a:p>
-          <a:p>
-            <a:r>
-              <a:rPr lang="en-US" altLang="zh-TW" dirty="0"/>
-              <a:t>	</a:t>
-            </a:r>
-            <a:r>
-              <a:rPr lang="en-US" altLang="zh-TW" dirty="0" smtClean="0"/>
-              <a:t>password = *********</a:t>
-            </a:r>
-            <a:endParaRPr lang="zh-TW" altLang="en-US" dirty="0"/>
-          </a:p>
-          <a:p>
-            <a:endParaRPr lang="zh-TW" altLang="en-US" dirty="0"/>
-          </a:p>
-        </p:txBody>
-      </p:sp>
-    </p:spTree>
-    <p:extLst>
-      <p:ext uri="{BB962C8B-B14F-4D97-AF65-F5344CB8AC3E}">
-        <p14:creationId xmlns:p14="http://schemas.microsoft.com/office/powerpoint/2010/main" val="996736565"/>
-      </p:ext>
-    </p:extLst>
-  </p:cSld>
-  <p:clrMapOvr>
-    <a:masterClrMapping/>
-  </p:clrMapOvr>
-</p:sld>
-</file>
-
-<file path=ppt/slides/slide36.xml><?xml version="1.0" encoding="utf-8"?>
-<p:sld xmlns:a="http://schemas.openxmlformats.org/drawingml/2006/main" xmlns:r="http://schemas.openxmlformats.org/officeDocument/2006/relationships" xmlns:p="http://schemas.openxmlformats.org/presentationml/2006/main">
-  <p:cSld>
-    <p:spTree>
-      <p:nvGrpSpPr>
-        <p:cNvPr id="1" name=""/>
-        <p:cNvGrpSpPr/>
-        <p:nvPr/>
-      </p:nvGrpSpPr>
-      <p:grpSpPr>
-        <a:xfrm>
-          <a:off x="0" y="0"/>
-          <a:ext cx="0" cy="0"/>
-          <a:chOff x="0" y="0"/>
-          <a:chExt cx="0" cy="0"/>
-        </a:xfrm>
-      </p:grpSpPr>
-      <p:sp>
-        <p:nvSpPr>
-          <p:cNvPr id="2" name="標題 1"/>
-          <p:cNvSpPr>
-            <a:spLocks noGrp="1"/>
-          </p:cNvSpPr>
-          <p:nvPr>
-            <p:ph type="title"/>
-          </p:nvPr>
-        </p:nvSpPr>
-        <p:spPr/>
-        <p:txBody>
-          <a:bodyPr/>
-          <a:lstStyle/>
-          <a:p>
-            <a:r>
-              <a:rPr lang="zh-CN" altLang="en-US" dirty="0" smtClean="0"/>
-              <a:t>場景二</a:t>
-            </a:r>
-            <a:r>
-              <a:rPr lang="en-US" altLang="zh-CN" dirty="0" smtClean="0"/>
-              <a:t>——</a:t>
-            </a:r>
-            <a:r>
-              <a:rPr lang="zh-CN" altLang="en-US" dirty="0" smtClean="0"/>
-              <a:t>更改連接資料庫</a:t>
-            </a:r>
-            <a:endParaRPr lang="zh-TW" altLang="en-US" dirty="0"/>
-          </a:p>
-        </p:txBody>
-      </p:sp>
-      <p:pic>
-        <p:nvPicPr>
-          <p:cNvPr id="7" name="內容版面配置區 6"/>
-          <p:cNvPicPr>
-            <a:picLocks noGrp="1" noChangeAspect="1"/>
-          </p:cNvPicPr>
-          <p:nvPr>
-            <p:ph sz="half" idx="1"/>
-          </p:nvPr>
-        </p:nvPicPr>
-        <p:blipFill>
-          <a:blip r:embed="rId3">
-            <a:extLst>
-              <a:ext uri="{28A0092B-C50C-407E-A947-70E740481C1C}">
-                <a14:useLocalDpi xmlns:a14="http://schemas.microsoft.com/office/drawing/2010/main" val="0"/>
-              </a:ext>
-            </a:extLst>
-          </a:blip>
-          <a:stretch>
-            <a:fillRect/>
-          </a:stretch>
-        </p:blipFill>
-        <p:spPr>
-          <a:xfrm>
-            <a:off x="1402847" y="4208456"/>
-            <a:ext cx="3477111" cy="752580"/>
-          </a:xfrm>
-        </p:spPr>
-      </p:pic>
-      <p:sp>
-        <p:nvSpPr>
-          <p:cNvPr id="6" name="內容版面配置區 5"/>
-          <p:cNvSpPr>
-            <a:spLocks noGrp="1"/>
-          </p:cNvSpPr>
-          <p:nvPr>
-            <p:ph sz="quarter" idx="13"/>
-          </p:nvPr>
-        </p:nvSpPr>
-        <p:spPr/>
-        <p:txBody>
-          <a:bodyPr/>
-          <a:lstStyle/>
-          <a:p>
-            <a:endParaRPr lang="zh-TW" altLang="en-US"/>
-          </a:p>
-        </p:txBody>
-      </p:sp>
-      <p:pic>
-        <p:nvPicPr>
-          <p:cNvPr id="8" name="內容版面配置區 6"/>
-          <p:cNvPicPr>
-            <a:picLocks noChangeAspect="1"/>
-          </p:cNvPicPr>
-          <p:nvPr/>
-        </p:nvPicPr>
-        <p:blipFill>
-          <a:blip r:embed="rId4">
-            <a:extLst>
-              <a:ext uri="{28A0092B-C50C-407E-A947-70E740481C1C}">
-                <a14:useLocalDpi xmlns:a14="http://schemas.microsoft.com/office/drawing/2010/main" val="0"/>
-              </a:ext>
-            </a:extLst>
-          </a:blip>
-          <a:stretch>
-            <a:fillRect/>
-          </a:stretch>
-        </p:blipFill>
-        <p:spPr>
-          <a:xfrm>
-            <a:off x="1402847" y="2874737"/>
-            <a:ext cx="3477111" cy="706148"/>
-          </a:xfrm>
-          <a:prstGeom prst="rect">
-            <a:avLst/>
-          </a:prstGeom>
-        </p:spPr>
-      </p:pic>
-      <p:pic>
-        <p:nvPicPr>
-          <p:cNvPr id="9" name="內容版面配置區 6"/>
-          <p:cNvPicPr>
-            <a:picLocks noChangeAspect="1"/>
-          </p:cNvPicPr>
-          <p:nvPr/>
-        </p:nvPicPr>
-        <p:blipFill>
-          <a:blip r:embed="rId5">
-            <a:extLst>
-              <a:ext uri="{28A0092B-C50C-407E-A947-70E740481C1C}">
-                <a14:useLocalDpi xmlns:a14="http://schemas.microsoft.com/office/drawing/2010/main" val="0"/>
-              </a:ext>
-            </a:extLst>
-          </a:blip>
-          <a:stretch>
-            <a:fillRect/>
-          </a:stretch>
-        </p:blipFill>
-        <p:spPr>
-          <a:xfrm>
-            <a:off x="5394763" y="4234740"/>
-            <a:ext cx="3200364" cy="752580"/>
-          </a:xfrm>
-          <a:prstGeom prst="rect">
-            <a:avLst/>
-          </a:prstGeom>
-        </p:spPr>
-      </p:pic>
-      <p:pic>
-        <p:nvPicPr>
-          <p:cNvPr id="10" name="內容版面配置區 6"/>
-          <p:cNvPicPr>
-            <a:picLocks noChangeAspect="1"/>
-          </p:cNvPicPr>
-          <p:nvPr/>
-        </p:nvPicPr>
-        <p:blipFill>
-          <a:blip r:embed="rId6">
-            <a:extLst>
-              <a:ext uri="{28A0092B-C50C-407E-A947-70E740481C1C}">
-                <a14:useLocalDpi xmlns:a14="http://schemas.microsoft.com/office/drawing/2010/main" val="0"/>
-              </a:ext>
-            </a:extLst>
-          </a:blip>
-          <a:stretch>
-            <a:fillRect/>
-          </a:stretch>
-        </p:blipFill>
-        <p:spPr>
-          <a:xfrm>
-            <a:off x="5394763" y="2872779"/>
-            <a:ext cx="3200364" cy="708106"/>
-          </a:xfrm>
-          <a:prstGeom prst="rect">
-            <a:avLst/>
-          </a:prstGeom>
-        </p:spPr>
-      </p:pic>
-    </p:spTree>
-    <p:extLst>
-      <p:ext uri="{BB962C8B-B14F-4D97-AF65-F5344CB8AC3E}">
-        <p14:creationId xmlns:p14="http://schemas.microsoft.com/office/powerpoint/2010/main" val="1911985134"/>
-      </p:ext>
-    </p:extLst>
-  </p:cSld>
-  <p:clrMapOvr>
-    <a:masterClrMapping/>
-  </p:clrMapOvr>
-</p:sld>
-</file>
-
 <file path=ppt/slides/slide37.xml><?xml version="1.0" encoding="utf-8"?>
 <p:sld xmlns:a="http://schemas.openxmlformats.org/drawingml/2006/main" xmlns:r="http://schemas.openxmlformats.org/officeDocument/2006/relationships" xmlns:p="http://schemas.openxmlformats.org/presentationml/2006/main">
   <p:cSld>
@@ -21345,7 +21539,7 @@
           <a:p>
             <a:r>
               <a:rPr lang="zh-CN" altLang="en-US" dirty="0" smtClean="0"/>
-              <a:t>場景三</a:t>
+              <a:t>場景二</a:t>
             </a:r>
             <a:r>
               <a:rPr lang="en-US" altLang="zh-CN" dirty="0" smtClean="0"/>
@@ -21461,6 +21655,878 @@
           <a:lstStyle/>
           <a:p>
             <a:r>
+              <a:rPr lang="zh-CN" altLang="en-US" dirty="0" smtClean="0"/>
+              <a:t>場景三</a:t>
+            </a:r>
+            <a:r>
+              <a:rPr lang="en-US" altLang="zh-CN" dirty="0" smtClean="0"/>
+              <a:t>——</a:t>
+            </a:r>
+            <a:r>
+              <a:rPr lang="zh-CN" altLang="en-US" dirty="0" smtClean="0"/>
+              <a:t>更改連接資料庫</a:t>
+            </a:r>
+            <a:endParaRPr lang="zh-TW" altLang="en-US" dirty="0"/>
+          </a:p>
+        </p:txBody>
+      </p:sp>
+      <p:sp>
+        <p:nvSpPr>
+          <p:cNvPr id="3" name="內容版面配置區 2"/>
+          <p:cNvSpPr>
+            <a:spLocks noGrp="1"/>
+          </p:cNvSpPr>
+          <p:nvPr>
+            <p:ph sz="quarter" idx="13"/>
+          </p:nvPr>
+        </p:nvSpPr>
+        <p:spPr/>
+        <p:txBody>
+          <a:bodyPr/>
+          <a:lstStyle/>
+          <a:p>
+            <a:endParaRPr lang="zh-TW" altLang="en-US"/>
+          </a:p>
+        </p:txBody>
+      </p:sp>
+      <p:sp>
+        <p:nvSpPr>
+          <p:cNvPr id="4" name="內容版面配置區 3"/>
+          <p:cNvSpPr>
+            <a:spLocks noGrp="1"/>
+          </p:cNvSpPr>
+          <p:nvPr>
+            <p:ph sz="half" idx="1"/>
+          </p:nvPr>
+        </p:nvSpPr>
+        <p:spPr/>
+        <p:txBody>
+          <a:bodyPr/>
+          <a:lstStyle/>
+          <a:p>
+            <a:r>
+              <a:rPr lang="en-US" altLang="zh-CN" dirty="0" err="1"/>
+              <a:t>mallWeb-dev.properties</a:t>
+            </a:r>
+            <a:endParaRPr lang="en-US" altLang="zh-CN" dirty="0"/>
+          </a:p>
+          <a:p>
+            <a:r>
+              <a:rPr lang="en-US" altLang="zh-TW" dirty="0"/>
+              <a:t>	</a:t>
+            </a:r>
+            <a:r>
+              <a:rPr lang="en-US" altLang="zh-TW" dirty="0" smtClean="0"/>
+              <a:t>jdbc.url= mysql://localhost:3306/mysql_usa</a:t>
+            </a:r>
+            <a:endParaRPr lang="en-US" altLang="zh-TW" dirty="0"/>
+          </a:p>
+          <a:p>
+            <a:r>
+              <a:rPr lang="en-US" altLang="zh-TW" dirty="0"/>
+              <a:t>	</a:t>
+            </a:r>
+            <a:r>
+              <a:rPr lang="en-US" altLang="zh-TW" dirty="0" err="1" smtClean="0"/>
+              <a:t>jdbc.driver</a:t>
+            </a:r>
+            <a:r>
+              <a:rPr lang="en-US" altLang="zh-TW" dirty="0" smtClean="0"/>
+              <a:t> </a:t>
+            </a:r>
+            <a:r>
+              <a:rPr lang="en-US" altLang="zh-TW" dirty="0"/>
+              <a:t>= </a:t>
+            </a:r>
+            <a:r>
+              <a:rPr lang="en-US" altLang="zh-TW" dirty="0" err="1" smtClean="0"/>
+              <a:t>com.mysql.cj.jdbc.Driver</a:t>
+            </a:r>
+            <a:endParaRPr lang="en-US" altLang="zh-TW" dirty="0"/>
+          </a:p>
+          <a:p>
+            <a:r>
+              <a:rPr lang="en-US" altLang="zh-TW" dirty="0"/>
+              <a:t>	</a:t>
+            </a:r>
+            <a:r>
+              <a:rPr lang="en-US" altLang="zh-TW" dirty="0" smtClean="0"/>
+              <a:t>username </a:t>
+            </a:r>
+            <a:r>
+              <a:rPr lang="en-US" altLang="zh-TW" dirty="0"/>
+              <a:t>= </a:t>
+            </a:r>
+            <a:r>
+              <a:rPr lang="en-US" altLang="zh-TW" dirty="0" smtClean="0"/>
+              <a:t>root</a:t>
+            </a:r>
+          </a:p>
+          <a:p>
+            <a:r>
+              <a:rPr lang="en-US" altLang="zh-TW" dirty="0"/>
+              <a:t>	</a:t>
+            </a:r>
+            <a:r>
+              <a:rPr lang="en-US" altLang="zh-TW" dirty="0" smtClean="0"/>
+              <a:t>password = *********</a:t>
+            </a:r>
+            <a:endParaRPr lang="zh-TW" altLang="en-US" dirty="0"/>
+          </a:p>
+          <a:p>
+            <a:endParaRPr lang="zh-TW" altLang="en-US" dirty="0"/>
+          </a:p>
+        </p:txBody>
+      </p:sp>
+    </p:spTree>
+    <p:extLst>
+      <p:ext uri="{BB962C8B-B14F-4D97-AF65-F5344CB8AC3E}">
+        <p14:creationId xmlns:p14="http://schemas.microsoft.com/office/powerpoint/2010/main" val="996736565"/>
+      </p:ext>
+    </p:extLst>
+  </p:cSld>
+  <p:clrMapOvr>
+    <a:masterClrMapping/>
+  </p:clrMapOvr>
+</p:sld>
+</file>
+
+<file path=ppt/slides/slide39.xml><?xml version="1.0" encoding="utf-8"?>
+<p:sld xmlns:a="http://schemas.openxmlformats.org/drawingml/2006/main" xmlns:r="http://schemas.openxmlformats.org/officeDocument/2006/relationships" xmlns:p="http://schemas.openxmlformats.org/presentationml/2006/main">
+  <p:cSld>
+    <p:spTree>
+      <p:nvGrpSpPr>
+        <p:cNvPr id="1" name=""/>
+        <p:cNvGrpSpPr/>
+        <p:nvPr/>
+      </p:nvGrpSpPr>
+      <p:grpSpPr>
+        <a:xfrm>
+          <a:off x="0" y="0"/>
+          <a:ext cx="0" cy="0"/>
+          <a:chOff x="0" y="0"/>
+          <a:chExt cx="0" cy="0"/>
+        </a:xfrm>
+      </p:grpSpPr>
+      <p:sp>
+        <p:nvSpPr>
+          <p:cNvPr id="2" name="標題 1"/>
+          <p:cNvSpPr>
+            <a:spLocks noGrp="1"/>
+          </p:cNvSpPr>
+          <p:nvPr>
+            <p:ph type="title"/>
+          </p:nvPr>
+        </p:nvSpPr>
+        <p:spPr/>
+        <p:txBody>
+          <a:bodyPr/>
+          <a:lstStyle/>
+          <a:p>
+            <a:r>
+              <a:rPr lang="zh-CN" altLang="en-US" dirty="0" smtClean="0"/>
+              <a:t>場景</a:t>
+            </a:r>
+            <a:r>
+              <a:rPr lang="zh-CN" altLang="en-US" dirty="0"/>
+              <a:t>三</a:t>
+            </a:r>
+            <a:r>
+              <a:rPr lang="en-US" altLang="zh-CN" dirty="0" smtClean="0"/>
+              <a:t>——</a:t>
+            </a:r>
+            <a:r>
+              <a:rPr lang="zh-CN" altLang="en-US" dirty="0" smtClean="0"/>
+              <a:t>更改連接資料庫</a:t>
+            </a:r>
+            <a:endParaRPr lang="zh-TW" altLang="en-US" dirty="0"/>
+          </a:p>
+        </p:txBody>
+      </p:sp>
+      <p:sp>
+        <p:nvSpPr>
+          <p:cNvPr id="3" name="內容版面配置區 2"/>
+          <p:cNvSpPr>
+            <a:spLocks noGrp="1"/>
+          </p:cNvSpPr>
+          <p:nvPr>
+            <p:ph sz="quarter" idx="13"/>
+          </p:nvPr>
+        </p:nvSpPr>
+        <p:spPr/>
+        <p:txBody>
+          <a:bodyPr/>
+          <a:lstStyle/>
+          <a:p>
+            <a:endParaRPr lang="zh-TW" altLang="en-US"/>
+          </a:p>
+        </p:txBody>
+      </p:sp>
+      <p:pic>
+        <p:nvPicPr>
+          <p:cNvPr id="7" name="內容版面配置區 6"/>
+          <p:cNvPicPr>
+            <a:picLocks noGrp="1" noChangeAspect="1"/>
+          </p:cNvPicPr>
+          <p:nvPr>
+            <p:ph sz="half" idx="1"/>
+          </p:nvPr>
+        </p:nvPicPr>
+        <p:blipFill>
+          <a:blip r:embed="rId3">
+            <a:extLst>
+              <a:ext uri="{28A0092B-C50C-407E-A947-70E740481C1C}">
+                <a14:useLocalDpi xmlns:a14="http://schemas.microsoft.com/office/drawing/2010/main" val="0"/>
+              </a:ext>
+            </a:extLst>
+          </a:blip>
+          <a:stretch>
+            <a:fillRect/>
+          </a:stretch>
+        </p:blipFill>
+        <p:spPr>
+          <a:xfrm>
+            <a:off x="1073330" y="1692277"/>
+            <a:ext cx="5431971" cy="4830644"/>
+          </a:xfrm>
+        </p:spPr>
+      </p:pic>
+    </p:spTree>
+    <p:extLst>
+      <p:ext uri="{BB962C8B-B14F-4D97-AF65-F5344CB8AC3E}">
+        <p14:creationId xmlns:p14="http://schemas.microsoft.com/office/powerpoint/2010/main" val="218993306"/>
+      </p:ext>
+    </p:extLst>
+  </p:cSld>
+  <p:clrMapOvr>
+    <a:masterClrMapping/>
+  </p:clrMapOvr>
+</p:sld>
+</file>
+
+<file path=ppt/slides/slide4.xml><?xml version="1.0" encoding="utf-8"?>
+<p:sld xmlns:a="http://schemas.openxmlformats.org/drawingml/2006/main" xmlns:r="http://schemas.openxmlformats.org/officeDocument/2006/relationships" xmlns:p="http://schemas.openxmlformats.org/presentationml/2006/main">
+  <p:cSld>
+    <p:spTree>
+      <p:nvGrpSpPr>
+        <p:cNvPr id="1" name=""/>
+        <p:cNvGrpSpPr/>
+        <p:nvPr/>
+      </p:nvGrpSpPr>
+      <p:grpSpPr>
+        <a:xfrm>
+          <a:off x="0" y="0"/>
+          <a:ext cx="0" cy="0"/>
+          <a:chOff x="0" y="0"/>
+          <a:chExt cx="0" cy="0"/>
+        </a:xfrm>
+      </p:grpSpPr>
+      <p:sp>
+        <p:nvSpPr>
+          <p:cNvPr id="2" name="標題 1"/>
+          <p:cNvSpPr>
+            <a:spLocks noGrp="1"/>
+          </p:cNvSpPr>
+          <p:nvPr>
+            <p:ph type="title"/>
+          </p:nvPr>
+        </p:nvSpPr>
+        <p:spPr/>
+        <p:txBody>
+          <a:bodyPr>
+            <a:normAutofit/>
+          </a:bodyPr>
+          <a:lstStyle/>
+          <a:p>
+            <a:r>
+              <a:rPr lang="zh-TW" altLang="en-US" dirty="0"/>
+              <a:t>為什麼要配置中心？</a:t>
+            </a:r>
+          </a:p>
+        </p:txBody>
+      </p:sp>
+      <p:sp>
+        <p:nvSpPr>
+          <p:cNvPr id="3" name="內容版面配置區 2"/>
+          <p:cNvSpPr>
+            <a:spLocks noGrp="1"/>
+          </p:cNvSpPr>
+          <p:nvPr>
+            <p:ph sz="quarter" idx="13"/>
+          </p:nvPr>
+        </p:nvSpPr>
+        <p:spPr/>
+        <p:txBody>
+          <a:bodyPr/>
+          <a:lstStyle/>
+          <a:p>
+            <a:endParaRPr lang="zh-TW" altLang="en-US"/>
+          </a:p>
+        </p:txBody>
+      </p:sp>
+      <p:sp>
+        <p:nvSpPr>
+          <p:cNvPr id="4" name="內容版面配置區 3"/>
+          <p:cNvSpPr>
+            <a:spLocks noGrp="1"/>
+          </p:cNvSpPr>
+          <p:nvPr>
+            <p:ph sz="half" idx="1"/>
+          </p:nvPr>
+        </p:nvSpPr>
+        <p:spPr/>
+        <p:txBody>
+          <a:bodyPr/>
+          <a:lstStyle/>
+          <a:p>
+            <a:pPr fontAlgn="base"/>
+            <a:r>
+              <a:rPr lang="en-US" altLang="zh-TW" b="0" dirty="0" smtClean="0"/>
+              <a:t>	</a:t>
+            </a:r>
+            <a:r>
+              <a:rPr lang="zh-TW" altLang="en-US" b="0" dirty="0" smtClean="0"/>
+              <a:t>一個</a:t>
+            </a:r>
+            <a:r>
+              <a:rPr lang="zh-TW" altLang="en-US" b="0" dirty="0"/>
+              <a:t>應用</a:t>
+            </a:r>
+            <a:r>
+              <a:rPr lang="zh-TW" altLang="en-US" b="0" dirty="0" smtClean="0"/>
+              <a:t>中</a:t>
+            </a:r>
+            <a:r>
+              <a:rPr lang="zh-CN" altLang="en-US" b="0" dirty="0" smtClean="0"/>
+              <a:t>經常會有一些需求要</a:t>
+            </a:r>
+            <a:r>
+              <a:rPr lang="zh-TW" altLang="en-US" b="0" dirty="0" smtClean="0"/>
+              <a:t>調整</a:t>
+            </a:r>
+            <a:r>
+              <a:rPr lang="zh-TW" altLang="en-US" b="0" dirty="0"/>
+              <a:t>應用行為</a:t>
+            </a:r>
+            <a:r>
+              <a:rPr lang="en-US" altLang="zh-TW" b="0" dirty="0"/>
+              <a:t>,</a:t>
+            </a:r>
+            <a:r>
+              <a:rPr lang="zh-TW" altLang="en-US" b="0" dirty="0"/>
+              <a:t>如</a:t>
+            </a:r>
+            <a:r>
+              <a:rPr lang="zh-TW" altLang="en-US" dirty="0">
+                <a:solidFill>
+                  <a:srgbClr val="FF0000"/>
+                </a:solidFill>
+              </a:rPr>
+              <a:t>切換不同的資料庫</a:t>
+            </a:r>
+            <a:r>
+              <a:rPr lang="zh-TW" altLang="en-US" b="0" dirty="0">
+                <a:solidFill>
+                  <a:srgbClr val="FF0000"/>
+                </a:solidFill>
+              </a:rPr>
+              <a:t>，</a:t>
+            </a:r>
+            <a:r>
+              <a:rPr lang="zh-TW" altLang="en-US" dirty="0">
+                <a:solidFill>
+                  <a:srgbClr val="FF0000"/>
+                </a:solidFill>
+              </a:rPr>
+              <a:t>設置</a:t>
+            </a:r>
+            <a:r>
+              <a:rPr lang="zh-TW" altLang="en-US" dirty="0" smtClean="0">
+                <a:solidFill>
+                  <a:srgbClr val="FF0000"/>
+                </a:solidFill>
+              </a:rPr>
+              <a:t>功能</a:t>
+            </a:r>
+            <a:r>
+              <a:rPr lang="en-US" altLang="zh-TW" dirty="0" smtClean="0">
+                <a:solidFill>
+                  <a:srgbClr val="FF0000"/>
+                </a:solidFill>
+              </a:rPr>
+              <a:t>(</a:t>
+            </a:r>
+            <a:r>
+              <a:rPr lang="zh-CN" altLang="en-US" dirty="0" smtClean="0">
+                <a:solidFill>
+                  <a:srgbClr val="FF0000"/>
+                </a:solidFill>
+              </a:rPr>
+              <a:t>改</a:t>
+            </a:r>
+            <a:r>
+              <a:rPr lang="en-US" altLang="zh-CN" dirty="0" smtClean="0">
+                <a:solidFill>
+                  <a:srgbClr val="FF0000"/>
+                </a:solidFill>
+              </a:rPr>
+              <a:t>Gateway</a:t>
+            </a:r>
+            <a:r>
+              <a:rPr lang="zh-CN" altLang="en-US" dirty="0" smtClean="0">
+                <a:solidFill>
+                  <a:srgbClr val="FF0000"/>
+                </a:solidFill>
+              </a:rPr>
+              <a:t>的</a:t>
+            </a:r>
+            <a:r>
+              <a:rPr lang="en-US" altLang="zh-CN" dirty="0" smtClean="0">
+                <a:solidFill>
+                  <a:srgbClr val="FF0000"/>
+                </a:solidFill>
+              </a:rPr>
+              <a:t>Routing</a:t>
+            </a:r>
+            <a:r>
+              <a:rPr lang="en-US" altLang="zh-TW" dirty="0" smtClean="0">
+                <a:solidFill>
+                  <a:srgbClr val="FF0000"/>
+                </a:solidFill>
+              </a:rPr>
+              <a:t>)</a:t>
+            </a:r>
+            <a:r>
+              <a:rPr lang="zh-TW" altLang="en-US" dirty="0" smtClean="0">
+                <a:solidFill>
+                  <a:srgbClr val="FF0000"/>
+                </a:solidFill>
+              </a:rPr>
+              <a:t>開關</a:t>
+            </a:r>
+            <a:r>
+              <a:rPr lang="zh-TW" altLang="en-US" b="0" dirty="0" smtClean="0"/>
+              <a:t>等</a:t>
+            </a:r>
+            <a:r>
+              <a:rPr lang="zh-TW" altLang="en-US" b="0" dirty="0"/>
+              <a:t>。</a:t>
+            </a:r>
+          </a:p>
+          <a:p>
+            <a:pPr fontAlgn="base"/>
+            <a:r>
+              <a:rPr lang="en-US" altLang="zh-TW" b="0" dirty="0"/>
+              <a:t>	</a:t>
+            </a:r>
+            <a:r>
+              <a:rPr lang="zh-TW" altLang="en-US" b="0" dirty="0" smtClean="0"/>
+              <a:t>微服務系統的可</a:t>
+            </a:r>
+            <a:r>
+              <a:rPr lang="zh-TW" altLang="en-US" b="0" dirty="0"/>
+              <a:t>伸縮、可擴展性好，隨之就是一個配置管理的問題。各自管各自的開發時沒什麼問題，到了線上之後管理就會很頭疼，到了要大規模更新就更煩了。</a:t>
+            </a:r>
+          </a:p>
+          <a:p>
+            <a:pPr fontAlgn="base"/>
+            <a:r>
+              <a:rPr lang="en-US" altLang="zh-TW" b="0" dirty="0" smtClean="0"/>
+              <a:t>	</a:t>
+            </a:r>
+            <a:r>
+              <a:rPr lang="zh-CN" altLang="en-US" b="0" dirty="0" smtClean="0"/>
+              <a:t>最主要要解決的問題是</a:t>
+            </a:r>
+            <a:r>
+              <a:rPr lang="zh-TW" altLang="en-US" dirty="0" smtClean="0">
+                <a:solidFill>
+                  <a:srgbClr val="FF0000"/>
+                </a:solidFill>
+              </a:rPr>
+              <a:t>不可能</a:t>
+            </a:r>
+            <a:r>
+              <a:rPr lang="zh-TW" altLang="en-US" dirty="0">
+                <a:solidFill>
+                  <a:srgbClr val="FF0000"/>
+                </a:solidFill>
+              </a:rPr>
+              <a:t>停止你的服務集群去更新的你配置</a:t>
+            </a:r>
+            <a:r>
+              <a:rPr lang="zh-TW" altLang="en-US" b="0" dirty="0"/>
+              <a:t>，這是不現實的做法，</a:t>
+            </a:r>
+            <a:r>
+              <a:rPr lang="zh-TW" altLang="en-US" b="0" dirty="0" smtClean="0"/>
+              <a:t>因此</a:t>
+            </a:r>
+            <a:r>
+              <a:rPr lang="en-US" altLang="zh-TW" dirty="0" smtClean="0">
+                <a:solidFill>
+                  <a:srgbClr val="FF0000"/>
+                </a:solidFill>
+              </a:rPr>
+              <a:t>Spring Cloud </a:t>
+            </a:r>
+            <a:r>
+              <a:rPr lang="en-US" altLang="zh-CN" dirty="0" err="1" smtClean="0">
+                <a:solidFill>
+                  <a:srgbClr val="FF0000"/>
+                </a:solidFill>
+              </a:rPr>
+              <a:t>Config</a:t>
+            </a:r>
+            <a:r>
+              <a:rPr lang="zh-TW" altLang="en-US" b="0" dirty="0" smtClean="0"/>
+              <a:t>就是</a:t>
+            </a:r>
+            <a:r>
+              <a:rPr lang="zh-TW" altLang="en-US" b="0" dirty="0"/>
+              <a:t>一個比較好的解決</a:t>
+            </a:r>
+            <a:r>
+              <a:rPr lang="zh-TW" altLang="en-US" b="0" dirty="0" smtClean="0"/>
+              <a:t>方案</a:t>
+            </a:r>
+            <a:r>
+              <a:rPr lang="zh-CN" altLang="en-US" b="0" dirty="0"/>
+              <a:t>。</a:t>
+            </a:r>
+            <a:endParaRPr lang="zh-TW" altLang="en-US" dirty="0"/>
+          </a:p>
+        </p:txBody>
+      </p:sp>
+    </p:spTree>
+    <p:extLst>
+      <p:ext uri="{BB962C8B-B14F-4D97-AF65-F5344CB8AC3E}">
+        <p14:creationId xmlns:p14="http://schemas.microsoft.com/office/powerpoint/2010/main" val="748619833"/>
+      </p:ext>
+    </p:extLst>
+  </p:cSld>
+  <p:clrMapOvr>
+    <a:masterClrMapping/>
+  </p:clrMapOvr>
+</p:sld>
+</file>
+
+<file path=ppt/slides/slide40.xml><?xml version="1.0" encoding="utf-8"?>
+<p:sld xmlns:a="http://schemas.openxmlformats.org/drawingml/2006/main" xmlns:r="http://schemas.openxmlformats.org/officeDocument/2006/relationships" xmlns:p="http://schemas.openxmlformats.org/presentationml/2006/main">
+  <p:cSld>
+    <p:spTree>
+      <p:nvGrpSpPr>
+        <p:cNvPr id="1" name=""/>
+        <p:cNvGrpSpPr/>
+        <p:nvPr/>
+      </p:nvGrpSpPr>
+      <p:grpSpPr>
+        <a:xfrm>
+          <a:off x="0" y="0"/>
+          <a:ext cx="0" cy="0"/>
+          <a:chOff x="0" y="0"/>
+          <a:chExt cx="0" cy="0"/>
+        </a:xfrm>
+      </p:grpSpPr>
+      <p:sp>
+        <p:nvSpPr>
+          <p:cNvPr id="2" name="標題 1"/>
+          <p:cNvSpPr>
+            <a:spLocks noGrp="1"/>
+          </p:cNvSpPr>
+          <p:nvPr>
+            <p:ph type="title"/>
+          </p:nvPr>
+        </p:nvSpPr>
+        <p:spPr/>
+        <p:txBody>
+          <a:bodyPr/>
+          <a:lstStyle/>
+          <a:p>
+            <a:r>
+              <a:rPr lang="zh-CN" altLang="en-US" dirty="0" smtClean="0"/>
+              <a:t>場景三</a:t>
+            </a:r>
+            <a:r>
+              <a:rPr lang="en-US" altLang="zh-CN" dirty="0" smtClean="0"/>
+              <a:t>——</a:t>
+            </a:r>
+            <a:r>
+              <a:rPr lang="zh-CN" altLang="en-US" dirty="0" smtClean="0"/>
+              <a:t>更改連接資料庫</a:t>
+            </a:r>
+            <a:endParaRPr lang="zh-TW" altLang="en-US" dirty="0"/>
+          </a:p>
+        </p:txBody>
+      </p:sp>
+      <p:pic>
+        <p:nvPicPr>
+          <p:cNvPr id="7" name="內容版面配置區 6"/>
+          <p:cNvPicPr>
+            <a:picLocks noGrp="1" noChangeAspect="1"/>
+          </p:cNvPicPr>
+          <p:nvPr>
+            <p:ph sz="half" idx="1"/>
+          </p:nvPr>
+        </p:nvPicPr>
+        <p:blipFill>
+          <a:blip r:embed="rId3">
+            <a:extLst>
+              <a:ext uri="{28A0092B-C50C-407E-A947-70E740481C1C}">
+                <a14:useLocalDpi xmlns:a14="http://schemas.microsoft.com/office/drawing/2010/main" val="0"/>
+              </a:ext>
+            </a:extLst>
+          </a:blip>
+          <a:stretch>
+            <a:fillRect/>
+          </a:stretch>
+        </p:blipFill>
+        <p:spPr>
+          <a:xfrm>
+            <a:off x="436195" y="4042206"/>
+            <a:ext cx="6672539" cy="1444193"/>
+          </a:xfrm>
+        </p:spPr>
+      </p:pic>
+      <p:sp>
+        <p:nvSpPr>
+          <p:cNvPr id="6" name="內容版面配置區 5"/>
+          <p:cNvSpPr>
+            <a:spLocks noGrp="1"/>
+          </p:cNvSpPr>
+          <p:nvPr>
+            <p:ph sz="quarter" idx="13"/>
+          </p:nvPr>
+        </p:nvSpPr>
+        <p:spPr/>
+        <p:txBody>
+          <a:bodyPr/>
+          <a:lstStyle/>
+          <a:p>
+            <a:endParaRPr lang="zh-TW" altLang="en-US"/>
+          </a:p>
+        </p:txBody>
+      </p:sp>
+      <p:pic>
+        <p:nvPicPr>
+          <p:cNvPr id="8" name="內容版面配置區 6"/>
+          <p:cNvPicPr>
+            <a:picLocks noChangeAspect="1"/>
+          </p:cNvPicPr>
+          <p:nvPr/>
+        </p:nvPicPr>
+        <p:blipFill>
+          <a:blip r:embed="rId4">
+            <a:extLst>
+              <a:ext uri="{28A0092B-C50C-407E-A947-70E740481C1C}">
+                <a14:useLocalDpi xmlns:a14="http://schemas.microsoft.com/office/drawing/2010/main" val="0"/>
+              </a:ext>
+            </a:extLst>
+          </a:blip>
+          <a:stretch>
+            <a:fillRect/>
+          </a:stretch>
+        </p:blipFill>
+        <p:spPr>
+          <a:xfrm>
+            <a:off x="436195" y="2539595"/>
+            <a:ext cx="6598597" cy="1340074"/>
+          </a:xfrm>
+          <a:prstGeom prst="rect">
+            <a:avLst/>
+          </a:prstGeom>
+        </p:spPr>
+      </p:pic>
+      <p:pic>
+        <p:nvPicPr>
+          <p:cNvPr id="9" name="內容版面配置區 6"/>
+          <p:cNvPicPr>
+            <a:picLocks noChangeAspect="1"/>
+          </p:cNvPicPr>
+          <p:nvPr/>
+        </p:nvPicPr>
+        <p:blipFill>
+          <a:blip r:embed="rId5">
+            <a:extLst>
+              <a:ext uri="{28A0092B-C50C-407E-A947-70E740481C1C}">
+                <a14:useLocalDpi xmlns:a14="http://schemas.microsoft.com/office/drawing/2010/main" val="0"/>
+              </a:ext>
+            </a:extLst>
+          </a:blip>
+          <a:stretch>
+            <a:fillRect/>
+          </a:stretch>
+        </p:blipFill>
+        <p:spPr>
+          <a:xfrm>
+            <a:off x="7253188" y="4274797"/>
+            <a:ext cx="4100610" cy="964277"/>
+          </a:xfrm>
+          <a:prstGeom prst="rect">
+            <a:avLst/>
+          </a:prstGeom>
+        </p:spPr>
+      </p:pic>
+      <p:pic>
+        <p:nvPicPr>
+          <p:cNvPr id="10" name="內容版面配置區 6"/>
+          <p:cNvPicPr>
+            <a:picLocks noChangeAspect="1"/>
+          </p:cNvPicPr>
+          <p:nvPr/>
+        </p:nvPicPr>
+        <p:blipFill>
+          <a:blip r:embed="rId6">
+            <a:extLst>
+              <a:ext uri="{28A0092B-C50C-407E-A947-70E740481C1C}">
+                <a14:useLocalDpi xmlns:a14="http://schemas.microsoft.com/office/drawing/2010/main" val="0"/>
+              </a:ext>
+            </a:extLst>
+          </a:blip>
+          <a:stretch>
+            <a:fillRect/>
+          </a:stretch>
+        </p:blipFill>
+        <p:spPr>
+          <a:xfrm>
+            <a:off x="7253188" y="2872778"/>
+            <a:ext cx="4100612" cy="907293"/>
+          </a:xfrm>
+          <a:prstGeom prst="rect">
+            <a:avLst/>
+          </a:prstGeom>
+        </p:spPr>
+      </p:pic>
+    </p:spTree>
+    <p:extLst>
+      <p:ext uri="{BB962C8B-B14F-4D97-AF65-F5344CB8AC3E}">
+        <p14:creationId xmlns:p14="http://schemas.microsoft.com/office/powerpoint/2010/main" val="1911985134"/>
+      </p:ext>
+    </p:extLst>
+  </p:cSld>
+  <p:clrMapOvr>
+    <a:masterClrMapping/>
+  </p:clrMapOvr>
+</p:sld>
+</file>
+
+<file path=ppt/slides/slide41.xml><?xml version="1.0" encoding="utf-8"?>
+<p:sld xmlns:a="http://schemas.openxmlformats.org/drawingml/2006/main" xmlns:r="http://schemas.openxmlformats.org/officeDocument/2006/relationships" xmlns:p="http://schemas.openxmlformats.org/presentationml/2006/main">
+  <p:cSld>
+    <p:spTree>
+      <p:nvGrpSpPr>
+        <p:cNvPr id="1" name=""/>
+        <p:cNvGrpSpPr/>
+        <p:nvPr/>
+      </p:nvGrpSpPr>
+      <p:grpSpPr>
+        <a:xfrm>
+          <a:off x="0" y="0"/>
+          <a:ext cx="0" cy="0"/>
+          <a:chOff x="0" y="0"/>
+          <a:chExt cx="0" cy="0"/>
+        </a:xfrm>
+      </p:grpSpPr>
+      <p:sp>
+        <p:nvSpPr>
+          <p:cNvPr id="4" name="標題 3"/>
+          <p:cNvSpPr>
+            <a:spLocks noGrp="1"/>
+          </p:cNvSpPr>
+          <p:nvPr>
+            <p:ph type="title"/>
+          </p:nvPr>
+        </p:nvSpPr>
+        <p:spPr/>
+        <p:txBody>
+          <a:bodyPr/>
+          <a:lstStyle/>
+          <a:p>
+            <a:r>
+              <a:rPr lang="en-US" altLang="zh-CN" dirty="0" smtClean="0"/>
+              <a:t>4. </a:t>
+            </a:r>
+            <a:r>
+              <a:rPr lang="en-US" altLang="zh-CN" dirty="0" err="1" smtClean="0"/>
+              <a:t>Config</a:t>
+            </a:r>
+            <a:r>
+              <a:rPr lang="en-US" altLang="zh-CN" dirty="0" smtClean="0"/>
+              <a:t> </a:t>
+            </a:r>
+            <a:r>
+              <a:rPr lang="zh-CN" altLang="en-US" dirty="0" smtClean="0"/>
+              <a:t>案例說明</a:t>
+            </a:r>
+            <a:endParaRPr lang="en-US" altLang="zh-TW" dirty="0"/>
+          </a:p>
+        </p:txBody>
+      </p:sp>
+      <p:sp>
+        <p:nvSpPr>
+          <p:cNvPr id="5" name="文字版面配置區 4"/>
+          <p:cNvSpPr>
+            <a:spLocks noGrp="1"/>
+          </p:cNvSpPr>
+          <p:nvPr>
+            <p:ph type="body" idx="1"/>
+          </p:nvPr>
+        </p:nvSpPr>
+        <p:spPr/>
+        <p:txBody>
+          <a:bodyPr/>
+          <a:lstStyle/>
+          <a:p>
+            <a:endParaRPr lang="zh-TW" altLang="en-US" dirty="0"/>
+          </a:p>
+        </p:txBody>
+      </p:sp>
+    </p:spTree>
+    <p:extLst>
+      <p:ext uri="{BB962C8B-B14F-4D97-AF65-F5344CB8AC3E}">
+        <p14:creationId xmlns:p14="http://schemas.microsoft.com/office/powerpoint/2010/main" val="3402392212"/>
+      </p:ext>
+    </p:extLst>
+  </p:cSld>
+  <p:clrMapOvr>
+    <a:masterClrMapping/>
+  </p:clrMapOvr>
+</p:sld>
+</file>
+
+<file path=ppt/slides/slide42.xml><?xml version="1.0" encoding="utf-8"?>
+<p:sld xmlns:a="http://schemas.openxmlformats.org/drawingml/2006/main" xmlns:r="http://schemas.openxmlformats.org/officeDocument/2006/relationships" xmlns:p="http://schemas.openxmlformats.org/presentationml/2006/main">
+  <p:cSld>
+    <p:spTree>
+      <p:nvGrpSpPr>
+        <p:cNvPr id="1" name=""/>
+        <p:cNvGrpSpPr/>
+        <p:nvPr/>
+      </p:nvGrpSpPr>
+      <p:grpSpPr>
+        <a:xfrm>
+          <a:off x="0" y="0"/>
+          <a:ext cx="0" cy="0"/>
+          <a:chOff x="0" y="0"/>
+          <a:chExt cx="0" cy="0"/>
+        </a:xfrm>
+      </p:grpSpPr>
+      <p:sp>
+        <p:nvSpPr>
+          <p:cNvPr id="2" name="標題 1"/>
+          <p:cNvSpPr>
+            <a:spLocks noGrp="1"/>
+          </p:cNvSpPr>
+          <p:nvPr>
+            <p:ph type="title"/>
+          </p:nvPr>
+        </p:nvSpPr>
+        <p:spPr/>
+        <p:txBody>
+          <a:bodyPr/>
+          <a:lstStyle/>
+          <a:p>
+            <a:r>
               <a:rPr lang="zh-CN" altLang="en-US" dirty="0"/>
               <a:t>案例</a:t>
             </a:r>
@@ -21558,7 +22624,19 @@
             </a:r>
             <a:r>
               <a:rPr lang="zh-CN" altLang="en-US" sz="2400" dirty="0" smtClean="0"/>
-              <a:t>，要分時段更新。</a:t>
+              <a:t>，要</a:t>
+            </a:r>
+            <a:r>
+              <a:rPr lang="zh-CN" altLang="en-US" sz="2400" dirty="0" smtClean="0">
+                <a:solidFill>
+                  <a:srgbClr val="FF0000"/>
+                </a:solidFill>
+              </a:rPr>
+              <a:t>分時間更新</a:t>
+            </a:r>
+            <a:r>
+              <a:rPr lang="zh-CN" altLang="en-US" sz="2400" dirty="0" smtClean="0"/>
+              <a:t>。</a:t>
             </a:r>
             <a:endParaRPr lang="en-US" altLang="zh-CN" sz="2400" dirty="0" smtClean="0"/>
           </a:p>
@@ -21681,7 +22759,7 @@
 </p:sld>
 </file>
 
-<file path=ppt/slides/slide39.xml><?xml version="1.0" encoding="utf-8"?>
+<file path=ppt/slides/slide43.xml><?xml version="1.0" encoding="utf-8"?>
 <p:sld xmlns:a="http://schemas.openxmlformats.org/drawingml/2006/main" xmlns:r="http://schemas.openxmlformats.org/officeDocument/2006/relationships" xmlns:p="http://schemas.openxmlformats.org/presentationml/2006/main">
   <p:cSld>
     <p:spTree>
@@ -22503,8 +23581,8 @@
         </p:nvSpPr>
         <p:spPr>
           <a:xfrm>
-            <a:off x="997125" y="1800888"/>
-            <a:ext cx="1254959" cy="369332"/>
+            <a:off x="929637" y="1721806"/>
+            <a:ext cx="2022477" cy="523220"/>
           </a:xfrm>
           <a:prstGeom prst="rect">
             <a:avLst/>
@@ -22517,15 +23595,38 @@
           </a:bodyPr>
           <a:lstStyle/>
           <a:p>
-            <a:r>
-              <a:rPr lang="zh-CN" altLang="en-US" dirty="0" smtClean="0"/>
+            <a:pPr>
+              <a:spcBef>
+                <a:spcPts val="1000"/>
+              </a:spcBef>
+            </a:pPr>
+            <a:r>
+              <a:rPr lang="zh-CN" altLang="en-US" sz="2800" b="1" dirty="0">
+                <a:solidFill>
+                  <a:srgbClr val="44546A"/>
+                </a:solidFill>
+                <a:latin typeface="微軟正黑體" pitchFamily="34" charset="-120"/>
+                <a:ea typeface="微軟正黑體" pitchFamily="34" charset="-120"/>
+              </a:rPr>
               <a:t>根據</a:t>
             </a:r>
             <a:r>
-              <a:rPr lang="en-US" altLang="zh-CN" dirty="0" smtClean="0"/>
+              <a:rPr lang="en-US" altLang="zh-CN" sz="2800" b="1" dirty="0">
+                <a:solidFill>
+                  <a:srgbClr val="44546A"/>
+                </a:solidFill>
+                <a:latin typeface="微軟正黑體" pitchFamily="34" charset="-120"/>
+                <a:ea typeface="微軟正黑體" pitchFamily="34" charset="-120"/>
+              </a:rPr>
               <a:t>Profile</a:t>
             </a:r>
-            <a:endParaRPr lang="zh-TW" altLang="en-US" dirty="0"/>
+            <a:endParaRPr lang="zh-TW" altLang="en-US" sz="2800" b="1" dirty="0">
+              <a:solidFill>
+                <a:srgbClr val="44546A"/>
+              </a:solidFill>
+              <a:latin typeface="微軟正黑體" pitchFamily="34" charset="-120"/>
+              <a:ea typeface="微軟正黑體" pitchFamily="34" charset="-120"/>
+            </a:endParaRPr>
           </a:p>
         </p:txBody>
       </p:sp>
@@ -22537,8 +23638,8 @@
         </p:nvSpPr>
         <p:spPr>
           <a:xfrm>
-            <a:off x="8096793" y="1813951"/>
-            <a:ext cx="1850956" cy="369332"/>
+            <a:off x="8096793" y="1747932"/>
+            <a:ext cx="3153427" cy="523220"/>
           </a:xfrm>
           <a:prstGeom prst="rect">
             <a:avLst/>
@@ -22551,15 +23652,168 @@
           </a:bodyPr>
           <a:lstStyle/>
           <a:p>
-            <a:r>
-              <a:rPr lang="zh-CN" altLang="en-US" dirty="0" smtClean="0"/>
+            <a:pPr>
+              <a:spcBef>
+                <a:spcPts val="1000"/>
+              </a:spcBef>
+            </a:pPr>
+            <a:r>
+              <a:rPr lang="zh-CN" altLang="en-US" sz="2800" b="1" dirty="0">
+                <a:solidFill>
+                  <a:srgbClr val="44546A"/>
+                </a:solidFill>
+                <a:latin typeface="微軟正黑體" pitchFamily="34" charset="-120"/>
+                <a:ea typeface="微軟正黑體" pitchFamily="34" charset="-120"/>
+              </a:rPr>
               <a:t>根據</a:t>
             </a:r>
             <a:r>
-              <a:rPr lang="en-US" altLang="zh-CN" dirty="0" smtClean="0"/>
+              <a:rPr lang="en-US" altLang="zh-CN" sz="2800" b="1" dirty="0">
+                <a:solidFill>
+                  <a:srgbClr val="44546A"/>
+                </a:solidFill>
+                <a:latin typeface="微軟正黑體" pitchFamily="34" charset="-120"/>
+                <a:ea typeface="微軟正黑體" pitchFamily="34" charset="-120"/>
+              </a:rPr>
               <a:t>{Application}</a:t>
             </a:r>
-            <a:endParaRPr lang="zh-TW" altLang="en-US" dirty="0"/>
+            <a:endParaRPr lang="zh-TW" altLang="en-US" sz="2800" b="1" dirty="0">
+              <a:solidFill>
+                <a:srgbClr val="44546A"/>
+              </a:solidFill>
+              <a:latin typeface="微軟正黑體" pitchFamily="34" charset="-120"/>
+              <a:ea typeface="微軟正黑體" pitchFamily="34" charset="-120"/>
+            </a:endParaRPr>
+          </a:p>
+        </p:txBody>
+      </p:sp>
+      <p:sp>
+        <p:nvSpPr>
+          <p:cNvPr id="4" name="文字方塊 3"/>
+          <p:cNvSpPr txBox="1"/>
+          <p:nvPr/>
+        </p:nvSpPr>
+        <p:spPr>
+          <a:xfrm>
+            <a:off x="729341" y="4085103"/>
+            <a:ext cx="1044581" cy="369332"/>
+          </a:xfrm>
+          <a:prstGeom prst="rect">
+            <a:avLst/>
+          </a:prstGeom>
+          <a:noFill/>
+        </p:spPr>
+        <p:txBody>
+          <a:bodyPr wrap="none" rtlCol="0">
+            <a:spAutoFit/>
+          </a:bodyPr>
+          <a:lstStyle/>
+          <a:p>
+            <a:r>
+              <a:rPr lang="en-US" altLang="zh-TW" b="1" dirty="0" err="1" smtClean="0">
+                <a:solidFill>
+                  <a:srgbClr val="FF0000"/>
+                </a:solidFill>
+              </a:rPr>
+              <a:t>Client.git</a:t>
+            </a:r>
+            <a:endParaRPr lang="zh-TW" altLang="en-US" b="1" dirty="0">
+              <a:solidFill>
+                <a:srgbClr val="FF0000"/>
+              </a:solidFill>
+            </a:endParaRPr>
+          </a:p>
+        </p:txBody>
+      </p:sp>
+      <p:sp>
+        <p:nvSpPr>
+          <p:cNvPr id="30" name="文字方塊 29"/>
+          <p:cNvSpPr txBox="1"/>
+          <p:nvPr/>
+        </p:nvSpPr>
+        <p:spPr>
+          <a:xfrm>
+            <a:off x="8096793" y="5930537"/>
+            <a:ext cx="1970026" cy="369332"/>
+          </a:xfrm>
+          <a:prstGeom prst="rect">
+            <a:avLst/>
+          </a:prstGeom>
+          <a:noFill/>
+        </p:spPr>
+        <p:txBody>
+          <a:bodyPr wrap="none" rtlCol="0">
+            <a:spAutoFit/>
+          </a:bodyPr>
+          <a:lstStyle/>
+          <a:p>
+            <a:r>
+              <a:rPr lang="en-US" altLang="zh-TW" b="1" dirty="0" smtClean="0">
+                <a:solidFill>
+                  <a:srgbClr val="FF0000"/>
+                </a:solidFill>
+              </a:rPr>
+              <a:t>Client/</a:t>
+            </a:r>
+            <a:r>
+              <a:rPr lang="en-US" altLang="zh-TW" b="1" dirty="0" err="1" smtClean="0">
+                <a:solidFill>
+                  <a:srgbClr val="FF0000"/>
+                </a:solidFill>
+              </a:rPr>
+              <a:t>ServiceA.git</a:t>
+            </a:r>
+            <a:endParaRPr lang="zh-TW" altLang="en-US" b="1" dirty="0">
+              <a:solidFill>
+                <a:srgbClr val="FF0000"/>
+              </a:solidFill>
+            </a:endParaRPr>
+          </a:p>
+        </p:txBody>
+      </p:sp>
+      <p:sp>
+        <p:nvSpPr>
+          <p:cNvPr id="31" name="文字方塊 30"/>
+          <p:cNvSpPr txBox="1"/>
+          <p:nvPr/>
+        </p:nvSpPr>
+        <p:spPr>
+          <a:xfrm>
+            <a:off x="10281553" y="5930537"/>
+            <a:ext cx="1958741" cy="369332"/>
+          </a:xfrm>
+          <a:prstGeom prst="rect">
+            <a:avLst/>
+          </a:prstGeom>
+          <a:noFill/>
+        </p:spPr>
+        <p:txBody>
+          <a:bodyPr wrap="none" rtlCol="0">
+            <a:spAutoFit/>
+          </a:bodyPr>
+          <a:lstStyle/>
+          <a:p>
+            <a:r>
+              <a:rPr lang="en-US" altLang="zh-TW" b="1" dirty="0">
+                <a:solidFill>
+                  <a:srgbClr val="FF0000"/>
+                </a:solidFill>
+              </a:rPr>
+              <a:t>Client/</a:t>
+            </a:r>
+            <a:r>
+              <a:rPr lang="en-US" altLang="zh-TW" b="1" dirty="0" err="1" smtClean="0">
+                <a:solidFill>
+                  <a:srgbClr val="FF0000"/>
+                </a:solidFill>
+              </a:rPr>
+              <a:t>ServiceB.git</a:t>
+            </a:r>
+            <a:endParaRPr lang="zh-TW" altLang="en-US" b="1" dirty="0">
+              <a:solidFill>
+                <a:srgbClr val="FF0000"/>
+              </a:solidFill>
+            </a:endParaRPr>
           </a:p>
         </p:txBody>
       </p:sp>
@@ -22576,7 +23830,7 @@
 </p:sld>
 </file>
 
-<file path=ppt/slides/slide4.xml><?xml version="1.0" encoding="utf-8"?>
+<file path=ppt/slides/slide44.xml><?xml version="1.0" encoding="utf-8"?>
 <p:sld xmlns:a="http://schemas.openxmlformats.org/drawingml/2006/main" xmlns:r="http://schemas.openxmlformats.org/officeDocument/2006/relationships" xmlns:p="http://schemas.openxmlformats.org/presentationml/2006/main">
   <p:cSld>
     <p:spTree>
@@ -22605,253 +23859,6 @@
         </p:nvSpPr>
         <p:spPr/>
         <p:txBody>
-          <a:bodyPr>
-            <a:normAutofit/>
-          </a:bodyPr>
-          <a:lstStyle/>
-          <a:p>
-            <a:r>
-              <a:rPr lang="zh-TW" altLang="en-US" dirty="0"/>
-              <a:t>為什麼要配置中心？</a:t>
-            </a:r>
-          </a:p>
-        </p:txBody>
-      </p:sp>
-      <p:sp>
-        <p:nvSpPr>
-          <p:cNvPr id="3" name="內容版面配置區 2"/>
-          <p:cNvSpPr>
-            <a:spLocks noGrp="1"/>
-          </p:cNvSpPr>
-          <p:nvPr>
-            <p:ph sz="quarter" idx="13"/>
-          </p:nvPr>
-        </p:nvSpPr>
-        <p:spPr/>
-        <p:txBody>
-          <a:bodyPr/>
-          <a:lstStyle/>
-          <a:p>
-            <a:endParaRPr lang="zh-TW" altLang="en-US"/>
-          </a:p>
-        </p:txBody>
-      </p:sp>
-      <p:sp>
-        <p:nvSpPr>
-          <p:cNvPr id="4" name="內容版面配置區 3"/>
-          <p:cNvSpPr>
-            <a:spLocks noGrp="1"/>
-          </p:cNvSpPr>
-          <p:nvPr>
-            <p:ph sz="half" idx="1"/>
-          </p:nvPr>
-        </p:nvSpPr>
-        <p:spPr/>
-        <p:txBody>
-          <a:bodyPr/>
-          <a:lstStyle/>
-          <a:p>
-            <a:pPr fontAlgn="base"/>
-            <a:r>
-              <a:rPr lang="en-US" altLang="zh-TW" b="0" dirty="0" smtClean="0"/>
-              <a:t>	</a:t>
-            </a:r>
-            <a:r>
-              <a:rPr lang="zh-TW" altLang="en-US" b="0" dirty="0" smtClean="0"/>
-              <a:t>一個</a:t>
-            </a:r>
-            <a:r>
-              <a:rPr lang="zh-TW" altLang="en-US" b="0" dirty="0"/>
-              <a:t>應用</a:t>
-            </a:r>
-            <a:r>
-              <a:rPr lang="zh-TW" altLang="en-US" b="0" dirty="0" smtClean="0"/>
-              <a:t>中</a:t>
-            </a:r>
-            <a:r>
-              <a:rPr lang="zh-CN" altLang="en-US" b="0" dirty="0" smtClean="0"/>
-              <a:t>經常會有一些需求要</a:t>
-            </a:r>
-            <a:r>
-              <a:rPr lang="zh-TW" altLang="en-US" b="0" dirty="0" smtClean="0"/>
-              <a:t>調整</a:t>
-            </a:r>
-            <a:r>
-              <a:rPr lang="zh-TW" altLang="en-US" b="0" dirty="0"/>
-              <a:t>應用行為</a:t>
-            </a:r>
-            <a:r>
-              <a:rPr lang="en-US" altLang="zh-TW" b="0" dirty="0"/>
-              <a:t>,</a:t>
-            </a:r>
-            <a:r>
-              <a:rPr lang="zh-TW" altLang="en-US" b="0" dirty="0"/>
-              <a:t>如</a:t>
-            </a:r>
-            <a:r>
-              <a:rPr lang="zh-TW" altLang="en-US" dirty="0"/>
-              <a:t>切換不同的資料庫</a:t>
-            </a:r>
-            <a:r>
-              <a:rPr lang="zh-TW" altLang="en-US" b="0" dirty="0"/>
-              <a:t>，</a:t>
-            </a:r>
-            <a:r>
-              <a:rPr lang="zh-TW" altLang="en-US" dirty="0"/>
-              <a:t>設置</a:t>
-            </a:r>
-            <a:r>
-              <a:rPr lang="zh-TW" altLang="en-US" dirty="0" smtClean="0"/>
-              <a:t>功能</a:t>
-            </a:r>
-            <a:r>
-              <a:rPr lang="en-US" altLang="zh-TW" dirty="0" smtClean="0"/>
-              <a:t>(</a:t>
-            </a:r>
-            <a:r>
-              <a:rPr lang="zh-CN" altLang="en-US" dirty="0" smtClean="0"/>
-              <a:t>改</a:t>
-            </a:r>
-            <a:r>
-              <a:rPr lang="en-US" altLang="zh-CN" dirty="0" smtClean="0"/>
-              <a:t>Gateway</a:t>
-            </a:r>
-            <a:r>
-              <a:rPr lang="zh-CN" altLang="en-US" dirty="0" smtClean="0"/>
-              <a:t>的</a:t>
-            </a:r>
-            <a:r>
-              <a:rPr lang="en-US" altLang="zh-CN" dirty="0" smtClean="0"/>
-              <a:t>Routing</a:t>
-            </a:r>
-            <a:r>
-              <a:rPr lang="en-US" altLang="zh-TW" dirty="0" smtClean="0"/>
-              <a:t>)</a:t>
-            </a:r>
-            <a:r>
-              <a:rPr lang="zh-TW" altLang="en-US" dirty="0" smtClean="0"/>
-              <a:t>開關</a:t>
-            </a:r>
-            <a:r>
-              <a:rPr lang="zh-TW" altLang="en-US" b="0" dirty="0" smtClean="0"/>
-              <a:t>等</a:t>
-            </a:r>
-            <a:r>
-              <a:rPr lang="zh-TW" altLang="en-US" b="0" dirty="0"/>
-              <a:t>。</a:t>
-            </a:r>
-          </a:p>
-          <a:p>
-            <a:pPr fontAlgn="base"/>
-            <a:r>
-              <a:rPr lang="en-US" altLang="zh-TW" b="0" dirty="0"/>
-              <a:t>	</a:t>
-            </a:r>
-            <a:r>
-              <a:rPr lang="zh-TW" altLang="en-US" b="0" dirty="0" smtClean="0"/>
-              <a:t>微服務系統的可</a:t>
-            </a:r>
-            <a:r>
-              <a:rPr lang="zh-TW" altLang="en-US" b="0" dirty="0"/>
-              <a:t>伸縮、可擴展性好，隨之就是一個配置管理的問題。各自管各自的開發時沒什麼問題，到了線上之後管理就會很頭疼，到了要大規模更新就更煩了。</a:t>
-            </a:r>
-          </a:p>
-          <a:p>
-            <a:pPr fontAlgn="base"/>
-            <a:r>
-              <a:rPr lang="en-US" altLang="zh-TW" b="0" dirty="0" smtClean="0"/>
-              <a:t>	</a:t>
-            </a:r>
-            <a:r>
-              <a:rPr lang="zh-CN" altLang="en-US" b="0" dirty="0" smtClean="0"/>
-              <a:t>最主要要解決的問題是</a:t>
-            </a:r>
-            <a:r>
-              <a:rPr lang="zh-TW" altLang="en-US" dirty="0" smtClean="0"/>
-              <a:t>不可能</a:t>
-            </a:r>
-            <a:r>
-              <a:rPr lang="zh-TW" altLang="en-US" dirty="0"/>
-              <a:t>停止你的服務集群去更新的你配置</a:t>
-            </a:r>
-            <a:r>
-              <a:rPr lang="zh-TW" altLang="en-US" b="0" dirty="0"/>
-              <a:t>，這是不現實的做法，</a:t>
-            </a:r>
-            <a:r>
-              <a:rPr lang="zh-TW" altLang="en-US" b="0" dirty="0" smtClean="0"/>
-              <a:t>因此</a:t>
-            </a:r>
-            <a:r>
-              <a:rPr lang="en-US" altLang="zh-TW" dirty="0" smtClean="0"/>
-              <a:t>Spring Cloud </a:t>
-            </a:r>
-            <a:r>
-              <a:rPr lang="en-US" altLang="zh-CN" dirty="0" err="1" smtClean="0"/>
-              <a:t>Config</a:t>
-            </a:r>
-            <a:r>
-              <a:rPr lang="zh-TW" altLang="en-US" b="0" dirty="0" smtClean="0"/>
-              <a:t>就是</a:t>
-            </a:r>
-            <a:r>
-              <a:rPr lang="zh-TW" altLang="en-US" b="0" dirty="0"/>
-              <a:t>一個比較好的解決</a:t>
-            </a:r>
-            <a:r>
-              <a:rPr lang="zh-TW" altLang="en-US" b="0" dirty="0" smtClean="0"/>
-              <a:t>方案</a:t>
-            </a:r>
-            <a:r>
-              <a:rPr lang="zh-CN" altLang="en-US" b="0" dirty="0"/>
-              <a:t>。</a:t>
-            </a:r>
-            <a:endParaRPr lang="zh-TW" altLang="en-US" dirty="0"/>
-          </a:p>
-        </p:txBody>
-      </p:sp>
-    </p:spTree>
-    <p:extLst>
-      <p:ext uri="{BB962C8B-B14F-4D97-AF65-F5344CB8AC3E}">
-        <p14:creationId xmlns:p14="http://schemas.microsoft.com/office/powerpoint/2010/main" val="748619833"/>
-      </p:ext>
-    </p:extLst>
-  </p:cSld>
-  <p:clrMapOvr>
-    <a:masterClrMapping/>
-  </p:clrMapOvr>
-</p:sld>
-</file>
-
-<file path=ppt/slides/slide40.xml><?xml version="1.0" encoding="utf-8"?>
-<p:sld xmlns:a="http://schemas.openxmlformats.org/drawingml/2006/main" xmlns:r="http://schemas.openxmlformats.org/officeDocument/2006/relationships" xmlns:p="http://schemas.openxmlformats.org/presentationml/2006/main">
-  <p:cSld>
-    <p:spTree>
-      <p:nvGrpSpPr>
-        <p:cNvPr id="1" name=""/>
-        <p:cNvGrpSpPr/>
-        <p:nvPr/>
-      </p:nvGrpSpPr>
-      <p:grpSpPr>
-        <a:xfrm>
-          <a:off x="0" y="0"/>
-          <a:ext cx="0" cy="0"/>
-          <a:chOff x="0" y="0"/>
-          <a:chExt cx="0" cy="0"/>
-        </a:xfrm>
-      </p:grpSpPr>
-      <p:sp>
-        <p:nvSpPr>
-          <p:cNvPr id="2" name="標題 1"/>
-          <p:cNvSpPr>
-            <a:spLocks noGrp="1"/>
-          </p:cNvSpPr>
-          <p:nvPr>
-            <p:ph type="title"/>
-          </p:nvPr>
-        </p:nvSpPr>
-        <p:spPr/>
-        <p:txBody>
           <a:bodyPr/>
           <a:lstStyle/>
           <a:p>
@@ -22886,7 +23893,7 @@
           <a:bodyPr/>
           <a:lstStyle/>
           <a:p>
-            <a:endParaRPr lang="zh-TW" altLang="en-US"/>
+            <a:endParaRPr lang="zh-TW" altLang="en-US" dirty="0"/>
           </a:p>
         </p:txBody>
       </p:sp>
@@ -22914,7 +23921,7 @@
         </p:blipFill>
         <p:spPr>
           <a:xfrm>
-            <a:off x="838199" y="3100116"/>
+            <a:off x="838199" y="3126242"/>
             <a:ext cx="5397315" cy="1332103"/>
           </a:xfrm>
         </p:spPr>
@@ -22927,7 +23934,7 @@
           </p:cNvPicPr>
           <p:nvPr/>
         </p:nvPicPr>
-        <p:blipFill>
+        <p:blipFill rotWithShape="1">
           <a:blip r:embed="rId3">
             <a:extLst>
               <a:ext uri="{28A0092B-C50C-407E-A947-70E740481C1C}">
@@ -22935,14 +23942,13 @@
               </a:ext>
             </a:extLst>
           </a:blip>
-          <a:stretch>
-            <a:fillRect/>
-          </a:stretch>
+          <a:srcRect l="-126" r="126" b="50000"/>
+          <a:stretch/>
         </p:blipFill>
         <p:spPr>
           <a:xfrm>
-            <a:off x="838200" y="2218968"/>
-            <a:ext cx="9896123" cy="490716"/>
+            <a:off x="838200" y="2417182"/>
+            <a:ext cx="9896123" cy="245358"/>
           </a:xfrm>
           <a:prstGeom prst="rect">
             <a:avLst/>
@@ -22957,8 +23963,8 @@
         </p:nvSpPr>
         <p:spPr>
           <a:xfrm>
-            <a:off x="838200" y="1899787"/>
-            <a:ext cx="1383840" cy="1200329"/>
+            <a:off x="717205" y="1711758"/>
+            <a:ext cx="2312941" cy="1461939"/>
           </a:xfrm>
           <a:prstGeom prst="rect">
             <a:avLst/>
@@ -22971,24 +23977,130 @@
           </a:bodyPr>
           <a:lstStyle/>
           <a:p>
-            <a:r>
-              <a:rPr lang="en-US" altLang="zh-TW" dirty="0" err="1" smtClean="0"/>
+            <a:pPr>
+              <a:spcBef>
+                <a:spcPts val="1000"/>
+              </a:spcBef>
+            </a:pPr>
+            <a:r>
+              <a:rPr lang="zh-CN" altLang="en-US" sz="1600" b="1" dirty="0">
+                <a:solidFill>
+                  <a:srgbClr val="44546A"/>
+                </a:solidFill>
+                <a:latin typeface="微軟正黑體" pitchFamily="34" charset="-120"/>
+                <a:ea typeface="微軟正黑體" pitchFamily="34" charset="-120"/>
+              </a:rPr>
+              <a:t>實現方法</a:t>
+            </a:r>
+            <a:r>
+              <a:rPr lang="zh-CN" altLang="en-US" sz="1600" b="1" dirty="0" smtClean="0">
+                <a:solidFill>
+                  <a:srgbClr val="44546A"/>
+                </a:solidFill>
+                <a:latin typeface="微軟正黑體" pitchFamily="34" charset="-120"/>
+                <a:ea typeface="微軟正黑體" pitchFamily="34" charset="-120"/>
+              </a:rPr>
+              <a:t>一</a:t>
+            </a:r>
+            <a:r>
+              <a:rPr lang="en-US" altLang="zh-CN" sz="1600" b="1" dirty="0" smtClean="0">
+                <a:solidFill>
+                  <a:srgbClr val="44546A"/>
+                </a:solidFill>
+                <a:latin typeface="微軟正黑體" pitchFamily="34" charset="-120"/>
+                <a:ea typeface="微軟正黑體" pitchFamily="34" charset="-120"/>
+              </a:rPr>
+              <a:t>:</a:t>
+            </a:r>
+            <a:r>
+              <a:rPr lang="zh-CN" altLang="en-US" sz="1600" b="1" dirty="0">
+                <a:solidFill>
+                  <a:srgbClr val="44546A"/>
+                </a:solidFill>
+                <a:latin typeface="微軟正黑體" pitchFamily="34" charset="-120"/>
+                <a:ea typeface="微軟正黑體" pitchFamily="34" charset="-120"/>
+              </a:rPr>
+              <a:t>根據</a:t>
+            </a:r>
+            <a:r>
+              <a:rPr lang="en-US" altLang="zh-CN" sz="1600" b="1" dirty="0" smtClean="0">
+                <a:solidFill>
+                  <a:srgbClr val="44546A"/>
+                </a:solidFill>
+                <a:latin typeface="微軟正黑體" pitchFamily="34" charset="-120"/>
+                <a:ea typeface="微軟正黑體" pitchFamily="34" charset="-120"/>
+              </a:rPr>
+              <a:t>Profile</a:t>
+            </a:r>
+            <a:endParaRPr lang="en-US" altLang="zh-TW" sz="1600" b="1" dirty="0">
+              <a:solidFill>
+                <a:srgbClr val="44546A"/>
+              </a:solidFill>
+              <a:latin typeface="微軟正黑體" pitchFamily="34" charset="-120"/>
+              <a:ea typeface="微軟正黑體" pitchFamily="34" charset="-120"/>
+            </a:endParaRPr>
+          </a:p>
+          <a:p>
+            <a:pPr>
+              <a:spcBef>
+                <a:spcPts val="1000"/>
+              </a:spcBef>
+            </a:pPr>
+            <a:r>
+              <a:rPr lang="en-US" altLang="zh-TW" sz="1600" b="1" dirty="0" err="1" smtClean="0">
+                <a:solidFill>
+                  <a:srgbClr val="44546A"/>
+                </a:solidFill>
+                <a:latin typeface="微軟正黑體" pitchFamily="34" charset="-120"/>
+                <a:ea typeface="微軟正黑體" pitchFamily="34" charset="-120"/>
+              </a:rPr>
               <a:t>ConfigServer</a:t>
             </a:r>
-            <a:endParaRPr lang="en-US" altLang="zh-TW" dirty="0" smtClean="0"/>
-          </a:p>
-          <a:p>
-            <a:endParaRPr lang="en-US" altLang="zh-TW" dirty="0"/>
-          </a:p>
-          <a:p>
-            <a:endParaRPr lang="en-US" altLang="zh-TW" dirty="0"/>
-          </a:p>
-          <a:p>
-            <a:r>
-              <a:rPr lang="en-US" altLang="zh-TW" dirty="0" err="1" smtClean="0"/>
+            <a:endParaRPr lang="en-US" altLang="zh-TW" sz="1600" b="1" dirty="0" smtClean="0">
+              <a:solidFill>
+                <a:srgbClr val="44546A"/>
+              </a:solidFill>
+              <a:latin typeface="微軟正黑體" pitchFamily="34" charset="-120"/>
+              <a:ea typeface="微軟正黑體" pitchFamily="34" charset="-120"/>
+            </a:endParaRPr>
+          </a:p>
+          <a:p>
+            <a:pPr>
+              <a:spcBef>
+                <a:spcPts val="1000"/>
+              </a:spcBef>
+            </a:pPr>
+            <a:endParaRPr lang="en-US" altLang="zh-TW" sz="1600" b="1" dirty="0">
+              <a:solidFill>
+                <a:srgbClr val="44546A"/>
+              </a:solidFill>
+              <a:latin typeface="微軟正黑體" pitchFamily="34" charset="-120"/>
+              <a:ea typeface="微軟正黑體" pitchFamily="34" charset="-120"/>
+            </a:endParaRPr>
+          </a:p>
+          <a:p>
+            <a:pPr>
+              <a:spcBef>
+                <a:spcPts val="1000"/>
+              </a:spcBef>
+            </a:pPr>
+            <a:r>
+              <a:rPr lang="en-US" altLang="zh-TW" sz="1600" b="1" dirty="0" err="1">
+                <a:solidFill>
+                  <a:srgbClr val="44546A"/>
+                </a:solidFill>
+                <a:latin typeface="微軟正黑體" pitchFamily="34" charset="-120"/>
+                <a:ea typeface="微軟正黑體" pitchFamily="34" charset="-120"/>
+              </a:rPr>
               <a:t>ConfigClient</a:t>
             </a:r>
-            <a:endParaRPr lang="zh-TW" altLang="en-US" dirty="0"/>
+            <a:endParaRPr lang="zh-TW" altLang="en-US" sz="1600" b="1" dirty="0">
+              <a:solidFill>
+                <a:srgbClr val="44546A"/>
+              </a:solidFill>
+              <a:latin typeface="微軟正黑體" pitchFamily="34" charset="-120"/>
+              <a:ea typeface="微軟正黑體" pitchFamily="34" charset="-120"/>
+            </a:endParaRPr>
           </a:p>
         </p:txBody>
       </p:sp>
@@ -23000,7 +24112,7 @@
           </p:cNvPicPr>
           <p:nvPr/>
         </p:nvPicPr>
-        <p:blipFill>
+        <p:blipFill rotWithShape="1">
           <a:blip r:embed="rId3">
             <a:extLst>
               <a:ext uri="{28A0092B-C50C-407E-A947-70E740481C1C}">
@@ -23008,20 +24120,262 @@
               </a:ext>
             </a:extLst>
           </a:blip>
-          <a:stretch>
-            <a:fillRect/>
-          </a:stretch>
+          <a:srcRect t="50000"/>
+          <a:stretch/>
         </p:blipFill>
         <p:spPr>
           <a:xfrm>
-            <a:off x="838200" y="5232134"/>
-            <a:ext cx="9896123" cy="490716"/>
+            <a:off x="838200" y="5477492"/>
+            <a:ext cx="9896123" cy="245358"/>
           </a:xfrm>
           <a:prstGeom prst="rect">
             <a:avLst/>
           </a:prstGeom>
         </p:spPr>
       </p:pic>
+      <p:sp>
+        <p:nvSpPr>
+          <p:cNvPr id="4" name="矩形 3"/>
+          <p:cNvSpPr/>
+          <p:nvPr/>
+        </p:nvSpPr>
+        <p:spPr>
+          <a:xfrm>
+            <a:off x="679269" y="1711758"/>
+            <a:ext cx="10319657" cy="2776716"/>
+          </a:xfrm>
+          <a:prstGeom prst="rect">
+            <a:avLst/>
+          </a:prstGeom>
+          <a:noFill/>
+        </p:spPr>
+        <p:style>
+          <a:lnRef idx="2">
+            <a:schemeClr val="accent1">
+              <a:shade val="50000"/>
+            </a:schemeClr>
+          </a:lnRef>
+          <a:fillRef idx="1">
+            <a:schemeClr val="accent1"/>
+          </a:fillRef>
+          <a:effectRef idx="0">
+            <a:schemeClr val="accent1"/>
+          </a:effectRef>
+          <a:fontRef idx="minor">
+            <a:schemeClr val="lt1"/>
+          </a:fontRef>
+        </p:style>
+        <p:txBody>
+          <a:bodyPr rtlCol="0" anchor="ctr"/>
+          <a:lstStyle/>
+          <a:p>
+            <a:pPr algn="ctr"/>
+            <a:endParaRPr lang="zh-TW" altLang="en-US"/>
+          </a:p>
+        </p:txBody>
+      </p:sp>
+      <p:sp>
+        <p:nvSpPr>
+          <p:cNvPr id="5" name="矩形 4"/>
+          <p:cNvSpPr/>
+          <p:nvPr/>
+        </p:nvSpPr>
+        <p:spPr>
+          <a:xfrm>
+            <a:off x="679269" y="4637314"/>
+            <a:ext cx="10319657" cy="1449977"/>
+          </a:xfrm>
+          <a:prstGeom prst="rect">
+            <a:avLst/>
+          </a:prstGeom>
+          <a:noFill/>
+        </p:spPr>
+        <p:style>
+          <a:lnRef idx="2">
+            <a:schemeClr val="accent1">
+              <a:shade val="50000"/>
+            </a:schemeClr>
+          </a:lnRef>
+          <a:fillRef idx="1">
+            <a:schemeClr val="accent1"/>
+          </a:fillRef>
+          <a:effectRef idx="0">
+            <a:schemeClr val="accent1"/>
+          </a:effectRef>
+          <a:fontRef idx="minor">
+            <a:schemeClr val="lt1"/>
+          </a:fontRef>
+        </p:style>
+        <p:txBody>
+          <a:bodyPr rtlCol="0" anchor="ctr"/>
+          <a:lstStyle/>
+          <a:p>
+            <a:pPr algn="ctr"/>
+            <a:endParaRPr lang="zh-TW" altLang="en-US"/>
+          </a:p>
+        </p:txBody>
+      </p:sp>
+      <p:sp>
+        <p:nvSpPr>
+          <p:cNvPr id="7" name="文字方塊 6"/>
+          <p:cNvSpPr txBox="1"/>
+          <p:nvPr/>
+        </p:nvSpPr>
+        <p:spPr>
+          <a:xfrm>
+            <a:off x="756798" y="4638780"/>
+            <a:ext cx="3308919" cy="774571"/>
+          </a:xfrm>
+          <a:prstGeom prst="rect">
+            <a:avLst/>
+          </a:prstGeom>
+          <a:noFill/>
+        </p:spPr>
+        <p:txBody>
+          <a:bodyPr wrap="none" rtlCol="0">
+            <a:spAutoFit/>
+          </a:bodyPr>
+          <a:lstStyle/>
+          <a:p>
+            <a:pPr>
+              <a:spcBef>
+                <a:spcPts val="1000"/>
+              </a:spcBef>
+            </a:pPr>
+            <a:r>
+              <a:rPr lang="zh-CN" altLang="en-US" b="1" dirty="0">
+                <a:solidFill>
+                  <a:srgbClr val="44546A"/>
+                </a:solidFill>
+                <a:latin typeface="微軟正黑體" pitchFamily="34" charset="-120"/>
+                <a:ea typeface="微軟正黑體" pitchFamily="34" charset="-120"/>
+              </a:rPr>
+              <a:t>實現方法</a:t>
+            </a:r>
+            <a:r>
+              <a:rPr lang="zh-CN" altLang="en-US" b="1" dirty="0" smtClean="0">
+                <a:solidFill>
+                  <a:srgbClr val="44546A"/>
+                </a:solidFill>
+                <a:latin typeface="微軟正黑體" pitchFamily="34" charset="-120"/>
+                <a:ea typeface="微軟正黑體" pitchFamily="34" charset="-120"/>
+              </a:rPr>
+              <a:t>二</a:t>
+            </a:r>
+            <a:r>
+              <a:rPr lang="en-US" altLang="zh-CN" b="1" dirty="0" smtClean="0">
+                <a:solidFill>
+                  <a:srgbClr val="44546A"/>
+                </a:solidFill>
+                <a:latin typeface="微軟正黑體" pitchFamily="34" charset="-120"/>
+                <a:ea typeface="微軟正黑體" pitchFamily="34" charset="-120"/>
+              </a:rPr>
+              <a:t>:</a:t>
+            </a:r>
+            <a:r>
+              <a:rPr lang="zh-CN" altLang="en-US" b="1" dirty="0">
+                <a:solidFill>
+                  <a:srgbClr val="44546A"/>
+                </a:solidFill>
+                <a:latin typeface="微軟正黑體" pitchFamily="34" charset="-120"/>
+                <a:ea typeface="微軟正黑體" pitchFamily="34" charset="-120"/>
+              </a:rPr>
+              <a:t>根據</a:t>
+            </a:r>
+            <a:r>
+              <a:rPr lang="en-US" altLang="zh-CN" b="1" dirty="0">
+                <a:solidFill>
+                  <a:srgbClr val="44546A"/>
+                </a:solidFill>
+                <a:latin typeface="微軟正黑體" pitchFamily="34" charset="-120"/>
+                <a:ea typeface="微軟正黑體" pitchFamily="34" charset="-120"/>
+              </a:rPr>
+              <a:t>{Application</a:t>
+            </a:r>
+            <a:r>
+              <a:rPr lang="en-US" altLang="zh-CN" b="1" dirty="0" smtClean="0">
+                <a:solidFill>
+                  <a:srgbClr val="44546A"/>
+                </a:solidFill>
+                <a:latin typeface="微軟正黑體" pitchFamily="34" charset="-120"/>
+                <a:ea typeface="微軟正黑體" pitchFamily="34" charset="-120"/>
+              </a:rPr>
+              <a:t>}</a:t>
+            </a:r>
+            <a:endParaRPr lang="en-US" altLang="zh-CN" b="1" dirty="0">
+              <a:solidFill>
+                <a:srgbClr val="44546A"/>
+              </a:solidFill>
+              <a:latin typeface="微軟正黑體" pitchFamily="34" charset="-120"/>
+              <a:ea typeface="微軟正黑體" pitchFamily="34" charset="-120"/>
+            </a:endParaRPr>
+          </a:p>
+          <a:p>
+            <a:pPr>
+              <a:spcBef>
+                <a:spcPts val="1000"/>
+              </a:spcBef>
+            </a:pPr>
+            <a:r>
+              <a:rPr lang="en-US" altLang="zh-CN" b="1" dirty="0" err="1">
+                <a:solidFill>
+                  <a:srgbClr val="44546A"/>
+                </a:solidFill>
+                <a:latin typeface="微軟正黑體" pitchFamily="34" charset="-120"/>
+                <a:ea typeface="微軟正黑體" pitchFamily="34" charset="-120"/>
+              </a:rPr>
+              <a:t>ConfigServer</a:t>
+            </a:r>
+            <a:endParaRPr lang="zh-TW" altLang="en-US" b="1" dirty="0">
+              <a:solidFill>
+                <a:srgbClr val="44546A"/>
+              </a:solidFill>
+              <a:latin typeface="微軟正黑體" pitchFamily="34" charset="-120"/>
+              <a:ea typeface="微軟正黑體" pitchFamily="34" charset="-120"/>
+            </a:endParaRPr>
+          </a:p>
+        </p:txBody>
+      </p:sp>
+      <p:sp>
+        <p:nvSpPr>
+          <p:cNvPr id="6" name="矩形 5"/>
+          <p:cNvSpPr/>
+          <p:nvPr/>
+        </p:nvSpPr>
+        <p:spPr>
+          <a:xfrm>
+            <a:off x="4065717" y="4258491"/>
+            <a:ext cx="258089" cy="199854"/>
+          </a:xfrm>
+          <a:prstGeom prst="rect">
+            <a:avLst/>
+          </a:prstGeom>
+        </p:spPr>
+        <p:style>
+          <a:lnRef idx="2">
+            <a:schemeClr val="dk1">
+              <a:shade val="50000"/>
+            </a:schemeClr>
+          </a:lnRef>
+          <a:fillRef idx="1">
+            <a:schemeClr val="dk1"/>
+          </a:fillRef>
+          <a:effectRef idx="0">
+            <a:schemeClr val="dk1"/>
+          </a:effectRef>
+          <a:fontRef idx="minor">
+            <a:schemeClr val="lt1"/>
+          </a:fontRef>
+        </p:style>
+        <p:txBody>
+          <a:bodyPr rtlCol="0" anchor="ctr"/>
+          <a:lstStyle/>
+          <a:p>
+            <a:pPr algn="ctr"/>
+            <a:endParaRPr lang="zh-TW" altLang="en-US"/>
+          </a:p>
+        </p:txBody>
+      </p:sp>
     </p:spTree>
     <p:extLst>
       <p:ext uri="{BB962C8B-B14F-4D97-AF65-F5344CB8AC3E}">
@@ -23035,7 +24389,7 @@
 </p:sld>
 </file>
 
-<file path=ppt/slides/slide41.xml><?xml version="1.0" encoding="utf-8"?>
+<file path=ppt/slides/slide45.xml><?xml version="1.0" encoding="utf-8"?>
 <p:sld xmlns:a="http://schemas.openxmlformats.org/drawingml/2006/main" xmlns:r="http://schemas.openxmlformats.org/officeDocument/2006/relationships" xmlns:p="http://schemas.openxmlformats.org/presentationml/2006/main">
   <p:cSld>
     <p:spTree>
@@ -23194,7 +24548,199 @@
 </p:sld>
 </file>
 
-<file path=ppt/slides/slide42.xml><?xml version="1.0" encoding="utf-8"?>
+<file path=ppt/slides/slide46.xml><?xml version="1.0" encoding="utf-8"?>
+<p:sld xmlns:a="http://schemas.openxmlformats.org/drawingml/2006/main" xmlns:r="http://schemas.openxmlformats.org/officeDocument/2006/relationships" xmlns:p="http://schemas.openxmlformats.org/presentationml/2006/main">
+  <p:cSld>
+    <p:spTree>
+      <p:nvGrpSpPr>
+        <p:cNvPr id="1" name=""/>
+        <p:cNvGrpSpPr/>
+        <p:nvPr/>
+      </p:nvGrpSpPr>
+      <p:grpSpPr>
+        <a:xfrm>
+          <a:off x="0" y="0"/>
+          <a:ext cx="0" cy="0"/>
+          <a:chOff x="0" y="0"/>
+          <a:chExt cx="0" cy="0"/>
+        </a:xfrm>
+      </p:grpSpPr>
+      <p:sp>
+        <p:nvSpPr>
+          <p:cNvPr id="2" name="標題 1"/>
+          <p:cNvSpPr>
+            <a:spLocks noGrp="1"/>
+          </p:cNvSpPr>
+          <p:nvPr>
+            <p:ph type="title"/>
+          </p:nvPr>
+        </p:nvSpPr>
+        <p:spPr/>
+        <p:txBody>
+          <a:bodyPr/>
+          <a:lstStyle/>
+          <a:p>
+            <a:r>
+              <a:rPr lang="zh-CN" altLang="en-US" smtClean="0"/>
+              <a:t>參考資料</a:t>
+            </a:r>
+            <a:endParaRPr lang="zh-TW" altLang="en-US"/>
+          </a:p>
+        </p:txBody>
+      </p:sp>
+      <p:sp>
+        <p:nvSpPr>
+          <p:cNvPr id="3" name="內容版面配置區 2"/>
+          <p:cNvSpPr>
+            <a:spLocks noGrp="1"/>
+          </p:cNvSpPr>
+          <p:nvPr>
+            <p:ph sz="quarter" idx="13"/>
+          </p:nvPr>
+        </p:nvSpPr>
+        <p:spPr/>
+        <p:txBody>
+          <a:bodyPr/>
+          <a:lstStyle/>
+          <a:p>
+            <a:endParaRPr lang="zh-TW" altLang="en-US"/>
+          </a:p>
+        </p:txBody>
+      </p:sp>
+      <p:sp>
+        <p:nvSpPr>
+          <p:cNvPr id="4" name="內容版面配置區 3"/>
+          <p:cNvSpPr>
+            <a:spLocks noGrp="1"/>
+          </p:cNvSpPr>
+          <p:nvPr>
+            <p:ph sz="half" idx="1"/>
+          </p:nvPr>
+        </p:nvSpPr>
+        <p:spPr/>
+        <p:txBody>
+          <a:bodyPr/>
+          <a:lstStyle/>
+          <a:p>
+            <a:r>
+              <a:rPr lang="en-US" altLang="zh-TW" dirty="0" smtClean="0"/>
+              <a:t>Spring Cloud </a:t>
+            </a:r>
+            <a:r>
+              <a:rPr lang="en-US" altLang="zh-TW" dirty="0" err="1" smtClean="0"/>
+              <a:t>Config</a:t>
+            </a:r>
+            <a:r>
+              <a:rPr lang="en-US" altLang="zh-TW" dirty="0" smtClean="0"/>
+              <a:t> </a:t>
+            </a:r>
+            <a:r>
+              <a:rPr lang="zh-CN" altLang="en-US" dirty="0" smtClean="0"/>
+              <a:t>中文文檔</a:t>
+            </a:r>
+            <a:endParaRPr lang="en-US" altLang="zh-TW" dirty="0" smtClean="0"/>
+          </a:p>
+          <a:p>
+            <a:r>
+              <a:rPr lang="en-US" altLang="zh-TW" dirty="0">
+                <a:hlinkClick r:id="rId2"/>
+              </a:rPr>
+              <a:t>https://</a:t>
+            </a:r>
+            <a:r>
+              <a:rPr lang="en-US" altLang="zh-TW" dirty="0" smtClean="0">
+                <a:hlinkClick r:id="rId2"/>
+              </a:rPr>
+              <a:t>www.springcloud.cc/spring-cloud-config.html</a:t>
+            </a:r>
+            <a:endParaRPr lang="en-US" altLang="zh-TW" dirty="0" smtClean="0"/>
+          </a:p>
+          <a:p>
+            <a:r>
+              <a:rPr lang="en-US" altLang="zh-TW" dirty="0" smtClean="0"/>
+              <a:t>Spring Cloud </a:t>
+            </a:r>
+            <a:r>
+              <a:rPr lang="en-US" altLang="zh-TW" dirty="0" err="1" smtClean="0"/>
+              <a:t>Config</a:t>
+            </a:r>
+            <a:r>
+              <a:rPr lang="en-US" altLang="zh-TW" dirty="0" smtClean="0"/>
+              <a:t> Server </a:t>
+            </a:r>
+            <a:r>
+              <a:rPr lang="zh-CN" altLang="en-US" dirty="0" smtClean="0"/>
+              <a:t>和 </a:t>
+            </a:r>
+            <a:r>
+              <a:rPr lang="en-US" altLang="zh-CN" dirty="0" smtClean="0"/>
+              <a:t>Client</a:t>
+            </a:r>
+            <a:r>
+              <a:rPr lang="zh-CN" altLang="en-US" dirty="0" smtClean="0"/>
+              <a:t>的配置使用</a:t>
+            </a:r>
+            <a:endParaRPr lang="en-US" altLang="zh-CN" dirty="0" smtClean="0"/>
+          </a:p>
+          <a:p>
+            <a:r>
+              <a:rPr lang="en-US" altLang="zh-TW" dirty="0">
+                <a:hlinkClick r:id="rId3"/>
+              </a:rPr>
+              <a:t>https://</a:t>
+            </a:r>
+            <a:r>
+              <a:rPr lang="en-US" altLang="zh-TW" dirty="0" smtClean="0">
+                <a:hlinkClick r:id="rId3"/>
+              </a:rPr>
+              <a:t>blog.csdn.net/liqi_q/article/details/81158002</a:t>
+            </a:r>
+            <a:endParaRPr lang="en-US" altLang="zh-TW" dirty="0" smtClean="0"/>
+          </a:p>
+          <a:p>
+            <a:r>
+              <a:rPr lang="en-US" altLang="zh-CN" dirty="0" smtClean="0"/>
+              <a:t>Spring Cloud </a:t>
+            </a:r>
+            <a:r>
+              <a:rPr lang="en-US" altLang="zh-CN" dirty="0" err="1" smtClean="0"/>
+              <a:t>Config</a:t>
+            </a:r>
+            <a:r>
+              <a:rPr lang="en-US" altLang="zh-CN" dirty="0" smtClean="0"/>
+              <a:t> </a:t>
+            </a:r>
+            <a:r>
+              <a:rPr lang="zh-CN" altLang="en-US" dirty="0" smtClean="0"/>
+              <a:t>配置中心終結版</a:t>
+            </a:r>
+            <a:endParaRPr lang="en-US" altLang="zh-CN" dirty="0" smtClean="0"/>
+          </a:p>
+          <a:p>
+            <a:r>
+              <a:rPr lang="en-US" altLang="zh-TW" dirty="0">
+                <a:hlinkClick r:id="rId4"/>
+              </a:rPr>
+              <a:t>http://www.ityouknow.com/springcloud/2017/05/26/springcloud-config-eureka-bus.html</a:t>
+            </a:r>
+            <a:endParaRPr lang="zh-TW" altLang="en-US" dirty="0"/>
+          </a:p>
+        </p:txBody>
+      </p:sp>
+    </p:spTree>
+    <p:extLst>
+      <p:ext uri="{BB962C8B-B14F-4D97-AF65-F5344CB8AC3E}">
+        <p14:creationId xmlns:p14="http://schemas.microsoft.com/office/powerpoint/2010/main" val="990233712"/>
+      </p:ext>
+    </p:extLst>
+  </p:cSld>
+  <p:clrMapOvr>
+    <a:masterClrMapping/>
+  </p:clrMapOvr>
+</p:sld>
+</file>
+
+<file path=ppt/slides/slide47.xml><?xml version="1.0" encoding="utf-8"?>
 <p:sld xmlns:a="http://schemas.openxmlformats.org/drawingml/2006/main" xmlns:r="http://schemas.openxmlformats.org/officeDocument/2006/relationships" xmlns:p="http://schemas.openxmlformats.org/presentationml/2006/main">
   <p:cSld>
     <p:spTree>
@@ -23592,62 +25138,122 @@
           <a:p>
             <a:pPr fontAlgn="base"/>
             <a:r>
-              <a:rPr lang="en-US" altLang="zh-TW" dirty="0"/>
+              <a:rPr lang="en-US" altLang="zh-TW" dirty="0">
+                <a:solidFill>
+                  <a:srgbClr val="FF0000"/>
+                </a:solidFill>
+              </a:rPr>
               <a:t>Spring Cloud </a:t>
             </a:r>
             <a:r>
-              <a:rPr lang="en-US" altLang="zh-TW" dirty="0" err="1"/>
+              <a:rPr lang="en-US" altLang="zh-TW" dirty="0" err="1">
+                <a:solidFill>
+                  <a:srgbClr val="FF0000"/>
+                </a:solidFill>
+              </a:rPr>
               <a:t>Config</a:t>
             </a:r>
             <a:r>
-              <a:rPr lang="zh-TW" altLang="en-US" dirty="0"/>
+              <a:rPr lang="zh-TW" altLang="en-US" dirty="0">
+                <a:solidFill>
+                  <a:srgbClr val="FF0000"/>
+                </a:solidFill>
+              </a:rPr>
               <a:t>就是雲端存儲配置信息的</a:t>
             </a:r>
             <a:r>
-              <a:rPr lang="en-US" altLang="zh-TW" dirty="0"/>
+              <a:rPr lang="en-US" altLang="zh-TW" dirty="0">
+                <a:solidFill>
+                  <a:srgbClr val="FF0000"/>
+                </a:solidFill>
+              </a:rPr>
               <a:t>,</a:t>
             </a:r>
             <a:r>
-              <a:rPr lang="zh-TW" altLang="en-US" dirty="0"/>
+              <a:rPr lang="zh-TW" altLang="en-US" dirty="0">
+                <a:solidFill>
+                  <a:srgbClr val="FF0000"/>
+                </a:solidFill>
+              </a:rPr>
               <a:t>它具有中心化</a:t>
             </a:r>
             <a:r>
-              <a:rPr lang="en-US" altLang="zh-TW" dirty="0"/>
+              <a:rPr lang="en-US" altLang="zh-TW" dirty="0">
+                <a:solidFill>
+                  <a:srgbClr val="FF0000"/>
+                </a:solidFill>
+              </a:rPr>
               <a:t>,</a:t>
             </a:r>
             <a:r>
-              <a:rPr lang="zh-TW" altLang="en-US" dirty="0"/>
+              <a:rPr lang="zh-TW" altLang="en-US" dirty="0">
+                <a:solidFill>
+                  <a:srgbClr val="FF0000"/>
+                </a:solidFill>
+              </a:rPr>
               <a:t>版本控制</a:t>
             </a:r>
             <a:r>
-              <a:rPr lang="en-US" altLang="zh-TW" dirty="0"/>
+              <a:rPr lang="en-US" altLang="zh-TW" dirty="0">
+                <a:solidFill>
+                  <a:srgbClr val="FF0000"/>
+                </a:solidFill>
+              </a:rPr>
               <a:t>,</a:t>
             </a:r>
             <a:r>
-              <a:rPr lang="zh-TW" altLang="en-US" dirty="0"/>
+              <a:rPr lang="zh-TW" altLang="en-US" dirty="0">
+                <a:solidFill>
+                  <a:srgbClr val="FF0000"/>
+                </a:solidFill>
+              </a:rPr>
               <a:t>支持動態更新</a:t>
             </a:r>
             <a:r>
-              <a:rPr lang="en-US" altLang="zh-TW" dirty="0"/>
+              <a:rPr lang="en-US" altLang="zh-TW" dirty="0">
+                <a:solidFill>
+                  <a:srgbClr val="FF0000"/>
+                </a:solidFill>
+              </a:rPr>
               <a:t>,</a:t>
             </a:r>
             <a:r>
-              <a:rPr lang="zh-TW" altLang="en-US" dirty="0"/>
+              <a:rPr lang="zh-TW" altLang="en-US" dirty="0">
+                <a:solidFill>
+                  <a:srgbClr val="FF0000"/>
+                </a:solidFill>
+              </a:rPr>
               <a:t>平台獨立</a:t>
             </a:r>
             <a:r>
-              <a:rPr lang="en-US" altLang="zh-TW" dirty="0"/>
+              <a:rPr lang="en-US" altLang="zh-TW" dirty="0">
+                <a:solidFill>
+                  <a:srgbClr val="FF0000"/>
+                </a:solidFill>
+              </a:rPr>
               <a:t>,</a:t>
             </a:r>
             <a:r>
-              <a:rPr lang="zh-TW" altLang="en-US" dirty="0"/>
+              <a:rPr lang="zh-TW" altLang="en-US" dirty="0">
+                <a:solidFill>
+                  <a:srgbClr val="FF0000"/>
+                </a:solidFill>
+              </a:rPr>
               <a:t>語言獨立等特性</a:t>
             </a:r>
             <a:r>
-              <a:rPr lang="zh-TW" altLang="en-US" dirty="0" smtClean="0"/>
+              <a:rPr lang="zh-TW" altLang="en-US" dirty="0" smtClean="0">
+                <a:solidFill>
+                  <a:srgbClr val="FF0000"/>
+                </a:solidFill>
+              </a:rPr>
               <a:t>。</a:t>
             </a:r>
-            <a:endParaRPr lang="en-US" altLang="zh-TW" dirty="0" smtClean="0"/>
+            <a:endParaRPr lang="en-US" altLang="zh-TW" dirty="0" smtClean="0">
+              <a:solidFill>
+                <a:srgbClr val="FF0000"/>
+              </a:solidFill>
+            </a:endParaRPr>
           </a:p>
         </p:txBody>
       </p:sp>
@@ -23794,7 +25400,11 @@
               <a:t>.</a:t>
             </a:r>
             <a:r>
-              <a:rPr lang="zh-TW" altLang="en-US" dirty="0"/>
+              <a:rPr lang="zh-TW" altLang="en-US" dirty="0">
+                <a:solidFill>
+                  <a:srgbClr val="FF0000"/>
+                </a:solidFill>
+              </a:rPr>
               <a:t>集中式管理</a:t>
             </a:r>
             <a:r>
@@ -23863,15 +25473,27 @@
               <a:t>默認</a:t>
             </a:r>
             <a:r>
-              <a:rPr lang="zh-TW" altLang="en-US" dirty="0"/>
+              <a:rPr lang="zh-TW" altLang="en-US" dirty="0">
+                <a:solidFill>
+                  <a:srgbClr val="FF0000"/>
+                </a:solidFill>
+              </a:rPr>
               <a:t>實現基於</a:t>
             </a:r>
             <a:r>
-              <a:rPr lang="en-US" altLang="zh-TW" dirty="0" err="1"/>
+              <a:rPr lang="en-US" altLang="zh-TW" dirty="0" err="1">
+                <a:solidFill>
+                  <a:srgbClr val="FF0000"/>
+                </a:solidFill>
+              </a:rPr>
               <a:t>git</a:t>
             </a:r>
             <a:r>
-              <a:rPr lang="zh-TW" altLang="en-US" dirty="0"/>
+              <a:rPr lang="zh-TW" altLang="en-US" dirty="0">
+                <a:solidFill>
+                  <a:srgbClr val="FF0000"/>
+                </a:solidFill>
+              </a:rPr>
               <a:t>倉庫</a:t>
             </a:r>
             <a:r>

--- a/空白PPT.pptx
+++ b/空白PPT.pptx
@@ -5,7 +5,7 @@
     <p:sldMasterId id="2147483648" r:id="rId1"/>
   </p:sldMasterIdLst>
   <p:notesMasterIdLst>
-    <p:notesMasterId r:id="rId49"/>
+    <p:notesMasterId r:id="rId51"/>
   </p:notesMasterIdLst>
   <p:sldIdLst>
     <p:sldId id="256" r:id="rId2"/>
@@ -21,40 +21,42 @@
     <p:sldId id="406" r:id="rId12"/>
     <p:sldId id="407" r:id="rId13"/>
     <p:sldId id="434" r:id="rId14"/>
-    <p:sldId id="432" r:id="rId15"/>
-    <p:sldId id="412" r:id="rId16"/>
-    <p:sldId id="354" r:id="rId17"/>
-    <p:sldId id="388" r:id="rId18"/>
-    <p:sldId id="384" r:id="rId19"/>
-    <p:sldId id="385" r:id="rId20"/>
-    <p:sldId id="386" r:id="rId21"/>
-    <p:sldId id="387" r:id="rId22"/>
-    <p:sldId id="392" r:id="rId23"/>
-    <p:sldId id="393" r:id="rId24"/>
-    <p:sldId id="394" r:id="rId25"/>
-    <p:sldId id="396" r:id="rId26"/>
-    <p:sldId id="395" r:id="rId27"/>
-    <p:sldId id="397" r:id="rId28"/>
-    <p:sldId id="398" r:id="rId29"/>
-    <p:sldId id="399" r:id="rId30"/>
-    <p:sldId id="419" r:id="rId31"/>
-    <p:sldId id="428" r:id="rId32"/>
-    <p:sldId id="429" r:id="rId33"/>
-    <p:sldId id="415" r:id="rId34"/>
-    <p:sldId id="403" r:id="rId35"/>
-    <p:sldId id="416" r:id="rId36"/>
-    <p:sldId id="421" r:id="rId37"/>
-    <p:sldId id="418" r:id="rId38"/>
-    <p:sldId id="424" r:id="rId39"/>
-    <p:sldId id="417" r:id="rId40"/>
-    <p:sldId id="422" r:id="rId41"/>
-    <p:sldId id="430" r:id="rId42"/>
-    <p:sldId id="427" r:id="rId43"/>
-    <p:sldId id="426" r:id="rId44"/>
-    <p:sldId id="425" r:id="rId45"/>
-    <p:sldId id="420" r:id="rId46"/>
-    <p:sldId id="433" r:id="rId47"/>
-    <p:sldId id="286" r:id="rId48"/>
+    <p:sldId id="436" r:id="rId15"/>
+    <p:sldId id="432" r:id="rId16"/>
+    <p:sldId id="412" r:id="rId17"/>
+    <p:sldId id="354" r:id="rId18"/>
+    <p:sldId id="388" r:id="rId19"/>
+    <p:sldId id="384" r:id="rId20"/>
+    <p:sldId id="385" r:id="rId21"/>
+    <p:sldId id="386" r:id="rId22"/>
+    <p:sldId id="387" r:id="rId23"/>
+    <p:sldId id="392" r:id="rId24"/>
+    <p:sldId id="393" r:id="rId25"/>
+    <p:sldId id="394" r:id="rId26"/>
+    <p:sldId id="396" r:id="rId27"/>
+    <p:sldId id="395" r:id="rId28"/>
+    <p:sldId id="397" r:id="rId29"/>
+    <p:sldId id="398" r:id="rId30"/>
+    <p:sldId id="399" r:id="rId31"/>
+    <p:sldId id="419" r:id="rId32"/>
+    <p:sldId id="428" r:id="rId33"/>
+    <p:sldId id="429" r:id="rId34"/>
+    <p:sldId id="415" r:id="rId35"/>
+    <p:sldId id="403" r:id="rId36"/>
+    <p:sldId id="416" r:id="rId37"/>
+    <p:sldId id="421" r:id="rId38"/>
+    <p:sldId id="418" r:id="rId39"/>
+    <p:sldId id="424" r:id="rId40"/>
+    <p:sldId id="417" r:id="rId41"/>
+    <p:sldId id="422" r:id="rId42"/>
+    <p:sldId id="435" r:id="rId43"/>
+    <p:sldId id="430" r:id="rId44"/>
+    <p:sldId id="427" r:id="rId45"/>
+    <p:sldId id="426" r:id="rId46"/>
+    <p:sldId id="425" r:id="rId47"/>
+    <p:sldId id="420" r:id="rId48"/>
+    <p:sldId id="433" r:id="rId49"/>
+    <p:sldId id="286" r:id="rId50"/>
   </p:sldIdLst>
   <p:sldSz cx="12192000" cy="6858000"/>
   <p:notesSz cx="6858000" cy="9144000"/>
@@ -171,6 +173,7 @@
             <p14:sldId id="406"/>
             <p14:sldId id="407"/>
             <p14:sldId id="434"/>
+            <p14:sldId id="436"/>
             <p14:sldId id="432"/>
             <p14:sldId id="412"/>
             <p14:sldId id="354"/>
@@ -198,6 +201,7 @@
             <p14:sldId id="424"/>
             <p14:sldId id="417"/>
             <p14:sldId id="422"/>
+            <p14:sldId id="435"/>
             <p14:sldId id="430"/>
             <p14:sldId id="427"/>
             <p14:sldId id="426"/>
@@ -210,7 +214,7 @@
       </p14:sectionLst>
     </p:ext>
     <p:ext uri="{EFAFB233-063F-42B5-8137-9DF3F51BA10A}">
-      <p15:sldGuideLst xmlns:p15="http://schemas.microsoft.com/office/powerpoint/2012/main" xmlns="">
+      <p15:sldGuideLst xmlns="" xmlns:p15="http://schemas.microsoft.com/office/powerpoint/2012/main">
         <p15:guide id="1" orient="horz" pos="2160">
           <p15:clr>
             <a:srgbClr val="A4A3A4"/>
@@ -309,7 +313,7 @@
           <a:p>
             <a:fld id="{1BA5755D-7932-44A5-A2C7-C8A2CBF288E8}" type="datetimeFigureOut">
               <a:rPr lang="zh-TW" altLang="en-US" smtClean="0"/>
-              <a:t>2020/2/14</a:t>
+              <a:t>2020/2/15</a:t>
             </a:fld>
             <a:endParaRPr lang="zh-TW" altLang="en-US"/>
           </a:p>
@@ -705,6 +709,138 @@
           <a:lstStyle/>
           <a:p>
             <a:r>
+              <a:rPr lang="en-US" altLang="zh-TW" dirty="0" smtClean="0">
+                <a:hlinkClick r:id="rId3"/>
+              </a:rPr>
+              <a:t>https://www.jishuwen.com/d/2E0I/zh-tw</a:t>
+            </a:r>
+            <a:endParaRPr lang="en-US" altLang="zh-TW" dirty="0" smtClean="0"/>
+          </a:p>
+          <a:p>
+            <a:r>
+              <a:rPr lang="en-US" altLang="zh-TW" dirty="0" smtClean="0">
+                <a:hlinkClick r:id="rId4"/>
+              </a:rPr>
+              <a:t>https://juejin.im/post/5c6e827ae51d452da9672094</a:t>
+            </a:r>
+            <a:endParaRPr lang="en-US" altLang="zh-TW" dirty="0" smtClean="0"/>
+          </a:p>
+          <a:p>
+            <a:pPr marL="514350" indent="-514350">
+              <a:buAutoNum type="arabicPeriod"/>
+            </a:pPr>
+            <a:r>
+              <a:rPr lang="en-US" altLang="zh-TW" dirty="0" smtClean="0"/>
+              <a:t>Spring Cloud </a:t>
+            </a:r>
+            <a:r>
+              <a:rPr lang="en-US" altLang="zh-TW" dirty="0" err="1" smtClean="0"/>
+              <a:t>Config</a:t>
+            </a:r>
+            <a:endParaRPr lang="en-US" altLang="zh-TW" dirty="0" smtClean="0"/>
+          </a:p>
+          <a:p>
+            <a:pPr marL="514350" indent="-514350">
+              <a:buAutoNum type="arabicPeriod"/>
+            </a:pPr>
+            <a:r>
+              <a:rPr lang="en-US" altLang="zh-TW" dirty="0" smtClean="0"/>
+              <a:t>Apollo</a:t>
+            </a:r>
+          </a:p>
+          <a:p>
+            <a:pPr marL="514350" indent="-514350">
+              <a:buAutoNum type="arabicPeriod"/>
+            </a:pPr>
+            <a:r>
+              <a:rPr lang="en-US" altLang="zh-TW" dirty="0" err="1" smtClean="0"/>
+              <a:t>Nacos</a:t>
+            </a:r>
+            <a:endParaRPr lang="zh-TW" altLang="en-US" dirty="0" smtClean="0"/>
+          </a:p>
+        </p:txBody>
+      </p:sp>
+      <p:sp>
+        <p:nvSpPr>
+          <p:cNvPr id="4" name="投影片編號版面配置區 3"/>
+          <p:cNvSpPr>
+            <a:spLocks noGrp="1"/>
+          </p:cNvSpPr>
+          <p:nvPr>
+            <p:ph type="sldNum" sz="quarter" idx="10"/>
+          </p:nvPr>
+        </p:nvSpPr>
+        <p:spPr/>
+        <p:txBody>
+          <a:bodyPr/>
+          <a:lstStyle/>
+          <a:p>
+            <a:fld id="{EEBFCD98-6B9E-4D19-9C43-11FCDEF19DFC}" type="slidenum">
+              <a:rPr lang="zh-TW" altLang="en-US" smtClean="0"/>
+              <a:t>41</a:t>
+            </a:fld>
+            <a:endParaRPr lang="zh-TW" altLang="en-US"/>
+          </a:p>
+        </p:txBody>
+      </p:sp>
+    </p:spTree>
+    <p:extLst>
+      <p:ext uri="{BB962C8B-B14F-4D97-AF65-F5344CB8AC3E}">
+        <p14:creationId xmlns:p14="http://schemas.microsoft.com/office/powerpoint/2010/main" val="1930459848"/>
+      </p:ext>
+    </p:extLst>
+  </p:cSld>
+  <p:clrMapOvr>
+    <a:masterClrMapping/>
+  </p:clrMapOvr>
+</p:notes>
+</file>
+
+<file path=ppt/notesSlides/notesSlide11.xml><?xml version="1.0" encoding="utf-8"?>
+<p:notes xmlns:a="http://schemas.openxmlformats.org/drawingml/2006/main" xmlns:r="http://schemas.openxmlformats.org/officeDocument/2006/relationships" xmlns:p="http://schemas.openxmlformats.org/presentationml/2006/main">
+  <p:cSld>
+    <p:spTree>
+      <p:nvGrpSpPr>
+        <p:cNvPr id="1" name=""/>
+        <p:cNvGrpSpPr/>
+        <p:nvPr/>
+      </p:nvGrpSpPr>
+      <p:grpSpPr>
+        <a:xfrm>
+          <a:off x="0" y="0"/>
+          <a:ext cx="0" cy="0"/>
+          <a:chOff x="0" y="0"/>
+          <a:chExt cx="0" cy="0"/>
+        </a:xfrm>
+      </p:grpSpPr>
+      <p:sp>
+        <p:nvSpPr>
+          <p:cNvPr id="2" name="投影片圖像版面配置區 1"/>
+          <p:cNvSpPr>
+            <a:spLocks noGrp="1" noRot="1" noChangeAspect="1"/>
+          </p:cNvSpPr>
+          <p:nvPr>
+            <p:ph type="sldImg"/>
+          </p:nvPr>
+        </p:nvSpPr>
+        <p:spPr/>
+      </p:sp>
+      <p:sp>
+        <p:nvSpPr>
+          <p:cNvPr id="3" name="備忘稿版面配置區 2"/>
+          <p:cNvSpPr>
+            <a:spLocks noGrp="1"/>
+          </p:cNvSpPr>
+          <p:nvPr>
+            <p:ph type="body" idx="1"/>
+          </p:nvPr>
+        </p:nvSpPr>
+        <p:spPr/>
+        <p:txBody>
+          <a:bodyPr/>
+          <a:lstStyle/>
+          <a:p>
+            <a:r>
               <a:rPr lang="zh-CN" altLang="en-US" dirty="0" smtClean="0"/>
               <a:t>根據不同的服務，分開更新，雖然他們共用</a:t>
             </a:r>
@@ -733,7 +869,7 @@
           <a:p>
             <a:fld id="{EEBFCD98-6B9E-4D19-9C43-11FCDEF19DFC}" type="slidenum">
               <a:rPr lang="zh-TW" altLang="en-US" smtClean="0"/>
-              <a:t>42</a:t>
+              <a:t>44</a:t>
             </a:fld>
             <a:endParaRPr lang="zh-TW" altLang="en-US"/>
           </a:p>
@@ -985,51 +1121,9 @@
               <a:rPr lang="en-US" altLang="zh-TW" dirty="0" smtClean="0">
                 <a:hlinkClick r:id="rId3"/>
               </a:rPr>
-              <a:t>https://www.jishuwen.com/d/2E0I/zh-tw</a:t>
-            </a:r>
-            <a:endParaRPr lang="en-US" altLang="zh-TW" dirty="0" smtClean="0"/>
-          </a:p>
-          <a:p>
-            <a:r>
-              <a:rPr lang="en-US" altLang="zh-TW" dirty="0" smtClean="0">
-                <a:hlinkClick r:id="rId4"/>
-              </a:rPr>
-              <a:t>https://juejin.im/post/5c6e827ae51d452da9672094</a:t>
-            </a:r>
-            <a:endParaRPr lang="en-US" altLang="zh-TW" dirty="0" smtClean="0"/>
-          </a:p>
-          <a:p>
-            <a:pPr marL="514350" indent="-514350">
-              <a:buAutoNum type="arabicPeriod"/>
-            </a:pPr>
-            <a:r>
-              <a:rPr lang="en-US" altLang="zh-TW" dirty="0" smtClean="0"/>
-              <a:t>Spring Cloud </a:t>
-            </a:r>
-            <a:r>
-              <a:rPr lang="en-US" altLang="zh-TW" dirty="0" err="1" smtClean="0"/>
-              <a:t>Config</a:t>
-            </a:r>
-            <a:endParaRPr lang="en-US" altLang="zh-TW" dirty="0" smtClean="0"/>
-          </a:p>
-          <a:p>
-            <a:pPr marL="514350" indent="-514350">
-              <a:buAutoNum type="arabicPeriod"/>
-            </a:pPr>
-            <a:r>
-              <a:rPr lang="en-US" altLang="zh-TW" dirty="0" smtClean="0"/>
-              <a:t>Apollo</a:t>
-            </a:r>
-          </a:p>
-          <a:p>
-            <a:pPr marL="514350" indent="-514350">
-              <a:buAutoNum type="arabicPeriod"/>
-            </a:pPr>
-            <a:r>
-              <a:rPr lang="en-US" altLang="zh-TW" dirty="0" err="1" smtClean="0"/>
-              <a:t>Nacos</a:t>
-            </a:r>
-            <a:endParaRPr lang="zh-TW" altLang="en-US" dirty="0" smtClean="0"/>
+              <a:t>http://appblog.cn/2019/09/18/Spring%20Cloud%20@RefreshScope%E5%92%8C@EventListener%E5%AE%9E%E7%8E%B0Nacos%E9%85%8D%E7%BD%AE%E6%9B%B4%E6%96%B0%E7%9B%91%E5%90%AC/</a:t>
+            </a:r>
+            <a:endParaRPr lang="zh-TW" altLang="en-US" dirty="0"/>
           </a:p>
         </p:txBody>
       </p:sp>
@@ -1059,7 +1153,7 @@
     </p:spTree>
     <p:extLst>
       <p:ext uri="{BB962C8B-B14F-4D97-AF65-F5344CB8AC3E}">
-        <p14:creationId xmlns:p14="http://schemas.microsoft.com/office/powerpoint/2010/main" val="1930459848"/>
+        <p14:creationId xmlns:p14="http://schemas.microsoft.com/office/powerpoint/2010/main" val="3368321487"/>
       </p:ext>
     </p:extLst>
   </p:cSld>
@@ -1314,7 +1408,7 @@
           <a:p>
             <a:fld id="{EEBFCD98-6B9E-4D19-9C43-11FCDEF19DFC}" type="slidenum">
               <a:rPr lang="zh-TW" altLang="en-US" smtClean="0"/>
-              <a:t>37</a:t>
+              <a:t>36</a:t>
             </a:fld>
             <a:endParaRPr lang="zh-TW" altLang="en-US"/>
           </a:p>
@@ -1751,7 +1845,7 @@
           <p:cNvPr id="2" name="標題 1">
             <a:extLst>
               <a:ext uri="{FF2B5EF4-FFF2-40B4-BE49-F238E27FC236}">
-                <a16:creationId xmlns="" xmlns:a16="http://schemas.microsoft.com/office/drawing/2014/main" id="{6A1C7254-695B-1F42-AC59-34E8D858E936}"/>
+                <a16:creationId xmlns:a16="http://schemas.microsoft.com/office/drawing/2014/main" xmlns="" id="{6A1C7254-695B-1F42-AC59-34E8D858E936}"/>
               </a:ext>
             </a:extLst>
           </p:cNvPr>
@@ -1794,7 +1888,7 @@
           <p:cNvPr id="3" name="文字版面配置區 2">
             <a:extLst>
               <a:ext uri="{FF2B5EF4-FFF2-40B4-BE49-F238E27FC236}">
-                <a16:creationId xmlns="" xmlns:a16="http://schemas.microsoft.com/office/drawing/2014/main" id="{1D19DA3B-2013-E14B-A941-CC519B76AD6F}"/>
+                <a16:creationId xmlns:a16="http://schemas.microsoft.com/office/drawing/2014/main" xmlns="" id="{1D19DA3B-2013-E14B-A941-CC519B76AD6F}"/>
               </a:ext>
             </a:extLst>
           </p:cNvPr>
@@ -1919,7 +2013,7 @@
           <p:cNvPr id="4" name="日期版面配置區 3">
             <a:extLst>
               <a:ext uri="{FF2B5EF4-FFF2-40B4-BE49-F238E27FC236}">
-                <a16:creationId xmlns="" xmlns:a16="http://schemas.microsoft.com/office/drawing/2014/main" id="{BC7211D9-290C-574E-B682-764110BB9BAF}"/>
+                <a16:creationId xmlns:a16="http://schemas.microsoft.com/office/drawing/2014/main" xmlns="" id="{BC7211D9-290C-574E-B682-764110BB9BAF}"/>
               </a:ext>
             </a:extLst>
           </p:cNvPr>
@@ -1937,7 +2031,7 @@
           <a:p>
             <a:fld id="{75F8934F-7F83-1046-9341-02CE27D9104D}" type="datetimeFigureOut">
               <a:rPr kumimoji="1" lang="zh-TW" altLang="en-US" smtClean="0"/>
-              <a:t>2020/2/14</a:t>
+              <a:t>2020/2/15</a:t>
             </a:fld>
             <a:endParaRPr kumimoji="1" lang="zh-TW" altLang="en-US" dirty="0"/>
           </a:p>
@@ -1948,7 +2042,7 @@
           <p:cNvPr id="5" name="頁尾版面配置區 4">
             <a:extLst>
               <a:ext uri="{FF2B5EF4-FFF2-40B4-BE49-F238E27FC236}">
-                <a16:creationId xmlns="" xmlns:a16="http://schemas.microsoft.com/office/drawing/2014/main" id="{D4D4BDD1-0BFA-0645-8197-068191AAF54C}"/>
+                <a16:creationId xmlns:a16="http://schemas.microsoft.com/office/drawing/2014/main" xmlns="" id="{D4D4BDD1-0BFA-0645-8197-068191AAF54C}"/>
               </a:ext>
             </a:extLst>
           </p:cNvPr>
@@ -1973,7 +2067,7 @@
           <p:cNvPr id="6" name="投影片編號版面配置區 5">
             <a:extLst>
               <a:ext uri="{FF2B5EF4-FFF2-40B4-BE49-F238E27FC236}">
-                <a16:creationId xmlns="" xmlns:a16="http://schemas.microsoft.com/office/drawing/2014/main" id="{F592E68C-AEE0-D84B-8844-7CF5E83647F7}"/>
+                <a16:creationId xmlns:a16="http://schemas.microsoft.com/office/drawing/2014/main" xmlns="" id="{F592E68C-AEE0-D84B-8844-7CF5E83647F7}"/>
               </a:ext>
             </a:extLst>
           </p:cNvPr>
@@ -2002,7 +2096,7 @@
           <p:cNvPr id="7" name="圖片 6">
             <a:extLst>
               <a:ext uri="{FF2B5EF4-FFF2-40B4-BE49-F238E27FC236}">
-                <a16:creationId xmlns="" xmlns:a16="http://schemas.microsoft.com/office/drawing/2014/main" id="{CFC0D688-7C0C-F240-82D7-136060E3079C}"/>
+                <a16:creationId xmlns:a16="http://schemas.microsoft.com/office/drawing/2014/main" xmlns="" id="{CFC0D688-7C0C-F240-82D7-136060E3079C}"/>
               </a:ext>
             </a:extLst>
           </p:cNvPr>
@@ -2170,7 +2264,7 @@
           <a:p>
             <a:fld id="{75F8934F-7F83-1046-9341-02CE27D9104D}" type="datetimeFigureOut">
               <a:rPr kumimoji="1" lang="zh-TW" altLang="en-US" smtClean="0"/>
-              <a:t>2020/2/14</a:t>
+              <a:t>2020/2/15</a:t>
             </a:fld>
             <a:endParaRPr kumimoji="1" lang="zh-TW" altLang="en-US"/>
           </a:p>
@@ -2292,7 +2386,7 @@
           <p:cNvPr id="10" name="圖片 9">
             <a:extLst>
               <a:ext uri="{FF2B5EF4-FFF2-40B4-BE49-F238E27FC236}">
-                <a16:creationId xmlns="" xmlns:a16="http://schemas.microsoft.com/office/drawing/2014/main" id="{5E0EAD78-AEC6-AB45-A710-DD47E43CBB16}"/>
+                <a16:creationId xmlns:a16="http://schemas.microsoft.com/office/drawing/2014/main" xmlns="" id="{5E0EAD78-AEC6-AB45-A710-DD47E43CBB16}"/>
               </a:ext>
             </a:extLst>
           </p:cNvPr>
@@ -2411,7 +2505,7 @@
           <a:p>
             <a:fld id="{75F8934F-7F83-1046-9341-02CE27D9104D}" type="datetimeFigureOut">
               <a:rPr kumimoji="1" lang="zh-TW" altLang="en-US" smtClean="0"/>
-              <a:t>2020/2/14</a:t>
+              <a:t>2020/2/15</a:t>
             </a:fld>
             <a:endParaRPr kumimoji="1" lang="zh-TW" altLang="en-US"/>
           </a:p>
@@ -2835,7 +2929,7 @@
           <p:cNvPr id="17" name="內容版面配置區 2">
             <a:extLst>
               <a:ext uri="{FF2B5EF4-FFF2-40B4-BE49-F238E27FC236}">
-                <a16:creationId xmlns="" xmlns:a16="http://schemas.microsoft.com/office/drawing/2014/main" id="{DB7FC4C6-C26F-214E-B2D6-C9ED5E2BD195}"/>
+                <a16:creationId xmlns:a16="http://schemas.microsoft.com/office/drawing/2014/main" xmlns="" id="{DB7FC4C6-C26F-214E-B2D6-C9ED5E2BD195}"/>
               </a:ext>
             </a:extLst>
           </p:cNvPr>
@@ -2927,7 +3021,7 @@
           <p:cNvPr id="18" name="內容版面配置區 2">
             <a:extLst>
               <a:ext uri="{FF2B5EF4-FFF2-40B4-BE49-F238E27FC236}">
-                <a16:creationId xmlns="" xmlns:a16="http://schemas.microsoft.com/office/drawing/2014/main" id="{DB7FC4C6-C26F-214E-B2D6-C9ED5E2BD195}"/>
+                <a16:creationId xmlns:a16="http://schemas.microsoft.com/office/drawing/2014/main" xmlns="" id="{DB7FC4C6-C26F-214E-B2D6-C9ED5E2BD195}"/>
               </a:ext>
             </a:extLst>
           </p:cNvPr>
@@ -3019,7 +3113,7 @@
           <p:cNvPr id="19" name="內容版面配置區 2">
             <a:extLst>
               <a:ext uri="{FF2B5EF4-FFF2-40B4-BE49-F238E27FC236}">
-                <a16:creationId xmlns="" xmlns:a16="http://schemas.microsoft.com/office/drawing/2014/main" id="{DB7FC4C6-C26F-214E-B2D6-C9ED5E2BD195}"/>
+                <a16:creationId xmlns:a16="http://schemas.microsoft.com/office/drawing/2014/main" xmlns="" id="{DB7FC4C6-C26F-214E-B2D6-C9ED5E2BD195}"/>
               </a:ext>
             </a:extLst>
           </p:cNvPr>
@@ -3111,7 +3205,7 @@
           <p:cNvPr id="20" name="內容版面配置區 2">
             <a:extLst>
               <a:ext uri="{FF2B5EF4-FFF2-40B4-BE49-F238E27FC236}">
-                <a16:creationId xmlns="" xmlns:a16="http://schemas.microsoft.com/office/drawing/2014/main" id="{DB7FC4C6-C26F-214E-B2D6-C9ED5E2BD195}"/>
+                <a16:creationId xmlns:a16="http://schemas.microsoft.com/office/drawing/2014/main" xmlns="" id="{DB7FC4C6-C26F-214E-B2D6-C9ED5E2BD195}"/>
               </a:ext>
             </a:extLst>
           </p:cNvPr>
@@ -3203,7 +3297,7 @@
           <p:cNvPr id="21" name="內容版面配置區 2">
             <a:extLst>
               <a:ext uri="{FF2B5EF4-FFF2-40B4-BE49-F238E27FC236}">
-                <a16:creationId xmlns="" xmlns:a16="http://schemas.microsoft.com/office/drawing/2014/main" id="{DB7FC4C6-C26F-214E-B2D6-C9ED5E2BD195}"/>
+                <a16:creationId xmlns:a16="http://schemas.microsoft.com/office/drawing/2014/main" xmlns="" id="{DB7FC4C6-C26F-214E-B2D6-C9ED5E2BD195}"/>
               </a:ext>
             </a:extLst>
           </p:cNvPr>
@@ -3295,7 +3389,7 @@
           <p:cNvPr id="22" name="內容版面配置區 2">
             <a:extLst>
               <a:ext uri="{FF2B5EF4-FFF2-40B4-BE49-F238E27FC236}">
-                <a16:creationId xmlns="" xmlns:a16="http://schemas.microsoft.com/office/drawing/2014/main" id="{DB7FC4C6-C26F-214E-B2D6-C9ED5E2BD195}"/>
+                <a16:creationId xmlns:a16="http://schemas.microsoft.com/office/drawing/2014/main" xmlns="" id="{DB7FC4C6-C26F-214E-B2D6-C9ED5E2BD195}"/>
               </a:ext>
             </a:extLst>
           </p:cNvPr>
@@ -3510,7 +3604,7 @@
           <a:p>
             <a:fld id="{75F8934F-7F83-1046-9341-02CE27D9104D}" type="datetimeFigureOut">
               <a:rPr kumimoji="1" lang="zh-TW" altLang="en-US" smtClean="0"/>
-              <a:t>2020/2/14</a:t>
+              <a:t>2020/2/15</a:t>
             </a:fld>
             <a:endParaRPr kumimoji="1" lang="zh-TW" altLang="en-US"/>
           </a:p>
@@ -3899,7 +3993,7 @@
           <p:cNvPr id="13" name="內容版面配置區 2">
             <a:extLst>
               <a:ext uri="{FF2B5EF4-FFF2-40B4-BE49-F238E27FC236}">
-                <a16:creationId xmlns="" xmlns:a16="http://schemas.microsoft.com/office/drawing/2014/main" id="{DB7FC4C6-C26F-214E-B2D6-C9ED5E2BD195}"/>
+                <a16:creationId xmlns:a16="http://schemas.microsoft.com/office/drawing/2014/main" xmlns="" id="{DB7FC4C6-C26F-214E-B2D6-C9ED5E2BD195}"/>
               </a:ext>
             </a:extLst>
           </p:cNvPr>
@@ -3991,7 +4085,7 @@
           <p:cNvPr id="15" name="內容版面配置區 2">
             <a:extLst>
               <a:ext uri="{FF2B5EF4-FFF2-40B4-BE49-F238E27FC236}">
-                <a16:creationId xmlns="" xmlns:a16="http://schemas.microsoft.com/office/drawing/2014/main" id="{DB7FC4C6-C26F-214E-B2D6-C9ED5E2BD195}"/>
+                <a16:creationId xmlns:a16="http://schemas.microsoft.com/office/drawing/2014/main" xmlns="" id="{DB7FC4C6-C26F-214E-B2D6-C9ED5E2BD195}"/>
               </a:ext>
             </a:extLst>
           </p:cNvPr>
@@ -4083,7 +4177,7 @@
           <p:cNvPr id="16" name="內容版面配置區 2">
             <a:extLst>
               <a:ext uri="{FF2B5EF4-FFF2-40B4-BE49-F238E27FC236}">
-                <a16:creationId xmlns="" xmlns:a16="http://schemas.microsoft.com/office/drawing/2014/main" id="{DB7FC4C6-C26F-214E-B2D6-C9ED5E2BD195}"/>
+                <a16:creationId xmlns:a16="http://schemas.microsoft.com/office/drawing/2014/main" xmlns="" id="{DB7FC4C6-C26F-214E-B2D6-C9ED5E2BD195}"/>
               </a:ext>
             </a:extLst>
           </p:cNvPr>
@@ -4175,7 +4269,7 @@
           <p:cNvPr id="17" name="內容版面配置區 2">
             <a:extLst>
               <a:ext uri="{FF2B5EF4-FFF2-40B4-BE49-F238E27FC236}">
-                <a16:creationId xmlns="" xmlns:a16="http://schemas.microsoft.com/office/drawing/2014/main" id="{DB7FC4C6-C26F-214E-B2D6-C9ED5E2BD195}"/>
+                <a16:creationId xmlns:a16="http://schemas.microsoft.com/office/drawing/2014/main" xmlns="" id="{DB7FC4C6-C26F-214E-B2D6-C9ED5E2BD195}"/>
               </a:ext>
             </a:extLst>
           </p:cNvPr>
@@ -4267,7 +4361,7 @@
           <p:cNvPr id="18" name="內容版面配置區 2">
             <a:extLst>
               <a:ext uri="{FF2B5EF4-FFF2-40B4-BE49-F238E27FC236}">
-                <a16:creationId xmlns="" xmlns:a16="http://schemas.microsoft.com/office/drawing/2014/main" id="{DB7FC4C6-C26F-214E-B2D6-C9ED5E2BD195}"/>
+                <a16:creationId xmlns:a16="http://schemas.microsoft.com/office/drawing/2014/main" xmlns="" id="{DB7FC4C6-C26F-214E-B2D6-C9ED5E2BD195}"/>
               </a:ext>
             </a:extLst>
           </p:cNvPr>
@@ -4359,7 +4453,7 @@
           <p:cNvPr id="19" name="內容版面配置區 2">
             <a:extLst>
               <a:ext uri="{FF2B5EF4-FFF2-40B4-BE49-F238E27FC236}">
-                <a16:creationId xmlns="" xmlns:a16="http://schemas.microsoft.com/office/drawing/2014/main" id="{DB7FC4C6-C26F-214E-B2D6-C9ED5E2BD195}"/>
+                <a16:creationId xmlns:a16="http://schemas.microsoft.com/office/drawing/2014/main" xmlns="" id="{DB7FC4C6-C26F-214E-B2D6-C9ED5E2BD195}"/>
               </a:ext>
             </a:extLst>
           </p:cNvPr>
@@ -4481,7 +4575,7 @@
           <p:cNvPr id="2" name="標題 1">
             <a:extLst>
               <a:ext uri="{FF2B5EF4-FFF2-40B4-BE49-F238E27FC236}">
-                <a16:creationId xmlns="" xmlns:a16="http://schemas.microsoft.com/office/drawing/2014/main" id="{AA60FC08-DB42-1443-B1D9-594B0DFFD819}"/>
+                <a16:creationId xmlns:a16="http://schemas.microsoft.com/office/drawing/2014/main" xmlns="" id="{AA60FC08-DB42-1443-B1D9-594B0DFFD819}"/>
               </a:ext>
             </a:extLst>
           </p:cNvPr>
@@ -4526,7 +4620,7 @@
           <p:cNvPr id="3" name="內容版面配置區 2">
             <a:extLst>
               <a:ext uri="{FF2B5EF4-FFF2-40B4-BE49-F238E27FC236}">
-                <a16:creationId xmlns="" xmlns:a16="http://schemas.microsoft.com/office/drawing/2014/main" id="{71BB2DE9-F9EC-0747-8110-57B6F42C6240}"/>
+                <a16:creationId xmlns:a16="http://schemas.microsoft.com/office/drawing/2014/main" xmlns="" id="{71BB2DE9-F9EC-0747-8110-57B6F42C6240}"/>
               </a:ext>
             </a:extLst>
           </p:cNvPr>
@@ -4634,7 +4728,7 @@
           <p:cNvPr id="4" name="日期版面配置區 3">
             <a:extLst>
               <a:ext uri="{FF2B5EF4-FFF2-40B4-BE49-F238E27FC236}">
-                <a16:creationId xmlns="" xmlns:a16="http://schemas.microsoft.com/office/drawing/2014/main" id="{6BA98535-4AD5-2846-9F28-9D341D2CBD82}"/>
+                <a16:creationId xmlns:a16="http://schemas.microsoft.com/office/drawing/2014/main" xmlns="" id="{6BA98535-4AD5-2846-9F28-9D341D2CBD82}"/>
               </a:ext>
             </a:extLst>
           </p:cNvPr>
@@ -4652,7 +4746,7 @@
           <a:p>
             <a:fld id="{75F8934F-7F83-1046-9341-02CE27D9104D}" type="datetimeFigureOut">
               <a:rPr kumimoji="1" lang="zh-TW" altLang="en-US" smtClean="0"/>
-              <a:t>2020/2/14</a:t>
+              <a:t>2020/2/15</a:t>
             </a:fld>
             <a:endParaRPr kumimoji="1" lang="zh-TW" altLang="en-US"/>
           </a:p>
@@ -4663,7 +4757,7 @@
           <p:cNvPr id="5" name="頁尾版面配置區 4">
             <a:extLst>
               <a:ext uri="{FF2B5EF4-FFF2-40B4-BE49-F238E27FC236}">
-                <a16:creationId xmlns="" xmlns:a16="http://schemas.microsoft.com/office/drawing/2014/main" id="{E4EAEED7-0802-7145-8C6C-66F66C8C1782}"/>
+                <a16:creationId xmlns:a16="http://schemas.microsoft.com/office/drawing/2014/main" xmlns="" id="{E4EAEED7-0802-7145-8C6C-66F66C8C1782}"/>
               </a:ext>
             </a:extLst>
           </p:cNvPr>
@@ -4688,7 +4782,7 @@
           <p:cNvPr id="6" name="投影片編號版面配置區 5">
             <a:extLst>
               <a:ext uri="{FF2B5EF4-FFF2-40B4-BE49-F238E27FC236}">
-                <a16:creationId xmlns="" xmlns:a16="http://schemas.microsoft.com/office/drawing/2014/main" id="{7D332B7E-1F76-A041-B6C6-AB635087BAB3}"/>
+                <a16:creationId xmlns:a16="http://schemas.microsoft.com/office/drawing/2014/main" xmlns="" id="{7D332B7E-1F76-A041-B6C6-AB635087BAB3}"/>
               </a:ext>
             </a:extLst>
           </p:cNvPr>
@@ -4717,7 +4811,7 @@
           <p:cNvPr id="7" name="矩形 6">
             <a:extLst>
               <a:ext uri="{FF2B5EF4-FFF2-40B4-BE49-F238E27FC236}">
-                <a16:creationId xmlns="" xmlns:a16="http://schemas.microsoft.com/office/drawing/2014/main" id="{C21960D3-0AC5-EE41-A19C-696161A1572E}"/>
+                <a16:creationId xmlns:a16="http://schemas.microsoft.com/office/drawing/2014/main" xmlns="" id="{C21960D3-0AC5-EE41-A19C-696161A1572E}"/>
               </a:ext>
             </a:extLst>
           </p:cNvPr>
@@ -4773,7 +4867,7 @@
           <p:cNvPr id="8" name="圖片 7">
             <a:extLst>
               <a:ext uri="{FF2B5EF4-FFF2-40B4-BE49-F238E27FC236}">
-                <a16:creationId xmlns="" xmlns:a16="http://schemas.microsoft.com/office/drawing/2014/main" id="{5E0EAD78-AEC6-AB45-A710-DD47E43CBB16}"/>
+                <a16:creationId xmlns:a16="http://schemas.microsoft.com/office/drawing/2014/main" xmlns="" id="{5E0EAD78-AEC6-AB45-A710-DD47E43CBB16}"/>
               </a:ext>
             </a:extLst>
           </p:cNvPr>
@@ -4809,7 +4903,7 @@
           <p:cNvPr id="9" name="矩形 8">
             <a:extLst>
               <a:ext uri="{FF2B5EF4-FFF2-40B4-BE49-F238E27FC236}">
-                <a16:creationId xmlns="" xmlns:a16="http://schemas.microsoft.com/office/drawing/2014/main" id="{387A2BAD-7558-A944-B806-7AEF1C4243D0}"/>
+                <a16:creationId xmlns:a16="http://schemas.microsoft.com/office/drawing/2014/main" xmlns="" id="{387A2BAD-7558-A944-B806-7AEF1C4243D0}"/>
               </a:ext>
             </a:extLst>
           </p:cNvPr>
@@ -4891,7 +4985,7 @@
           <p:cNvPr id="2" name="標題 1">
             <a:extLst>
               <a:ext uri="{FF2B5EF4-FFF2-40B4-BE49-F238E27FC236}">
-                <a16:creationId xmlns="" xmlns:a16="http://schemas.microsoft.com/office/drawing/2014/main" id="{AA60FC08-DB42-1443-B1D9-594B0DFFD819}"/>
+                <a16:creationId xmlns:a16="http://schemas.microsoft.com/office/drawing/2014/main" xmlns="" id="{AA60FC08-DB42-1443-B1D9-594B0DFFD819}"/>
               </a:ext>
             </a:extLst>
           </p:cNvPr>
@@ -4936,7 +5030,7 @@
           <p:cNvPr id="3" name="內容版面配置區 2">
             <a:extLst>
               <a:ext uri="{FF2B5EF4-FFF2-40B4-BE49-F238E27FC236}">
-                <a16:creationId xmlns="" xmlns:a16="http://schemas.microsoft.com/office/drawing/2014/main" id="{71BB2DE9-F9EC-0747-8110-57B6F42C6240}"/>
+                <a16:creationId xmlns:a16="http://schemas.microsoft.com/office/drawing/2014/main" xmlns="" id="{71BB2DE9-F9EC-0747-8110-57B6F42C6240}"/>
               </a:ext>
             </a:extLst>
           </p:cNvPr>
@@ -5047,7 +5141,7 @@
           <p:cNvPr id="4" name="日期版面配置區 3">
             <a:extLst>
               <a:ext uri="{FF2B5EF4-FFF2-40B4-BE49-F238E27FC236}">
-                <a16:creationId xmlns="" xmlns:a16="http://schemas.microsoft.com/office/drawing/2014/main" id="{6BA98535-4AD5-2846-9F28-9D341D2CBD82}"/>
+                <a16:creationId xmlns:a16="http://schemas.microsoft.com/office/drawing/2014/main" xmlns="" id="{6BA98535-4AD5-2846-9F28-9D341D2CBD82}"/>
               </a:ext>
             </a:extLst>
           </p:cNvPr>
@@ -5065,7 +5159,7 @@
           <a:p>
             <a:fld id="{75F8934F-7F83-1046-9341-02CE27D9104D}" type="datetimeFigureOut">
               <a:rPr kumimoji="1" lang="zh-TW" altLang="en-US" smtClean="0"/>
-              <a:t>2020/2/14</a:t>
+              <a:t>2020/2/15</a:t>
             </a:fld>
             <a:endParaRPr kumimoji="1" lang="zh-TW" altLang="en-US"/>
           </a:p>
@@ -5076,7 +5170,7 @@
           <p:cNvPr id="5" name="頁尾版面配置區 4">
             <a:extLst>
               <a:ext uri="{FF2B5EF4-FFF2-40B4-BE49-F238E27FC236}">
-                <a16:creationId xmlns="" xmlns:a16="http://schemas.microsoft.com/office/drawing/2014/main" id="{E4EAEED7-0802-7145-8C6C-66F66C8C1782}"/>
+                <a16:creationId xmlns:a16="http://schemas.microsoft.com/office/drawing/2014/main" xmlns="" id="{E4EAEED7-0802-7145-8C6C-66F66C8C1782}"/>
               </a:ext>
             </a:extLst>
           </p:cNvPr>
@@ -5101,7 +5195,7 @@
           <p:cNvPr id="6" name="投影片編號版面配置區 5">
             <a:extLst>
               <a:ext uri="{FF2B5EF4-FFF2-40B4-BE49-F238E27FC236}">
-                <a16:creationId xmlns="" xmlns:a16="http://schemas.microsoft.com/office/drawing/2014/main" id="{7D332B7E-1F76-A041-B6C6-AB635087BAB3}"/>
+                <a16:creationId xmlns:a16="http://schemas.microsoft.com/office/drawing/2014/main" xmlns="" id="{7D332B7E-1F76-A041-B6C6-AB635087BAB3}"/>
               </a:ext>
             </a:extLst>
           </p:cNvPr>
@@ -5130,7 +5224,7 @@
           <p:cNvPr id="7" name="矩形 6">
             <a:extLst>
               <a:ext uri="{FF2B5EF4-FFF2-40B4-BE49-F238E27FC236}">
-                <a16:creationId xmlns="" xmlns:a16="http://schemas.microsoft.com/office/drawing/2014/main" id="{C21960D3-0AC5-EE41-A19C-696161A1572E}"/>
+                <a16:creationId xmlns:a16="http://schemas.microsoft.com/office/drawing/2014/main" xmlns="" id="{C21960D3-0AC5-EE41-A19C-696161A1572E}"/>
               </a:ext>
             </a:extLst>
           </p:cNvPr>
@@ -5186,7 +5280,7 @@
           <p:cNvPr id="8" name="圖片 7">
             <a:extLst>
               <a:ext uri="{FF2B5EF4-FFF2-40B4-BE49-F238E27FC236}">
-                <a16:creationId xmlns="" xmlns:a16="http://schemas.microsoft.com/office/drawing/2014/main" id="{5E0EAD78-AEC6-AB45-A710-DD47E43CBB16}"/>
+                <a16:creationId xmlns:a16="http://schemas.microsoft.com/office/drawing/2014/main" xmlns="" id="{5E0EAD78-AEC6-AB45-A710-DD47E43CBB16}"/>
               </a:ext>
             </a:extLst>
           </p:cNvPr>
@@ -5222,7 +5316,7 @@
           <p:cNvPr id="9" name="矩形 8">
             <a:extLst>
               <a:ext uri="{FF2B5EF4-FFF2-40B4-BE49-F238E27FC236}">
-                <a16:creationId xmlns="" xmlns:a16="http://schemas.microsoft.com/office/drawing/2014/main" id="{387A2BAD-7558-A944-B806-7AEF1C4243D0}"/>
+                <a16:creationId xmlns:a16="http://schemas.microsoft.com/office/drawing/2014/main" xmlns="" id="{387A2BAD-7558-A944-B806-7AEF1C4243D0}"/>
               </a:ext>
             </a:extLst>
           </p:cNvPr>
@@ -5304,7 +5398,7 @@
           <p:cNvPr id="2" name="標題 1">
             <a:extLst>
               <a:ext uri="{FF2B5EF4-FFF2-40B4-BE49-F238E27FC236}">
-                <a16:creationId xmlns="" xmlns:a16="http://schemas.microsoft.com/office/drawing/2014/main" id="{AA60FC08-DB42-1443-B1D9-594B0DFFD819}"/>
+                <a16:creationId xmlns:a16="http://schemas.microsoft.com/office/drawing/2014/main" xmlns="" id="{AA60FC08-DB42-1443-B1D9-594B0DFFD819}"/>
               </a:ext>
             </a:extLst>
           </p:cNvPr>
@@ -5349,7 +5443,7 @@
           <p:cNvPr id="3" name="內容版面配置區 2">
             <a:extLst>
               <a:ext uri="{FF2B5EF4-FFF2-40B4-BE49-F238E27FC236}">
-                <a16:creationId xmlns="" xmlns:a16="http://schemas.microsoft.com/office/drawing/2014/main" id="{71BB2DE9-F9EC-0747-8110-57B6F42C6240}"/>
+                <a16:creationId xmlns:a16="http://schemas.microsoft.com/office/drawing/2014/main" xmlns="" id="{71BB2DE9-F9EC-0747-8110-57B6F42C6240}"/>
               </a:ext>
             </a:extLst>
           </p:cNvPr>
@@ -5448,7 +5542,7 @@
           <p:cNvPr id="4" name="日期版面配置區 3">
             <a:extLst>
               <a:ext uri="{FF2B5EF4-FFF2-40B4-BE49-F238E27FC236}">
-                <a16:creationId xmlns="" xmlns:a16="http://schemas.microsoft.com/office/drawing/2014/main" id="{6BA98535-4AD5-2846-9F28-9D341D2CBD82}"/>
+                <a16:creationId xmlns:a16="http://schemas.microsoft.com/office/drawing/2014/main" xmlns="" id="{6BA98535-4AD5-2846-9F28-9D341D2CBD82}"/>
               </a:ext>
             </a:extLst>
           </p:cNvPr>
@@ -5466,7 +5560,7 @@
           <a:p>
             <a:fld id="{75F8934F-7F83-1046-9341-02CE27D9104D}" type="datetimeFigureOut">
               <a:rPr kumimoji="1" lang="zh-TW" altLang="en-US" smtClean="0"/>
-              <a:t>2020/2/14</a:t>
+              <a:t>2020/2/15</a:t>
             </a:fld>
             <a:endParaRPr kumimoji="1" lang="zh-TW" altLang="en-US"/>
           </a:p>
@@ -5477,7 +5571,7 @@
           <p:cNvPr id="5" name="頁尾版面配置區 4">
             <a:extLst>
               <a:ext uri="{FF2B5EF4-FFF2-40B4-BE49-F238E27FC236}">
-                <a16:creationId xmlns="" xmlns:a16="http://schemas.microsoft.com/office/drawing/2014/main" id="{E4EAEED7-0802-7145-8C6C-66F66C8C1782}"/>
+                <a16:creationId xmlns:a16="http://schemas.microsoft.com/office/drawing/2014/main" xmlns="" id="{E4EAEED7-0802-7145-8C6C-66F66C8C1782}"/>
               </a:ext>
             </a:extLst>
           </p:cNvPr>
@@ -5502,7 +5596,7 @@
           <p:cNvPr id="6" name="投影片編號版面配置區 5">
             <a:extLst>
               <a:ext uri="{FF2B5EF4-FFF2-40B4-BE49-F238E27FC236}">
-                <a16:creationId xmlns="" xmlns:a16="http://schemas.microsoft.com/office/drawing/2014/main" id="{7D332B7E-1F76-A041-B6C6-AB635087BAB3}"/>
+                <a16:creationId xmlns:a16="http://schemas.microsoft.com/office/drawing/2014/main" xmlns="" id="{7D332B7E-1F76-A041-B6C6-AB635087BAB3}"/>
               </a:ext>
             </a:extLst>
           </p:cNvPr>
@@ -5531,7 +5625,7 @@
           <p:cNvPr id="7" name="矩形 6">
             <a:extLst>
               <a:ext uri="{FF2B5EF4-FFF2-40B4-BE49-F238E27FC236}">
-                <a16:creationId xmlns="" xmlns:a16="http://schemas.microsoft.com/office/drawing/2014/main" id="{C21960D3-0AC5-EE41-A19C-696161A1572E}"/>
+                <a16:creationId xmlns:a16="http://schemas.microsoft.com/office/drawing/2014/main" xmlns="" id="{C21960D3-0AC5-EE41-A19C-696161A1572E}"/>
               </a:ext>
             </a:extLst>
           </p:cNvPr>
@@ -5587,7 +5681,7 @@
           <p:cNvPr id="8" name="圖片 7">
             <a:extLst>
               <a:ext uri="{FF2B5EF4-FFF2-40B4-BE49-F238E27FC236}">
-                <a16:creationId xmlns="" xmlns:a16="http://schemas.microsoft.com/office/drawing/2014/main" id="{5E0EAD78-AEC6-AB45-A710-DD47E43CBB16}"/>
+                <a16:creationId xmlns:a16="http://schemas.microsoft.com/office/drawing/2014/main" xmlns="" id="{5E0EAD78-AEC6-AB45-A710-DD47E43CBB16}"/>
               </a:ext>
             </a:extLst>
           </p:cNvPr>
@@ -5623,7 +5717,7 @@
           <p:cNvPr id="9" name="矩形 8">
             <a:extLst>
               <a:ext uri="{FF2B5EF4-FFF2-40B4-BE49-F238E27FC236}">
-                <a16:creationId xmlns="" xmlns:a16="http://schemas.microsoft.com/office/drawing/2014/main" id="{387A2BAD-7558-A944-B806-7AEF1C4243D0}"/>
+                <a16:creationId xmlns:a16="http://schemas.microsoft.com/office/drawing/2014/main" xmlns="" id="{387A2BAD-7558-A944-B806-7AEF1C4243D0}"/>
               </a:ext>
             </a:extLst>
           </p:cNvPr>
@@ -5705,7 +5799,7 @@
           <p:cNvPr id="2" name="標題 1">
             <a:extLst>
               <a:ext uri="{FF2B5EF4-FFF2-40B4-BE49-F238E27FC236}">
-                <a16:creationId xmlns="" xmlns:a16="http://schemas.microsoft.com/office/drawing/2014/main" id="{AA60FC08-DB42-1443-B1D9-594B0DFFD819}"/>
+                <a16:creationId xmlns:a16="http://schemas.microsoft.com/office/drawing/2014/main" xmlns="" id="{AA60FC08-DB42-1443-B1D9-594B0DFFD819}"/>
               </a:ext>
             </a:extLst>
           </p:cNvPr>
@@ -5750,7 +5844,7 @@
           <p:cNvPr id="3" name="內容版面配置區 2">
             <a:extLst>
               <a:ext uri="{FF2B5EF4-FFF2-40B4-BE49-F238E27FC236}">
-                <a16:creationId xmlns="" xmlns:a16="http://schemas.microsoft.com/office/drawing/2014/main" id="{71BB2DE9-F9EC-0747-8110-57B6F42C6240}"/>
+                <a16:creationId xmlns:a16="http://schemas.microsoft.com/office/drawing/2014/main" xmlns="" id="{71BB2DE9-F9EC-0747-8110-57B6F42C6240}"/>
               </a:ext>
             </a:extLst>
           </p:cNvPr>
@@ -5858,7 +5952,7 @@
           <p:cNvPr id="4" name="日期版面配置區 3">
             <a:extLst>
               <a:ext uri="{FF2B5EF4-FFF2-40B4-BE49-F238E27FC236}">
-                <a16:creationId xmlns="" xmlns:a16="http://schemas.microsoft.com/office/drawing/2014/main" id="{6BA98535-4AD5-2846-9F28-9D341D2CBD82}"/>
+                <a16:creationId xmlns:a16="http://schemas.microsoft.com/office/drawing/2014/main" xmlns="" id="{6BA98535-4AD5-2846-9F28-9D341D2CBD82}"/>
               </a:ext>
             </a:extLst>
           </p:cNvPr>
@@ -5876,7 +5970,7 @@
           <a:p>
             <a:fld id="{75F8934F-7F83-1046-9341-02CE27D9104D}" type="datetimeFigureOut">
               <a:rPr kumimoji="1" lang="zh-TW" altLang="en-US" smtClean="0"/>
-              <a:t>2020/2/14</a:t>
+              <a:t>2020/2/15</a:t>
             </a:fld>
             <a:endParaRPr kumimoji="1" lang="zh-TW" altLang="en-US"/>
           </a:p>
@@ -5887,7 +5981,7 @@
           <p:cNvPr id="5" name="頁尾版面配置區 4">
             <a:extLst>
               <a:ext uri="{FF2B5EF4-FFF2-40B4-BE49-F238E27FC236}">
-                <a16:creationId xmlns="" xmlns:a16="http://schemas.microsoft.com/office/drawing/2014/main" id="{E4EAEED7-0802-7145-8C6C-66F66C8C1782}"/>
+                <a16:creationId xmlns:a16="http://schemas.microsoft.com/office/drawing/2014/main" xmlns="" id="{E4EAEED7-0802-7145-8C6C-66F66C8C1782}"/>
               </a:ext>
             </a:extLst>
           </p:cNvPr>
@@ -5912,7 +6006,7 @@
           <p:cNvPr id="6" name="投影片編號版面配置區 5">
             <a:extLst>
               <a:ext uri="{FF2B5EF4-FFF2-40B4-BE49-F238E27FC236}">
-                <a16:creationId xmlns="" xmlns:a16="http://schemas.microsoft.com/office/drawing/2014/main" id="{7D332B7E-1F76-A041-B6C6-AB635087BAB3}"/>
+                <a16:creationId xmlns:a16="http://schemas.microsoft.com/office/drawing/2014/main" xmlns="" id="{7D332B7E-1F76-A041-B6C6-AB635087BAB3}"/>
               </a:ext>
             </a:extLst>
           </p:cNvPr>
@@ -5941,7 +6035,7 @@
           <p:cNvPr id="7" name="矩形 6">
             <a:extLst>
               <a:ext uri="{FF2B5EF4-FFF2-40B4-BE49-F238E27FC236}">
-                <a16:creationId xmlns="" xmlns:a16="http://schemas.microsoft.com/office/drawing/2014/main" id="{C21960D3-0AC5-EE41-A19C-696161A1572E}"/>
+                <a16:creationId xmlns:a16="http://schemas.microsoft.com/office/drawing/2014/main" xmlns="" id="{C21960D3-0AC5-EE41-A19C-696161A1572E}"/>
               </a:ext>
             </a:extLst>
           </p:cNvPr>
@@ -5997,7 +6091,7 @@
           <p:cNvPr id="8" name="圖片 7">
             <a:extLst>
               <a:ext uri="{FF2B5EF4-FFF2-40B4-BE49-F238E27FC236}">
-                <a16:creationId xmlns="" xmlns:a16="http://schemas.microsoft.com/office/drawing/2014/main" id="{5E0EAD78-AEC6-AB45-A710-DD47E43CBB16}"/>
+                <a16:creationId xmlns:a16="http://schemas.microsoft.com/office/drawing/2014/main" xmlns="" id="{5E0EAD78-AEC6-AB45-A710-DD47E43CBB16}"/>
               </a:ext>
             </a:extLst>
           </p:cNvPr>
@@ -6033,7 +6127,7 @@
           <p:cNvPr id="9" name="矩形 8">
             <a:extLst>
               <a:ext uri="{FF2B5EF4-FFF2-40B4-BE49-F238E27FC236}">
-                <a16:creationId xmlns="" xmlns:a16="http://schemas.microsoft.com/office/drawing/2014/main" id="{387A2BAD-7558-A944-B806-7AEF1C4243D0}"/>
+                <a16:creationId xmlns:a16="http://schemas.microsoft.com/office/drawing/2014/main" xmlns="" id="{387A2BAD-7558-A944-B806-7AEF1C4243D0}"/>
               </a:ext>
             </a:extLst>
           </p:cNvPr>
@@ -6085,7 +6179,7 @@
           <p:cNvPr id="10" name="內容版面配置區 2">
             <a:extLst>
               <a:ext uri="{FF2B5EF4-FFF2-40B4-BE49-F238E27FC236}">
-                <a16:creationId xmlns="" xmlns:a16="http://schemas.microsoft.com/office/drawing/2014/main" id="{71BB2DE9-F9EC-0747-8110-57B6F42C6240}"/>
+                <a16:creationId xmlns:a16="http://schemas.microsoft.com/office/drawing/2014/main" xmlns="" id="{71BB2DE9-F9EC-0747-8110-57B6F42C6240}"/>
               </a:ext>
             </a:extLst>
           </p:cNvPr>
@@ -6223,7 +6317,7 @@
           <p:cNvPr id="2" name="標題 1">
             <a:extLst>
               <a:ext uri="{FF2B5EF4-FFF2-40B4-BE49-F238E27FC236}">
-                <a16:creationId xmlns="" xmlns:a16="http://schemas.microsoft.com/office/drawing/2014/main" id="{AA60FC08-DB42-1443-B1D9-594B0DFFD819}"/>
+                <a16:creationId xmlns:a16="http://schemas.microsoft.com/office/drawing/2014/main" xmlns="" id="{AA60FC08-DB42-1443-B1D9-594B0DFFD819}"/>
               </a:ext>
             </a:extLst>
           </p:cNvPr>
@@ -6268,7 +6362,7 @@
           <p:cNvPr id="3" name="內容版面配置區 2">
             <a:extLst>
               <a:ext uri="{FF2B5EF4-FFF2-40B4-BE49-F238E27FC236}">
-                <a16:creationId xmlns="" xmlns:a16="http://schemas.microsoft.com/office/drawing/2014/main" id="{71BB2DE9-F9EC-0747-8110-57B6F42C6240}"/>
+                <a16:creationId xmlns:a16="http://schemas.microsoft.com/office/drawing/2014/main" xmlns="" id="{71BB2DE9-F9EC-0747-8110-57B6F42C6240}"/>
               </a:ext>
             </a:extLst>
           </p:cNvPr>
@@ -6379,7 +6473,7 @@
           <p:cNvPr id="4" name="日期版面配置區 3">
             <a:extLst>
               <a:ext uri="{FF2B5EF4-FFF2-40B4-BE49-F238E27FC236}">
-                <a16:creationId xmlns="" xmlns:a16="http://schemas.microsoft.com/office/drawing/2014/main" id="{6BA98535-4AD5-2846-9F28-9D341D2CBD82}"/>
+                <a16:creationId xmlns:a16="http://schemas.microsoft.com/office/drawing/2014/main" xmlns="" id="{6BA98535-4AD5-2846-9F28-9D341D2CBD82}"/>
               </a:ext>
             </a:extLst>
           </p:cNvPr>
@@ -6397,7 +6491,7 @@
           <a:p>
             <a:fld id="{75F8934F-7F83-1046-9341-02CE27D9104D}" type="datetimeFigureOut">
               <a:rPr kumimoji="1" lang="zh-TW" altLang="en-US" smtClean="0"/>
-              <a:t>2020/2/14</a:t>
+              <a:t>2020/2/15</a:t>
             </a:fld>
             <a:endParaRPr kumimoji="1" lang="zh-TW" altLang="en-US"/>
           </a:p>
@@ -6408,7 +6502,7 @@
           <p:cNvPr id="5" name="頁尾版面配置區 4">
             <a:extLst>
               <a:ext uri="{FF2B5EF4-FFF2-40B4-BE49-F238E27FC236}">
-                <a16:creationId xmlns="" xmlns:a16="http://schemas.microsoft.com/office/drawing/2014/main" id="{E4EAEED7-0802-7145-8C6C-66F66C8C1782}"/>
+                <a16:creationId xmlns:a16="http://schemas.microsoft.com/office/drawing/2014/main" xmlns="" id="{E4EAEED7-0802-7145-8C6C-66F66C8C1782}"/>
               </a:ext>
             </a:extLst>
           </p:cNvPr>
@@ -6433,7 +6527,7 @@
           <p:cNvPr id="6" name="投影片編號版面配置區 5">
             <a:extLst>
               <a:ext uri="{FF2B5EF4-FFF2-40B4-BE49-F238E27FC236}">
-                <a16:creationId xmlns="" xmlns:a16="http://schemas.microsoft.com/office/drawing/2014/main" id="{7D332B7E-1F76-A041-B6C6-AB635087BAB3}"/>
+                <a16:creationId xmlns:a16="http://schemas.microsoft.com/office/drawing/2014/main" xmlns="" id="{7D332B7E-1F76-A041-B6C6-AB635087BAB3}"/>
               </a:ext>
             </a:extLst>
           </p:cNvPr>
@@ -6462,7 +6556,7 @@
           <p:cNvPr id="7" name="矩形 6">
             <a:extLst>
               <a:ext uri="{FF2B5EF4-FFF2-40B4-BE49-F238E27FC236}">
-                <a16:creationId xmlns="" xmlns:a16="http://schemas.microsoft.com/office/drawing/2014/main" id="{C21960D3-0AC5-EE41-A19C-696161A1572E}"/>
+                <a16:creationId xmlns:a16="http://schemas.microsoft.com/office/drawing/2014/main" xmlns="" id="{C21960D3-0AC5-EE41-A19C-696161A1572E}"/>
               </a:ext>
             </a:extLst>
           </p:cNvPr>
@@ -6518,7 +6612,7 @@
           <p:cNvPr id="8" name="圖片 7">
             <a:extLst>
               <a:ext uri="{FF2B5EF4-FFF2-40B4-BE49-F238E27FC236}">
-                <a16:creationId xmlns="" xmlns:a16="http://schemas.microsoft.com/office/drawing/2014/main" id="{5E0EAD78-AEC6-AB45-A710-DD47E43CBB16}"/>
+                <a16:creationId xmlns:a16="http://schemas.microsoft.com/office/drawing/2014/main" xmlns="" id="{5E0EAD78-AEC6-AB45-A710-DD47E43CBB16}"/>
               </a:ext>
             </a:extLst>
           </p:cNvPr>
@@ -6554,7 +6648,7 @@
           <p:cNvPr id="9" name="矩形 8">
             <a:extLst>
               <a:ext uri="{FF2B5EF4-FFF2-40B4-BE49-F238E27FC236}">
-                <a16:creationId xmlns="" xmlns:a16="http://schemas.microsoft.com/office/drawing/2014/main" id="{387A2BAD-7558-A944-B806-7AEF1C4243D0}"/>
+                <a16:creationId xmlns:a16="http://schemas.microsoft.com/office/drawing/2014/main" xmlns="" id="{387A2BAD-7558-A944-B806-7AEF1C4243D0}"/>
               </a:ext>
             </a:extLst>
           </p:cNvPr>
@@ -6606,7 +6700,7 @@
           <p:cNvPr id="10" name="內容版面配置區 2">
             <a:extLst>
               <a:ext uri="{FF2B5EF4-FFF2-40B4-BE49-F238E27FC236}">
-                <a16:creationId xmlns="" xmlns:a16="http://schemas.microsoft.com/office/drawing/2014/main" id="{71BB2DE9-F9EC-0747-8110-57B6F42C6240}"/>
+                <a16:creationId xmlns:a16="http://schemas.microsoft.com/office/drawing/2014/main" xmlns="" id="{71BB2DE9-F9EC-0747-8110-57B6F42C6240}"/>
               </a:ext>
             </a:extLst>
           </p:cNvPr>
@@ -6747,7 +6841,7 @@
           <p:cNvPr id="2" name="標題 1">
             <a:extLst>
               <a:ext uri="{FF2B5EF4-FFF2-40B4-BE49-F238E27FC236}">
-                <a16:creationId xmlns="" xmlns:a16="http://schemas.microsoft.com/office/drawing/2014/main" id="{AA60FC08-DB42-1443-B1D9-594B0DFFD819}"/>
+                <a16:creationId xmlns:a16="http://schemas.microsoft.com/office/drawing/2014/main" xmlns="" id="{AA60FC08-DB42-1443-B1D9-594B0DFFD819}"/>
               </a:ext>
             </a:extLst>
           </p:cNvPr>
@@ -6792,7 +6886,7 @@
           <p:cNvPr id="3" name="內容版面配置區 2">
             <a:extLst>
               <a:ext uri="{FF2B5EF4-FFF2-40B4-BE49-F238E27FC236}">
-                <a16:creationId xmlns="" xmlns:a16="http://schemas.microsoft.com/office/drawing/2014/main" id="{71BB2DE9-F9EC-0747-8110-57B6F42C6240}"/>
+                <a16:creationId xmlns:a16="http://schemas.microsoft.com/office/drawing/2014/main" xmlns="" id="{71BB2DE9-F9EC-0747-8110-57B6F42C6240}"/>
               </a:ext>
             </a:extLst>
           </p:cNvPr>
@@ -6891,7 +6985,7 @@
           <p:cNvPr id="4" name="日期版面配置區 3">
             <a:extLst>
               <a:ext uri="{FF2B5EF4-FFF2-40B4-BE49-F238E27FC236}">
-                <a16:creationId xmlns="" xmlns:a16="http://schemas.microsoft.com/office/drawing/2014/main" id="{6BA98535-4AD5-2846-9F28-9D341D2CBD82}"/>
+                <a16:creationId xmlns:a16="http://schemas.microsoft.com/office/drawing/2014/main" xmlns="" id="{6BA98535-4AD5-2846-9F28-9D341D2CBD82}"/>
               </a:ext>
             </a:extLst>
           </p:cNvPr>
@@ -6909,7 +7003,7 @@
           <a:p>
             <a:fld id="{75F8934F-7F83-1046-9341-02CE27D9104D}" type="datetimeFigureOut">
               <a:rPr kumimoji="1" lang="zh-TW" altLang="en-US" smtClean="0"/>
-              <a:t>2020/2/14</a:t>
+              <a:t>2020/2/15</a:t>
             </a:fld>
             <a:endParaRPr kumimoji="1" lang="zh-TW" altLang="en-US"/>
           </a:p>
@@ -6920,7 +7014,7 @@
           <p:cNvPr id="5" name="頁尾版面配置區 4">
             <a:extLst>
               <a:ext uri="{FF2B5EF4-FFF2-40B4-BE49-F238E27FC236}">
-                <a16:creationId xmlns="" xmlns:a16="http://schemas.microsoft.com/office/drawing/2014/main" id="{E4EAEED7-0802-7145-8C6C-66F66C8C1782}"/>
+                <a16:creationId xmlns:a16="http://schemas.microsoft.com/office/drawing/2014/main" xmlns="" id="{E4EAEED7-0802-7145-8C6C-66F66C8C1782}"/>
               </a:ext>
             </a:extLst>
           </p:cNvPr>
@@ -6945,7 +7039,7 @@
           <p:cNvPr id="6" name="投影片編號版面配置區 5">
             <a:extLst>
               <a:ext uri="{FF2B5EF4-FFF2-40B4-BE49-F238E27FC236}">
-                <a16:creationId xmlns="" xmlns:a16="http://schemas.microsoft.com/office/drawing/2014/main" id="{7D332B7E-1F76-A041-B6C6-AB635087BAB3}"/>
+                <a16:creationId xmlns:a16="http://schemas.microsoft.com/office/drawing/2014/main" xmlns="" id="{7D332B7E-1F76-A041-B6C6-AB635087BAB3}"/>
               </a:ext>
             </a:extLst>
           </p:cNvPr>
@@ -6974,7 +7068,7 @@
           <p:cNvPr id="7" name="矩形 6">
             <a:extLst>
               <a:ext uri="{FF2B5EF4-FFF2-40B4-BE49-F238E27FC236}">
-                <a16:creationId xmlns="" xmlns:a16="http://schemas.microsoft.com/office/drawing/2014/main" id="{C21960D3-0AC5-EE41-A19C-696161A1572E}"/>
+                <a16:creationId xmlns:a16="http://schemas.microsoft.com/office/drawing/2014/main" xmlns="" id="{C21960D3-0AC5-EE41-A19C-696161A1572E}"/>
               </a:ext>
             </a:extLst>
           </p:cNvPr>
@@ -7030,7 +7124,7 @@
           <p:cNvPr id="8" name="圖片 7">
             <a:extLst>
               <a:ext uri="{FF2B5EF4-FFF2-40B4-BE49-F238E27FC236}">
-                <a16:creationId xmlns="" xmlns:a16="http://schemas.microsoft.com/office/drawing/2014/main" id="{5E0EAD78-AEC6-AB45-A710-DD47E43CBB16}"/>
+                <a16:creationId xmlns:a16="http://schemas.microsoft.com/office/drawing/2014/main" xmlns="" id="{5E0EAD78-AEC6-AB45-A710-DD47E43CBB16}"/>
               </a:ext>
             </a:extLst>
           </p:cNvPr>
@@ -7066,7 +7160,7 @@
           <p:cNvPr id="9" name="矩形 8">
             <a:extLst>
               <a:ext uri="{FF2B5EF4-FFF2-40B4-BE49-F238E27FC236}">
-                <a16:creationId xmlns="" xmlns:a16="http://schemas.microsoft.com/office/drawing/2014/main" id="{387A2BAD-7558-A944-B806-7AEF1C4243D0}"/>
+                <a16:creationId xmlns:a16="http://schemas.microsoft.com/office/drawing/2014/main" xmlns="" id="{387A2BAD-7558-A944-B806-7AEF1C4243D0}"/>
               </a:ext>
             </a:extLst>
           </p:cNvPr>
@@ -7118,7 +7212,7 @@
           <p:cNvPr id="10" name="內容版面配置區 2">
             <a:extLst>
               <a:ext uri="{FF2B5EF4-FFF2-40B4-BE49-F238E27FC236}">
-                <a16:creationId xmlns="" xmlns:a16="http://schemas.microsoft.com/office/drawing/2014/main" id="{71BB2DE9-F9EC-0747-8110-57B6F42C6240}"/>
+                <a16:creationId xmlns:a16="http://schemas.microsoft.com/office/drawing/2014/main" xmlns="" id="{71BB2DE9-F9EC-0747-8110-57B6F42C6240}"/>
               </a:ext>
             </a:extLst>
           </p:cNvPr>
@@ -7247,7 +7341,7 @@
           <p:cNvPr id="2" name="標題 1">
             <a:extLst>
               <a:ext uri="{FF2B5EF4-FFF2-40B4-BE49-F238E27FC236}">
-                <a16:creationId xmlns="" xmlns:a16="http://schemas.microsoft.com/office/drawing/2014/main" id="{AA60FC08-DB42-1443-B1D9-594B0DFFD819}"/>
+                <a16:creationId xmlns:a16="http://schemas.microsoft.com/office/drawing/2014/main" xmlns="" id="{AA60FC08-DB42-1443-B1D9-594B0DFFD819}"/>
               </a:ext>
             </a:extLst>
           </p:cNvPr>
@@ -7292,7 +7386,7 @@
           <p:cNvPr id="3" name="內容版面配置區 2">
             <a:extLst>
               <a:ext uri="{FF2B5EF4-FFF2-40B4-BE49-F238E27FC236}">
-                <a16:creationId xmlns="" xmlns:a16="http://schemas.microsoft.com/office/drawing/2014/main" id="{71BB2DE9-F9EC-0747-8110-57B6F42C6240}"/>
+                <a16:creationId xmlns:a16="http://schemas.microsoft.com/office/drawing/2014/main" xmlns="" id="{71BB2DE9-F9EC-0747-8110-57B6F42C6240}"/>
               </a:ext>
             </a:extLst>
           </p:cNvPr>
@@ -7400,7 +7494,7 @@
           <p:cNvPr id="4" name="日期版面配置區 3">
             <a:extLst>
               <a:ext uri="{FF2B5EF4-FFF2-40B4-BE49-F238E27FC236}">
-                <a16:creationId xmlns="" xmlns:a16="http://schemas.microsoft.com/office/drawing/2014/main" id="{6BA98535-4AD5-2846-9F28-9D341D2CBD82}"/>
+                <a16:creationId xmlns:a16="http://schemas.microsoft.com/office/drawing/2014/main" xmlns="" id="{6BA98535-4AD5-2846-9F28-9D341D2CBD82}"/>
               </a:ext>
             </a:extLst>
           </p:cNvPr>
@@ -7418,7 +7512,7 @@
           <a:p>
             <a:fld id="{75F8934F-7F83-1046-9341-02CE27D9104D}" type="datetimeFigureOut">
               <a:rPr kumimoji="1" lang="zh-TW" altLang="en-US" smtClean="0"/>
-              <a:t>2020/2/14</a:t>
+              <a:t>2020/2/15</a:t>
             </a:fld>
             <a:endParaRPr kumimoji="1" lang="zh-TW" altLang="en-US"/>
           </a:p>
@@ -7429,7 +7523,7 @@
           <p:cNvPr id="5" name="頁尾版面配置區 4">
             <a:extLst>
               <a:ext uri="{FF2B5EF4-FFF2-40B4-BE49-F238E27FC236}">
-                <a16:creationId xmlns="" xmlns:a16="http://schemas.microsoft.com/office/drawing/2014/main" id="{E4EAEED7-0802-7145-8C6C-66F66C8C1782}"/>
+                <a16:creationId xmlns:a16="http://schemas.microsoft.com/office/drawing/2014/main" xmlns="" id="{E4EAEED7-0802-7145-8C6C-66F66C8C1782}"/>
               </a:ext>
             </a:extLst>
           </p:cNvPr>
@@ -7454,7 +7548,7 @@
           <p:cNvPr id="6" name="投影片編號版面配置區 5">
             <a:extLst>
               <a:ext uri="{FF2B5EF4-FFF2-40B4-BE49-F238E27FC236}">
-                <a16:creationId xmlns="" xmlns:a16="http://schemas.microsoft.com/office/drawing/2014/main" id="{7D332B7E-1F76-A041-B6C6-AB635087BAB3}"/>
+                <a16:creationId xmlns:a16="http://schemas.microsoft.com/office/drawing/2014/main" xmlns="" id="{7D332B7E-1F76-A041-B6C6-AB635087BAB3}"/>
               </a:ext>
             </a:extLst>
           </p:cNvPr>
@@ -7483,7 +7577,7 @@
           <p:cNvPr id="7" name="矩形 6">
             <a:extLst>
               <a:ext uri="{FF2B5EF4-FFF2-40B4-BE49-F238E27FC236}">
-                <a16:creationId xmlns="" xmlns:a16="http://schemas.microsoft.com/office/drawing/2014/main" id="{C21960D3-0AC5-EE41-A19C-696161A1572E}"/>
+                <a16:creationId xmlns:a16="http://schemas.microsoft.com/office/drawing/2014/main" xmlns="" id="{C21960D3-0AC5-EE41-A19C-696161A1572E}"/>
               </a:ext>
             </a:extLst>
           </p:cNvPr>
@@ -7539,7 +7633,7 @@
           <p:cNvPr id="8" name="圖片 7">
             <a:extLst>
               <a:ext uri="{FF2B5EF4-FFF2-40B4-BE49-F238E27FC236}">
-                <a16:creationId xmlns="" xmlns:a16="http://schemas.microsoft.com/office/drawing/2014/main" id="{5E0EAD78-AEC6-AB45-A710-DD47E43CBB16}"/>
+                <a16:creationId xmlns:a16="http://schemas.microsoft.com/office/drawing/2014/main" xmlns="" id="{5E0EAD78-AEC6-AB45-A710-DD47E43CBB16}"/>
               </a:ext>
             </a:extLst>
           </p:cNvPr>
@@ -7575,7 +7669,7 @@
           <p:cNvPr id="9" name="矩形 8">
             <a:extLst>
               <a:ext uri="{FF2B5EF4-FFF2-40B4-BE49-F238E27FC236}">
-                <a16:creationId xmlns="" xmlns:a16="http://schemas.microsoft.com/office/drawing/2014/main" id="{387A2BAD-7558-A944-B806-7AEF1C4243D0}"/>
+                <a16:creationId xmlns:a16="http://schemas.microsoft.com/office/drawing/2014/main" xmlns="" id="{387A2BAD-7558-A944-B806-7AEF1C4243D0}"/>
               </a:ext>
             </a:extLst>
           </p:cNvPr>
@@ -7627,7 +7721,7 @@
           <p:cNvPr id="10" name="內容版面配置區 2">
             <a:extLst>
               <a:ext uri="{FF2B5EF4-FFF2-40B4-BE49-F238E27FC236}">
-                <a16:creationId xmlns="" xmlns:a16="http://schemas.microsoft.com/office/drawing/2014/main" id="{71BB2DE9-F9EC-0747-8110-57B6F42C6240}"/>
+                <a16:creationId xmlns:a16="http://schemas.microsoft.com/office/drawing/2014/main" xmlns="" id="{71BB2DE9-F9EC-0747-8110-57B6F42C6240}"/>
               </a:ext>
             </a:extLst>
           </p:cNvPr>
@@ -7735,7 +7829,7 @@
           <p:cNvPr id="11" name="內容版面配置區 2">
             <a:extLst>
               <a:ext uri="{FF2B5EF4-FFF2-40B4-BE49-F238E27FC236}">
-                <a16:creationId xmlns="" xmlns:a16="http://schemas.microsoft.com/office/drawing/2014/main" id="{71BB2DE9-F9EC-0747-8110-57B6F42C6240}"/>
+                <a16:creationId xmlns:a16="http://schemas.microsoft.com/office/drawing/2014/main" xmlns="" id="{71BB2DE9-F9EC-0747-8110-57B6F42C6240}"/>
               </a:ext>
             </a:extLst>
           </p:cNvPr>
@@ -7843,7 +7937,7 @@
           <p:cNvPr id="12" name="內容版面配置區 2">
             <a:extLst>
               <a:ext uri="{FF2B5EF4-FFF2-40B4-BE49-F238E27FC236}">
-                <a16:creationId xmlns="" xmlns:a16="http://schemas.microsoft.com/office/drawing/2014/main" id="{71BB2DE9-F9EC-0747-8110-57B6F42C6240}"/>
+                <a16:creationId xmlns:a16="http://schemas.microsoft.com/office/drawing/2014/main" xmlns="" id="{71BB2DE9-F9EC-0747-8110-57B6F42C6240}"/>
               </a:ext>
             </a:extLst>
           </p:cNvPr>
@@ -7981,7 +8075,7 @@
           <p:cNvPr id="7" name="矩形 6">
             <a:extLst>
               <a:ext uri="{FF2B5EF4-FFF2-40B4-BE49-F238E27FC236}">
-                <a16:creationId xmlns="" xmlns:a16="http://schemas.microsoft.com/office/drawing/2014/main" id="{8A770271-AB73-DA4C-9664-09A28120DA97}"/>
+                <a16:creationId xmlns:a16="http://schemas.microsoft.com/office/drawing/2014/main" xmlns="" id="{8A770271-AB73-DA4C-9664-09A28120DA97}"/>
               </a:ext>
             </a:extLst>
           </p:cNvPr>
@@ -8033,7 +8127,7 @@
           <p:cNvPr id="2" name="標題 1">
             <a:extLst>
               <a:ext uri="{FF2B5EF4-FFF2-40B4-BE49-F238E27FC236}">
-                <a16:creationId xmlns="" xmlns:a16="http://schemas.microsoft.com/office/drawing/2014/main" id="{155A4563-E84E-2143-94D2-868ECA667901}"/>
+                <a16:creationId xmlns:a16="http://schemas.microsoft.com/office/drawing/2014/main" xmlns="" id="{155A4563-E84E-2143-94D2-868ECA667901}"/>
               </a:ext>
             </a:extLst>
           </p:cNvPr>
@@ -8078,7 +8172,7 @@
           <p:cNvPr id="3" name="副標題 2">
             <a:extLst>
               <a:ext uri="{FF2B5EF4-FFF2-40B4-BE49-F238E27FC236}">
-                <a16:creationId xmlns="" xmlns:a16="http://schemas.microsoft.com/office/drawing/2014/main" id="{01C11A57-485A-7843-90B7-CE4D3710822E}"/>
+                <a16:creationId xmlns:a16="http://schemas.microsoft.com/office/drawing/2014/main" xmlns="" id="{01C11A57-485A-7843-90B7-CE4D3710822E}"/>
               </a:ext>
             </a:extLst>
           </p:cNvPr>
@@ -8154,7 +8248,7 @@
           <p:cNvPr id="4" name="日期版面配置區 3">
             <a:extLst>
               <a:ext uri="{FF2B5EF4-FFF2-40B4-BE49-F238E27FC236}">
-                <a16:creationId xmlns="" xmlns:a16="http://schemas.microsoft.com/office/drawing/2014/main" id="{6FF04DFD-F863-024F-AB15-7DEB6ABDA713}"/>
+                <a16:creationId xmlns:a16="http://schemas.microsoft.com/office/drawing/2014/main" xmlns="" id="{6FF04DFD-F863-024F-AB15-7DEB6ABDA713}"/>
               </a:ext>
             </a:extLst>
           </p:cNvPr>
@@ -8172,7 +8266,7 @@
           <a:p>
             <a:fld id="{75F8934F-7F83-1046-9341-02CE27D9104D}" type="datetimeFigureOut">
               <a:rPr kumimoji="1" lang="zh-TW" altLang="en-US" smtClean="0"/>
-              <a:t>2020/2/14</a:t>
+              <a:t>2020/2/15</a:t>
             </a:fld>
             <a:endParaRPr kumimoji="1" lang="zh-TW" altLang="en-US"/>
           </a:p>
@@ -8183,7 +8277,7 @@
           <p:cNvPr id="5" name="頁尾版面配置區 4">
             <a:extLst>
               <a:ext uri="{FF2B5EF4-FFF2-40B4-BE49-F238E27FC236}">
-                <a16:creationId xmlns="" xmlns:a16="http://schemas.microsoft.com/office/drawing/2014/main" id="{C42252C1-473D-124E-AAFE-BBC473106861}"/>
+                <a16:creationId xmlns:a16="http://schemas.microsoft.com/office/drawing/2014/main" xmlns="" id="{C42252C1-473D-124E-AAFE-BBC473106861}"/>
               </a:ext>
             </a:extLst>
           </p:cNvPr>
@@ -8208,7 +8302,7 @@
           <p:cNvPr id="6" name="投影片編號版面配置區 5">
             <a:extLst>
               <a:ext uri="{FF2B5EF4-FFF2-40B4-BE49-F238E27FC236}">
-                <a16:creationId xmlns="" xmlns:a16="http://schemas.microsoft.com/office/drawing/2014/main" id="{871B4E1C-D0B1-194C-8D0D-EEB67A6B5AFE}"/>
+                <a16:creationId xmlns:a16="http://schemas.microsoft.com/office/drawing/2014/main" xmlns="" id="{871B4E1C-D0B1-194C-8D0D-EEB67A6B5AFE}"/>
               </a:ext>
             </a:extLst>
           </p:cNvPr>
@@ -8237,7 +8331,7 @@
           <p:cNvPr id="8" name="圖片 7">
             <a:extLst>
               <a:ext uri="{FF2B5EF4-FFF2-40B4-BE49-F238E27FC236}">
-                <a16:creationId xmlns="" xmlns:a16="http://schemas.microsoft.com/office/drawing/2014/main" id="{CFC0D688-7C0C-F240-82D7-136060E3079C}"/>
+                <a16:creationId xmlns:a16="http://schemas.microsoft.com/office/drawing/2014/main" xmlns="" id="{CFC0D688-7C0C-F240-82D7-136060E3079C}"/>
               </a:ext>
             </a:extLst>
           </p:cNvPr>
@@ -8273,7 +8367,7 @@
           <p:cNvPr id="10" name="文字版面配置區 9">
             <a:extLst>
               <a:ext uri="{FF2B5EF4-FFF2-40B4-BE49-F238E27FC236}">
-                <a16:creationId xmlns="" xmlns:a16="http://schemas.microsoft.com/office/drawing/2014/main" id="{541677EC-052B-1741-B92F-902A83DB4CDB}"/>
+                <a16:creationId xmlns:a16="http://schemas.microsoft.com/office/drawing/2014/main" xmlns="" id="{541677EC-052B-1741-B92F-902A83DB4CDB}"/>
               </a:ext>
             </a:extLst>
           </p:cNvPr>
@@ -8354,7 +8448,7 @@
           <p:cNvPr id="2" name="標題 1">
             <a:extLst>
               <a:ext uri="{FF2B5EF4-FFF2-40B4-BE49-F238E27FC236}">
-                <a16:creationId xmlns="" xmlns:a16="http://schemas.microsoft.com/office/drawing/2014/main" id="{AA60FC08-DB42-1443-B1D9-594B0DFFD819}"/>
+                <a16:creationId xmlns:a16="http://schemas.microsoft.com/office/drawing/2014/main" xmlns="" id="{AA60FC08-DB42-1443-B1D9-594B0DFFD819}"/>
               </a:ext>
             </a:extLst>
           </p:cNvPr>
@@ -8399,7 +8493,7 @@
           <p:cNvPr id="3" name="內容版面配置區 2">
             <a:extLst>
               <a:ext uri="{FF2B5EF4-FFF2-40B4-BE49-F238E27FC236}">
-                <a16:creationId xmlns="" xmlns:a16="http://schemas.microsoft.com/office/drawing/2014/main" id="{71BB2DE9-F9EC-0747-8110-57B6F42C6240}"/>
+                <a16:creationId xmlns:a16="http://schemas.microsoft.com/office/drawing/2014/main" xmlns="" id="{71BB2DE9-F9EC-0747-8110-57B6F42C6240}"/>
               </a:ext>
             </a:extLst>
           </p:cNvPr>
@@ -8510,7 +8604,7 @@
           <p:cNvPr id="4" name="日期版面配置區 3">
             <a:extLst>
               <a:ext uri="{FF2B5EF4-FFF2-40B4-BE49-F238E27FC236}">
-                <a16:creationId xmlns="" xmlns:a16="http://schemas.microsoft.com/office/drawing/2014/main" id="{6BA98535-4AD5-2846-9F28-9D341D2CBD82}"/>
+                <a16:creationId xmlns:a16="http://schemas.microsoft.com/office/drawing/2014/main" xmlns="" id="{6BA98535-4AD5-2846-9F28-9D341D2CBD82}"/>
               </a:ext>
             </a:extLst>
           </p:cNvPr>
@@ -8528,7 +8622,7 @@
           <a:p>
             <a:fld id="{75F8934F-7F83-1046-9341-02CE27D9104D}" type="datetimeFigureOut">
               <a:rPr kumimoji="1" lang="zh-TW" altLang="en-US" smtClean="0"/>
-              <a:t>2020/2/14</a:t>
+              <a:t>2020/2/15</a:t>
             </a:fld>
             <a:endParaRPr kumimoji="1" lang="zh-TW" altLang="en-US"/>
           </a:p>
@@ -8539,7 +8633,7 @@
           <p:cNvPr id="5" name="頁尾版面配置區 4">
             <a:extLst>
               <a:ext uri="{FF2B5EF4-FFF2-40B4-BE49-F238E27FC236}">
-                <a16:creationId xmlns="" xmlns:a16="http://schemas.microsoft.com/office/drawing/2014/main" id="{E4EAEED7-0802-7145-8C6C-66F66C8C1782}"/>
+                <a16:creationId xmlns:a16="http://schemas.microsoft.com/office/drawing/2014/main" xmlns="" id="{E4EAEED7-0802-7145-8C6C-66F66C8C1782}"/>
               </a:ext>
             </a:extLst>
           </p:cNvPr>
@@ -8564,7 +8658,7 @@
           <p:cNvPr id="6" name="投影片編號版面配置區 5">
             <a:extLst>
               <a:ext uri="{FF2B5EF4-FFF2-40B4-BE49-F238E27FC236}">
-                <a16:creationId xmlns="" xmlns:a16="http://schemas.microsoft.com/office/drawing/2014/main" id="{7D332B7E-1F76-A041-B6C6-AB635087BAB3}"/>
+                <a16:creationId xmlns:a16="http://schemas.microsoft.com/office/drawing/2014/main" xmlns="" id="{7D332B7E-1F76-A041-B6C6-AB635087BAB3}"/>
               </a:ext>
             </a:extLst>
           </p:cNvPr>
@@ -8593,7 +8687,7 @@
           <p:cNvPr id="7" name="矩形 6">
             <a:extLst>
               <a:ext uri="{FF2B5EF4-FFF2-40B4-BE49-F238E27FC236}">
-                <a16:creationId xmlns="" xmlns:a16="http://schemas.microsoft.com/office/drawing/2014/main" id="{C21960D3-0AC5-EE41-A19C-696161A1572E}"/>
+                <a16:creationId xmlns:a16="http://schemas.microsoft.com/office/drawing/2014/main" xmlns="" id="{C21960D3-0AC5-EE41-A19C-696161A1572E}"/>
               </a:ext>
             </a:extLst>
           </p:cNvPr>
@@ -8649,7 +8743,7 @@
           <p:cNvPr id="8" name="圖片 7">
             <a:extLst>
               <a:ext uri="{FF2B5EF4-FFF2-40B4-BE49-F238E27FC236}">
-                <a16:creationId xmlns="" xmlns:a16="http://schemas.microsoft.com/office/drawing/2014/main" id="{5E0EAD78-AEC6-AB45-A710-DD47E43CBB16}"/>
+                <a16:creationId xmlns:a16="http://schemas.microsoft.com/office/drawing/2014/main" xmlns="" id="{5E0EAD78-AEC6-AB45-A710-DD47E43CBB16}"/>
               </a:ext>
             </a:extLst>
           </p:cNvPr>
@@ -8685,7 +8779,7 @@
           <p:cNvPr id="9" name="矩形 8">
             <a:extLst>
               <a:ext uri="{FF2B5EF4-FFF2-40B4-BE49-F238E27FC236}">
-                <a16:creationId xmlns="" xmlns:a16="http://schemas.microsoft.com/office/drawing/2014/main" id="{387A2BAD-7558-A944-B806-7AEF1C4243D0}"/>
+                <a16:creationId xmlns:a16="http://schemas.microsoft.com/office/drawing/2014/main" xmlns="" id="{387A2BAD-7558-A944-B806-7AEF1C4243D0}"/>
               </a:ext>
             </a:extLst>
           </p:cNvPr>
@@ -8737,7 +8831,7 @@
           <p:cNvPr id="10" name="內容版面配置區 2">
             <a:extLst>
               <a:ext uri="{FF2B5EF4-FFF2-40B4-BE49-F238E27FC236}">
-                <a16:creationId xmlns="" xmlns:a16="http://schemas.microsoft.com/office/drawing/2014/main" id="{71BB2DE9-F9EC-0747-8110-57B6F42C6240}"/>
+                <a16:creationId xmlns:a16="http://schemas.microsoft.com/office/drawing/2014/main" xmlns="" id="{71BB2DE9-F9EC-0747-8110-57B6F42C6240}"/>
               </a:ext>
             </a:extLst>
           </p:cNvPr>
@@ -8848,7 +8942,7 @@
           <p:cNvPr id="11" name="內容版面配置區 2">
             <a:extLst>
               <a:ext uri="{FF2B5EF4-FFF2-40B4-BE49-F238E27FC236}">
-                <a16:creationId xmlns="" xmlns:a16="http://schemas.microsoft.com/office/drawing/2014/main" id="{71BB2DE9-F9EC-0747-8110-57B6F42C6240}"/>
+                <a16:creationId xmlns:a16="http://schemas.microsoft.com/office/drawing/2014/main" xmlns="" id="{71BB2DE9-F9EC-0747-8110-57B6F42C6240}"/>
               </a:ext>
             </a:extLst>
           </p:cNvPr>
@@ -8959,7 +9053,7 @@
           <p:cNvPr id="12" name="內容版面配置區 2">
             <a:extLst>
               <a:ext uri="{FF2B5EF4-FFF2-40B4-BE49-F238E27FC236}">
-                <a16:creationId xmlns="" xmlns:a16="http://schemas.microsoft.com/office/drawing/2014/main" id="{71BB2DE9-F9EC-0747-8110-57B6F42C6240}"/>
+                <a16:creationId xmlns:a16="http://schemas.microsoft.com/office/drawing/2014/main" xmlns="" id="{71BB2DE9-F9EC-0747-8110-57B6F42C6240}"/>
               </a:ext>
             </a:extLst>
           </p:cNvPr>
@@ -9100,7 +9194,7 @@
           <p:cNvPr id="2" name="標題 1">
             <a:extLst>
               <a:ext uri="{FF2B5EF4-FFF2-40B4-BE49-F238E27FC236}">
-                <a16:creationId xmlns="" xmlns:a16="http://schemas.microsoft.com/office/drawing/2014/main" id="{AA60FC08-DB42-1443-B1D9-594B0DFFD819}"/>
+                <a16:creationId xmlns:a16="http://schemas.microsoft.com/office/drawing/2014/main" xmlns="" id="{AA60FC08-DB42-1443-B1D9-594B0DFFD819}"/>
               </a:ext>
             </a:extLst>
           </p:cNvPr>
@@ -9145,7 +9239,7 @@
           <p:cNvPr id="3" name="內容版面配置區 2">
             <a:extLst>
               <a:ext uri="{FF2B5EF4-FFF2-40B4-BE49-F238E27FC236}">
-                <a16:creationId xmlns="" xmlns:a16="http://schemas.microsoft.com/office/drawing/2014/main" id="{71BB2DE9-F9EC-0747-8110-57B6F42C6240}"/>
+                <a16:creationId xmlns:a16="http://schemas.microsoft.com/office/drawing/2014/main" xmlns="" id="{71BB2DE9-F9EC-0747-8110-57B6F42C6240}"/>
               </a:ext>
             </a:extLst>
           </p:cNvPr>
@@ -9244,7 +9338,7 @@
           <p:cNvPr id="4" name="日期版面配置區 3">
             <a:extLst>
               <a:ext uri="{FF2B5EF4-FFF2-40B4-BE49-F238E27FC236}">
-                <a16:creationId xmlns="" xmlns:a16="http://schemas.microsoft.com/office/drawing/2014/main" id="{6BA98535-4AD5-2846-9F28-9D341D2CBD82}"/>
+                <a16:creationId xmlns:a16="http://schemas.microsoft.com/office/drawing/2014/main" xmlns="" id="{6BA98535-4AD5-2846-9F28-9D341D2CBD82}"/>
               </a:ext>
             </a:extLst>
           </p:cNvPr>
@@ -9262,7 +9356,7 @@
           <a:p>
             <a:fld id="{75F8934F-7F83-1046-9341-02CE27D9104D}" type="datetimeFigureOut">
               <a:rPr kumimoji="1" lang="zh-TW" altLang="en-US" smtClean="0"/>
-              <a:t>2020/2/14</a:t>
+              <a:t>2020/2/15</a:t>
             </a:fld>
             <a:endParaRPr kumimoji="1" lang="zh-TW" altLang="en-US"/>
           </a:p>
@@ -9273,7 +9367,7 @@
           <p:cNvPr id="5" name="頁尾版面配置區 4">
             <a:extLst>
               <a:ext uri="{FF2B5EF4-FFF2-40B4-BE49-F238E27FC236}">
-                <a16:creationId xmlns="" xmlns:a16="http://schemas.microsoft.com/office/drawing/2014/main" id="{E4EAEED7-0802-7145-8C6C-66F66C8C1782}"/>
+                <a16:creationId xmlns:a16="http://schemas.microsoft.com/office/drawing/2014/main" xmlns="" id="{E4EAEED7-0802-7145-8C6C-66F66C8C1782}"/>
               </a:ext>
             </a:extLst>
           </p:cNvPr>
@@ -9298,7 +9392,7 @@
           <p:cNvPr id="6" name="投影片編號版面配置區 5">
             <a:extLst>
               <a:ext uri="{FF2B5EF4-FFF2-40B4-BE49-F238E27FC236}">
-                <a16:creationId xmlns="" xmlns:a16="http://schemas.microsoft.com/office/drawing/2014/main" id="{7D332B7E-1F76-A041-B6C6-AB635087BAB3}"/>
+                <a16:creationId xmlns:a16="http://schemas.microsoft.com/office/drawing/2014/main" xmlns="" id="{7D332B7E-1F76-A041-B6C6-AB635087BAB3}"/>
               </a:ext>
             </a:extLst>
           </p:cNvPr>
@@ -9327,7 +9421,7 @@
           <p:cNvPr id="7" name="矩形 6">
             <a:extLst>
               <a:ext uri="{FF2B5EF4-FFF2-40B4-BE49-F238E27FC236}">
-                <a16:creationId xmlns="" xmlns:a16="http://schemas.microsoft.com/office/drawing/2014/main" id="{C21960D3-0AC5-EE41-A19C-696161A1572E}"/>
+                <a16:creationId xmlns:a16="http://schemas.microsoft.com/office/drawing/2014/main" xmlns="" id="{C21960D3-0AC5-EE41-A19C-696161A1572E}"/>
               </a:ext>
             </a:extLst>
           </p:cNvPr>
@@ -9383,7 +9477,7 @@
           <p:cNvPr id="8" name="圖片 7">
             <a:extLst>
               <a:ext uri="{FF2B5EF4-FFF2-40B4-BE49-F238E27FC236}">
-                <a16:creationId xmlns="" xmlns:a16="http://schemas.microsoft.com/office/drawing/2014/main" id="{5E0EAD78-AEC6-AB45-A710-DD47E43CBB16}"/>
+                <a16:creationId xmlns:a16="http://schemas.microsoft.com/office/drawing/2014/main" xmlns="" id="{5E0EAD78-AEC6-AB45-A710-DD47E43CBB16}"/>
               </a:ext>
             </a:extLst>
           </p:cNvPr>
@@ -9419,7 +9513,7 @@
           <p:cNvPr id="9" name="矩形 8">
             <a:extLst>
               <a:ext uri="{FF2B5EF4-FFF2-40B4-BE49-F238E27FC236}">
-                <a16:creationId xmlns="" xmlns:a16="http://schemas.microsoft.com/office/drawing/2014/main" id="{387A2BAD-7558-A944-B806-7AEF1C4243D0}"/>
+                <a16:creationId xmlns:a16="http://schemas.microsoft.com/office/drawing/2014/main" xmlns="" id="{387A2BAD-7558-A944-B806-7AEF1C4243D0}"/>
               </a:ext>
             </a:extLst>
           </p:cNvPr>
@@ -9471,7 +9565,7 @@
           <p:cNvPr id="10" name="內容版面配置區 2">
             <a:extLst>
               <a:ext uri="{FF2B5EF4-FFF2-40B4-BE49-F238E27FC236}">
-                <a16:creationId xmlns="" xmlns:a16="http://schemas.microsoft.com/office/drawing/2014/main" id="{71BB2DE9-F9EC-0747-8110-57B6F42C6240}"/>
+                <a16:creationId xmlns:a16="http://schemas.microsoft.com/office/drawing/2014/main" xmlns="" id="{71BB2DE9-F9EC-0747-8110-57B6F42C6240}"/>
               </a:ext>
             </a:extLst>
           </p:cNvPr>
@@ -9570,7 +9664,7 @@
           <p:cNvPr id="11" name="內容版面配置區 2">
             <a:extLst>
               <a:ext uri="{FF2B5EF4-FFF2-40B4-BE49-F238E27FC236}">
-                <a16:creationId xmlns="" xmlns:a16="http://schemas.microsoft.com/office/drawing/2014/main" id="{71BB2DE9-F9EC-0747-8110-57B6F42C6240}"/>
+                <a16:creationId xmlns:a16="http://schemas.microsoft.com/office/drawing/2014/main" xmlns="" id="{71BB2DE9-F9EC-0747-8110-57B6F42C6240}"/>
               </a:ext>
             </a:extLst>
           </p:cNvPr>
@@ -9669,7 +9763,7 @@
           <p:cNvPr id="12" name="內容版面配置區 2">
             <a:extLst>
               <a:ext uri="{FF2B5EF4-FFF2-40B4-BE49-F238E27FC236}">
-                <a16:creationId xmlns="" xmlns:a16="http://schemas.microsoft.com/office/drawing/2014/main" id="{71BB2DE9-F9EC-0747-8110-57B6F42C6240}"/>
+                <a16:creationId xmlns:a16="http://schemas.microsoft.com/office/drawing/2014/main" xmlns="" id="{71BB2DE9-F9EC-0747-8110-57B6F42C6240}"/>
               </a:ext>
             </a:extLst>
           </p:cNvPr>
@@ -9832,7 +9926,7 @@
           <a:p>
             <a:fld id="{75F8934F-7F83-1046-9341-02CE27D9104D}" type="datetimeFigureOut">
               <a:rPr kumimoji="1" lang="zh-TW" altLang="en-US" smtClean="0"/>
-              <a:t>2020/2/14</a:t>
+              <a:t>2020/2/15</a:t>
             </a:fld>
             <a:endParaRPr kumimoji="1" lang="zh-TW" altLang="en-US"/>
           </a:p>
@@ -9885,7 +9979,7 @@
           <p:cNvPr id="7" name="內容版面配置區 2">
             <a:extLst>
               <a:ext uri="{FF2B5EF4-FFF2-40B4-BE49-F238E27FC236}">
-                <a16:creationId xmlns="" xmlns:a16="http://schemas.microsoft.com/office/drawing/2014/main" id="{DB7FC4C6-C26F-214E-B2D6-C9ED5E2BD195}"/>
+                <a16:creationId xmlns:a16="http://schemas.microsoft.com/office/drawing/2014/main" xmlns="" id="{DB7FC4C6-C26F-214E-B2D6-C9ED5E2BD195}"/>
               </a:ext>
             </a:extLst>
           </p:cNvPr>
@@ -9947,7 +10041,7 @@
           <p:cNvPr id="8" name="矩形 7">
             <a:extLst>
               <a:ext uri="{FF2B5EF4-FFF2-40B4-BE49-F238E27FC236}">
-                <a16:creationId xmlns="" xmlns:a16="http://schemas.microsoft.com/office/drawing/2014/main" id="{C21960D3-0AC5-EE41-A19C-696161A1572E}"/>
+                <a16:creationId xmlns:a16="http://schemas.microsoft.com/office/drawing/2014/main" xmlns="" id="{C21960D3-0AC5-EE41-A19C-696161A1572E}"/>
               </a:ext>
             </a:extLst>
           </p:cNvPr>
@@ -10003,7 +10097,7 @@
           <p:cNvPr id="9" name="矩形 8">
             <a:extLst>
               <a:ext uri="{FF2B5EF4-FFF2-40B4-BE49-F238E27FC236}">
-                <a16:creationId xmlns="" xmlns:a16="http://schemas.microsoft.com/office/drawing/2014/main" id="{387A2BAD-7558-A944-B806-7AEF1C4243D0}"/>
+                <a16:creationId xmlns:a16="http://schemas.microsoft.com/office/drawing/2014/main" xmlns="" id="{387A2BAD-7558-A944-B806-7AEF1C4243D0}"/>
               </a:ext>
             </a:extLst>
           </p:cNvPr>
@@ -10055,7 +10149,7 @@
           <p:cNvPr id="10" name="圖片 9">
             <a:extLst>
               <a:ext uri="{FF2B5EF4-FFF2-40B4-BE49-F238E27FC236}">
-                <a16:creationId xmlns="" xmlns:a16="http://schemas.microsoft.com/office/drawing/2014/main" id="{5E0EAD78-AEC6-AB45-A710-DD47E43CBB16}"/>
+                <a16:creationId xmlns:a16="http://schemas.microsoft.com/office/drawing/2014/main" xmlns="" id="{5E0EAD78-AEC6-AB45-A710-DD47E43CBB16}"/>
               </a:ext>
             </a:extLst>
           </p:cNvPr>
@@ -10121,7 +10215,7 @@
           <p:cNvPr id="2" name="標題 1">
             <a:extLst>
               <a:ext uri="{FF2B5EF4-FFF2-40B4-BE49-F238E27FC236}">
-                <a16:creationId xmlns="" xmlns:a16="http://schemas.microsoft.com/office/drawing/2014/main" id="{979C6CD6-89CE-E846-934F-01618F2F117C}"/>
+                <a16:creationId xmlns:a16="http://schemas.microsoft.com/office/drawing/2014/main" xmlns="" id="{979C6CD6-89CE-E846-934F-01618F2F117C}"/>
               </a:ext>
             </a:extLst>
           </p:cNvPr>
@@ -10149,7 +10243,7 @@
           <p:cNvPr id="3" name="內容版面配置區 2">
             <a:extLst>
               <a:ext uri="{FF2B5EF4-FFF2-40B4-BE49-F238E27FC236}">
-                <a16:creationId xmlns="" xmlns:a16="http://schemas.microsoft.com/office/drawing/2014/main" id="{DB7FC4C6-C26F-214E-B2D6-C9ED5E2BD195}"/>
+                <a16:creationId xmlns:a16="http://schemas.microsoft.com/office/drawing/2014/main" xmlns="" id="{DB7FC4C6-C26F-214E-B2D6-C9ED5E2BD195}"/>
               </a:ext>
             </a:extLst>
           </p:cNvPr>
@@ -10211,7 +10305,7 @@
           <p:cNvPr id="4" name="內容版面配置區 3">
             <a:extLst>
               <a:ext uri="{FF2B5EF4-FFF2-40B4-BE49-F238E27FC236}">
-                <a16:creationId xmlns="" xmlns:a16="http://schemas.microsoft.com/office/drawing/2014/main" id="{DBED84A6-8329-9742-B24D-788F26DEA102}"/>
+                <a16:creationId xmlns:a16="http://schemas.microsoft.com/office/drawing/2014/main" xmlns="" id="{DBED84A6-8329-9742-B24D-788F26DEA102}"/>
               </a:ext>
             </a:extLst>
           </p:cNvPr>
@@ -10273,7 +10367,7 @@
           <p:cNvPr id="5" name="日期版面配置區 4">
             <a:extLst>
               <a:ext uri="{FF2B5EF4-FFF2-40B4-BE49-F238E27FC236}">
-                <a16:creationId xmlns="" xmlns:a16="http://schemas.microsoft.com/office/drawing/2014/main" id="{B9046B7C-39BE-4A4E-B699-9748D6DA088D}"/>
+                <a16:creationId xmlns:a16="http://schemas.microsoft.com/office/drawing/2014/main" xmlns="" id="{B9046B7C-39BE-4A4E-B699-9748D6DA088D}"/>
               </a:ext>
             </a:extLst>
           </p:cNvPr>
@@ -10291,7 +10385,7 @@
           <a:p>
             <a:fld id="{75F8934F-7F83-1046-9341-02CE27D9104D}" type="datetimeFigureOut">
               <a:rPr kumimoji="1" lang="zh-TW" altLang="en-US" smtClean="0"/>
-              <a:t>2020/2/14</a:t>
+              <a:t>2020/2/15</a:t>
             </a:fld>
             <a:endParaRPr kumimoji="1" lang="zh-TW" altLang="en-US"/>
           </a:p>
@@ -10302,7 +10396,7 @@
           <p:cNvPr id="6" name="頁尾版面配置區 5">
             <a:extLst>
               <a:ext uri="{FF2B5EF4-FFF2-40B4-BE49-F238E27FC236}">
-                <a16:creationId xmlns="" xmlns:a16="http://schemas.microsoft.com/office/drawing/2014/main" id="{1AD5E07B-3935-B144-8CAF-5251EF861FDA}"/>
+                <a16:creationId xmlns:a16="http://schemas.microsoft.com/office/drawing/2014/main" xmlns="" id="{1AD5E07B-3935-B144-8CAF-5251EF861FDA}"/>
               </a:ext>
             </a:extLst>
           </p:cNvPr>
@@ -10327,7 +10421,7 @@
           <p:cNvPr id="7" name="投影片編號版面配置區 6">
             <a:extLst>
               <a:ext uri="{FF2B5EF4-FFF2-40B4-BE49-F238E27FC236}">
-                <a16:creationId xmlns="" xmlns:a16="http://schemas.microsoft.com/office/drawing/2014/main" id="{C9A0C168-E66B-E24E-B30C-62EBA9A41007}"/>
+                <a16:creationId xmlns:a16="http://schemas.microsoft.com/office/drawing/2014/main" xmlns="" id="{C9A0C168-E66B-E24E-B30C-62EBA9A41007}"/>
               </a:ext>
             </a:extLst>
           </p:cNvPr>
@@ -10356,7 +10450,7 @@
           <p:cNvPr id="8" name="圖片 7">
             <a:extLst>
               <a:ext uri="{FF2B5EF4-FFF2-40B4-BE49-F238E27FC236}">
-                <a16:creationId xmlns="" xmlns:a16="http://schemas.microsoft.com/office/drawing/2014/main" id="{5E0EAD78-AEC6-AB45-A710-DD47E43CBB16}"/>
+                <a16:creationId xmlns:a16="http://schemas.microsoft.com/office/drawing/2014/main" xmlns="" id="{5E0EAD78-AEC6-AB45-A710-DD47E43CBB16}"/>
               </a:ext>
             </a:extLst>
           </p:cNvPr>
@@ -10392,7 +10486,7 @@
           <p:cNvPr id="9" name="矩形 8">
             <a:extLst>
               <a:ext uri="{FF2B5EF4-FFF2-40B4-BE49-F238E27FC236}">
-                <a16:creationId xmlns="" xmlns:a16="http://schemas.microsoft.com/office/drawing/2014/main" id="{C21960D3-0AC5-EE41-A19C-696161A1572E}"/>
+                <a16:creationId xmlns:a16="http://schemas.microsoft.com/office/drawing/2014/main" xmlns="" id="{C21960D3-0AC5-EE41-A19C-696161A1572E}"/>
               </a:ext>
             </a:extLst>
           </p:cNvPr>
@@ -10448,7 +10542,7 @@
           <p:cNvPr id="10" name="矩形 9">
             <a:extLst>
               <a:ext uri="{FF2B5EF4-FFF2-40B4-BE49-F238E27FC236}">
-                <a16:creationId xmlns="" xmlns:a16="http://schemas.microsoft.com/office/drawing/2014/main" id="{387A2BAD-7558-A944-B806-7AEF1C4243D0}"/>
+                <a16:creationId xmlns:a16="http://schemas.microsoft.com/office/drawing/2014/main" xmlns="" id="{387A2BAD-7558-A944-B806-7AEF1C4243D0}"/>
               </a:ext>
             </a:extLst>
           </p:cNvPr>
@@ -10557,7 +10651,7 @@
           <p:cNvPr id="3" name="日期版面配置區 2">
             <a:extLst>
               <a:ext uri="{FF2B5EF4-FFF2-40B4-BE49-F238E27FC236}">
-                <a16:creationId xmlns="" xmlns:a16="http://schemas.microsoft.com/office/drawing/2014/main" id="{F7C17A4E-EBA6-E34A-A86C-76416798A0B8}"/>
+                <a16:creationId xmlns:a16="http://schemas.microsoft.com/office/drawing/2014/main" xmlns="" id="{F7C17A4E-EBA6-E34A-A86C-76416798A0B8}"/>
               </a:ext>
             </a:extLst>
           </p:cNvPr>
@@ -10575,7 +10669,7 @@
           <a:p>
             <a:fld id="{75F8934F-7F83-1046-9341-02CE27D9104D}" type="datetimeFigureOut">
               <a:rPr kumimoji="1" lang="zh-TW" altLang="en-US" smtClean="0"/>
-              <a:t>2020/2/14</a:t>
+              <a:t>2020/2/15</a:t>
             </a:fld>
             <a:endParaRPr kumimoji="1" lang="zh-TW" altLang="en-US"/>
           </a:p>
@@ -10586,7 +10680,7 @@
           <p:cNvPr id="4" name="頁尾版面配置區 3">
             <a:extLst>
               <a:ext uri="{FF2B5EF4-FFF2-40B4-BE49-F238E27FC236}">
-                <a16:creationId xmlns="" xmlns:a16="http://schemas.microsoft.com/office/drawing/2014/main" id="{CA1C1E17-1A60-0144-B993-55C5B1B81E94}"/>
+                <a16:creationId xmlns:a16="http://schemas.microsoft.com/office/drawing/2014/main" xmlns="" id="{CA1C1E17-1A60-0144-B993-55C5B1B81E94}"/>
               </a:ext>
             </a:extLst>
           </p:cNvPr>
@@ -10611,7 +10705,7 @@
           <p:cNvPr id="5" name="投影片編號版面配置區 4">
             <a:extLst>
               <a:ext uri="{FF2B5EF4-FFF2-40B4-BE49-F238E27FC236}">
-                <a16:creationId xmlns="" xmlns:a16="http://schemas.microsoft.com/office/drawing/2014/main" id="{6E191D9A-D235-9D49-814E-DCBBB84DC544}"/>
+                <a16:creationId xmlns:a16="http://schemas.microsoft.com/office/drawing/2014/main" xmlns="" id="{6E191D9A-D235-9D49-814E-DCBBB84DC544}"/>
               </a:ext>
             </a:extLst>
           </p:cNvPr>
@@ -10640,7 +10734,7 @@
           <p:cNvPr id="7" name="圖片 6">
             <a:extLst>
               <a:ext uri="{FF2B5EF4-FFF2-40B4-BE49-F238E27FC236}">
-                <a16:creationId xmlns="" xmlns:a16="http://schemas.microsoft.com/office/drawing/2014/main" id="{5E0EAD78-AEC6-AB45-A710-DD47E43CBB16}"/>
+                <a16:creationId xmlns:a16="http://schemas.microsoft.com/office/drawing/2014/main" xmlns="" id="{5E0EAD78-AEC6-AB45-A710-DD47E43CBB16}"/>
               </a:ext>
             </a:extLst>
           </p:cNvPr>
@@ -10720,7 +10814,7 @@
           <p:cNvPr id="12" name="內容版面配置區 2">
             <a:extLst>
               <a:ext uri="{FF2B5EF4-FFF2-40B4-BE49-F238E27FC236}">
-                <a16:creationId xmlns="" xmlns:a16="http://schemas.microsoft.com/office/drawing/2014/main" id="{DB7FC4C6-C26F-214E-B2D6-C9ED5E2BD195}"/>
+                <a16:creationId xmlns:a16="http://schemas.microsoft.com/office/drawing/2014/main" xmlns="" id="{DB7FC4C6-C26F-214E-B2D6-C9ED5E2BD195}"/>
               </a:ext>
             </a:extLst>
           </p:cNvPr>
@@ -10782,7 +10876,7 @@
           <p:cNvPr id="13" name="矩形 12">
             <a:extLst>
               <a:ext uri="{FF2B5EF4-FFF2-40B4-BE49-F238E27FC236}">
-                <a16:creationId xmlns="" xmlns:a16="http://schemas.microsoft.com/office/drawing/2014/main" id="{C21960D3-0AC5-EE41-A19C-696161A1572E}"/>
+                <a16:creationId xmlns:a16="http://schemas.microsoft.com/office/drawing/2014/main" xmlns="" id="{C21960D3-0AC5-EE41-A19C-696161A1572E}"/>
               </a:ext>
             </a:extLst>
           </p:cNvPr>
@@ -10838,7 +10932,7 @@
           <p:cNvPr id="15" name="矩形 14">
             <a:extLst>
               <a:ext uri="{FF2B5EF4-FFF2-40B4-BE49-F238E27FC236}">
-                <a16:creationId xmlns="" xmlns:a16="http://schemas.microsoft.com/office/drawing/2014/main" id="{387A2BAD-7558-A944-B806-7AEF1C4243D0}"/>
+                <a16:creationId xmlns:a16="http://schemas.microsoft.com/office/drawing/2014/main" xmlns="" id="{387A2BAD-7558-A944-B806-7AEF1C4243D0}"/>
               </a:ext>
             </a:extLst>
           </p:cNvPr>
@@ -11095,7 +11189,7 @@
           <a:p>
             <a:fld id="{58A8743F-B12E-458C-9EA7-7F147439A6EC}" type="datetimeFigureOut">
               <a:rPr lang="zh-TW" altLang="en-US" smtClean="0"/>
-              <a:t>2020/2/14</a:t>
+              <a:t>2020/2/15</a:t>
             </a:fld>
             <a:endParaRPr lang="zh-TW" altLang="en-US"/>
           </a:p>
@@ -11148,7 +11242,7 @@
           <p:cNvPr id="8" name="矩形 7">
             <a:extLst>
               <a:ext uri="{FF2B5EF4-FFF2-40B4-BE49-F238E27FC236}">
-                <a16:creationId xmlns="" xmlns:a16="http://schemas.microsoft.com/office/drawing/2014/main" id="{C21960D3-0AC5-EE41-A19C-696161A1572E}"/>
+                <a16:creationId xmlns:a16="http://schemas.microsoft.com/office/drawing/2014/main" xmlns="" id="{C21960D3-0AC5-EE41-A19C-696161A1572E}"/>
               </a:ext>
             </a:extLst>
           </p:cNvPr>
@@ -11362,7 +11456,7 @@
           <p:cNvPr id="2" name="標題 1">
             <a:extLst>
               <a:ext uri="{FF2B5EF4-FFF2-40B4-BE49-F238E27FC236}">
-                <a16:creationId xmlns="" xmlns:a16="http://schemas.microsoft.com/office/drawing/2014/main" id="{6A1C7254-695B-1F42-AC59-34E8D858E936}"/>
+                <a16:creationId xmlns:a16="http://schemas.microsoft.com/office/drawing/2014/main" xmlns="" id="{6A1C7254-695B-1F42-AC59-34E8D858E936}"/>
               </a:ext>
             </a:extLst>
           </p:cNvPr>
@@ -11405,7 +11499,7 @@
           <p:cNvPr id="3" name="文字版面配置區 2">
             <a:extLst>
               <a:ext uri="{FF2B5EF4-FFF2-40B4-BE49-F238E27FC236}">
-                <a16:creationId xmlns="" xmlns:a16="http://schemas.microsoft.com/office/drawing/2014/main" id="{1D19DA3B-2013-E14B-A941-CC519B76AD6F}"/>
+                <a16:creationId xmlns:a16="http://schemas.microsoft.com/office/drawing/2014/main" xmlns="" id="{1D19DA3B-2013-E14B-A941-CC519B76AD6F}"/>
               </a:ext>
             </a:extLst>
           </p:cNvPr>
@@ -11530,7 +11624,7 @@
           <p:cNvPr id="4" name="日期版面配置區 3">
             <a:extLst>
               <a:ext uri="{FF2B5EF4-FFF2-40B4-BE49-F238E27FC236}">
-                <a16:creationId xmlns="" xmlns:a16="http://schemas.microsoft.com/office/drawing/2014/main" id="{BC7211D9-290C-574E-B682-764110BB9BAF}"/>
+                <a16:creationId xmlns:a16="http://schemas.microsoft.com/office/drawing/2014/main" xmlns="" id="{BC7211D9-290C-574E-B682-764110BB9BAF}"/>
               </a:ext>
             </a:extLst>
           </p:cNvPr>
@@ -11548,7 +11642,7 @@
           <a:p>
             <a:fld id="{75F8934F-7F83-1046-9341-02CE27D9104D}" type="datetimeFigureOut">
               <a:rPr kumimoji="1" lang="zh-TW" altLang="en-US" smtClean="0"/>
-              <a:t>2020/2/14</a:t>
+              <a:t>2020/2/15</a:t>
             </a:fld>
             <a:endParaRPr kumimoji="1" lang="zh-TW" altLang="en-US" dirty="0"/>
           </a:p>
@@ -11559,7 +11653,7 @@
           <p:cNvPr id="5" name="頁尾版面配置區 4">
             <a:extLst>
               <a:ext uri="{FF2B5EF4-FFF2-40B4-BE49-F238E27FC236}">
-                <a16:creationId xmlns="" xmlns:a16="http://schemas.microsoft.com/office/drawing/2014/main" id="{D4D4BDD1-0BFA-0645-8197-068191AAF54C}"/>
+                <a16:creationId xmlns:a16="http://schemas.microsoft.com/office/drawing/2014/main" xmlns="" id="{D4D4BDD1-0BFA-0645-8197-068191AAF54C}"/>
               </a:ext>
             </a:extLst>
           </p:cNvPr>
@@ -11584,7 +11678,7 @@
           <p:cNvPr id="6" name="投影片編號版面配置區 5">
             <a:extLst>
               <a:ext uri="{FF2B5EF4-FFF2-40B4-BE49-F238E27FC236}">
-                <a16:creationId xmlns="" xmlns:a16="http://schemas.microsoft.com/office/drawing/2014/main" id="{F592E68C-AEE0-D84B-8844-7CF5E83647F7}"/>
+                <a16:creationId xmlns:a16="http://schemas.microsoft.com/office/drawing/2014/main" xmlns="" id="{F592E68C-AEE0-D84B-8844-7CF5E83647F7}"/>
               </a:ext>
             </a:extLst>
           </p:cNvPr>
@@ -11689,7 +11783,7 @@
           <p:cNvPr id="2" name="標題 1">
             <a:extLst>
               <a:ext uri="{FF2B5EF4-FFF2-40B4-BE49-F238E27FC236}">
-                <a16:creationId xmlns="" xmlns:a16="http://schemas.microsoft.com/office/drawing/2014/main" id="{6A1C7254-695B-1F42-AC59-34E8D858E936}"/>
+                <a16:creationId xmlns:a16="http://schemas.microsoft.com/office/drawing/2014/main" xmlns="" id="{6A1C7254-695B-1F42-AC59-34E8D858E936}"/>
               </a:ext>
             </a:extLst>
           </p:cNvPr>
@@ -11732,7 +11826,7 @@
           <p:cNvPr id="3" name="文字版面配置區 2">
             <a:extLst>
               <a:ext uri="{FF2B5EF4-FFF2-40B4-BE49-F238E27FC236}">
-                <a16:creationId xmlns="" xmlns:a16="http://schemas.microsoft.com/office/drawing/2014/main" id="{1D19DA3B-2013-E14B-A941-CC519B76AD6F}"/>
+                <a16:creationId xmlns:a16="http://schemas.microsoft.com/office/drawing/2014/main" xmlns="" id="{1D19DA3B-2013-E14B-A941-CC519B76AD6F}"/>
               </a:ext>
             </a:extLst>
           </p:cNvPr>
@@ -11857,7 +11951,7 @@
           <p:cNvPr id="4" name="日期版面配置區 3">
             <a:extLst>
               <a:ext uri="{FF2B5EF4-FFF2-40B4-BE49-F238E27FC236}">
-                <a16:creationId xmlns="" xmlns:a16="http://schemas.microsoft.com/office/drawing/2014/main" id="{BC7211D9-290C-574E-B682-764110BB9BAF}"/>
+                <a16:creationId xmlns:a16="http://schemas.microsoft.com/office/drawing/2014/main" xmlns="" id="{BC7211D9-290C-574E-B682-764110BB9BAF}"/>
               </a:ext>
             </a:extLst>
           </p:cNvPr>
@@ -11875,7 +11969,7 @@
           <a:p>
             <a:fld id="{75F8934F-7F83-1046-9341-02CE27D9104D}" type="datetimeFigureOut">
               <a:rPr kumimoji="1" lang="zh-TW" altLang="en-US" smtClean="0"/>
-              <a:t>2020/2/14</a:t>
+              <a:t>2020/2/15</a:t>
             </a:fld>
             <a:endParaRPr kumimoji="1" lang="zh-TW" altLang="en-US" dirty="0"/>
           </a:p>
@@ -11886,7 +11980,7 @@
           <p:cNvPr id="5" name="頁尾版面配置區 4">
             <a:extLst>
               <a:ext uri="{FF2B5EF4-FFF2-40B4-BE49-F238E27FC236}">
-                <a16:creationId xmlns="" xmlns:a16="http://schemas.microsoft.com/office/drawing/2014/main" id="{D4D4BDD1-0BFA-0645-8197-068191AAF54C}"/>
+                <a16:creationId xmlns:a16="http://schemas.microsoft.com/office/drawing/2014/main" xmlns="" id="{D4D4BDD1-0BFA-0645-8197-068191AAF54C}"/>
               </a:ext>
             </a:extLst>
           </p:cNvPr>
@@ -11911,7 +12005,7 @@
           <p:cNvPr id="6" name="投影片編號版面配置區 5">
             <a:extLst>
               <a:ext uri="{FF2B5EF4-FFF2-40B4-BE49-F238E27FC236}">
-                <a16:creationId xmlns="" xmlns:a16="http://schemas.microsoft.com/office/drawing/2014/main" id="{F592E68C-AEE0-D84B-8844-7CF5E83647F7}"/>
+                <a16:creationId xmlns:a16="http://schemas.microsoft.com/office/drawing/2014/main" xmlns="" id="{F592E68C-AEE0-D84B-8844-7CF5E83647F7}"/>
               </a:ext>
             </a:extLst>
           </p:cNvPr>
@@ -11940,7 +12034,7 @@
           <p:cNvPr id="7" name="圖片 6">
             <a:extLst>
               <a:ext uri="{FF2B5EF4-FFF2-40B4-BE49-F238E27FC236}">
-                <a16:creationId xmlns="" xmlns:a16="http://schemas.microsoft.com/office/drawing/2014/main" id="{CFC0D688-7C0C-F240-82D7-136060E3079C}"/>
+                <a16:creationId xmlns:a16="http://schemas.microsoft.com/office/drawing/2014/main" xmlns="" id="{CFC0D688-7C0C-F240-82D7-136060E3079C}"/>
               </a:ext>
             </a:extLst>
           </p:cNvPr>
@@ -12139,7 +12233,7 @@
           <p:cNvPr id="2" name="標題 1">
             <a:extLst>
               <a:ext uri="{FF2B5EF4-FFF2-40B4-BE49-F238E27FC236}">
-                <a16:creationId xmlns="" xmlns:a16="http://schemas.microsoft.com/office/drawing/2014/main" id="{6A1C7254-695B-1F42-AC59-34E8D858E936}"/>
+                <a16:creationId xmlns:a16="http://schemas.microsoft.com/office/drawing/2014/main" xmlns="" id="{6A1C7254-695B-1F42-AC59-34E8D858E936}"/>
               </a:ext>
             </a:extLst>
           </p:cNvPr>
@@ -12182,7 +12276,7 @@
           <p:cNvPr id="3" name="文字版面配置區 2">
             <a:extLst>
               <a:ext uri="{FF2B5EF4-FFF2-40B4-BE49-F238E27FC236}">
-                <a16:creationId xmlns="" xmlns:a16="http://schemas.microsoft.com/office/drawing/2014/main" id="{1D19DA3B-2013-E14B-A941-CC519B76AD6F}"/>
+                <a16:creationId xmlns:a16="http://schemas.microsoft.com/office/drawing/2014/main" xmlns="" id="{1D19DA3B-2013-E14B-A941-CC519B76AD6F}"/>
               </a:ext>
             </a:extLst>
           </p:cNvPr>
@@ -12307,7 +12401,7 @@
           <p:cNvPr id="4" name="日期版面配置區 3">
             <a:extLst>
               <a:ext uri="{FF2B5EF4-FFF2-40B4-BE49-F238E27FC236}">
-                <a16:creationId xmlns="" xmlns:a16="http://schemas.microsoft.com/office/drawing/2014/main" id="{BC7211D9-290C-574E-B682-764110BB9BAF}"/>
+                <a16:creationId xmlns:a16="http://schemas.microsoft.com/office/drawing/2014/main" xmlns="" id="{BC7211D9-290C-574E-B682-764110BB9BAF}"/>
               </a:ext>
             </a:extLst>
           </p:cNvPr>
@@ -12325,7 +12419,7 @@
           <a:p>
             <a:fld id="{75F8934F-7F83-1046-9341-02CE27D9104D}" type="datetimeFigureOut">
               <a:rPr kumimoji="1" lang="zh-TW" altLang="en-US" smtClean="0"/>
-              <a:t>2020/2/14</a:t>
+              <a:t>2020/2/15</a:t>
             </a:fld>
             <a:endParaRPr kumimoji="1" lang="zh-TW" altLang="en-US" dirty="0"/>
           </a:p>
@@ -12336,7 +12430,7 @@
           <p:cNvPr id="5" name="頁尾版面配置區 4">
             <a:extLst>
               <a:ext uri="{FF2B5EF4-FFF2-40B4-BE49-F238E27FC236}">
-                <a16:creationId xmlns="" xmlns:a16="http://schemas.microsoft.com/office/drawing/2014/main" id="{D4D4BDD1-0BFA-0645-8197-068191AAF54C}"/>
+                <a16:creationId xmlns:a16="http://schemas.microsoft.com/office/drawing/2014/main" xmlns="" id="{D4D4BDD1-0BFA-0645-8197-068191AAF54C}"/>
               </a:ext>
             </a:extLst>
           </p:cNvPr>
@@ -12361,7 +12455,7 @@
           <p:cNvPr id="6" name="投影片編號版面配置區 5">
             <a:extLst>
               <a:ext uri="{FF2B5EF4-FFF2-40B4-BE49-F238E27FC236}">
-                <a16:creationId xmlns="" xmlns:a16="http://schemas.microsoft.com/office/drawing/2014/main" id="{F592E68C-AEE0-D84B-8844-7CF5E83647F7}"/>
+                <a16:creationId xmlns:a16="http://schemas.microsoft.com/office/drawing/2014/main" xmlns="" id="{F592E68C-AEE0-D84B-8844-7CF5E83647F7}"/>
               </a:ext>
             </a:extLst>
           </p:cNvPr>
@@ -12470,7 +12564,7 @@
           <p:cNvPr id="3" name="內容版面配置區 2">
             <a:extLst>
               <a:ext uri="{FF2B5EF4-FFF2-40B4-BE49-F238E27FC236}">
-                <a16:creationId xmlns="" xmlns:a16="http://schemas.microsoft.com/office/drawing/2014/main" id="{DB7FC4C6-C26F-214E-B2D6-C9ED5E2BD195}"/>
+                <a16:creationId xmlns:a16="http://schemas.microsoft.com/office/drawing/2014/main" xmlns="" id="{DB7FC4C6-C26F-214E-B2D6-C9ED5E2BD195}"/>
               </a:ext>
             </a:extLst>
           </p:cNvPr>
@@ -12562,7 +12656,7 @@
           <p:cNvPr id="5" name="日期版面配置區 4">
             <a:extLst>
               <a:ext uri="{FF2B5EF4-FFF2-40B4-BE49-F238E27FC236}">
-                <a16:creationId xmlns="" xmlns:a16="http://schemas.microsoft.com/office/drawing/2014/main" id="{B9046B7C-39BE-4A4E-B699-9748D6DA088D}"/>
+                <a16:creationId xmlns:a16="http://schemas.microsoft.com/office/drawing/2014/main" xmlns="" id="{B9046B7C-39BE-4A4E-B699-9748D6DA088D}"/>
               </a:ext>
             </a:extLst>
           </p:cNvPr>
@@ -12580,7 +12674,7 @@
           <a:p>
             <a:fld id="{75F8934F-7F83-1046-9341-02CE27D9104D}" type="datetimeFigureOut">
               <a:rPr kumimoji="1" lang="zh-TW" altLang="en-US" smtClean="0"/>
-              <a:t>2020/2/14</a:t>
+              <a:t>2020/2/15</a:t>
             </a:fld>
             <a:endParaRPr kumimoji="1" lang="zh-TW" altLang="en-US"/>
           </a:p>
@@ -12591,7 +12685,7 @@
           <p:cNvPr id="6" name="頁尾版面配置區 5">
             <a:extLst>
               <a:ext uri="{FF2B5EF4-FFF2-40B4-BE49-F238E27FC236}">
-                <a16:creationId xmlns="" xmlns:a16="http://schemas.microsoft.com/office/drawing/2014/main" id="{1AD5E07B-3935-B144-8CAF-5251EF861FDA}"/>
+                <a16:creationId xmlns:a16="http://schemas.microsoft.com/office/drawing/2014/main" xmlns="" id="{1AD5E07B-3935-B144-8CAF-5251EF861FDA}"/>
               </a:ext>
             </a:extLst>
           </p:cNvPr>
@@ -12616,7 +12710,7 @@
           <p:cNvPr id="7" name="投影片編號版面配置區 6">
             <a:extLst>
               <a:ext uri="{FF2B5EF4-FFF2-40B4-BE49-F238E27FC236}">
-                <a16:creationId xmlns="" xmlns:a16="http://schemas.microsoft.com/office/drawing/2014/main" id="{C9A0C168-E66B-E24E-B30C-62EBA9A41007}"/>
+                <a16:creationId xmlns:a16="http://schemas.microsoft.com/office/drawing/2014/main" xmlns="" id="{C9A0C168-E66B-E24E-B30C-62EBA9A41007}"/>
               </a:ext>
             </a:extLst>
           </p:cNvPr>
@@ -12645,7 +12739,7 @@
           <p:cNvPr id="8" name="圖片 7">
             <a:extLst>
               <a:ext uri="{FF2B5EF4-FFF2-40B4-BE49-F238E27FC236}">
-                <a16:creationId xmlns="" xmlns:a16="http://schemas.microsoft.com/office/drawing/2014/main" id="{5E0EAD78-AEC6-AB45-A710-DD47E43CBB16}"/>
+                <a16:creationId xmlns:a16="http://schemas.microsoft.com/office/drawing/2014/main" xmlns="" id="{5E0EAD78-AEC6-AB45-A710-DD47E43CBB16}"/>
               </a:ext>
             </a:extLst>
           </p:cNvPr>
@@ -12681,7 +12775,7 @@
           <p:cNvPr id="10" name="矩形 9">
             <a:extLst>
               <a:ext uri="{FF2B5EF4-FFF2-40B4-BE49-F238E27FC236}">
-                <a16:creationId xmlns="" xmlns:a16="http://schemas.microsoft.com/office/drawing/2014/main" id="{387A2BAD-7558-A944-B806-7AEF1C4243D0}"/>
+                <a16:creationId xmlns:a16="http://schemas.microsoft.com/office/drawing/2014/main" xmlns="" id="{387A2BAD-7558-A944-B806-7AEF1C4243D0}"/>
               </a:ext>
             </a:extLst>
           </p:cNvPr>
@@ -12733,7 +12827,7 @@
           <p:cNvPr id="11" name="標題 1">
             <a:extLst>
               <a:ext uri="{FF2B5EF4-FFF2-40B4-BE49-F238E27FC236}">
-                <a16:creationId xmlns="" xmlns:a16="http://schemas.microsoft.com/office/drawing/2014/main" id="{AA60FC08-DB42-1443-B1D9-594B0DFFD819}"/>
+                <a16:creationId xmlns:a16="http://schemas.microsoft.com/office/drawing/2014/main" xmlns="" id="{AA60FC08-DB42-1443-B1D9-594B0DFFD819}"/>
               </a:ext>
             </a:extLst>
           </p:cNvPr>
@@ -12778,7 +12872,7 @@
           <p:cNvPr id="13" name="矩形 12">
             <a:extLst>
               <a:ext uri="{FF2B5EF4-FFF2-40B4-BE49-F238E27FC236}">
-                <a16:creationId xmlns="" xmlns:a16="http://schemas.microsoft.com/office/drawing/2014/main" id="{C21960D3-0AC5-EE41-A19C-696161A1572E}"/>
+                <a16:creationId xmlns:a16="http://schemas.microsoft.com/office/drawing/2014/main" xmlns="" id="{C21960D3-0AC5-EE41-A19C-696161A1572E}"/>
               </a:ext>
             </a:extLst>
           </p:cNvPr>
@@ -12888,7 +12982,7 @@
           <p:cNvPr id="12" name="矩形 11">
             <a:extLst>
               <a:ext uri="{FF2B5EF4-FFF2-40B4-BE49-F238E27FC236}">
-                <a16:creationId xmlns="" xmlns:a16="http://schemas.microsoft.com/office/drawing/2014/main" id="{387A2BAD-7558-A944-B806-7AEF1C4243D0}"/>
+                <a16:creationId xmlns:a16="http://schemas.microsoft.com/office/drawing/2014/main" xmlns="" id="{387A2BAD-7558-A944-B806-7AEF1C4243D0}"/>
               </a:ext>
             </a:extLst>
           </p:cNvPr>
@@ -13037,7 +13131,7 @@
           <p:cNvPr id="2" name="標題 1">
             <a:extLst>
               <a:ext uri="{FF2B5EF4-FFF2-40B4-BE49-F238E27FC236}">
-                <a16:creationId xmlns="" xmlns:a16="http://schemas.microsoft.com/office/drawing/2014/main" id="{979C6CD6-89CE-E846-934F-01618F2F117C}"/>
+                <a16:creationId xmlns:a16="http://schemas.microsoft.com/office/drawing/2014/main" xmlns="" id="{979C6CD6-89CE-E846-934F-01618F2F117C}"/>
               </a:ext>
             </a:extLst>
           </p:cNvPr>
@@ -13078,7 +13172,7 @@
           <p:cNvPr id="3" name="內容版面配置區 2">
             <a:extLst>
               <a:ext uri="{FF2B5EF4-FFF2-40B4-BE49-F238E27FC236}">
-                <a16:creationId xmlns="" xmlns:a16="http://schemas.microsoft.com/office/drawing/2014/main" id="{DB7FC4C6-C26F-214E-B2D6-C9ED5E2BD195}"/>
+                <a16:creationId xmlns:a16="http://schemas.microsoft.com/office/drawing/2014/main" xmlns="" id="{DB7FC4C6-C26F-214E-B2D6-C9ED5E2BD195}"/>
               </a:ext>
             </a:extLst>
           </p:cNvPr>
@@ -13170,7 +13264,7 @@
           <p:cNvPr id="5" name="日期版面配置區 4">
             <a:extLst>
               <a:ext uri="{FF2B5EF4-FFF2-40B4-BE49-F238E27FC236}">
-                <a16:creationId xmlns="" xmlns:a16="http://schemas.microsoft.com/office/drawing/2014/main" id="{B9046B7C-39BE-4A4E-B699-9748D6DA088D}"/>
+                <a16:creationId xmlns:a16="http://schemas.microsoft.com/office/drawing/2014/main" xmlns="" id="{B9046B7C-39BE-4A4E-B699-9748D6DA088D}"/>
               </a:ext>
             </a:extLst>
           </p:cNvPr>
@@ -13188,7 +13282,7 @@
           <a:p>
             <a:fld id="{75F8934F-7F83-1046-9341-02CE27D9104D}" type="datetimeFigureOut">
               <a:rPr kumimoji="1" lang="zh-TW" altLang="en-US" smtClean="0"/>
-              <a:t>2020/2/14</a:t>
+              <a:t>2020/2/15</a:t>
             </a:fld>
             <a:endParaRPr kumimoji="1" lang="zh-TW" altLang="en-US"/>
           </a:p>
@@ -13199,7 +13293,7 @@
           <p:cNvPr id="6" name="頁尾版面配置區 5">
             <a:extLst>
               <a:ext uri="{FF2B5EF4-FFF2-40B4-BE49-F238E27FC236}">
-                <a16:creationId xmlns="" xmlns:a16="http://schemas.microsoft.com/office/drawing/2014/main" id="{1AD5E07B-3935-B144-8CAF-5251EF861FDA}"/>
+                <a16:creationId xmlns:a16="http://schemas.microsoft.com/office/drawing/2014/main" xmlns="" id="{1AD5E07B-3935-B144-8CAF-5251EF861FDA}"/>
               </a:ext>
             </a:extLst>
           </p:cNvPr>
@@ -13224,7 +13318,7 @@
           <p:cNvPr id="7" name="投影片編號版面配置區 6">
             <a:extLst>
               <a:ext uri="{FF2B5EF4-FFF2-40B4-BE49-F238E27FC236}">
-                <a16:creationId xmlns="" xmlns:a16="http://schemas.microsoft.com/office/drawing/2014/main" id="{C9A0C168-E66B-E24E-B30C-62EBA9A41007}"/>
+                <a16:creationId xmlns:a16="http://schemas.microsoft.com/office/drawing/2014/main" xmlns="" id="{C9A0C168-E66B-E24E-B30C-62EBA9A41007}"/>
               </a:ext>
             </a:extLst>
           </p:cNvPr>
@@ -13253,7 +13347,7 @@
           <p:cNvPr id="8" name="圖片 7">
             <a:extLst>
               <a:ext uri="{FF2B5EF4-FFF2-40B4-BE49-F238E27FC236}">
-                <a16:creationId xmlns="" xmlns:a16="http://schemas.microsoft.com/office/drawing/2014/main" id="{5E0EAD78-AEC6-AB45-A710-DD47E43CBB16}"/>
+                <a16:creationId xmlns:a16="http://schemas.microsoft.com/office/drawing/2014/main" xmlns="" id="{5E0EAD78-AEC6-AB45-A710-DD47E43CBB16}"/>
               </a:ext>
             </a:extLst>
           </p:cNvPr>
@@ -13289,7 +13383,7 @@
           <p:cNvPr id="17" name="內容版面配置區 2">
             <a:extLst>
               <a:ext uri="{FF2B5EF4-FFF2-40B4-BE49-F238E27FC236}">
-                <a16:creationId xmlns="" xmlns:a16="http://schemas.microsoft.com/office/drawing/2014/main" id="{DB7FC4C6-C26F-214E-B2D6-C9ED5E2BD195}"/>
+                <a16:creationId xmlns:a16="http://schemas.microsoft.com/office/drawing/2014/main" xmlns="" id="{DB7FC4C6-C26F-214E-B2D6-C9ED5E2BD195}"/>
               </a:ext>
             </a:extLst>
           </p:cNvPr>
@@ -13381,7 +13475,7 @@
           <p:cNvPr id="24" name="內容版面配置區 2">
             <a:extLst>
               <a:ext uri="{FF2B5EF4-FFF2-40B4-BE49-F238E27FC236}">
-                <a16:creationId xmlns="" xmlns:a16="http://schemas.microsoft.com/office/drawing/2014/main" id="{DB7FC4C6-C26F-214E-B2D6-C9ED5E2BD195}"/>
+                <a16:creationId xmlns:a16="http://schemas.microsoft.com/office/drawing/2014/main" xmlns="" id="{DB7FC4C6-C26F-214E-B2D6-C9ED5E2BD195}"/>
               </a:ext>
             </a:extLst>
           </p:cNvPr>
@@ -13473,7 +13567,7 @@
           <p:cNvPr id="26" name="內容版面配置區 2">
             <a:extLst>
               <a:ext uri="{FF2B5EF4-FFF2-40B4-BE49-F238E27FC236}">
-                <a16:creationId xmlns="" xmlns:a16="http://schemas.microsoft.com/office/drawing/2014/main" id="{DB7FC4C6-C26F-214E-B2D6-C9ED5E2BD195}"/>
+                <a16:creationId xmlns:a16="http://schemas.microsoft.com/office/drawing/2014/main" xmlns="" id="{DB7FC4C6-C26F-214E-B2D6-C9ED5E2BD195}"/>
               </a:ext>
             </a:extLst>
           </p:cNvPr>
@@ -13565,7 +13659,7 @@
           <p:cNvPr id="27" name="內容版面配置區 2">
             <a:extLst>
               <a:ext uri="{FF2B5EF4-FFF2-40B4-BE49-F238E27FC236}">
-                <a16:creationId xmlns="" xmlns:a16="http://schemas.microsoft.com/office/drawing/2014/main" id="{DB7FC4C6-C26F-214E-B2D6-C9ED5E2BD195}"/>
+                <a16:creationId xmlns:a16="http://schemas.microsoft.com/office/drawing/2014/main" xmlns="" id="{DB7FC4C6-C26F-214E-B2D6-C9ED5E2BD195}"/>
               </a:ext>
             </a:extLst>
           </p:cNvPr>
@@ -13657,7 +13751,7 @@
           <p:cNvPr id="28" name="內容版面配置區 2">
             <a:extLst>
               <a:ext uri="{FF2B5EF4-FFF2-40B4-BE49-F238E27FC236}">
-                <a16:creationId xmlns="" xmlns:a16="http://schemas.microsoft.com/office/drawing/2014/main" id="{DB7FC4C6-C26F-214E-B2D6-C9ED5E2BD195}"/>
+                <a16:creationId xmlns:a16="http://schemas.microsoft.com/office/drawing/2014/main" xmlns="" id="{DB7FC4C6-C26F-214E-B2D6-C9ED5E2BD195}"/>
               </a:ext>
             </a:extLst>
           </p:cNvPr>
@@ -13749,7 +13843,7 @@
           <p:cNvPr id="29" name="內容版面配置區 2">
             <a:extLst>
               <a:ext uri="{FF2B5EF4-FFF2-40B4-BE49-F238E27FC236}">
-                <a16:creationId xmlns="" xmlns:a16="http://schemas.microsoft.com/office/drawing/2014/main" id="{DB7FC4C6-C26F-214E-B2D6-C9ED5E2BD195}"/>
+                <a16:creationId xmlns:a16="http://schemas.microsoft.com/office/drawing/2014/main" xmlns="" id="{DB7FC4C6-C26F-214E-B2D6-C9ED5E2BD195}"/>
               </a:ext>
             </a:extLst>
           </p:cNvPr>
@@ -13841,7 +13935,7 @@
           <p:cNvPr id="30" name="內容版面配置區 2">
             <a:extLst>
               <a:ext uri="{FF2B5EF4-FFF2-40B4-BE49-F238E27FC236}">
-                <a16:creationId xmlns="" xmlns:a16="http://schemas.microsoft.com/office/drawing/2014/main" id="{DB7FC4C6-C26F-214E-B2D6-C9ED5E2BD195}"/>
+                <a16:creationId xmlns:a16="http://schemas.microsoft.com/office/drawing/2014/main" xmlns="" id="{DB7FC4C6-C26F-214E-B2D6-C9ED5E2BD195}"/>
               </a:ext>
             </a:extLst>
           </p:cNvPr>
@@ -13933,7 +14027,7 @@
           <p:cNvPr id="31" name="內容版面配置區 2">
             <a:extLst>
               <a:ext uri="{FF2B5EF4-FFF2-40B4-BE49-F238E27FC236}">
-                <a16:creationId xmlns="" xmlns:a16="http://schemas.microsoft.com/office/drawing/2014/main" id="{DB7FC4C6-C26F-214E-B2D6-C9ED5E2BD195}"/>
+                <a16:creationId xmlns:a16="http://schemas.microsoft.com/office/drawing/2014/main" xmlns="" id="{DB7FC4C6-C26F-214E-B2D6-C9ED5E2BD195}"/>
               </a:ext>
             </a:extLst>
           </p:cNvPr>
@@ -14098,7 +14192,7 @@
           <a:p>
             <a:fld id="{75F8934F-7F83-1046-9341-02CE27D9104D}" type="datetimeFigureOut">
               <a:rPr kumimoji="1" lang="zh-TW" altLang="en-US" smtClean="0"/>
-              <a:t>2020/2/14</a:t>
+              <a:t>2020/2/15</a:t>
             </a:fld>
             <a:endParaRPr kumimoji="1" lang="zh-TW" altLang="en-US"/>
           </a:p>
@@ -14197,7 +14291,7 @@
           <p:cNvPr id="22" name="文字版面配置區 2">
             <a:extLst>
               <a:ext uri="{FF2B5EF4-FFF2-40B4-BE49-F238E27FC236}">
-                <a16:creationId xmlns="" xmlns:a16="http://schemas.microsoft.com/office/drawing/2014/main" id="{1D19DA3B-2013-E14B-A941-CC519B76AD6F}"/>
+                <a16:creationId xmlns:a16="http://schemas.microsoft.com/office/drawing/2014/main" xmlns="" id="{1D19DA3B-2013-E14B-A941-CC519B76AD6F}"/>
               </a:ext>
             </a:extLst>
           </p:cNvPr>
@@ -14602,7 +14696,7 @@
           <p:cNvPr id="28" name="文字版面配置區 2">
             <a:extLst>
               <a:ext uri="{FF2B5EF4-FFF2-40B4-BE49-F238E27FC236}">
-                <a16:creationId xmlns="" xmlns:a16="http://schemas.microsoft.com/office/drawing/2014/main" id="{1D19DA3B-2013-E14B-A941-CC519B76AD6F}"/>
+                <a16:creationId xmlns:a16="http://schemas.microsoft.com/office/drawing/2014/main" xmlns="" id="{1D19DA3B-2013-E14B-A941-CC519B76AD6F}"/>
               </a:ext>
             </a:extLst>
           </p:cNvPr>
@@ -14727,7 +14821,7 @@
           <p:cNvPr id="29" name="文字版面配置區 2">
             <a:extLst>
               <a:ext uri="{FF2B5EF4-FFF2-40B4-BE49-F238E27FC236}">
-                <a16:creationId xmlns="" xmlns:a16="http://schemas.microsoft.com/office/drawing/2014/main" id="{1D19DA3B-2013-E14B-A941-CC519B76AD6F}"/>
+                <a16:creationId xmlns:a16="http://schemas.microsoft.com/office/drawing/2014/main" xmlns="" id="{1D19DA3B-2013-E14B-A941-CC519B76AD6F}"/>
               </a:ext>
             </a:extLst>
           </p:cNvPr>
@@ -14852,7 +14946,7 @@
           <p:cNvPr id="30" name="文字版面配置區 2">
             <a:extLst>
               <a:ext uri="{FF2B5EF4-FFF2-40B4-BE49-F238E27FC236}">
-                <a16:creationId xmlns="" xmlns:a16="http://schemas.microsoft.com/office/drawing/2014/main" id="{1D19DA3B-2013-E14B-A941-CC519B76AD6F}"/>
+                <a16:creationId xmlns:a16="http://schemas.microsoft.com/office/drawing/2014/main" xmlns="" id="{1D19DA3B-2013-E14B-A941-CC519B76AD6F}"/>
               </a:ext>
             </a:extLst>
           </p:cNvPr>
@@ -14977,7 +15071,7 @@
           <p:cNvPr id="31" name="文字版面配置區 2">
             <a:extLst>
               <a:ext uri="{FF2B5EF4-FFF2-40B4-BE49-F238E27FC236}">
-                <a16:creationId xmlns="" xmlns:a16="http://schemas.microsoft.com/office/drawing/2014/main" id="{1D19DA3B-2013-E14B-A941-CC519B76AD6F}"/>
+                <a16:creationId xmlns:a16="http://schemas.microsoft.com/office/drawing/2014/main" xmlns="" id="{1D19DA3B-2013-E14B-A941-CC519B76AD6F}"/>
               </a:ext>
             </a:extLst>
           </p:cNvPr>
@@ -15102,7 +15196,7 @@
           <p:cNvPr id="32" name="圖片 31">
             <a:extLst>
               <a:ext uri="{FF2B5EF4-FFF2-40B4-BE49-F238E27FC236}">
-                <a16:creationId xmlns="" xmlns:a16="http://schemas.microsoft.com/office/drawing/2014/main" id="{5E0EAD78-AEC6-AB45-A710-DD47E43CBB16}"/>
+                <a16:creationId xmlns:a16="http://schemas.microsoft.com/office/drawing/2014/main" xmlns="" id="{5E0EAD78-AEC6-AB45-A710-DD47E43CBB16}"/>
               </a:ext>
             </a:extLst>
           </p:cNvPr>
@@ -15180,7 +15274,7 @@
           <a:p>
             <a:fld id="{75F8934F-7F83-1046-9341-02CE27D9104D}" type="datetimeFigureOut">
               <a:rPr kumimoji="1" lang="zh-TW" altLang="en-US" smtClean="0"/>
-              <a:t>2020/2/14</a:t>
+              <a:t>2020/2/15</a:t>
             </a:fld>
             <a:endParaRPr kumimoji="1" lang="zh-TW" altLang="en-US"/>
           </a:p>
@@ -15233,7 +15327,7 @@
           <p:cNvPr id="6" name="標題 1">
             <a:extLst>
               <a:ext uri="{FF2B5EF4-FFF2-40B4-BE49-F238E27FC236}">
-                <a16:creationId xmlns="" xmlns:a16="http://schemas.microsoft.com/office/drawing/2014/main" id="{AA60FC08-DB42-1443-B1D9-594B0DFFD819}"/>
+                <a16:creationId xmlns:a16="http://schemas.microsoft.com/office/drawing/2014/main" xmlns="" id="{AA60FC08-DB42-1443-B1D9-594B0DFFD819}"/>
               </a:ext>
             </a:extLst>
           </p:cNvPr>
@@ -15415,7 +15509,7 @@
           <p:cNvPr id="29" name="圖片 28">
             <a:extLst>
               <a:ext uri="{FF2B5EF4-FFF2-40B4-BE49-F238E27FC236}">
-                <a16:creationId xmlns="" xmlns:a16="http://schemas.microsoft.com/office/drawing/2014/main" id="{5E0EAD78-AEC6-AB45-A710-DD47E43CBB16}"/>
+                <a16:creationId xmlns:a16="http://schemas.microsoft.com/office/drawing/2014/main" xmlns="" id="{5E0EAD78-AEC6-AB45-A710-DD47E43CBB16}"/>
               </a:ext>
             </a:extLst>
           </p:cNvPr>
@@ -15486,7 +15580,7 @@
           <p:cNvPr id="2" name="標題版面配置區 1">
             <a:extLst>
               <a:ext uri="{FF2B5EF4-FFF2-40B4-BE49-F238E27FC236}">
-                <a16:creationId xmlns="" xmlns:a16="http://schemas.microsoft.com/office/drawing/2014/main" id="{94C8FF7A-2620-884D-9FB3-5AB36BFB548D}"/>
+                <a16:creationId xmlns:a16="http://schemas.microsoft.com/office/drawing/2014/main" xmlns="" id="{94C8FF7A-2620-884D-9FB3-5AB36BFB548D}"/>
               </a:ext>
             </a:extLst>
           </p:cNvPr>
@@ -15524,7 +15618,7 @@
           <p:cNvPr id="3" name="文字版面配置區 2">
             <a:extLst>
               <a:ext uri="{FF2B5EF4-FFF2-40B4-BE49-F238E27FC236}">
-                <a16:creationId xmlns="" xmlns:a16="http://schemas.microsoft.com/office/drawing/2014/main" id="{53B0CFF8-A290-1148-B62C-B24910D4324A}"/>
+                <a16:creationId xmlns:a16="http://schemas.microsoft.com/office/drawing/2014/main" xmlns="" id="{53B0CFF8-A290-1148-B62C-B24910D4324A}"/>
               </a:ext>
             </a:extLst>
           </p:cNvPr>
@@ -15591,7 +15685,7 @@
           <p:cNvPr id="4" name="日期版面配置區 3">
             <a:extLst>
               <a:ext uri="{FF2B5EF4-FFF2-40B4-BE49-F238E27FC236}">
-                <a16:creationId xmlns="" xmlns:a16="http://schemas.microsoft.com/office/drawing/2014/main" id="{6A059F25-1F05-934B-A3C3-A243C45024BD}"/>
+                <a16:creationId xmlns:a16="http://schemas.microsoft.com/office/drawing/2014/main" xmlns="" id="{6A059F25-1F05-934B-A3C3-A243C45024BD}"/>
               </a:ext>
             </a:extLst>
           </p:cNvPr>
@@ -15627,7 +15721,7 @@
           <a:p>
             <a:fld id="{75F8934F-7F83-1046-9341-02CE27D9104D}" type="datetimeFigureOut">
               <a:rPr kumimoji="1" lang="zh-TW" altLang="en-US" smtClean="0"/>
-              <a:t>2020/2/14</a:t>
+              <a:t>2020/2/15</a:t>
             </a:fld>
             <a:endParaRPr kumimoji="1" lang="zh-TW" altLang="en-US"/>
           </a:p>
@@ -15638,7 +15732,7 @@
           <p:cNvPr id="5" name="頁尾版面配置區 4">
             <a:extLst>
               <a:ext uri="{FF2B5EF4-FFF2-40B4-BE49-F238E27FC236}">
-                <a16:creationId xmlns="" xmlns:a16="http://schemas.microsoft.com/office/drawing/2014/main" id="{96F5D358-7817-1940-9383-7E6BF6DB94C4}"/>
+                <a16:creationId xmlns:a16="http://schemas.microsoft.com/office/drawing/2014/main" xmlns="" id="{96F5D358-7817-1940-9383-7E6BF6DB94C4}"/>
               </a:ext>
             </a:extLst>
           </p:cNvPr>
@@ -15681,7 +15775,7 @@
           <p:cNvPr id="6" name="投影片編號版面配置區 5">
             <a:extLst>
               <a:ext uri="{FF2B5EF4-FFF2-40B4-BE49-F238E27FC236}">
-                <a16:creationId xmlns="" xmlns:a16="http://schemas.microsoft.com/office/drawing/2014/main" id="{42AF2059-64BB-A041-B166-4ABAE4368C85}"/>
+                <a16:creationId xmlns:a16="http://schemas.microsoft.com/office/drawing/2014/main" xmlns="" id="{42AF2059-64BB-A041-B166-4ABAE4368C85}"/>
               </a:ext>
             </a:extLst>
           </p:cNvPr>
@@ -16063,7 +16157,7 @@
           <p:cNvPr id="2" name="標題 1">
             <a:extLst>
               <a:ext uri="{FF2B5EF4-FFF2-40B4-BE49-F238E27FC236}">
-                <a16:creationId xmlns="" xmlns:a16="http://schemas.microsoft.com/office/drawing/2014/main" id="{21D1F93B-0172-6544-80FA-8E4F07C59D60}"/>
+                <a16:creationId xmlns:a16="http://schemas.microsoft.com/office/drawing/2014/main" xmlns="" id="{21D1F93B-0172-6544-80FA-8E4F07C59D60}"/>
               </a:ext>
             </a:extLst>
           </p:cNvPr>
@@ -16092,7 +16186,7 @@
           <p:cNvPr id="3" name="副標題 2">
             <a:extLst>
               <a:ext uri="{FF2B5EF4-FFF2-40B4-BE49-F238E27FC236}">
-                <a16:creationId xmlns="" xmlns:a16="http://schemas.microsoft.com/office/drawing/2014/main" id="{EF107643-09F5-CF46-B8BB-0DC1151E4CD0}"/>
+                <a16:creationId xmlns:a16="http://schemas.microsoft.com/office/drawing/2014/main" xmlns="" id="{EF107643-09F5-CF46-B8BB-0DC1151E4CD0}"/>
               </a:ext>
             </a:extLst>
           </p:cNvPr>
@@ -16117,7 +16211,7 @@
           <p:cNvPr id="6" name="文字版面配置區 5">
             <a:extLst>
               <a:ext uri="{FF2B5EF4-FFF2-40B4-BE49-F238E27FC236}">
-                <a16:creationId xmlns="" xmlns:a16="http://schemas.microsoft.com/office/drawing/2014/main" id="{EC4C7251-0CC8-BC4A-A90C-9020762D8B31}"/>
+                <a16:creationId xmlns:a16="http://schemas.microsoft.com/office/drawing/2014/main" xmlns="" id="{EC4C7251-0CC8-BC4A-A90C-9020762D8B31}"/>
               </a:ext>
             </a:extLst>
           </p:cNvPr>
@@ -16153,6 +16247,13 @@
   <p:clrMapOvr>
     <a:masterClrMapping/>
   </p:clrMapOvr>
+  <p:timing>
+    <p:tnLst>
+      <p:par>
+        <p:cTn id="1" dur="indefinite" restart="never" nodeType="tmRoot"/>
+      </p:par>
+    </p:tnLst>
+  </p:timing>
 </p:sld>
 </file>
 
@@ -16277,7 +16378,7 @@
             </a:r>
             <a:r>
               <a:rPr lang="en-US" altLang="zh-CN" sz="1600" b="0" dirty="0" err="1" smtClean="0"/>
-              <a:t>qinwei</a:t>
+              <a:t>mallWeb</a:t>
             </a:r>
             <a:endParaRPr lang="en-US" altLang="zh-CN" sz="1600" b="0" dirty="0" smtClean="0"/>
           </a:p>
@@ -16398,6 +16499,13 @@
   <p:clrMapOvr>
     <a:masterClrMapping/>
   </p:clrMapOvr>
+  <p:timing>
+    <p:tnLst>
+      <p:par>
+        <p:cTn id="1" dur="indefinite" restart="never" nodeType="tmRoot"/>
+      </p:par>
+    </p:tnLst>
+  </p:timing>
 </p:sld>
 </file>
 
@@ -16673,6 +16781,13 @@
   <p:clrMapOvr>
     <a:masterClrMapping/>
   </p:clrMapOvr>
+  <p:timing>
+    <p:tnLst>
+      <p:par>
+        <p:cTn id="1" dur="indefinite" restart="never" nodeType="tmRoot"/>
+      </p:par>
+    </p:tnLst>
+  </p:timing>
 </p:sld>
 </file>
 
@@ -16779,15 +16894,11 @@
             </a:r>
             <a:r>
               <a:rPr lang="en-US" altLang="zh-TW" sz="2000" b="0" dirty="0"/>
-              <a:t>:</a:t>
-            </a:r>
-            <a:r>
-              <a:rPr lang="en-US" altLang="zh-TW" sz="2000" b="0" i="1" dirty="0"/>
-              <a:t>//localhost:443/myRepo/config-repo</a:t>
-            </a:r>
-            <a:r>
-              <a:rPr lang="en-US" altLang="zh-TW" sz="2000" b="0" dirty="0"/>
-              <a:t> </a:t>
+              <a:t>://</a:t>
+            </a:r>
+            <a:r>
+              <a:rPr lang="en-US" altLang="zh-TW" sz="2000" b="0" dirty="0" smtClean="0"/>
+              <a:t>localhost:443/myRepo/mallWeb</a:t>
             </a:r>
             <a:endParaRPr lang="en-US" altLang="zh-TW" sz="2000" b="0" dirty="0" smtClean="0"/>
           </a:p>
@@ -16854,6 +16965,13 @@
   <p:clrMapOvr>
     <a:masterClrMapping/>
   </p:clrMapOvr>
+  <p:timing>
+    <p:tnLst>
+      <p:par>
+        <p:cTn id="1" dur="indefinite" restart="never" nodeType="tmRoot"/>
+      </p:par>
+    </p:tnLst>
+  </p:timing>
 </p:sld>
 </file>
 
@@ -16890,6 +17008,10 @@
           <a:lstStyle/>
           <a:p>
             <a:r>
+              <a:rPr lang="zh-CN" altLang="en-US" dirty="0" smtClean="0"/>
+              <a:t>設定多個倉庫</a:t>
+            </a:r>
+            <a:r>
               <a:rPr lang="en-US" altLang="zh-TW" dirty="0" smtClean="0"/>
               <a:t>Repos</a:t>
             </a:r>
@@ -16931,7 +17053,163 @@
           <a:bodyPr/>
           <a:lstStyle/>
           <a:p>
-            <a:endParaRPr lang="zh-TW" altLang="en-US"/>
+            <a:r>
+              <a:rPr lang="zh-CN" altLang="en-US" dirty="0"/>
+              <a:t>相關設置</a:t>
+            </a:r>
+            <a:endParaRPr lang="en-US" altLang="zh-TW" dirty="0"/>
+          </a:p>
+          <a:p>
+            <a:pPr marL="342900" indent="-342900">
+              <a:buFont typeface="Arial" panose="020B0604020202020204" pitchFamily="34" charset="0"/>
+              <a:buChar char="•"/>
+            </a:pPr>
+            <a:r>
+              <a:rPr lang="en-US" altLang="zh-TW" sz="2000" b="0" dirty="0" err="1"/>
+              <a:t>spring.cloud.config.server</a:t>
+            </a:r>
+            <a:r>
+              <a:rPr lang="en-US" altLang="zh-TW" sz="2000" b="0" dirty="0" err="1">
+                <a:solidFill>
+                  <a:schemeClr val="accent1"/>
+                </a:solidFill>
+              </a:rPr>
+              <a:t>.git.repos</a:t>
+            </a:r>
+            <a:r>
+              <a:rPr lang="en-US" altLang="zh-TW" sz="2000" b="0" dirty="0" err="1"/>
+              <a:t>.dev.</a:t>
+            </a:r>
+            <a:r>
+              <a:rPr lang="en-US" altLang="zh-TW" sz="2000" dirty="0" err="1"/>
+              <a:t>pattern</a:t>
+            </a:r>
+            <a:r>
+              <a:rPr lang="en-US" altLang="zh-TW" sz="2000" b="0" dirty="0"/>
+              <a:t>=dev</a:t>
+            </a:r>
+            <a:r>
+              <a:rPr lang="en-US" altLang="zh-TW" sz="2000" b="0" dirty="0" smtClean="0"/>
+              <a:t>/*</a:t>
+            </a:r>
+            <a:endParaRPr lang="en-US" altLang="zh-TW" sz="2000" b="0" dirty="0"/>
+          </a:p>
+          <a:p>
+            <a:pPr marL="342900" indent="-342900">
+              <a:buFont typeface="Arial" panose="020B0604020202020204" pitchFamily="34" charset="0"/>
+              <a:buChar char="•"/>
+            </a:pPr>
+            <a:r>
+              <a:rPr lang="en-US" altLang="zh-TW" sz="2000" b="0" dirty="0" err="1"/>
+              <a:t>spring.cloud.config.server</a:t>
+            </a:r>
+            <a:r>
+              <a:rPr lang="en-US" altLang="zh-TW" sz="2000" b="0" dirty="0" err="1">
+                <a:solidFill>
+                  <a:schemeClr val="accent1"/>
+                </a:solidFill>
+              </a:rPr>
+              <a:t>.git.repos</a:t>
+            </a:r>
+            <a:r>
+              <a:rPr lang="en-US" altLang="zh-TW" sz="2000" b="0" dirty="0" err="1"/>
+              <a:t>.dev.uri</a:t>
+            </a:r>
+            <a:r>
+              <a:rPr lang="en-US" altLang="zh-TW" sz="2000" b="0" dirty="0"/>
+              <a:t>=https</a:t>
+            </a:r>
+            <a:r>
+              <a:rPr lang="en-US" altLang="zh-TW" sz="2000" b="0" dirty="0"/>
+              <a:t>://</a:t>
+            </a:r>
+            <a:r>
+              <a:rPr lang="en-US" altLang="zh-TW" sz="2000" b="0" dirty="0" smtClean="0"/>
+              <a:t>gitlab.hitrust.com.tw/</a:t>
+            </a:r>
+            <a:r>
+              <a:rPr lang="en-US" altLang="zh-CN" sz="2000" b="0" dirty="0" smtClean="0"/>
+              <a:t>dev</a:t>
+            </a:r>
+            <a:r>
+              <a:rPr lang="en-US" altLang="zh-TW" sz="2000" b="0" dirty="0" smtClean="0"/>
+              <a:t>/{</a:t>
+            </a:r>
+            <a:r>
+              <a:rPr lang="en-US" altLang="zh-TW" sz="2000" b="0" dirty="0"/>
+              <a:t>application}.</a:t>
+            </a:r>
+            <a:r>
+              <a:rPr lang="en-US" altLang="zh-TW" sz="2000" b="0" dirty="0" smtClean="0"/>
+              <a:t>git</a:t>
+            </a:r>
+            <a:endParaRPr lang="en-US" altLang="zh-TW" sz="2000" b="0" dirty="0"/>
+          </a:p>
+          <a:p>
+            <a:pPr marL="342900" indent="-342900">
+              <a:buFont typeface="Arial" panose="020B0604020202020204" pitchFamily="34" charset="0"/>
+              <a:buChar char="•"/>
+            </a:pPr>
+            <a:r>
+              <a:rPr lang="en-US" altLang="zh-TW" sz="2000" b="0" dirty="0" err="1"/>
+              <a:t>spring.cloud.config.server</a:t>
+            </a:r>
+            <a:r>
+              <a:rPr lang="en-US" altLang="zh-TW" sz="2000" b="0" dirty="0" err="1">
+                <a:solidFill>
+                  <a:srgbClr val="FF0000"/>
+                </a:solidFill>
+              </a:rPr>
+              <a:t>.svn.repos</a:t>
+            </a:r>
+            <a:r>
+              <a:rPr lang="en-US" altLang="zh-TW" sz="2000" b="0" dirty="0" err="1"/>
+              <a:t>.test.</a:t>
+            </a:r>
+            <a:r>
+              <a:rPr lang="en-US" altLang="zh-TW" sz="2000" dirty="0" err="1"/>
+              <a:t>pattern</a:t>
+            </a:r>
+            <a:r>
+              <a:rPr lang="en-US" altLang="zh-TW" sz="2000" b="0" dirty="0"/>
+              <a:t>=test</a:t>
+            </a:r>
+            <a:r>
+              <a:rPr lang="en-US" altLang="zh-TW" sz="2000" b="0" dirty="0" smtClean="0"/>
+              <a:t>/*</a:t>
+            </a:r>
+            <a:endParaRPr lang="en-US" altLang="zh-TW" sz="2000" b="0" dirty="0"/>
+          </a:p>
+          <a:p>
+            <a:pPr marL="342900" indent="-342900">
+              <a:buFont typeface="Arial" panose="020B0604020202020204" pitchFamily="34" charset="0"/>
+              <a:buChar char="•"/>
+            </a:pPr>
+            <a:r>
+              <a:rPr lang="en-US" altLang="zh-TW" sz="2000" b="0" dirty="0" err="1"/>
+              <a:t>spring.cloud.config.server.</a:t>
+            </a:r>
+            <a:r>
+              <a:rPr lang="en-US" altLang="zh-TW" sz="2000" b="0" dirty="0" err="1">
+                <a:solidFill>
+                  <a:srgbClr val="FF0000"/>
+                </a:solidFill>
+              </a:rPr>
+              <a:t>svn.repos</a:t>
+            </a:r>
+            <a:r>
+              <a:rPr lang="en-US" altLang="zh-TW" sz="2000" b="0" dirty="0" err="1"/>
+              <a:t>.test.uri</a:t>
+            </a:r>
+            <a:r>
+              <a:rPr lang="en-US" altLang="zh-TW" sz="2000" b="0" dirty="0"/>
+              <a:t>=https</a:t>
+            </a:r>
+            <a:r>
+              <a:rPr lang="en-US" altLang="zh-TW" sz="2000" b="0" dirty="0"/>
+              <a:t>://gitlab.hitrust.com.tw/test/{application}.svn</a:t>
+            </a:r>
+            <a:endParaRPr lang="zh-TW" altLang="en-US" sz="2000" b="0" dirty="0"/>
           </a:p>
         </p:txBody>
       </p:sp>
@@ -16945,6 +17223,13 @@
   <p:clrMapOvr>
     <a:masterClrMapping/>
   </p:clrMapOvr>
+  <p:timing>
+    <p:tnLst>
+      <p:par>
+        <p:cTn id="1" dur="indefinite" restart="never" nodeType="tmRoot"/>
+      </p:par>
+    </p:tnLst>
+  </p:timing>
 </p:sld>
 </file>
 
@@ -16967,7 +17252,7 @@
       </p:grpSpPr>
       <p:sp>
         <p:nvSpPr>
-          <p:cNvPr id="4" name="標題 3"/>
+          <p:cNvPr id="2" name="標題 1"/>
           <p:cNvSpPr>
             <a:spLocks noGrp="1"/>
           </p:cNvSpPr>
@@ -16980,30 +17265,30 @@
           <a:bodyPr/>
           <a:lstStyle/>
           <a:p>
-            <a:r>
-              <a:rPr lang="en-US" altLang="zh-TW" dirty="0" smtClean="0"/>
-              <a:t>2. </a:t>
-            </a:r>
             <a:r>
               <a:rPr lang="en-US" altLang="zh-TW" dirty="0" err="1" smtClean="0"/>
               <a:t>Config</a:t>
             </a:r>
             <a:r>
-              <a:rPr lang="zh-CN" altLang="en-US" dirty="0"/>
-              <a:t>的自動化更新</a:t>
-            </a:r>
-            <a:endParaRPr lang="en-US" altLang="zh-TW" dirty="0"/>
-          </a:p>
-        </p:txBody>
-      </p:sp>
-      <p:sp>
-        <p:nvSpPr>
-          <p:cNvPr id="5" name="文字版面配置區 4"/>
-          <p:cNvSpPr>
-            <a:spLocks noGrp="1"/>
-          </p:cNvSpPr>
-          <p:nvPr>
-            <p:ph type="body" idx="1"/>
+              <a:rPr lang="en-US" altLang="zh-TW" dirty="0" smtClean="0"/>
+              <a:t> Client </a:t>
+            </a:r>
+            <a:r>
+              <a:rPr lang="zh-CN" altLang="en-US" dirty="0" smtClean="0"/>
+              <a:t>連接</a:t>
+            </a:r>
+            <a:endParaRPr lang="zh-TW" altLang="en-US" dirty="0"/>
+          </a:p>
+        </p:txBody>
+      </p:sp>
+      <p:sp>
+        <p:nvSpPr>
+          <p:cNvPr id="3" name="內容版面配置區 2"/>
+          <p:cNvSpPr>
+            <a:spLocks noGrp="1"/>
+          </p:cNvSpPr>
+          <p:nvPr>
+            <p:ph sz="quarter" idx="13"/>
           </p:nvPr>
         </p:nvSpPr>
         <p:spPr/>
@@ -17011,20 +17296,154 @@
           <a:bodyPr/>
           <a:lstStyle/>
           <a:p>
-            <a:endParaRPr lang="zh-TW" altLang="en-US" dirty="0"/>
+            <a:endParaRPr lang="zh-TW" altLang="en-US"/>
+          </a:p>
+        </p:txBody>
+      </p:sp>
+      <p:pic>
+        <p:nvPicPr>
+          <p:cNvPr id="7" name="內容版面配置區 6"/>
+          <p:cNvPicPr>
+            <a:picLocks noGrp="1" noChangeAspect="1"/>
+          </p:cNvPicPr>
+          <p:nvPr>
+            <p:ph sz="half" idx="1"/>
+          </p:nvPr>
+        </p:nvPicPr>
+        <p:blipFill>
+          <a:blip r:embed="rId2">
+            <a:extLst>
+              <a:ext uri="{28A0092B-C50C-407E-A947-70E740481C1C}">
+                <a14:useLocalDpi xmlns:a14="http://schemas.microsoft.com/office/drawing/2010/main" val="0"/>
+              </a:ext>
+            </a:extLst>
+          </a:blip>
+          <a:stretch>
+            <a:fillRect/>
+          </a:stretch>
+        </p:blipFill>
+        <p:spPr>
+          <a:xfrm>
+            <a:off x="1170776" y="2711329"/>
+            <a:ext cx="7364017" cy="2709757"/>
+          </a:xfrm>
+        </p:spPr>
+      </p:pic>
+      <p:sp>
+        <p:nvSpPr>
+          <p:cNvPr id="5" name="矩形 4"/>
+          <p:cNvSpPr/>
+          <p:nvPr/>
+        </p:nvSpPr>
+        <p:spPr>
+          <a:xfrm>
+            <a:off x="1828799" y="3670662"/>
+            <a:ext cx="5016137" cy="1750423"/>
+          </a:xfrm>
+          <a:prstGeom prst="rect">
+            <a:avLst/>
+          </a:prstGeom>
+          <a:noFill/>
+          <a:ln>
+            <a:solidFill>
+              <a:srgbClr val="FF0000"/>
+            </a:solidFill>
+          </a:ln>
+        </p:spPr>
+        <p:style>
+          <a:lnRef idx="2">
+            <a:schemeClr val="accent2"/>
+          </a:lnRef>
+          <a:fillRef idx="1">
+            <a:schemeClr val="lt1"/>
+          </a:fillRef>
+          <a:effectRef idx="0">
+            <a:schemeClr val="accent2"/>
+          </a:effectRef>
+          <a:fontRef idx="minor">
+            <a:schemeClr val="dk1"/>
+          </a:fontRef>
+        </p:style>
+        <p:txBody>
+          <a:bodyPr rtlCol="0" anchor="ctr"/>
+          <a:lstStyle/>
+          <a:p>
+            <a:pPr algn="ctr"/>
+            <a:endParaRPr lang="zh-TW" altLang="en-US"/>
+          </a:p>
+        </p:txBody>
+      </p:sp>
+      <p:sp>
+        <p:nvSpPr>
+          <p:cNvPr id="4" name="文字方塊 3"/>
+          <p:cNvSpPr txBox="1"/>
+          <p:nvPr/>
+        </p:nvSpPr>
+        <p:spPr>
+          <a:xfrm>
+            <a:off x="6844936" y="4170623"/>
+            <a:ext cx="1898405" cy="369332"/>
+          </a:xfrm>
+          <a:prstGeom prst="rect">
+            <a:avLst/>
+          </a:prstGeom>
+          <a:noFill/>
+        </p:spPr>
+        <p:txBody>
+          <a:bodyPr wrap="none" rtlCol="0">
+            <a:spAutoFit/>
+          </a:bodyPr>
+          <a:lstStyle/>
+          <a:p>
+            <a:r>
+              <a:rPr lang="zh-CN" altLang="en-US" dirty="0" smtClean="0">
+                <a:solidFill>
+                  <a:schemeClr val="accent2"/>
+                </a:solidFill>
+              </a:rPr>
+              <a:t>連接</a:t>
+            </a:r>
+            <a:r>
+              <a:rPr lang="en-US" altLang="zh-CN" dirty="0" err="1" smtClean="0">
+                <a:solidFill>
+                  <a:schemeClr val="accent2"/>
+                </a:solidFill>
+              </a:rPr>
+              <a:t>Config</a:t>
+            </a:r>
+            <a:r>
+              <a:rPr lang="en-US" altLang="zh-CN" dirty="0" smtClean="0">
+                <a:solidFill>
+                  <a:schemeClr val="accent2"/>
+                </a:solidFill>
+              </a:rPr>
+              <a:t> Server</a:t>
+            </a:r>
+            <a:endParaRPr lang="zh-TW" altLang="en-US" dirty="0">
+              <a:solidFill>
+                <a:schemeClr val="accent2"/>
+              </a:solidFill>
+            </a:endParaRPr>
           </a:p>
         </p:txBody>
       </p:sp>
     </p:spTree>
     <p:extLst>
       <p:ext uri="{BB962C8B-B14F-4D97-AF65-F5344CB8AC3E}">
-        <p14:creationId xmlns:p14="http://schemas.microsoft.com/office/powerpoint/2010/main" val="3402392212"/>
+        <p14:creationId xmlns:p14="http://schemas.microsoft.com/office/powerpoint/2010/main" val="1239988259"/>
       </p:ext>
     </p:extLst>
   </p:cSld>
   <p:clrMapOvr>
     <a:masterClrMapping/>
   </p:clrMapOvr>
+  <p:timing>
+    <p:tnLst>
+      <p:par>
+        <p:cTn id="1" dur="indefinite" restart="never" nodeType="tmRoot"/>
+      </p:par>
+    </p:tnLst>
+  </p:timing>
 </p:sld>
 </file>
 
@@ -17047,6 +17466,93 @@
       </p:grpSpPr>
       <p:sp>
         <p:nvSpPr>
+          <p:cNvPr id="4" name="標題 3"/>
+          <p:cNvSpPr>
+            <a:spLocks noGrp="1"/>
+          </p:cNvSpPr>
+          <p:nvPr>
+            <p:ph type="title"/>
+          </p:nvPr>
+        </p:nvSpPr>
+        <p:spPr/>
+        <p:txBody>
+          <a:bodyPr/>
+          <a:lstStyle/>
+          <a:p>
+            <a:r>
+              <a:rPr lang="en-US" altLang="zh-TW" dirty="0" smtClean="0"/>
+              <a:t>2. </a:t>
+            </a:r>
+            <a:r>
+              <a:rPr lang="en-US" altLang="zh-TW" dirty="0" err="1" smtClean="0"/>
+              <a:t>Config</a:t>
+            </a:r>
+            <a:r>
+              <a:rPr lang="zh-CN" altLang="en-US" dirty="0"/>
+              <a:t>的自動化更新</a:t>
+            </a:r>
+            <a:endParaRPr lang="en-US" altLang="zh-TW" dirty="0"/>
+          </a:p>
+        </p:txBody>
+      </p:sp>
+      <p:sp>
+        <p:nvSpPr>
+          <p:cNvPr id="5" name="文字版面配置區 4"/>
+          <p:cNvSpPr>
+            <a:spLocks noGrp="1"/>
+          </p:cNvSpPr>
+          <p:nvPr>
+            <p:ph type="body" idx="1"/>
+          </p:nvPr>
+        </p:nvSpPr>
+        <p:spPr/>
+        <p:txBody>
+          <a:bodyPr/>
+          <a:lstStyle/>
+          <a:p>
+            <a:endParaRPr lang="zh-TW" altLang="en-US" dirty="0"/>
+          </a:p>
+        </p:txBody>
+      </p:sp>
+    </p:spTree>
+    <p:extLst>
+      <p:ext uri="{BB962C8B-B14F-4D97-AF65-F5344CB8AC3E}">
+        <p14:creationId xmlns:p14="http://schemas.microsoft.com/office/powerpoint/2010/main" val="3402392212"/>
+      </p:ext>
+    </p:extLst>
+  </p:cSld>
+  <p:clrMapOvr>
+    <a:masterClrMapping/>
+  </p:clrMapOvr>
+  <p:timing>
+    <p:tnLst>
+      <p:par>
+        <p:cTn id="1" dur="indefinite" restart="never" nodeType="tmRoot"/>
+      </p:par>
+    </p:tnLst>
+  </p:timing>
+</p:sld>
+</file>
+
+<file path=ppt/slides/slide16.xml><?xml version="1.0" encoding="utf-8"?>
+<p:sld xmlns:a="http://schemas.openxmlformats.org/drawingml/2006/main" xmlns:r="http://schemas.openxmlformats.org/officeDocument/2006/relationships" xmlns:p="http://schemas.openxmlformats.org/presentationml/2006/main">
+  <p:cSld>
+    <p:spTree>
+      <p:nvGrpSpPr>
+        <p:cNvPr id="1" name=""/>
+        <p:cNvGrpSpPr/>
+        <p:nvPr/>
+      </p:nvGrpSpPr>
+      <p:grpSpPr>
+        <a:xfrm>
+          <a:off x="0" y="0"/>
+          <a:ext cx="0" cy="0"/>
+          <a:chOff x="0" y="0"/>
+          <a:chExt cx="0" cy="0"/>
+        </a:xfrm>
+      </p:grpSpPr>
+      <p:sp>
+        <p:nvSpPr>
           <p:cNvPr id="2" name="標題 1"/>
           <p:cNvSpPr>
             <a:spLocks noGrp="1"/>
@@ -17480,10 +17986,17 @@
   <p:clrMapOvr>
     <a:masterClrMapping/>
   </p:clrMapOvr>
+  <p:timing>
+    <p:tnLst>
+      <p:par>
+        <p:cTn id="1" dur="indefinite" restart="never" nodeType="tmRoot"/>
+      </p:par>
+    </p:tnLst>
+  </p:timing>
 </p:sld>
 </file>
 
-<file path=ppt/slides/slide16.xml><?xml version="1.0" encoding="utf-8"?>
+<file path=ppt/slides/slide17.xml><?xml version="1.0" encoding="utf-8"?>
 <p:sld xmlns:a="http://schemas.openxmlformats.org/drawingml/2006/main" xmlns:r="http://schemas.openxmlformats.org/officeDocument/2006/relationships" xmlns:p="http://schemas.openxmlformats.org/presentationml/2006/main">
   <p:cSld>
     <p:spTree>
@@ -17593,10 +18106,17 @@
   <p:clrMapOvr>
     <a:masterClrMapping/>
   </p:clrMapOvr>
+  <p:timing>
+    <p:tnLst>
+      <p:par>
+        <p:cTn id="1" dur="indefinite" restart="never" nodeType="tmRoot"/>
+      </p:par>
+    </p:tnLst>
+  </p:timing>
 </p:sld>
 </file>
 
-<file path=ppt/slides/slide17.xml><?xml version="1.0" encoding="utf-8"?>
+<file path=ppt/slides/slide18.xml><?xml version="1.0" encoding="utf-8"?>
 <p:sld xmlns:a="http://schemas.openxmlformats.org/drawingml/2006/main" xmlns:r="http://schemas.openxmlformats.org/officeDocument/2006/relationships" xmlns:p="http://schemas.openxmlformats.org/presentationml/2006/main">
   <p:cSld>
     <p:spTree>
@@ -17814,10 +18334,17 @@
   <p:clrMapOvr>
     <a:masterClrMapping/>
   </p:clrMapOvr>
+  <p:timing>
+    <p:tnLst>
+      <p:par>
+        <p:cTn id="1" dur="indefinite" restart="never" nodeType="tmRoot"/>
+      </p:par>
+    </p:tnLst>
+  </p:timing>
 </p:sld>
 </file>
 
-<file path=ppt/slides/slide18.xml><?xml version="1.0" encoding="utf-8"?>
+<file path=ppt/slides/slide19.xml><?xml version="1.0" encoding="utf-8"?>
 <p:sld xmlns:a="http://schemas.openxmlformats.org/drawingml/2006/main" xmlns:r="http://schemas.openxmlformats.org/officeDocument/2006/relationships" xmlns:p="http://schemas.openxmlformats.org/presentationml/2006/main">
   <p:cSld>
     <p:spTree>
@@ -17923,10 +18450,155 @@
   <p:clrMapOvr>
     <a:masterClrMapping/>
   </p:clrMapOvr>
+  <p:timing>
+    <p:tnLst>
+      <p:par>
+        <p:cTn id="1" dur="indefinite" restart="never" nodeType="tmRoot"/>
+      </p:par>
+    </p:tnLst>
+  </p:timing>
 </p:sld>
 </file>
 
-<file path=ppt/slides/slide19.xml><?xml version="1.0" encoding="utf-8"?>
+<file path=ppt/slides/slide2.xml><?xml version="1.0" encoding="utf-8"?>
+<p:sld xmlns:a="http://schemas.openxmlformats.org/drawingml/2006/main" xmlns:r="http://schemas.openxmlformats.org/officeDocument/2006/relationships" xmlns:p="http://schemas.openxmlformats.org/presentationml/2006/main">
+  <p:cSld>
+    <p:spTree>
+      <p:nvGrpSpPr>
+        <p:cNvPr id="1" name=""/>
+        <p:cNvGrpSpPr/>
+        <p:nvPr/>
+      </p:nvGrpSpPr>
+      <p:grpSpPr>
+        <a:xfrm>
+          <a:off x="0" y="0"/>
+          <a:ext cx="0" cy="0"/>
+          <a:chOff x="0" y="0"/>
+          <a:chExt cx="0" cy="0"/>
+        </a:xfrm>
+      </p:grpSpPr>
+      <p:sp>
+        <p:nvSpPr>
+          <p:cNvPr id="5" name="標題 4"/>
+          <p:cNvSpPr>
+            <a:spLocks noGrp="1"/>
+          </p:cNvSpPr>
+          <p:nvPr>
+            <p:ph type="title"/>
+          </p:nvPr>
+        </p:nvSpPr>
+        <p:spPr/>
+        <p:txBody>
+          <a:bodyPr/>
+          <a:lstStyle/>
+          <a:p>
+            <a:r>
+              <a:rPr lang="zh-TW" altLang="en-US" dirty="0"/>
+              <a:t>目錄</a:t>
+            </a:r>
+          </a:p>
+        </p:txBody>
+      </p:sp>
+      <p:sp>
+        <p:nvSpPr>
+          <p:cNvPr id="6" name="內容版面配置區 5"/>
+          <p:cNvSpPr>
+            <a:spLocks noGrp="1"/>
+          </p:cNvSpPr>
+          <p:nvPr>
+            <p:ph sz="quarter" idx="13"/>
+          </p:nvPr>
+        </p:nvSpPr>
+        <p:spPr/>
+        <p:txBody>
+          <a:bodyPr/>
+          <a:lstStyle/>
+          <a:p>
+            <a:r>
+              <a:rPr lang="zh-CN" altLang="en-US" dirty="0"/>
+              <a:t>微服務配置中心</a:t>
+            </a:r>
+            <a:r>
+              <a:rPr lang="en-US" altLang="zh-CN" dirty="0" err="1" smtClean="0"/>
+              <a:t>Config</a:t>
+            </a:r>
+            <a:endParaRPr lang="en-US" altLang="zh-CN" dirty="0" smtClean="0"/>
+          </a:p>
+          <a:p>
+            <a:r>
+              <a:rPr lang="en-US" altLang="zh-TW" dirty="0" err="1"/>
+              <a:t>Config</a:t>
+            </a:r>
+            <a:r>
+              <a:rPr lang="zh-CN" altLang="en-US" dirty="0"/>
+              <a:t>的自動化</a:t>
+            </a:r>
+            <a:r>
+              <a:rPr lang="zh-CN" altLang="en-US" dirty="0" smtClean="0"/>
+              <a:t>更新</a:t>
+            </a:r>
+            <a:endParaRPr lang="en-US" altLang="zh-CN" dirty="0" smtClean="0"/>
+          </a:p>
+          <a:p>
+            <a:r>
+              <a:rPr lang="en-US" altLang="zh-CN" dirty="0" err="1"/>
+              <a:t>Config</a:t>
+            </a:r>
+            <a:r>
+              <a:rPr lang="zh-CN" altLang="en-US" dirty="0"/>
+              <a:t>應用</a:t>
+            </a:r>
+            <a:r>
+              <a:rPr lang="zh-CN" altLang="en-US" dirty="0" smtClean="0"/>
+              <a:t>場景</a:t>
+            </a:r>
+            <a:endParaRPr lang="en-US" altLang="zh-CN" dirty="0" smtClean="0"/>
+          </a:p>
+          <a:p>
+            <a:r>
+              <a:rPr lang="en-US" altLang="zh-CN" dirty="0" err="1"/>
+              <a:t>Config</a:t>
+            </a:r>
+            <a:r>
+              <a:rPr lang="en-US" altLang="zh-CN" dirty="0"/>
+              <a:t> </a:t>
+            </a:r>
+            <a:r>
+              <a:rPr lang="zh-CN" altLang="en-US" dirty="0"/>
+              <a:t>案例</a:t>
+            </a:r>
+            <a:r>
+              <a:rPr lang="zh-CN" altLang="en-US" dirty="0" smtClean="0"/>
+              <a:t>說明</a:t>
+            </a:r>
+            <a:endParaRPr lang="en-US" altLang="zh-CN" dirty="0" smtClean="0"/>
+          </a:p>
+          <a:p>
+            <a:endParaRPr lang="zh-TW" altLang="en-US" dirty="0"/>
+          </a:p>
+        </p:txBody>
+      </p:sp>
+    </p:spTree>
+    <p:extLst>
+      <p:ext uri="{BB962C8B-B14F-4D97-AF65-F5344CB8AC3E}">
+        <p14:creationId xmlns:p14="http://schemas.microsoft.com/office/powerpoint/2010/main" val="2715109869"/>
+      </p:ext>
+    </p:extLst>
+  </p:cSld>
+  <p:clrMapOvr>
+    <a:masterClrMapping/>
+  </p:clrMapOvr>
+  <p:timing>
+    <p:tnLst>
+      <p:par>
+        <p:cTn id="1" dur="indefinite" restart="never" nodeType="tmRoot"/>
+      </p:par>
+    </p:tnLst>
+  </p:timing>
+</p:sld>
+</file>
+
+<file path=ppt/slides/slide20.xml><?xml version="1.0" encoding="utf-8"?>
 <p:sld xmlns:a="http://schemas.openxmlformats.org/drawingml/2006/main" xmlns:r="http://schemas.openxmlformats.org/officeDocument/2006/relationships" xmlns:p="http://schemas.openxmlformats.org/presentationml/2006/main">
   <p:cSld>
     <p:spTree>
@@ -18206,141 +18878,17 @@
   <p:clrMapOvr>
     <a:masterClrMapping/>
   </p:clrMapOvr>
+  <p:timing>
+    <p:tnLst>
+      <p:par>
+        <p:cTn id="1" dur="indefinite" restart="never" nodeType="tmRoot"/>
+      </p:par>
+    </p:tnLst>
+  </p:timing>
 </p:sld>
 </file>
 
-<file path=ppt/slides/slide2.xml><?xml version="1.0" encoding="utf-8"?>
-<p:sld xmlns:a="http://schemas.openxmlformats.org/drawingml/2006/main" xmlns:r="http://schemas.openxmlformats.org/officeDocument/2006/relationships" xmlns:p="http://schemas.openxmlformats.org/presentationml/2006/main">
-  <p:cSld>
-    <p:spTree>
-      <p:nvGrpSpPr>
-        <p:cNvPr id="1" name=""/>
-        <p:cNvGrpSpPr/>
-        <p:nvPr/>
-      </p:nvGrpSpPr>
-      <p:grpSpPr>
-        <a:xfrm>
-          <a:off x="0" y="0"/>
-          <a:ext cx="0" cy="0"/>
-          <a:chOff x="0" y="0"/>
-          <a:chExt cx="0" cy="0"/>
-        </a:xfrm>
-      </p:grpSpPr>
-      <p:sp>
-        <p:nvSpPr>
-          <p:cNvPr id="5" name="標題 4"/>
-          <p:cNvSpPr>
-            <a:spLocks noGrp="1"/>
-          </p:cNvSpPr>
-          <p:nvPr>
-            <p:ph type="title"/>
-          </p:nvPr>
-        </p:nvSpPr>
-        <p:spPr/>
-        <p:txBody>
-          <a:bodyPr/>
-          <a:lstStyle/>
-          <a:p>
-            <a:r>
-              <a:rPr lang="zh-TW" altLang="en-US" dirty="0"/>
-              <a:t>目錄</a:t>
-            </a:r>
-          </a:p>
-        </p:txBody>
-      </p:sp>
-      <p:sp>
-        <p:nvSpPr>
-          <p:cNvPr id="6" name="內容版面配置區 5"/>
-          <p:cNvSpPr>
-            <a:spLocks noGrp="1"/>
-          </p:cNvSpPr>
-          <p:nvPr>
-            <p:ph sz="quarter" idx="13"/>
-          </p:nvPr>
-        </p:nvSpPr>
-        <p:spPr/>
-        <p:txBody>
-          <a:bodyPr/>
-          <a:lstStyle/>
-          <a:p>
-            <a:r>
-              <a:rPr lang="zh-CN" altLang="en-US" dirty="0"/>
-              <a:t>微服務配置中心</a:t>
-            </a:r>
-            <a:r>
-              <a:rPr lang="en-US" altLang="zh-CN" dirty="0" err="1" smtClean="0"/>
-              <a:t>Config</a:t>
-            </a:r>
-            <a:endParaRPr lang="en-US" altLang="zh-CN" dirty="0" smtClean="0"/>
-          </a:p>
-          <a:p>
-            <a:r>
-              <a:rPr lang="en-US" altLang="zh-TW" dirty="0" err="1"/>
-              <a:t>Config</a:t>
-            </a:r>
-            <a:r>
-              <a:rPr lang="zh-CN" altLang="en-US" dirty="0"/>
-              <a:t>的自動化</a:t>
-            </a:r>
-            <a:r>
-              <a:rPr lang="zh-CN" altLang="en-US" dirty="0" smtClean="0"/>
-              <a:t>更新</a:t>
-            </a:r>
-            <a:endParaRPr lang="en-US" altLang="zh-CN" dirty="0" smtClean="0"/>
-          </a:p>
-          <a:p>
-            <a:r>
-              <a:rPr lang="en-US" altLang="zh-CN" dirty="0" err="1"/>
-              <a:t>Config</a:t>
-            </a:r>
-            <a:r>
-              <a:rPr lang="zh-CN" altLang="en-US" dirty="0"/>
-              <a:t>應用</a:t>
-            </a:r>
-            <a:r>
-              <a:rPr lang="zh-CN" altLang="en-US" dirty="0" smtClean="0"/>
-              <a:t>場景</a:t>
-            </a:r>
-            <a:endParaRPr lang="en-US" altLang="zh-CN" dirty="0" smtClean="0"/>
-          </a:p>
-          <a:p>
-            <a:r>
-              <a:rPr lang="en-US" altLang="zh-CN" dirty="0" err="1"/>
-              <a:t>Config</a:t>
-            </a:r>
-            <a:r>
-              <a:rPr lang="en-US" altLang="zh-CN" dirty="0"/>
-              <a:t> </a:t>
-            </a:r>
-            <a:r>
-              <a:rPr lang="zh-CN" altLang="en-US" dirty="0"/>
-              <a:t>案例</a:t>
-            </a:r>
-            <a:r>
-              <a:rPr lang="zh-CN" altLang="en-US" dirty="0" smtClean="0"/>
-              <a:t>說明</a:t>
-            </a:r>
-            <a:endParaRPr lang="en-US" altLang="zh-CN" dirty="0" smtClean="0"/>
-          </a:p>
-          <a:p>
-            <a:endParaRPr lang="zh-TW" altLang="en-US" dirty="0"/>
-          </a:p>
-        </p:txBody>
-      </p:sp>
-    </p:spTree>
-    <p:extLst>
-      <p:ext uri="{BB962C8B-B14F-4D97-AF65-F5344CB8AC3E}">
-        <p14:creationId xmlns:p14="http://schemas.microsoft.com/office/powerpoint/2010/main" val="2715109869"/>
-      </p:ext>
-    </p:extLst>
-  </p:cSld>
-  <p:clrMapOvr>
-    <a:masterClrMapping/>
-  </p:clrMapOvr>
-</p:sld>
-</file>
-
-<file path=ppt/slides/slide20.xml><?xml version="1.0" encoding="utf-8"?>
+<file path=ppt/slides/slide21.xml><?xml version="1.0" encoding="utf-8"?>
 <p:sld xmlns:a="http://schemas.openxmlformats.org/drawingml/2006/main" xmlns:r="http://schemas.openxmlformats.org/officeDocument/2006/relationships" xmlns:p="http://schemas.openxmlformats.org/presentationml/2006/main">
   <p:cSld>
     <p:spTree>
@@ -18450,10 +18998,17 @@
   <p:clrMapOvr>
     <a:masterClrMapping/>
   </p:clrMapOvr>
+  <p:timing>
+    <p:tnLst>
+      <p:par>
+        <p:cTn id="1" dur="indefinite" restart="never" nodeType="tmRoot"/>
+      </p:par>
+    </p:tnLst>
+  </p:timing>
 </p:sld>
 </file>
 
-<file path=ppt/slides/slide21.xml><?xml version="1.0" encoding="utf-8"?>
+<file path=ppt/slides/slide22.xml><?xml version="1.0" encoding="utf-8"?>
 <p:sld xmlns:a="http://schemas.openxmlformats.org/drawingml/2006/main" xmlns:r="http://schemas.openxmlformats.org/officeDocument/2006/relationships" xmlns:p="http://schemas.openxmlformats.org/presentationml/2006/main">
   <p:cSld>
     <p:spTree>
@@ -18776,10 +19331,17 @@
   <p:clrMapOvr>
     <a:masterClrMapping/>
   </p:clrMapOvr>
+  <p:timing>
+    <p:tnLst>
+      <p:par>
+        <p:cTn id="1" dur="indefinite" restart="never" nodeType="tmRoot"/>
+      </p:par>
+    </p:tnLst>
+  </p:timing>
 </p:sld>
 </file>
 
-<file path=ppt/slides/slide22.xml><?xml version="1.0" encoding="utf-8"?>
+<file path=ppt/slides/slide23.xml><?xml version="1.0" encoding="utf-8"?>
 <p:sld xmlns:a="http://schemas.openxmlformats.org/drawingml/2006/main" xmlns:r="http://schemas.openxmlformats.org/officeDocument/2006/relationships" xmlns:p="http://schemas.openxmlformats.org/presentationml/2006/main">
   <p:cSld>
     <p:spTree>
@@ -18889,10 +19451,17 @@
   <p:clrMapOvr>
     <a:masterClrMapping/>
   </p:clrMapOvr>
+  <p:timing>
+    <p:tnLst>
+      <p:par>
+        <p:cTn id="1" dur="indefinite" restart="never" nodeType="tmRoot"/>
+      </p:par>
+    </p:tnLst>
+  </p:timing>
 </p:sld>
 </file>
 
-<file path=ppt/slides/slide23.xml><?xml version="1.0" encoding="utf-8"?>
+<file path=ppt/slides/slide24.xml><?xml version="1.0" encoding="utf-8"?>
 <p:sld xmlns:a="http://schemas.openxmlformats.org/drawingml/2006/main" xmlns:r="http://schemas.openxmlformats.org/officeDocument/2006/relationships" xmlns:p="http://schemas.openxmlformats.org/presentationml/2006/main">
   <p:cSld>
     <p:spTree>
@@ -19194,10 +19763,17 @@
   <p:clrMapOvr>
     <a:masterClrMapping/>
   </p:clrMapOvr>
+  <p:timing>
+    <p:tnLst>
+      <p:par>
+        <p:cTn id="1" dur="indefinite" restart="never" nodeType="tmRoot"/>
+      </p:par>
+    </p:tnLst>
+  </p:timing>
 </p:sld>
 </file>
 
-<file path=ppt/slides/slide24.xml><?xml version="1.0" encoding="utf-8"?>
+<file path=ppt/slides/slide25.xml><?xml version="1.0" encoding="utf-8"?>
 <p:sld xmlns:a="http://schemas.openxmlformats.org/drawingml/2006/main" xmlns:r="http://schemas.openxmlformats.org/officeDocument/2006/relationships" xmlns:p="http://schemas.openxmlformats.org/presentationml/2006/main">
   <p:cSld>
     <p:spTree>
@@ -19409,10 +19985,17 @@
   <p:clrMapOvr>
     <a:masterClrMapping/>
   </p:clrMapOvr>
+  <p:timing>
+    <p:tnLst>
+      <p:par>
+        <p:cTn id="1" dur="indefinite" restart="never" nodeType="tmRoot"/>
+      </p:par>
+    </p:tnLst>
+  </p:timing>
 </p:sld>
 </file>
 
-<file path=ppt/slides/slide25.xml><?xml version="1.0" encoding="utf-8"?>
+<file path=ppt/slides/slide26.xml><?xml version="1.0" encoding="utf-8"?>
 <p:sld xmlns:a="http://schemas.openxmlformats.org/drawingml/2006/main" xmlns:r="http://schemas.openxmlformats.org/officeDocument/2006/relationships" xmlns:p="http://schemas.openxmlformats.org/presentationml/2006/main">
   <p:cSld>
     <p:spTree>
@@ -19526,10 +20109,17 @@
   <p:clrMapOvr>
     <a:masterClrMapping/>
   </p:clrMapOvr>
+  <p:timing>
+    <p:tnLst>
+      <p:par>
+        <p:cTn id="1" dur="indefinite" restart="never" nodeType="tmRoot"/>
+      </p:par>
+    </p:tnLst>
+  </p:timing>
 </p:sld>
 </file>
 
-<file path=ppt/slides/slide26.xml><?xml version="1.0" encoding="utf-8"?>
+<file path=ppt/slides/slide27.xml><?xml version="1.0" encoding="utf-8"?>
 <p:sld xmlns:a="http://schemas.openxmlformats.org/drawingml/2006/main" xmlns:r="http://schemas.openxmlformats.org/officeDocument/2006/relationships" xmlns:p="http://schemas.openxmlformats.org/presentationml/2006/main">
   <p:cSld>
     <p:spTree>
@@ -19643,10 +20233,17 @@
   <p:clrMapOvr>
     <a:masterClrMapping/>
   </p:clrMapOvr>
+  <p:timing>
+    <p:tnLst>
+      <p:par>
+        <p:cTn id="1" dur="indefinite" restart="never" nodeType="tmRoot"/>
+      </p:par>
+    </p:tnLst>
+  </p:timing>
 </p:sld>
 </file>
 
-<file path=ppt/slides/slide27.xml><?xml version="1.0" encoding="utf-8"?>
+<file path=ppt/slides/slide28.xml><?xml version="1.0" encoding="utf-8"?>
 <p:sld xmlns:a="http://schemas.openxmlformats.org/drawingml/2006/main" xmlns:r="http://schemas.openxmlformats.org/officeDocument/2006/relationships" xmlns:p="http://schemas.openxmlformats.org/presentationml/2006/main">
   <p:cSld>
     <p:spTree>
@@ -19752,10 +20349,17 @@
   <p:clrMapOvr>
     <a:masterClrMapping/>
   </p:clrMapOvr>
+  <p:timing>
+    <p:tnLst>
+      <p:par>
+        <p:cTn id="1" dur="indefinite" restart="never" nodeType="tmRoot"/>
+      </p:par>
+    </p:tnLst>
+  </p:timing>
 </p:sld>
 </file>
 
-<file path=ppt/slides/slide28.xml><?xml version="1.0" encoding="utf-8"?>
+<file path=ppt/slides/slide29.xml><?xml version="1.0" encoding="utf-8"?>
 <p:sld xmlns:a="http://schemas.openxmlformats.org/drawingml/2006/main" xmlns:r="http://schemas.openxmlformats.org/officeDocument/2006/relationships" xmlns:p="http://schemas.openxmlformats.org/presentationml/2006/main">
   <p:cSld>
     <p:spTree>
@@ -19861,10 +20465,104 @@
   <p:clrMapOvr>
     <a:masterClrMapping/>
   </p:clrMapOvr>
+  <p:timing>
+    <p:tnLst>
+      <p:par>
+        <p:cTn id="1" dur="indefinite" restart="never" nodeType="tmRoot"/>
+      </p:par>
+    </p:tnLst>
+  </p:timing>
 </p:sld>
 </file>
 
-<file path=ppt/slides/slide29.xml><?xml version="1.0" encoding="utf-8"?>
+<file path=ppt/slides/slide3.xml><?xml version="1.0" encoding="utf-8"?>
+<p:sld xmlns:a="http://schemas.openxmlformats.org/drawingml/2006/main" xmlns:r="http://schemas.openxmlformats.org/officeDocument/2006/relationships" xmlns:p="http://schemas.openxmlformats.org/presentationml/2006/main">
+  <p:cSld>
+    <p:spTree>
+      <p:nvGrpSpPr>
+        <p:cNvPr id="1" name=""/>
+        <p:cNvGrpSpPr/>
+        <p:nvPr/>
+      </p:nvGrpSpPr>
+      <p:grpSpPr>
+        <a:xfrm>
+          <a:off x="0" y="0"/>
+          <a:ext cx="0" cy="0"/>
+          <a:chOff x="0" y="0"/>
+          <a:chExt cx="0" cy="0"/>
+        </a:xfrm>
+      </p:grpSpPr>
+      <p:sp>
+        <p:nvSpPr>
+          <p:cNvPr id="4" name="標題 3"/>
+          <p:cNvSpPr>
+            <a:spLocks noGrp="1"/>
+          </p:cNvSpPr>
+          <p:nvPr>
+            <p:ph type="title"/>
+          </p:nvPr>
+        </p:nvSpPr>
+        <p:spPr/>
+        <p:txBody>
+          <a:bodyPr/>
+          <a:lstStyle/>
+          <a:p>
+            <a:r>
+              <a:rPr lang="en-US" altLang="zh-CN" dirty="0" smtClean="0"/>
+              <a:t>1. </a:t>
+            </a:r>
+            <a:r>
+              <a:rPr lang="zh-CN" altLang="en-US" dirty="0" smtClean="0"/>
+              <a:t>微服務配置中心</a:t>
+            </a:r>
+            <a:r>
+              <a:rPr lang="en-US" altLang="zh-CN" dirty="0" err="1" smtClean="0"/>
+              <a:t>Config</a:t>
+            </a:r>
+            <a:endParaRPr lang="en-US" altLang="zh-TW" dirty="0"/>
+          </a:p>
+        </p:txBody>
+      </p:sp>
+      <p:sp>
+        <p:nvSpPr>
+          <p:cNvPr id="5" name="文字版面配置區 4"/>
+          <p:cNvSpPr>
+            <a:spLocks noGrp="1"/>
+          </p:cNvSpPr>
+          <p:nvPr>
+            <p:ph type="body" idx="1"/>
+          </p:nvPr>
+        </p:nvSpPr>
+        <p:spPr/>
+        <p:txBody>
+          <a:bodyPr/>
+          <a:lstStyle/>
+          <a:p>
+            <a:endParaRPr lang="zh-TW" altLang="en-US" dirty="0"/>
+          </a:p>
+        </p:txBody>
+      </p:sp>
+    </p:spTree>
+    <p:extLst>
+      <p:ext uri="{BB962C8B-B14F-4D97-AF65-F5344CB8AC3E}">
+        <p14:creationId xmlns:p14="http://schemas.microsoft.com/office/powerpoint/2010/main" val="2740842326"/>
+      </p:ext>
+    </p:extLst>
+  </p:cSld>
+  <p:clrMapOvr>
+    <a:masterClrMapping/>
+  </p:clrMapOvr>
+  <p:timing>
+    <p:tnLst>
+      <p:par>
+        <p:cTn id="1" dur="indefinite" restart="never" nodeType="tmRoot"/>
+      </p:par>
+    </p:tnLst>
+  </p:timing>
+</p:sld>
+</file>
+
+<file path=ppt/slides/slide30.xml><?xml version="1.0" encoding="utf-8"?>
 <p:sld xmlns:a="http://schemas.openxmlformats.org/drawingml/2006/main" xmlns:r="http://schemas.openxmlformats.org/officeDocument/2006/relationships" xmlns:p="http://schemas.openxmlformats.org/presentationml/2006/main">
   <p:cSld>
     <p:spTree>
@@ -19970,90 +20668,17 @@
   <p:clrMapOvr>
     <a:masterClrMapping/>
   </p:clrMapOvr>
+  <p:timing>
+    <p:tnLst>
+      <p:par>
+        <p:cTn id="1" dur="indefinite" restart="never" nodeType="tmRoot"/>
+      </p:par>
+    </p:tnLst>
+  </p:timing>
 </p:sld>
 </file>
 
-<file path=ppt/slides/slide3.xml><?xml version="1.0" encoding="utf-8"?>
-<p:sld xmlns:a="http://schemas.openxmlformats.org/drawingml/2006/main" xmlns:r="http://schemas.openxmlformats.org/officeDocument/2006/relationships" xmlns:p="http://schemas.openxmlformats.org/presentationml/2006/main">
-  <p:cSld>
-    <p:spTree>
-      <p:nvGrpSpPr>
-        <p:cNvPr id="1" name=""/>
-        <p:cNvGrpSpPr/>
-        <p:nvPr/>
-      </p:nvGrpSpPr>
-      <p:grpSpPr>
-        <a:xfrm>
-          <a:off x="0" y="0"/>
-          <a:ext cx="0" cy="0"/>
-          <a:chOff x="0" y="0"/>
-          <a:chExt cx="0" cy="0"/>
-        </a:xfrm>
-      </p:grpSpPr>
-      <p:sp>
-        <p:nvSpPr>
-          <p:cNvPr id="4" name="標題 3"/>
-          <p:cNvSpPr>
-            <a:spLocks noGrp="1"/>
-          </p:cNvSpPr>
-          <p:nvPr>
-            <p:ph type="title"/>
-          </p:nvPr>
-        </p:nvSpPr>
-        <p:spPr/>
-        <p:txBody>
-          <a:bodyPr/>
-          <a:lstStyle/>
-          <a:p>
-            <a:r>
-              <a:rPr lang="en-US" altLang="zh-CN" dirty="0" smtClean="0"/>
-              <a:t>1. </a:t>
-            </a:r>
-            <a:r>
-              <a:rPr lang="zh-CN" altLang="en-US" dirty="0" smtClean="0"/>
-              <a:t>微服務配置中心</a:t>
-            </a:r>
-            <a:r>
-              <a:rPr lang="en-US" altLang="zh-CN" dirty="0" err="1" smtClean="0"/>
-              <a:t>Config</a:t>
-            </a:r>
-            <a:endParaRPr lang="en-US" altLang="zh-TW" dirty="0"/>
-          </a:p>
-        </p:txBody>
-      </p:sp>
-      <p:sp>
-        <p:nvSpPr>
-          <p:cNvPr id="5" name="文字版面配置區 4"/>
-          <p:cNvSpPr>
-            <a:spLocks noGrp="1"/>
-          </p:cNvSpPr>
-          <p:nvPr>
-            <p:ph type="body" idx="1"/>
-          </p:nvPr>
-        </p:nvSpPr>
-        <p:spPr/>
-        <p:txBody>
-          <a:bodyPr/>
-          <a:lstStyle/>
-          <a:p>
-            <a:endParaRPr lang="zh-TW" altLang="en-US" dirty="0"/>
-          </a:p>
-        </p:txBody>
-      </p:sp>
-    </p:spTree>
-    <p:extLst>
-      <p:ext uri="{BB962C8B-B14F-4D97-AF65-F5344CB8AC3E}">
-        <p14:creationId xmlns:p14="http://schemas.microsoft.com/office/powerpoint/2010/main" val="2740842326"/>
-      </p:ext>
-    </p:extLst>
-  </p:cSld>
-  <p:clrMapOvr>
-    <a:masterClrMapping/>
-  </p:clrMapOvr>
-</p:sld>
-</file>
-
-<file path=ppt/slides/slide30.xml><?xml version="1.0" encoding="utf-8"?>
+<file path=ppt/slides/slide31.xml><?xml version="1.0" encoding="utf-8"?>
 <p:sld xmlns:a="http://schemas.openxmlformats.org/drawingml/2006/main" xmlns:r="http://schemas.openxmlformats.org/officeDocument/2006/relationships" xmlns:p="http://schemas.openxmlformats.org/presentationml/2006/main">
   <p:cSld>
     <p:spTree>
@@ -20163,10 +20788,17 @@
   <p:clrMapOvr>
     <a:masterClrMapping/>
   </p:clrMapOvr>
+  <p:timing>
+    <p:tnLst>
+      <p:par>
+        <p:cTn id="1" dur="indefinite" restart="never" nodeType="tmRoot"/>
+      </p:par>
+    </p:tnLst>
+  </p:timing>
 </p:sld>
 </file>
 
-<file path=ppt/slides/slide31.xml><?xml version="1.0" encoding="utf-8"?>
+<file path=ppt/slides/slide32.xml><?xml version="1.0" encoding="utf-8"?>
 <p:sld xmlns:a="http://schemas.openxmlformats.org/drawingml/2006/main" xmlns:r="http://schemas.openxmlformats.org/officeDocument/2006/relationships" xmlns:p="http://schemas.openxmlformats.org/presentationml/2006/main">
   <p:cSld>
     <p:spTree>
@@ -20335,8 +20967,17 @@
             <a:pPr algn="ctr"/>
             <a:r>
               <a:rPr lang="en-US" altLang="zh-TW" dirty="0" smtClean="0"/>
-              <a:t>@Refresh</a:t>
-            </a:r>
+              <a:t>@</a:t>
+            </a:r>
+            <a:r>
+              <a:rPr lang="en-US" altLang="zh-TW" dirty="0" err="1" smtClean="0"/>
+              <a:t>Refresh</a:t>
+            </a:r>
+            <a:r>
+              <a:rPr lang="en-US" altLang="zh-CN" dirty="0" err="1" smtClean="0"/>
+              <a:t>Scope</a:t>
+            </a:r>
+            <a:endParaRPr lang="en-US" altLang="zh-TW" dirty="0" smtClean="0"/>
           </a:p>
           <a:p>
             <a:pPr algn="ctr"/>
@@ -20522,90 +21163,13 @@
   <p:clrMapOvr>
     <a:masterClrMapping/>
   </p:clrMapOvr>
-</p:sld>
-</file>
-
-<file path=ppt/slides/slide32.xml><?xml version="1.0" encoding="utf-8"?>
-<p:sld xmlns:a="http://schemas.openxmlformats.org/drawingml/2006/main" xmlns:r="http://schemas.openxmlformats.org/officeDocument/2006/relationships" xmlns:p="http://schemas.openxmlformats.org/presentationml/2006/main">
-  <p:cSld>
-    <p:spTree>
-      <p:nvGrpSpPr>
-        <p:cNvPr id="1" name=""/>
-        <p:cNvGrpSpPr/>
-        <p:nvPr/>
-      </p:nvGrpSpPr>
-      <p:grpSpPr>
-        <a:xfrm>
-          <a:off x="0" y="0"/>
-          <a:ext cx="0" cy="0"/>
-          <a:chOff x="0" y="0"/>
-          <a:chExt cx="0" cy="0"/>
-        </a:xfrm>
-      </p:grpSpPr>
-      <p:sp>
-        <p:nvSpPr>
-          <p:cNvPr id="4" name="標題 3"/>
-          <p:cNvSpPr>
-            <a:spLocks noGrp="1"/>
-          </p:cNvSpPr>
-          <p:nvPr>
-            <p:ph type="title"/>
-          </p:nvPr>
-        </p:nvSpPr>
-        <p:spPr/>
-        <p:txBody>
-          <a:bodyPr/>
-          <a:lstStyle/>
-          <a:p>
-            <a:r>
-              <a:rPr lang="en-US" altLang="zh-CN" dirty="0" smtClean="0"/>
-              <a:t>3. </a:t>
-            </a:r>
-            <a:r>
-              <a:rPr lang="en-US" altLang="zh-CN" dirty="0" err="1" smtClean="0"/>
-              <a:t>Config</a:t>
-            </a:r>
-            <a:r>
-              <a:rPr lang="zh-CN" altLang="en-US" dirty="0" smtClean="0"/>
-              <a:t>應用</a:t>
-            </a:r>
-            <a:r>
-              <a:rPr lang="zh-CN" altLang="en-US" dirty="0"/>
-              <a:t>場景</a:t>
-            </a:r>
-            <a:endParaRPr lang="en-US" altLang="zh-TW" dirty="0"/>
-          </a:p>
-        </p:txBody>
-      </p:sp>
-      <p:sp>
-        <p:nvSpPr>
-          <p:cNvPr id="5" name="文字版面配置區 4"/>
-          <p:cNvSpPr>
-            <a:spLocks noGrp="1"/>
-          </p:cNvSpPr>
-          <p:nvPr>
-            <p:ph type="body" idx="1"/>
-          </p:nvPr>
-        </p:nvSpPr>
-        <p:spPr/>
-        <p:txBody>
-          <a:bodyPr/>
-          <a:lstStyle/>
-          <a:p>
-            <a:endParaRPr lang="zh-TW" altLang="en-US" dirty="0"/>
-          </a:p>
-        </p:txBody>
-      </p:sp>
-    </p:spTree>
-    <p:extLst>
-      <p:ext uri="{BB962C8B-B14F-4D97-AF65-F5344CB8AC3E}">
-        <p14:creationId xmlns:p14="http://schemas.microsoft.com/office/powerpoint/2010/main" val="1138445070"/>
-      </p:ext>
-    </p:extLst>
-  </p:cSld>
-  <p:clrMapOvr>
-    <a:masterClrMapping/>
-  </p:clrMapOvr>
+  <p:timing>
+    <p:tnLst>
+      <p:par>
+        <p:cTn id="1" dur="indefinite" restart="never" nodeType="tmRoot"/>
+      </p:par>
+    </p:tnLst>
+  </p:timing>
 </p:sld>
 </file>
 
@@ -20628,6 +21192,97 @@
       </p:grpSpPr>
       <p:sp>
         <p:nvSpPr>
+          <p:cNvPr id="4" name="標題 3"/>
+          <p:cNvSpPr>
+            <a:spLocks noGrp="1"/>
+          </p:cNvSpPr>
+          <p:nvPr>
+            <p:ph type="title"/>
+          </p:nvPr>
+        </p:nvSpPr>
+        <p:spPr/>
+        <p:txBody>
+          <a:bodyPr/>
+          <a:lstStyle/>
+          <a:p>
+            <a:r>
+              <a:rPr lang="en-US" altLang="zh-CN" dirty="0" smtClean="0"/>
+              <a:t>3. </a:t>
+            </a:r>
+            <a:r>
+              <a:rPr lang="en-US" altLang="zh-CN" dirty="0" err="1" smtClean="0"/>
+              <a:t>Config</a:t>
+            </a:r>
+            <a:r>
+              <a:rPr lang="zh-CN" altLang="en-US" dirty="0" smtClean="0"/>
+              <a:t>應用</a:t>
+            </a:r>
+            <a:r>
+              <a:rPr lang="zh-CN" altLang="en-US" dirty="0"/>
+              <a:t>場景</a:t>
+            </a:r>
+            <a:endParaRPr lang="en-US" altLang="zh-TW" dirty="0"/>
+          </a:p>
+        </p:txBody>
+      </p:sp>
+      <p:sp>
+        <p:nvSpPr>
+          <p:cNvPr id="5" name="文字版面配置區 4"/>
+          <p:cNvSpPr>
+            <a:spLocks noGrp="1"/>
+          </p:cNvSpPr>
+          <p:nvPr>
+            <p:ph type="body" idx="1"/>
+          </p:nvPr>
+        </p:nvSpPr>
+        <p:spPr/>
+        <p:txBody>
+          <a:bodyPr/>
+          <a:lstStyle/>
+          <a:p>
+            <a:endParaRPr lang="zh-TW" altLang="en-US" dirty="0"/>
+          </a:p>
+        </p:txBody>
+      </p:sp>
+    </p:spTree>
+    <p:extLst>
+      <p:ext uri="{BB962C8B-B14F-4D97-AF65-F5344CB8AC3E}">
+        <p14:creationId xmlns:p14="http://schemas.microsoft.com/office/powerpoint/2010/main" val="1138445070"/>
+      </p:ext>
+    </p:extLst>
+  </p:cSld>
+  <p:clrMapOvr>
+    <a:masterClrMapping/>
+  </p:clrMapOvr>
+  <p:timing>
+    <p:tnLst>
+      <p:par>
+        <p:cTn id="1" dur="indefinite" restart="never" nodeType="tmRoot"/>
+      </p:par>
+    </p:tnLst>
+  </p:timing>
+</p:sld>
+</file>
+
+<file path=ppt/slides/slide34.xml><?xml version="1.0" encoding="utf-8"?>
+<p:sld xmlns:a="http://schemas.openxmlformats.org/drawingml/2006/main" xmlns:r="http://schemas.openxmlformats.org/officeDocument/2006/relationships" xmlns:p="http://schemas.openxmlformats.org/presentationml/2006/main">
+  <p:cSld>
+    <p:spTree>
+      <p:nvGrpSpPr>
+        <p:cNvPr id="1" name=""/>
+        <p:cNvGrpSpPr/>
+        <p:nvPr/>
+      </p:nvGrpSpPr>
+      <p:grpSpPr>
+        <a:xfrm>
+          <a:off x="0" y="0"/>
+          <a:ext cx="0" cy="0"/>
+          <a:chOff x="0" y="0"/>
+          <a:chExt cx="0" cy="0"/>
+        </a:xfrm>
+      </p:grpSpPr>
+      <p:sp>
+        <p:nvSpPr>
           <p:cNvPr id="2" name="標題 1"/>
           <p:cNvSpPr>
             <a:spLocks noGrp="1"/>
@@ -20780,33 +21435,15 @@
                   <a:srgbClr val="0070C0"/>
                 </a:solidFill>
               </a:rPr>
-              <a:t>（完成）</a:t>
-            </a:r>
-            <a:endParaRPr lang="en-US" altLang="zh-TW" dirty="0">
-              <a:solidFill>
-                <a:srgbClr val="0070C0"/>
-              </a:solidFill>
-            </a:endParaRPr>
-          </a:p>
-          <a:p>
-            <a:pPr marL="514350" indent="-514350">
-              <a:buAutoNum type="arabicPeriod"/>
-            </a:pPr>
-            <a:r>
-              <a:rPr lang="zh-CN" altLang="en-US" dirty="0" smtClean="0"/>
-              <a:t>進行</a:t>
-            </a:r>
-            <a:r>
-              <a:rPr lang="en-US" altLang="zh-CN" dirty="0" smtClean="0"/>
-              <a:t>@Value</a:t>
-            </a:r>
-            <a:r>
-              <a:rPr lang="zh-CN" altLang="en-US" dirty="0" smtClean="0"/>
-              <a:t>的</a:t>
-            </a:r>
-            <a:r>
-              <a:rPr lang="zh-CN" altLang="en-US" dirty="0" smtClean="0"/>
-              <a:t>注入</a:t>
+              <a:t>（完成</a:t>
+            </a:r>
+            <a:r>
+              <a:rPr lang="zh-CN" altLang="en-US" dirty="0" smtClean="0">
+                <a:solidFill>
+                  <a:srgbClr val="0070C0"/>
+                </a:solidFill>
+              </a:rPr>
+              <a:t>）</a:t>
             </a:r>
             <a:endParaRPr lang="en-US" altLang="zh-CN" dirty="0"/>
           </a:p>
@@ -20892,56 +21529,6 @@
               </a:rPr>
               <a:t>）</a:t>
             </a:r>
-            <a:endParaRPr lang="en-US" altLang="zh-CN" dirty="0">
-              <a:solidFill>
-                <a:srgbClr val="AE1E1E"/>
-              </a:solidFill>
-            </a:endParaRPr>
-          </a:p>
-          <a:p>
-            <a:pPr marL="514350" indent="-514350">
-              <a:buAutoNum type="arabicPeriod"/>
-            </a:pPr>
-            <a:r>
-              <a:rPr lang="zh-CN" altLang="en-US" dirty="0" smtClean="0">
-                <a:solidFill>
-                  <a:schemeClr val="tx2"/>
-                </a:solidFill>
-              </a:rPr>
-              <a:t>進行</a:t>
-            </a:r>
-            <a:r>
-              <a:rPr lang="en-US" altLang="zh-CN" dirty="0" smtClean="0">
-                <a:solidFill>
-                  <a:schemeClr val="tx2"/>
-                </a:solidFill>
-              </a:rPr>
-              <a:t>@</a:t>
-            </a:r>
-            <a:r>
-              <a:rPr lang="en-US" altLang="zh-CN" dirty="0" err="1" smtClean="0">
-                <a:solidFill>
-                  <a:schemeClr val="tx2"/>
-                </a:solidFill>
-              </a:rPr>
-              <a:t>init</a:t>
-            </a:r>
-            <a:r>
-              <a:rPr lang="en-US" altLang="zh-CN" dirty="0" smtClean="0">
-                <a:solidFill>
-                  <a:schemeClr val="tx2"/>
-                </a:solidFill>
-              </a:rPr>
-              <a:t> </a:t>
-            </a:r>
-            <a:r>
-              <a:rPr lang="zh-CN" altLang="en-US" dirty="0" smtClean="0">
-                <a:solidFill>
-                  <a:schemeClr val="tx2"/>
-                </a:solidFill>
-              </a:rPr>
-              <a:t>的重新注入</a:t>
-            </a:r>
             <a:endParaRPr lang="en-US" altLang="zh-CN" dirty="0" smtClean="0">
               <a:solidFill>
                 <a:schemeClr val="tx2"/>
@@ -20966,7 +21553,7 @@
                   <a:schemeClr val="tx2"/>
                 </a:solidFill>
               </a:rPr>
-              <a:t>Spring Cloud </a:t>
+              <a:t>Java</a:t>
             </a:r>
             <a:r>
               <a:rPr lang="zh-CN" altLang="en-US" dirty="0" smtClean="0">
@@ -20974,7 +21561,7 @@
                   <a:schemeClr val="tx2"/>
                 </a:solidFill>
               </a:rPr>
-              <a:t>的</a:t>
+              <a:t>程式的</a:t>
             </a:r>
             <a:r>
               <a:rPr lang="en-US" altLang="zh-CN" dirty="0" smtClean="0">
@@ -20982,7 +21569,7 @@
                   <a:schemeClr val="tx2"/>
                 </a:solidFill>
               </a:rPr>
-              <a:t> port </a:t>
+              <a:t> Listener Port </a:t>
             </a:r>
             <a:r>
               <a:rPr lang="zh-CN" altLang="en-US" dirty="0" smtClean="0">
@@ -21066,10 +21653,17 @@
   <p:clrMapOvr>
     <a:masterClrMapping/>
   </p:clrMapOvr>
+  <p:timing>
+    <p:tnLst>
+      <p:par>
+        <p:cTn id="1" dur="indefinite" restart="never" nodeType="tmRoot"/>
+      </p:par>
+    </p:tnLst>
+  </p:timing>
 </p:sld>
 </file>
 
-<file path=ppt/slides/slide34.xml><?xml version="1.0" encoding="utf-8"?>
+<file path=ppt/slides/slide35.xml><?xml version="1.0" encoding="utf-8"?>
 <p:sld xmlns:a="http://schemas.openxmlformats.org/drawingml/2006/main" xmlns:r="http://schemas.openxmlformats.org/officeDocument/2006/relationships" xmlns:p="http://schemas.openxmlformats.org/presentationml/2006/main">
   <p:cSld>
     <p:spTree>
@@ -21179,10 +21773,17 @@
   <p:clrMapOvr>
     <a:masterClrMapping/>
   </p:clrMapOvr>
+  <p:timing>
+    <p:tnLst>
+      <p:par>
+        <p:cTn id="1" dur="indefinite" restart="never" nodeType="tmRoot"/>
+      </p:par>
+    </p:tnLst>
+  </p:timing>
 </p:sld>
 </file>
 
-<file path=ppt/slides/slide35.xml><?xml version="1.0" encoding="utf-8"?>
+<file path=ppt/slides/slide36.xml><?xml version="1.0" encoding="utf-8"?>
 <p:sld xmlns:a="http://schemas.openxmlformats.org/drawingml/2006/main" xmlns:r="http://schemas.openxmlformats.org/officeDocument/2006/relationships" xmlns:p="http://schemas.openxmlformats.org/presentationml/2006/main">
   <p:cSld>
     <p:spTree>
@@ -21323,10 +21924,17 @@
   <p:clrMapOvr>
     <a:masterClrMapping/>
   </p:clrMapOvr>
+  <p:timing>
+    <p:tnLst>
+      <p:par>
+        <p:cTn id="1" dur="indefinite" restart="never" nodeType="tmRoot"/>
+      </p:par>
+    </p:tnLst>
+  </p:timing>
 </p:sld>
 </file>
 
-<file path=ppt/slides/slide36.xml><?xml version="1.0" encoding="utf-8"?>
+<file path=ppt/slides/slide37.xml><?xml version="1.0" encoding="utf-8"?>
 <p:sld xmlns:a="http://schemas.openxmlformats.org/drawingml/2006/main" xmlns:r="http://schemas.openxmlformats.org/officeDocument/2006/relationships" xmlns:p="http://schemas.openxmlformats.org/presentationml/2006/main">
   <p:cSld>
     <p:spTree>
@@ -21502,10 +22110,17 @@
   <p:clrMapOvr>
     <a:masterClrMapping/>
   </p:clrMapOvr>
+  <p:timing>
+    <p:tnLst>
+      <p:par>
+        <p:cTn id="1" dur="indefinite" restart="never" nodeType="tmRoot"/>
+      </p:par>
+    </p:tnLst>
+  </p:timing>
 </p:sld>
 </file>
 
-<file path=ppt/slides/slide37.xml><?xml version="1.0" encoding="utf-8"?>
+<file path=ppt/slides/slide38.xml><?xml version="1.0" encoding="utf-8"?>
 <p:sld xmlns:a="http://schemas.openxmlformats.org/drawingml/2006/main" xmlns:r="http://schemas.openxmlformats.org/officeDocument/2006/relationships" xmlns:p="http://schemas.openxmlformats.org/presentationml/2006/main">
   <p:cSld>
     <p:spTree>
@@ -21619,10 +22234,17 @@
   <p:clrMapOvr>
     <a:masterClrMapping/>
   </p:clrMapOvr>
+  <p:timing>
+    <p:tnLst>
+      <p:par>
+        <p:cTn id="1" dur="indefinite" restart="never" nodeType="tmRoot"/>
+      </p:par>
+    </p:tnLst>
+  </p:timing>
 </p:sld>
 </file>
 
-<file path=ppt/slides/slide38.xml><?xml version="1.0" encoding="utf-8"?>
+<file path=ppt/slides/slide39.xml><?xml version="1.0" encoding="utf-8"?>
 <p:sld xmlns:a="http://schemas.openxmlformats.org/drawingml/2006/main" xmlns:r="http://schemas.openxmlformats.org/officeDocument/2006/relationships" xmlns:p="http://schemas.openxmlformats.org/presentationml/2006/main">
   <p:cSld>
     <p:spTree>
@@ -21788,10 +22410,323 @@
   <p:clrMapOvr>
     <a:masterClrMapping/>
   </p:clrMapOvr>
+  <p:timing>
+    <p:tnLst>
+      <p:par>
+        <p:cTn id="1" dur="indefinite" restart="never" nodeType="tmRoot"/>
+      </p:par>
+    </p:tnLst>
+  </p:timing>
 </p:sld>
 </file>
 
-<file path=ppt/slides/slide39.xml><?xml version="1.0" encoding="utf-8"?>
+<file path=ppt/slides/slide4.xml><?xml version="1.0" encoding="utf-8"?>
+<p:sld xmlns:a="http://schemas.openxmlformats.org/drawingml/2006/main" xmlns:r="http://schemas.openxmlformats.org/officeDocument/2006/relationships" xmlns:p="http://schemas.openxmlformats.org/presentationml/2006/main">
+  <p:cSld>
+    <p:spTree>
+      <p:nvGrpSpPr>
+        <p:cNvPr id="1" name=""/>
+        <p:cNvGrpSpPr/>
+        <p:nvPr/>
+      </p:nvGrpSpPr>
+      <p:grpSpPr>
+        <a:xfrm>
+          <a:off x="0" y="0"/>
+          <a:ext cx="0" cy="0"/>
+          <a:chOff x="0" y="0"/>
+          <a:chExt cx="0" cy="0"/>
+        </a:xfrm>
+      </p:grpSpPr>
+      <p:sp>
+        <p:nvSpPr>
+          <p:cNvPr id="2" name="標題 1"/>
+          <p:cNvSpPr>
+            <a:spLocks noGrp="1"/>
+          </p:cNvSpPr>
+          <p:nvPr>
+            <p:ph type="title"/>
+          </p:nvPr>
+        </p:nvSpPr>
+        <p:spPr/>
+        <p:txBody>
+          <a:bodyPr>
+            <a:normAutofit/>
+          </a:bodyPr>
+          <a:lstStyle/>
+          <a:p>
+            <a:r>
+              <a:rPr lang="zh-TW" altLang="en-US" dirty="0"/>
+              <a:t>為什麼要配置中心？</a:t>
+            </a:r>
+          </a:p>
+        </p:txBody>
+      </p:sp>
+      <p:sp>
+        <p:nvSpPr>
+          <p:cNvPr id="3" name="內容版面配置區 2"/>
+          <p:cNvSpPr>
+            <a:spLocks noGrp="1"/>
+          </p:cNvSpPr>
+          <p:nvPr>
+            <p:ph sz="quarter" idx="13"/>
+          </p:nvPr>
+        </p:nvSpPr>
+        <p:spPr/>
+        <p:txBody>
+          <a:bodyPr/>
+          <a:lstStyle/>
+          <a:p>
+            <a:endParaRPr lang="zh-TW" altLang="en-US"/>
+          </a:p>
+        </p:txBody>
+      </p:sp>
+      <p:sp>
+        <p:nvSpPr>
+          <p:cNvPr id="4" name="內容版面配置區 3"/>
+          <p:cNvSpPr>
+            <a:spLocks noGrp="1"/>
+          </p:cNvSpPr>
+          <p:nvPr>
+            <p:ph sz="half" idx="1"/>
+          </p:nvPr>
+        </p:nvSpPr>
+        <p:spPr/>
+        <p:txBody>
+          <a:bodyPr/>
+          <a:lstStyle/>
+          <a:p>
+            <a:pPr fontAlgn="base"/>
+            <a:r>
+              <a:rPr lang="en-US" altLang="zh-TW" b="0" dirty="0" smtClean="0"/>
+              <a:t>	</a:t>
+            </a:r>
+            <a:r>
+              <a:rPr lang="zh-TW" altLang="en-US" b="0" dirty="0" smtClean="0"/>
+              <a:t>一個</a:t>
+            </a:r>
+            <a:r>
+              <a:rPr lang="zh-TW" altLang="en-US" b="0" dirty="0"/>
+              <a:t>應用</a:t>
+            </a:r>
+            <a:r>
+              <a:rPr lang="zh-TW" altLang="en-US" b="0" dirty="0" smtClean="0"/>
+              <a:t>中</a:t>
+            </a:r>
+            <a:r>
+              <a:rPr lang="zh-CN" altLang="en-US" b="0" dirty="0" smtClean="0"/>
+              <a:t>經常會有一些需求要</a:t>
+            </a:r>
+            <a:r>
+              <a:rPr lang="zh-TW" altLang="en-US" b="0" dirty="0" smtClean="0"/>
+              <a:t>調整</a:t>
+            </a:r>
+            <a:r>
+              <a:rPr lang="zh-TW" altLang="en-US" b="0" dirty="0"/>
+              <a:t>應用行為</a:t>
+            </a:r>
+            <a:r>
+              <a:rPr lang="en-US" altLang="zh-TW" b="0" dirty="0"/>
+              <a:t>,</a:t>
+            </a:r>
+            <a:r>
+              <a:rPr lang="zh-TW" altLang="en-US" b="0" dirty="0"/>
+              <a:t>如</a:t>
+            </a:r>
+            <a:r>
+              <a:rPr lang="zh-TW" altLang="en-US" dirty="0">
+                <a:solidFill>
+                  <a:srgbClr val="FF0000"/>
+                </a:solidFill>
+              </a:rPr>
+              <a:t>切換不同的資料庫</a:t>
+            </a:r>
+            <a:r>
+              <a:rPr lang="zh-TW" altLang="en-US" b="0" dirty="0">
+                <a:solidFill>
+                  <a:srgbClr val="FF0000"/>
+                </a:solidFill>
+              </a:rPr>
+              <a:t>，</a:t>
+            </a:r>
+            <a:r>
+              <a:rPr lang="zh-TW" altLang="en-US" dirty="0">
+                <a:solidFill>
+                  <a:srgbClr val="FF0000"/>
+                </a:solidFill>
+              </a:rPr>
+              <a:t>設置</a:t>
+            </a:r>
+            <a:r>
+              <a:rPr lang="zh-TW" altLang="en-US" dirty="0" smtClean="0">
+                <a:solidFill>
+                  <a:srgbClr val="FF0000"/>
+                </a:solidFill>
+              </a:rPr>
+              <a:t>功能</a:t>
+            </a:r>
+            <a:r>
+              <a:rPr lang="en-US" altLang="zh-TW" dirty="0" smtClean="0">
+                <a:solidFill>
+                  <a:srgbClr val="FF0000"/>
+                </a:solidFill>
+              </a:rPr>
+              <a:t>(</a:t>
+            </a:r>
+            <a:r>
+              <a:rPr lang="zh-CN" altLang="en-US" dirty="0" smtClean="0">
+                <a:solidFill>
+                  <a:srgbClr val="FF0000"/>
+                </a:solidFill>
+              </a:rPr>
+              <a:t>改</a:t>
+            </a:r>
+            <a:r>
+              <a:rPr lang="en-US" altLang="zh-CN" dirty="0" smtClean="0">
+                <a:solidFill>
+                  <a:srgbClr val="FF0000"/>
+                </a:solidFill>
+              </a:rPr>
+              <a:t>Gateway</a:t>
+            </a:r>
+            <a:r>
+              <a:rPr lang="zh-CN" altLang="en-US" dirty="0" smtClean="0">
+                <a:solidFill>
+                  <a:srgbClr val="FF0000"/>
+                </a:solidFill>
+              </a:rPr>
+              <a:t>的</a:t>
+            </a:r>
+            <a:r>
+              <a:rPr lang="en-US" altLang="zh-CN" dirty="0" smtClean="0">
+                <a:solidFill>
+                  <a:srgbClr val="FF0000"/>
+                </a:solidFill>
+              </a:rPr>
+              <a:t>Routing</a:t>
+            </a:r>
+            <a:r>
+              <a:rPr lang="en-US" altLang="zh-TW" dirty="0" smtClean="0">
+                <a:solidFill>
+                  <a:srgbClr val="FF0000"/>
+                </a:solidFill>
+              </a:rPr>
+              <a:t>)</a:t>
+            </a:r>
+            <a:r>
+              <a:rPr lang="zh-TW" altLang="en-US" b="0" dirty="0" smtClean="0"/>
+              <a:t>等</a:t>
+            </a:r>
+            <a:r>
+              <a:rPr lang="zh-TW" altLang="en-US" b="0" dirty="0"/>
+              <a:t>。</a:t>
+            </a:r>
+          </a:p>
+          <a:p>
+            <a:pPr fontAlgn="base"/>
+            <a:r>
+              <a:rPr lang="en-US" altLang="zh-TW" b="0" dirty="0"/>
+              <a:t>	</a:t>
+            </a:r>
+            <a:r>
+              <a:rPr lang="zh-TW" altLang="en-US" b="0" dirty="0" smtClean="0"/>
+              <a:t>微服務系統的可</a:t>
+            </a:r>
+            <a:r>
+              <a:rPr lang="zh-TW" altLang="en-US" b="0" dirty="0"/>
+              <a:t>伸縮、可擴展性好，隨之就是一個配置管理的問題。各自管各自的開發時沒什麼問題，到了線上之後管理就會很頭疼，到了要大規模更新就更煩了。</a:t>
+            </a:r>
+          </a:p>
+          <a:p>
+            <a:pPr fontAlgn="base"/>
+            <a:r>
+              <a:rPr lang="en-US" altLang="zh-TW" b="0" dirty="0" smtClean="0"/>
+              <a:t>	</a:t>
+            </a:r>
+            <a:r>
+              <a:rPr lang="zh-CN" altLang="en-US" b="0" dirty="0" smtClean="0"/>
+              <a:t>最主要要解決的問題是</a:t>
+            </a:r>
+            <a:r>
+              <a:rPr lang="zh-TW" altLang="en-US" dirty="0" smtClean="0">
+                <a:solidFill>
+                  <a:srgbClr val="FF0000"/>
+                </a:solidFill>
+              </a:rPr>
+              <a:t>不可能</a:t>
+            </a:r>
+            <a:r>
+              <a:rPr lang="zh-TW" altLang="en-US" dirty="0">
+                <a:solidFill>
+                  <a:srgbClr val="FF0000"/>
+                </a:solidFill>
+              </a:rPr>
+              <a:t>停止你的服務集群去更新的你配置</a:t>
+            </a:r>
+            <a:r>
+              <a:rPr lang="zh-TW" altLang="en-US" b="0" dirty="0"/>
+              <a:t>，這是不現實的做法，</a:t>
+            </a:r>
+            <a:r>
+              <a:rPr lang="zh-TW" altLang="en-US" b="0" dirty="0" smtClean="0"/>
+              <a:t>因此</a:t>
+            </a:r>
+            <a:r>
+              <a:rPr lang="en-US" altLang="zh-TW" dirty="0" smtClean="0">
+                <a:solidFill>
+                  <a:srgbClr val="FF0000"/>
+                </a:solidFill>
+              </a:rPr>
+              <a:t>Spring Cloud </a:t>
+            </a:r>
+            <a:r>
+              <a:rPr lang="en-US" altLang="zh-CN" dirty="0" err="1" smtClean="0">
+                <a:solidFill>
+                  <a:srgbClr val="FF0000"/>
+                </a:solidFill>
+              </a:rPr>
+              <a:t>Config</a:t>
+            </a:r>
+            <a:r>
+              <a:rPr lang="zh-TW" altLang="en-US" b="0" dirty="0" smtClean="0"/>
+              <a:t>就是</a:t>
+            </a:r>
+            <a:r>
+              <a:rPr lang="zh-TW" altLang="en-US" b="0" dirty="0"/>
+              <a:t>一個比較好的解決</a:t>
+            </a:r>
+            <a:r>
+              <a:rPr lang="zh-TW" altLang="en-US" b="0" dirty="0" smtClean="0"/>
+              <a:t>方案</a:t>
+            </a:r>
+            <a:r>
+              <a:rPr lang="zh-CN" altLang="en-US" b="0" dirty="0"/>
+              <a:t>。</a:t>
+            </a:r>
+            <a:endParaRPr lang="zh-TW" altLang="en-US" dirty="0"/>
+          </a:p>
+        </p:txBody>
+      </p:sp>
+    </p:spTree>
+    <p:extLst>
+      <p:ext uri="{BB962C8B-B14F-4D97-AF65-F5344CB8AC3E}">
+        <p14:creationId xmlns:p14="http://schemas.microsoft.com/office/powerpoint/2010/main" val="748619833"/>
+      </p:ext>
+    </p:extLst>
+  </p:cSld>
+  <p:clrMapOvr>
+    <a:masterClrMapping/>
+  </p:clrMapOvr>
+  <p:timing>
+    <p:tnLst>
+      <p:par>
+        <p:cTn id="1" dur="indefinite" restart="never" nodeType="tmRoot"/>
+      </p:par>
+    </p:tnLst>
+  </p:timing>
+</p:sld>
+</file>
+
+<file path=ppt/slides/slide40.xml><?xml version="1.0" encoding="utf-8"?>
 <p:sld xmlns:a="http://schemas.openxmlformats.org/drawingml/2006/main" xmlns:r="http://schemas.openxmlformats.org/officeDocument/2006/relationships" xmlns:p="http://schemas.openxmlformats.org/presentationml/2006/main">
   <p:cSld>
     <p:spTree>
@@ -21901,317 +22836,17 @@
   <p:clrMapOvr>
     <a:masterClrMapping/>
   </p:clrMapOvr>
+  <p:timing>
+    <p:tnLst>
+      <p:par>
+        <p:cTn id="1" dur="indefinite" restart="never" nodeType="tmRoot"/>
+      </p:par>
+    </p:tnLst>
+  </p:timing>
 </p:sld>
 </file>
 
-<file path=ppt/slides/slide4.xml><?xml version="1.0" encoding="utf-8"?>
-<p:sld xmlns:a="http://schemas.openxmlformats.org/drawingml/2006/main" xmlns:r="http://schemas.openxmlformats.org/officeDocument/2006/relationships" xmlns:p="http://schemas.openxmlformats.org/presentationml/2006/main">
-  <p:cSld>
-    <p:spTree>
-      <p:nvGrpSpPr>
-        <p:cNvPr id="1" name=""/>
-        <p:cNvGrpSpPr/>
-        <p:nvPr/>
-      </p:nvGrpSpPr>
-      <p:grpSpPr>
-        <a:xfrm>
-          <a:off x="0" y="0"/>
-          <a:ext cx="0" cy="0"/>
-          <a:chOff x="0" y="0"/>
-          <a:chExt cx="0" cy="0"/>
-        </a:xfrm>
-      </p:grpSpPr>
-      <p:sp>
-        <p:nvSpPr>
-          <p:cNvPr id="2" name="標題 1"/>
-          <p:cNvSpPr>
-            <a:spLocks noGrp="1"/>
-          </p:cNvSpPr>
-          <p:nvPr>
-            <p:ph type="title"/>
-          </p:nvPr>
-        </p:nvSpPr>
-        <p:spPr/>
-        <p:txBody>
-          <a:bodyPr>
-            <a:normAutofit/>
-          </a:bodyPr>
-          <a:lstStyle/>
-          <a:p>
-            <a:r>
-              <a:rPr lang="zh-TW" altLang="en-US" dirty="0"/>
-              <a:t>為什麼要配置中心？</a:t>
-            </a:r>
-          </a:p>
-        </p:txBody>
-      </p:sp>
-      <p:sp>
-        <p:nvSpPr>
-          <p:cNvPr id="3" name="內容版面配置區 2"/>
-          <p:cNvSpPr>
-            <a:spLocks noGrp="1"/>
-          </p:cNvSpPr>
-          <p:nvPr>
-            <p:ph sz="quarter" idx="13"/>
-          </p:nvPr>
-        </p:nvSpPr>
-        <p:spPr/>
-        <p:txBody>
-          <a:bodyPr/>
-          <a:lstStyle/>
-          <a:p>
-            <a:endParaRPr lang="zh-TW" altLang="en-US"/>
-          </a:p>
-        </p:txBody>
-      </p:sp>
-      <p:sp>
-        <p:nvSpPr>
-          <p:cNvPr id="4" name="內容版面配置區 3"/>
-          <p:cNvSpPr>
-            <a:spLocks noGrp="1"/>
-          </p:cNvSpPr>
-          <p:nvPr>
-            <p:ph sz="half" idx="1"/>
-          </p:nvPr>
-        </p:nvSpPr>
-        <p:spPr/>
-        <p:txBody>
-          <a:bodyPr/>
-          <a:lstStyle/>
-          <a:p>
-            <a:pPr fontAlgn="base"/>
-            <a:r>
-              <a:rPr lang="en-US" altLang="zh-TW" b="0" dirty="0" smtClean="0"/>
-              <a:t>	</a:t>
-            </a:r>
-            <a:r>
-              <a:rPr lang="zh-TW" altLang="en-US" b="0" dirty="0" smtClean="0"/>
-              <a:t>一個</a:t>
-            </a:r>
-            <a:r>
-              <a:rPr lang="zh-TW" altLang="en-US" b="0" dirty="0"/>
-              <a:t>應用</a:t>
-            </a:r>
-            <a:r>
-              <a:rPr lang="zh-TW" altLang="en-US" b="0" dirty="0" smtClean="0"/>
-              <a:t>中</a:t>
-            </a:r>
-            <a:r>
-              <a:rPr lang="zh-CN" altLang="en-US" b="0" dirty="0" smtClean="0"/>
-              <a:t>經常會有一些需求要</a:t>
-            </a:r>
-            <a:r>
-              <a:rPr lang="zh-TW" altLang="en-US" b="0" dirty="0" smtClean="0"/>
-              <a:t>調整</a:t>
-            </a:r>
-            <a:r>
-              <a:rPr lang="zh-TW" altLang="en-US" b="0" dirty="0"/>
-              <a:t>應用行為</a:t>
-            </a:r>
-            <a:r>
-              <a:rPr lang="en-US" altLang="zh-TW" b="0" dirty="0"/>
-              <a:t>,</a:t>
-            </a:r>
-            <a:r>
-              <a:rPr lang="zh-TW" altLang="en-US" b="0" dirty="0"/>
-              <a:t>如</a:t>
-            </a:r>
-            <a:r>
-              <a:rPr lang="zh-TW" altLang="en-US" dirty="0">
-                <a:solidFill>
-                  <a:srgbClr val="FF0000"/>
-                </a:solidFill>
-              </a:rPr>
-              <a:t>切換不同的資料庫</a:t>
-            </a:r>
-            <a:r>
-              <a:rPr lang="zh-TW" altLang="en-US" b="0" dirty="0">
-                <a:solidFill>
-                  <a:srgbClr val="FF0000"/>
-                </a:solidFill>
-              </a:rPr>
-              <a:t>，</a:t>
-            </a:r>
-            <a:r>
-              <a:rPr lang="zh-TW" altLang="en-US" dirty="0">
-                <a:solidFill>
-                  <a:srgbClr val="FF0000"/>
-                </a:solidFill>
-              </a:rPr>
-              <a:t>設置</a:t>
-            </a:r>
-            <a:r>
-              <a:rPr lang="zh-TW" altLang="en-US" dirty="0" smtClean="0">
-                <a:solidFill>
-                  <a:srgbClr val="FF0000"/>
-                </a:solidFill>
-              </a:rPr>
-              <a:t>功能</a:t>
-            </a:r>
-            <a:r>
-              <a:rPr lang="en-US" altLang="zh-TW" dirty="0" smtClean="0">
-                <a:solidFill>
-                  <a:srgbClr val="FF0000"/>
-                </a:solidFill>
-              </a:rPr>
-              <a:t>(</a:t>
-            </a:r>
-            <a:r>
-              <a:rPr lang="zh-CN" altLang="en-US" dirty="0" smtClean="0">
-                <a:solidFill>
-                  <a:srgbClr val="FF0000"/>
-                </a:solidFill>
-              </a:rPr>
-              <a:t>改</a:t>
-            </a:r>
-            <a:r>
-              <a:rPr lang="en-US" altLang="zh-CN" dirty="0" smtClean="0">
-                <a:solidFill>
-                  <a:srgbClr val="FF0000"/>
-                </a:solidFill>
-              </a:rPr>
-              <a:t>Gateway</a:t>
-            </a:r>
-            <a:r>
-              <a:rPr lang="zh-CN" altLang="en-US" dirty="0" smtClean="0">
-                <a:solidFill>
-                  <a:srgbClr val="FF0000"/>
-                </a:solidFill>
-              </a:rPr>
-              <a:t>的</a:t>
-            </a:r>
-            <a:r>
-              <a:rPr lang="en-US" altLang="zh-CN" dirty="0" smtClean="0">
-                <a:solidFill>
-                  <a:srgbClr val="FF0000"/>
-                </a:solidFill>
-              </a:rPr>
-              <a:t>Routing</a:t>
-            </a:r>
-            <a:r>
-              <a:rPr lang="en-US" altLang="zh-TW" dirty="0" smtClean="0">
-                <a:solidFill>
-                  <a:srgbClr val="FF0000"/>
-                </a:solidFill>
-              </a:rPr>
-              <a:t>)</a:t>
-            </a:r>
-            <a:r>
-              <a:rPr lang="zh-TW" altLang="en-US" dirty="0" smtClean="0">
-                <a:solidFill>
-                  <a:srgbClr val="FF0000"/>
-                </a:solidFill>
-              </a:rPr>
-              <a:t>開關</a:t>
-            </a:r>
-            <a:r>
-              <a:rPr lang="zh-TW" altLang="en-US" b="0" dirty="0" smtClean="0"/>
-              <a:t>等</a:t>
-            </a:r>
-            <a:r>
-              <a:rPr lang="zh-TW" altLang="en-US" b="0" dirty="0"/>
-              <a:t>。</a:t>
-            </a:r>
-          </a:p>
-          <a:p>
-            <a:pPr fontAlgn="base"/>
-            <a:r>
-              <a:rPr lang="en-US" altLang="zh-TW" b="0" dirty="0"/>
-              <a:t>	</a:t>
-            </a:r>
-            <a:r>
-              <a:rPr lang="zh-TW" altLang="en-US" b="0" dirty="0" smtClean="0"/>
-              <a:t>微服務系統的可</a:t>
-            </a:r>
-            <a:r>
-              <a:rPr lang="zh-TW" altLang="en-US" b="0" dirty="0"/>
-              <a:t>伸縮、可擴展性好，隨之就是一個配置管理的問題。各自管各自的開發時沒什麼問題，到了線上之後管理就會很頭疼，到了要大規模更新就更煩了。</a:t>
-            </a:r>
-          </a:p>
-          <a:p>
-            <a:pPr fontAlgn="base"/>
-            <a:r>
-              <a:rPr lang="en-US" altLang="zh-TW" b="0" dirty="0" smtClean="0"/>
-              <a:t>	</a:t>
-            </a:r>
-            <a:r>
-              <a:rPr lang="zh-CN" altLang="en-US" b="0" dirty="0" smtClean="0"/>
-              <a:t>最主要要解決的問題是</a:t>
-            </a:r>
-            <a:r>
-              <a:rPr lang="zh-TW" altLang="en-US" dirty="0" smtClean="0">
-                <a:solidFill>
-                  <a:srgbClr val="FF0000"/>
-                </a:solidFill>
-              </a:rPr>
-              <a:t>不可能</a:t>
-            </a:r>
-            <a:r>
-              <a:rPr lang="zh-TW" altLang="en-US" dirty="0">
-                <a:solidFill>
-                  <a:srgbClr val="FF0000"/>
-                </a:solidFill>
-              </a:rPr>
-              <a:t>停止你的服務集群去更新的你配置</a:t>
-            </a:r>
-            <a:r>
-              <a:rPr lang="zh-TW" altLang="en-US" b="0" dirty="0"/>
-              <a:t>，這是不現實的做法，</a:t>
-            </a:r>
-            <a:r>
-              <a:rPr lang="zh-TW" altLang="en-US" b="0" dirty="0" smtClean="0"/>
-              <a:t>因此</a:t>
-            </a:r>
-            <a:r>
-              <a:rPr lang="en-US" altLang="zh-TW" dirty="0" smtClean="0">
-                <a:solidFill>
-                  <a:srgbClr val="FF0000"/>
-                </a:solidFill>
-              </a:rPr>
-              <a:t>Spring Cloud </a:t>
-            </a:r>
-            <a:r>
-              <a:rPr lang="en-US" altLang="zh-CN" dirty="0" err="1" smtClean="0">
-                <a:solidFill>
-                  <a:srgbClr val="FF0000"/>
-                </a:solidFill>
-              </a:rPr>
-              <a:t>Config</a:t>
-            </a:r>
-            <a:r>
-              <a:rPr lang="zh-TW" altLang="en-US" b="0" dirty="0" smtClean="0"/>
-              <a:t>就是</a:t>
-            </a:r>
-            <a:r>
-              <a:rPr lang="zh-TW" altLang="en-US" b="0" dirty="0"/>
-              <a:t>一個比較好的解決</a:t>
-            </a:r>
-            <a:r>
-              <a:rPr lang="zh-TW" altLang="en-US" b="0" dirty="0" smtClean="0"/>
-              <a:t>方案</a:t>
-            </a:r>
-            <a:r>
-              <a:rPr lang="zh-CN" altLang="en-US" b="0" dirty="0"/>
-              <a:t>。</a:t>
-            </a:r>
-            <a:endParaRPr lang="zh-TW" altLang="en-US" dirty="0"/>
-          </a:p>
-        </p:txBody>
-      </p:sp>
-    </p:spTree>
-    <p:extLst>
-      <p:ext uri="{BB962C8B-B14F-4D97-AF65-F5344CB8AC3E}">
-        <p14:creationId xmlns:p14="http://schemas.microsoft.com/office/powerpoint/2010/main" val="748619833"/>
-      </p:ext>
-    </p:extLst>
-  </p:cSld>
-  <p:clrMapOvr>
-    <a:masterClrMapping/>
-  </p:clrMapOvr>
-</p:sld>
-</file>
-
-<file path=ppt/slides/slide40.xml><?xml version="1.0" encoding="utf-8"?>
+<file path=ppt/slides/slide41.xml><?xml version="1.0" encoding="utf-8"?>
 <p:sld xmlns:a="http://schemas.openxmlformats.org/drawingml/2006/main" xmlns:r="http://schemas.openxmlformats.org/officeDocument/2006/relationships" xmlns:p="http://schemas.openxmlformats.org/presentationml/2006/main">
   <p:cSld>
     <p:spTree>
@@ -22407,90 +23042,13 @@
   <p:clrMapOvr>
     <a:masterClrMapping/>
   </p:clrMapOvr>
-</p:sld>
-</file>
-
-<file path=ppt/slides/slide41.xml><?xml version="1.0" encoding="utf-8"?>
-<p:sld xmlns:a="http://schemas.openxmlformats.org/drawingml/2006/main" xmlns:r="http://schemas.openxmlformats.org/officeDocument/2006/relationships" xmlns:p="http://schemas.openxmlformats.org/presentationml/2006/main">
-  <p:cSld>
-    <p:spTree>
-      <p:nvGrpSpPr>
-        <p:cNvPr id="1" name=""/>
-        <p:cNvGrpSpPr/>
-        <p:nvPr/>
-      </p:nvGrpSpPr>
-      <p:grpSpPr>
-        <a:xfrm>
-          <a:off x="0" y="0"/>
-          <a:ext cx="0" cy="0"/>
-          <a:chOff x="0" y="0"/>
-          <a:chExt cx="0" cy="0"/>
-        </a:xfrm>
-      </p:grpSpPr>
-      <p:sp>
-        <p:nvSpPr>
-          <p:cNvPr id="4" name="標題 3"/>
-          <p:cNvSpPr>
-            <a:spLocks noGrp="1"/>
-          </p:cNvSpPr>
-          <p:nvPr>
-            <p:ph type="title"/>
-          </p:nvPr>
-        </p:nvSpPr>
-        <p:spPr/>
-        <p:txBody>
-          <a:bodyPr/>
-          <a:lstStyle/>
-          <a:p>
-            <a:r>
-              <a:rPr lang="en-US" altLang="zh-CN" dirty="0" smtClean="0"/>
-              <a:t>4. </a:t>
-            </a:r>
-            <a:r>
-              <a:rPr lang="en-US" altLang="zh-CN" dirty="0" err="1" smtClean="0"/>
-              <a:t>Config</a:t>
-            </a:r>
-            <a:r>
-              <a:rPr lang="en-US" altLang="zh-CN" dirty="0" smtClean="0"/>
-              <a:t> </a:t>
-            </a:r>
-            <a:r>
-              <a:rPr lang="zh-CN" altLang="en-US" dirty="0" smtClean="0"/>
-              <a:t>案例說明</a:t>
-            </a:r>
-            <a:endParaRPr lang="en-US" altLang="zh-TW" dirty="0"/>
-          </a:p>
-        </p:txBody>
-      </p:sp>
-      <p:sp>
-        <p:nvSpPr>
-          <p:cNvPr id="5" name="文字版面配置區 4"/>
-          <p:cNvSpPr>
-            <a:spLocks noGrp="1"/>
-          </p:cNvSpPr>
-          <p:nvPr>
-            <p:ph type="body" idx="1"/>
-          </p:nvPr>
-        </p:nvSpPr>
-        <p:spPr/>
-        <p:txBody>
-          <a:bodyPr/>
-          <a:lstStyle/>
-          <a:p>
-            <a:endParaRPr lang="zh-TW" altLang="en-US" dirty="0"/>
-          </a:p>
-        </p:txBody>
-      </p:sp>
-    </p:spTree>
-    <p:extLst>
-      <p:ext uri="{BB962C8B-B14F-4D97-AF65-F5344CB8AC3E}">
-        <p14:creationId xmlns:p14="http://schemas.microsoft.com/office/powerpoint/2010/main" val="3402392212"/>
-      </p:ext>
-    </p:extLst>
-  </p:cSld>
-  <p:clrMapOvr>
-    <a:masterClrMapping/>
-  </p:clrMapOvr>
+  <p:timing>
+    <p:tnLst>
+      <p:par>
+        <p:cTn id="1" dur="indefinite" restart="never" nodeType="tmRoot"/>
+      </p:par>
+    </p:tnLst>
+  </p:timing>
 </p:sld>
 </file>
 
@@ -22527,6 +23085,275 @@
           <a:lstStyle/>
           <a:p>
             <a:r>
+              <a:rPr lang="zh-CN" altLang="en-US" dirty="0" smtClean="0"/>
+              <a:t>場景五</a:t>
+            </a:r>
+            <a:r>
+              <a:rPr lang="en-US" altLang="zh-CN" dirty="0" smtClean="0"/>
+              <a:t>——</a:t>
+            </a:r>
+            <a:r>
+              <a:rPr lang="zh-CN" altLang="en-US" dirty="0" smtClean="0"/>
+              <a:t>更換</a:t>
+            </a:r>
+            <a:r>
+              <a:rPr lang="en-US" altLang="zh-CN" dirty="0" smtClean="0"/>
+              <a:t>Spring Cloud </a:t>
+            </a:r>
+            <a:r>
+              <a:rPr lang="zh-CN" altLang="en-US" dirty="0" smtClean="0"/>
+              <a:t>的</a:t>
+            </a:r>
+            <a:r>
+              <a:rPr lang="en-US" altLang="zh-CN" dirty="0" smtClean="0"/>
+              <a:t>port(</a:t>
+            </a:r>
+            <a:r>
+              <a:rPr lang="zh-CN" altLang="en-US" smtClean="0"/>
+              <a:t>未完</a:t>
+            </a:r>
+            <a:r>
+              <a:rPr lang="en-US" altLang="zh-CN" smtClean="0"/>
+              <a:t>)</a:t>
+            </a:r>
+            <a:endParaRPr lang="zh-TW" altLang="en-US" dirty="0"/>
+          </a:p>
+        </p:txBody>
+      </p:sp>
+      <p:sp>
+        <p:nvSpPr>
+          <p:cNvPr id="3" name="內容版面配置區 2"/>
+          <p:cNvSpPr>
+            <a:spLocks noGrp="1"/>
+          </p:cNvSpPr>
+          <p:nvPr>
+            <p:ph sz="quarter" idx="13"/>
+          </p:nvPr>
+        </p:nvSpPr>
+        <p:spPr/>
+        <p:txBody>
+          <a:bodyPr/>
+          <a:lstStyle/>
+          <a:p>
+            <a:endParaRPr lang="zh-TW" altLang="en-US" dirty="0"/>
+          </a:p>
+        </p:txBody>
+      </p:sp>
+      <p:sp>
+        <p:nvSpPr>
+          <p:cNvPr id="4" name="內容版面配置區 3"/>
+          <p:cNvSpPr>
+            <a:spLocks noGrp="1"/>
+          </p:cNvSpPr>
+          <p:nvPr>
+            <p:ph sz="half" idx="1"/>
+          </p:nvPr>
+        </p:nvSpPr>
+        <p:spPr/>
+        <p:txBody>
+          <a:bodyPr/>
+          <a:lstStyle/>
+          <a:p>
+            <a:r>
+              <a:rPr lang="zh-CN" altLang="en-US" dirty="0" smtClean="0"/>
+              <a:t>使用</a:t>
+            </a:r>
+            <a:r>
+              <a:rPr lang="en-US" altLang="zh-CN" dirty="0" smtClean="0"/>
+              <a:t>@</a:t>
+            </a:r>
+            <a:r>
+              <a:rPr lang="en-US" altLang="zh-CN" dirty="0" err="1" smtClean="0"/>
+              <a:t>RefreshScope</a:t>
+            </a:r>
+            <a:r>
+              <a:rPr lang="zh-CN" altLang="en-US" dirty="0" smtClean="0"/>
+              <a:t>會刷新在</a:t>
+            </a:r>
+            <a:r>
+              <a:rPr lang="en-US" altLang="zh-CN" dirty="0" smtClean="0"/>
+              <a:t>spring IOC</a:t>
+            </a:r>
+            <a:r>
+              <a:rPr lang="zh-CN" altLang="en-US" dirty="0" smtClean="0"/>
+              <a:t>中使用</a:t>
+            </a:r>
+            <a:r>
+              <a:rPr lang="en-US" altLang="zh-CN" dirty="0" smtClean="0"/>
+              <a:t>@Value</a:t>
+            </a:r>
+            <a:r>
+              <a:rPr lang="zh-CN" altLang="en-US" dirty="0" smtClean="0"/>
+              <a:t>的值，但是在</a:t>
+            </a:r>
+            <a:r>
+              <a:rPr lang="en-US" altLang="zh-CN" dirty="0" smtClean="0"/>
+              <a:t>properties</a:t>
+            </a:r>
+            <a:r>
+              <a:rPr lang="zh-CN" altLang="en-US" dirty="0" smtClean="0"/>
+              <a:t>中配置的其他類參數並不會改變。例如：</a:t>
+            </a:r>
+            <a:r>
+              <a:rPr lang="en-US" altLang="zh-CN" dirty="0" smtClean="0"/>
+              <a:t>application.name </a:t>
+            </a:r>
+            <a:r>
+              <a:rPr lang="zh-CN" altLang="en-US" dirty="0" smtClean="0"/>
+              <a:t>和 </a:t>
+            </a:r>
+            <a:r>
+              <a:rPr lang="en-US" altLang="zh-CN" dirty="0" err="1" smtClean="0"/>
+              <a:t>server.port</a:t>
+            </a:r>
+            <a:endParaRPr lang="zh-TW" altLang="en-US" dirty="0"/>
+          </a:p>
+        </p:txBody>
+      </p:sp>
+    </p:spTree>
+    <p:extLst>
+      <p:ext uri="{BB962C8B-B14F-4D97-AF65-F5344CB8AC3E}">
+        <p14:creationId xmlns:p14="http://schemas.microsoft.com/office/powerpoint/2010/main" val="1423473795"/>
+      </p:ext>
+    </p:extLst>
+  </p:cSld>
+  <p:clrMapOvr>
+    <a:masterClrMapping/>
+  </p:clrMapOvr>
+  <p:timing>
+    <p:tnLst>
+      <p:par>
+        <p:cTn id="1" dur="indefinite" restart="never" nodeType="tmRoot"/>
+      </p:par>
+    </p:tnLst>
+  </p:timing>
+</p:sld>
+</file>
+
+<file path=ppt/slides/slide43.xml><?xml version="1.0" encoding="utf-8"?>
+<p:sld xmlns:a="http://schemas.openxmlformats.org/drawingml/2006/main" xmlns:r="http://schemas.openxmlformats.org/officeDocument/2006/relationships" xmlns:p="http://schemas.openxmlformats.org/presentationml/2006/main">
+  <p:cSld>
+    <p:spTree>
+      <p:nvGrpSpPr>
+        <p:cNvPr id="1" name=""/>
+        <p:cNvGrpSpPr/>
+        <p:nvPr/>
+      </p:nvGrpSpPr>
+      <p:grpSpPr>
+        <a:xfrm>
+          <a:off x="0" y="0"/>
+          <a:ext cx="0" cy="0"/>
+          <a:chOff x="0" y="0"/>
+          <a:chExt cx="0" cy="0"/>
+        </a:xfrm>
+      </p:grpSpPr>
+      <p:sp>
+        <p:nvSpPr>
+          <p:cNvPr id="4" name="標題 3"/>
+          <p:cNvSpPr>
+            <a:spLocks noGrp="1"/>
+          </p:cNvSpPr>
+          <p:nvPr>
+            <p:ph type="title"/>
+          </p:nvPr>
+        </p:nvSpPr>
+        <p:spPr/>
+        <p:txBody>
+          <a:bodyPr/>
+          <a:lstStyle/>
+          <a:p>
+            <a:r>
+              <a:rPr lang="en-US" altLang="zh-CN" dirty="0" smtClean="0"/>
+              <a:t>4. </a:t>
+            </a:r>
+            <a:r>
+              <a:rPr lang="en-US" altLang="zh-CN" dirty="0" err="1" smtClean="0"/>
+              <a:t>Config</a:t>
+            </a:r>
+            <a:r>
+              <a:rPr lang="en-US" altLang="zh-CN" dirty="0" smtClean="0"/>
+              <a:t> </a:t>
+            </a:r>
+            <a:r>
+              <a:rPr lang="zh-CN" altLang="en-US" dirty="0" smtClean="0"/>
+              <a:t>案例說明</a:t>
+            </a:r>
+            <a:endParaRPr lang="en-US" altLang="zh-TW" dirty="0"/>
+          </a:p>
+        </p:txBody>
+      </p:sp>
+      <p:sp>
+        <p:nvSpPr>
+          <p:cNvPr id="5" name="文字版面配置區 4"/>
+          <p:cNvSpPr>
+            <a:spLocks noGrp="1"/>
+          </p:cNvSpPr>
+          <p:nvPr>
+            <p:ph type="body" idx="1"/>
+          </p:nvPr>
+        </p:nvSpPr>
+        <p:spPr/>
+        <p:txBody>
+          <a:bodyPr/>
+          <a:lstStyle/>
+          <a:p>
+            <a:endParaRPr lang="zh-TW" altLang="en-US" dirty="0"/>
+          </a:p>
+        </p:txBody>
+      </p:sp>
+    </p:spTree>
+    <p:extLst>
+      <p:ext uri="{BB962C8B-B14F-4D97-AF65-F5344CB8AC3E}">
+        <p14:creationId xmlns:p14="http://schemas.microsoft.com/office/powerpoint/2010/main" val="3402392212"/>
+      </p:ext>
+    </p:extLst>
+  </p:cSld>
+  <p:clrMapOvr>
+    <a:masterClrMapping/>
+  </p:clrMapOvr>
+  <p:timing>
+    <p:tnLst>
+      <p:par>
+        <p:cTn id="1" dur="indefinite" restart="never" nodeType="tmRoot"/>
+      </p:par>
+    </p:tnLst>
+  </p:timing>
+</p:sld>
+</file>
+
+<file path=ppt/slides/slide44.xml><?xml version="1.0" encoding="utf-8"?>
+<p:sld xmlns:a="http://schemas.openxmlformats.org/drawingml/2006/main" xmlns:r="http://schemas.openxmlformats.org/officeDocument/2006/relationships" xmlns:p="http://schemas.openxmlformats.org/presentationml/2006/main">
+  <p:cSld>
+    <p:spTree>
+      <p:nvGrpSpPr>
+        <p:cNvPr id="1" name=""/>
+        <p:cNvGrpSpPr/>
+        <p:nvPr/>
+      </p:nvGrpSpPr>
+      <p:grpSpPr>
+        <a:xfrm>
+          <a:off x="0" y="0"/>
+          <a:ext cx="0" cy="0"/>
+          <a:chOff x="0" y="0"/>
+          <a:chExt cx="0" cy="0"/>
+        </a:xfrm>
+      </p:grpSpPr>
+      <p:sp>
+        <p:nvSpPr>
+          <p:cNvPr id="2" name="標題 1"/>
+          <p:cNvSpPr>
+            <a:spLocks noGrp="1"/>
+          </p:cNvSpPr>
+          <p:nvPr>
+            <p:ph type="title"/>
+          </p:nvPr>
+        </p:nvSpPr>
+        <p:spPr/>
+        <p:txBody>
+          <a:bodyPr/>
+          <a:lstStyle/>
+          <a:p>
+            <a:r>
               <a:rPr lang="zh-CN" altLang="en-US" dirty="0"/>
               <a:t>案例</a:t>
             </a:r>
@@ -22756,10 +23583,17 @@
   <p:clrMapOvr>
     <a:masterClrMapping/>
   </p:clrMapOvr>
+  <p:timing>
+    <p:tnLst>
+      <p:par>
+        <p:cTn id="1" dur="indefinite" restart="never" nodeType="tmRoot"/>
+      </p:par>
+    </p:tnLst>
+  </p:timing>
 </p:sld>
 </file>
 
-<file path=ppt/slides/slide43.xml><?xml version="1.0" encoding="utf-8"?>
+<file path=ppt/slides/slide45.xml><?xml version="1.0" encoding="utf-8"?>
 <p:sld xmlns:a="http://schemas.openxmlformats.org/drawingml/2006/main" xmlns:r="http://schemas.openxmlformats.org/officeDocument/2006/relationships" xmlns:p="http://schemas.openxmlformats.org/presentationml/2006/main">
   <p:cSld>
     <p:spTree>
@@ -23827,10 +24661,17 @@
   <p:clrMapOvr>
     <a:masterClrMapping/>
   </p:clrMapOvr>
+  <p:timing>
+    <p:tnLst>
+      <p:par>
+        <p:cTn id="1" dur="indefinite" restart="never" nodeType="tmRoot"/>
+      </p:par>
+    </p:tnLst>
+  </p:timing>
 </p:sld>
 </file>
 
-<file path=ppt/slides/slide44.xml><?xml version="1.0" encoding="utf-8"?>
+<file path=ppt/slides/slide46.xml><?xml version="1.0" encoding="utf-8"?>
 <p:sld xmlns:a="http://schemas.openxmlformats.org/drawingml/2006/main" xmlns:r="http://schemas.openxmlformats.org/officeDocument/2006/relationships" xmlns:p="http://schemas.openxmlformats.org/presentationml/2006/main">
   <p:cSld>
     <p:spTree>
@@ -24386,10 +25227,17 @@
   <p:clrMapOvr>
     <a:masterClrMapping/>
   </p:clrMapOvr>
+  <p:timing>
+    <p:tnLst>
+      <p:par>
+        <p:cTn id="1" dur="indefinite" restart="never" nodeType="tmRoot"/>
+      </p:par>
+    </p:tnLst>
+  </p:timing>
 </p:sld>
 </file>
 
-<file path=ppt/slides/slide45.xml><?xml version="1.0" encoding="utf-8"?>
+<file path=ppt/slides/slide47.xml><?xml version="1.0" encoding="utf-8"?>
 <p:sld xmlns:a="http://schemas.openxmlformats.org/drawingml/2006/main" xmlns:r="http://schemas.openxmlformats.org/officeDocument/2006/relationships" xmlns:p="http://schemas.openxmlformats.org/presentationml/2006/main">
   <p:cSld>
     <p:spTree>
@@ -24545,10 +25393,17 @@
   <p:clrMapOvr>
     <a:masterClrMapping/>
   </p:clrMapOvr>
+  <p:timing>
+    <p:tnLst>
+      <p:par>
+        <p:cTn id="1" dur="indefinite" restart="never" nodeType="tmRoot"/>
+      </p:par>
+    </p:tnLst>
+  </p:timing>
 </p:sld>
 </file>
 
-<file path=ppt/slides/slide46.xml><?xml version="1.0" encoding="utf-8"?>
+<file path=ppt/slides/slide48.xml><?xml version="1.0" encoding="utf-8"?>
 <p:sld xmlns:a="http://schemas.openxmlformats.org/drawingml/2006/main" xmlns:r="http://schemas.openxmlformats.org/officeDocument/2006/relationships" xmlns:p="http://schemas.openxmlformats.org/presentationml/2006/main">
   <p:cSld>
     <p:spTree>
@@ -24737,10 +25592,17 @@
   <p:clrMapOvr>
     <a:masterClrMapping/>
   </p:clrMapOvr>
+  <p:timing>
+    <p:tnLst>
+      <p:par>
+        <p:cTn id="1" dur="indefinite" restart="never" nodeType="tmRoot"/>
+      </p:par>
+    </p:tnLst>
+  </p:timing>
 </p:sld>
 </file>
 
-<file path=ppt/slides/slide47.xml><?xml version="1.0" encoding="utf-8"?>
+<file path=ppt/slides/slide49.xml><?xml version="1.0" encoding="utf-8"?>
 <p:sld xmlns:a="http://schemas.openxmlformats.org/drawingml/2006/main" xmlns:r="http://schemas.openxmlformats.org/officeDocument/2006/relationships" xmlns:p="http://schemas.openxmlformats.org/presentationml/2006/main">
   <p:cSld>
     <p:spTree>
@@ -24876,6 +25738,13 @@
   <p:clrMapOvr>
     <a:masterClrMapping/>
   </p:clrMapOvr>
+  <p:timing>
+    <p:tnLst>
+      <p:par>
+        <p:cTn id="1" dur="indefinite" restart="never" nodeType="tmRoot"/>
+      </p:par>
+    </p:tnLst>
+  </p:timing>
 </p:sld>
 </file>
 
@@ -25267,6 +26136,13 @@
   <p:clrMapOvr>
     <a:masterClrMapping/>
   </p:clrMapOvr>
+  <p:timing>
+    <p:tnLst>
+      <p:par>
+        <p:cTn id="1" dur="indefinite" restart="never" nodeType="tmRoot"/>
+      </p:par>
+    </p:tnLst>
+  </p:timing>
 </p:sld>
 </file>
 
@@ -25514,6 +26390,13 @@
   <p:clrMapOvr>
     <a:masterClrMapping/>
   </p:clrMapOvr>
+  <p:timing>
+    <p:tnLst>
+      <p:par>
+        <p:cTn id="1" dur="indefinite" restart="never" nodeType="tmRoot"/>
+      </p:par>
+    </p:tnLst>
+  </p:timing>
 </p:sld>
 </file>
 
@@ -25623,6 +26506,13 @@
   <p:clrMapOvr>
     <a:masterClrMapping/>
   </p:clrMapOvr>
+  <p:timing>
+    <p:tnLst>
+      <p:par>
+        <p:cTn id="1" dur="indefinite" restart="never" nodeType="tmRoot"/>
+      </p:par>
+    </p:tnLst>
+  </p:timing>
 </p:sld>
 </file>
 
@@ -25780,6 +26670,13 @@
   <p:clrMapOvr>
     <a:masterClrMapping/>
   </p:clrMapOvr>
+  <p:timing>
+    <p:tnLst>
+      <p:par>
+        <p:cTn id="1" dur="indefinite" restart="never" nodeType="tmRoot"/>
+      </p:par>
+    </p:tnLst>
+  </p:timing>
 </p:sld>
 </file>
 
@@ -25923,6 +26820,13 @@
   <p:clrMapOvr>
     <a:masterClrMapping/>
   </p:clrMapOvr>
+  <p:timing>
+    <p:tnLst>
+      <p:par>
+        <p:cTn id="1" dur="indefinite" restart="never" nodeType="tmRoot"/>
+      </p:par>
+    </p:tnLst>
+  </p:timing>
 </p:sld>
 </file>
 
@@ -26242,7 +27146,7 @@
   <a:extraClrSchemeLst/>
   <a:extLst>
     <a:ext uri="{05A4C25C-085E-4340-85A3-A5531E510DB2}">
-      <thm15:themeFamily xmlns:thm15="http://schemas.microsoft.com/office/thememl/2012/main" xmlns="" name="Office Theme" id="{62F939B6-93AF-4DB8-9C6B-D6C7DFDC589F}" vid="{4A3C46E8-61CC-4603-A589-7422A47A8E4A}"/>
+      <thm15:themeFamily xmlns="" xmlns:thm15="http://schemas.microsoft.com/office/thememl/2012/main" name="Office Theme" id="{62F939B6-93AF-4DB8-9C6B-D6C7DFDC589F}" vid="{4A3C46E8-61CC-4603-A589-7422A47A8E4A}"/>
     </a:ext>
   </a:extLst>
 </a:theme>
